--- a/6_Reports/6_2_Phase_2/End_Semester_Report.pptx
+++ b/6_Reports/6_2_Phase_2/End_Semester_Report.pptx
@@ -4,11 +4,20 @@
   <p:sldMasterIdLst>
     <p:sldMasterId id="2147483700" r:id="rId1"/>
   </p:sldMasterIdLst>
+  <p:notesMasterIdLst>
+    <p:notesMasterId r:id="rId12"/>
+  </p:notesMasterIdLst>
   <p:sldIdLst>
     <p:sldId id="257" r:id="rId2"/>
-    <p:sldId id="256" r:id="rId3"/>
-    <p:sldId id="259" r:id="rId4"/>
-    <p:sldId id="260" r:id="rId5"/>
+    <p:sldId id="262" r:id="rId3"/>
+    <p:sldId id="256" r:id="rId4"/>
+    <p:sldId id="259" r:id="rId5"/>
+    <p:sldId id="261" r:id="rId6"/>
+    <p:sldId id="260" r:id="rId7"/>
+    <p:sldId id="263" r:id="rId8"/>
+    <p:sldId id="266" r:id="rId9"/>
+    <p:sldId id="265" r:id="rId10"/>
+    <p:sldId id="264" r:id="rId11"/>
   </p:sldIdLst>
   <p:sldSz cx="9144000" cy="5715000" type="screen16x10"/>
   <p:notesSz cx="6858000" cy="9144000"/>
@@ -119,6 +128,1095 @@
     </p:ext>
   </p:extLst>
 </p:presentation>
+</file>
+
+<file path=ppt/notesMasters/notesMaster1.xml><?xml version="1.0" encoding="utf-8"?>
+<p:notesMaster xmlns:a="http://schemas.openxmlformats.org/drawingml/2006/main" xmlns:r="http://schemas.openxmlformats.org/officeDocument/2006/relationships" xmlns:p="http://schemas.openxmlformats.org/presentationml/2006/main">
+  <p:cSld>
+    <p:bg>
+      <p:bgRef idx="1001">
+        <a:schemeClr val="bg1"/>
+      </p:bgRef>
+    </p:bg>
+    <p:spTree>
+      <p:nvGrpSpPr>
+        <p:cNvPr id="1" name=""/>
+        <p:cNvGrpSpPr/>
+        <p:nvPr/>
+      </p:nvGrpSpPr>
+      <p:grpSpPr>
+        <a:xfrm>
+          <a:off x="0" y="0"/>
+          <a:ext cx="0" cy="0"/>
+          <a:chOff x="0" y="0"/>
+          <a:chExt cx="0" cy="0"/>
+        </a:xfrm>
+      </p:grpSpPr>
+      <p:sp>
+        <p:nvSpPr>
+          <p:cNvPr id="2" name="页眉占位符 1"/>
+          <p:cNvSpPr>
+            <a:spLocks noGrp="1"/>
+          </p:cNvSpPr>
+          <p:nvPr>
+            <p:ph type="hdr" sz="quarter"/>
+          </p:nvPr>
+        </p:nvSpPr>
+        <p:spPr>
+          <a:xfrm>
+            <a:off x="0" y="0"/>
+            <a:ext cx="2971800" cy="458788"/>
+          </a:xfrm>
+          <a:prstGeom prst="rect">
+            <a:avLst/>
+          </a:prstGeom>
+        </p:spPr>
+        <p:txBody>
+          <a:bodyPr vert="horz" lIns="91440" tIns="45720" rIns="91440" bIns="45720" rtlCol="0"/>
+          <a:lstStyle>
+            <a:lvl1pPr algn="l">
+              <a:defRPr sz="1200"/>
+            </a:lvl1pPr>
+          </a:lstStyle>
+          <a:p>
+            <a:endParaRPr lang="zh-CN" altLang="en-US"/>
+          </a:p>
+        </p:txBody>
+      </p:sp>
+      <p:sp>
+        <p:nvSpPr>
+          <p:cNvPr id="3" name="日期占位符 2"/>
+          <p:cNvSpPr>
+            <a:spLocks noGrp="1"/>
+          </p:cNvSpPr>
+          <p:nvPr>
+            <p:ph type="dt" idx="1"/>
+          </p:nvPr>
+        </p:nvSpPr>
+        <p:spPr>
+          <a:xfrm>
+            <a:off x="3884613" y="0"/>
+            <a:ext cx="2971800" cy="458788"/>
+          </a:xfrm>
+          <a:prstGeom prst="rect">
+            <a:avLst/>
+          </a:prstGeom>
+        </p:spPr>
+        <p:txBody>
+          <a:bodyPr vert="horz" lIns="91440" tIns="45720" rIns="91440" bIns="45720" rtlCol="0"/>
+          <a:lstStyle>
+            <a:lvl1pPr algn="r">
+              <a:defRPr sz="1200"/>
+            </a:lvl1pPr>
+          </a:lstStyle>
+          <a:p>
+            <a:fld id="{345BFD96-1C7E-4895-B002-8AA86726AA6F}" type="datetimeFigureOut">
+              <a:rPr lang="zh-CN" altLang="en-US" smtClean="0"/>
+              <a:t>2023/6/23</a:t>
+            </a:fld>
+            <a:endParaRPr lang="zh-CN" altLang="en-US"/>
+          </a:p>
+        </p:txBody>
+      </p:sp>
+      <p:sp>
+        <p:nvSpPr>
+          <p:cNvPr id="4" name="幻灯片图像占位符 3"/>
+          <p:cNvSpPr>
+            <a:spLocks noGrp="1" noRot="1" noChangeAspect="1"/>
+          </p:cNvSpPr>
+          <p:nvPr>
+            <p:ph type="sldImg" idx="2"/>
+          </p:nvPr>
+        </p:nvSpPr>
+        <p:spPr>
+          <a:xfrm>
+            <a:off x="960438" y="1143000"/>
+            <a:ext cx="4937125" cy="3086100"/>
+          </a:xfrm>
+          <a:prstGeom prst="rect">
+            <a:avLst/>
+          </a:prstGeom>
+          <a:noFill/>
+          <a:ln w="12700">
+            <a:solidFill>
+              <a:prstClr val="black"/>
+            </a:solidFill>
+          </a:ln>
+        </p:spPr>
+        <p:txBody>
+          <a:bodyPr vert="horz" lIns="91440" tIns="45720" rIns="91440" bIns="45720" rtlCol="0" anchor="ctr"/>
+          <a:lstStyle/>
+          <a:p>
+            <a:endParaRPr lang="zh-CN" altLang="en-US"/>
+          </a:p>
+        </p:txBody>
+      </p:sp>
+      <p:sp>
+        <p:nvSpPr>
+          <p:cNvPr id="5" name="备注占位符 4"/>
+          <p:cNvSpPr>
+            <a:spLocks noGrp="1"/>
+          </p:cNvSpPr>
+          <p:nvPr>
+            <p:ph type="body" sz="quarter" idx="3"/>
+          </p:nvPr>
+        </p:nvSpPr>
+        <p:spPr>
+          <a:xfrm>
+            <a:off x="685800" y="4400550"/>
+            <a:ext cx="5486400" cy="3600450"/>
+          </a:xfrm>
+          <a:prstGeom prst="rect">
+            <a:avLst/>
+          </a:prstGeom>
+        </p:spPr>
+        <p:txBody>
+          <a:bodyPr vert="horz" lIns="91440" tIns="45720" rIns="91440" bIns="45720" rtlCol="0"/>
+          <a:lstStyle/>
+          <a:p>
+            <a:pPr lvl="0"/>
+            <a:r>
+              <a:rPr lang="zh-CN" altLang="en-US"/>
+              <a:t>单击此处编辑母版文本样式</a:t>
+            </a:r>
+          </a:p>
+          <a:p>
+            <a:pPr lvl="1"/>
+            <a:r>
+              <a:rPr lang="zh-CN" altLang="en-US"/>
+              <a:t>二级</a:t>
+            </a:r>
+          </a:p>
+          <a:p>
+            <a:pPr lvl="2"/>
+            <a:r>
+              <a:rPr lang="zh-CN" altLang="en-US"/>
+              <a:t>三级</a:t>
+            </a:r>
+          </a:p>
+          <a:p>
+            <a:pPr lvl="3"/>
+            <a:r>
+              <a:rPr lang="zh-CN" altLang="en-US"/>
+              <a:t>四级</a:t>
+            </a:r>
+          </a:p>
+          <a:p>
+            <a:pPr lvl="4"/>
+            <a:r>
+              <a:rPr lang="zh-CN" altLang="en-US"/>
+              <a:t>五级</a:t>
+            </a:r>
+          </a:p>
+        </p:txBody>
+      </p:sp>
+      <p:sp>
+        <p:nvSpPr>
+          <p:cNvPr id="6" name="页脚占位符 5"/>
+          <p:cNvSpPr>
+            <a:spLocks noGrp="1"/>
+          </p:cNvSpPr>
+          <p:nvPr>
+            <p:ph type="ftr" sz="quarter" idx="4"/>
+          </p:nvPr>
+        </p:nvSpPr>
+        <p:spPr>
+          <a:xfrm>
+            <a:off x="0" y="8685213"/>
+            <a:ext cx="2971800" cy="458787"/>
+          </a:xfrm>
+          <a:prstGeom prst="rect">
+            <a:avLst/>
+          </a:prstGeom>
+        </p:spPr>
+        <p:txBody>
+          <a:bodyPr vert="horz" lIns="91440" tIns="45720" rIns="91440" bIns="45720" rtlCol="0" anchor="b"/>
+          <a:lstStyle>
+            <a:lvl1pPr algn="l">
+              <a:defRPr sz="1200"/>
+            </a:lvl1pPr>
+          </a:lstStyle>
+          <a:p>
+            <a:endParaRPr lang="zh-CN" altLang="en-US"/>
+          </a:p>
+        </p:txBody>
+      </p:sp>
+      <p:sp>
+        <p:nvSpPr>
+          <p:cNvPr id="7" name="灯片编号占位符 6"/>
+          <p:cNvSpPr>
+            <a:spLocks noGrp="1"/>
+          </p:cNvSpPr>
+          <p:nvPr>
+            <p:ph type="sldNum" sz="quarter" idx="5"/>
+          </p:nvPr>
+        </p:nvSpPr>
+        <p:spPr>
+          <a:xfrm>
+            <a:off x="3884613" y="8685213"/>
+            <a:ext cx="2971800" cy="458787"/>
+          </a:xfrm>
+          <a:prstGeom prst="rect">
+            <a:avLst/>
+          </a:prstGeom>
+        </p:spPr>
+        <p:txBody>
+          <a:bodyPr vert="horz" lIns="91440" tIns="45720" rIns="91440" bIns="45720" rtlCol="0" anchor="b"/>
+          <a:lstStyle>
+            <a:lvl1pPr algn="r">
+              <a:defRPr sz="1200"/>
+            </a:lvl1pPr>
+          </a:lstStyle>
+          <a:p>
+            <a:fld id="{6697E87D-5A90-4B20-A821-667C0F792DA9}" type="slidenum">
+              <a:rPr lang="zh-CN" altLang="en-US" smtClean="0"/>
+              <a:t>‹#›</a:t>
+            </a:fld>
+            <a:endParaRPr lang="zh-CN" altLang="en-US"/>
+          </a:p>
+        </p:txBody>
+      </p:sp>
+    </p:spTree>
+    <p:extLst>
+      <p:ext uri="{BB962C8B-B14F-4D97-AF65-F5344CB8AC3E}">
+        <p14:creationId xmlns:p14="http://schemas.microsoft.com/office/powerpoint/2010/main" val="2044841811"/>
+      </p:ext>
+    </p:extLst>
+  </p:cSld>
+  <p:clrMap bg1="lt1" tx1="dk1" bg2="lt2" tx2="dk2" accent1="accent1" accent2="accent2" accent3="accent3" accent4="accent4" accent5="accent5" accent6="accent6" hlink="hlink" folHlink="folHlink"/>
+  <p:notesStyle>
+    <a:lvl1pPr marL="0" algn="l" defTabSz="914400" rtl="0" eaLnBrk="1" latinLnBrk="0" hangingPunct="1">
+      <a:defRPr sz="1200" kern="1200">
+        <a:solidFill>
+          <a:schemeClr val="tx1"/>
+        </a:solidFill>
+        <a:latin typeface="+mn-lt"/>
+        <a:ea typeface="+mn-ea"/>
+        <a:cs typeface="+mn-cs"/>
+      </a:defRPr>
+    </a:lvl1pPr>
+    <a:lvl2pPr marL="457200" algn="l" defTabSz="914400" rtl="0" eaLnBrk="1" latinLnBrk="0" hangingPunct="1">
+      <a:defRPr sz="1200" kern="1200">
+        <a:solidFill>
+          <a:schemeClr val="tx1"/>
+        </a:solidFill>
+        <a:latin typeface="+mn-lt"/>
+        <a:ea typeface="+mn-ea"/>
+        <a:cs typeface="+mn-cs"/>
+      </a:defRPr>
+    </a:lvl2pPr>
+    <a:lvl3pPr marL="914400" algn="l" defTabSz="914400" rtl="0" eaLnBrk="1" latinLnBrk="0" hangingPunct="1">
+      <a:defRPr sz="1200" kern="1200">
+        <a:solidFill>
+          <a:schemeClr val="tx1"/>
+        </a:solidFill>
+        <a:latin typeface="+mn-lt"/>
+        <a:ea typeface="+mn-ea"/>
+        <a:cs typeface="+mn-cs"/>
+      </a:defRPr>
+    </a:lvl3pPr>
+    <a:lvl4pPr marL="1371600" algn="l" defTabSz="914400" rtl="0" eaLnBrk="1" latinLnBrk="0" hangingPunct="1">
+      <a:defRPr sz="1200" kern="1200">
+        <a:solidFill>
+          <a:schemeClr val="tx1"/>
+        </a:solidFill>
+        <a:latin typeface="+mn-lt"/>
+        <a:ea typeface="+mn-ea"/>
+        <a:cs typeface="+mn-cs"/>
+      </a:defRPr>
+    </a:lvl4pPr>
+    <a:lvl5pPr marL="1828800" algn="l" defTabSz="914400" rtl="0" eaLnBrk="1" latinLnBrk="0" hangingPunct="1">
+      <a:defRPr sz="1200" kern="1200">
+        <a:solidFill>
+          <a:schemeClr val="tx1"/>
+        </a:solidFill>
+        <a:latin typeface="+mn-lt"/>
+        <a:ea typeface="+mn-ea"/>
+        <a:cs typeface="+mn-cs"/>
+      </a:defRPr>
+    </a:lvl5pPr>
+    <a:lvl6pPr marL="2286000" algn="l" defTabSz="914400" rtl="0" eaLnBrk="1" latinLnBrk="0" hangingPunct="1">
+      <a:defRPr sz="1200" kern="1200">
+        <a:solidFill>
+          <a:schemeClr val="tx1"/>
+        </a:solidFill>
+        <a:latin typeface="+mn-lt"/>
+        <a:ea typeface="+mn-ea"/>
+        <a:cs typeface="+mn-cs"/>
+      </a:defRPr>
+    </a:lvl6pPr>
+    <a:lvl7pPr marL="2743200" algn="l" defTabSz="914400" rtl="0" eaLnBrk="1" latinLnBrk="0" hangingPunct="1">
+      <a:defRPr sz="1200" kern="1200">
+        <a:solidFill>
+          <a:schemeClr val="tx1"/>
+        </a:solidFill>
+        <a:latin typeface="+mn-lt"/>
+        <a:ea typeface="+mn-ea"/>
+        <a:cs typeface="+mn-cs"/>
+      </a:defRPr>
+    </a:lvl7pPr>
+    <a:lvl8pPr marL="3200400" algn="l" defTabSz="914400" rtl="0" eaLnBrk="1" latinLnBrk="0" hangingPunct="1">
+      <a:defRPr sz="1200" kern="1200">
+        <a:solidFill>
+          <a:schemeClr val="tx1"/>
+        </a:solidFill>
+        <a:latin typeface="+mn-lt"/>
+        <a:ea typeface="+mn-ea"/>
+        <a:cs typeface="+mn-cs"/>
+      </a:defRPr>
+    </a:lvl8pPr>
+    <a:lvl9pPr marL="3657600" algn="l" defTabSz="914400" rtl="0" eaLnBrk="1" latinLnBrk="0" hangingPunct="1">
+      <a:defRPr sz="1200" kern="1200">
+        <a:solidFill>
+          <a:schemeClr val="tx1"/>
+        </a:solidFill>
+        <a:latin typeface="+mn-lt"/>
+        <a:ea typeface="+mn-ea"/>
+        <a:cs typeface="+mn-cs"/>
+      </a:defRPr>
+    </a:lvl9pPr>
+  </p:notesStyle>
+</p:notesMaster>
+</file>
+
+<file path=ppt/notesSlides/notesSlide1.xml><?xml version="1.0" encoding="utf-8"?>
+<p:notes xmlns:a="http://schemas.openxmlformats.org/drawingml/2006/main" xmlns:r="http://schemas.openxmlformats.org/officeDocument/2006/relationships" xmlns:p="http://schemas.openxmlformats.org/presentationml/2006/main">
+  <p:cSld>
+    <p:spTree>
+      <p:nvGrpSpPr>
+        <p:cNvPr id="1" name=""/>
+        <p:cNvGrpSpPr/>
+        <p:nvPr/>
+      </p:nvGrpSpPr>
+      <p:grpSpPr>
+        <a:xfrm>
+          <a:off x="0" y="0"/>
+          <a:ext cx="0" cy="0"/>
+          <a:chOff x="0" y="0"/>
+          <a:chExt cx="0" cy="0"/>
+        </a:xfrm>
+      </p:grpSpPr>
+      <p:sp>
+        <p:nvSpPr>
+          <p:cNvPr id="2" name="幻灯片图像占位符 1"/>
+          <p:cNvSpPr>
+            <a:spLocks noGrp="1" noRot="1" noChangeAspect="1"/>
+          </p:cNvSpPr>
+          <p:nvPr>
+            <p:ph type="sldImg"/>
+          </p:nvPr>
+        </p:nvSpPr>
+        <p:spPr/>
+      </p:sp>
+      <p:sp>
+        <p:nvSpPr>
+          <p:cNvPr id="3" name="备注占位符 2"/>
+          <p:cNvSpPr>
+            <a:spLocks noGrp="1"/>
+          </p:cNvSpPr>
+          <p:nvPr>
+            <p:ph type="body" idx="1"/>
+          </p:nvPr>
+        </p:nvSpPr>
+        <p:spPr/>
+        <p:txBody>
+          <a:bodyPr/>
+          <a:lstStyle/>
+          <a:p>
+            <a:r>
+              <a:rPr lang="zh-CN" altLang="en-US" dirty="0"/>
+              <a:t>鸡尾酒效应</a:t>
+            </a:r>
+          </a:p>
+        </p:txBody>
+      </p:sp>
+      <p:sp>
+        <p:nvSpPr>
+          <p:cNvPr id="4" name="灯片编号占位符 3"/>
+          <p:cNvSpPr>
+            <a:spLocks noGrp="1"/>
+          </p:cNvSpPr>
+          <p:nvPr>
+            <p:ph type="sldNum" sz="quarter" idx="5"/>
+          </p:nvPr>
+        </p:nvSpPr>
+        <p:spPr/>
+        <p:txBody>
+          <a:bodyPr/>
+          <a:lstStyle/>
+          <a:p>
+            <a:fld id="{6697E87D-5A90-4B20-A821-667C0F792DA9}" type="slidenum">
+              <a:rPr lang="zh-CN" altLang="en-US" smtClean="0"/>
+              <a:t>3</a:t>
+            </a:fld>
+            <a:endParaRPr lang="zh-CN" altLang="en-US"/>
+          </a:p>
+        </p:txBody>
+      </p:sp>
+    </p:spTree>
+    <p:extLst>
+      <p:ext uri="{BB962C8B-B14F-4D97-AF65-F5344CB8AC3E}">
+        <p14:creationId xmlns:p14="http://schemas.microsoft.com/office/powerpoint/2010/main" val="2245284952"/>
+      </p:ext>
+    </p:extLst>
+  </p:cSld>
+  <p:clrMapOvr>
+    <a:masterClrMapping/>
+  </p:clrMapOvr>
+</p:notes>
+</file>
+
+<file path=ppt/notesSlides/notesSlide2.xml><?xml version="1.0" encoding="utf-8"?>
+<p:notes xmlns:a="http://schemas.openxmlformats.org/drawingml/2006/main" xmlns:r="http://schemas.openxmlformats.org/officeDocument/2006/relationships" xmlns:p="http://schemas.openxmlformats.org/presentationml/2006/main">
+  <p:cSld>
+    <p:spTree>
+      <p:nvGrpSpPr>
+        <p:cNvPr id="1" name=""/>
+        <p:cNvGrpSpPr/>
+        <p:nvPr/>
+      </p:nvGrpSpPr>
+      <p:grpSpPr>
+        <a:xfrm>
+          <a:off x="0" y="0"/>
+          <a:ext cx="0" cy="0"/>
+          <a:chOff x="0" y="0"/>
+          <a:chExt cx="0" cy="0"/>
+        </a:xfrm>
+      </p:grpSpPr>
+      <p:sp>
+        <p:nvSpPr>
+          <p:cNvPr id="2" name="幻灯片图像占位符 1"/>
+          <p:cNvSpPr>
+            <a:spLocks noGrp="1" noRot="1" noChangeAspect="1"/>
+          </p:cNvSpPr>
+          <p:nvPr>
+            <p:ph type="sldImg"/>
+          </p:nvPr>
+        </p:nvSpPr>
+        <p:spPr/>
+      </p:sp>
+      <p:sp>
+        <p:nvSpPr>
+          <p:cNvPr id="3" name="备注占位符 2"/>
+          <p:cNvSpPr>
+            <a:spLocks noGrp="1"/>
+          </p:cNvSpPr>
+          <p:nvPr>
+            <p:ph type="body" idx="1"/>
+          </p:nvPr>
+        </p:nvSpPr>
+        <p:spPr/>
+        <p:txBody>
+          <a:bodyPr/>
+          <a:lstStyle/>
+          <a:p>
+            <a:r>
+              <a:rPr lang="en-US" altLang="zh-CN" dirty="0"/>
+              <a:t>SPMT</a:t>
+            </a:r>
+            <a:r>
+              <a:rPr lang="zh-CN" altLang="en-US" dirty="0"/>
+              <a:t>的实验流程</a:t>
+            </a:r>
+          </a:p>
+        </p:txBody>
+      </p:sp>
+      <p:sp>
+        <p:nvSpPr>
+          <p:cNvPr id="4" name="灯片编号占位符 3"/>
+          <p:cNvSpPr>
+            <a:spLocks noGrp="1"/>
+          </p:cNvSpPr>
+          <p:nvPr>
+            <p:ph type="sldNum" sz="quarter" idx="5"/>
+          </p:nvPr>
+        </p:nvSpPr>
+        <p:spPr/>
+        <p:txBody>
+          <a:bodyPr/>
+          <a:lstStyle/>
+          <a:p>
+            <a:fld id="{6697E87D-5A90-4B20-A821-667C0F792DA9}" type="slidenum">
+              <a:rPr lang="zh-CN" altLang="en-US" smtClean="0"/>
+              <a:t>4</a:t>
+            </a:fld>
+            <a:endParaRPr lang="zh-CN" altLang="en-US"/>
+          </a:p>
+        </p:txBody>
+      </p:sp>
+    </p:spTree>
+    <p:extLst>
+      <p:ext uri="{BB962C8B-B14F-4D97-AF65-F5344CB8AC3E}">
+        <p14:creationId xmlns:p14="http://schemas.microsoft.com/office/powerpoint/2010/main" val="1897509916"/>
+      </p:ext>
+    </p:extLst>
+  </p:cSld>
+  <p:clrMapOvr>
+    <a:masterClrMapping/>
+  </p:clrMapOvr>
+</p:notes>
+</file>
+
+<file path=ppt/notesSlides/notesSlide3.xml><?xml version="1.0" encoding="utf-8"?>
+<p:notes xmlns:a="http://schemas.openxmlformats.org/drawingml/2006/main" xmlns:r="http://schemas.openxmlformats.org/officeDocument/2006/relationships" xmlns:p="http://schemas.openxmlformats.org/presentationml/2006/main">
+  <p:cSld>
+    <p:spTree>
+      <p:nvGrpSpPr>
+        <p:cNvPr id="1" name=""/>
+        <p:cNvGrpSpPr/>
+        <p:nvPr/>
+      </p:nvGrpSpPr>
+      <p:grpSpPr>
+        <a:xfrm>
+          <a:off x="0" y="0"/>
+          <a:ext cx="0" cy="0"/>
+          <a:chOff x="0" y="0"/>
+          <a:chExt cx="0" cy="0"/>
+        </a:xfrm>
+      </p:grpSpPr>
+      <p:sp>
+        <p:nvSpPr>
+          <p:cNvPr id="2" name="幻灯片图像占位符 1"/>
+          <p:cNvSpPr>
+            <a:spLocks noGrp="1" noRot="1" noChangeAspect="1"/>
+          </p:cNvSpPr>
+          <p:nvPr>
+            <p:ph type="sldImg"/>
+          </p:nvPr>
+        </p:nvSpPr>
+        <p:spPr/>
+      </p:sp>
+      <p:sp>
+        <p:nvSpPr>
+          <p:cNvPr id="3" name="备注占位符 2"/>
+          <p:cNvSpPr>
+            <a:spLocks noGrp="1"/>
+          </p:cNvSpPr>
+          <p:nvPr>
+            <p:ph type="body" idx="1"/>
+          </p:nvPr>
+        </p:nvSpPr>
+        <p:spPr/>
+        <p:txBody>
+          <a:bodyPr/>
+          <a:lstStyle/>
+          <a:p>
+            <a:r>
+              <a:rPr lang="en-US" altLang="zh-CN" dirty="0"/>
+              <a:t>SPMT</a:t>
+            </a:r>
+            <a:r>
+              <a:rPr lang="zh-CN" altLang="en-US" dirty="0"/>
+              <a:t>越来越被普遍用于测量自我优势效应</a:t>
+            </a:r>
+          </a:p>
+        </p:txBody>
+      </p:sp>
+      <p:sp>
+        <p:nvSpPr>
+          <p:cNvPr id="4" name="灯片编号占位符 3"/>
+          <p:cNvSpPr>
+            <a:spLocks noGrp="1"/>
+          </p:cNvSpPr>
+          <p:nvPr>
+            <p:ph type="sldNum" sz="quarter" idx="5"/>
+          </p:nvPr>
+        </p:nvSpPr>
+        <p:spPr/>
+        <p:txBody>
+          <a:bodyPr/>
+          <a:lstStyle/>
+          <a:p>
+            <a:fld id="{6697E87D-5A90-4B20-A821-667C0F792DA9}" type="slidenum">
+              <a:rPr lang="zh-CN" altLang="en-US" smtClean="0"/>
+              <a:t>5</a:t>
+            </a:fld>
+            <a:endParaRPr lang="zh-CN" altLang="en-US"/>
+          </a:p>
+        </p:txBody>
+      </p:sp>
+    </p:spTree>
+    <p:extLst>
+      <p:ext uri="{BB962C8B-B14F-4D97-AF65-F5344CB8AC3E}">
+        <p14:creationId xmlns:p14="http://schemas.microsoft.com/office/powerpoint/2010/main" val="2369253547"/>
+      </p:ext>
+    </p:extLst>
+  </p:cSld>
+  <p:clrMapOvr>
+    <a:masterClrMapping/>
+  </p:clrMapOvr>
+</p:notes>
+</file>
+
+<file path=ppt/notesSlides/notesSlide4.xml><?xml version="1.0" encoding="utf-8"?>
+<p:notes xmlns:a="http://schemas.openxmlformats.org/drawingml/2006/main" xmlns:r="http://schemas.openxmlformats.org/officeDocument/2006/relationships" xmlns:p="http://schemas.openxmlformats.org/presentationml/2006/main">
+  <p:cSld>
+    <p:spTree>
+      <p:nvGrpSpPr>
+        <p:cNvPr id="1" name=""/>
+        <p:cNvGrpSpPr/>
+        <p:nvPr/>
+      </p:nvGrpSpPr>
+      <p:grpSpPr>
+        <a:xfrm>
+          <a:off x="0" y="0"/>
+          <a:ext cx="0" cy="0"/>
+          <a:chOff x="0" y="0"/>
+          <a:chExt cx="0" cy="0"/>
+        </a:xfrm>
+      </p:grpSpPr>
+      <p:sp>
+        <p:nvSpPr>
+          <p:cNvPr id="2" name="幻灯片图像占位符 1"/>
+          <p:cNvSpPr>
+            <a:spLocks noGrp="1" noRot="1" noChangeAspect="1"/>
+          </p:cNvSpPr>
+          <p:nvPr>
+            <p:ph type="sldImg"/>
+          </p:nvPr>
+        </p:nvSpPr>
+        <p:spPr/>
+      </p:sp>
+      <p:sp>
+        <p:nvSpPr>
+          <p:cNvPr id="3" name="备注占位符 2"/>
+          <p:cNvSpPr>
+            <a:spLocks noGrp="1"/>
+          </p:cNvSpPr>
+          <p:nvPr>
+            <p:ph type="body" idx="1"/>
+          </p:nvPr>
+        </p:nvSpPr>
+        <p:spPr/>
+        <p:txBody>
+          <a:bodyPr/>
+          <a:lstStyle/>
+          <a:p>
+            <a:pPr marL="0" indent="0">
+              <a:buFont typeface="+mj-lt"/>
+              <a:buNone/>
+            </a:pPr>
+            <a:r>
+              <a:rPr lang="zh-CN" altLang="en-US" dirty="0"/>
+              <a:t>此外，越来越多的认知实验被用来测量稳定的个体差异（类似于问卷被用于测量人格特质）</a:t>
+            </a:r>
+            <a:endParaRPr lang="en-US" altLang="zh-CN" dirty="0"/>
+          </a:p>
+          <a:p>
+            <a:pPr marL="0" indent="0">
+              <a:buFont typeface="+mj-lt"/>
+              <a:buNone/>
+            </a:pPr>
+            <a:r>
+              <a:rPr lang="zh-CN" altLang="en-US" dirty="0"/>
+              <a:t>自我相关刺激反应更快速（自我优势效应）也是具有个体差异的</a:t>
+            </a:r>
+            <a:endParaRPr lang="en-US" altLang="zh-CN" dirty="0"/>
+          </a:p>
+          <a:p>
+            <a:pPr marL="0" indent="0">
+              <a:buFont typeface="+mj-lt"/>
+              <a:buNone/>
+            </a:pPr>
+            <a:r>
+              <a:rPr lang="zh-CN" altLang="en-US" dirty="0"/>
+              <a:t>如果</a:t>
+            </a:r>
+            <a:r>
+              <a:rPr lang="en-US" altLang="zh-CN" dirty="0"/>
+              <a:t>SPMT</a:t>
+            </a:r>
+            <a:r>
+              <a:rPr lang="zh-CN" altLang="en-US" dirty="0"/>
+              <a:t>要被用于测量这样的个体差异，那么这个范式需要具有较高的信度</a:t>
+            </a:r>
+          </a:p>
+        </p:txBody>
+      </p:sp>
+      <p:sp>
+        <p:nvSpPr>
+          <p:cNvPr id="4" name="灯片编号占位符 3"/>
+          <p:cNvSpPr>
+            <a:spLocks noGrp="1"/>
+          </p:cNvSpPr>
+          <p:nvPr>
+            <p:ph type="sldNum" sz="quarter" idx="5"/>
+          </p:nvPr>
+        </p:nvSpPr>
+        <p:spPr/>
+        <p:txBody>
+          <a:bodyPr/>
+          <a:lstStyle/>
+          <a:p>
+            <a:fld id="{6697E87D-5A90-4B20-A821-667C0F792DA9}" type="slidenum">
+              <a:rPr lang="zh-CN" altLang="en-US" smtClean="0"/>
+              <a:t>6</a:t>
+            </a:fld>
+            <a:endParaRPr lang="zh-CN" altLang="en-US"/>
+          </a:p>
+        </p:txBody>
+      </p:sp>
+    </p:spTree>
+    <p:extLst>
+      <p:ext uri="{BB962C8B-B14F-4D97-AF65-F5344CB8AC3E}">
+        <p14:creationId xmlns:p14="http://schemas.microsoft.com/office/powerpoint/2010/main" val="3851613612"/>
+      </p:ext>
+    </p:extLst>
+  </p:cSld>
+  <p:clrMapOvr>
+    <a:masterClrMapping/>
+  </p:clrMapOvr>
+</p:notes>
+</file>
+
+<file path=ppt/notesSlides/notesSlide5.xml><?xml version="1.0" encoding="utf-8"?>
+<p:notes xmlns:a="http://schemas.openxmlformats.org/drawingml/2006/main" xmlns:r="http://schemas.openxmlformats.org/officeDocument/2006/relationships" xmlns:p="http://schemas.openxmlformats.org/presentationml/2006/main">
+  <p:cSld>
+    <p:spTree>
+      <p:nvGrpSpPr>
+        <p:cNvPr id="1" name=""/>
+        <p:cNvGrpSpPr/>
+        <p:nvPr/>
+      </p:nvGrpSpPr>
+      <p:grpSpPr>
+        <a:xfrm>
+          <a:off x="0" y="0"/>
+          <a:ext cx="0" cy="0"/>
+          <a:chOff x="0" y="0"/>
+          <a:chExt cx="0" cy="0"/>
+        </a:xfrm>
+      </p:grpSpPr>
+      <p:sp>
+        <p:nvSpPr>
+          <p:cNvPr id="2" name="幻灯片图像占位符 1"/>
+          <p:cNvSpPr>
+            <a:spLocks noGrp="1" noRot="1" noChangeAspect="1"/>
+          </p:cNvSpPr>
+          <p:nvPr>
+            <p:ph type="sldImg"/>
+          </p:nvPr>
+        </p:nvSpPr>
+        <p:spPr/>
+      </p:sp>
+      <p:sp>
+        <p:nvSpPr>
+          <p:cNvPr id="3" name="备注占位符 2"/>
+          <p:cNvSpPr>
+            <a:spLocks noGrp="1"/>
+          </p:cNvSpPr>
+          <p:nvPr>
+            <p:ph type="body" idx="1"/>
+          </p:nvPr>
+        </p:nvSpPr>
+        <p:spPr/>
+        <p:txBody>
+          <a:bodyPr/>
+          <a:lstStyle/>
+          <a:p>
+            <a:r>
+              <a:rPr lang="zh-CN" altLang="en-US" dirty="0"/>
+              <a:t>需要按照自变量分组，每个实验条件下，都需要计算六种（八种）因变量指标</a:t>
+            </a:r>
+          </a:p>
+        </p:txBody>
+      </p:sp>
+      <p:sp>
+        <p:nvSpPr>
+          <p:cNvPr id="4" name="灯片编号占位符 3"/>
+          <p:cNvSpPr>
+            <a:spLocks noGrp="1"/>
+          </p:cNvSpPr>
+          <p:nvPr>
+            <p:ph type="sldNum" sz="quarter" idx="5"/>
+          </p:nvPr>
+        </p:nvSpPr>
+        <p:spPr/>
+        <p:txBody>
+          <a:bodyPr/>
+          <a:lstStyle/>
+          <a:p>
+            <a:fld id="{6697E87D-5A90-4B20-A821-667C0F792DA9}" type="slidenum">
+              <a:rPr lang="zh-CN" altLang="en-US" smtClean="0"/>
+              <a:t>7</a:t>
+            </a:fld>
+            <a:endParaRPr lang="zh-CN" altLang="en-US"/>
+          </a:p>
+        </p:txBody>
+      </p:sp>
+    </p:spTree>
+    <p:extLst>
+      <p:ext uri="{BB962C8B-B14F-4D97-AF65-F5344CB8AC3E}">
+        <p14:creationId xmlns:p14="http://schemas.microsoft.com/office/powerpoint/2010/main" val="1868638223"/>
+      </p:ext>
+    </p:extLst>
+  </p:cSld>
+  <p:clrMapOvr>
+    <a:masterClrMapping/>
+  </p:clrMapOvr>
+</p:notes>
+</file>
+
+<file path=ppt/notesSlides/notesSlide6.xml><?xml version="1.0" encoding="utf-8"?>
+<p:notes xmlns:a="http://schemas.openxmlformats.org/drawingml/2006/main" xmlns:r="http://schemas.openxmlformats.org/officeDocument/2006/relationships" xmlns:p="http://schemas.openxmlformats.org/presentationml/2006/main">
+  <p:cSld>
+    <p:spTree>
+      <p:nvGrpSpPr>
+        <p:cNvPr id="1" name=""/>
+        <p:cNvGrpSpPr/>
+        <p:nvPr/>
+      </p:nvGrpSpPr>
+      <p:grpSpPr>
+        <a:xfrm>
+          <a:off x="0" y="0"/>
+          <a:ext cx="0" cy="0"/>
+          <a:chOff x="0" y="0"/>
+          <a:chExt cx="0" cy="0"/>
+        </a:xfrm>
+      </p:grpSpPr>
+      <p:sp>
+        <p:nvSpPr>
+          <p:cNvPr id="2" name="幻灯片图像占位符 1"/>
+          <p:cNvSpPr>
+            <a:spLocks noGrp="1" noRot="1" noChangeAspect="1"/>
+          </p:cNvSpPr>
+          <p:nvPr>
+            <p:ph type="sldImg"/>
+          </p:nvPr>
+        </p:nvSpPr>
+        <p:spPr/>
+      </p:sp>
+      <p:sp>
+        <p:nvSpPr>
+          <p:cNvPr id="3" name="备注占位符 2"/>
+          <p:cNvSpPr>
+            <a:spLocks noGrp="1"/>
+          </p:cNvSpPr>
+          <p:nvPr>
+            <p:ph type="body" idx="1"/>
+          </p:nvPr>
+        </p:nvSpPr>
+        <p:spPr/>
+        <p:txBody>
+          <a:bodyPr/>
+          <a:lstStyle/>
+          <a:p>
+            <a:r>
+              <a:rPr lang="zh-CN" altLang="en-US" dirty="0"/>
+              <a:t>每个被试在每个实验条件下，数据被均等的分为两份。</a:t>
+            </a:r>
+          </a:p>
+        </p:txBody>
+      </p:sp>
+      <p:sp>
+        <p:nvSpPr>
+          <p:cNvPr id="4" name="灯片编号占位符 3"/>
+          <p:cNvSpPr>
+            <a:spLocks noGrp="1"/>
+          </p:cNvSpPr>
+          <p:nvPr>
+            <p:ph type="sldNum" sz="quarter" idx="5"/>
+          </p:nvPr>
+        </p:nvSpPr>
+        <p:spPr/>
+        <p:txBody>
+          <a:bodyPr/>
+          <a:lstStyle/>
+          <a:p>
+            <a:fld id="{6697E87D-5A90-4B20-A821-667C0F792DA9}" type="slidenum">
+              <a:rPr lang="zh-CN" altLang="en-US" smtClean="0"/>
+              <a:t>8</a:t>
+            </a:fld>
+            <a:endParaRPr lang="zh-CN" altLang="en-US"/>
+          </a:p>
+        </p:txBody>
+      </p:sp>
+    </p:spTree>
+    <p:extLst>
+      <p:ext uri="{BB962C8B-B14F-4D97-AF65-F5344CB8AC3E}">
+        <p14:creationId xmlns:p14="http://schemas.microsoft.com/office/powerpoint/2010/main" val="3831690626"/>
+      </p:ext>
+    </p:extLst>
+  </p:cSld>
+  <p:clrMapOvr>
+    <a:masterClrMapping/>
+  </p:clrMapOvr>
+</p:notes>
+</file>
+
+<file path=ppt/notesSlides/notesSlide7.xml><?xml version="1.0" encoding="utf-8"?>
+<p:notes xmlns:a="http://schemas.openxmlformats.org/drawingml/2006/main" xmlns:r="http://schemas.openxmlformats.org/officeDocument/2006/relationships" xmlns:p="http://schemas.openxmlformats.org/presentationml/2006/main">
+  <p:cSld>
+    <p:spTree>
+      <p:nvGrpSpPr>
+        <p:cNvPr id="1" name=""/>
+        <p:cNvGrpSpPr/>
+        <p:nvPr/>
+      </p:nvGrpSpPr>
+      <p:grpSpPr>
+        <a:xfrm>
+          <a:off x="0" y="0"/>
+          <a:ext cx="0" cy="0"/>
+          <a:chOff x="0" y="0"/>
+          <a:chExt cx="0" cy="0"/>
+        </a:xfrm>
+      </p:grpSpPr>
+      <p:sp>
+        <p:nvSpPr>
+          <p:cNvPr id="2" name="幻灯片图像占位符 1"/>
+          <p:cNvSpPr>
+            <a:spLocks noGrp="1" noRot="1" noChangeAspect="1"/>
+          </p:cNvSpPr>
+          <p:nvPr>
+            <p:ph type="sldImg"/>
+          </p:nvPr>
+        </p:nvSpPr>
+        <p:spPr/>
+      </p:sp>
+      <p:sp>
+        <p:nvSpPr>
+          <p:cNvPr id="3" name="备注占位符 2"/>
+          <p:cNvSpPr>
+            <a:spLocks noGrp="1"/>
+          </p:cNvSpPr>
+          <p:nvPr>
+            <p:ph type="body" idx="1"/>
+          </p:nvPr>
+        </p:nvSpPr>
+        <p:spPr/>
+        <p:txBody>
+          <a:bodyPr/>
+          <a:lstStyle/>
+          <a:p>
+            <a:r>
+              <a:rPr lang="zh-CN" altLang="en-US" dirty="0"/>
+              <a:t>然后计算自我与他人，在这六种指标上的差异，即自我优势效应</a:t>
+            </a:r>
+            <a:r>
+              <a:rPr lang="en-US" altLang="zh-CN" dirty="0"/>
+              <a:t>SPE</a:t>
+            </a:r>
+            <a:endParaRPr lang="zh-CN" altLang="en-US" dirty="0"/>
+          </a:p>
+        </p:txBody>
+      </p:sp>
+      <p:sp>
+        <p:nvSpPr>
+          <p:cNvPr id="4" name="灯片编号占位符 3"/>
+          <p:cNvSpPr>
+            <a:spLocks noGrp="1"/>
+          </p:cNvSpPr>
+          <p:nvPr>
+            <p:ph type="sldNum" sz="quarter" idx="5"/>
+          </p:nvPr>
+        </p:nvSpPr>
+        <p:spPr/>
+        <p:txBody>
+          <a:bodyPr/>
+          <a:lstStyle/>
+          <a:p>
+            <a:fld id="{6697E87D-5A90-4B20-A821-667C0F792DA9}" type="slidenum">
+              <a:rPr lang="zh-CN" altLang="en-US" smtClean="0"/>
+              <a:t>9</a:t>
+            </a:fld>
+            <a:endParaRPr lang="zh-CN" altLang="en-US"/>
+          </a:p>
+        </p:txBody>
+      </p:sp>
+    </p:spTree>
+    <p:extLst>
+      <p:ext uri="{BB962C8B-B14F-4D97-AF65-F5344CB8AC3E}">
+        <p14:creationId xmlns:p14="http://schemas.microsoft.com/office/powerpoint/2010/main" val="2444995653"/>
+      </p:ext>
+    </p:extLst>
+  </p:cSld>
+  <p:clrMapOvr>
+    <a:masterClrMapping/>
+  </p:clrMapOvr>
+</p:notes>
+</file>
+
+<file path=ppt/notesSlides/notesSlide8.xml><?xml version="1.0" encoding="utf-8"?>
+<p:notes xmlns:a="http://schemas.openxmlformats.org/drawingml/2006/main" xmlns:r="http://schemas.openxmlformats.org/officeDocument/2006/relationships" xmlns:p="http://schemas.openxmlformats.org/presentationml/2006/main">
+  <p:cSld>
+    <p:spTree>
+      <p:nvGrpSpPr>
+        <p:cNvPr id="1" name=""/>
+        <p:cNvGrpSpPr/>
+        <p:nvPr/>
+      </p:nvGrpSpPr>
+      <p:grpSpPr>
+        <a:xfrm>
+          <a:off x="0" y="0"/>
+          <a:ext cx="0" cy="0"/>
+          <a:chOff x="0" y="0"/>
+          <a:chExt cx="0" cy="0"/>
+        </a:xfrm>
+      </p:grpSpPr>
+      <p:sp>
+        <p:nvSpPr>
+          <p:cNvPr id="2" name="幻灯片图像占位符 1"/>
+          <p:cNvSpPr>
+            <a:spLocks noGrp="1" noRot="1" noChangeAspect="1"/>
+          </p:cNvSpPr>
+          <p:nvPr>
+            <p:ph type="sldImg"/>
+          </p:nvPr>
+        </p:nvSpPr>
+        <p:spPr/>
+      </p:sp>
+      <p:sp>
+        <p:nvSpPr>
+          <p:cNvPr id="3" name="备注占位符 2"/>
+          <p:cNvSpPr>
+            <a:spLocks noGrp="1"/>
+          </p:cNvSpPr>
+          <p:nvPr>
+            <p:ph type="body" idx="1"/>
+          </p:nvPr>
+        </p:nvSpPr>
+        <p:spPr/>
+        <p:txBody>
+          <a:bodyPr/>
+          <a:lstStyle/>
+          <a:p>
+            <a:endParaRPr lang="zh-CN" altLang="en-US" dirty="0"/>
+          </a:p>
+        </p:txBody>
+      </p:sp>
+      <p:sp>
+        <p:nvSpPr>
+          <p:cNvPr id="4" name="灯片编号占位符 3"/>
+          <p:cNvSpPr>
+            <a:spLocks noGrp="1"/>
+          </p:cNvSpPr>
+          <p:nvPr>
+            <p:ph type="sldNum" sz="quarter" idx="5"/>
+          </p:nvPr>
+        </p:nvSpPr>
+        <p:spPr/>
+        <p:txBody>
+          <a:bodyPr/>
+          <a:lstStyle/>
+          <a:p>
+            <a:fld id="{6697E87D-5A90-4B20-A821-667C0F792DA9}" type="slidenum">
+              <a:rPr lang="zh-CN" altLang="en-US" smtClean="0"/>
+              <a:t>10</a:t>
+            </a:fld>
+            <a:endParaRPr lang="zh-CN" altLang="en-US"/>
+          </a:p>
+        </p:txBody>
+      </p:sp>
+    </p:spTree>
+    <p:extLst>
+      <p:ext uri="{BB962C8B-B14F-4D97-AF65-F5344CB8AC3E}">
+        <p14:creationId xmlns:p14="http://schemas.microsoft.com/office/powerpoint/2010/main" val="2701589353"/>
+      </p:ext>
+    </p:extLst>
+  </p:cSld>
+  <p:clrMapOvr>
+    <a:masterClrMapping/>
+  </p:clrMapOvr>
+</p:notes>
 </file>
 
 <file path=ppt/slideLayouts/slideLayout1.xml><?xml version="1.0" encoding="utf-8"?>
@@ -3760,6 +4858,450 @@
 </p:sld>
 </file>
 
+<file path=ppt/slides/slide10.xml><?xml version="1.0" encoding="utf-8"?>
+<p:sld xmlns:a="http://schemas.openxmlformats.org/drawingml/2006/main" xmlns:r="http://schemas.openxmlformats.org/officeDocument/2006/relationships" xmlns:p="http://schemas.openxmlformats.org/presentationml/2006/main">
+  <p:cSld>
+    <p:spTree>
+      <p:nvGrpSpPr>
+        <p:cNvPr id="1" name=""/>
+        <p:cNvGrpSpPr/>
+        <p:nvPr/>
+      </p:nvGrpSpPr>
+      <p:grpSpPr>
+        <a:xfrm>
+          <a:off x="0" y="0"/>
+          <a:ext cx="0" cy="0"/>
+          <a:chOff x="0" y="0"/>
+          <a:chExt cx="0" cy="0"/>
+        </a:xfrm>
+      </p:grpSpPr>
+      <p:sp>
+        <p:nvSpPr>
+          <p:cNvPr id="6" name="矩形 5">
+            <a:extLst>
+              <a:ext uri="{FF2B5EF4-FFF2-40B4-BE49-F238E27FC236}">
+                <a16:creationId xmlns:a16="http://schemas.microsoft.com/office/drawing/2014/main" id="{D89A1788-3DCA-5E59-1C6D-272D6AB1F2D3}"/>
+              </a:ext>
+            </a:extLst>
+          </p:cNvPr>
+          <p:cNvSpPr/>
+          <p:nvPr/>
+        </p:nvSpPr>
+        <p:spPr>
+          <a:xfrm>
+            <a:off x="6523682" y="0"/>
+            <a:ext cx="2620318" cy="5714995"/>
+          </a:xfrm>
+          <a:prstGeom prst="rect">
+            <a:avLst/>
+          </a:prstGeom>
+          <a:solidFill>
+            <a:schemeClr val="tx1"/>
+          </a:solidFill>
+          <a:ln w="38100">
+            <a:noFill/>
+          </a:ln>
+        </p:spPr>
+        <p:style>
+          <a:lnRef idx="2">
+            <a:schemeClr val="accent1">
+              <a:shade val="50000"/>
+            </a:schemeClr>
+          </a:lnRef>
+          <a:fillRef idx="1">
+            <a:schemeClr val="accent1"/>
+          </a:fillRef>
+          <a:effectRef idx="0">
+            <a:schemeClr val="accent1"/>
+          </a:effectRef>
+          <a:fontRef idx="minor">
+            <a:schemeClr val="lt1"/>
+          </a:fontRef>
+        </p:style>
+        <p:txBody>
+          <a:bodyPr rtlCol="0" anchor="t"/>
+          <a:lstStyle/>
+          <a:p>
+            <a:pPr algn="ctr"/>
+            <a:endParaRPr lang="en-US" altLang="zh-CN" sz="4050" i="1" dirty="0">
+              <a:latin typeface="Times New Roman" panose="02020603050405020304" pitchFamily="18" charset="0"/>
+              <a:cs typeface="Times New Roman" panose="02020603050405020304" pitchFamily="18" charset="0"/>
+            </a:endParaRPr>
+          </a:p>
+          <a:p>
+            <a:pPr algn="ctr"/>
+            <a:r>
+              <a:rPr lang="en-US" altLang="zh-CN" sz="4400" b="1" cap="none" spc="0" dirty="0">
+                <a:ln>
+                  <a:solidFill>
+                    <a:srgbClr val="FAF1B4"/>
+                  </a:solidFill>
+                </a:ln>
+                <a:solidFill>
+                  <a:srgbClr val="FAF1B4"/>
+                </a:solidFill>
+                <a:effectLst>
+                  <a:reflection blurRad="6350" stA="55000" endA="300" endPos="45500" dir="5400000" sy="-100000" algn="bl" rotWithShape="0"/>
+                </a:effectLst>
+                <a:latin typeface="Times New Roman" panose="02020603050405020304" pitchFamily="18" charset="0"/>
+                <a:cs typeface="Times New Roman" panose="02020603050405020304" pitchFamily="18" charset="0"/>
+              </a:rPr>
+              <a:t>R</a:t>
+            </a:r>
+            <a:r>
+              <a:rPr lang="en-US" altLang="zh-CN" sz="4050" dirty="0">
+                <a:latin typeface="Times New Roman" panose="02020603050405020304" pitchFamily="18" charset="0"/>
+                <a:cs typeface="Times New Roman" panose="02020603050405020304" pitchFamily="18" charset="0"/>
+              </a:rPr>
+              <a:t> </a:t>
+            </a:r>
+            <a:r>
+              <a:rPr lang="en-US" altLang="zh-CN" sz="3000" dirty="0">
+                <a:latin typeface="Times New Roman" panose="02020603050405020304" pitchFamily="18" charset="0"/>
+                <a:cs typeface="Times New Roman" panose="02020603050405020304" pitchFamily="18" charset="0"/>
+              </a:rPr>
+              <a:t>of</a:t>
+            </a:r>
+            <a:r>
+              <a:rPr lang="en-US" altLang="zh-CN" sz="4050" dirty="0">
+                <a:latin typeface="Times New Roman" panose="02020603050405020304" pitchFamily="18" charset="0"/>
+                <a:cs typeface="Times New Roman" panose="02020603050405020304" pitchFamily="18" charset="0"/>
+              </a:rPr>
+              <a:t> </a:t>
+            </a:r>
+            <a:r>
+              <a:rPr lang="en-US" altLang="zh-TW" sz="4050" dirty="0">
+                <a:latin typeface="Times New Roman" panose="02020603050405020304" pitchFamily="18" charset="0"/>
+                <a:cs typeface="Times New Roman" panose="02020603050405020304" pitchFamily="18" charset="0"/>
+              </a:rPr>
+              <a:t>SPMT</a:t>
+            </a:r>
+          </a:p>
+        </p:txBody>
+      </p:sp>
+      <p:grpSp>
+        <p:nvGrpSpPr>
+          <p:cNvPr id="17" name="组合 16">
+            <a:extLst>
+              <a:ext uri="{FF2B5EF4-FFF2-40B4-BE49-F238E27FC236}">
+                <a16:creationId xmlns:a16="http://schemas.microsoft.com/office/drawing/2014/main" id="{B0C039CE-E35B-FB20-4F6F-73AF29F5EC82}"/>
+              </a:ext>
+            </a:extLst>
+          </p:cNvPr>
+          <p:cNvGrpSpPr/>
+          <p:nvPr/>
+        </p:nvGrpSpPr>
+        <p:grpSpPr>
+          <a:xfrm>
+            <a:off x="8023252" y="5229633"/>
+            <a:ext cx="1057142" cy="414474"/>
+            <a:chOff x="10502095" y="6069536"/>
+            <a:chExt cx="1409523" cy="552632"/>
+          </a:xfrm>
+        </p:grpSpPr>
+        <p:pic>
+          <p:nvPicPr>
+            <p:cNvPr id="10" name="图片 9" descr="图片包含 背景图案&#10;&#10;描述已自动生成">
+              <a:extLst>
+                <a:ext uri="{FF2B5EF4-FFF2-40B4-BE49-F238E27FC236}">
+                  <a16:creationId xmlns:a16="http://schemas.microsoft.com/office/drawing/2014/main" id="{630E8096-9BAE-771C-F26B-5E769FE2760E}"/>
+                </a:ext>
+              </a:extLst>
+            </p:cNvPr>
+            <p:cNvPicPr>
+              <a:picLocks noChangeAspect="1"/>
+            </p:cNvPicPr>
+            <p:nvPr/>
+          </p:nvPicPr>
+          <p:blipFill>
+            <a:blip r:embed="rId3">
+              <a:extLst>
+                <a:ext uri="{28A0092B-C50C-407E-A947-70E740481C1C}">
+                  <a14:useLocalDpi xmlns:a14="http://schemas.microsoft.com/office/drawing/2010/main" val="0"/>
+                </a:ext>
+              </a:extLst>
+            </a:blip>
+            <a:stretch>
+              <a:fillRect/>
+            </a:stretch>
+          </p:blipFill>
+          <p:spPr>
+            <a:xfrm>
+              <a:off x="11427454" y="6069536"/>
+              <a:ext cx="484164" cy="552632"/>
+            </a:xfrm>
+            <a:prstGeom prst="rect">
+              <a:avLst/>
+            </a:prstGeom>
+          </p:spPr>
+        </p:pic>
+        <p:sp>
+          <p:nvSpPr>
+            <p:cNvPr id="16" name="文本框 15">
+              <a:extLst>
+                <a:ext uri="{FF2B5EF4-FFF2-40B4-BE49-F238E27FC236}">
+                  <a16:creationId xmlns:a16="http://schemas.microsoft.com/office/drawing/2014/main" id="{790C7AEC-1C60-148D-F56E-026682E2E6F2}"/>
+                </a:ext>
+              </a:extLst>
+            </p:cNvPr>
+            <p:cNvSpPr txBox="1"/>
+            <p:nvPr/>
+          </p:nvSpPr>
+          <p:spPr>
+            <a:xfrm>
+              <a:off x="10502095" y="6183287"/>
+              <a:ext cx="925359" cy="339153"/>
+            </a:xfrm>
+            <a:prstGeom prst="rect">
+              <a:avLst/>
+            </a:prstGeom>
+            <a:noFill/>
+          </p:spPr>
+          <p:txBody>
+            <a:bodyPr wrap="square" rtlCol="0">
+              <a:spAutoFit/>
+            </a:bodyPr>
+            <a:lstStyle/>
+            <a:p>
+              <a:r>
+                <a:rPr lang="en-US" altLang="zh-CN" sz="1053" dirty="0">
+                  <a:solidFill>
+                    <a:schemeClr val="bg1"/>
+                  </a:solidFill>
+                  <a:latin typeface="Times New Roman" panose="02020603050405020304" pitchFamily="18" charset="0"/>
+                  <a:cs typeface="Times New Roman" panose="02020603050405020304" pitchFamily="18" charset="0"/>
+                </a:rPr>
+                <a:t>by YuKi</a:t>
+              </a:r>
+              <a:endParaRPr lang="zh-CN" altLang="en-US" sz="1053" dirty="0">
+                <a:solidFill>
+                  <a:schemeClr val="bg1"/>
+                </a:solidFill>
+                <a:latin typeface="Times New Roman" panose="02020603050405020304" pitchFamily="18" charset="0"/>
+                <a:cs typeface="Times New Roman" panose="02020603050405020304" pitchFamily="18" charset="0"/>
+              </a:endParaRPr>
+            </a:p>
+          </p:txBody>
+        </p:sp>
+      </p:grpSp>
+      <p:sp>
+        <p:nvSpPr>
+          <p:cNvPr id="3" name="矩形 2">
+            <a:extLst>
+              <a:ext uri="{FF2B5EF4-FFF2-40B4-BE49-F238E27FC236}">
+                <a16:creationId xmlns:a16="http://schemas.microsoft.com/office/drawing/2014/main" id="{C6B03883-6ED4-84CA-8282-B8EC86CE999A}"/>
+              </a:ext>
+            </a:extLst>
+          </p:cNvPr>
+          <p:cNvSpPr/>
+          <p:nvPr/>
+        </p:nvSpPr>
+        <p:spPr>
+          <a:xfrm>
+            <a:off x="-2" y="0"/>
+            <a:ext cx="3276602" cy="653131"/>
+          </a:xfrm>
+          <a:prstGeom prst="rect">
+            <a:avLst/>
+          </a:prstGeom>
+          <a:solidFill>
+            <a:schemeClr val="tx1"/>
+          </a:solidFill>
+          <a:ln>
+            <a:noFill/>
+          </a:ln>
+        </p:spPr>
+        <p:style>
+          <a:lnRef idx="2">
+            <a:schemeClr val="accent1">
+              <a:shade val="50000"/>
+            </a:schemeClr>
+          </a:lnRef>
+          <a:fillRef idx="1">
+            <a:schemeClr val="accent1"/>
+          </a:fillRef>
+          <a:effectRef idx="0">
+            <a:schemeClr val="accent1"/>
+          </a:effectRef>
+          <a:fontRef idx="minor">
+            <a:schemeClr val="lt1"/>
+          </a:fontRef>
+        </p:style>
+        <p:txBody>
+          <a:bodyPr rtlCol="0" anchor="ctr"/>
+          <a:lstStyle/>
+          <a:p>
+            <a:r>
+              <a:rPr lang="en-US" altLang="zh-CN" sz="4000" dirty="0">
+                <a:solidFill>
+                  <a:schemeClr val="bg1"/>
+                </a:solidFill>
+                <a:latin typeface="Times New Roman" panose="02020603050405020304" pitchFamily="18" charset="0"/>
+                <a:cs typeface="Times New Roman" panose="02020603050405020304" pitchFamily="18" charset="0"/>
+              </a:rPr>
+              <a:t>Method</a:t>
+            </a:r>
+            <a:endParaRPr lang="zh-CN" altLang="en-US" sz="4000" dirty="0">
+              <a:solidFill>
+                <a:schemeClr val="bg1"/>
+              </a:solidFill>
+              <a:latin typeface="Times New Roman" panose="02020603050405020304" pitchFamily="18" charset="0"/>
+              <a:cs typeface="Times New Roman" panose="02020603050405020304" pitchFamily="18" charset="0"/>
+            </a:endParaRPr>
+          </a:p>
+        </p:txBody>
+      </p:sp>
+      <p:sp>
+        <p:nvSpPr>
+          <p:cNvPr id="5" name="矩形 4">
+            <a:extLst>
+              <a:ext uri="{FF2B5EF4-FFF2-40B4-BE49-F238E27FC236}">
+                <a16:creationId xmlns:a16="http://schemas.microsoft.com/office/drawing/2014/main" id="{FE461C21-1DA5-1EEF-40F5-6F8AD5899BAF}"/>
+              </a:ext>
+            </a:extLst>
+          </p:cNvPr>
+          <p:cNvSpPr/>
+          <p:nvPr/>
+        </p:nvSpPr>
+        <p:spPr>
+          <a:xfrm>
+            <a:off x="7629" y="5175000"/>
+            <a:ext cx="864000" cy="540000"/>
+          </a:xfrm>
+          <a:prstGeom prst="rect">
+            <a:avLst/>
+          </a:prstGeom>
+          <a:solidFill>
+            <a:schemeClr val="tx1"/>
+          </a:solidFill>
+          <a:ln>
+            <a:noFill/>
+          </a:ln>
+        </p:spPr>
+        <p:style>
+          <a:lnRef idx="2">
+            <a:schemeClr val="accent1">
+              <a:shade val="50000"/>
+            </a:schemeClr>
+          </a:lnRef>
+          <a:fillRef idx="1">
+            <a:schemeClr val="accent1"/>
+          </a:fillRef>
+          <a:effectRef idx="0">
+            <a:schemeClr val="accent1"/>
+          </a:effectRef>
+          <a:fontRef idx="minor">
+            <a:schemeClr val="lt1"/>
+          </a:fontRef>
+        </p:style>
+        <p:txBody>
+          <a:bodyPr rtlCol="0" anchor="ctr"/>
+          <a:lstStyle/>
+          <a:p>
+            <a:pPr algn="ctr"/>
+            <a:r>
+              <a:rPr lang="en-US" altLang="zh-CN" sz="1800" b="1" dirty="0">
+                <a:latin typeface="Times New Roman" panose="02020603050405020304" pitchFamily="18" charset="0"/>
+                <a:cs typeface="Times New Roman" panose="02020603050405020304" pitchFamily="18" charset="0"/>
+              </a:rPr>
+              <a:t>99 / 99</a:t>
+            </a:r>
+            <a:endParaRPr lang="zh-CN" altLang="en-US" sz="1800" b="1" dirty="0">
+              <a:latin typeface="Times New Roman" panose="02020603050405020304" pitchFamily="18" charset="0"/>
+              <a:cs typeface="Times New Roman" panose="02020603050405020304" pitchFamily="18" charset="0"/>
+            </a:endParaRPr>
+          </a:p>
+        </p:txBody>
+      </p:sp>
+      <p:sp>
+        <p:nvSpPr>
+          <p:cNvPr id="12" name="Rectangle 11">
+            <a:extLst>
+              <a:ext uri="{FF2B5EF4-FFF2-40B4-BE49-F238E27FC236}">
+                <a16:creationId xmlns:a16="http://schemas.microsoft.com/office/drawing/2014/main" id="{2AE5AF11-C8FC-4A4C-64DC-86B1D312BD72}"/>
+              </a:ext>
+            </a:extLst>
+          </p:cNvPr>
+          <p:cNvSpPr/>
+          <p:nvPr/>
+        </p:nvSpPr>
+        <p:spPr>
+          <a:xfrm>
+            <a:off x="288015" y="1715811"/>
+            <a:ext cx="5947653" cy="2080670"/>
+          </a:xfrm>
+          <a:prstGeom prst="rect">
+            <a:avLst/>
+          </a:prstGeom>
+        </p:spPr>
+        <p:txBody>
+          <a:bodyPr vert="horz" lIns="91440" tIns="45720" rIns="91440" bIns="45720" rtlCol="0" anchor="t">
+            <a:normAutofit/>
+          </a:bodyPr>
+          <a:lstStyle/>
+          <a:p>
+            <a:pPr indent="-228600">
+              <a:lnSpc>
+                <a:spcPct val="90000"/>
+              </a:lnSpc>
+              <a:spcAft>
+                <a:spcPts val="600"/>
+              </a:spcAft>
+              <a:buFont typeface="Arial" panose="020B0604020202020204" pitchFamily="34" charset="0"/>
+              <a:buChar char="•"/>
+            </a:pPr>
+            <a:endParaRPr lang="en-US" sz="2200" b="1" dirty="0">
+              <a:solidFill>
+                <a:schemeClr val="bg1"/>
+              </a:solidFill>
+              <a:latin typeface="Times New Roman" panose="02020603050405020304" pitchFamily="18" charset="0"/>
+              <a:cs typeface="Times New Roman" panose="02020603050405020304" pitchFamily="18" charset="0"/>
+            </a:endParaRPr>
+          </a:p>
+        </p:txBody>
+      </p:sp>
+      <p:pic>
+        <p:nvPicPr>
+          <p:cNvPr id="24" name="图片 23">
+            <a:extLst>
+              <a:ext uri="{FF2B5EF4-FFF2-40B4-BE49-F238E27FC236}">
+                <a16:creationId xmlns:a16="http://schemas.microsoft.com/office/drawing/2014/main" id="{7F2C0391-9620-5F8F-A46C-62C416ABAA80}"/>
+              </a:ext>
+            </a:extLst>
+          </p:cNvPr>
+          <p:cNvPicPr>
+            <a:picLocks noChangeAspect="1"/>
+          </p:cNvPicPr>
+          <p:nvPr/>
+        </p:nvPicPr>
+        <p:blipFill rotWithShape="1">
+          <a:blip r:embed="rId4"/>
+          <a:srcRect l="1" r="224"/>
+          <a:stretch/>
+        </p:blipFill>
+        <p:spPr>
+          <a:xfrm>
+            <a:off x="1739223" y="984000"/>
+            <a:ext cx="2992797" cy="4191000"/>
+          </a:xfrm>
+          <a:prstGeom prst="rect">
+            <a:avLst/>
+          </a:prstGeom>
+        </p:spPr>
+      </p:pic>
+    </p:spTree>
+    <p:extLst>
+      <p:ext uri="{BB962C8B-B14F-4D97-AF65-F5344CB8AC3E}">
+        <p14:creationId xmlns:p14="http://schemas.microsoft.com/office/powerpoint/2010/main" val="3712963863"/>
+      </p:ext>
+    </p:extLst>
+  </p:cSld>
+  <p:clrMapOvr>
+    <a:masterClrMapping/>
+  </p:clrMapOvr>
+</p:sld>
+</file>
+
 <file path=ppt/slides/slide2.xml><?xml version="1.0" encoding="utf-8"?>
 <p:sld xmlns:a="http://schemas.openxmlformats.org/drawingml/2006/main" xmlns:r="http://schemas.openxmlformats.org/officeDocument/2006/relationships" xmlns:p="http://schemas.openxmlformats.org/presentationml/2006/main">
   <p:cSld>
@@ -3779,10 +5321,10 @@
       </p:grpSpPr>
       <p:sp>
         <p:nvSpPr>
-          <p:cNvPr id="20" name="矩形 19">
+          <p:cNvPr id="6" name="矩形 5">
             <a:extLst>
               <a:ext uri="{FF2B5EF4-FFF2-40B4-BE49-F238E27FC236}">
-                <a16:creationId xmlns:a16="http://schemas.microsoft.com/office/drawing/2014/main" id="{C959A457-74E2-627A-0FAC-5E3072829554}"/>
+                <a16:creationId xmlns:a16="http://schemas.microsoft.com/office/drawing/2014/main" id="{D89A1788-3DCA-5E59-1C6D-272D6AB1F2D3}"/>
               </a:ext>
             </a:extLst>
           </p:cNvPr>
@@ -4164,10 +5706,10 @@
       </p:sp>
       <p:sp>
         <p:nvSpPr>
-          <p:cNvPr id="18" name="文本框 17">
+          <p:cNvPr id="4" name="文本框 3">
             <a:extLst>
               <a:ext uri="{FF2B5EF4-FFF2-40B4-BE49-F238E27FC236}">
-                <a16:creationId xmlns:a16="http://schemas.microsoft.com/office/drawing/2014/main" id="{9BAE6EC3-71D9-5488-3692-782DD8C30047}"/>
+                <a16:creationId xmlns:a16="http://schemas.microsoft.com/office/drawing/2014/main" id="{73874D43-82E7-EA22-6009-844110D750D3}"/>
               </a:ext>
             </a:extLst>
           </p:cNvPr>
@@ -4176,8 +5718,8 @@
         </p:nvSpPr>
         <p:spPr>
           <a:xfrm>
-            <a:off x="302773" y="2989624"/>
-            <a:ext cx="5947653" cy="2185214"/>
+            <a:off x="190500" y="1392586"/>
+            <a:ext cx="6172200" cy="2062103"/>
           </a:xfrm>
           <a:prstGeom prst="rect">
             <a:avLst/>
@@ -4190,19 +5732,31 @@
           </a:bodyPr>
           <a:lstStyle/>
           <a:p>
-            <a:r>
-              <a:rPr lang="en-US" altLang="zh-CN" sz="2400" dirty="0">
+            <a:pPr algn="ctr"/>
+            <a:r>
+              <a:rPr lang="en-US" altLang="zh-CN" sz="3200" b="1" dirty="0">
                 <a:solidFill>
                   <a:schemeClr val="bg1"/>
                 </a:solidFill>
                 <a:latin typeface="Times New Roman" panose="02020603050405020304" pitchFamily="18" charset="0"/>
                 <a:cs typeface="Times New Roman" panose="02020603050405020304" pitchFamily="18" charset="0"/>
               </a:rPr>
-              <a:t>Self-Prioritization Effect (SPE)</a:t>
-            </a:r>
-          </a:p>
-          <a:p>
-            <a:endParaRPr lang="en-US" altLang="zh-CN" sz="2000" dirty="0">
+              <a:t>Reliability of Self-Prioritization Effect as Measured by the Perceptual Matching Task: </a:t>
+            </a:r>
+          </a:p>
+          <a:p>
+            <a:pPr algn="ctr"/>
+            <a:r>
+              <a:rPr lang="en-US" altLang="zh-CN" sz="3200" b="1" dirty="0">
+                <a:solidFill>
+                  <a:schemeClr val="bg1"/>
+                </a:solidFill>
+                <a:latin typeface="Times New Roman" panose="02020603050405020304" pitchFamily="18" charset="0"/>
+                <a:cs typeface="Times New Roman" panose="02020603050405020304" pitchFamily="18" charset="0"/>
+              </a:rPr>
+              <a:t>Evidence from Multiple Datasets</a:t>
+            </a:r>
+            <a:endParaRPr lang="zh-CN" altLang="en-US" sz="3200" b="1" dirty="0">
               <a:solidFill>
                 <a:schemeClr val="bg1"/>
               </a:solidFill>
@@ -4210,22 +5764,48 @@
               <a:cs typeface="Times New Roman" panose="02020603050405020304" pitchFamily="18" charset="0"/>
             </a:endParaRPr>
           </a:p>
-          <a:p>
-            <a:pPr lvl="1"/>
-            <a:r>
-              <a:rPr lang="en-US" altLang="zh-CN" sz="2000" dirty="0">
+        </p:txBody>
+      </p:sp>
+      <p:sp>
+        <p:nvSpPr>
+          <p:cNvPr id="8" name="文本框 7">
+            <a:extLst>
+              <a:ext uri="{FF2B5EF4-FFF2-40B4-BE49-F238E27FC236}">
+                <a16:creationId xmlns:a16="http://schemas.microsoft.com/office/drawing/2014/main" id="{6E7EA495-0F41-5D9A-44B7-B772B75269F1}"/>
+              </a:ext>
+            </a:extLst>
+          </p:cNvPr>
+          <p:cNvSpPr txBox="1"/>
+          <p:nvPr/>
+        </p:nvSpPr>
+        <p:spPr>
+          <a:xfrm>
+            <a:off x="745377" y="4016413"/>
+            <a:ext cx="5062446" cy="646331"/>
+          </a:xfrm>
+          <a:prstGeom prst="rect">
+            <a:avLst/>
+          </a:prstGeom>
+          <a:noFill/>
+        </p:spPr>
+        <p:txBody>
+          <a:bodyPr wrap="square">
+            <a:spAutoFit/>
+          </a:bodyPr>
+          <a:lstStyle/>
+          <a:p>
+            <a:pPr algn="ctr"/>
+            <a:r>
+              <a:rPr lang="en-US" altLang="zh-CN" dirty="0">
                 <a:solidFill>
                   <a:schemeClr val="bg1"/>
                 </a:solidFill>
                 <a:latin typeface="Times New Roman" panose="02020603050405020304" pitchFamily="18" charset="0"/>
                 <a:cs typeface="Times New Roman" panose="02020603050405020304" pitchFamily="18" charset="0"/>
               </a:rPr>
-              <a:t>The cocktail effect</a:t>
-            </a:r>
-          </a:p>
-          <a:p>
-            <a:pPr lvl="1"/>
-            <a:endParaRPr lang="en-US" altLang="zh-CN" sz="1800" dirty="0">
+              <a:t>Zheng Liu (Helen), Mengzhen Hu (YuKi), Yuanrui Zheng, Jie Sui, Hu Chuan-Peng</a:t>
+            </a:r>
+            <a:endParaRPr lang="zh-CN" altLang="en-US" dirty="0">
               <a:solidFill>
                 <a:schemeClr val="bg1"/>
               </a:solidFill>
@@ -4233,82 +5813,12 @@
               <a:cs typeface="Times New Roman" panose="02020603050405020304" pitchFamily="18" charset="0"/>
             </a:endParaRPr>
           </a:p>
-          <a:p>
-            <a:pPr lvl="1"/>
-            <a:r>
-              <a:rPr lang="en-US" altLang="zh-CN" sz="1800" dirty="0">
-                <a:solidFill>
-                  <a:schemeClr val="bg1"/>
-                </a:solidFill>
-                <a:latin typeface="Times New Roman" panose="02020603050405020304" pitchFamily="18" charset="0"/>
-                <a:cs typeface="Times New Roman" panose="02020603050405020304" pitchFamily="18" charset="0"/>
-              </a:rPr>
-              <a:t>A memory advantage in recalling information encoded with self-relevance compared with those encoded with non-self relevance. </a:t>
-            </a:r>
-            <a:r>
-              <a:rPr lang="en-US" altLang="zh-CN" sz="1800" dirty="0">
-                <a:solidFill>
-                  <a:srgbClr val="FAF1B4"/>
-                </a:solidFill>
-                <a:latin typeface="Times New Roman" panose="02020603050405020304" pitchFamily="18" charset="0"/>
-                <a:cs typeface="Times New Roman" panose="02020603050405020304" pitchFamily="18" charset="0"/>
-              </a:rPr>
-              <a:t>(Rogers et al., 1977) </a:t>
-            </a:r>
-          </a:p>
         </p:txBody>
       </p:sp>
-      <p:pic>
-        <p:nvPicPr>
-          <p:cNvPr id="1028" name="Picture 4" descr="DSRP and the Cocktail Party Effect">
-            <a:extLst>
-              <a:ext uri="{FF2B5EF4-FFF2-40B4-BE49-F238E27FC236}">
-                <a16:creationId xmlns:a16="http://schemas.microsoft.com/office/drawing/2014/main" id="{E4DF4C19-359B-C982-D5FF-0563B104D079}"/>
-              </a:ext>
-            </a:extLst>
-          </p:cNvPr>
-          <p:cNvPicPr>
-            <a:picLocks noChangeAspect="1" noChangeArrowheads="1"/>
-          </p:cNvPicPr>
-          <p:nvPr/>
-        </p:nvPicPr>
-        <p:blipFill>
-          <a:blip r:embed="rId3">
-            <a:extLst>
-              <a:ext uri="{28A0092B-C50C-407E-A947-70E740481C1C}">
-                <a14:useLocalDpi xmlns:a14="http://schemas.microsoft.com/office/drawing/2010/main" val="0"/>
-              </a:ext>
-            </a:extLst>
-          </a:blip>
-          <a:srcRect/>
-          <a:stretch>
-            <a:fillRect/>
-          </a:stretch>
-        </p:blipFill>
-        <p:spPr bwMode="auto">
-          <a:xfrm>
-            <a:off x="1308922" y="819103"/>
-            <a:ext cx="3935356" cy="2094962"/>
-          </a:xfrm>
-          <a:prstGeom prst="rect">
-            <a:avLst/>
-          </a:prstGeom>
-          <a:noFill/>
-          <a:extLst>
-            <a:ext uri="{909E8E84-426E-40DD-AFC4-6F175D3DCCD1}">
-              <a14:hiddenFill xmlns:a14="http://schemas.microsoft.com/office/drawing/2010/main">
-                <a:solidFill>
-                  <a:srgbClr val="FFFFFF"/>
-                </a:solidFill>
-              </a14:hiddenFill>
-            </a:ext>
-          </a:extLst>
-        </p:spPr>
-      </p:pic>
     </p:spTree>
     <p:extLst>
       <p:ext uri="{BB962C8B-B14F-4D97-AF65-F5344CB8AC3E}">
-        <p14:creationId xmlns:p14="http://schemas.microsoft.com/office/powerpoint/2010/main" val="1507722445"/>
+        <p14:creationId xmlns:p14="http://schemas.microsoft.com/office/powerpoint/2010/main" val="2731624917"/>
       </p:ext>
     </p:extLst>
   </p:cSld>
@@ -4337,10 +5847,10 @@
       </p:grpSpPr>
       <p:sp>
         <p:nvSpPr>
-          <p:cNvPr id="102" name="矩形 101">
+          <p:cNvPr id="20" name="矩形 19">
             <a:extLst>
               <a:ext uri="{FF2B5EF4-FFF2-40B4-BE49-F238E27FC236}">
-                <a16:creationId xmlns:a16="http://schemas.microsoft.com/office/drawing/2014/main" id="{09091A9B-6F68-3473-08EE-53C2A540E7E8}"/>
+                <a16:creationId xmlns:a16="http://schemas.microsoft.com/office/drawing/2014/main" id="{C959A457-74E2-627A-0FAC-5E3072829554}"/>
               </a:ext>
             </a:extLst>
           </p:cNvPr>
@@ -4474,7 +5984,7 @@
             <p:nvPr/>
           </p:nvPicPr>
           <p:blipFill>
-            <a:blip r:embed="rId2">
+            <a:blip r:embed="rId3">
               <a:extLst>
                 <a:ext uri="{28A0092B-C50C-407E-A947-70E740481C1C}">
                   <a14:useLocalDpi xmlns:a14="http://schemas.microsoft.com/office/drawing/2010/main" val="0"/>
@@ -4722,10 +6232,10 @@
       </p:sp>
       <p:sp>
         <p:nvSpPr>
-          <p:cNvPr id="29" name="文本框 28">
+          <p:cNvPr id="18" name="文本框 17">
             <a:extLst>
               <a:ext uri="{FF2B5EF4-FFF2-40B4-BE49-F238E27FC236}">
-                <a16:creationId xmlns:a16="http://schemas.microsoft.com/office/drawing/2014/main" id="{0C64B53A-FBE7-FF1E-F845-309BC379ECB4}"/>
+                <a16:creationId xmlns:a16="http://schemas.microsoft.com/office/drawing/2014/main" id="{9BAE6EC3-71D9-5488-3692-782DD8C30047}"/>
               </a:ext>
             </a:extLst>
           </p:cNvPr>
@@ -4734,8 +6244,8 @@
         </p:nvSpPr>
         <p:spPr>
           <a:xfrm>
-            <a:off x="339969" y="4016940"/>
-            <a:ext cx="5873262" cy="646331"/>
+            <a:off x="302773" y="2989624"/>
+            <a:ext cx="5947653" cy="2185214"/>
           </a:xfrm>
           <a:prstGeom prst="rect">
             <a:avLst/>
@@ -4748,26 +6258,60 @@
           </a:bodyPr>
           <a:lstStyle/>
           <a:p>
-            <a:pPr marR="0" lvl="0" fontAlgn="base">
-              <a:spcBef>
-                <a:spcPct val="0"/>
-              </a:spcBef>
-              <a:spcAft>
-                <a:spcPts val="600"/>
-              </a:spcAft>
-              <a:buClrTx/>
-              <a:buSzTx/>
-            </a:pPr>
+            <a:r>
+              <a:rPr lang="en-US" altLang="zh-CN" sz="2400" dirty="0">
+                <a:solidFill>
+                  <a:schemeClr val="bg1"/>
+                </a:solidFill>
+                <a:latin typeface="Times New Roman" panose="02020603050405020304" pitchFamily="18" charset="0"/>
+                <a:cs typeface="Times New Roman" panose="02020603050405020304" pitchFamily="18" charset="0"/>
+              </a:rPr>
+              <a:t>Self-Prioritization Effect (SPE)</a:t>
+            </a:r>
+          </a:p>
+          <a:p>
+            <a:endParaRPr lang="en-US" altLang="zh-CN" sz="2000" dirty="0">
+              <a:solidFill>
+                <a:schemeClr val="bg1"/>
+              </a:solidFill>
+              <a:latin typeface="Times New Roman" panose="02020603050405020304" pitchFamily="18" charset="0"/>
+              <a:cs typeface="Times New Roman" panose="02020603050405020304" pitchFamily="18" charset="0"/>
+            </a:endParaRPr>
+          </a:p>
+          <a:p>
+            <a:pPr lvl="1"/>
+            <a:r>
+              <a:rPr lang="en-US" altLang="zh-CN" sz="2000" dirty="0">
+                <a:solidFill>
+                  <a:schemeClr val="bg1"/>
+                </a:solidFill>
+                <a:latin typeface="Times New Roman" panose="02020603050405020304" pitchFamily="18" charset="0"/>
+                <a:cs typeface="Times New Roman" panose="02020603050405020304" pitchFamily="18" charset="0"/>
+              </a:rPr>
+              <a:t>The cocktail effect</a:t>
+            </a:r>
+          </a:p>
+          <a:p>
+            <a:pPr lvl="1"/>
+            <a:endParaRPr lang="en-US" altLang="zh-CN" sz="1800" dirty="0">
+              <a:solidFill>
+                <a:schemeClr val="bg1"/>
+              </a:solidFill>
+              <a:latin typeface="Times New Roman" panose="02020603050405020304" pitchFamily="18" charset="0"/>
+              <a:cs typeface="Times New Roman" panose="02020603050405020304" pitchFamily="18" charset="0"/>
+            </a:endParaRPr>
+          </a:p>
+          <a:p>
+            <a:pPr lvl="1"/>
             <a:r>
               <a:rPr lang="en-US" altLang="zh-CN" sz="1800" dirty="0">
                 <a:solidFill>
                   <a:schemeClr val="bg1"/>
                 </a:solidFill>
                 <a:latin typeface="Times New Roman" panose="02020603050405020304" pitchFamily="18" charset="0"/>
-                <a:ea typeface="华文中宋" panose="02010600040101010101" pitchFamily="2" charset="-122"/>
                 <a:cs typeface="Times New Roman" panose="02020603050405020304" pitchFamily="18" charset="0"/>
               </a:rPr>
-              <a:t>A new paradigm to study the self-reference effect named shape-matching task was proposed </a:t>
+              <a:t>A memory advantage in recalling information encoded with self-relevance compared with those encoded with non-self relevance. </a:t>
             </a:r>
             <a:r>
               <a:rPr lang="en-US" altLang="zh-CN" sz="1800" dirty="0">
@@ -4775,129 +6319,64 @@
                   <a:srgbClr val="FAF1B4"/>
                 </a:solidFill>
                 <a:latin typeface="Times New Roman" panose="02020603050405020304" pitchFamily="18" charset="0"/>
-                <a:ea typeface="华文中宋" panose="02010600040101010101" pitchFamily="2" charset="-122"/>
                 <a:cs typeface="Times New Roman" panose="02020603050405020304" pitchFamily="18" charset="0"/>
               </a:rPr>
-              <a:t>(Sui et al., 2012).</a:t>
+              <a:t>(Rogers et al., 1977) </a:t>
             </a:r>
           </a:p>
         </p:txBody>
       </p:sp>
-      <p:grpSp>
-        <p:nvGrpSpPr>
-          <p:cNvPr id="101" name="组合 100">
+      <p:pic>
+        <p:nvPicPr>
+          <p:cNvPr id="1028" name="Picture 4" descr="DSRP and the Cocktail Party Effect">
             <a:extLst>
               <a:ext uri="{FF2B5EF4-FFF2-40B4-BE49-F238E27FC236}">
-                <a16:creationId xmlns:a16="http://schemas.microsoft.com/office/drawing/2014/main" id="{B803DB9C-203F-500D-08EE-9334578AFC0D}"/>
+                <a16:creationId xmlns:a16="http://schemas.microsoft.com/office/drawing/2014/main" id="{E4DF4C19-359B-C982-D5FF-0563B104D079}"/>
               </a:ext>
             </a:extLst>
           </p:cNvPr>
-          <p:cNvGrpSpPr/>
+          <p:cNvPicPr>
+            <a:picLocks noChangeAspect="1" noChangeArrowheads="1"/>
+          </p:cNvPicPr>
           <p:nvPr/>
-        </p:nvGrpSpPr>
-        <p:grpSpPr>
+        </p:nvPicPr>
+        <p:blipFill>
+          <a:blip r:embed="rId4">
+            <a:extLst>
+              <a:ext uri="{28A0092B-C50C-407E-A947-70E740481C1C}">
+                <a14:useLocalDpi xmlns:a14="http://schemas.microsoft.com/office/drawing/2010/main" val="0"/>
+              </a:ext>
+            </a:extLst>
+          </a:blip>
+          <a:srcRect/>
+          <a:stretch>
+            <a:fillRect/>
+          </a:stretch>
+        </p:blipFill>
+        <p:spPr bwMode="auto">
           <a:xfrm>
-            <a:off x="255566" y="1311552"/>
-            <a:ext cx="6012550" cy="2361300"/>
-            <a:chOff x="627974" y="1338705"/>
-            <a:chExt cx="5502986" cy="2161179"/>
+            <a:off x="1308922" y="819103"/>
+            <a:ext cx="3935356" cy="2094962"/>
           </a:xfrm>
-        </p:grpSpPr>
-        <p:pic>
-          <p:nvPicPr>
-            <p:cNvPr id="98" name="图片 97">
-              <a:extLst>
-                <a:ext uri="{FF2B5EF4-FFF2-40B4-BE49-F238E27FC236}">
-                  <a16:creationId xmlns:a16="http://schemas.microsoft.com/office/drawing/2014/main" id="{478CFA05-CB4D-140F-3EAE-76FFF5C2559B}"/>
-                </a:ext>
-              </a:extLst>
-            </p:cNvPr>
-            <p:cNvPicPr>
-              <a:picLocks noChangeAspect="1"/>
-            </p:cNvPicPr>
-            <p:nvPr/>
-          </p:nvPicPr>
-          <p:blipFill>
-            <a:blip r:embed="rId3"/>
-            <a:stretch>
-              <a:fillRect/>
-            </a:stretch>
-          </p:blipFill>
-          <p:spPr>
-            <a:xfrm>
-              <a:off x="2551364" y="1349682"/>
-              <a:ext cx="3579596" cy="2150202"/>
-            </a:xfrm>
-            <a:prstGeom prst="rect">
-              <a:avLst/>
-            </a:prstGeom>
-          </p:spPr>
-        </p:pic>
-        <p:pic>
-          <p:nvPicPr>
-            <p:cNvPr id="99" name="图片 98">
-              <a:extLst>
-                <a:ext uri="{FF2B5EF4-FFF2-40B4-BE49-F238E27FC236}">
-                  <a16:creationId xmlns:a16="http://schemas.microsoft.com/office/drawing/2014/main" id="{2B184144-E2F8-B691-5B4D-5D75F41B6661}"/>
-                </a:ext>
-              </a:extLst>
-            </p:cNvPr>
-            <p:cNvPicPr>
-              <a:picLocks noChangeAspect="1"/>
-            </p:cNvPicPr>
-            <p:nvPr/>
-          </p:nvPicPr>
-          <p:blipFill>
-            <a:blip r:embed="rId4"/>
-            <a:stretch>
-              <a:fillRect/>
-            </a:stretch>
-          </p:blipFill>
-          <p:spPr>
-            <a:xfrm>
-              <a:off x="627974" y="1338705"/>
-              <a:ext cx="1530668" cy="335428"/>
-            </a:xfrm>
-            <a:prstGeom prst="rect">
-              <a:avLst/>
-            </a:prstGeom>
-          </p:spPr>
-        </p:pic>
-        <p:pic>
-          <p:nvPicPr>
-            <p:cNvPr id="100" name="图片 99">
-              <a:extLst>
-                <a:ext uri="{FF2B5EF4-FFF2-40B4-BE49-F238E27FC236}">
-                  <a16:creationId xmlns:a16="http://schemas.microsoft.com/office/drawing/2014/main" id="{67D9A3DE-2625-1C04-EF03-D557CF16C65C}"/>
-                </a:ext>
-              </a:extLst>
-            </p:cNvPr>
-            <p:cNvPicPr>
-              <a:picLocks noChangeAspect="1"/>
-            </p:cNvPicPr>
-            <p:nvPr/>
-          </p:nvPicPr>
-          <p:blipFill>
-            <a:blip r:embed="rId5"/>
-            <a:stretch>
-              <a:fillRect/>
-            </a:stretch>
-          </p:blipFill>
-          <p:spPr>
-            <a:xfrm>
-              <a:off x="724453" y="2244779"/>
-              <a:ext cx="1121936" cy="1022734"/>
-            </a:xfrm>
-            <a:prstGeom prst="rect">
-              <a:avLst/>
-            </a:prstGeom>
-          </p:spPr>
-        </p:pic>
-      </p:grpSp>
+          <a:prstGeom prst="rect">
+            <a:avLst/>
+          </a:prstGeom>
+          <a:noFill/>
+          <a:extLst>
+            <a:ext uri="{909E8E84-426E-40DD-AFC4-6F175D3DCCD1}">
+              <a14:hiddenFill xmlns:a14="http://schemas.microsoft.com/office/drawing/2010/main">
+                <a:solidFill>
+                  <a:srgbClr val="FFFFFF"/>
+                </a:solidFill>
+              </a14:hiddenFill>
+            </a:ext>
+          </a:extLst>
+        </p:spPr>
+      </p:pic>
     </p:spTree>
     <p:extLst>
       <p:ext uri="{BB962C8B-B14F-4D97-AF65-F5344CB8AC3E}">
-        <p14:creationId xmlns:p14="http://schemas.microsoft.com/office/powerpoint/2010/main" val="741945815"/>
+        <p14:creationId xmlns:p14="http://schemas.microsoft.com/office/powerpoint/2010/main" val="1507722445"/>
       </p:ext>
     </p:extLst>
   </p:cSld>
@@ -4926,10 +6405,10 @@
       </p:grpSpPr>
       <p:sp>
         <p:nvSpPr>
-          <p:cNvPr id="4" name="矩形 3">
+          <p:cNvPr id="102" name="矩形 101">
             <a:extLst>
               <a:ext uri="{FF2B5EF4-FFF2-40B4-BE49-F238E27FC236}">
-                <a16:creationId xmlns:a16="http://schemas.microsoft.com/office/drawing/2014/main" id="{8A4EAD24-369E-325A-1E13-27AE91EF85ED}"/>
+                <a16:creationId xmlns:a16="http://schemas.microsoft.com/office/drawing/2014/main" id="{09091A9B-6F68-3473-08EE-53C2A540E7E8}"/>
               </a:ext>
             </a:extLst>
           </p:cNvPr>
@@ -5063,7 +6542,7 @@
             <p:nvPr/>
           </p:nvPicPr>
           <p:blipFill>
-            <a:blip r:embed="rId2">
+            <a:blip r:embed="rId3">
               <a:extLst>
                 <a:ext uri="{28A0092B-C50C-407E-A947-70E740481C1C}">
                   <a14:useLocalDpi xmlns:a14="http://schemas.microsoft.com/office/drawing/2010/main" val="0"/>
@@ -5309,10 +6788,6588 @@
           </a:p>
         </p:txBody>
       </p:sp>
+      <p:sp>
+        <p:nvSpPr>
+          <p:cNvPr id="29" name="文本框 28">
+            <a:extLst>
+              <a:ext uri="{FF2B5EF4-FFF2-40B4-BE49-F238E27FC236}">
+                <a16:creationId xmlns:a16="http://schemas.microsoft.com/office/drawing/2014/main" id="{0C64B53A-FBE7-FF1E-F845-309BC379ECB4}"/>
+              </a:ext>
+            </a:extLst>
+          </p:cNvPr>
+          <p:cNvSpPr txBox="1"/>
+          <p:nvPr/>
+        </p:nvSpPr>
+        <p:spPr>
+          <a:xfrm>
+            <a:off x="339969" y="4162575"/>
+            <a:ext cx="5873262" cy="646331"/>
+          </a:xfrm>
+          <a:prstGeom prst="rect">
+            <a:avLst/>
+          </a:prstGeom>
+          <a:noFill/>
+        </p:spPr>
+        <p:txBody>
+          <a:bodyPr wrap="square">
+            <a:spAutoFit/>
+          </a:bodyPr>
+          <a:lstStyle/>
+          <a:p>
+            <a:pPr marR="0" lvl="0" fontAlgn="base">
+              <a:spcBef>
+                <a:spcPct val="0"/>
+              </a:spcBef>
+              <a:spcAft>
+                <a:spcPts val="600"/>
+              </a:spcAft>
+              <a:buClrTx/>
+              <a:buSzTx/>
+            </a:pPr>
+            <a:r>
+              <a:rPr lang="en-US" altLang="zh-CN" sz="1800" dirty="0">
+                <a:solidFill>
+                  <a:schemeClr val="bg1"/>
+                </a:solidFill>
+                <a:latin typeface="Times New Roman" panose="02020603050405020304" pitchFamily="18" charset="0"/>
+                <a:ea typeface="华文中宋" panose="02010600040101010101" pitchFamily="2" charset="-122"/>
+                <a:cs typeface="Times New Roman" panose="02020603050405020304" pitchFamily="18" charset="0"/>
+              </a:rPr>
+              <a:t>A new paradigm to study the self-reference effect named shape-matching task was proposed </a:t>
+            </a:r>
+            <a:r>
+              <a:rPr lang="en-US" altLang="zh-CN" sz="1800" dirty="0">
+                <a:solidFill>
+                  <a:srgbClr val="FAF1B4"/>
+                </a:solidFill>
+                <a:latin typeface="Times New Roman" panose="02020603050405020304" pitchFamily="18" charset="0"/>
+                <a:ea typeface="华文中宋" panose="02010600040101010101" pitchFamily="2" charset="-122"/>
+                <a:cs typeface="Times New Roman" panose="02020603050405020304" pitchFamily="18" charset="0"/>
+              </a:rPr>
+              <a:t>(Sui et al., 2012).</a:t>
+            </a:r>
+          </a:p>
+        </p:txBody>
+      </p:sp>
+      <p:grpSp>
+        <p:nvGrpSpPr>
+          <p:cNvPr id="101" name="组合 100">
+            <a:extLst>
+              <a:ext uri="{FF2B5EF4-FFF2-40B4-BE49-F238E27FC236}">
+                <a16:creationId xmlns:a16="http://schemas.microsoft.com/office/drawing/2014/main" id="{B803DB9C-203F-500D-08EE-9334578AFC0D}"/>
+              </a:ext>
+            </a:extLst>
+          </p:cNvPr>
+          <p:cNvGrpSpPr/>
+          <p:nvPr/>
+        </p:nvGrpSpPr>
+        <p:grpSpPr>
+          <a:xfrm>
+            <a:off x="255566" y="1311552"/>
+            <a:ext cx="6012550" cy="2361300"/>
+            <a:chOff x="627974" y="1338705"/>
+            <a:chExt cx="5502986" cy="2161179"/>
+          </a:xfrm>
+        </p:grpSpPr>
+        <p:pic>
+          <p:nvPicPr>
+            <p:cNvPr id="98" name="图片 97">
+              <a:extLst>
+                <a:ext uri="{FF2B5EF4-FFF2-40B4-BE49-F238E27FC236}">
+                  <a16:creationId xmlns:a16="http://schemas.microsoft.com/office/drawing/2014/main" id="{478CFA05-CB4D-140F-3EAE-76FFF5C2559B}"/>
+                </a:ext>
+              </a:extLst>
+            </p:cNvPr>
+            <p:cNvPicPr>
+              <a:picLocks noChangeAspect="1"/>
+            </p:cNvPicPr>
+            <p:nvPr/>
+          </p:nvPicPr>
+          <p:blipFill>
+            <a:blip r:embed="rId4"/>
+            <a:stretch>
+              <a:fillRect/>
+            </a:stretch>
+          </p:blipFill>
+          <p:spPr>
+            <a:xfrm>
+              <a:off x="2551364" y="1349682"/>
+              <a:ext cx="3579596" cy="2150202"/>
+            </a:xfrm>
+            <a:prstGeom prst="rect">
+              <a:avLst/>
+            </a:prstGeom>
+          </p:spPr>
+        </p:pic>
+        <p:pic>
+          <p:nvPicPr>
+            <p:cNvPr id="99" name="图片 98">
+              <a:extLst>
+                <a:ext uri="{FF2B5EF4-FFF2-40B4-BE49-F238E27FC236}">
+                  <a16:creationId xmlns:a16="http://schemas.microsoft.com/office/drawing/2014/main" id="{2B184144-E2F8-B691-5B4D-5D75F41B6661}"/>
+                </a:ext>
+              </a:extLst>
+            </p:cNvPr>
+            <p:cNvPicPr>
+              <a:picLocks noChangeAspect="1"/>
+            </p:cNvPicPr>
+            <p:nvPr/>
+          </p:nvPicPr>
+          <p:blipFill>
+            <a:blip r:embed="rId5"/>
+            <a:stretch>
+              <a:fillRect/>
+            </a:stretch>
+          </p:blipFill>
+          <p:spPr>
+            <a:xfrm>
+              <a:off x="627974" y="1338705"/>
+              <a:ext cx="1530668" cy="335428"/>
+            </a:xfrm>
+            <a:prstGeom prst="rect">
+              <a:avLst/>
+            </a:prstGeom>
+          </p:spPr>
+        </p:pic>
+        <p:pic>
+          <p:nvPicPr>
+            <p:cNvPr id="100" name="图片 99">
+              <a:extLst>
+                <a:ext uri="{FF2B5EF4-FFF2-40B4-BE49-F238E27FC236}">
+                  <a16:creationId xmlns:a16="http://schemas.microsoft.com/office/drawing/2014/main" id="{67D9A3DE-2625-1C04-EF03-D557CF16C65C}"/>
+                </a:ext>
+              </a:extLst>
+            </p:cNvPr>
+            <p:cNvPicPr>
+              <a:picLocks noChangeAspect="1"/>
+            </p:cNvPicPr>
+            <p:nvPr/>
+          </p:nvPicPr>
+          <p:blipFill>
+            <a:blip r:embed="rId6"/>
+            <a:stretch>
+              <a:fillRect/>
+            </a:stretch>
+          </p:blipFill>
+          <p:spPr>
+            <a:xfrm>
+              <a:off x="724453" y="2244779"/>
+              <a:ext cx="1121936" cy="1022734"/>
+            </a:xfrm>
+            <a:prstGeom prst="rect">
+              <a:avLst/>
+            </a:prstGeom>
+          </p:spPr>
+        </p:pic>
+      </p:grpSp>
+    </p:spTree>
+    <p:extLst>
+      <p:ext uri="{BB962C8B-B14F-4D97-AF65-F5344CB8AC3E}">
+        <p14:creationId xmlns:p14="http://schemas.microsoft.com/office/powerpoint/2010/main" val="741945815"/>
+      </p:ext>
+    </p:extLst>
+  </p:cSld>
+  <p:clrMapOvr>
+    <a:masterClrMapping/>
+  </p:clrMapOvr>
+</p:sld>
+</file>
+
+<file path=ppt/slides/slide5.xml><?xml version="1.0" encoding="utf-8"?>
+<p:sld xmlns:a="http://schemas.openxmlformats.org/drawingml/2006/main" xmlns:r="http://schemas.openxmlformats.org/officeDocument/2006/relationships" xmlns:p="http://schemas.openxmlformats.org/presentationml/2006/main">
+  <p:cSld>
+    <p:spTree>
+      <p:nvGrpSpPr>
+        <p:cNvPr id="1" name=""/>
+        <p:cNvGrpSpPr/>
+        <p:nvPr/>
+      </p:nvGrpSpPr>
+      <p:grpSpPr>
+        <a:xfrm>
+          <a:off x="0" y="0"/>
+          <a:ext cx="0" cy="0"/>
+          <a:chOff x="0" y="0"/>
+          <a:chExt cx="0" cy="0"/>
+        </a:xfrm>
+      </p:grpSpPr>
+      <p:sp>
+        <p:nvSpPr>
+          <p:cNvPr id="6" name="矩形 5">
+            <a:extLst>
+              <a:ext uri="{FF2B5EF4-FFF2-40B4-BE49-F238E27FC236}">
+                <a16:creationId xmlns:a16="http://schemas.microsoft.com/office/drawing/2014/main" id="{D89A1788-3DCA-5E59-1C6D-272D6AB1F2D3}"/>
+              </a:ext>
+            </a:extLst>
+          </p:cNvPr>
+          <p:cNvSpPr/>
+          <p:nvPr/>
+        </p:nvSpPr>
+        <p:spPr>
+          <a:xfrm>
+            <a:off x="6523682" y="0"/>
+            <a:ext cx="2620318" cy="5714995"/>
+          </a:xfrm>
+          <a:prstGeom prst="rect">
+            <a:avLst/>
+          </a:prstGeom>
+          <a:solidFill>
+            <a:schemeClr val="tx1"/>
+          </a:solidFill>
+          <a:ln w="38100">
+            <a:noFill/>
+          </a:ln>
+        </p:spPr>
+        <p:style>
+          <a:lnRef idx="2">
+            <a:schemeClr val="accent1">
+              <a:shade val="50000"/>
+            </a:schemeClr>
+          </a:lnRef>
+          <a:fillRef idx="1">
+            <a:schemeClr val="accent1"/>
+          </a:fillRef>
+          <a:effectRef idx="0">
+            <a:schemeClr val="accent1"/>
+          </a:effectRef>
+          <a:fontRef idx="minor">
+            <a:schemeClr val="lt1"/>
+          </a:fontRef>
+        </p:style>
+        <p:txBody>
+          <a:bodyPr rtlCol="0" anchor="t"/>
+          <a:lstStyle/>
+          <a:p>
+            <a:pPr algn="ctr"/>
+            <a:endParaRPr lang="en-US" altLang="zh-CN" sz="4050" i="1" dirty="0">
+              <a:latin typeface="Times New Roman" panose="02020603050405020304" pitchFamily="18" charset="0"/>
+              <a:cs typeface="Times New Roman" panose="02020603050405020304" pitchFamily="18" charset="0"/>
+            </a:endParaRPr>
+          </a:p>
+          <a:p>
+            <a:pPr algn="ctr"/>
+            <a:r>
+              <a:rPr lang="en-US" altLang="zh-CN" sz="4400" b="1" cap="none" spc="0" dirty="0">
+                <a:ln>
+                  <a:solidFill>
+                    <a:srgbClr val="FAF1B4"/>
+                  </a:solidFill>
+                </a:ln>
+                <a:solidFill>
+                  <a:srgbClr val="FAF1B4"/>
+                </a:solidFill>
+                <a:effectLst>
+                  <a:reflection blurRad="6350" stA="55000" endA="300" endPos="45500" dir="5400000" sy="-100000" algn="bl" rotWithShape="0"/>
+                </a:effectLst>
+                <a:latin typeface="Times New Roman" panose="02020603050405020304" pitchFamily="18" charset="0"/>
+                <a:cs typeface="Times New Roman" panose="02020603050405020304" pitchFamily="18" charset="0"/>
+              </a:rPr>
+              <a:t>R</a:t>
+            </a:r>
+            <a:r>
+              <a:rPr lang="en-US" altLang="zh-CN" sz="4050" dirty="0">
+                <a:latin typeface="Times New Roman" panose="02020603050405020304" pitchFamily="18" charset="0"/>
+                <a:cs typeface="Times New Roman" panose="02020603050405020304" pitchFamily="18" charset="0"/>
+              </a:rPr>
+              <a:t> </a:t>
+            </a:r>
+            <a:r>
+              <a:rPr lang="en-US" altLang="zh-CN" sz="3000" dirty="0">
+                <a:latin typeface="Times New Roman" panose="02020603050405020304" pitchFamily="18" charset="0"/>
+                <a:cs typeface="Times New Roman" panose="02020603050405020304" pitchFamily="18" charset="0"/>
+              </a:rPr>
+              <a:t>of</a:t>
+            </a:r>
+            <a:r>
+              <a:rPr lang="en-US" altLang="zh-CN" sz="4050" dirty="0">
+                <a:latin typeface="Times New Roman" panose="02020603050405020304" pitchFamily="18" charset="0"/>
+                <a:cs typeface="Times New Roman" panose="02020603050405020304" pitchFamily="18" charset="0"/>
+              </a:rPr>
+              <a:t> </a:t>
+            </a:r>
+            <a:r>
+              <a:rPr lang="en-US" altLang="zh-TW" sz="4050" dirty="0">
+                <a:latin typeface="Times New Roman" panose="02020603050405020304" pitchFamily="18" charset="0"/>
+                <a:cs typeface="Times New Roman" panose="02020603050405020304" pitchFamily="18" charset="0"/>
+              </a:rPr>
+              <a:t>SPMT</a:t>
+            </a:r>
+          </a:p>
+        </p:txBody>
+      </p:sp>
+      <p:grpSp>
+        <p:nvGrpSpPr>
+          <p:cNvPr id="17" name="组合 16">
+            <a:extLst>
+              <a:ext uri="{FF2B5EF4-FFF2-40B4-BE49-F238E27FC236}">
+                <a16:creationId xmlns:a16="http://schemas.microsoft.com/office/drawing/2014/main" id="{B0C039CE-E35B-FB20-4F6F-73AF29F5EC82}"/>
+              </a:ext>
+            </a:extLst>
+          </p:cNvPr>
+          <p:cNvGrpSpPr/>
+          <p:nvPr/>
+        </p:nvGrpSpPr>
+        <p:grpSpPr>
+          <a:xfrm>
+            <a:off x="8023252" y="5229633"/>
+            <a:ext cx="1057142" cy="414474"/>
+            <a:chOff x="10502095" y="6069536"/>
+            <a:chExt cx="1409523" cy="552632"/>
+          </a:xfrm>
+        </p:grpSpPr>
+        <p:pic>
+          <p:nvPicPr>
+            <p:cNvPr id="10" name="图片 9" descr="图片包含 背景图案&#10;&#10;描述已自动生成">
+              <a:extLst>
+                <a:ext uri="{FF2B5EF4-FFF2-40B4-BE49-F238E27FC236}">
+                  <a16:creationId xmlns:a16="http://schemas.microsoft.com/office/drawing/2014/main" id="{630E8096-9BAE-771C-F26B-5E769FE2760E}"/>
+                </a:ext>
+              </a:extLst>
+            </p:cNvPr>
+            <p:cNvPicPr>
+              <a:picLocks noChangeAspect="1"/>
+            </p:cNvPicPr>
+            <p:nvPr/>
+          </p:nvPicPr>
+          <p:blipFill>
+            <a:blip r:embed="rId3">
+              <a:extLst>
+                <a:ext uri="{28A0092B-C50C-407E-A947-70E740481C1C}">
+                  <a14:useLocalDpi xmlns:a14="http://schemas.microsoft.com/office/drawing/2010/main" val="0"/>
+                </a:ext>
+              </a:extLst>
+            </a:blip>
+            <a:stretch>
+              <a:fillRect/>
+            </a:stretch>
+          </p:blipFill>
+          <p:spPr>
+            <a:xfrm>
+              <a:off x="11427454" y="6069536"/>
+              <a:ext cx="484164" cy="552632"/>
+            </a:xfrm>
+            <a:prstGeom prst="rect">
+              <a:avLst/>
+            </a:prstGeom>
+          </p:spPr>
+        </p:pic>
+        <p:sp>
+          <p:nvSpPr>
+            <p:cNvPr id="16" name="文本框 15">
+              <a:extLst>
+                <a:ext uri="{FF2B5EF4-FFF2-40B4-BE49-F238E27FC236}">
+                  <a16:creationId xmlns:a16="http://schemas.microsoft.com/office/drawing/2014/main" id="{790C7AEC-1C60-148D-F56E-026682E2E6F2}"/>
+                </a:ext>
+              </a:extLst>
+            </p:cNvPr>
+            <p:cNvSpPr txBox="1"/>
+            <p:nvPr/>
+          </p:nvSpPr>
+          <p:spPr>
+            <a:xfrm>
+              <a:off x="10502095" y="6183287"/>
+              <a:ext cx="925359" cy="339153"/>
+            </a:xfrm>
+            <a:prstGeom prst="rect">
+              <a:avLst/>
+            </a:prstGeom>
+            <a:noFill/>
+          </p:spPr>
+          <p:txBody>
+            <a:bodyPr wrap="square" rtlCol="0">
+              <a:spAutoFit/>
+            </a:bodyPr>
+            <a:lstStyle/>
+            <a:p>
+              <a:r>
+                <a:rPr lang="en-US" altLang="zh-CN" sz="1053" dirty="0">
+                  <a:solidFill>
+                    <a:schemeClr val="bg1"/>
+                  </a:solidFill>
+                  <a:latin typeface="Times New Roman" panose="02020603050405020304" pitchFamily="18" charset="0"/>
+                  <a:cs typeface="Times New Roman" panose="02020603050405020304" pitchFamily="18" charset="0"/>
+                </a:rPr>
+                <a:t>by YuKi</a:t>
+              </a:r>
+              <a:endParaRPr lang="zh-CN" altLang="en-US" sz="1053" dirty="0">
+                <a:solidFill>
+                  <a:schemeClr val="bg1"/>
+                </a:solidFill>
+                <a:latin typeface="Times New Roman" panose="02020603050405020304" pitchFamily="18" charset="0"/>
+                <a:cs typeface="Times New Roman" panose="02020603050405020304" pitchFamily="18" charset="0"/>
+              </a:endParaRPr>
+            </a:p>
+          </p:txBody>
+        </p:sp>
+      </p:grpSp>
+      <p:sp>
+        <p:nvSpPr>
+          <p:cNvPr id="3" name="矩形 2">
+            <a:extLst>
+              <a:ext uri="{FF2B5EF4-FFF2-40B4-BE49-F238E27FC236}">
+                <a16:creationId xmlns:a16="http://schemas.microsoft.com/office/drawing/2014/main" id="{C6B03883-6ED4-84CA-8282-B8EC86CE999A}"/>
+              </a:ext>
+            </a:extLst>
+          </p:cNvPr>
+          <p:cNvSpPr/>
+          <p:nvPr/>
+        </p:nvSpPr>
+        <p:spPr>
+          <a:xfrm>
+            <a:off x="-2" y="0"/>
+            <a:ext cx="3276602" cy="653131"/>
+          </a:xfrm>
+          <a:prstGeom prst="rect">
+            <a:avLst/>
+          </a:prstGeom>
+          <a:solidFill>
+            <a:schemeClr val="tx1"/>
+          </a:solidFill>
+          <a:ln>
+            <a:noFill/>
+          </a:ln>
+        </p:spPr>
+        <p:style>
+          <a:lnRef idx="2">
+            <a:schemeClr val="accent1">
+              <a:shade val="50000"/>
+            </a:schemeClr>
+          </a:lnRef>
+          <a:fillRef idx="1">
+            <a:schemeClr val="accent1"/>
+          </a:fillRef>
+          <a:effectRef idx="0">
+            <a:schemeClr val="accent1"/>
+          </a:effectRef>
+          <a:fontRef idx="minor">
+            <a:schemeClr val="lt1"/>
+          </a:fontRef>
+        </p:style>
+        <p:txBody>
+          <a:bodyPr rtlCol="0" anchor="ctr"/>
+          <a:lstStyle/>
+          <a:p>
+            <a:r>
+              <a:rPr lang="en-US" altLang="zh-CN" sz="4000" dirty="0">
+                <a:solidFill>
+                  <a:schemeClr val="bg1"/>
+                </a:solidFill>
+                <a:latin typeface="Times New Roman" panose="02020603050405020304" pitchFamily="18" charset="0"/>
+                <a:cs typeface="Times New Roman" panose="02020603050405020304" pitchFamily="18" charset="0"/>
+              </a:rPr>
+              <a:t>Introduction</a:t>
+            </a:r>
+            <a:endParaRPr lang="zh-CN" altLang="en-US" sz="4000" dirty="0">
+              <a:solidFill>
+                <a:schemeClr val="bg1"/>
+              </a:solidFill>
+              <a:latin typeface="Times New Roman" panose="02020603050405020304" pitchFamily="18" charset="0"/>
+              <a:cs typeface="Times New Roman" panose="02020603050405020304" pitchFamily="18" charset="0"/>
+            </a:endParaRPr>
+          </a:p>
+        </p:txBody>
+      </p:sp>
+      <p:sp>
+        <p:nvSpPr>
+          <p:cNvPr id="5" name="矩形 4">
+            <a:extLst>
+              <a:ext uri="{FF2B5EF4-FFF2-40B4-BE49-F238E27FC236}">
+                <a16:creationId xmlns:a16="http://schemas.microsoft.com/office/drawing/2014/main" id="{FE461C21-1DA5-1EEF-40F5-6F8AD5899BAF}"/>
+              </a:ext>
+            </a:extLst>
+          </p:cNvPr>
+          <p:cNvSpPr/>
+          <p:nvPr/>
+        </p:nvSpPr>
+        <p:spPr>
+          <a:xfrm>
+            <a:off x="7629" y="5175000"/>
+            <a:ext cx="864000" cy="540000"/>
+          </a:xfrm>
+          <a:prstGeom prst="rect">
+            <a:avLst/>
+          </a:prstGeom>
+          <a:solidFill>
+            <a:schemeClr val="tx1"/>
+          </a:solidFill>
+          <a:ln>
+            <a:noFill/>
+          </a:ln>
+        </p:spPr>
+        <p:style>
+          <a:lnRef idx="2">
+            <a:schemeClr val="accent1">
+              <a:shade val="50000"/>
+            </a:schemeClr>
+          </a:lnRef>
+          <a:fillRef idx="1">
+            <a:schemeClr val="accent1"/>
+          </a:fillRef>
+          <a:effectRef idx="0">
+            <a:schemeClr val="accent1"/>
+          </a:effectRef>
+          <a:fontRef idx="minor">
+            <a:schemeClr val="lt1"/>
+          </a:fontRef>
+        </p:style>
+        <p:txBody>
+          <a:bodyPr rtlCol="0" anchor="ctr"/>
+          <a:lstStyle/>
+          <a:p>
+            <a:pPr algn="ctr"/>
+            <a:r>
+              <a:rPr lang="en-US" altLang="zh-CN" sz="1800" b="1" dirty="0">
+                <a:latin typeface="Times New Roman" panose="02020603050405020304" pitchFamily="18" charset="0"/>
+                <a:cs typeface="Times New Roman" panose="02020603050405020304" pitchFamily="18" charset="0"/>
+              </a:rPr>
+              <a:t>99 / 99</a:t>
+            </a:r>
+            <a:endParaRPr lang="zh-CN" altLang="en-US" sz="1800" b="1" dirty="0">
+              <a:latin typeface="Times New Roman" panose="02020603050405020304" pitchFamily="18" charset="0"/>
+              <a:cs typeface="Times New Roman" panose="02020603050405020304" pitchFamily="18" charset="0"/>
+            </a:endParaRPr>
+          </a:p>
+        </p:txBody>
+      </p:sp>
+      <p:sp>
+        <p:nvSpPr>
+          <p:cNvPr id="12" name="Rectangle 11">
+            <a:extLst>
+              <a:ext uri="{FF2B5EF4-FFF2-40B4-BE49-F238E27FC236}">
+                <a16:creationId xmlns:a16="http://schemas.microsoft.com/office/drawing/2014/main" id="{2AE5AF11-C8FC-4A4C-64DC-86B1D312BD72}"/>
+              </a:ext>
+            </a:extLst>
+          </p:cNvPr>
+          <p:cNvSpPr/>
+          <p:nvPr/>
+        </p:nvSpPr>
+        <p:spPr>
+          <a:xfrm>
+            <a:off x="288015" y="1715811"/>
+            <a:ext cx="5947653" cy="2080670"/>
+          </a:xfrm>
+          <a:prstGeom prst="rect">
+            <a:avLst/>
+          </a:prstGeom>
+        </p:spPr>
+        <p:txBody>
+          <a:bodyPr vert="horz" lIns="91440" tIns="45720" rIns="91440" bIns="45720" rtlCol="0" anchor="t">
+            <a:normAutofit/>
+          </a:bodyPr>
+          <a:lstStyle/>
+          <a:p>
+            <a:pPr indent="-228600">
+              <a:lnSpc>
+                <a:spcPct val="90000"/>
+              </a:lnSpc>
+              <a:spcAft>
+                <a:spcPts val="600"/>
+              </a:spcAft>
+              <a:buFont typeface="Arial" panose="020B0604020202020204" pitchFamily="34" charset="0"/>
+              <a:buChar char="•"/>
+            </a:pPr>
+            <a:endParaRPr lang="en-US" sz="2200" b="1" dirty="0">
+              <a:solidFill>
+                <a:schemeClr val="bg1"/>
+              </a:solidFill>
+              <a:latin typeface="Times New Roman" panose="02020603050405020304" pitchFamily="18" charset="0"/>
+              <a:cs typeface="Times New Roman" panose="02020603050405020304" pitchFamily="18" charset="0"/>
+            </a:endParaRPr>
+          </a:p>
+        </p:txBody>
+      </p:sp>
+      <p:sp>
+        <p:nvSpPr>
+          <p:cNvPr id="4" name="文本框 3">
+            <a:extLst>
+              <a:ext uri="{FF2B5EF4-FFF2-40B4-BE49-F238E27FC236}">
+                <a16:creationId xmlns:a16="http://schemas.microsoft.com/office/drawing/2014/main" id="{CAC2CD16-54BF-3B92-19AC-EB07B829A7A3}"/>
+              </a:ext>
+            </a:extLst>
+          </p:cNvPr>
+          <p:cNvSpPr txBox="1"/>
+          <p:nvPr/>
+        </p:nvSpPr>
+        <p:spPr>
+          <a:xfrm>
+            <a:off x="384810" y="2042155"/>
+            <a:ext cx="5783580" cy="1477328"/>
+          </a:xfrm>
+          <a:prstGeom prst="rect">
+            <a:avLst/>
+          </a:prstGeom>
+          <a:noFill/>
+        </p:spPr>
+        <p:txBody>
+          <a:bodyPr wrap="square">
+            <a:spAutoFit/>
+          </a:bodyPr>
+          <a:lstStyle/>
+          <a:p>
+            <a:pPr marL="285750" indent="-285750">
+              <a:buFont typeface="Wingdings" panose="05000000000000000000" pitchFamily="2" charset="2"/>
+              <a:buChar char="n"/>
+            </a:pPr>
+            <a:r>
+              <a:rPr lang="en-US" altLang="zh-CN" dirty="0">
+                <a:solidFill>
+                  <a:schemeClr val="bg1"/>
+                </a:solidFill>
+                <a:latin typeface="Times New Roman" panose="02020603050405020304" pitchFamily="18" charset="0"/>
+                <a:cs typeface="Times New Roman" panose="02020603050405020304" pitchFamily="18" charset="0"/>
+              </a:rPr>
+              <a:t>While SPMT has become a mainstream method for investigating the mechanism underlying the SPE, little attention has been paid to the exact indices of the effect and their reliability, which require careful examination </a:t>
+            </a:r>
+            <a:r>
+              <a:rPr lang="en-US" altLang="zh-CN" dirty="0">
+                <a:solidFill>
+                  <a:srgbClr val="FAF1B4"/>
+                </a:solidFill>
+                <a:latin typeface="Times New Roman" panose="02020603050405020304" pitchFamily="18" charset="0"/>
+                <a:cs typeface="Times New Roman" panose="02020603050405020304" pitchFamily="18" charset="0"/>
+              </a:rPr>
+              <a:t>(Parsons et al., 2019; </a:t>
+            </a:r>
+            <a:r>
+              <a:rPr lang="en-US" altLang="zh-CN" dirty="0" err="1">
+                <a:solidFill>
+                  <a:srgbClr val="FAF1B4"/>
+                </a:solidFill>
+                <a:latin typeface="Times New Roman" panose="02020603050405020304" pitchFamily="18" charset="0"/>
+                <a:cs typeface="Times New Roman" panose="02020603050405020304" pitchFamily="18" charset="0"/>
+              </a:rPr>
+              <a:t>Zorowitz</a:t>
+            </a:r>
+            <a:r>
+              <a:rPr lang="en-US" altLang="zh-CN" dirty="0">
+                <a:solidFill>
+                  <a:srgbClr val="FAF1B4"/>
+                </a:solidFill>
+                <a:latin typeface="Times New Roman" panose="02020603050405020304" pitchFamily="18" charset="0"/>
+                <a:cs typeface="Times New Roman" panose="02020603050405020304" pitchFamily="18" charset="0"/>
+              </a:rPr>
+              <a:t> &amp; Niv, 2023).</a:t>
+            </a:r>
+            <a:endParaRPr lang="zh-CN" altLang="en-US" dirty="0">
+              <a:solidFill>
+                <a:srgbClr val="FAF1B4"/>
+              </a:solidFill>
+              <a:latin typeface="Times New Roman" panose="02020603050405020304" pitchFamily="18" charset="0"/>
+              <a:cs typeface="Times New Roman" panose="02020603050405020304" pitchFamily="18" charset="0"/>
+            </a:endParaRPr>
+          </a:p>
+        </p:txBody>
+      </p:sp>
+    </p:spTree>
+    <p:extLst>
+      <p:ext uri="{BB962C8B-B14F-4D97-AF65-F5344CB8AC3E}">
+        <p14:creationId xmlns:p14="http://schemas.microsoft.com/office/powerpoint/2010/main" val="3712927799"/>
+      </p:ext>
+    </p:extLst>
+  </p:cSld>
+  <p:clrMapOvr>
+    <a:masterClrMapping/>
+  </p:clrMapOvr>
+</p:sld>
+</file>
+
+<file path=ppt/slides/slide6.xml><?xml version="1.0" encoding="utf-8"?>
+<p:sld xmlns:a="http://schemas.openxmlformats.org/drawingml/2006/main" xmlns:r="http://schemas.openxmlformats.org/officeDocument/2006/relationships" xmlns:p="http://schemas.openxmlformats.org/presentationml/2006/main">
+  <p:cSld>
+    <p:spTree>
+      <p:nvGrpSpPr>
+        <p:cNvPr id="1" name=""/>
+        <p:cNvGrpSpPr/>
+        <p:nvPr/>
+      </p:nvGrpSpPr>
+      <p:grpSpPr>
+        <a:xfrm>
+          <a:off x="0" y="0"/>
+          <a:ext cx="0" cy="0"/>
+          <a:chOff x="0" y="0"/>
+          <a:chExt cx="0" cy="0"/>
+        </a:xfrm>
+      </p:grpSpPr>
+      <p:sp>
+        <p:nvSpPr>
+          <p:cNvPr id="4" name="矩形 3">
+            <a:extLst>
+              <a:ext uri="{FF2B5EF4-FFF2-40B4-BE49-F238E27FC236}">
+                <a16:creationId xmlns:a16="http://schemas.microsoft.com/office/drawing/2014/main" id="{8A4EAD24-369E-325A-1E13-27AE91EF85ED}"/>
+              </a:ext>
+            </a:extLst>
+          </p:cNvPr>
+          <p:cNvSpPr/>
+          <p:nvPr/>
+        </p:nvSpPr>
+        <p:spPr>
+          <a:xfrm>
+            <a:off x="6523682" y="0"/>
+            <a:ext cx="2620318" cy="5714995"/>
+          </a:xfrm>
+          <a:prstGeom prst="rect">
+            <a:avLst/>
+          </a:prstGeom>
+          <a:solidFill>
+            <a:schemeClr val="tx1"/>
+          </a:solidFill>
+          <a:ln w="38100">
+            <a:noFill/>
+          </a:ln>
+        </p:spPr>
+        <p:style>
+          <a:lnRef idx="2">
+            <a:schemeClr val="accent1">
+              <a:shade val="50000"/>
+            </a:schemeClr>
+          </a:lnRef>
+          <a:fillRef idx="1">
+            <a:schemeClr val="accent1"/>
+          </a:fillRef>
+          <a:effectRef idx="0">
+            <a:schemeClr val="accent1"/>
+          </a:effectRef>
+          <a:fontRef idx="minor">
+            <a:schemeClr val="lt1"/>
+          </a:fontRef>
+        </p:style>
+        <p:txBody>
+          <a:bodyPr rtlCol="0" anchor="t"/>
+          <a:lstStyle/>
+          <a:p>
+            <a:pPr algn="ctr"/>
+            <a:endParaRPr lang="en-US" altLang="zh-CN" sz="4050" i="1" dirty="0">
+              <a:latin typeface="Times New Roman" panose="02020603050405020304" pitchFamily="18" charset="0"/>
+              <a:cs typeface="Times New Roman" panose="02020603050405020304" pitchFamily="18" charset="0"/>
+            </a:endParaRPr>
+          </a:p>
+          <a:p>
+            <a:pPr algn="ctr"/>
+            <a:r>
+              <a:rPr lang="en-US" altLang="zh-CN" sz="4400" b="1" cap="none" spc="0" dirty="0">
+                <a:ln>
+                  <a:solidFill>
+                    <a:srgbClr val="FAF1B4"/>
+                  </a:solidFill>
+                </a:ln>
+                <a:solidFill>
+                  <a:srgbClr val="FAF1B4"/>
+                </a:solidFill>
+                <a:effectLst>
+                  <a:reflection blurRad="6350" stA="55000" endA="300" endPos="45500" dir="5400000" sy="-100000" algn="bl" rotWithShape="0"/>
+                </a:effectLst>
+                <a:latin typeface="Times New Roman" panose="02020603050405020304" pitchFamily="18" charset="0"/>
+                <a:cs typeface="Times New Roman" panose="02020603050405020304" pitchFamily="18" charset="0"/>
+              </a:rPr>
+              <a:t>R</a:t>
+            </a:r>
+            <a:r>
+              <a:rPr lang="en-US" altLang="zh-CN" sz="4050" dirty="0">
+                <a:latin typeface="Times New Roman" panose="02020603050405020304" pitchFamily="18" charset="0"/>
+                <a:cs typeface="Times New Roman" panose="02020603050405020304" pitchFamily="18" charset="0"/>
+              </a:rPr>
+              <a:t> </a:t>
+            </a:r>
+            <a:r>
+              <a:rPr lang="en-US" altLang="zh-CN" sz="3000" dirty="0">
+                <a:latin typeface="Times New Roman" panose="02020603050405020304" pitchFamily="18" charset="0"/>
+                <a:cs typeface="Times New Roman" panose="02020603050405020304" pitchFamily="18" charset="0"/>
+              </a:rPr>
+              <a:t>of</a:t>
+            </a:r>
+            <a:r>
+              <a:rPr lang="en-US" altLang="zh-CN" sz="4050" dirty="0">
+                <a:latin typeface="Times New Roman" panose="02020603050405020304" pitchFamily="18" charset="0"/>
+                <a:cs typeface="Times New Roman" panose="02020603050405020304" pitchFamily="18" charset="0"/>
+              </a:rPr>
+              <a:t> </a:t>
+            </a:r>
+            <a:r>
+              <a:rPr lang="en-US" altLang="zh-TW" sz="4050" dirty="0">
+                <a:latin typeface="Times New Roman" panose="02020603050405020304" pitchFamily="18" charset="0"/>
+                <a:cs typeface="Times New Roman" panose="02020603050405020304" pitchFamily="18" charset="0"/>
+              </a:rPr>
+              <a:t>SPMT</a:t>
+            </a:r>
+          </a:p>
+        </p:txBody>
+      </p:sp>
+      <p:grpSp>
+        <p:nvGrpSpPr>
+          <p:cNvPr id="17" name="组合 16">
+            <a:extLst>
+              <a:ext uri="{FF2B5EF4-FFF2-40B4-BE49-F238E27FC236}">
+                <a16:creationId xmlns:a16="http://schemas.microsoft.com/office/drawing/2014/main" id="{B0C039CE-E35B-FB20-4F6F-73AF29F5EC82}"/>
+              </a:ext>
+            </a:extLst>
+          </p:cNvPr>
+          <p:cNvGrpSpPr/>
+          <p:nvPr/>
+        </p:nvGrpSpPr>
+        <p:grpSpPr>
+          <a:xfrm>
+            <a:off x="8023252" y="5229633"/>
+            <a:ext cx="1057142" cy="414474"/>
+            <a:chOff x="10502095" y="6069536"/>
+            <a:chExt cx="1409523" cy="552632"/>
+          </a:xfrm>
+        </p:grpSpPr>
+        <p:pic>
+          <p:nvPicPr>
+            <p:cNvPr id="10" name="图片 9" descr="图片包含 背景图案&#10;&#10;描述已自动生成">
+              <a:extLst>
+                <a:ext uri="{FF2B5EF4-FFF2-40B4-BE49-F238E27FC236}">
+                  <a16:creationId xmlns:a16="http://schemas.microsoft.com/office/drawing/2014/main" id="{630E8096-9BAE-771C-F26B-5E769FE2760E}"/>
+                </a:ext>
+              </a:extLst>
+            </p:cNvPr>
+            <p:cNvPicPr>
+              <a:picLocks noChangeAspect="1"/>
+            </p:cNvPicPr>
+            <p:nvPr/>
+          </p:nvPicPr>
+          <p:blipFill>
+            <a:blip r:embed="rId3">
+              <a:extLst>
+                <a:ext uri="{28A0092B-C50C-407E-A947-70E740481C1C}">
+                  <a14:useLocalDpi xmlns:a14="http://schemas.microsoft.com/office/drawing/2010/main" val="0"/>
+                </a:ext>
+              </a:extLst>
+            </a:blip>
+            <a:stretch>
+              <a:fillRect/>
+            </a:stretch>
+          </p:blipFill>
+          <p:spPr>
+            <a:xfrm>
+              <a:off x="11427454" y="6069536"/>
+              <a:ext cx="484164" cy="552632"/>
+            </a:xfrm>
+            <a:prstGeom prst="rect">
+              <a:avLst/>
+            </a:prstGeom>
+          </p:spPr>
+        </p:pic>
+        <p:sp>
+          <p:nvSpPr>
+            <p:cNvPr id="16" name="文本框 15">
+              <a:extLst>
+                <a:ext uri="{FF2B5EF4-FFF2-40B4-BE49-F238E27FC236}">
+                  <a16:creationId xmlns:a16="http://schemas.microsoft.com/office/drawing/2014/main" id="{790C7AEC-1C60-148D-F56E-026682E2E6F2}"/>
+                </a:ext>
+              </a:extLst>
+            </p:cNvPr>
+            <p:cNvSpPr txBox="1"/>
+            <p:nvPr/>
+          </p:nvSpPr>
+          <p:spPr>
+            <a:xfrm>
+              <a:off x="10502095" y="6183287"/>
+              <a:ext cx="925359" cy="339153"/>
+            </a:xfrm>
+            <a:prstGeom prst="rect">
+              <a:avLst/>
+            </a:prstGeom>
+            <a:noFill/>
+          </p:spPr>
+          <p:txBody>
+            <a:bodyPr wrap="square" rtlCol="0">
+              <a:spAutoFit/>
+            </a:bodyPr>
+            <a:lstStyle/>
+            <a:p>
+              <a:r>
+                <a:rPr lang="en-US" altLang="zh-CN" sz="1053" dirty="0">
+                  <a:solidFill>
+                    <a:schemeClr val="bg1"/>
+                  </a:solidFill>
+                  <a:latin typeface="Times New Roman" panose="02020603050405020304" pitchFamily="18" charset="0"/>
+                  <a:cs typeface="Times New Roman" panose="02020603050405020304" pitchFamily="18" charset="0"/>
+                </a:rPr>
+                <a:t>by YuKi</a:t>
+              </a:r>
+              <a:endParaRPr lang="zh-CN" altLang="en-US" sz="1053" dirty="0">
+                <a:solidFill>
+                  <a:schemeClr val="bg1"/>
+                </a:solidFill>
+                <a:latin typeface="Times New Roman" panose="02020603050405020304" pitchFamily="18" charset="0"/>
+                <a:cs typeface="Times New Roman" panose="02020603050405020304" pitchFamily="18" charset="0"/>
+              </a:endParaRPr>
+            </a:p>
+          </p:txBody>
+        </p:sp>
+      </p:grpSp>
+      <p:sp>
+        <p:nvSpPr>
+          <p:cNvPr id="3" name="矩形 2">
+            <a:extLst>
+              <a:ext uri="{FF2B5EF4-FFF2-40B4-BE49-F238E27FC236}">
+                <a16:creationId xmlns:a16="http://schemas.microsoft.com/office/drawing/2014/main" id="{C6B03883-6ED4-84CA-8282-B8EC86CE999A}"/>
+              </a:ext>
+            </a:extLst>
+          </p:cNvPr>
+          <p:cNvSpPr/>
+          <p:nvPr/>
+        </p:nvSpPr>
+        <p:spPr>
+          <a:xfrm>
+            <a:off x="-2" y="0"/>
+            <a:ext cx="3276602" cy="653131"/>
+          </a:xfrm>
+          <a:prstGeom prst="rect">
+            <a:avLst/>
+          </a:prstGeom>
+          <a:solidFill>
+            <a:schemeClr val="tx1"/>
+          </a:solidFill>
+          <a:ln>
+            <a:noFill/>
+          </a:ln>
+        </p:spPr>
+        <p:style>
+          <a:lnRef idx="2">
+            <a:schemeClr val="accent1">
+              <a:shade val="50000"/>
+            </a:schemeClr>
+          </a:lnRef>
+          <a:fillRef idx="1">
+            <a:schemeClr val="accent1"/>
+          </a:fillRef>
+          <a:effectRef idx="0">
+            <a:schemeClr val="accent1"/>
+          </a:effectRef>
+          <a:fontRef idx="minor">
+            <a:schemeClr val="lt1"/>
+          </a:fontRef>
+        </p:style>
+        <p:txBody>
+          <a:bodyPr rtlCol="0" anchor="ctr"/>
+          <a:lstStyle/>
+          <a:p>
+            <a:r>
+              <a:rPr lang="en-US" altLang="zh-CN" sz="4000" dirty="0">
+                <a:solidFill>
+                  <a:schemeClr val="bg1"/>
+                </a:solidFill>
+                <a:latin typeface="Times New Roman" panose="02020603050405020304" pitchFamily="18" charset="0"/>
+                <a:cs typeface="Times New Roman" panose="02020603050405020304" pitchFamily="18" charset="0"/>
+              </a:rPr>
+              <a:t>Introduction</a:t>
+            </a:r>
+            <a:endParaRPr lang="zh-CN" altLang="en-US" sz="4000" dirty="0">
+              <a:solidFill>
+                <a:schemeClr val="bg1"/>
+              </a:solidFill>
+              <a:latin typeface="Times New Roman" panose="02020603050405020304" pitchFamily="18" charset="0"/>
+              <a:cs typeface="Times New Roman" panose="02020603050405020304" pitchFamily="18" charset="0"/>
+            </a:endParaRPr>
+          </a:p>
+        </p:txBody>
+      </p:sp>
+      <p:sp>
+        <p:nvSpPr>
+          <p:cNvPr id="5" name="矩形 4">
+            <a:extLst>
+              <a:ext uri="{FF2B5EF4-FFF2-40B4-BE49-F238E27FC236}">
+                <a16:creationId xmlns:a16="http://schemas.microsoft.com/office/drawing/2014/main" id="{FE461C21-1DA5-1EEF-40F5-6F8AD5899BAF}"/>
+              </a:ext>
+            </a:extLst>
+          </p:cNvPr>
+          <p:cNvSpPr/>
+          <p:nvPr/>
+        </p:nvSpPr>
+        <p:spPr>
+          <a:xfrm>
+            <a:off x="7629" y="5175000"/>
+            <a:ext cx="864000" cy="540000"/>
+          </a:xfrm>
+          <a:prstGeom prst="rect">
+            <a:avLst/>
+          </a:prstGeom>
+          <a:solidFill>
+            <a:schemeClr val="tx1"/>
+          </a:solidFill>
+          <a:ln>
+            <a:noFill/>
+          </a:ln>
+        </p:spPr>
+        <p:style>
+          <a:lnRef idx="2">
+            <a:schemeClr val="accent1">
+              <a:shade val="50000"/>
+            </a:schemeClr>
+          </a:lnRef>
+          <a:fillRef idx="1">
+            <a:schemeClr val="accent1"/>
+          </a:fillRef>
+          <a:effectRef idx="0">
+            <a:schemeClr val="accent1"/>
+          </a:effectRef>
+          <a:fontRef idx="minor">
+            <a:schemeClr val="lt1"/>
+          </a:fontRef>
+        </p:style>
+        <p:txBody>
+          <a:bodyPr rtlCol="0" anchor="ctr"/>
+          <a:lstStyle/>
+          <a:p>
+            <a:pPr algn="ctr"/>
+            <a:r>
+              <a:rPr lang="en-US" altLang="zh-CN" sz="1800" b="1" dirty="0">
+                <a:latin typeface="Times New Roman" panose="02020603050405020304" pitchFamily="18" charset="0"/>
+                <a:cs typeface="Times New Roman" panose="02020603050405020304" pitchFamily="18" charset="0"/>
+              </a:rPr>
+              <a:t>99 / 99</a:t>
+            </a:r>
+            <a:endParaRPr lang="zh-CN" altLang="en-US" sz="1800" b="1" dirty="0">
+              <a:latin typeface="Times New Roman" panose="02020603050405020304" pitchFamily="18" charset="0"/>
+              <a:cs typeface="Times New Roman" panose="02020603050405020304" pitchFamily="18" charset="0"/>
+            </a:endParaRPr>
+          </a:p>
+        </p:txBody>
+      </p:sp>
+      <p:sp>
+        <p:nvSpPr>
+          <p:cNvPr id="12" name="Rectangle 11">
+            <a:extLst>
+              <a:ext uri="{FF2B5EF4-FFF2-40B4-BE49-F238E27FC236}">
+                <a16:creationId xmlns:a16="http://schemas.microsoft.com/office/drawing/2014/main" id="{2AE5AF11-C8FC-4A4C-64DC-86B1D312BD72}"/>
+              </a:ext>
+            </a:extLst>
+          </p:cNvPr>
+          <p:cNvSpPr/>
+          <p:nvPr/>
+        </p:nvSpPr>
+        <p:spPr>
+          <a:xfrm>
+            <a:off x="288015" y="1715811"/>
+            <a:ext cx="5947653" cy="2080670"/>
+          </a:xfrm>
+          <a:prstGeom prst="rect">
+            <a:avLst/>
+          </a:prstGeom>
+        </p:spPr>
+        <p:txBody>
+          <a:bodyPr vert="horz" lIns="91440" tIns="45720" rIns="91440" bIns="45720" rtlCol="0" anchor="t">
+            <a:normAutofit/>
+          </a:bodyPr>
+          <a:lstStyle/>
+          <a:p>
+            <a:pPr indent="-228600">
+              <a:lnSpc>
+                <a:spcPct val="90000"/>
+              </a:lnSpc>
+              <a:spcAft>
+                <a:spcPts val="600"/>
+              </a:spcAft>
+              <a:buFont typeface="Arial" panose="020B0604020202020204" pitchFamily="34" charset="0"/>
+              <a:buChar char="•"/>
+            </a:pPr>
+            <a:endParaRPr lang="en-US" sz="2200" b="1" dirty="0">
+              <a:solidFill>
+                <a:schemeClr val="bg1"/>
+              </a:solidFill>
+              <a:latin typeface="Times New Roman" panose="02020603050405020304" pitchFamily="18" charset="0"/>
+              <a:cs typeface="Times New Roman" panose="02020603050405020304" pitchFamily="18" charset="0"/>
+            </a:endParaRPr>
+          </a:p>
+        </p:txBody>
+      </p:sp>
+      <p:sp>
+        <p:nvSpPr>
+          <p:cNvPr id="8" name="文本框 7">
+            <a:extLst>
+              <a:ext uri="{FF2B5EF4-FFF2-40B4-BE49-F238E27FC236}">
+                <a16:creationId xmlns:a16="http://schemas.microsoft.com/office/drawing/2014/main" id="{124BCAE6-50FF-A5D7-B35B-06D3DD3B887A}"/>
+              </a:ext>
+            </a:extLst>
+          </p:cNvPr>
+          <p:cNvSpPr txBox="1"/>
+          <p:nvPr/>
+        </p:nvSpPr>
+        <p:spPr>
+          <a:xfrm>
+            <a:off x="330698" y="1841834"/>
+            <a:ext cx="5891804" cy="2031325"/>
+          </a:xfrm>
+          <a:prstGeom prst="rect">
+            <a:avLst/>
+          </a:prstGeom>
+          <a:noFill/>
+        </p:spPr>
+        <p:txBody>
+          <a:bodyPr wrap="square">
+            <a:spAutoFit/>
+          </a:bodyPr>
+          <a:lstStyle/>
+          <a:p>
+            <a:pPr marL="285750" indent="-285750">
+              <a:buFont typeface="Wingdings" panose="05000000000000000000" pitchFamily="2" charset="2"/>
+              <a:buChar char="n"/>
+            </a:pPr>
+            <a:r>
+              <a:rPr lang="en-US" altLang="zh-CN" b="0" i="0" dirty="0">
+                <a:solidFill>
+                  <a:schemeClr val="bg1"/>
+                </a:solidFill>
+                <a:effectLst/>
+                <a:latin typeface="Times New Roman" panose="02020603050405020304" pitchFamily="18" charset="0"/>
+                <a:cs typeface="Times New Roman" panose="02020603050405020304" pitchFamily="18" charset="0"/>
+              </a:rPr>
+              <a:t>A growing number of cognitive experimental paradigms are being directly used to examine personality traits. </a:t>
+            </a:r>
+            <a:r>
+              <a:rPr lang="en-US" altLang="zh-CN" b="0" i="0" dirty="0">
+                <a:solidFill>
+                  <a:srgbClr val="FAF1B4"/>
+                </a:solidFill>
+                <a:effectLst/>
+                <a:latin typeface="Times New Roman" panose="02020603050405020304" pitchFamily="18" charset="0"/>
+                <a:cs typeface="Times New Roman" panose="02020603050405020304" pitchFamily="18" charset="0"/>
+              </a:rPr>
+              <a:t>(Kucina et al., 2023)</a:t>
+            </a:r>
+          </a:p>
+          <a:p>
+            <a:pPr marL="742950" lvl="1" indent="-285750">
+              <a:buFont typeface="Arial" panose="020B0604020202020204" pitchFamily="34" charset="0"/>
+              <a:buChar char="•"/>
+            </a:pPr>
+            <a:r>
+              <a:rPr lang="en-US" altLang="zh-CN" dirty="0">
+                <a:solidFill>
+                  <a:schemeClr val="bg1"/>
+                </a:solidFill>
+                <a:latin typeface="Times New Roman" panose="02020603050405020304" pitchFamily="18" charset="0"/>
+                <a:cs typeface="Times New Roman" panose="02020603050405020304" pitchFamily="18" charset="0"/>
+              </a:rPr>
+              <a:t>The reaction time differences in the Stroop paradigm are used to reflect individuals' varying executive control abilities. </a:t>
+            </a:r>
+            <a:r>
+              <a:rPr lang="en-US" altLang="zh-CN" dirty="0">
+                <a:solidFill>
+                  <a:srgbClr val="FAF1B4"/>
+                </a:solidFill>
+                <a:latin typeface="Times New Roman" panose="02020603050405020304" pitchFamily="18" charset="0"/>
+                <a:cs typeface="Times New Roman" panose="02020603050405020304" pitchFamily="18" charset="0"/>
+              </a:rPr>
+              <a:t>(</a:t>
+            </a:r>
+            <a:r>
+              <a:rPr lang="en-US" altLang="zh-TW" dirty="0">
+                <a:solidFill>
+                  <a:srgbClr val="FAF1B4"/>
+                </a:solidFill>
+                <a:latin typeface="Times New Roman" panose="02020603050405020304" pitchFamily="18" charset="0"/>
+                <a:cs typeface="Times New Roman" panose="02020603050405020304" pitchFamily="18" charset="0"/>
+              </a:rPr>
+              <a:t>Eriksen, 1995; </a:t>
+            </a:r>
+            <a:r>
+              <a:rPr lang="en-US" altLang="zh-TW" dirty="0" err="1">
+                <a:solidFill>
+                  <a:srgbClr val="FAF1B4"/>
+                </a:solidFill>
+                <a:latin typeface="Times New Roman" panose="02020603050405020304" pitchFamily="18" charset="0"/>
+                <a:cs typeface="Times New Roman" panose="02020603050405020304" pitchFamily="18" charset="0"/>
+              </a:rPr>
+              <a:t>Hommel</a:t>
+            </a:r>
+            <a:r>
+              <a:rPr lang="en-US" altLang="zh-TW" dirty="0">
+                <a:solidFill>
+                  <a:srgbClr val="FAF1B4"/>
+                </a:solidFill>
+                <a:latin typeface="Times New Roman" panose="02020603050405020304" pitchFamily="18" charset="0"/>
+                <a:cs typeface="Times New Roman" panose="02020603050405020304" pitchFamily="18" charset="0"/>
+              </a:rPr>
+              <a:t>, 2011; MacLeod, 1991</a:t>
+            </a:r>
+            <a:r>
+              <a:rPr lang="en-US" altLang="zh-CN" dirty="0">
+                <a:solidFill>
+                  <a:srgbClr val="FAF1B4"/>
+                </a:solidFill>
+                <a:latin typeface="Times New Roman" panose="02020603050405020304" pitchFamily="18" charset="0"/>
+                <a:cs typeface="Times New Roman" panose="02020603050405020304" pitchFamily="18" charset="0"/>
+              </a:rPr>
+              <a:t>)</a:t>
+            </a:r>
+          </a:p>
+        </p:txBody>
+      </p:sp>
     </p:spTree>
     <p:extLst>
       <p:ext uri="{BB962C8B-B14F-4D97-AF65-F5344CB8AC3E}">
         <p14:creationId xmlns:p14="http://schemas.microsoft.com/office/powerpoint/2010/main" val="135504613"/>
+      </p:ext>
+    </p:extLst>
+  </p:cSld>
+  <p:clrMapOvr>
+    <a:masterClrMapping/>
+  </p:clrMapOvr>
+</p:sld>
+</file>
+
+<file path=ppt/slides/slide7.xml><?xml version="1.0" encoding="utf-8"?>
+<p:sld xmlns:a="http://schemas.openxmlformats.org/drawingml/2006/main" xmlns:r="http://schemas.openxmlformats.org/officeDocument/2006/relationships" xmlns:p="http://schemas.openxmlformats.org/presentationml/2006/main">
+  <p:cSld>
+    <p:spTree>
+      <p:nvGrpSpPr>
+        <p:cNvPr id="1" name=""/>
+        <p:cNvGrpSpPr/>
+        <p:nvPr/>
+      </p:nvGrpSpPr>
+      <p:grpSpPr>
+        <a:xfrm>
+          <a:off x="0" y="0"/>
+          <a:ext cx="0" cy="0"/>
+          <a:chOff x="0" y="0"/>
+          <a:chExt cx="0" cy="0"/>
+        </a:xfrm>
+      </p:grpSpPr>
+      <p:sp>
+        <p:nvSpPr>
+          <p:cNvPr id="6" name="矩形 5">
+            <a:extLst>
+              <a:ext uri="{FF2B5EF4-FFF2-40B4-BE49-F238E27FC236}">
+                <a16:creationId xmlns:a16="http://schemas.microsoft.com/office/drawing/2014/main" id="{D89A1788-3DCA-5E59-1C6D-272D6AB1F2D3}"/>
+              </a:ext>
+            </a:extLst>
+          </p:cNvPr>
+          <p:cNvSpPr/>
+          <p:nvPr/>
+        </p:nvSpPr>
+        <p:spPr>
+          <a:xfrm>
+            <a:off x="6523682" y="0"/>
+            <a:ext cx="2620318" cy="5714995"/>
+          </a:xfrm>
+          <a:prstGeom prst="rect">
+            <a:avLst/>
+          </a:prstGeom>
+          <a:solidFill>
+            <a:schemeClr val="tx1"/>
+          </a:solidFill>
+          <a:ln w="38100">
+            <a:noFill/>
+          </a:ln>
+        </p:spPr>
+        <p:style>
+          <a:lnRef idx="2">
+            <a:schemeClr val="accent1">
+              <a:shade val="50000"/>
+            </a:schemeClr>
+          </a:lnRef>
+          <a:fillRef idx="1">
+            <a:schemeClr val="accent1"/>
+          </a:fillRef>
+          <a:effectRef idx="0">
+            <a:schemeClr val="accent1"/>
+          </a:effectRef>
+          <a:fontRef idx="minor">
+            <a:schemeClr val="lt1"/>
+          </a:fontRef>
+        </p:style>
+        <p:txBody>
+          <a:bodyPr rtlCol="0" anchor="t"/>
+          <a:lstStyle/>
+          <a:p>
+            <a:pPr algn="ctr"/>
+            <a:endParaRPr lang="en-US" altLang="zh-CN" sz="4050" i="1" dirty="0">
+              <a:latin typeface="Times New Roman" panose="02020603050405020304" pitchFamily="18" charset="0"/>
+              <a:cs typeface="Times New Roman" panose="02020603050405020304" pitchFamily="18" charset="0"/>
+            </a:endParaRPr>
+          </a:p>
+          <a:p>
+            <a:pPr algn="ctr"/>
+            <a:r>
+              <a:rPr lang="en-US" altLang="zh-CN" sz="4400" b="1" cap="none" spc="0" dirty="0">
+                <a:ln>
+                  <a:solidFill>
+                    <a:srgbClr val="FAF1B4"/>
+                  </a:solidFill>
+                </a:ln>
+                <a:solidFill>
+                  <a:srgbClr val="FAF1B4"/>
+                </a:solidFill>
+                <a:effectLst>
+                  <a:reflection blurRad="6350" stA="55000" endA="300" endPos="45500" dir="5400000" sy="-100000" algn="bl" rotWithShape="0"/>
+                </a:effectLst>
+                <a:latin typeface="Times New Roman" panose="02020603050405020304" pitchFamily="18" charset="0"/>
+                <a:cs typeface="Times New Roman" panose="02020603050405020304" pitchFamily="18" charset="0"/>
+              </a:rPr>
+              <a:t>R</a:t>
+            </a:r>
+            <a:r>
+              <a:rPr lang="en-US" altLang="zh-CN" sz="4050" dirty="0">
+                <a:latin typeface="Times New Roman" panose="02020603050405020304" pitchFamily="18" charset="0"/>
+                <a:cs typeface="Times New Roman" panose="02020603050405020304" pitchFamily="18" charset="0"/>
+              </a:rPr>
+              <a:t> </a:t>
+            </a:r>
+            <a:r>
+              <a:rPr lang="en-US" altLang="zh-CN" sz="3000" dirty="0">
+                <a:latin typeface="Times New Roman" panose="02020603050405020304" pitchFamily="18" charset="0"/>
+                <a:cs typeface="Times New Roman" panose="02020603050405020304" pitchFamily="18" charset="0"/>
+              </a:rPr>
+              <a:t>of</a:t>
+            </a:r>
+            <a:r>
+              <a:rPr lang="en-US" altLang="zh-CN" sz="4050" dirty="0">
+                <a:latin typeface="Times New Roman" panose="02020603050405020304" pitchFamily="18" charset="0"/>
+                <a:cs typeface="Times New Roman" panose="02020603050405020304" pitchFamily="18" charset="0"/>
+              </a:rPr>
+              <a:t> </a:t>
+            </a:r>
+            <a:r>
+              <a:rPr lang="en-US" altLang="zh-TW" sz="4050" dirty="0">
+                <a:latin typeface="Times New Roman" panose="02020603050405020304" pitchFamily="18" charset="0"/>
+                <a:cs typeface="Times New Roman" panose="02020603050405020304" pitchFamily="18" charset="0"/>
+              </a:rPr>
+              <a:t>SPMT</a:t>
+            </a:r>
+          </a:p>
+        </p:txBody>
+      </p:sp>
+      <p:grpSp>
+        <p:nvGrpSpPr>
+          <p:cNvPr id="17" name="组合 16">
+            <a:extLst>
+              <a:ext uri="{FF2B5EF4-FFF2-40B4-BE49-F238E27FC236}">
+                <a16:creationId xmlns:a16="http://schemas.microsoft.com/office/drawing/2014/main" id="{B0C039CE-E35B-FB20-4F6F-73AF29F5EC82}"/>
+              </a:ext>
+            </a:extLst>
+          </p:cNvPr>
+          <p:cNvGrpSpPr/>
+          <p:nvPr/>
+        </p:nvGrpSpPr>
+        <p:grpSpPr>
+          <a:xfrm>
+            <a:off x="8023252" y="5229633"/>
+            <a:ext cx="1057142" cy="414474"/>
+            <a:chOff x="10502095" y="6069536"/>
+            <a:chExt cx="1409523" cy="552632"/>
+          </a:xfrm>
+        </p:grpSpPr>
+        <p:pic>
+          <p:nvPicPr>
+            <p:cNvPr id="10" name="图片 9" descr="图片包含 背景图案&#10;&#10;描述已自动生成">
+              <a:extLst>
+                <a:ext uri="{FF2B5EF4-FFF2-40B4-BE49-F238E27FC236}">
+                  <a16:creationId xmlns:a16="http://schemas.microsoft.com/office/drawing/2014/main" id="{630E8096-9BAE-771C-F26B-5E769FE2760E}"/>
+                </a:ext>
+              </a:extLst>
+            </p:cNvPr>
+            <p:cNvPicPr>
+              <a:picLocks noChangeAspect="1"/>
+            </p:cNvPicPr>
+            <p:nvPr/>
+          </p:nvPicPr>
+          <p:blipFill>
+            <a:blip r:embed="rId3">
+              <a:extLst>
+                <a:ext uri="{28A0092B-C50C-407E-A947-70E740481C1C}">
+                  <a14:useLocalDpi xmlns:a14="http://schemas.microsoft.com/office/drawing/2010/main" val="0"/>
+                </a:ext>
+              </a:extLst>
+            </a:blip>
+            <a:stretch>
+              <a:fillRect/>
+            </a:stretch>
+          </p:blipFill>
+          <p:spPr>
+            <a:xfrm>
+              <a:off x="11427454" y="6069536"/>
+              <a:ext cx="484164" cy="552632"/>
+            </a:xfrm>
+            <a:prstGeom prst="rect">
+              <a:avLst/>
+            </a:prstGeom>
+          </p:spPr>
+        </p:pic>
+        <p:sp>
+          <p:nvSpPr>
+            <p:cNvPr id="16" name="文本框 15">
+              <a:extLst>
+                <a:ext uri="{FF2B5EF4-FFF2-40B4-BE49-F238E27FC236}">
+                  <a16:creationId xmlns:a16="http://schemas.microsoft.com/office/drawing/2014/main" id="{790C7AEC-1C60-148D-F56E-026682E2E6F2}"/>
+                </a:ext>
+              </a:extLst>
+            </p:cNvPr>
+            <p:cNvSpPr txBox="1"/>
+            <p:nvPr/>
+          </p:nvSpPr>
+          <p:spPr>
+            <a:xfrm>
+              <a:off x="10502095" y="6183287"/>
+              <a:ext cx="925359" cy="339153"/>
+            </a:xfrm>
+            <a:prstGeom prst="rect">
+              <a:avLst/>
+            </a:prstGeom>
+            <a:noFill/>
+          </p:spPr>
+          <p:txBody>
+            <a:bodyPr wrap="square" rtlCol="0">
+              <a:spAutoFit/>
+            </a:bodyPr>
+            <a:lstStyle/>
+            <a:p>
+              <a:r>
+                <a:rPr lang="en-US" altLang="zh-CN" sz="1053" dirty="0">
+                  <a:solidFill>
+                    <a:schemeClr val="bg1"/>
+                  </a:solidFill>
+                  <a:latin typeface="Times New Roman" panose="02020603050405020304" pitchFamily="18" charset="0"/>
+                  <a:cs typeface="Times New Roman" panose="02020603050405020304" pitchFamily="18" charset="0"/>
+                </a:rPr>
+                <a:t>by YuKi</a:t>
+              </a:r>
+              <a:endParaRPr lang="zh-CN" altLang="en-US" sz="1053" dirty="0">
+                <a:solidFill>
+                  <a:schemeClr val="bg1"/>
+                </a:solidFill>
+                <a:latin typeface="Times New Roman" panose="02020603050405020304" pitchFamily="18" charset="0"/>
+                <a:cs typeface="Times New Roman" panose="02020603050405020304" pitchFamily="18" charset="0"/>
+              </a:endParaRPr>
+            </a:p>
+          </p:txBody>
+        </p:sp>
+      </p:grpSp>
+      <p:sp>
+        <p:nvSpPr>
+          <p:cNvPr id="3" name="矩形 2">
+            <a:extLst>
+              <a:ext uri="{FF2B5EF4-FFF2-40B4-BE49-F238E27FC236}">
+                <a16:creationId xmlns:a16="http://schemas.microsoft.com/office/drawing/2014/main" id="{C6B03883-6ED4-84CA-8282-B8EC86CE999A}"/>
+              </a:ext>
+            </a:extLst>
+          </p:cNvPr>
+          <p:cNvSpPr/>
+          <p:nvPr/>
+        </p:nvSpPr>
+        <p:spPr>
+          <a:xfrm>
+            <a:off x="-2" y="0"/>
+            <a:ext cx="3276602" cy="653131"/>
+          </a:xfrm>
+          <a:prstGeom prst="rect">
+            <a:avLst/>
+          </a:prstGeom>
+          <a:solidFill>
+            <a:schemeClr val="tx1"/>
+          </a:solidFill>
+          <a:ln>
+            <a:noFill/>
+          </a:ln>
+        </p:spPr>
+        <p:style>
+          <a:lnRef idx="2">
+            <a:schemeClr val="accent1">
+              <a:shade val="50000"/>
+            </a:schemeClr>
+          </a:lnRef>
+          <a:fillRef idx="1">
+            <a:schemeClr val="accent1"/>
+          </a:fillRef>
+          <a:effectRef idx="0">
+            <a:schemeClr val="accent1"/>
+          </a:effectRef>
+          <a:fontRef idx="minor">
+            <a:schemeClr val="lt1"/>
+          </a:fontRef>
+        </p:style>
+        <p:txBody>
+          <a:bodyPr rtlCol="0" anchor="ctr"/>
+          <a:lstStyle/>
+          <a:p>
+            <a:r>
+              <a:rPr lang="en-US" altLang="zh-CN" sz="4000" dirty="0">
+                <a:solidFill>
+                  <a:schemeClr val="bg1"/>
+                </a:solidFill>
+                <a:latin typeface="Times New Roman" panose="02020603050405020304" pitchFamily="18" charset="0"/>
+                <a:cs typeface="Times New Roman" panose="02020603050405020304" pitchFamily="18" charset="0"/>
+              </a:rPr>
+              <a:t>Method</a:t>
+            </a:r>
+            <a:endParaRPr lang="zh-CN" altLang="en-US" sz="4000" dirty="0">
+              <a:solidFill>
+                <a:schemeClr val="bg1"/>
+              </a:solidFill>
+              <a:latin typeface="Times New Roman" panose="02020603050405020304" pitchFamily="18" charset="0"/>
+              <a:cs typeface="Times New Roman" panose="02020603050405020304" pitchFamily="18" charset="0"/>
+            </a:endParaRPr>
+          </a:p>
+        </p:txBody>
+      </p:sp>
+      <p:sp>
+        <p:nvSpPr>
+          <p:cNvPr id="5" name="矩形 4">
+            <a:extLst>
+              <a:ext uri="{FF2B5EF4-FFF2-40B4-BE49-F238E27FC236}">
+                <a16:creationId xmlns:a16="http://schemas.microsoft.com/office/drawing/2014/main" id="{FE461C21-1DA5-1EEF-40F5-6F8AD5899BAF}"/>
+              </a:ext>
+            </a:extLst>
+          </p:cNvPr>
+          <p:cNvSpPr/>
+          <p:nvPr/>
+        </p:nvSpPr>
+        <p:spPr>
+          <a:xfrm>
+            <a:off x="7629" y="5175000"/>
+            <a:ext cx="864000" cy="540000"/>
+          </a:xfrm>
+          <a:prstGeom prst="rect">
+            <a:avLst/>
+          </a:prstGeom>
+          <a:solidFill>
+            <a:schemeClr val="tx1"/>
+          </a:solidFill>
+          <a:ln>
+            <a:noFill/>
+          </a:ln>
+        </p:spPr>
+        <p:style>
+          <a:lnRef idx="2">
+            <a:schemeClr val="accent1">
+              <a:shade val="50000"/>
+            </a:schemeClr>
+          </a:lnRef>
+          <a:fillRef idx="1">
+            <a:schemeClr val="accent1"/>
+          </a:fillRef>
+          <a:effectRef idx="0">
+            <a:schemeClr val="accent1"/>
+          </a:effectRef>
+          <a:fontRef idx="minor">
+            <a:schemeClr val="lt1"/>
+          </a:fontRef>
+        </p:style>
+        <p:txBody>
+          <a:bodyPr rtlCol="0" anchor="ctr"/>
+          <a:lstStyle/>
+          <a:p>
+            <a:pPr algn="ctr"/>
+            <a:r>
+              <a:rPr lang="en-US" altLang="zh-CN" sz="1800" b="1" dirty="0">
+                <a:latin typeface="Times New Roman" panose="02020603050405020304" pitchFamily="18" charset="0"/>
+                <a:cs typeface="Times New Roman" panose="02020603050405020304" pitchFamily="18" charset="0"/>
+              </a:rPr>
+              <a:t>99 / 99</a:t>
+            </a:r>
+            <a:endParaRPr lang="zh-CN" altLang="en-US" sz="1800" b="1" dirty="0">
+              <a:latin typeface="Times New Roman" panose="02020603050405020304" pitchFamily="18" charset="0"/>
+              <a:cs typeface="Times New Roman" panose="02020603050405020304" pitchFamily="18" charset="0"/>
+            </a:endParaRPr>
+          </a:p>
+        </p:txBody>
+      </p:sp>
+      <p:sp>
+        <p:nvSpPr>
+          <p:cNvPr id="12" name="Rectangle 11">
+            <a:extLst>
+              <a:ext uri="{FF2B5EF4-FFF2-40B4-BE49-F238E27FC236}">
+                <a16:creationId xmlns:a16="http://schemas.microsoft.com/office/drawing/2014/main" id="{2AE5AF11-C8FC-4A4C-64DC-86B1D312BD72}"/>
+              </a:ext>
+            </a:extLst>
+          </p:cNvPr>
+          <p:cNvSpPr/>
+          <p:nvPr/>
+        </p:nvSpPr>
+        <p:spPr>
+          <a:xfrm>
+            <a:off x="288015" y="1715811"/>
+            <a:ext cx="5947653" cy="2080670"/>
+          </a:xfrm>
+          <a:prstGeom prst="rect">
+            <a:avLst/>
+          </a:prstGeom>
+        </p:spPr>
+        <p:txBody>
+          <a:bodyPr vert="horz" lIns="91440" tIns="45720" rIns="91440" bIns="45720" rtlCol="0" anchor="t">
+            <a:normAutofit/>
+          </a:bodyPr>
+          <a:lstStyle/>
+          <a:p>
+            <a:pPr indent="-228600">
+              <a:lnSpc>
+                <a:spcPct val="90000"/>
+              </a:lnSpc>
+              <a:spcAft>
+                <a:spcPts val="600"/>
+              </a:spcAft>
+              <a:buFont typeface="Arial" panose="020B0604020202020204" pitchFamily="34" charset="0"/>
+              <a:buChar char="•"/>
+            </a:pPr>
+            <a:endParaRPr lang="en-US" sz="2200" b="1" dirty="0">
+              <a:solidFill>
+                <a:schemeClr val="bg1"/>
+              </a:solidFill>
+              <a:latin typeface="Times New Roman" panose="02020603050405020304" pitchFamily="18" charset="0"/>
+              <a:cs typeface="Times New Roman" panose="02020603050405020304" pitchFamily="18" charset="0"/>
+            </a:endParaRPr>
+          </a:p>
+        </p:txBody>
+      </p:sp>
+      <p:sp>
+        <p:nvSpPr>
+          <p:cNvPr id="2" name="文本框 1">
+            <a:extLst>
+              <a:ext uri="{FF2B5EF4-FFF2-40B4-BE49-F238E27FC236}">
+                <a16:creationId xmlns:a16="http://schemas.microsoft.com/office/drawing/2014/main" id="{9604A372-F856-A0D2-12C8-C289C0C6BC0B}"/>
+              </a:ext>
+            </a:extLst>
+          </p:cNvPr>
+          <p:cNvSpPr txBox="1"/>
+          <p:nvPr/>
+        </p:nvSpPr>
+        <p:spPr>
+          <a:xfrm>
+            <a:off x="3977640" y="2546808"/>
+            <a:ext cx="2011680" cy="1754326"/>
+          </a:xfrm>
+          <a:prstGeom prst="rect">
+            <a:avLst/>
+          </a:prstGeom>
+          <a:noFill/>
+        </p:spPr>
+        <p:txBody>
+          <a:bodyPr wrap="square" rtlCol="0">
+            <a:spAutoFit/>
+          </a:bodyPr>
+          <a:lstStyle/>
+          <a:p>
+            <a:pPr algn="ctr"/>
+            <a:r>
+              <a:rPr lang="en-US" altLang="zh-CN" dirty="0">
+                <a:solidFill>
+                  <a:schemeClr val="bg1"/>
+                </a:solidFill>
+                <a:latin typeface="Times New Roman" panose="02020603050405020304" pitchFamily="18" charset="0"/>
+                <a:cs typeface="Times New Roman" panose="02020603050405020304" pitchFamily="18" charset="0"/>
+              </a:rPr>
+              <a:t>Reaction Time,</a:t>
+            </a:r>
+            <a:r>
+              <a:rPr lang="zh-CN" altLang="en-US" dirty="0">
+                <a:solidFill>
+                  <a:schemeClr val="bg1"/>
+                </a:solidFill>
+                <a:latin typeface="Times New Roman" panose="02020603050405020304" pitchFamily="18" charset="0"/>
+                <a:cs typeface="Times New Roman" panose="02020603050405020304" pitchFamily="18" charset="0"/>
+              </a:rPr>
+              <a:t> </a:t>
+            </a:r>
+            <a:endParaRPr lang="en-US" altLang="zh-CN" dirty="0">
+              <a:solidFill>
+                <a:schemeClr val="bg1"/>
+              </a:solidFill>
+              <a:latin typeface="Times New Roman" panose="02020603050405020304" pitchFamily="18" charset="0"/>
+              <a:cs typeface="Times New Roman" panose="02020603050405020304" pitchFamily="18" charset="0"/>
+            </a:endParaRPr>
+          </a:p>
+          <a:p>
+            <a:pPr algn="ctr"/>
+            <a:r>
+              <a:rPr lang="en-US" altLang="zh-CN" dirty="0">
+                <a:solidFill>
+                  <a:schemeClr val="bg1"/>
+                </a:solidFill>
+                <a:latin typeface="Times New Roman" panose="02020603050405020304" pitchFamily="18" charset="0"/>
+                <a:cs typeface="Times New Roman" panose="02020603050405020304" pitchFamily="18" charset="0"/>
+              </a:rPr>
+              <a:t>Accuracy,</a:t>
+            </a:r>
+          </a:p>
+          <a:p>
+            <a:pPr algn="ctr"/>
+            <a:r>
+              <a:rPr lang="en-US" altLang="zh-CN" i="1" dirty="0">
+                <a:solidFill>
+                  <a:schemeClr val="bg1"/>
+                </a:solidFill>
+                <a:latin typeface="Times New Roman" panose="02020603050405020304" pitchFamily="18" charset="0"/>
+                <a:cs typeface="Times New Roman" panose="02020603050405020304" pitchFamily="18" charset="0"/>
+              </a:rPr>
+              <a:t>d</a:t>
+            </a:r>
+            <a:r>
+              <a:rPr lang="en-US" altLang="zh-CN" dirty="0">
+                <a:solidFill>
+                  <a:schemeClr val="bg1"/>
+                </a:solidFill>
+                <a:latin typeface="Times New Roman" panose="02020603050405020304" pitchFamily="18" charset="0"/>
+                <a:cs typeface="Times New Roman" panose="02020603050405020304" pitchFamily="18" charset="0"/>
+              </a:rPr>
+              <a:t> prime,</a:t>
+            </a:r>
+          </a:p>
+          <a:p>
+            <a:pPr algn="ctr"/>
+            <a:r>
+              <a:rPr lang="en-US" altLang="zh-CN" dirty="0">
+                <a:solidFill>
+                  <a:schemeClr val="bg1"/>
+                </a:solidFill>
+                <a:latin typeface="Times New Roman" panose="02020603050405020304" pitchFamily="18" charset="0"/>
+                <a:cs typeface="Times New Roman" panose="02020603050405020304" pitchFamily="18" charset="0"/>
+              </a:rPr>
+              <a:t>Efficiency</a:t>
+            </a:r>
+          </a:p>
+          <a:p>
+            <a:pPr algn="ctr"/>
+            <a:r>
+              <a:rPr lang="en-US" altLang="zh-CN" dirty="0">
+                <a:solidFill>
+                  <a:schemeClr val="bg1"/>
+                </a:solidFill>
+                <a:latin typeface="Times New Roman" panose="02020603050405020304" pitchFamily="18" charset="0"/>
+                <a:cs typeface="Times New Roman" panose="02020603050405020304" pitchFamily="18" charset="0"/>
+              </a:rPr>
+              <a:t>DDM Drift Rate (</a:t>
+            </a:r>
+            <a:r>
+              <a:rPr lang="en-US" altLang="zh-CN" i="1" dirty="0">
+                <a:solidFill>
+                  <a:schemeClr val="bg1"/>
+                </a:solidFill>
+                <a:latin typeface="Times New Roman" panose="02020603050405020304" pitchFamily="18" charset="0"/>
+                <a:cs typeface="Times New Roman" panose="02020603050405020304" pitchFamily="18" charset="0"/>
+              </a:rPr>
+              <a:t>v</a:t>
+            </a:r>
+            <a:r>
+              <a:rPr lang="en-US" altLang="zh-CN" dirty="0">
+                <a:solidFill>
+                  <a:schemeClr val="bg1"/>
+                </a:solidFill>
+                <a:latin typeface="Times New Roman" panose="02020603050405020304" pitchFamily="18" charset="0"/>
+                <a:cs typeface="Times New Roman" panose="02020603050405020304" pitchFamily="18" charset="0"/>
+              </a:rPr>
+              <a:t>)</a:t>
+            </a:r>
+          </a:p>
+          <a:p>
+            <a:pPr algn="ctr"/>
+            <a:r>
+              <a:rPr lang="en-US" altLang="zh-CN" dirty="0">
+                <a:solidFill>
+                  <a:schemeClr val="bg1"/>
+                </a:solidFill>
+                <a:latin typeface="Times New Roman" panose="02020603050405020304" pitchFamily="18" charset="0"/>
+                <a:cs typeface="Times New Roman" panose="02020603050405020304" pitchFamily="18" charset="0"/>
+              </a:rPr>
+              <a:t>DDM Start Point (</a:t>
+            </a:r>
+            <a:r>
+              <a:rPr lang="en-US" altLang="zh-CN" i="1" dirty="0">
+                <a:solidFill>
+                  <a:schemeClr val="bg1"/>
+                </a:solidFill>
+                <a:latin typeface="Times New Roman" panose="02020603050405020304" pitchFamily="18" charset="0"/>
+                <a:cs typeface="Times New Roman" panose="02020603050405020304" pitchFamily="18" charset="0"/>
+              </a:rPr>
+              <a:t>z</a:t>
+            </a:r>
+            <a:r>
+              <a:rPr lang="en-US" altLang="zh-CN" dirty="0">
+                <a:solidFill>
+                  <a:schemeClr val="bg1"/>
+                </a:solidFill>
+                <a:latin typeface="Times New Roman" panose="02020603050405020304" pitchFamily="18" charset="0"/>
+                <a:cs typeface="Times New Roman" panose="02020603050405020304" pitchFamily="18" charset="0"/>
+              </a:rPr>
+              <a:t>)</a:t>
+            </a:r>
+          </a:p>
+        </p:txBody>
+      </p:sp>
+      <p:sp>
+        <p:nvSpPr>
+          <p:cNvPr id="4" name="文本框 3">
+            <a:extLst>
+              <a:ext uri="{FF2B5EF4-FFF2-40B4-BE49-F238E27FC236}">
+                <a16:creationId xmlns:a16="http://schemas.microsoft.com/office/drawing/2014/main" id="{1B07B0B2-C501-1D62-D738-F3C509882F32}"/>
+              </a:ext>
+            </a:extLst>
+          </p:cNvPr>
+          <p:cNvSpPr txBox="1"/>
+          <p:nvPr/>
+        </p:nvSpPr>
+        <p:spPr>
+          <a:xfrm>
+            <a:off x="3615350" y="1408696"/>
+            <a:ext cx="2777830" cy="830997"/>
+          </a:xfrm>
+          <a:prstGeom prst="rect">
+            <a:avLst/>
+          </a:prstGeom>
+          <a:noFill/>
+        </p:spPr>
+        <p:txBody>
+          <a:bodyPr wrap="square" rtlCol="0">
+            <a:spAutoFit/>
+          </a:bodyPr>
+          <a:lstStyle/>
+          <a:p>
+            <a:r>
+              <a:rPr lang="en-US" altLang="zh-CN" sz="4800" dirty="0">
+                <a:ln w="0"/>
+                <a:solidFill>
+                  <a:schemeClr val="bg1"/>
+                </a:solidFill>
+                <a:effectLst>
+                  <a:outerShdw blurRad="38100" dist="19050" dir="2700000" algn="tl" rotWithShape="0">
+                    <a:schemeClr val="dk1">
+                      <a:alpha val="40000"/>
+                    </a:schemeClr>
+                  </a:outerShdw>
+                </a:effectLst>
+              </a:rPr>
+              <a:t>Y: Indices</a:t>
+            </a:r>
+            <a:endParaRPr lang="zh-CN" altLang="en-US" sz="4800" dirty="0">
+              <a:ln w="0"/>
+              <a:solidFill>
+                <a:schemeClr val="bg1"/>
+              </a:solidFill>
+              <a:effectLst>
+                <a:outerShdw blurRad="38100" dist="19050" dir="2700000" algn="tl" rotWithShape="0">
+                  <a:schemeClr val="dk1">
+                    <a:alpha val="40000"/>
+                  </a:schemeClr>
+                </a:outerShdw>
+              </a:effectLst>
+            </a:endParaRPr>
+          </a:p>
+        </p:txBody>
+      </p:sp>
+      <p:sp>
+        <p:nvSpPr>
+          <p:cNvPr id="7" name="文本框 6">
+            <a:extLst>
+              <a:ext uri="{FF2B5EF4-FFF2-40B4-BE49-F238E27FC236}">
+                <a16:creationId xmlns:a16="http://schemas.microsoft.com/office/drawing/2014/main" id="{2950AB80-FEEE-EB2A-87D9-DFC9FCEBD638}"/>
+              </a:ext>
+            </a:extLst>
+          </p:cNvPr>
+          <p:cNvSpPr txBox="1"/>
+          <p:nvPr/>
+        </p:nvSpPr>
+        <p:spPr>
+          <a:xfrm>
+            <a:off x="288015" y="1408695"/>
+            <a:ext cx="2777830" cy="830997"/>
+          </a:xfrm>
+          <a:prstGeom prst="rect">
+            <a:avLst/>
+          </a:prstGeom>
+          <a:noFill/>
+        </p:spPr>
+        <p:txBody>
+          <a:bodyPr wrap="square" rtlCol="0">
+            <a:spAutoFit/>
+          </a:bodyPr>
+          <a:lstStyle/>
+          <a:p>
+            <a:r>
+              <a:rPr lang="en-US" altLang="zh-CN" sz="4800" dirty="0">
+                <a:ln w="0"/>
+                <a:solidFill>
+                  <a:schemeClr val="bg1"/>
+                </a:solidFill>
+                <a:effectLst>
+                  <a:outerShdw blurRad="38100" dist="19050" dir="2700000" algn="tl" rotWithShape="0">
+                    <a:schemeClr val="dk1">
+                      <a:alpha val="40000"/>
+                    </a:schemeClr>
+                  </a:outerShdw>
+                </a:effectLst>
+              </a:rPr>
+              <a:t>X: Groups</a:t>
+            </a:r>
+            <a:endParaRPr lang="zh-CN" altLang="en-US" sz="4800" dirty="0">
+              <a:ln w="0"/>
+              <a:solidFill>
+                <a:schemeClr val="bg1"/>
+              </a:solidFill>
+              <a:effectLst>
+                <a:outerShdw blurRad="38100" dist="19050" dir="2700000" algn="tl" rotWithShape="0">
+                  <a:schemeClr val="dk1">
+                    <a:alpha val="40000"/>
+                  </a:schemeClr>
+                </a:outerShdw>
+              </a:effectLst>
+            </a:endParaRPr>
+          </a:p>
+        </p:txBody>
+      </p:sp>
+      <p:sp>
+        <p:nvSpPr>
+          <p:cNvPr id="8" name="文本框 7">
+            <a:extLst>
+              <a:ext uri="{FF2B5EF4-FFF2-40B4-BE49-F238E27FC236}">
+                <a16:creationId xmlns:a16="http://schemas.microsoft.com/office/drawing/2014/main" id="{E12DFC42-DD8C-E875-8D79-168444E8AB5A}"/>
+              </a:ext>
+            </a:extLst>
+          </p:cNvPr>
+          <p:cNvSpPr txBox="1"/>
+          <p:nvPr/>
+        </p:nvSpPr>
+        <p:spPr>
+          <a:xfrm>
+            <a:off x="671090" y="2823806"/>
+            <a:ext cx="2011680" cy="1200329"/>
+          </a:xfrm>
+          <a:prstGeom prst="rect">
+            <a:avLst/>
+          </a:prstGeom>
+          <a:noFill/>
+        </p:spPr>
+        <p:txBody>
+          <a:bodyPr wrap="square" rtlCol="0">
+            <a:spAutoFit/>
+          </a:bodyPr>
+          <a:lstStyle/>
+          <a:p>
+            <a:pPr algn="ctr"/>
+            <a:r>
+              <a:rPr lang="en-US" altLang="zh-CN" dirty="0">
+                <a:solidFill>
+                  <a:schemeClr val="bg1"/>
+                </a:solidFill>
+                <a:latin typeface="Times New Roman" panose="02020603050405020304" pitchFamily="18" charset="0"/>
+                <a:cs typeface="Times New Roman" panose="02020603050405020304" pitchFamily="18" charset="0"/>
+              </a:rPr>
+              <a:t>Subject</a:t>
+            </a:r>
+          </a:p>
+          <a:p>
+            <a:pPr algn="ctr"/>
+            <a:r>
+              <a:rPr lang="en-US" altLang="zh-CN" dirty="0">
+                <a:solidFill>
+                  <a:schemeClr val="bg1"/>
+                </a:solidFill>
+                <a:latin typeface="Times New Roman" panose="02020603050405020304" pitchFamily="18" charset="0"/>
+                <a:cs typeface="Times New Roman" panose="02020603050405020304" pitchFamily="18" charset="0"/>
+              </a:rPr>
+              <a:t>Matching</a:t>
+            </a:r>
+          </a:p>
+          <a:p>
+            <a:pPr algn="ctr"/>
+            <a:r>
+              <a:rPr lang="en-US" altLang="zh-CN" dirty="0">
+                <a:solidFill>
+                  <a:schemeClr val="bg1"/>
+                </a:solidFill>
+                <a:latin typeface="Times New Roman" panose="02020603050405020304" pitchFamily="18" charset="0"/>
+                <a:cs typeface="Times New Roman" panose="02020603050405020304" pitchFamily="18" charset="0"/>
+              </a:rPr>
+              <a:t>Identity</a:t>
+            </a:r>
+          </a:p>
+          <a:p>
+            <a:pPr algn="ctr"/>
+            <a:r>
+              <a:rPr lang="en-US" altLang="zh-CN" dirty="0">
+                <a:solidFill>
+                  <a:schemeClr val="bg1"/>
+                </a:solidFill>
+                <a:latin typeface="Times New Roman" panose="02020603050405020304" pitchFamily="18" charset="0"/>
+                <a:cs typeface="Times New Roman" panose="02020603050405020304" pitchFamily="18" charset="0"/>
+              </a:rPr>
+              <a:t>Session</a:t>
+            </a:r>
+          </a:p>
+        </p:txBody>
+      </p:sp>
+      <p:sp>
+        <p:nvSpPr>
+          <p:cNvPr id="9" name="矩形 8">
+            <a:extLst>
+              <a:ext uri="{FF2B5EF4-FFF2-40B4-BE49-F238E27FC236}">
+                <a16:creationId xmlns:a16="http://schemas.microsoft.com/office/drawing/2014/main" id="{8EDFB1AA-4182-F1FE-906D-AA6B354F7B4E}"/>
+              </a:ext>
+            </a:extLst>
+          </p:cNvPr>
+          <p:cNvSpPr/>
+          <p:nvPr/>
+        </p:nvSpPr>
+        <p:spPr>
+          <a:xfrm>
+            <a:off x="3237970" y="1280157"/>
+            <a:ext cx="77260" cy="3154680"/>
+          </a:xfrm>
+          <a:prstGeom prst="rect">
+            <a:avLst/>
+          </a:prstGeom>
+          <a:solidFill>
+            <a:schemeClr val="bg1"/>
+          </a:solidFill>
+          <a:ln>
+            <a:solidFill>
+              <a:schemeClr val="bg1"/>
+            </a:solidFill>
+          </a:ln>
+        </p:spPr>
+        <p:style>
+          <a:lnRef idx="2">
+            <a:schemeClr val="accent1">
+              <a:shade val="50000"/>
+            </a:schemeClr>
+          </a:lnRef>
+          <a:fillRef idx="1">
+            <a:schemeClr val="accent1"/>
+          </a:fillRef>
+          <a:effectRef idx="0">
+            <a:schemeClr val="accent1"/>
+          </a:effectRef>
+          <a:fontRef idx="minor">
+            <a:schemeClr val="lt1"/>
+          </a:fontRef>
+        </p:style>
+        <p:txBody>
+          <a:bodyPr rtlCol="0" anchor="ctr"/>
+          <a:lstStyle/>
+          <a:p>
+            <a:pPr algn="ctr"/>
+            <a:endParaRPr lang="zh-CN" altLang="en-US"/>
+          </a:p>
+        </p:txBody>
+      </p:sp>
+    </p:spTree>
+    <p:extLst>
+      <p:ext uri="{BB962C8B-B14F-4D97-AF65-F5344CB8AC3E}">
+        <p14:creationId xmlns:p14="http://schemas.microsoft.com/office/powerpoint/2010/main" val="2577882553"/>
+      </p:ext>
+    </p:extLst>
+  </p:cSld>
+  <p:clrMapOvr>
+    <a:masterClrMapping/>
+  </p:clrMapOvr>
+</p:sld>
+</file>
+
+<file path=ppt/slides/slide8.xml><?xml version="1.0" encoding="utf-8"?>
+<p:sld xmlns:a="http://schemas.openxmlformats.org/drawingml/2006/main" xmlns:r="http://schemas.openxmlformats.org/officeDocument/2006/relationships" xmlns:p="http://schemas.openxmlformats.org/presentationml/2006/main">
+  <p:cSld>
+    <p:spTree>
+      <p:nvGrpSpPr>
+        <p:cNvPr id="1" name=""/>
+        <p:cNvGrpSpPr/>
+        <p:nvPr/>
+      </p:nvGrpSpPr>
+      <p:grpSpPr>
+        <a:xfrm>
+          <a:off x="0" y="0"/>
+          <a:ext cx="0" cy="0"/>
+          <a:chOff x="0" y="0"/>
+          <a:chExt cx="0" cy="0"/>
+        </a:xfrm>
+      </p:grpSpPr>
+      <p:sp>
+        <p:nvSpPr>
+          <p:cNvPr id="6" name="矩形 5">
+            <a:extLst>
+              <a:ext uri="{FF2B5EF4-FFF2-40B4-BE49-F238E27FC236}">
+                <a16:creationId xmlns:a16="http://schemas.microsoft.com/office/drawing/2014/main" id="{D89A1788-3DCA-5E59-1C6D-272D6AB1F2D3}"/>
+              </a:ext>
+            </a:extLst>
+          </p:cNvPr>
+          <p:cNvSpPr/>
+          <p:nvPr/>
+        </p:nvSpPr>
+        <p:spPr>
+          <a:xfrm>
+            <a:off x="6523682" y="0"/>
+            <a:ext cx="2620318" cy="5714995"/>
+          </a:xfrm>
+          <a:prstGeom prst="rect">
+            <a:avLst/>
+          </a:prstGeom>
+          <a:solidFill>
+            <a:schemeClr val="tx1"/>
+          </a:solidFill>
+          <a:ln w="38100">
+            <a:noFill/>
+          </a:ln>
+        </p:spPr>
+        <p:style>
+          <a:lnRef idx="2">
+            <a:schemeClr val="accent1">
+              <a:shade val="50000"/>
+            </a:schemeClr>
+          </a:lnRef>
+          <a:fillRef idx="1">
+            <a:schemeClr val="accent1"/>
+          </a:fillRef>
+          <a:effectRef idx="0">
+            <a:schemeClr val="accent1"/>
+          </a:effectRef>
+          <a:fontRef idx="minor">
+            <a:schemeClr val="lt1"/>
+          </a:fontRef>
+        </p:style>
+        <p:txBody>
+          <a:bodyPr rtlCol="0" anchor="t"/>
+          <a:lstStyle/>
+          <a:p>
+            <a:pPr algn="ctr"/>
+            <a:endParaRPr lang="en-US" altLang="zh-CN" sz="4050" i="1" dirty="0">
+              <a:latin typeface="Times New Roman" panose="02020603050405020304" pitchFamily="18" charset="0"/>
+              <a:cs typeface="Times New Roman" panose="02020603050405020304" pitchFamily="18" charset="0"/>
+            </a:endParaRPr>
+          </a:p>
+          <a:p>
+            <a:pPr algn="ctr"/>
+            <a:r>
+              <a:rPr lang="en-US" altLang="zh-CN" sz="4400" b="1" cap="none" spc="0" dirty="0">
+                <a:ln>
+                  <a:solidFill>
+                    <a:srgbClr val="FAF1B4"/>
+                  </a:solidFill>
+                </a:ln>
+                <a:solidFill>
+                  <a:srgbClr val="FAF1B4"/>
+                </a:solidFill>
+                <a:effectLst>
+                  <a:reflection blurRad="6350" stA="55000" endA="300" endPos="45500" dir="5400000" sy="-100000" algn="bl" rotWithShape="0"/>
+                </a:effectLst>
+                <a:latin typeface="Times New Roman" panose="02020603050405020304" pitchFamily="18" charset="0"/>
+                <a:cs typeface="Times New Roman" panose="02020603050405020304" pitchFamily="18" charset="0"/>
+              </a:rPr>
+              <a:t>R</a:t>
+            </a:r>
+            <a:r>
+              <a:rPr lang="en-US" altLang="zh-CN" sz="4050" dirty="0">
+                <a:latin typeface="Times New Roman" panose="02020603050405020304" pitchFamily="18" charset="0"/>
+                <a:cs typeface="Times New Roman" panose="02020603050405020304" pitchFamily="18" charset="0"/>
+              </a:rPr>
+              <a:t> </a:t>
+            </a:r>
+            <a:r>
+              <a:rPr lang="en-US" altLang="zh-CN" sz="3000" dirty="0">
+                <a:latin typeface="Times New Roman" panose="02020603050405020304" pitchFamily="18" charset="0"/>
+                <a:cs typeface="Times New Roman" panose="02020603050405020304" pitchFamily="18" charset="0"/>
+              </a:rPr>
+              <a:t>of</a:t>
+            </a:r>
+            <a:r>
+              <a:rPr lang="en-US" altLang="zh-CN" sz="4050" dirty="0">
+                <a:latin typeface="Times New Roman" panose="02020603050405020304" pitchFamily="18" charset="0"/>
+                <a:cs typeface="Times New Roman" panose="02020603050405020304" pitchFamily="18" charset="0"/>
+              </a:rPr>
+              <a:t> </a:t>
+            </a:r>
+            <a:r>
+              <a:rPr lang="en-US" altLang="zh-TW" sz="4050" dirty="0">
+                <a:latin typeface="Times New Roman" panose="02020603050405020304" pitchFamily="18" charset="0"/>
+                <a:cs typeface="Times New Roman" panose="02020603050405020304" pitchFamily="18" charset="0"/>
+              </a:rPr>
+              <a:t>SPMT</a:t>
+            </a:r>
+          </a:p>
+        </p:txBody>
+      </p:sp>
+      <p:grpSp>
+        <p:nvGrpSpPr>
+          <p:cNvPr id="17" name="组合 16">
+            <a:extLst>
+              <a:ext uri="{FF2B5EF4-FFF2-40B4-BE49-F238E27FC236}">
+                <a16:creationId xmlns:a16="http://schemas.microsoft.com/office/drawing/2014/main" id="{B0C039CE-E35B-FB20-4F6F-73AF29F5EC82}"/>
+              </a:ext>
+            </a:extLst>
+          </p:cNvPr>
+          <p:cNvGrpSpPr/>
+          <p:nvPr/>
+        </p:nvGrpSpPr>
+        <p:grpSpPr>
+          <a:xfrm>
+            <a:off x="8023252" y="5229633"/>
+            <a:ext cx="1057142" cy="414474"/>
+            <a:chOff x="10502095" y="6069536"/>
+            <a:chExt cx="1409523" cy="552632"/>
+          </a:xfrm>
+        </p:grpSpPr>
+        <p:pic>
+          <p:nvPicPr>
+            <p:cNvPr id="10" name="图片 9" descr="图片包含 背景图案&#10;&#10;描述已自动生成">
+              <a:extLst>
+                <a:ext uri="{FF2B5EF4-FFF2-40B4-BE49-F238E27FC236}">
+                  <a16:creationId xmlns:a16="http://schemas.microsoft.com/office/drawing/2014/main" id="{630E8096-9BAE-771C-F26B-5E769FE2760E}"/>
+                </a:ext>
+              </a:extLst>
+            </p:cNvPr>
+            <p:cNvPicPr>
+              <a:picLocks noChangeAspect="1"/>
+            </p:cNvPicPr>
+            <p:nvPr/>
+          </p:nvPicPr>
+          <p:blipFill>
+            <a:blip r:embed="rId3">
+              <a:extLst>
+                <a:ext uri="{28A0092B-C50C-407E-A947-70E740481C1C}">
+                  <a14:useLocalDpi xmlns:a14="http://schemas.microsoft.com/office/drawing/2010/main" val="0"/>
+                </a:ext>
+              </a:extLst>
+            </a:blip>
+            <a:stretch>
+              <a:fillRect/>
+            </a:stretch>
+          </p:blipFill>
+          <p:spPr>
+            <a:xfrm>
+              <a:off x="11427454" y="6069536"/>
+              <a:ext cx="484164" cy="552632"/>
+            </a:xfrm>
+            <a:prstGeom prst="rect">
+              <a:avLst/>
+            </a:prstGeom>
+          </p:spPr>
+        </p:pic>
+        <p:sp>
+          <p:nvSpPr>
+            <p:cNvPr id="16" name="文本框 15">
+              <a:extLst>
+                <a:ext uri="{FF2B5EF4-FFF2-40B4-BE49-F238E27FC236}">
+                  <a16:creationId xmlns:a16="http://schemas.microsoft.com/office/drawing/2014/main" id="{790C7AEC-1C60-148D-F56E-026682E2E6F2}"/>
+                </a:ext>
+              </a:extLst>
+            </p:cNvPr>
+            <p:cNvSpPr txBox="1"/>
+            <p:nvPr/>
+          </p:nvSpPr>
+          <p:spPr>
+            <a:xfrm>
+              <a:off x="10502095" y="6183287"/>
+              <a:ext cx="925359" cy="339153"/>
+            </a:xfrm>
+            <a:prstGeom prst="rect">
+              <a:avLst/>
+            </a:prstGeom>
+            <a:noFill/>
+          </p:spPr>
+          <p:txBody>
+            <a:bodyPr wrap="square" rtlCol="0">
+              <a:spAutoFit/>
+            </a:bodyPr>
+            <a:lstStyle/>
+            <a:p>
+              <a:r>
+                <a:rPr lang="en-US" altLang="zh-CN" sz="1053" dirty="0">
+                  <a:solidFill>
+                    <a:schemeClr val="bg1"/>
+                  </a:solidFill>
+                  <a:latin typeface="Times New Roman" panose="02020603050405020304" pitchFamily="18" charset="0"/>
+                  <a:cs typeface="Times New Roman" panose="02020603050405020304" pitchFamily="18" charset="0"/>
+                </a:rPr>
+                <a:t>by YuKi</a:t>
+              </a:r>
+              <a:endParaRPr lang="zh-CN" altLang="en-US" sz="1053" dirty="0">
+                <a:solidFill>
+                  <a:schemeClr val="bg1"/>
+                </a:solidFill>
+                <a:latin typeface="Times New Roman" panose="02020603050405020304" pitchFamily="18" charset="0"/>
+                <a:cs typeface="Times New Roman" panose="02020603050405020304" pitchFamily="18" charset="0"/>
+              </a:endParaRPr>
+            </a:p>
+          </p:txBody>
+        </p:sp>
+      </p:grpSp>
+      <p:sp>
+        <p:nvSpPr>
+          <p:cNvPr id="3" name="矩形 2">
+            <a:extLst>
+              <a:ext uri="{FF2B5EF4-FFF2-40B4-BE49-F238E27FC236}">
+                <a16:creationId xmlns:a16="http://schemas.microsoft.com/office/drawing/2014/main" id="{C6B03883-6ED4-84CA-8282-B8EC86CE999A}"/>
+              </a:ext>
+            </a:extLst>
+          </p:cNvPr>
+          <p:cNvSpPr/>
+          <p:nvPr/>
+        </p:nvSpPr>
+        <p:spPr>
+          <a:xfrm>
+            <a:off x="-2" y="0"/>
+            <a:ext cx="3276602" cy="653131"/>
+          </a:xfrm>
+          <a:prstGeom prst="rect">
+            <a:avLst/>
+          </a:prstGeom>
+          <a:solidFill>
+            <a:schemeClr val="tx1"/>
+          </a:solidFill>
+          <a:ln>
+            <a:noFill/>
+          </a:ln>
+        </p:spPr>
+        <p:style>
+          <a:lnRef idx="2">
+            <a:schemeClr val="accent1">
+              <a:shade val="50000"/>
+            </a:schemeClr>
+          </a:lnRef>
+          <a:fillRef idx="1">
+            <a:schemeClr val="accent1"/>
+          </a:fillRef>
+          <a:effectRef idx="0">
+            <a:schemeClr val="accent1"/>
+          </a:effectRef>
+          <a:fontRef idx="minor">
+            <a:schemeClr val="lt1"/>
+          </a:fontRef>
+        </p:style>
+        <p:txBody>
+          <a:bodyPr rtlCol="0" anchor="ctr"/>
+          <a:lstStyle/>
+          <a:p>
+            <a:r>
+              <a:rPr lang="en-US" altLang="zh-CN" sz="4000" dirty="0">
+                <a:solidFill>
+                  <a:schemeClr val="bg1"/>
+                </a:solidFill>
+                <a:latin typeface="Times New Roman" panose="02020603050405020304" pitchFamily="18" charset="0"/>
+                <a:cs typeface="Times New Roman" panose="02020603050405020304" pitchFamily="18" charset="0"/>
+              </a:rPr>
+              <a:t>Introduction</a:t>
+            </a:r>
+            <a:endParaRPr lang="zh-CN" altLang="en-US" sz="4000" dirty="0">
+              <a:solidFill>
+                <a:schemeClr val="bg1"/>
+              </a:solidFill>
+              <a:latin typeface="Times New Roman" panose="02020603050405020304" pitchFamily="18" charset="0"/>
+              <a:cs typeface="Times New Roman" panose="02020603050405020304" pitchFamily="18" charset="0"/>
+            </a:endParaRPr>
+          </a:p>
+        </p:txBody>
+      </p:sp>
+      <p:sp>
+        <p:nvSpPr>
+          <p:cNvPr id="5" name="矩形 4">
+            <a:extLst>
+              <a:ext uri="{FF2B5EF4-FFF2-40B4-BE49-F238E27FC236}">
+                <a16:creationId xmlns:a16="http://schemas.microsoft.com/office/drawing/2014/main" id="{FE461C21-1DA5-1EEF-40F5-6F8AD5899BAF}"/>
+              </a:ext>
+            </a:extLst>
+          </p:cNvPr>
+          <p:cNvSpPr/>
+          <p:nvPr/>
+        </p:nvSpPr>
+        <p:spPr>
+          <a:xfrm>
+            <a:off x="7629" y="5175000"/>
+            <a:ext cx="864000" cy="540000"/>
+          </a:xfrm>
+          <a:prstGeom prst="rect">
+            <a:avLst/>
+          </a:prstGeom>
+          <a:solidFill>
+            <a:schemeClr val="tx1"/>
+          </a:solidFill>
+          <a:ln>
+            <a:noFill/>
+          </a:ln>
+        </p:spPr>
+        <p:style>
+          <a:lnRef idx="2">
+            <a:schemeClr val="accent1">
+              <a:shade val="50000"/>
+            </a:schemeClr>
+          </a:lnRef>
+          <a:fillRef idx="1">
+            <a:schemeClr val="accent1"/>
+          </a:fillRef>
+          <a:effectRef idx="0">
+            <a:schemeClr val="accent1"/>
+          </a:effectRef>
+          <a:fontRef idx="minor">
+            <a:schemeClr val="lt1"/>
+          </a:fontRef>
+        </p:style>
+        <p:txBody>
+          <a:bodyPr rtlCol="0" anchor="ctr"/>
+          <a:lstStyle/>
+          <a:p>
+            <a:pPr algn="ctr"/>
+            <a:r>
+              <a:rPr lang="en-US" altLang="zh-CN" sz="1800" b="1" dirty="0">
+                <a:latin typeface="Times New Roman" panose="02020603050405020304" pitchFamily="18" charset="0"/>
+                <a:cs typeface="Times New Roman" panose="02020603050405020304" pitchFamily="18" charset="0"/>
+              </a:rPr>
+              <a:t>99 / 99</a:t>
+            </a:r>
+            <a:endParaRPr lang="zh-CN" altLang="en-US" sz="1800" b="1" dirty="0">
+              <a:latin typeface="Times New Roman" panose="02020603050405020304" pitchFamily="18" charset="0"/>
+              <a:cs typeface="Times New Roman" panose="02020603050405020304" pitchFamily="18" charset="0"/>
+            </a:endParaRPr>
+          </a:p>
+        </p:txBody>
+      </p:sp>
+      <p:sp>
+        <p:nvSpPr>
+          <p:cNvPr id="12" name="Rectangle 11">
+            <a:extLst>
+              <a:ext uri="{FF2B5EF4-FFF2-40B4-BE49-F238E27FC236}">
+                <a16:creationId xmlns:a16="http://schemas.microsoft.com/office/drawing/2014/main" id="{2AE5AF11-C8FC-4A4C-64DC-86B1D312BD72}"/>
+              </a:ext>
+            </a:extLst>
+          </p:cNvPr>
+          <p:cNvSpPr/>
+          <p:nvPr/>
+        </p:nvSpPr>
+        <p:spPr>
+          <a:xfrm>
+            <a:off x="288015" y="1715811"/>
+            <a:ext cx="5947653" cy="2080670"/>
+          </a:xfrm>
+          <a:prstGeom prst="rect">
+            <a:avLst/>
+          </a:prstGeom>
+        </p:spPr>
+        <p:txBody>
+          <a:bodyPr vert="horz" lIns="91440" tIns="45720" rIns="91440" bIns="45720" rtlCol="0" anchor="t">
+            <a:normAutofit/>
+          </a:bodyPr>
+          <a:lstStyle/>
+          <a:p>
+            <a:pPr indent="-228600">
+              <a:lnSpc>
+                <a:spcPct val="90000"/>
+              </a:lnSpc>
+              <a:spcAft>
+                <a:spcPts val="600"/>
+              </a:spcAft>
+              <a:buFont typeface="Arial" panose="020B0604020202020204" pitchFamily="34" charset="0"/>
+              <a:buChar char="•"/>
+            </a:pPr>
+            <a:endParaRPr lang="en-US" sz="2200" b="1" dirty="0">
+              <a:solidFill>
+                <a:schemeClr val="bg1"/>
+              </a:solidFill>
+              <a:latin typeface="Times New Roman" panose="02020603050405020304" pitchFamily="18" charset="0"/>
+              <a:cs typeface="Times New Roman" panose="02020603050405020304" pitchFamily="18" charset="0"/>
+            </a:endParaRPr>
+          </a:p>
+        </p:txBody>
+      </p:sp>
+      <p:sp>
+        <p:nvSpPr>
+          <p:cNvPr id="2" name="文本框 1">
+            <a:extLst>
+              <a:ext uri="{FF2B5EF4-FFF2-40B4-BE49-F238E27FC236}">
+                <a16:creationId xmlns:a16="http://schemas.microsoft.com/office/drawing/2014/main" id="{2ECB25BF-84B9-364D-3EDC-C420E888E5E1}"/>
+              </a:ext>
+            </a:extLst>
+          </p:cNvPr>
+          <p:cNvSpPr txBox="1"/>
+          <p:nvPr/>
+        </p:nvSpPr>
+        <p:spPr>
+          <a:xfrm>
+            <a:off x="0" y="995334"/>
+            <a:ext cx="2011680" cy="1200329"/>
+          </a:xfrm>
+          <a:prstGeom prst="rect">
+            <a:avLst/>
+          </a:prstGeom>
+          <a:noFill/>
+        </p:spPr>
+        <p:txBody>
+          <a:bodyPr wrap="square" rtlCol="0">
+            <a:spAutoFit/>
+          </a:bodyPr>
+          <a:lstStyle/>
+          <a:p>
+            <a:pPr algn="ctr"/>
+            <a:r>
+              <a:rPr lang="en-US" altLang="zh-CN" dirty="0">
+                <a:solidFill>
+                  <a:schemeClr val="bg1"/>
+                </a:solidFill>
+                <a:latin typeface="Times New Roman" panose="02020603050405020304" pitchFamily="18" charset="0"/>
+                <a:cs typeface="Times New Roman" panose="02020603050405020304" pitchFamily="18" charset="0"/>
+              </a:rPr>
+              <a:t>Subject</a:t>
+            </a:r>
+          </a:p>
+          <a:p>
+            <a:pPr algn="ctr"/>
+            <a:r>
+              <a:rPr lang="en-US" altLang="zh-CN" dirty="0">
+                <a:solidFill>
+                  <a:schemeClr val="bg1"/>
+                </a:solidFill>
+                <a:latin typeface="Times New Roman" panose="02020603050405020304" pitchFamily="18" charset="0"/>
+                <a:cs typeface="Times New Roman" panose="02020603050405020304" pitchFamily="18" charset="0"/>
+              </a:rPr>
+              <a:t>Matching</a:t>
+            </a:r>
+          </a:p>
+          <a:p>
+            <a:pPr algn="ctr"/>
+            <a:r>
+              <a:rPr lang="en-US" altLang="zh-CN" dirty="0">
+                <a:solidFill>
+                  <a:schemeClr val="bg1"/>
+                </a:solidFill>
+                <a:latin typeface="Times New Roman" panose="02020603050405020304" pitchFamily="18" charset="0"/>
+                <a:cs typeface="Times New Roman" panose="02020603050405020304" pitchFamily="18" charset="0"/>
+              </a:rPr>
+              <a:t>Identity</a:t>
+            </a:r>
+          </a:p>
+          <a:p>
+            <a:pPr algn="ctr"/>
+            <a:r>
+              <a:rPr lang="en-US" altLang="zh-CN" dirty="0">
+                <a:solidFill>
+                  <a:schemeClr val="bg1"/>
+                </a:solidFill>
+                <a:latin typeface="Times New Roman" panose="02020603050405020304" pitchFamily="18" charset="0"/>
+                <a:cs typeface="Times New Roman" panose="02020603050405020304" pitchFamily="18" charset="0"/>
+              </a:rPr>
+              <a:t>Session</a:t>
+            </a:r>
+          </a:p>
+        </p:txBody>
+      </p:sp>
+      <p:sp>
+        <p:nvSpPr>
+          <p:cNvPr id="26" name="文本框 25">
+            <a:extLst>
+              <a:ext uri="{FF2B5EF4-FFF2-40B4-BE49-F238E27FC236}">
+                <a16:creationId xmlns:a16="http://schemas.microsoft.com/office/drawing/2014/main" id="{22E11B60-6632-712B-00D1-F666D46552CC}"/>
+              </a:ext>
+            </a:extLst>
+          </p:cNvPr>
+          <p:cNvSpPr txBox="1"/>
+          <p:nvPr/>
+        </p:nvSpPr>
+        <p:spPr>
+          <a:xfrm>
+            <a:off x="2175225" y="4937500"/>
+            <a:ext cx="2202749" cy="369332"/>
+          </a:xfrm>
+          <a:prstGeom prst="rect">
+            <a:avLst/>
+          </a:prstGeom>
+          <a:noFill/>
+        </p:spPr>
+        <p:txBody>
+          <a:bodyPr wrap="square" rtlCol="0">
+            <a:spAutoFit/>
+          </a:bodyPr>
+          <a:lstStyle/>
+          <a:p>
+            <a:pPr algn="ctr"/>
+            <a:r>
+              <a:rPr lang="en-US" altLang="zh-CN" dirty="0">
+                <a:solidFill>
+                  <a:schemeClr val="bg1"/>
+                </a:solidFill>
+                <a:latin typeface="Times New Roman" panose="02020603050405020304" pitchFamily="18" charset="0"/>
+                <a:cs typeface="Times New Roman" panose="02020603050405020304" pitchFamily="18" charset="0"/>
+              </a:rPr>
+              <a:t>Split Half Reliability</a:t>
+            </a:r>
+            <a:endParaRPr lang="zh-CN" altLang="en-US" dirty="0">
+              <a:solidFill>
+                <a:schemeClr val="bg1"/>
+              </a:solidFill>
+              <a:latin typeface="Times New Roman" panose="02020603050405020304" pitchFamily="18" charset="0"/>
+              <a:cs typeface="Times New Roman" panose="02020603050405020304" pitchFamily="18" charset="0"/>
+            </a:endParaRPr>
+          </a:p>
+        </p:txBody>
+      </p:sp>
+      <p:grpSp>
+        <p:nvGrpSpPr>
+          <p:cNvPr id="28" name="组合 27">
+            <a:extLst>
+              <a:ext uri="{FF2B5EF4-FFF2-40B4-BE49-F238E27FC236}">
+                <a16:creationId xmlns:a16="http://schemas.microsoft.com/office/drawing/2014/main" id="{22AC4E72-B747-8862-A0A5-AC23D27E7EE5}"/>
+              </a:ext>
+            </a:extLst>
+          </p:cNvPr>
+          <p:cNvGrpSpPr/>
+          <p:nvPr/>
+        </p:nvGrpSpPr>
+        <p:grpSpPr>
+          <a:xfrm>
+            <a:off x="1491581" y="1480494"/>
+            <a:ext cx="3570038" cy="3200935"/>
+            <a:chOff x="1491581" y="1480494"/>
+            <a:chExt cx="3570038" cy="3200935"/>
+          </a:xfrm>
+        </p:grpSpPr>
+        <p:grpSp>
+          <p:nvGrpSpPr>
+            <p:cNvPr id="24" name="组合 23">
+              <a:extLst>
+                <a:ext uri="{FF2B5EF4-FFF2-40B4-BE49-F238E27FC236}">
+                  <a16:creationId xmlns:a16="http://schemas.microsoft.com/office/drawing/2014/main" id="{085A6667-E0F4-43E3-4431-5051AA008B0D}"/>
+                </a:ext>
+              </a:extLst>
+            </p:cNvPr>
+            <p:cNvGrpSpPr/>
+            <p:nvPr/>
+          </p:nvGrpSpPr>
+          <p:grpSpPr>
+            <a:xfrm>
+              <a:off x="1491581" y="1480494"/>
+              <a:ext cx="3570038" cy="2949306"/>
+              <a:chOff x="712402" y="1371014"/>
+              <a:chExt cx="3570038" cy="2949306"/>
+            </a:xfrm>
+          </p:grpSpPr>
+          <p:pic>
+            <p:nvPicPr>
+              <p:cNvPr id="10244" name="Picture 4" descr="Document - Free interface icons">
+                <a:extLst>
+                  <a:ext uri="{FF2B5EF4-FFF2-40B4-BE49-F238E27FC236}">
+                    <a16:creationId xmlns:a16="http://schemas.microsoft.com/office/drawing/2014/main" id="{1BC3A774-2D96-FA1D-CBC3-4405F187D15C}"/>
+                  </a:ext>
+                </a:extLst>
+              </p:cNvPr>
+              <p:cNvPicPr>
+                <a:picLocks noChangeAspect="1" noChangeArrowheads="1"/>
+              </p:cNvPicPr>
+              <p:nvPr/>
+            </p:nvPicPr>
+            <p:blipFill>
+              <a:blip r:embed="rId4">
+                <a:lum bright="70000" contrast="-70000"/>
+                <a:extLst>
+                  <a:ext uri="{28A0092B-C50C-407E-A947-70E740481C1C}">
+                    <a14:useLocalDpi xmlns:a14="http://schemas.microsoft.com/office/drawing/2010/main" val="0"/>
+                  </a:ext>
+                </a:extLst>
+              </a:blip>
+              <a:srcRect/>
+              <a:stretch>
+                <a:fillRect/>
+              </a:stretch>
+            </p:blipFill>
+            <p:spPr bwMode="auto">
+              <a:xfrm>
+                <a:off x="1915745" y="1371014"/>
+                <a:ext cx="1028700" cy="1028700"/>
+              </a:xfrm>
+              <a:prstGeom prst="rect">
+                <a:avLst/>
+              </a:prstGeom>
+              <a:noFill/>
+              <a:extLst>
+                <a:ext uri="{909E8E84-426E-40DD-AFC4-6F175D3DCCD1}">
+                  <a14:hiddenFill xmlns:a14="http://schemas.microsoft.com/office/drawing/2010/main">
+                    <a:solidFill>
+                      <a:srgbClr val="FFFFFF"/>
+                    </a:solidFill>
+                  </a14:hiddenFill>
+                </a:ext>
+              </a:extLst>
+            </p:spPr>
+          </p:pic>
+          <p:pic>
+            <p:nvPicPr>
+              <p:cNvPr id="4" name="Picture 4" descr="Document - Free interface icons">
+                <a:extLst>
+                  <a:ext uri="{FF2B5EF4-FFF2-40B4-BE49-F238E27FC236}">
+                    <a16:creationId xmlns:a16="http://schemas.microsoft.com/office/drawing/2014/main" id="{06C0BA22-5DB3-B284-F70B-55A494D3CEF7}"/>
+                  </a:ext>
+                </a:extLst>
+              </p:cNvPr>
+              <p:cNvPicPr>
+                <a:picLocks noChangeAspect="1" noChangeArrowheads="1"/>
+              </p:cNvPicPr>
+              <p:nvPr/>
+            </p:nvPicPr>
+            <p:blipFill>
+              <a:blip r:embed="rId4">
+                <a:lum bright="70000" contrast="-70000"/>
+                <a:extLst>
+                  <a:ext uri="{28A0092B-C50C-407E-A947-70E740481C1C}">
+                    <a14:useLocalDpi xmlns:a14="http://schemas.microsoft.com/office/drawing/2010/main" val="0"/>
+                  </a:ext>
+                </a:extLst>
+              </a:blip>
+              <a:srcRect/>
+              <a:stretch>
+                <a:fillRect/>
+              </a:stretch>
+            </p:blipFill>
+            <p:spPr bwMode="auto">
+              <a:xfrm>
+                <a:off x="712402" y="3291620"/>
+                <a:ext cx="1028700" cy="1028700"/>
+              </a:xfrm>
+              <a:prstGeom prst="rect">
+                <a:avLst/>
+              </a:prstGeom>
+              <a:noFill/>
+              <a:extLst>
+                <a:ext uri="{909E8E84-426E-40DD-AFC4-6F175D3DCCD1}">
+                  <a14:hiddenFill xmlns:a14="http://schemas.microsoft.com/office/drawing/2010/main">
+                    <a:solidFill>
+                      <a:srgbClr val="FFFFFF"/>
+                    </a:solidFill>
+                  </a14:hiddenFill>
+                </a:ext>
+              </a:extLst>
+            </p:spPr>
+          </p:pic>
+          <p:pic>
+            <p:nvPicPr>
+              <p:cNvPr id="7" name="Picture 4" descr="Document - Free interface icons">
+                <a:extLst>
+                  <a:ext uri="{FF2B5EF4-FFF2-40B4-BE49-F238E27FC236}">
+                    <a16:creationId xmlns:a16="http://schemas.microsoft.com/office/drawing/2014/main" id="{AA5F5863-CBC5-CD2A-AE8C-A566B63A61FA}"/>
+                  </a:ext>
+                </a:extLst>
+              </p:cNvPr>
+              <p:cNvPicPr>
+                <a:picLocks noChangeAspect="1" noChangeArrowheads="1"/>
+              </p:cNvPicPr>
+              <p:nvPr/>
+            </p:nvPicPr>
+            <p:blipFill>
+              <a:blip r:embed="rId4">
+                <a:lum bright="70000" contrast="-70000"/>
+                <a:extLst>
+                  <a:ext uri="{28A0092B-C50C-407E-A947-70E740481C1C}">
+                    <a14:useLocalDpi xmlns:a14="http://schemas.microsoft.com/office/drawing/2010/main" val="0"/>
+                  </a:ext>
+                </a:extLst>
+              </a:blip>
+              <a:srcRect/>
+              <a:stretch>
+                <a:fillRect/>
+              </a:stretch>
+            </p:blipFill>
+            <p:spPr bwMode="auto">
+              <a:xfrm>
+                <a:off x="3253740" y="3291620"/>
+                <a:ext cx="1028700" cy="1028700"/>
+              </a:xfrm>
+              <a:prstGeom prst="rect">
+                <a:avLst/>
+              </a:prstGeom>
+              <a:noFill/>
+              <a:extLst>
+                <a:ext uri="{909E8E84-426E-40DD-AFC4-6F175D3DCCD1}">
+                  <a14:hiddenFill xmlns:a14="http://schemas.microsoft.com/office/drawing/2010/main">
+                    <a:solidFill>
+                      <a:srgbClr val="FFFFFF"/>
+                    </a:solidFill>
+                  </a14:hiddenFill>
+                </a:ext>
+              </a:extLst>
+            </p:spPr>
+          </p:pic>
+          <p:cxnSp>
+            <p:nvCxnSpPr>
+              <p:cNvPr id="9" name="直接箭头连接符 8">
+                <a:extLst>
+                  <a:ext uri="{FF2B5EF4-FFF2-40B4-BE49-F238E27FC236}">
+                    <a16:creationId xmlns:a16="http://schemas.microsoft.com/office/drawing/2014/main" id="{50C3C18F-7E52-C64F-5CC2-E5BF94AF50BA}"/>
+                  </a:ext>
+                </a:extLst>
+              </p:cNvPr>
+              <p:cNvCxnSpPr>
+                <a:cxnSpLocks/>
+              </p:cNvCxnSpPr>
+              <p:nvPr/>
+            </p:nvCxnSpPr>
+            <p:spPr>
+              <a:xfrm flipH="1">
+                <a:off x="1226752" y="2647950"/>
+                <a:ext cx="859223" cy="477284"/>
+              </a:xfrm>
+              <a:prstGeom prst="straightConnector1">
+                <a:avLst/>
+              </a:prstGeom>
+              <a:ln w="28575">
+                <a:solidFill>
+                  <a:schemeClr val="bg1"/>
+                </a:solidFill>
+                <a:tailEnd type="triangle"/>
+              </a:ln>
+            </p:spPr>
+            <p:style>
+              <a:lnRef idx="1">
+                <a:schemeClr val="accent1"/>
+              </a:lnRef>
+              <a:fillRef idx="0">
+                <a:schemeClr val="accent1"/>
+              </a:fillRef>
+              <a:effectRef idx="0">
+                <a:schemeClr val="accent1"/>
+              </a:effectRef>
+              <a:fontRef idx="minor">
+                <a:schemeClr val="tx1"/>
+              </a:fontRef>
+            </p:style>
+          </p:cxnSp>
+          <p:cxnSp>
+            <p:nvCxnSpPr>
+              <p:cNvPr id="13" name="直接箭头连接符 12">
+                <a:extLst>
+                  <a:ext uri="{FF2B5EF4-FFF2-40B4-BE49-F238E27FC236}">
+                    <a16:creationId xmlns:a16="http://schemas.microsoft.com/office/drawing/2014/main" id="{5DCCC55A-3552-C45E-A9D5-818748CA2377}"/>
+                  </a:ext>
+                </a:extLst>
+              </p:cNvPr>
+              <p:cNvCxnSpPr>
+                <a:cxnSpLocks/>
+              </p:cNvCxnSpPr>
+              <p:nvPr/>
+            </p:nvCxnSpPr>
+            <p:spPr>
+              <a:xfrm>
+                <a:off x="2724150" y="2647950"/>
+                <a:ext cx="934850" cy="448377"/>
+              </a:xfrm>
+              <a:prstGeom prst="straightConnector1">
+                <a:avLst/>
+              </a:prstGeom>
+              <a:ln w="28575">
+                <a:solidFill>
+                  <a:schemeClr val="bg1"/>
+                </a:solidFill>
+                <a:tailEnd type="triangle"/>
+              </a:ln>
+            </p:spPr>
+            <p:style>
+              <a:lnRef idx="1">
+                <a:schemeClr val="accent1"/>
+              </a:lnRef>
+              <a:fillRef idx="0">
+                <a:schemeClr val="accent1"/>
+              </a:fillRef>
+              <a:effectRef idx="0">
+                <a:schemeClr val="accent1"/>
+              </a:effectRef>
+              <a:fontRef idx="minor">
+                <a:schemeClr val="tx1"/>
+              </a:fontRef>
+            </p:style>
+          </p:cxnSp>
+        </p:grpSp>
+        <p:sp>
+          <p:nvSpPr>
+            <p:cNvPr id="27" name="箭头: 上下 26">
+              <a:extLst>
+                <a:ext uri="{FF2B5EF4-FFF2-40B4-BE49-F238E27FC236}">
+                  <a16:creationId xmlns:a16="http://schemas.microsoft.com/office/drawing/2014/main" id="{75B39727-350F-4B8C-EF74-08AEA8BAEEE9}"/>
+                </a:ext>
+              </a:extLst>
+            </p:cNvPr>
+            <p:cNvSpPr/>
+            <p:nvPr/>
+          </p:nvSpPr>
+          <p:spPr>
+            <a:xfrm rot="16200000">
+              <a:off x="3184705" y="4131031"/>
+              <a:ext cx="173321" cy="927475"/>
+            </a:xfrm>
+            <a:prstGeom prst="upDownArrow">
+              <a:avLst/>
+            </a:prstGeom>
+            <a:solidFill>
+              <a:schemeClr val="bg1"/>
+            </a:solidFill>
+            <a:ln>
+              <a:solidFill>
+                <a:schemeClr val="bg1"/>
+              </a:solidFill>
+            </a:ln>
+          </p:spPr>
+          <p:style>
+            <a:lnRef idx="2">
+              <a:schemeClr val="accent1">
+                <a:shade val="50000"/>
+              </a:schemeClr>
+            </a:lnRef>
+            <a:fillRef idx="1">
+              <a:schemeClr val="accent1"/>
+            </a:fillRef>
+            <a:effectRef idx="0">
+              <a:schemeClr val="accent1"/>
+            </a:effectRef>
+            <a:fontRef idx="minor">
+              <a:schemeClr val="lt1"/>
+            </a:fontRef>
+          </p:style>
+          <p:txBody>
+            <a:bodyPr rtlCol="0" anchor="ctr"/>
+            <a:lstStyle/>
+            <a:p>
+              <a:pPr algn="ctr"/>
+              <a:endParaRPr lang="zh-CN" altLang="en-US"/>
+            </a:p>
+          </p:txBody>
+        </p:sp>
+      </p:grpSp>
+    </p:spTree>
+    <p:extLst>
+      <p:ext uri="{BB962C8B-B14F-4D97-AF65-F5344CB8AC3E}">
+        <p14:creationId xmlns:p14="http://schemas.microsoft.com/office/powerpoint/2010/main" val="4013021418"/>
+      </p:ext>
+    </p:extLst>
+  </p:cSld>
+  <p:clrMapOvr>
+    <a:masterClrMapping/>
+  </p:clrMapOvr>
+</p:sld>
+</file>
+
+<file path=ppt/slides/slide9.xml><?xml version="1.0" encoding="utf-8"?>
+<p:sld xmlns:a="http://schemas.openxmlformats.org/drawingml/2006/main" xmlns:r="http://schemas.openxmlformats.org/officeDocument/2006/relationships" xmlns:p="http://schemas.openxmlformats.org/presentationml/2006/main">
+  <p:cSld>
+    <p:spTree>
+      <p:nvGrpSpPr>
+        <p:cNvPr id="1" name=""/>
+        <p:cNvGrpSpPr/>
+        <p:nvPr/>
+      </p:nvGrpSpPr>
+      <p:grpSpPr>
+        <a:xfrm>
+          <a:off x="0" y="0"/>
+          <a:ext cx="0" cy="0"/>
+          <a:chOff x="0" y="0"/>
+          <a:chExt cx="0" cy="0"/>
+        </a:xfrm>
+      </p:grpSpPr>
+      <p:sp>
+        <p:nvSpPr>
+          <p:cNvPr id="6" name="矩形 5">
+            <a:extLst>
+              <a:ext uri="{FF2B5EF4-FFF2-40B4-BE49-F238E27FC236}">
+                <a16:creationId xmlns:a16="http://schemas.microsoft.com/office/drawing/2014/main" id="{D89A1788-3DCA-5E59-1C6D-272D6AB1F2D3}"/>
+              </a:ext>
+            </a:extLst>
+          </p:cNvPr>
+          <p:cNvSpPr/>
+          <p:nvPr/>
+        </p:nvSpPr>
+        <p:spPr>
+          <a:xfrm>
+            <a:off x="6523682" y="0"/>
+            <a:ext cx="2620318" cy="5714995"/>
+          </a:xfrm>
+          <a:prstGeom prst="rect">
+            <a:avLst/>
+          </a:prstGeom>
+          <a:solidFill>
+            <a:schemeClr val="tx1"/>
+          </a:solidFill>
+          <a:ln w="38100">
+            <a:noFill/>
+          </a:ln>
+        </p:spPr>
+        <p:style>
+          <a:lnRef idx="2">
+            <a:schemeClr val="accent1">
+              <a:shade val="50000"/>
+            </a:schemeClr>
+          </a:lnRef>
+          <a:fillRef idx="1">
+            <a:schemeClr val="accent1"/>
+          </a:fillRef>
+          <a:effectRef idx="0">
+            <a:schemeClr val="accent1"/>
+          </a:effectRef>
+          <a:fontRef idx="minor">
+            <a:schemeClr val="lt1"/>
+          </a:fontRef>
+        </p:style>
+        <p:txBody>
+          <a:bodyPr rtlCol="0" anchor="t"/>
+          <a:lstStyle/>
+          <a:p>
+            <a:pPr algn="ctr"/>
+            <a:endParaRPr lang="en-US" altLang="zh-CN" sz="4050" i="1" dirty="0">
+              <a:latin typeface="Times New Roman" panose="02020603050405020304" pitchFamily="18" charset="0"/>
+              <a:cs typeface="Times New Roman" panose="02020603050405020304" pitchFamily="18" charset="0"/>
+            </a:endParaRPr>
+          </a:p>
+          <a:p>
+            <a:pPr algn="ctr"/>
+            <a:r>
+              <a:rPr lang="en-US" altLang="zh-CN" sz="4400" b="1" cap="none" spc="0" dirty="0">
+                <a:ln>
+                  <a:solidFill>
+                    <a:srgbClr val="FAF1B4"/>
+                  </a:solidFill>
+                </a:ln>
+                <a:solidFill>
+                  <a:srgbClr val="FAF1B4"/>
+                </a:solidFill>
+                <a:effectLst>
+                  <a:reflection blurRad="6350" stA="55000" endA="300" endPos="45500" dir="5400000" sy="-100000" algn="bl" rotWithShape="0"/>
+                </a:effectLst>
+                <a:latin typeface="Times New Roman" panose="02020603050405020304" pitchFamily="18" charset="0"/>
+                <a:cs typeface="Times New Roman" panose="02020603050405020304" pitchFamily="18" charset="0"/>
+              </a:rPr>
+              <a:t>R</a:t>
+            </a:r>
+            <a:r>
+              <a:rPr lang="en-US" altLang="zh-CN" sz="4050" dirty="0">
+                <a:latin typeface="Times New Roman" panose="02020603050405020304" pitchFamily="18" charset="0"/>
+                <a:cs typeface="Times New Roman" panose="02020603050405020304" pitchFamily="18" charset="0"/>
+              </a:rPr>
+              <a:t> </a:t>
+            </a:r>
+            <a:r>
+              <a:rPr lang="en-US" altLang="zh-CN" sz="3000" dirty="0">
+                <a:latin typeface="Times New Roman" panose="02020603050405020304" pitchFamily="18" charset="0"/>
+                <a:cs typeface="Times New Roman" panose="02020603050405020304" pitchFamily="18" charset="0"/>
+              </a:rPr>
+              <a:t>of</a:t>
+            </a:r>
+            <a:r>
+              <a:rPr lang="en-US" altLang="zh-CN" sz="4050" dirty="0">
+                <a:latin typeface="Times New Roman" panose="02020603050405020304" pitchFamily="18" charset="0"/>
+                <a:cs typeface="Times New Roman" panose="02020603050405020304" pitchFamily="18" charset="0"/>
+              </a:rPr>
+              <a:t> </a:t>
+            </a:r>
+            <a:r>
+              <a:rPr lang="en-US" altLang="zh-TW" sz="4050" dirty="0">
+                <a:latin typeface="Times New Roman" panose="02020603050405020304" pitchFamily="18" charset="0"/>
+                <a:cs typeface="Times New Roman" panose="02020603050405020304" pitchFamily="18" charset="0"/>
+              </a:rPr>
+              <a:t>SPMT</a:t>
+            </a:r>
+          </a:p>
+        </p:txBody>
+      </p:sp>
+      <p:grpSp>
+        <p:nvGrpSpPr>
+          <p:cNvPr id="17" name="组合 16">
+            <a:extLst>
+              <a:ext uri="{FF2B5EF4-FFF2-40B4-BE49-F238E27FC236}">
+                <a16:creationId xmlns:a16="http://schemas.microsoft.com/office/drawing/2014/main" id="{B0C039CE-E35B-FB20-4F6F-73AF29F5EC82}"/>
+              </a:ext>
+            </a:extLst>
+          </p:cNvPr>
+          <p:cNvGrpSpPr/>
+          <p:nvPr/>
+        </p:nvGrpSpPr>
+        <p:grpSpPr>
+          <a:xfrm>
+            <a:off x="8023252" y="5229633"/>
+            <a:ext cx="1057142" cy="414474"/>
+            <a:chOff x="10502095" y="6069536"/>
+            <a:chExt cx="1409523" cy="552632"/>
+          </a:xfrm>
+        </p:grpSpPr>
+        <p:pic>
+          <p:nvPicPr>
+            <p:cNvPr id="10" name="图片 9" descr="图片包含 背景图案&#10;&#10;描述已自动生成">
+              <a:extLst>
+                <a:ext uri="{FF2B5EF4-FFF2-40B4-BE49-F238E27FC236}">
+                  <a16:creationId xmlns:a16="http://schemas.microsoft.com/office/drawing/2014/main" id="{630E8096-9BAE-771C-F26B-5E769FE2760E}"/>
+                </a:ext>
+              </a:extLst>
+            </p:cNvPr>
+            <p:cNvPicPr>
+              <a:picLocks noChangeAspect="1"/>
+            </p:cNvPicPr>
+            <p:nvPr/>
+          </p:nvPicPr>
+          <p:blipFill>
+            <a:blip r:embed="rId3">
+              <a:extLst>
+                <a:ext uri="{28A0092B-C50C-407E-A947-70E740481C1C}">
+                  <a14:useLocalDpi xmlns:a14="http://schemas.microsoft.com/office/drawing/2010/main" val="0"/>
+                </a:ext>
+              </a:extLst>
+            </a:blip>
+            <a:stretch>
+              <a:fillRect/>
+            </a:stretch>
+          </p:blipFill>
+          <p:spPr>
+            <a:xfrm>
+              <a:off x="11427454" y="6069536"/>
+              <a:ext cx="484164" cy="552632"/>
+            </a:xfrm>
+            <a:prstGeom prst="rect">
+              <a:avLst/>
+            </a:prstGeom>
+          </p:spPr>
+        </p:pic>
+        <p:sp>
+          <p:nvSpPr>
+            <p:cNvPr id="16" name="文本框 15">
+              <a:extLst>
+                <a:ext uri="{FF2B5EF4-FFF2-40B4-BE49-F238E27FC236}">
+                  <a16:creationId xmlns:a16="http://schemas.microsoft.com/office/drawing/2014/main" id="{790C7AEC-1C60-148D-F56E-026682E2E6F2}"/>
+                </a:ext>
+              </a:extLst>
+            </p:cNvPr>
+            <p:cNvSpPr txBox="1"/>
+            <p:nvPr/>
+          </p:nvSpPr>
+          <p:spPr>
+            <a:xfrm>
+              <a:off x="10502095" y="6183287"/>
+              <a:ext cx="925359" cy="339153"/>
+            </a:xfrm>
+            <a:prstGeom prst="rect">
+              <a:avLst/>
+            </a:prstGeom>
+            <a:noFill/>
+          </p:spPr>
+          <p:txBody>
+            <a:bodyPr wrap="square" rtlCol="0">
+              <a:spAutoFit/>
+            </a:bodyPr>
+            <a:lstStyle/>
+            <a:p>
+              <a:r>
+                <a:rPr lang="en-US" altLang="zh-CN" sz="1053" dirty="0">
+                  <a:solidFill>
+                    <a:schemeClr val="bg1"/>
+                  </a:solidFill>
+                  <a:latin typeface="Times New Roman" panose="02020603050405020304" pitchFamily="18" charset="0"/>
+                  <a:cs typeface="Times New Roman" panose="02020603050405020304" pitchFamily="18" charset="0"/>
+                </a:rPr>
+                <a:t>by YuKi</a:t>
+              </a:r>
+              <a:endParaRPr lang="zh-CN" altLang="en-US" sz="1053" dirty="0">
+                <a:solidFill>
+                  <a:schemeClr val="bg1"/>
+                </a:solidFill>
+                <a:latin typeface="Times New Roman" panose="02020603050405020304" pitchFamily="18" charset="0"/>
+                <a:cs typeface="Times New Roman" panose="02020603050405020304" pitchFamily="18" charset="0"/>
+              </a:endParaRPr>
+            </a:p>
+          </p:txBody>
+        </p:sp>
+      </p:grpSp>
+      <p:sp>
+        <p:nvSpPr>
+          <p:cNvPr id="3" name="矩形 2">
+            <a:extLst>
+              <a:ext uri="{FF2B5EF4-FFF2-40B4-BE49-F238E27FC236}">
+                <a16:creationId xmlns:a16="http://schemas.microsoft.com/office/drawing/2014/main" id="{C6B03883-6ED4-84CA-8282-B8EC86CE999A}"/>
+              </a:ext>
+            </a:extLst>
+          </p:cNvPr>
+          <p:cNvSpPr/>
+          <p:nvPr/>
+        </p:nvSpPr>
+        <p:spPr>
+          <a:xfrm>
+            <a:off x="-2" y="0"/>
+            <a:ext cx="3276602" cy="653131"/>
+          </a:xfrm>
+          <a:prstGeom prst="rect">
+            <a:avLst/>
+          </a:prstGeom>
+          <a:solidFill>
+            <a:schemeClr val="tx1"/>
+          </a:solidFill>
+          <a:ln>
+            <a:noFill/>
+          </a:ln>
+        </p:spPr>
+        <p:style>
+          <a:lnRef idx="2">
+            <a:schemeClr val="accent1">
+              <a:shade val="50000"/>
+            </a:schemeClr>
+          </a:lnRef>
+          <a:fillRef idx="1">
+            <a:schemeClr val="accent1"/>
+          </a:fillRef>
+          <a:effectRef idx="0">
+            <a:schemeClr val="accent1"/>
+          </a:effectRef>
+          <a:fontRef idx="minor">
+            <a:schemeClr val="lt1"/>
+          </a:fontRef>
+        </p:style>
+        <p:txBody>
+          <a:bodyPr rtlCol="0" anchor="ctr"/>
+          <a:lstStyle/>
+          <a:p>
+            <a:r>
+              <a:rPr lang="en-US" altLang="zh-CN" sz="4000" dirty="0">
+                <a:solidFill>
+                  <a:schemeClr val="bg1"/>
+                </a:solidFill>
+                <a:latin typeface="Times New Roman" panose="02020603050405020304" pitchFamily="18" charset="0"/>
+                <a:cs typeface="Times New Roman" panose="02020603050405020304" pitchFamily="18" charset="0"/>
+              </a:rPr>
+              <a:t>Method</a:t>
+            </a:r>
+            <a:endParaRPr lang="zh-CN" altLang="en-US" sz="4000" dirty="0">
+              <a:solidFill>
+                <a:schemeClr val="bg1"/>
+              </a:solidFill>
+              <a:latin typeface="Times New Roman" panose="02020603050405020304" pitchFamily="18" charset="0"/>
+              <a:cs typeface="Times New Roman" panose="02020603050405020304" pitchFamily="18" charset="0"/>
+            </a:endParaRPr>
+          </a:p>
+        </p:txBody>
+      </p:sp>
+      <p:sp>
+        <p:nvSpPr>
+          <p:cNvPr id="5" name="矩形 4">
+            <a:extLst>
+              <a:ext uri="{FF2B5EF4-FFF2-40B4-BE49-F238E27FC236}">
+                <a16:creationId xmlns:a16="http://schemas.microsoft.com/office/drawing/2014/main" id="{FE461C21-1DA5-1EEF-40F5-6F8AD5899BAF}"/>
+              </a:ext>
+            </a:extLst>
+          </p:cNvPr>
+          <p:cNvSpPr/>
+          <p:nvPr/>
+        </p:nvSpPr>
+        <p:spPr>
+          <a:xfrm>
+            <a:off x="7629" y="5175000"/>
+            <a:ext cx="864000" cy="540000"/>
+          </a:xfrm>
+          <a:prstGeom prst="rect">
+            <a:avLst/>
+          </a:prstGeom>
+          <a:solidFill>
+            <a:schemeClr val="tx1"/>
+          </a:solidFill>
+          <a:ln>
+            <a:noFill/>
+          </a:ln>
+        </p:spPr>
+        <p:style>
+          <a:lnRef idx="2">
+            <a:schemeClr val="accent1">
+              <a:shade val="50000"/>
+            </a:schemeClr>
+          </a:lnRef>
+          <a:fillRef idx="1">
+            <a:schemeClr val="accent1"/>
+          </a:fillRef>
+          <a:effectRef idx="0">
+            <a:schemeClr val="accent1"/>
+          </a:effectRef>
+          <a:fontRef idx="minor">
+            <a:schemeClr val="lt1"/>
+          </a:fontRef>
+        </p:style>
+        <p:txBody>
+          <a:bodyPr rtlCol="0" anchor="ctr"/>
+          <a:lstStyle/>
+          <a:p>
+            <a:pPr algn="ctr"/>
+            <a:r>
+              <a:rPr lang="en-US" altLang="zh-CN" sz="1800" b="1" dirty="0">
+                <a:latin typeface="Times New Roman" panose="02020603050405020304" pitchFamily="18" charset="0"/>
+                <a:cs typeface="Times New Roman" panose="02020603050405020304" pitchFamily="18" charset="0"/>
+              </a:rPr>
+              <a:t>99 / 99</a:t>
+            </a:r>
+            <a:endParaRPr lang="zh-CN" altLang="en-US" sz="1800" b="1" dirty="0">
+              <a:latin typeface="Times New Roman" panose="02020603050405020304" pitchFamily="18" charset="0"/>
+              <a:cs typeface="Times New Roman" panose="02020603050405020304" pitchFamily="18" charset="0"/>
+            </a:endParaRPr>
+          </a:p>
+        </p:txBody>
+      </p:sp>
+      <p:sp>
+        <p:nvSpPr>
+          <p:cNvPr id="12" name="Rectangle 11">
+            <a:extLst>
+              <a:ext uri="{FF2B5EF4-FFF2-40B4-BE49-F238E27FC236}">
+                <a16:creationId xmlns:a16="http://schemas.microsoft.com/office/drawing/2014/main" id="{2AE5AF11-C8FC-4A4C-64DC-86B1D312BD72}"/>
+              </a:ext>
+            </a:extLst>
+          </p:cNvPr>
+          <p:cNvSpPr/>
+          <p:nvPr/>
+        </p:nvSpPr>
+        <p:spPr>
+          <a:xfrm>
+            <a:off x="288015" y="1715811"/>
+            <a:ext cx="5947653" cy="2080670"/>
+          </a:xfrm>
+          <a:prstGeom prst="rect">
+            <a:avLst/>
+          </a:prstGeom>
+        </p:spPr>
+        <p:txBody>
+          <a:bodyPr vert="horz" lIns="91440" tIns="45720" rIns="91440" bIns="45720" rtlCol="0" anchor="t">
+            <a:normAutofit/>
+          </a:bodyPr>
+          <a:lstStyle/>
+          <a:p>
+            <a:pPr indent="-228600">
+              <a:lnSpc>
+                <a:spcPct val="90000"/>
+              </a:lnSpc>
+              <a:spcAft>
+                <a:spcPts val="600"/>
+              </a:spcAft>
+              <a:buFont typeface="Arial" panose="020B0604020202020204" pitchFamily="34" charset="0"/>
+              <a:buChar char="•"/>
+            </a:pPr>
+            <a:endParaRPr lang="en-US" sz="2200" b="1" dirty="0">
+              <a:solidFill>
+                <a:schemeClr val="bg1"/>
+              </a:solidFill>
+              <a:latin typeface="Times New Roman" panose="02020603050405020304" pitchFamily="18" charset="0"/>
+              <a:cs typeface="Times New Roman" panose="02020603050405020304" pitchFamily="18" charset="0"/>
+            </a:endParaRPr>
+          </a:p>
+        </p:txBody>
+      </p:sp>
+      <mc:AlternateContent xmlns:mc="http://schemas.openxmlformats.org/markup-compatibility/2006">
+        <mc:Choice xmlns:a14="http://schemas.microsoft.com/office/drawing/2010/main" Requires="a14">
+          <p:graphicFrame>
+            <p:nvGraphicFramePr>
+              <p:cNvPr id="2" name="表格 1">
+                <a:extLst>
+                  <a:ext uri="{FF2B5EF4-FFF2-40B4-BE49-F238E27FC236}">
+                    <a16:creationId xmlns:a16="http://schemas.microsoft.com/office/drawing/2014/main" id="{8A2F6EB0-270C-C477-ED2F-CC7028E99353}"/>
+                  </a:ext>
+                </a:extLst>
+              </p:cNvPr>
+              <p:cNvGraphicFramePr>
+                <a:graphicFrameLocks noGrp="1"/>
+              </p:cNvGraphicFramePr>
+              <p:nvPr>
+                <p:extLst>
+                  <p:ext uri="{D42A27DB-BD31-4B8C-83A1-F6EECF244321}">
+                    <p14:modId xmlns:p14="http://schemas.microsoft.com/office/powerpoint/2010/main" val="582659989"/>
+                  </p:ext>
+                </p:extLst>
+              </p:nvPr>
+            </p:nvGraphicFramePr>
+            <p:xfrm>
+              <a:off x="196331" y="1350337"/>
+              <a:ext cx="6160538" cy="3135404"/>
+            </p:xfrm>
+            <a:graphic>
+              <a:graphicData uri="http://schemas.openxmlformats.org/drawingml/2006/table">
+                <a:tbl>
+                  <a:tblPr firstRow="1" firstCol="1" bandRow="1">
+                    <a:tableStyleId>{073A0DAA-6AF3-43AB-8588-CEC1D06C72B9}</a:tableStyleId>
+                  </a:tblPr>
+                  <a:tblGrid>
+                    <a:gridCol w="1133475">
+                      <a:extLst>
+                        <a:ext uri="{9D8B030D-6E8A-4147-A177-3AD203B41FA5}">
+                          <a16:colId xmlns:a16="http://schemas.microsoft.com/office/drawing/2014/main" val="1305533542"/>
+                        </a:ext>
+                      </a:extLst>
+                    </a:gridCol>
+                    <a:gridCol w="2090366">
+                      <a:extLst>
+                        <a:ext uri="{9D8B030D-6E8A-4147-A177-3AD203B41FA5}">
+                          <a16:colId xmlns:a16="http://schemas.microsoft.com/office/drawing/2014/main" val="1598237062"/>
+                        </a:ext>
+                      </a:extLst>
+                    </a:gridCol>
+                    <a:gridCol w="2104304">
+                      <a:extLst>
+                        <a:ext uri="{9D8B030D-6E8A-4147-A177-3AD203B41FA5}">
+                          <a16:colId xmlns:a16="http://schemas.microsoft.com/office/drawing/2014/main" val="844030469"/>
+                        </a:ext>
+                      </a:extLst>
+                    </a:gridCol>
+                    <a:gridCol w="832393">
+                      <a:extLst>
+                        <a:ext uri="{9D8B030D-6E8A-4147-A177-3AD203B41FA5}">
+                          <a16:colId xmlns:a16="http://schemas.microsoft.com/office/drawing/2014/main" val="2992902287"/>
+                        </a:ext>
+                      </a:extLst>
+                    </a:gridCol>
+                  </a:tblGrid>
+                  <a:tr h="406399">
+                    <a:tc>
+                      <a:txBody>
+                        <a:bodyPr/>
+                        <a:lstStyle/>
+                        <a:p>
+                          <a:pPr algn="ctr"/>
+                          <a:r>
+                            <a:rPr lang="en-US" sz="1000" dirty="0">
+                              <a:solidFill>
+                                <a:schemeClr val="bg1"/>
+                              </a:solidFill>
+                              <a:effectLst/>
+                            </a:rPr>
+                            <a:t>Indices</a:t>
+                          </a:r>
+                        </a:p>
+                      </a:txBody>
+                      <a:tcPr marL="68580" marR="68580" marT="0" marB="0" anchor="ctr">
+                        <a:noFill/>
+                      </a:tcPr>
+                    </a:tc>
+                    <a:tc>
+                      <a:txBody>
+                        <a:bodyPr/>
+                        <a:lstStyle/>
+                        <a:p>
+                          <a:pPr algn="ctr"/>
+                          <a:r>
+                            <a:rPr lang="en-US" sz="1000" dirty="0">
+                              <a:solidFill>
+                                <a:schemeClr val="bg1"/>
+                              </a:solidFill>
+                              <a:effectLst/>
+                            </a:rPr>
+                            <a:t>Indices Calculation</a:t>
+                          </a:r>
+                        </a:p>
+                      </a:txBody>
+                      <a:tcPr marL="68580" marR="68580" marT="0" marB="0" anchor="ctr">
+                        <a:noFill/>
+                      </a:tcPr>
+                    </a:tc>
+                    <a:tc>
+                      <a:txBody>
+                        <a:bodyPr/>
+                        <a:lstStyle/>
+                        <a:p>
+                          <a:pPr algn="ctr"/>
+                          <a:r>
+                            <a:rPr lang="en-US" sz="1000" dirty="0">
+                              <a:solidFill>
+                                <a:schemeClr val="bg1"/>
+                              </a:solidFill>
+                              <a:effectLst/>
+                            </a:rPr>
+                            <a:t>SPE Calculation Based on Indices</a:t>
+                          </a:r>
+                        </a:p>
+                      </a:txBody>
+                      <a:tcPr marL="68580" marR="68580" marT="0" marB="0" anchor="ctr">
+                        <a:noFill/>
+                      </a:tcPr>
+                    </a:tc>
+                    <a:tc>
+                      <a:txBody>
+                        <a:bodyPr/>
+                        <a:lstStyle/>
+                        <a:p>
+                          <a:pPr algn="ctr"/>
+                          <a:r>
+                            <a:rPr lang="en-US" sz="1000" dirty="0">
+                              <a:solidFill>
+                                <a:schemeClr val="bg1"/>
+                              </a:solidFill>
+                              <a:effectLst/>
+                            </a:rPr>
+                            <a:t>Source</a:t>
+                          </a:r>
+                        </a:p>
+                      </a:txBody>
+                      <a:tcPr marL="68580" marR="68580" marT="0" marB="0" anchor="ctr">
+                        <a:noFill/>
+                      </a:tcPr>
+                    </a:tc>
+                    <a:extLst>
+                      <a:ext uri="{0D108BD9-81ED-4DB2-BD59-A6C34878D82A}">
+                        <a16:rowId xmlns:a16="http://schemas.microsoft.com/office/drawing/2014/main" val="1011229830"/>
+                      </a:ext>
+                    </a:extLst>
+                  </a:tr>
+                  <a:tr h="520120">
+                    <a:tc>
+                      <a:txBody>
+                        <a:bodyPr/>
+                        <a:lstStyle/>
+                        <a:p>
+                          <a:pPr algn="ctr"/>
+                          <a:r>
+                            <a:rPr lang="en-US" sz="1000">
+                              <a:solidFill>
+                                <a:schemeClr val="bg1"/>
+                              </a:solidFill>
+                              <a:effectLst/>
+                            </a:rPr>
+                            <a:t>Mean</a:t>
+                          </a:r>
+                          <a:endParaRPr lang="zh-CN" sz="1200">
+                            <a:solidFill>
+                              <a:schemeClr val="bg1"/>
+                            </a:solidFill>
+                            <a:effectLst/>
+                          </a:endParaRPr>
+                        </a:p>
+                        <a:p>
+                          <a:pPr algn="ctr"/>
+                          <a:r>
+                            <a:rPr lang="en-US" sz="1000">
+                              <a:solidFill>
+                                <a:schemeClr val="bg1"/>
+                              </a:solidFill>
+                              <a:effectLst/>
+                            </a:rPr>
+                            <a:t>Reaction Times</a:t>
+                          </a:r>
+                          <a:endParaRPr lang="zh-CN" sz="1200">
+                            <a:solidFill>
+                              <a:schemeClr val="bg1"/>
+                            </a:solidFill>
+                            <a:effectLst/>
+                          </a:endParaRPr>
+                        </a:p>
+                        <a:p>
+                          <a:pPr algn="ctr"/>
+                          <a:r>
+                            <a:rPr lang="en-US" sz="1000">
+                              <a:solidFill>
+                                <a:schemeClr val="bg1"/>
+                              </a:solidFill>
+                              <a:effectLst/>
+                            </a:rPr>
+                            <a:t>(RT)</a:t>
+                          </a:r>
+                          <a:endParaRPr lang="zh-CN" sz="1200">
+                            <a:solidFill>
+                              <a:schemeClr val="bg1"/>
+                            </a:solidFill>
+                            <a:effectLst/>
+                            <a:latin typeface="Times New Roman" panose="02020603050405020304" pitchFamily="18" charset="0"/>
+                            <a:ea typeface="Times New Roman" panose="02020603050405020304" pitchFamily="18" charset="0"/>
+                            <a:cs typeface="Times New Roman" panose="02020603050405020304" pitchFamily="18" charset="0"/>
+                          </a:endParaRPr>
+                        </a:p>
+                      </a:txBody>
+                      <a:tcPr marL="68580" marR="68580" marT="0" marB="0" anchor="ctr">
+                        <a:noFill/>
+                      </a:tcPr>
+                    </a:tc>
+                    <a:tc>
+                      <a:txBody>
+                        <a:bodyPr/>
+                        <a:lstStyle/>
+                        <a:p>
+                          <a:pPr algn="ctr"/>
+                          <a14:m>
+                            <m:oMathPara xmlns:m="http://schemas.openxmlformats.org/officeDocument/2006/math">
+                              <m:oMathParaPr>
+                                <m:jc m:val="centerGroup"/>
+                              </m:oMathParaPr>
+                              <m:oMath xmlns:m="http://schemas.openxmlformats.org/officeDocument/2006/math">
+                                <m:box>
+                                  <m:boxPr>
+                                    <m:ctrlPr>
+                                      <a:rPr lang="zh-CN" sz="1000" i="1" smtClean="0">
+                                        <a:solidFill>
+                                          <a:schemeClr val="bg1"/>
+                                        </a:solidFill>
+                                        <a:effectLst/>
+                                        <a:latin typeface="Cambria Math" panose="02040503050406030204" pitchFamily="18" charset="0"/>
+                                      </a:rPr>
+                                    </m:ctrlPr>
+                                  </m:boxPr>
+                                  <m:e>
+                                    <m:argPr>
+                                      <m:argSz m:val="-1"/>
+                                    </m:argPr>
+                                    <m:f>
+                                      <m:fPr>
+                                        <m:ctrlPr>
+                                          <a:rPr lang="zh-CN" sz="1000" i="1">
+                                            <a:solidFill>
+                                              <a:schemeClr val="bg1"/>
+                                            </a:solidFill>
+                                            <a:effectLst/>
+                                            <a:latin typeface="Cambria Math" panose="02040503050406030204" pitchFamily="18" charset="0"/>
+                                          </a:rPr>
+                                        </m:ctrlPr>
+                                      </m:fPr>
+                                      <m:num>
+                                        <m:r>
+                                          <a:rPr lang="en-US" sz="1000">
+                                            <a:solidFill>
+                                              <a:schemeClr val="bg1"/>
+                                            </a:solidFill>
+                                            <a:effectLst/>
+                                            <a:latin typeface="Cambria Math" panose="02040503050406030204" pitchFamily="18" charset="0"/>
+                                          </a:rPr>
+                                          <m:t>∑</m:t>
+                                        </m:r>
+                                        <m:r>
+                                          <m:rPr>
+                                            <m:sty m:val="p"/>
+                                          </m:rPr>
+                                          <a:rPr lang="en-US" sz="1000">
+                                            <a:solidFill>
+                                              <a:schemeClr val="bg1"/>
+                                            </a:solidFill>
+                                            <a:effectLst/>
+                                            <a:latin typeface="Cambria Math" panose="02040503050406030204" pitchFamily="18" charset="0"/>
+                                          </a:rPr>
+                                          <m:t>RT</m:t>
+                                        </m:r>
+                                      </m:num>
+                                      <m:den>
+                                        <m:sSub>
+                                          <m:sSubPr>
+                                            <m:ctrlPr>
+                                              <a:rPr lang="zh-CN" sz="1000" i="1">
+                                                <a:solidFill>
+                                                  <a:schemeClr val="bg1"/>
+                                                </a:solidFill>
+                                                <a:effectLst/>
+                                                <a:latin typeface="Cambria Math" panose="02040503050406030204" pitchFamily="18" charset="0"/>
+                                              </a:rPr>
+                                            </m:ctrlPr>
+                                          </m:sSubPr>
+                                          <m:e>
+                                            <m:r>
+                                              <m:rPr>
+                                                <m:sty m:val="p"/>
+                                              </m:rPr>
+                                              <a:rPr lang="en-US" sz="1000">
+                                                <a:solidFill>
+                                                  <a:schemeClr val="bg1"/>
+                                                </a:solidFill>
+                                                <a:effectLst/>
+                                                <a:latin typeface="Cambria Math" panose="02040503050406030204" pitchFamily="18" charset="0"/>
+                                              </a:rPr>
+                                              <m:t>n</m:t>
+                                            </m:r>
+                                          </m:e>
+                                          <m:sub>
+                                            <m:r>
+                                              <a:rPr lang="en-US" sz="1000">
+                                                <a:solidFill>
+                                                  <a:schemeClr val="bg1"/>
+                                                </a:solidFill>
+                                                <a:effectLst/>
+                                                <a:latin typeface="Cambria Math" panose="02040503050406030204" pitchFamily="18" charset="0"/>
+                                              </a:rPr>
+                                              <m:t>(</m:t>
+                                            </m:r>
+                                            <m:r>
+                                              <m:rPr>
+                                                <m:sty m:val="p"/>
+                                              </m:rPr>
+                                              <a:rPr lang="en-US" sz="1000">
+                                                <a:solidFill>
+                                                  <a:schemeClr val="bg1"/>
+                                                </a:solidFill>
+                                                <a:effectLst/>
+                                                <a:latin typeface="Cambria Math" panose="02040503050406030204" pitchFamily="18" charset="0"/>
+                                              </a:rPr>
+                                              <m:t>trials</m:t>
+                                            </m:r>
+                                            <m:r>
+                                              <a:rPr lang="en-US" sz="1000">
+                                                <a:solidFill>
+                                                  <a:schemeClr val="bg1"/>
+                                                </a:solidFill>
+                                                <a:effectLst/>
+                                                <a:latin typeface="Cambria Math" panose="02040503050406030204" pitchFamily="18" charset="0"/>
+                                              </a:rPr>
+                                              <m:t>)</m:t>
+                                            </m:r>
+                                          </m:sub>
+                                        </m:sSub>
+                                      </m:den>
+                                    </m:f>
+                                  </m:e>
+                                </m:box>
+                              </m:oMath>
+                            </m:oMathPara>
+                          </a14:m>
+                          <a:endParaRPr lang="zh-CN" sz="1200">
+                            <a:solidFill>
+                              <a:schemeClr val="bg1"/>
+                            </a:solidFill>
+                            <a:effectLst/>
+                            <a:latin typeface="Times New Roman" panose="02020603050405020304" pitchFamily="18" charset="0"/>
+                            <a:ea typeface="Times New Roman" panose="02020603050405020304" pitchFamily="18" charset="0"/>
+                            <a:cs typeface="Times New Roman" panose="02020603050405020304" pitchFamily="18" charset="0"/>
+                          </a:endParaRPr>
+                        </a:p>
+                      </a:txBody>
+                      <a:tcPr marL="68580" marR="68580" marT="0" marB="0" anchor="ctr">
+                        <a:noFill/>
+                      </a:tcPr>
+                    </a:tc>
+                    <a:tc>
+                      <a:txBody>
+                        <a:bodyPr/>
+                        <a:lstStyle/>
+                        <a:p>
+                          <a:pPr algn="ctr"/>
+                          <a14:m>
+                            <m:oMathPara xmlns:m="http://schemas.openxmlformats.org/officeDocument/2006/math">
+                              <m:oMathParaPr>
+                                <m:jc m:val="centerGroup"/>
+                              </m:oMathParaPr>
+                              <m:oMath xmlns:m="http://schemas.openxmlformats.org/officeDocument/2006/math">
+                                <m:sSub>
+                                  <m:sSubPr>
+                                    <m:ctrlPr>
+                                      <a:rPr lang="zh-CN" sz="1000" i="1" smtClean="0">
+                                        <a:solidFill>
+                                          <a:schemeClr val="bg1"/>
+                                        </a:solidFill>
+                                        <a:effectLst/>
+                                        <a:latin typeface="Cambria Math" panose="02040503050406030204" pitchFamily="18" charset="0"/>
+                                      </a:rPr>
+                                    </m:ctrlPr>
+                                  </m:sSubPr>
+                                  <m:e>
+                                    <m:r>
+                                      <m:rPr>
+                                        <m:sty m:val="p"/>
+                                      </m:rPr>
+                                      <a:rPr lang="en-US" sz="1000">
+                                        <a:solidFill>
+                                          <a:schemeClr val="bg1"/>
+                                        </a:solidFill>
+                                        <a:effectLst/>
+                                        <a:latin typeface="Cambria Math" panose="02040503050406030204" pitchFamily="18" charset="0"/>
+                                      </a:rPr>
+                                      <m:t>Self</m:t>
+                                    </m:r>
+                                  </m:e>
+                                  <m:sub>
+                                    <m:r>
+                                      <a:rPr lang="en-US" sz="1000">
+                                        <a:solidFill>
+                                          <a:schemeClr val="bg1"/>
+                                        </a:solidFill>
+                                        <a:effectLst/>
+                                        <a:latin typeface="Cambria Math" panose="02040503050406030204" pitchFamily="18" charset="0"/>
+                                      </a:rPr>
+                                      <m:t>(</m:t>
+                                    </m:r>
+                                    <m:r>
+                                      <m:rPr>
+                                        <m:sty m:val="p"/>
+                                      </m:rPr>
+                                      <a:rPr lang="en-US" sz="1000">
+                                        <a:solidFill>
+                                          <a:schemeClr val="bg1"/>
+                                        </a:solidFill>
+                                        <a:effectLst/>
+                                        <a:latin typeface="Cambria Math" panose="02040503050406030204" pitchFamily="18" charset="0"/>
+                                      </a:rPr>
+                                      <m:t>match</m:t>
+                                    </m:r>
+                                    <m:r>
+                                      <m:rPr>
+                                        <m:sty m:val="p"/>
+                                      </m:rPr>
+                                      <a:rPr lang="en-US" sz="1200">
+                                        <a:solidFill>
+                                          <a:schemeClr val="bg1"/>
+                                        </a:solidFill>
+                                        <a:effectLst/>
+                                        <a:latin typeface="Cambria Math" panose="02040503050406030204" pitchFamily="18" charset="0"/>
+                                      </a:rPr>
+                                      <m:t>ing</m:t>
+                                    </m:r>
+                                    <m:r>
+                                      <a:rPr lang="en-US" sz="1000">
+                                        <a:solidFill>
+                                          <a:schemeClr val="bg1"/>
+                                        </a:solidFill>
+                                        <a:effectLst/>
+                                        <a:latin typeface="Cambria Math" panose="02040503050406030204" pitchFamily="18" charset="0"/>
+                                      </a:rPr>
+                                      <m:t>)</m:t>
+                                    </m:r>
+                                  </m:sub>
+                                </m:sSub>
+                                <m:r>
+                                  <a:rPr lang="en-US" sz="1000">
+                                    <a:solidFill>
+                                      <a:schemeClr val="bg1"/>
+                                    </a:solidFill>
+                                    <a:effectLst/>
+                                    <a:latin typeface="Cambria Math" panose="02040503050406030204" pitchFamily="18" charset="0"/>
+                                  </a:rPr>
+                                  <m:t>−</m:t>
+                                </m:r>
+                                <m:sSub>
+                                  <m:sSubPr>
+                                    <m:ctrlPr>
+                                      <a:rPr lang="zh-CN" sz="1000" i="1">
+                                        <a:solidFill>
+                                          <a:schemeClr val="bg1"/>
+                                        </a:solidFill>
+                                        <a:effectLst/>
+                                        <a:latin typeface="Cambria Math" panose="02040503050406030204" pitchFamily="18" charset="0"/>
+                                      </a:rPr>
+                                    </m:ctrlPr>
+                                  </m:sSubPr>
+                                  <m:e>
+                                    <m:r>
+                                      <m:rPr>
+                                        <m:sty m:val="p"/>
+                                      </m:rPr>
+                                      <a:rPr lang="en-US" sz="1000">
+                                        <a:solidFill>
+                                          <a:schemeClr val="bg1"/>
+                                        </a:solidFill>
+                                        <a:effectLst/>
+                                        <a:latin typeface="Cambria Math" panose="02040503050406030204" pitchFamily="18" charset="0"/>
+                                      </a:rPr>
+                                      <m:t>Other</m:t>
+                                    </m:r>
+                                  </m:e>
+                                  <m:sub>
+                                    <m:r>
+                                      <a:rPr lang="en-US" sz="1000">
+                                        <a:solidFill>
+                                          <a:schemeClr val="bg1"/>
+                                        </a:solidFill>
+                                        <a:effectLst/>
+                                        <a:latin typeface="Cambria Math" panose="02040503050406030204" pitchFamily="18" charset="0"/>
+                                      </a:rPr>
+                                      <m:t>(</m:t>
+                                    </m:r>
+                                    <m:r>
+                                      <m:rPr>
+                                        <m:sty m:val="p"/>
+                                      </m:rPr>
+                                      <a:rPr lang="en-US" sz="1000">
+                                        <a:solidFill>
+                                          <a:schemeClr val="bg1"/>
+                                        </a:solidFill>
+                                        <a:effectLst/>
+                                        <a:latin typeface="Cambria Math" panose="02040503050406030204" pitchFamily="18" charset="0"/>
+                                      </a:rPr>
+                                      <m:t>match</m:t>
+                                    </m:r>
+                                    <m:r>
+                                      <m:rPr>
+                                        <m:sty m:val="p"/>
+                                      </m:rPr>
+                                      <a:rPr lang="en-US" sz="1200">
+                                        <a:solidFill>
+                                          <a:schemeClr val="bg1"/>
+                                        </a:solidFill>
+                                        <a:effectLst/>
+                                        <a:latin typeface="Cambria Math" panose="02040503050406030204" pitchFamily="18" charset="0"/>
+                                      </a:rPr>
+                                      <m:t>ing</m:t>
+                                    </m:r>
+                                    <m:r>
+                                      <a:rPr lang="en-US" sz="1000">
+                                        <a:solidFill>
+                                          <a:schemeClr val="bg1"/>
+                                        </a:solidFill>
+                                        <a:effectLst/>
+                                        <a:latin typeface="Cambria Math" panose="02040503050406030204" pitchFamily="18" charset="0"/>
+                                      </a:rPr>
+                                      <m:t>)</m:t>
+                                    </m:r>
+                                  </m:sub>
+                                </m:sSub>
+                              </m:oMath>
+                            </m:oMathPara>
+                          </a14:m>
+                          <a:endParaRPr lang="zh-CN" sz="1200">
+                            <a:solidFill>
+                              <a:schemeClr val="bg1"/>
+                            </a:solidFill>
+                            <a:effectLst/>
+                            <a:latin typeface="Times New Roman" panose="02020603050405020304" pitchFamily="18" charset="0"/>
+                            <a:ea typeface="Times New Roman" panose="02020603050405020304" pitchFamily="18" charset="0"/>
+                            <a:cs typeface="Times New Roman" panose="02020603050405020304" pitchFamily="18" charset="0"/>
+                          </a:endParaRPr>
+                        </a:p>
+                      </a:txBody>
+                      <a:tcPr marL="68580" marR="68580" marT="0" marB="0" anchor="ctr">
+                        <a:noFill/>
+                      </a:tcPr>
+                    </a:tc>
+                    <a:tc>
+                      <a:txBody>
+                        <a:bodyPr/>
+                        <a:lstStyle/>
+                        <a:p>
+                          <a:pPr algn="ctr"/>
+                          <a:r>
+                            <a:rPr lang="en-US" sz="1000">
+                              <a:solidFill>
+                                <a:schemeClr val="bg1"/>
+                              </a:solidFill>
+                              <a:effectLst/>
+                            </a:rPr>
+                            <a:t>Sui et al. (2012)</a:t>
+                          </a:r>
+                          <a:endParaRPr lang="zh-CN" sz="1200">
+                            <a:solidFill>
+                              <a:schemeClr val="bg1"/>
+                            </a:solidFill>
+                            <a:effectLst/>
+                            <a:latin typeface="Times New Roman" panose="02020603050405020304" pitchFamily="18" charset="0"/>
+                            <a:ea typeface="Times New Roman" panose="02020603050405020304" pitchFamily="18" charset="0"/>
+                            <a:cs typeface="Times New Roman" panose="02020603050405020304" pitchFamily="18" charset="0"/>
+                          </a:endParaRPr>
+                        </a:p>
+                      </a:txBody>
+                      <a:tcPr marL="68580" marR="68580" marT="0" marB="0" anchor="ctr">
+                        <a:noFill/>
+                      </a:tcPr>
+                    </a:tc>
+                    <a:extLst>
+                      <a:ext uri="{0D108BD9-81ED-4DB2-BD59-A6C34878D82A}">
+                        <a16:rowId xmlns:a16="http://schemas.microsoft.com/office/drawing/2014/main" val="1044009325"/>
+                      </a:ext>
+                    </a:extLst>
+                  </a:tr>
+                  <a:tr h="328452">
+                    <a:tc>
+                      <a:txBody>
+                        <a:bodyPr/>
+                        <a:lstStyle/>
+                        <a:p>
+                          <a:pPr algn="ctr"/>
+                          <a:r>
+                            <a:rPr lang="en-US" sz="1000">
+                              <a:solidFill>
+                                <a:schemeClr val="bg1"/>
+                              </a:solidFill>
+                              <a:effectLst/>
+                            </a:rPr>
+                            <a:t>Accuracy (ACC)</a:t>
+                          </a:r>
+                          <a:endParaRPr lang="zh-CN" sz="1200">
+                            <a:solidFill>
+                              <a:schemeClr val="bg1"/>
+                            </a:solidFill>
+                            <a:effectLst/>
+                            <a:latin typeface="Times New Roman" panose="02020603050405020304" pitchFamily="18" charset="0"/>
+                            <a:ea typeface="Times New Roman" panose="02020603050405020304" pitchFamily="18" charset="0"/>
+                            <a:cs typeface="Times New Roman" panose="02020603050405020304" pitchFamily="18" charset="0"/>
+                          </a:endParaRPr>
+                        </a:p>
+                      </a:txBody>
+                      <a:tcPr marL="68580" marR="68580" marT="0" marB="0" anchor="ctr">
+                        <a:noFill/>
+                      </a:tcPr>
+                    </a:tc>
+                    <a:tc>
+                      <a:txBody>
+                        <a:bodyPr/>
+                        <a:lstStyle/>
+                        <a:p>
+                          <a:pPr algn="ctr"/>
+                          <a14:m>
+                            <m:oMathPara xmlns:m="http://schemas.openxmlformats.org/officeDocument/2006/math">
+                              <m:oMathParaPr>
+                                <m:jc m:val="centerGroup"/>
+                              </m:oMathParaPr>
+                              <m:oMath xmlns:m="http://schemas.openxmlformats.org/officeDocument/2006/math">
+                                <m:f>
+                                  <m:fPr>
+                                    <m:ctrlPr>
+                                      <a:rPr lang="zh-CN" sz="1000" i="1" smtClean="0">
+                                        <a:solidFill>
+                                          <a:schemeClr val="bg1"/>
+                                        </a:solidFill>
+                                        <a:effectLst/>
+                                        <a:latin typeface="Cambria Math" panose="02040503050406030204" pitchFamily="18" charset="0"/>
+                                      </a:rPr>
+                                    </m:ctrlPr>
+                                  </m:fPr>
+                                  <m:num>
+                                    <m:sSub>
+                                      <m:sSubPr>
+                                        <m:ctrlPr>
+                                          <a:rPr lang="zh-CN" sz="1000" i="1">
+                                            <a:solidFill>
+                                              <a:schemeClr val="bg1"/>
+                                            </a:solidFill>
+                                            <a:effectLst/>
+                                            <a:latin typeface="Cambria Math" panose="02040503050406030204" pitchFamily="18" charset="0"/>
+                                          </a:rPr>
+                                        </m:ctrlPr>
+                                      </m:sSubPr>
+                                      <m:e>
+                                        <m:r>
+                                          <m:rPr>
+                                            <m:sty m:val="p"/>
+                                          </m:rPr>
+                                          <a:rPr lang="en-US" sz="1000">
+                                            <a:solidFill>
+                                              <a:schemeClr val="bg1"/>
+                                            </a:solidFill>
+                                            <a:effectLst/>
+                                            <a:latin typeface="Cambria Math" panose="02040503050406030204" pitchFamily="18" charset="0"/>
+                                          </a:rPr>
+                                          <m:t>n</m:t>
+                                        </m:r>
+                                      </m:e>
+                                      <m:sub>
+                                        <m:r>
+                                          <a:rPr lang="en-US" sz="1000">
+                                            <a:solidFill>
+                                              <a:schemeClr val="bg1"/>
+                                            </a:solidFill>
+                                            <a:effectLst/>
+                                            <a:latin typeface="Cambria Math" panose="02040503050406030204" pitchFamily="18" charset="0"/>
+                                          </a:rPr>
+                                          <m:t>(</m:t>
+                                        </m:r>
+                                        <m:r>
+                                          <m:rPr>
+                                            <m:sty m:val="p"/>
+                                          </m:rPr>
+                                          <a:rPr lang="en-US" sz="1000">
+                                            <a:solidFill>
+                                              <a:schemeClr val="bg1"/>
+                                            </a:solidFill>
+                                            <a:effectLst/>
+                                            <a:latin typeface="Cambria Math" panose="02040503050406030204" pitchFamily="18" charset="0"/>
+                                          </a:rPr>
+                                          <m:t>correct</m:t>
+                                        </m:r>
+                                        <m:r>
+                                          <a:rPr lang="en-US" sz="1000">
+                                            <a:solidFill>
+                                              <a:schemeClr val="bg1"/>
+                                            </a:solidFill>
+                                            <a:effectLst/>
+                                            <a:latin typeface="Cambria Math" panose="02040503050406030204" pitchFamily="18" charset="0"/>
+                                          </a:rPr>
+                                          <m:t> </m:t>
+                                        </m:r>
+                                        <m:r>
+                                          <m:rPr>
+                                            <m:sty m:val="p"/>
+                                          </m:rPr>
+                                          <a:rPr lang="en-US" sz="1000">
+                                            <a:solidFill>
+                                              <a:schemeClr val="bg1"/>
+                                            </a:solidFill>
+                                            <a:effectLst/>
+                                            <a:latin typeface="Cambria Math" panose="02040503050406030204" pitchFamily="18" charset="0"/>
+                                          </a:rPr>
+                                          <m:t>response</m:t>
+                                        </m:r>
+                                        <m:r>
+                                          <a:rPr lang="en-US" sz="1000">
+                                            <a:solidFill>
+                                              <a:schemeClr val="bg1"/>
+                                            </a:solidFill>
+                                            <a:effectLst/>
+                                            <a:latin typeface="Cambria Math" panose="02040503050406030204" pitchFamily="18" charset="0"/>
+                                          </a:rPr>
+                                          <m:t>)</m:t>
+                                        </m:r>
+                                      </m:sub>
+                                    </m:sSub>
+                                  </m:num>
+                                  <m:den>
+                                    <m:sSub>
+                                      <m:sSubPr>
+                                        <m:ctrlPr>
+                                          <a:rPr lang="zh-CN" sz="1000" i="1">
+                                            <a:solidFill>
+                                              <a:schemeClr val="bg1"/>
+                                            </a:solidFill>
+                                            <a:effectLst/>
+                                            <a:latin typeface="Cambria Math" panose="02040503050406030204" pitchFamily="18" charset="0"/>
+                                          </a:rPr>
+                                        </m:ctrlPr>
+                                      </m:sSubPr>
+                                      <m:e>
+                                        <m:r>
+                                          <m:rPr>
+                                            <m:sty m:val="p"/>
+                                          </m:rPr>
+                                          <a:rPr lang="en-US" sz="1000">
+                                            <a:solidFill>
+                                              <a:schemeClr val="bg1"/>
+                                            </a:solidFill>
+                                            <a:effectLst/>
+                                            <a:latin typeface="Cambria Math" panose="02040503050406030204" pitchFamily="18" charset="0"/>
+                                          </a:rPr>
+                                          <m:t>n</m:t>
+                                        </m:r>
+                                      </m:e>
+                                      <m:sub>
+                                        <m:r>
+                                          <m:rPr>
+                                            <m:sty m:val="p"/>
+                                          </m:rPr>
+                                          <a:rPr lang="en-US" sz="1000">
+                                            <a:solidFill>
+                                              <a:schemeClr val="bg1"/>
+                                            </a:solidFill>
+                                            <a:effectLst/>
+                                            <a:latin typeface="Cambria Math" panose="02040503050406030204" pitchFamily="18" charset="0"/>
+                                          </a:rPr>
+                                          <m:t>total</m:t>
+                                        </m:r>
+                                        <m:r>
+                                          <a:rPr lang="en-US" sz="1000">
+                                            <a:solidFill>
+                                              <a:schemeClr val="bg1"/>
+                                            </a:solidFill>
+                                            <a:effectLst/>
+                                            <a:latin typeface="Cambria Math" panose="02040503050406030204" pitchFamily="18" charset="0"/>
+                                          </a:rPr>
+                                          <m:t> </m:t>
+                                        </m:r>
+                                        <m:r>
+                                          <m:rPr>
+                                            <m:sty m:val="p"/>
+                                          </m:rPr>
+                                          <a:rPr lang="en-US" sz="1000">
+                                            <a:solidFill>
+                                              <a:schemeClr val="bg1"/>
+                                            </a:solidFill>
+                                            <a:effectLst/>
+                                            <a:latin typeface="Cambria Math" panose="02040503050406030204" pitchFamily="18" charset="0"/>
+                                          </a:rPr>
+                                          <m:t>response</m:t>
+                                        </m:r>
+                                      </m:sub>
+                                    </m:sSub>
+                                  </m:den>
+                                </m:f>
+                              </m:oMath>
+                            </m:oMathPara>
+                          </a14:m>
+                          <a:endParaRPr lang="zh-CN" sz="1200">
+                            <a:solidFill>
+                              <a:schemeClr val="bg1"/>
+                            </a:solidFill>
+                            <a:effectLst/>
+                            <a:latin typeface="Times New Roman" panose="02020603050405020304" pitchFamily="18" charset="0"/>
+                            <a:ea typeface="Times New Roman" panose="02020603050405020304" pitchFamily="18" charset="0"/>
+                            <a:cs typeface="Times New Roman" panose="02020603050405020304" pitchFamily="18" charset="0"/>
+                          </a:endParaRPr>
+                        </a:p>
+                      </a:txBody>
+                      <a:tcPr marL="68580" marR="68580" marT="0" marB="0" anchor="ctr">
+                        <a:noFill/>
+                      </a:tcPr>
+                    </a:tc>
+                    <a:tc>
+                      <a:txBody>
+                        <a:bodyPr/>
+                        <a:lstStyle/>
+                        <a:p>
+                          <a:pPr algn="ctr"/>
+                          <a14:m>
+                            <m:oMathPara xmlns:m="http://schemas.openxmlformats.org/officeDocument/2006/math">
+                              <m:oMathParaPr>
+                                <m:jc m:val="centerGroup"/>
+                              </m:oMathParaPr>
+                              <m:oMath xmlns:m="http://schemas.openxmlformats.org/officeDocument/2006/math">
+                                <m:sSub>
+                                  <m:sSubPr>
+                                    <m:ctrlPr>
+                                      <a:rPr lang="zh-CN" sz="1000" i="1" smtClean="0">
+                                        <a:solidFill>
+                                          <a:schemeClr val="bg1"/>
+                                        </a:solidFill>
+                                        <a:effectLst/>
+                                        <a:latin typeface="Cambria Math" panose="02040503050406030204" pitchFamily="18" charset="0"/>
+                                      </a:rPr>
+                                    </m:ctrlPr>
+                                  </m:sSubPr>
+                                  <m:e>
+                                    <m:r>
+                                      <m:rPr>
+                                        <m:sty m:val="p"/>
+                                      </m:rPr>
+                                      <a:rPr lang="en-US" sz="1000">
+                                        <a:solidFill>
+                                          <a:schemeClr val="bg1"/>
+                                        </a:solidFill>
+                                        <a:effectLst/>
+                                        <a:latin typeface="Cambria Math" panose="02040503050406030204" pitchFamily="18" charset="0"/>
+                                      </a:rPr>
+                                      <m:t>Self</m:t>
+                                    </m:r>
+                                  </m:e>
+                                  <m:sub>
+                                    <m:r>
+                                      <a:rPr lang="en-US" sz="1000">
+                                        <a:solidFill>
+                                          <a:schemeClr val="bg1"/>
+                                        </a:solidFill>
+                                        <a:effectLst/>
+                                        <a:latin typeface="Cambria Math" panose="02040503050406030204" pitchFamily="18" charset="0"/>
+                                      </a:rPr>
+                                      <m:t>(</m:t>
+                                    </m:r>
+                                    <m:r>
+                                      <m:rPr>
+                                        <m:sty m:val="p"/>
+                                      </m:rPr>
+                                      <a:rPr lang="en-US" sz="1000">
+                                        <a:solidFill>
+                                          <a:schemeClr val="bg1"/>
+                                        </a:solidFill>
+                                        <a:effectLst/>
+                                        <a:latin typeface="Cambria Math" panose="02040503050406030204" pitchFamily="18" charset="0"/>
+                                      </a:rPr>
+                                      <m:t>match</m:t>
+                                    </m:r>
+                                    <m:r>
+                                      <m:rPr>
+                                        <m:sty m:val="p"/>
+                                      </m:rPr>
+                                      <a:rPr lang="en-US" sz="1200">
+                                        <a:solidFill>
+                                          <a:schemeClr val="bg1"/>
+                                        </a:solidFill>
+                                        <a:effectLst/>
+                                        <a:latin typeface="Cambria Math" panose="02040503050406030204" pitchFamily="18" charset="0"/>
+                                      </a:rPr>
+                                      <m:t>ing</m:t>
+                                    </m:r>
+                                    <m:r>
+                                      <a:rPr lang="en-US" sz="1000">
+                                        <a:solidFill>
+                                          <a:schemeClr val="bg1"/>
+                                        </a:solidFill>
+                                        <a:effectLst/>
+                                        <a:latin typeface="Cambria Math" panose="02040503050406030204" pitchFamily="18" charset="0"/>
+                                      </a:rPr>
+                                      <m:t>)</m:t>
+                                    </m:r>
+                                  </m:sub>
+                                </m:sSub>
+                                <m:r>
+                                  <a:rPr lang="en-US" sz="1000">
+                                    <a:solidFill>
+                                      <a:schemeClr val="bg1"/>
+                                    </a:solidFill>
+                                    <a:effectLst/>
+                                    <a:latin typeface="Cambria Math" panose="02040503050406030204" pitchFamily="18" charset="0"/>
+                                  </a:rPr>
+                                  <m:t>−</m:t>
+                                </m:r>
+                                <m:sSub>
+                                  <m:sSubPr>
+                                    <m:ctrlPr>
+                                      <a:rPr lang="zh-CN" sz="1000" i="1">
+                                        <a:solidFill>
+                                          <a:schemeClr val="bg1"/>
+                                        </a:solidFill>
+                                        <a:effectLst/>
+                                        <a:latin typeface="Cambria Math" panose="02040503050406030204" pitchFamily="18" charset="0"/>
+                                      </a:rPr>
+                                    </m:ctrlPr>
+                                  </m:sSubPr>
+                                  <m:e>
+                                    <m:r>
+                                      <m:rPr>
+                                        <m:sty m:val="p"/>
+                                      </m:rPr>
+                                      <a:rPr lang="en-US" sz="1000">
+                                        <a:solidFill>
+                                          <a:schemeClr val="bg1"/>
+                                        </a:solidFill>
+                                        <a:effectLst/>
+                                        <a:latin typeface="Cambria Math" panose="02040503050406030204" pitchFamily="18" charset="0"/>
+                                      </a:rPr>
+                                      <m:t>Other</m:t>
+                                    </m:r>
+                                  </m:e>
+                                  <m:sub>
+                                    <m:r>
+                                      <a:rPr lang="en-US" sz="1000">
+                                        <a:solidFill>
+                                          <a:schemeClr val="bg1"/>
+                                        </a:solidFill>
+                                        <a:effectLst/>
+                                        <a:latin typeface="Cambria Math" panose="02040503050406030204" pitchFamily="18" charset="0"/>
+                                      </a:rPr>
+                                      <m:t>(</m:t>
+                                    </m:r>
+                                    <m:r>
+                                      <m:rPr>
+                                        <m:sty m:val="p"/>
+                                      </m:rPr>
+                                      <a:rPr lang="en-US" sz="1000">
+                                        <a:solidFill>
+                                          <a:schemeClr val="bg1"/>
+                                        </a:solidFill>
+                                        <a:effectLst/>
+                                        <a:latin typeface="Cambria Math" panose="02040503050406030204" pitchFamily="18" charset="0"/>
+                                      </a:rPr>
+                                      <m:t>match</m:t>
+                                    </m:r>
+                                    <m:r>
+                                      <m:rPr>
+                                        <m:sty m:val="p"/>
+                                      </m:rPr>
+                                      <a:rPr lang="en-US" sz="1200">
+                                        <a:solidFill>
+                                          <a:schemeClr val="bg1"/>
+                                        </a:solidFill>
+                                        <a:effectLst/>
+                                        <a:latin typeface="Cambria Math" panose="02040503050406030204" pitchFamily="18" charset="0"/>
+                                      </a:rPr>
+                                      <m:t>ing</m:t>
+                                    </m:r>
+                                    <m:r>
+                                      <a:rPr lang="en-US" sz="1000">
+                                        <a:solidFill>
+                                          <a:schemeClr val="bg1"/>
+                                        </a:solidFill>
+                                        <a:effectLst/>
+                                        <a:latin typeface="Cambria Math" panose="02040503050406030204" pitchFamily="18" charset="0"/>
+                                      </a:rPr>
+                                      <m:t>)</m:t>
+                                    </m:r>
+                                  </m:sub>
+                                </m:sSub>
+                              </m:oMath>
+                            </m:oMathPara>
+                          </a14:m>
+                          <a:endParaRPr lang="zh-CN" sz="1200">
+                            <a:solidFill>
+                              <a:schemeClr val="bg1"/>
+                            </a:solidFill>
+                            <a:effectLst/>
+                            <a:latin typeface="Times New Roman" panose="02020603050405020304" pitchFamily="18" charset="0"/>
+                            <a:ea typeface="Times New Roman" panose="02020603050405020304" pitchFamily="18" charset="0"/>
+                            <a:cs typeface="Times New Roman" panose="02020603050405020304" pitchFamily="18" charset="0"/>
+                          </a:endParaRPr>
+                        </a:p>
+                      </a:txBody>
+                      <a:tcPr marL="68580" marR="68580" marT="0" marB="0" anchor="ctr">
+                        <a:noFill/>
+                      </a:tcPr>
+                    </a:tc>
+                    <a:tc>
+                      <a:txBody>
+                        <a:bodyPr/>
+                        <a:lstStyle/>
+                        <a:p>
+                          <a:pPr algn="ctr"/>
+                          <a:r>
+                            <a:rPr lang="en-US" sz="1000" dirty="0">
+                              <a:solidFill>
+                                <a:schemeClr val="bg1"/>
+                              </a:solidFill>
+                              <a:effectLst/>
+                            </a:rPr>
+                            <a:t>Sui et al. (2012)</a:t>
+                          </a:r>
+                          <a:endParaRPr lang="zh-CN" sz="1200" dirty="0">
+                            <a:solidFill>
+                              <a:schemeClr val="bg1"/>
+                            </a:solidFill>
+                            <a:effectLst/>
+                            <a:latin typeface="Times New Roman" panose="02020603050405020304" pitchFamily="18" charset="0"/>
+                            <a:ea typeface="Times New Roman" panose="02020603050405020304" pitchFamily="18" charset="0"/>
+                            <a:cs typeface="Times New Roman" panose="02020603050405020304" pitchFamily="18" charset="0"/>
+                          </a:endParaRPr>
+                        </a:p>
+                      </a:txBody>
+                      <a:tcPr marL="68580" marR="68580" marT="0" marB="0" anchor="ctr">
+                        <a:noFill/>
+                      </a:tcPr>
+                    </a:tc>
+                    <a:extLst>
+                      <a:ext uri="{0D108BD9-81ED-4DB2-BD59-A6C34878D82A}">
+                        <a16:rowId xmlns:a16="http://schemas.microsoft.com/office/drawing/2014/main" val="81513701"/>
+                      </a:ext>
+                    </a:extLst>
+                  </a:tr>
+                  <a:tr h="324239">
+                    <a:tc>
+                      <a:txBody>
+                        <a:bodyPr/>
+                        <a:lstStyle/>
+                        <a:p>
+                          <a:pPr algn="ctr"/>
+                          <a:r>
+                            <a:rPr lang="en-US" sz="1000" dirty="0">
+                              <a:solidFill>
+                                <a:schemeClr val="bg1"/>
+                              </a:solidFill>
+                              <a:effectLst/>
+                            </a:rPr>
+                            <a:t>d prime</a:t>
+                          </a:r>
+                          <a:endParaRPr lang="zh-CN" sz="1200" dirty="0">
+                            <a:solidFill>
+                              <a:schemeClr val="bg1"/>
+                            </a:solidFill>
+                            <a:effectLst/>
+                            <a:latin typeface="Times New Roman" panose="02020603050405020304" pitchFamily="18" charset="0"/>
+                            <a:ea typeface="Times New Roman" panose="02020603050405020304" pitchFamily="18" charset="0"/>
+                            <a:cs typeface="Times New Roman" panose="02020603050405020304" pitchFamily="18" charset="0"/>
+                          </a:endParaRPr>
+                        </a:p>
+                      </a:txBody>
+                      <a:tcPr marL="68580" marR="68580" marT="0" marB="0" anchor="ctr">
+                        <a:noFill/>
+                      </a:tcPr>
+                    </a:tc>
+                    <a:tc>
+                      <a:txBody>
+                        <a:bodyPr/>
+                        <a:lstStyle/>
+                        <a:p>
+                          <a:pPr algn="ctr"/>
+                          <a14:m>
+                            <m:oMathPara xmlns:m="http://schemas.openxmlformats.org/officeDocument/2006/math">
+                              <m:oMathParaPr>
+                                <m:jc m:val="centerGroup"/>
+                              </m:oMathParaPr>
+                              <m:oMath xmlns:m="http://schemas.openxmlformats.org/officeDocument/2006/math">
+                                <m:sSub>
+                                  <m:sSubPr>
+                                    <m:ctrlPr>
+                                      <a:rPr lang="zh-CN" altLang="zh-CN" sz="1000" i="1" smtClean="0">
+                                        <a:solidFill>
+                                          <a:schemeClr val="bg1"/>
+                                        </a:solidFill>
+                                        <a:effectLst/>
+                                        <a:latin typeface="Cambria Math" panose="02040503050406030204" pitchFamily="18" charset="0"/>
+                                      </a:rPr>
+                                    </m:ctrlPr>
+                                  </m:sSubPr>
+                                  <m:e>
+                                    <m:r>
+                                      <m:rPr>
+                                        <m:sty m:val="p"/>
+                                      </m:rPr>
+                                      <a:rPr lang="en-US" altLang="zh-CN" sz="1000">
+                                        <a:solidFill>
+                                          <a:schemeClr val="bg1"/>
+                                        </a:solidFill>
+                                        <a:effectLst/>
+                                        <a:latin typeface="Cambria Math" panose="02040503050406030204" pitchFamily="18" charset="0"/>
+                                      </a:rPr>
+                                      <m:t>Z</m:t>
+                                    </m:r>
+                                  </m:e>
+                                  <m:sub>
+                                    <m:r>
+                                      <m:rPr>
+                                        <m:sty m:val="p"/>
+                                      </m:rPr>
+                                      <a:rPr lang="en-US" altLang="zh-CN" sz="1000" b="0" i="0" smtClean="0">
+                                        <a:solidFill>
+                                          <a:schemeClr val="bg1"/>
+                                        </a:solidFill>
+                                        <a:effectLst/>
+                                        <a:latin typeface="Cambria Math" panose="02040503050406030204" pitchFamily="18" charset="0"/>
+                                      </a:rPr>
+                                      <m:t>ACC</m:t>
+                                    </m:r>
+                                    <m:r>
+                                      <a:rPr lang="en-US" altLang="zh-CN" sz="1000" b="0" i="0" smtClean="0">
+                                        <a:solidFill>
+                                          <a:schemeClr val="bg1"/>
+                                        </a:solidFill>
+                                        <a:effectLst/>
+                                        <a:latin typeface="Cambria Math" panose="02040503050406030204" pitchFamily="18" charset="0"/>
+                                      </a:rPr>
+                                      <m:t>(</m:t>
+                                    </m:r>
+                                    <m:r>
+                                      <m:rPr>
+                                        <m:sty m:val="p"/>
+                                      </m:rPr>
+                                      <a:rPr lang="en-US" altLang="zh-CN" sz="1000" b="0" i="0" smtClean="0">
+                                        <a:solidFill>
+                                          <a:schemeClr val="bg1"/>
+                                        </a:solidFill>
+                                        <a:effectLst/>
+                                        <a:latin typeface="Cambria Math" panose="02040503050406030204" pitchFamily="18" charset="0"/>
+                                      </a:rPr>
+                                      <m:t>Matching</m:t>
+                                    </m:r>
+                                    <m:r>
+                                      <a:rPr lang="en-US" altLang="zh-CN" sz="1000" b="0" i="0" smtClean="0">
+                                        <a:solidFill>
+                                          <a:schemeClr val="bg1"/>
+                                        </a:solidFill>
+                                        <a:effectLst/>
+                                        <a:latin typeface="Cambria Math" panose="02040503050406030204" pitchFamily="18" charset="0"/>
+                                      </a:rPr>
+                                      <m:t>)</m:t>
+                                    </m:r>
+                                  </m:sub>
+                                </m:sSub>
+                                <m:r>
+                                  <a:rPr lang="en-US" altLang="zh-CN" sz="1000">
+                                    <a:solidFill>
+                                      <a:schemeClr val="bg1"/>
+                                    </a:solidFill>
+                                    <a:effectLst/>
+                                    <a:latin typeface="Cambria Math" panose="02040503050406030204" pitchFamily="18" charset="0"/>
+                                  </a:rPr>
+                                  <m:t>−</m:t>
+                                </m:r>
+                                <m:sSub>
+                                  <m:sSubPr>
+                                    <m:ctrlPr>
+                                      <a:rPr lang="zh-CN" altLang="zh-CN" sz="1000" i="1">
+                                        <a:solidFill>
+                                          <a:schemeClr val="bg1"/>
+                                        </a:solidFill>
+                                        <a:effectLst/>
+                                        <a:latin typeface="Cambria Math" panose="02040503050406030204" pitchFamily="18" charset="0"/>
+                                      </a:rPr>
+                                    </m:ctrlPr>
+                                  </m:sSubPr>
+                                  <m:e>
+                                    <m:r>
+                                      <m:rPr>
+                                        <m:sty m:val="p"/>
+                                      </m:rPr>
+                                      <a:rPr lang="en-US" altLang="zh-CN" sz="1000">
+                                        <a:solidFill>
+                                          <a:schemeClr val="bg1"/>
+                                        </a:solidFill>
+                                        <a:effectLst/>
+                                        <a:latin typeface="Cambria Math" panose="02040503050406030204" pitchFamily="18" charset="0"/>
+                                      </a:rPr>
+                                      <m:t>Z</m:t>
+                                    </m:r>
+                                  </m:e>
+                                  <m:sub>
+                                    <m:r>
+                                      <a:rPr lang="en-US" altLang="zh-CN" sz="1000" b="0" i="0" smtClean="0">
+                                        <a:solidFill>
+                                          <a:schemeClr val="bg1"/>
+                                        </a:solidFill>
+                                        <a:effectLst/>
+                                        <a:latin typeface="Cambria Math" panose="02040503050406030204" pitchFamily="18" charset="0"/>
+                                      </a:rPr>
+                                      <m:t>1−</m:t>
+                                    </m:r>
+                                    <m:r>
+                                      <m:rPr>
+                                        <m:sty m:val="p"/>
+                                      </m:rPr>
+                                      <a:rPr lang="en-US" altLang="zh-CN" sz="1000" b="0" i="0" smtClean="0">
+                                        <a:solidFill>
+                                          <a:schemeClr val="bg1"/>
+                                        </a:solidFill>
+                                        <a:effectLst/>
+                                        <a:latin typeface="Cambria Math" panose="02040503050406030204" pitchFamily="18" charset="0"/>
+                                      </a:rPr>
+                                      <m:t>ACC</m:t>
+                                    </m:r>
+                                    <m:r>
+                                      <a:rPr lang="en-US" altLang="zh-CN" sz="1000" b="0" i="0" smtClean="0">
+                                        <a:solidFill>
+                                          <a:schemeClr val="bg1"/>
+                                        </a:solidFill>
+                                        <a:effectLst/>
+                                        <a:latin typeface="Cambria Math" panose="02040503050406030204" pitchFamily="18" charset="0"/>
+                                      </a:rPr>
+                                      <m:t>(</m:t>
+                                    </m:r>
+                                    <m:r>
+                                      <m:rPr>
+                                        <m:sty m:val="p"/>
+                                      </m:rPr>
+                                      <a:rPr lang="en-US" altLang="zh-CN" sz="1000" b="0" i="0" smtClean="0">
+                                        <a:solidFill>
+                                          <a:schemeClr val="bg1"/>
+                                        </a:solidFill>
+                                        <a:effectLst/>
+                                        <a:latin typeface="Cambria Math" panose="02040503050406030204" pitchFamily="18" charset="0"/>
+                                      </a:rPr>
+                                      <m:t>Nonmatching</m:t>
+                                    </m:r>
+                                    <m:r>
+                                      <a:rPr lang="en-US" altLang="zh-CN" sz="1000" b="0" i="1" smtClean="0">
+                                        <a:solidFill>
+                                          <a:schemeClr val="bg1"/>
+                                        </a:solidFill>
+                                        <a:effectLst/>
+                                        <a:latin typeface="Cambria Math" panose="02040503050406030204" pitchFamily="18" charset="0"/>
+                                      </a:rPr>
+                                      <m:t>)</m:t>
+                                    </m:r>
+                                  </m:sub>
+                                </m:sSub>
+                              </m:oMath>
+                            </m:oMathPara>
+                          </a14:m>
+                          <a:endParaRPr lang="zh-CN" sz="1000" kern="1200" baseline="-25000" dirty="0">
+                            <a:solidFill>
+                              <a:schemeClr val="bg1"/>
+                            </a:solidFill>
+                            <a:effectLst/>
+                            <a:latin typeface="Cambria Math" panose="02040503050406030204" pitchFamily="18" charset="0"/>
+                            <a:ea typeface="+mn-ea"/>
+                            <a:cs typeface="+mn-cs"/>
+                          </a:endParaRPr>
+                        </a:p>
+                      </a:txBody>
+                      <a:tcPr marL="68580" marR="68580" marT="0" marB="0" anchor="ctr">
+                        <a:noFill/>
+                      </a:tcPr>
+                    </a:tc>
+                    <a:tc>
+                      <a:txBody>
+                        <a:bodyPr/>
+                        <a:lstStyle/>
+                        <a:p>
+                          <a:pPr algn="ctr"/>
+                          <a14:m>
+                            <m:oMathPara xmlns:m="http://schemas.openxmlformats.org/officeDocument/2006/math">
+                              <m:oMathParaPr>
+                                <m:jc m:val="centerGroup"/>
+                              </m:oMathParaPr>
+                              <m:oMath xmlns:m="http://schemas.openxmlformats.org/officeDocument/2006/math">
+                                <m:sSub>
+                                  <m:sSubPr>
+                                    <m:ctrlPr>
+                                      <a:rPr lang="zh-CN" sz="1000" i="1" smtClean="0">
+                                        <a:solidFill>
+                                          <a:schemeClr val="bg1"/>
+                                        </a:solidFill>
+                                        <a:effectLst/>
+                                        <a:latin typeface="Cambria Math" panose="02040503050406030204" pitchFamily="18" charset="0"/>
+                                      </a:rPr>
+                                    </m:ctrlPr>
+                                  </m:sSubPr>
+                                  <m:e>
+                                    <m:r>
+                                      <m:rPr>
+                                        <m:sty m:val="p"/>
+                                      </m:rPr>
+                                      <a:rPr lang="en-US" sz="1000">
+                                        <a:solidFill>
+                                          <a:schemeClr val="bg1"/>
+                                        </a:solidFill>
+                                        <a:effectLst/>
+                                        <a:latin typeface="Cambria Math" panose="02040503050406030204" pitchFamily="18" charset="0"/>
+                                      </a:rPr>
+                                      <m:t>Z</m:t>
+                                    </m:r>
+                                  </m:e>
+                                  <m:sub>
+                                    <m:r>
+                                      <m:rPr>
+                                        <m:sty m:val="p"/>
+                                      </m:rPr>
+                                      <a:rPr lang="en-US" sz="1000">
+                                        <a:solidFill>
+                                          <a:schemeClr val="bg1"/>
+                                        </a:solidFill>
+                                        <a:effectLst/>
+                                        <a:latin typeface="Cambria Math" panose="02040503050406030204" pitchFamily="18" charset="0"/>
+                                      </a:rPr>
+                                      <m:t>Self</m:t>
+                                    </m:r>
+                                  </m:sub>
+                                </m:sSub>
+                                <m:r>
+                                  <a:rPr lang="en-US" sz="1000">
+                                    <a:solidFill>
+                                      <a:schemeClr val="bg1"/>
+                                    </a:solidFill>
+                                    <a:effectLst/>
+                                    <a:latin typeface="Cambria Math" panose="02040503050406030204" pitchFamily="18" charset="0"/>
+                                  </a:rPr>
+                                  <m:t>−</m:t>
+                                </m:r>
+                                <m:sSub>
+                                  <m:sSubPr>
+                                    <m:ctrlPr>
+                                      <a:rPr lang="zh-CN" sz="1000" i="1">
+                                        <a:solidFill>
+                                          <a:schemeClr val="bg1"/>
+                                        </a:solidFill>
+                                        <a:effectLst/>
+                                        <a:latin typeface="Cambria Math" panose="02040503050406030204" pitchFamily="18" charset="0"/>
+                                      </a:rPr>
+                                    </m:ctrlPr>
+                                  </m:sSubPr>
+                                  <m:e>
+                                    <m:r>
+                                      <m:rPr>
+                                        <m:sty m:val="p"/>
+                                      </m:rPr>
+                                      <a:rPr lang="en-US" sz="1000">
+                                        <a:solidFill>
+                                          <a:schemeClr val="bg1"/>
+                                        </a:solidFill>
+                                        <a:effectLst/>
+                                        <a:latin typeface="Cambria Math" panose="02040503050406030204" pitchFamily="18" charset="0"/>
+                                      </a:rPr>
+                                      <m:t>Z</m:t>
+                                    </m:r>
+                                  </m:e>
+                                  <m:sub>
+                                    <m:r>
+                                      <m:rPr>
+                                        <m:sty m:val="p"/>
+                                      </m:rPr>
+                                      <a:rPr lang="en-US" sz="1000">
+                                        <a:solidFill>
+                                          <a:schemeClr val="bg1"/>
+                                        </a:solidFill>
+                                        <a:effectLst/>
+                                        <a:latin typeface="Cambria Math" panose="02040503050406030204" pitchFamily="18" charset="0"/>
+                                      </a:rPr>
+                                      <m:t>other</m:t>
+                                    </m:r>
+                                  </m:sub>
+                                </m:sSub>
+                              </m:oMath>
+                            </m:oMathPara>
+                          </a14:m>
+                          <a:endParaRPr lang="zh-CN" sz="1200" dirty="0">
+                            <a:solidFill>
+                              <a:schemeClr val="bg1"/>
+                            </a:solidFill>
+                            <a:effectLst/>
+                            <a:latin typeface="Times New Roman" panose="02020603050405020304" pitchFamily="18" charset="0"/>
+                            <a:ea typeface="Times New Roman" panose="02020603050405020304" pitchFamily="18" charset="0"/>
+                            <a:cs typeface="Times New Roman" panose="02020603050405020304" pitchFamily="18" charset="0"/>
+                          </a:endParaRPr>
+                        </a:p>
+                      </a:txBody>
+                      <a:tcPr marL="68580" marR="68580" marT="0" marB="0" anchor="ctr">
+                        <a:noFill/>
+                      </a:tcPr>
+                    </a:tc>
+                    <a:tc>
+                      <a:txBody>
+                        <a:bodyPr/>
+                        <a:lstStyle/>
+                        <a:p>
+                          <a:pPr algn="ctr"/>
+                          <a:r>
+                            <a:rPr lang="en-US" sz="1000">
+                              <a:solidFill>
+                                <a:schemeClr val="bg1"/>
+                              </a:solidFill>
+                              <a:effectLst/>
+                            </a:rPr>
+                            <a:t>Sui et al. (2012)</a:t>
+                          </a:r>
+                          <a:endParaRPr lang="zh-CN" sz="1200">
+                            <a:solidFill>
+                              <a:schemeClr val="bg1"/>
+                            </a:solidFill>
+                            <a:effectLst/>
+                            <a:latin typeface="Times New Roman" panose="02020603050405020304" pitchFamily="18" charset="0"/>
+                            <a:ea typeface="Times New Roman" panose="02020603050405020304" pitchFamily="18" charset="0"/>
+                            <a:cs typeface="Times New Roman" panose="02020603050405020304" pitchFamily="18" charset="0"/>
+                          </a:endParaRPr>
+                        </a:p>
+                      </a:txBody>
+                      <a:tcPr marL="68580" marR="68580" marT="0" marB="0" anchor="ctr">
+                        <a:noFill/>
+                      </a:tcPr>
+                    </a:tc>
+                    <a:extLst>
+                      <a:ext uri="{0D108BD9-81ED-4DB2-BD59-A6C34878D82A}">
+                        <a16:rowId xmlns:a16="http://schemas.microsoft.com/office/drawing/2014/main" val="2957122795"/>
+                      </a:ext>
+                    </a:extLst>
+                  </a:tr>
+                  <a:tr h="852839">
+                    <a:tc>
+                      <a:txBody>
+                        <a:bodyPr/>
+                        <a:lstStyle/>
+                        <a:p>
+                          <a:pPr algn="ctr"/>
+                          <a:r>
+                            <a:rPr lang="en-US" sz="1000">
+                              <a:solidFill>
+                                <a:schemeClr val="bg1"/>
+                              </a:solidFill>
+                              <a:effectLst/>
+                            </a:rPr>
+                            <a:t>Efficiency</a:t>
+                          </a:r>
+                          <a:endParaRPr lang="zh-CN" sz="1200">
+                            <a:solidFill>
+                              <a:schemeClr val="bg1"/>
+                            </a:solidFill>
+                            <a:effectLst/>
+                            <a:latin typeface="Times New Roman" panose="02020603050405020304" pitchFamily="18" charset="0"/>
+                            <a:ea typeface="Times New Roman" panose="02020603050405020304" pitchFamily="18" charset="0"/>
+                            <a:cs typeface="Times New Roman" panose="02020603050405020304" pitchFamily="18" charset="0"/>
+                          </a:endParaRPr>
+                        </a:p>
+                      </a:txBody>
+                      <a:tcPr marL="68580" marR="68580" marT="0" marB="0" anchor="ctr">
+                        <a:noFill/>
+                      </a:tcPr>
+                    </a:tc>
+                    <a:tc>
+                      <a:txBody>
+                        <a:bodyPr/>
+                        <a:lstStyle/>
+                        <a:p>
+                          <a:pPr algn="ctr"/>
+                          <a14:m>
+                            <m:oMathPara xmlns:m="http://schemas.openxmlformats.org/officeDocument/2006/math">
+                              <m:oMathParaPr>
+                                <m:jc m:val="centerGroup"/>
+                              </m:oMathParaPr>
+                              <m:oMath xmlns:m="http://schemas.openxmlformats.org/officeDocument/2006/math">
+                                <m:f>
+                                  <m:fPr>
+                                    <m:ctrlPr>
+                                      <a:rPr lang="zh-CN" sz="1000" i="1" smtClean="0">
+                                        <a:solidFill>
+                                          <a:schemeClr val="bg1"/>
+                                        </a:solidFill>
+                                        <a:effectLst/>
+                                        <a:latin typeface="Cambria Math" panose="02040503050406030204" pitchFamily="18" charset="0"/>
+                                      </a:rPr>
+                                    </m:ctrlPr>
+                                  </m:fPr>
+                                  <m:num>
+                                    <m:sSub>
+                                      <m:sSubPr>
+                                        <m:ctrlPr>
+                                          <a:rPr lang="zh-CN" sz="1000" i="1">
+                                            <a:solidFill>
+                                              <a:schemeClr val="bg1"/>
+                                            </a:solidFill>
+                                            <a:effectLst/>
+                                            <a:latin typeface="Cambria Math" panose="02040503050406030204" pitchFamily="18" charset="0"/>
+                                          </a:rPr>
+                                        </m:ctrlPr>
+                                      </m:sSubPr>
+                                      <m:e>
+                                        <m:r>
+                                          <m:rPr>
+                                            <m:sty m:val="p"/>
+                                          </m:rPr>
+                                          <a:rPr lang="en-US" sz="1000">
+                                            <a:solidFill>
+                                              <a:schemeClr val="bg1"/>
+                                            </a:solidFill>
+                                            <a:effectLst/>
+                                            <a:latin typeface="Cambria Math" panose="02040503050406030204" pitchFamily="18" charset="0"/>
+                                          </a:rPr>
+                                          <m:t>RT</m:t>
+                                        </m:r>
+                                      </m:e>
+                                      <m:sub>
+                                        <m:r>
+                                          <m:rPr>
+                                            <m:sty m:val="p"/>
+                                          </m:rPr>
+                                          <a:rPr lang="en-US" sz="1000">
+                                            <a:solidFill>
+                                              <a:schemeClr val="bg1"/>
+                                            </a:solidFill>
+                                            <a:effectLst/>
+                                            <a:latin typeface="Cambria Math" panose="02040503050406030204" pitchFamily="18" charset="0"/>
+                                          </a:rPr>
+                                          <m:t>mean</m:t>
+                                        </m:r>
+                                      </m:sub>
+                                    </m:sSub>
+                                  </m:num>
+                                  <m:den>
+                                    <m:r>
+                                      <m:rPr>
+                                        <m:sty m:val="p"/>
+                                      </m:rPr>
+                                      <a:rPr lang="en-US" sz="1000">
+                                        <a:solidFill>
+                                          <a:schemeClr val="bg1"/>
+                                        </a:solidFill>
+                                        <a:effectLst/>
+                                        <a:latin typeface="Cambria Math" panose="02040503050406030204" pitchFamily="18" charset="0"/>
+                                      </a:rPr>
+                                      <m:t>ACC</m:t>
+                                    </m:r>
+                                  </m:den>
+                                </m:f>
+                              </m:oMath>
+                            </m:oMathPara>
+                          </a14:m>
+                          <a:endParaRPr lang="zh-CN" sz="1200">
+                            <a:solidFill>
+                              <a:schemeClr val="bg1"/>
+                            </a:solidFill>
+                            <a:effectLst/>
+                            <a:latin typeface="Times New Roman" panose="02020603050405020304" pitchFamily="18" charset="0"/>
+                            <a:ea typeface="Times New Roman" panose="02020603050405020304" pitchFamily="18" charset="0"/>
+                            <a:cs typeface="Times New Roman" panose="02020603050405020304" pitchFamily="18" charset="0"/>
+                          </a:endParaRPr>
+                        </a:p>
+                      </a:txBody>
+                      <a:tcPr marL="68580" marR="68580" marT="0" marB="0" anchor="ctr">
+                        <a:noFill/>
+                      </a:tcPr>
+                    </a:tc>
+                    <a:tc>
+                      <a:txBody>
+                        <a:bodyPr/>
+                        <a:lstStyle/>
+                        <a:p>
+                          <a:pPr algn="ctr"/>
+                          <a14:m>
+                            <m:oMathPara xmlns:m="http://schemas.openxmlformats.org/officeDocument/2006/math">
+                              <m:oMathParaPr>
+                                <m:jc m:val="centerGroup"/>
+                              </m:oMathParaPr>
+                              <m:oMath xmlns:m="http://schemas.openxmlformats.org/officeDocument/2006/math">
+                                <m:sSub>
+                                  <m:sSubPr>
+                                    <m:ctrlPr>
+                                      <a:rPr lang="zh-CN" sz="1000" i="1" smtClean="0">
+                                        <a:solidFill>
+                                          <a:schemeClr val="bg1"/>
+                                        </a:solidFill>
+                                        <a:effectLst/>
+                                        <a:latin typeface="Cambria Math" panose="02040503050406030204" pitchFamily="18" charset="0"/>
+                                      </a:rPr>
+                                    </m:ctrlPr>
+                                  </m:sSubPr>
+                                  <m:e>
+                                    <m:r>
+                                      <m:rPr>
+                                        <m:sty m:val="p"/>
+                                      </m:rPr>
+                                      <a:rPr lang="en-US" sz="1000">
+                                        <a:solidFill>
+                                          <a:schemeClr val="bg1"/>
+                                        </a:solidFill>
+                                        <a:effectLst/>
+                                        <a:latin typeface="Cambria Math" panose="02040503050406030204" pitchFamily="18" charset="0"/>
+                                      </a:rPr>
+                                      <m:t>Self</m:t>
+                                    </m:r>
+                                  </m:e>
+                                  <m:sub>
+                                    <m:r>
+                                      <a:rPr lang="en-US" sz="1000">
+                                        <a:solidFill>
+                                          <a:schemeClr val="bg1"/>
+                                        </a:solidFill>
+                                        <a:effectLst/>
+                                        <a:latin typeface="Cambria Math" panose="02040503050406030204" pitchFamily="18" charset="0"/>
+                                      </a:rPr>
+                                      <m:t>(</m:t>
+                                    </m:r>
+                                    <m:r>
+                                      <m:rPr>
+                                        <m:sty m:val="p"/>
+                                      </m:rPr>
+                                      <a:rPr lang="en-US" sz="1000">
+                                        <a:solidFill>
+                                          <a:schemeClr val="bg1"/>
+                                        </a:solidFill>
+                                        <a:effectLst/>
+                                        <a:latin typeface="Cambria Math" panose="02040503050406030204" pitchFamily="18" charset="0"/>
+                                      </a:rPr>
+                                      <m:t>match</m:t>
+                                    </m:r>
+                                    <m:r>
+                                      <m:rPr>
+                                        <m:sty m:val="p"/>
+                                      </m:rPr>
+                                      <a:rPr lang="en-US" sz="1200">
+                                        <a:solidFill>
+                                          <a:schemeClr val="bg1"/>
+                                        </a:solidFill>
+                                        <a:effectLst/>
+                                        <a:latin typeface="Cambria Math" panose="02040503050406030204" pitchFamily="18" charset="0"/>
+                                      </a:rPr>
+                                      <m:t>ing</m:t>
+                                    </m:r>
+                                    <m:r>
+                                      <a:rPr lang="en-US" sz="1000">
+                                        <a:solidFill>
+                                          <a:schemeClr val="bg1"/>
+                                        </a:solidFill>
+                                        <a:effectLst/>
+                                        <a:latin typeface="Cambria Math" panose="02040503050406030204" pitchFamily="18" charset="0"/>
+                                      </a:rPr>
+                                      <m:t>)</m:t>
+                                    </m:r>
+                                  </m:sub>
+                                </m:sSub>
+                                <m:r>
+                                  <a:rPr lang="en-US" sz="1000">
+                                    <a:solidFill>
+                                      <a:schemeClr val="bg1"/>
+                                    </a:solidFill>
+                                    <a:effectLst/>
+                                    <a:latin typeface="Cambria Math" panose="02040503050406030204" pitchFamily="18" charset="0"/>
+                                  </a:rPr>
+                                  <m:t>−</m:t>
+                                </m:r>
+                                <m:sSub>
+                                  <m:sSubPr>
+                                    <m:ctrlPr>
+                                      <a:rPr lang="zh-CN" sz="1000" i="1">
+                                        <a:solidFill>
+                                          <a:schemeClr val="bg1"/>
+                                        </a:solidFill>
+                                        <a:effectLst/>
+                                        <a:latin typeface="Cambria Math" panose="02040503050406030204" pitchFamily="18" charset="0"/>
+                                      </a:rPr>
+                                    </m:ctrlPr>
+                                  </m:sSubPr>
+                                  <m:e>
+                                    <m:r>
+                                      <m:rPr>
+                                        <m:sty m:val="p"/>
+                                      </m:rPr>
+                                      <a:rPr lang="en-US" sz="1000">
+                                        <a:solidFill>
+                                          <a:schemeClr val="bg1"/>
+                                        </a:solidFill>
+                                        <a:effectLst/>
+                                        <a:latin typeface="Cambria Math" panose="02040503050406030204" pitchFamily="18" charset="0"/>
+                                      </a:rPr>
+                                      <m:t>Other</m:t>
+                                    </m:r>
+                                  </m:e>
+                                  <m:sub>
+                                    <m:r>
+                                      <a:rPr lang="en-US" sz="1000">
+                                        <a:solidFill>
+                                          <a:schemeClr val="bg1"/>
+                                        </a:solidFill>
+                                        <a:effectLst/>
+                                        <a:latin typeface="Cambria Math" panose="02040503050406030204" pitchFamily="18" charset="0"/>
+                                      </a:rPr>
+                                      <m:t>(</m:t>
+                                    </m:r>
+                                    <m:r>
+                                      <m:rPr>
+                                        <m:sty m:val="p"/>
+                                      </m:rPr>
+                                      <a:rPr lang="en-US" sz="1000">
+                                        <a:solidFill>
+                                          <a:schemeClr val="bg1"/>
+                                        </a:solidFill>
+                                        <a:effectLst/>
+                                        <a:latin typeface="Cambria Math" panose="02040503050406030204" pitchFamily="18" charset="0"/>
+                                      </a:rPr>
+                                      <m:t>match</m:t>
+                                    </m:r>
+                                    <m:r>
+                                      <m:rPr>
+                                        <m:sty m:val="p"/>
+                                      </m:rPr>
+                                      <a:rPr lang="en-US" sz="1200">
+                                        <a:solidFill>
+                                          <a:schemeClr val="bg1"/>
+                                        </a:solidFill>
+                                        <a:effectLst/>
+                                        <a:latin typeface="Cambria Math" panose="02040503050406030204" pitchFamily="18" charset="0"/>
+                                      </a:rPr>
+                                      <m:t>ing</m:t>
+                                    </m:r>
+                                    <m:r>
+                                      <a:rPr lang="en-US" sz="1000">
+                                        <a:solidFill>
+                                          <a:schemeClr val="bg1"/>
+                                        </a:solidFill>
+                                        <a:effectLst/>
+                                        <a:latin typeface="Cambria Math" panose="02040503050406030204" pitchFamily="18" charset="0"/>
+                                      </a:rPr>
+                                      <m:t>)</m:t>
+                                    </m:r>
+                                  </m:sub>
+                                </m:sSub>
+                              </m:oMath>
+                            </m:oMathPara>
+                          </a14:m>
+                          <a:endParaRPr lang="zh-CN" sz="1200">
+                            <a:solidFill>
+                              <a:schemeClr val="bg1"/>
+                            </a:solidFill>
+                            <a:effectLst/>
+                            <a:latin typeface="Times New Roman" panose="02020603050405020304" pitchFamily="18" charset="0"/>
+                            <a:ea typeface="Times New Roman" panose="02020603050405020304" pitchFamily="18" charset="0"/>
+                            <a:cs typeface="Times New Roman" panose="02020603050405020304" pitchFamily="18" charset="0"/>
+                          </a:endParaRPr>
+                        </a:p>
+                      </a:txBody>
+                      <a:tcPr marL="68580" marR="68580" marT="0" marB="0" anchor="ctr">
+                        <a:noFill/>
+                      </a:tcPr>
+                    </a:tc>
+                    <a:tc>
+                      <a:txBody>
+                        <a:bodyPr/>
+                        <a:lstStyle/>
+                        <a:p>
+                          <a:pPr algn="ctr"/>
+                          <a:r>
+                            <a:rPr lang="en-US" sz="1000">
+                              <a:solidFill>
+                                <a:schemeClr val="bg1"/>
+                              </a:solidFill>
+                              <a:effectLst/>
+                            </a:rPr>
+                            <a:t>Humphreys and Sui (2015); Stoeber and Eysenck (2008)</a:t>
+                          </a:r>
+                          <a:endParaRPr lang="zh-CN" sz="1200">
+                            <a:solidFill>
+                              <a:schemeClr val="bg1"/>
+                            </a:solidFill>
+                            <a:effectLst/>
+                            <a:latin typeface="Times New Roman" panose="02020603050405020304" pitchFamily="18" charset="0"/>
+                            <a:ea typeface="Times New Roman" panose="02020603050405020304" pitchFamily="18" charset="0"/>
+                            <a:cs typeface="Times New Roman" panose="02020603050405020304" pitchFamily="18" charset="0"/>
+                          </a:endParaRPr>
+                        </a:p>
+                      </a:txBody>
+                      <a:tcPr marL="68580" marR="68580" marT="0" marB="0" anchor="ctr">
+                        <a:noFill/>
+                      </a:tcPr>
+                    </a:tc>
+                    <a:extLst>
+                      <a:ext uri="{0D108BD9-81ED-4DB2-BD59-A6C34878D82A}">
+                        <a16:rowId xmlns:a16="http://schemas.microsoft.com/office/drawing/2014/main" val="99562001"/>
+                      </a:ext>
+                    </a:extLst>
+                  </a:tr>
+                  <a:tr h="320897">
+                    <a:tc>
+                      <a:txBody>
+                        <a:bodyPr/>
+                        <a:lstStyle/>
+                        <a:p>
+                          <a:pPr algn="ctr"/>
+                          <a:r>
+                            <a:rPr lang="en-US" sz="1000">
+                              <a:solidFill>
+                                <a:schemeClr val="bg1"/>
+                              </a:solidFill>
+                              <a:effectLst/>
+                            </a:rPr>
+                            <a:t>Drift rate (v)</a:t>
+                          </a:r>
+                          <a:endParaRPr lang="zh-CN" sz="1200">
+                            <a:solidFill>
+                              <a:schemeClr val="bg1"/>
+                            </a:solidFill>
+                            <a:effectLst/>
+                            <a:latin typeface="Times New Roman" panose="02020603050405020304" pitchFamily="18" charset="0"/>
+                            <a:ea typeface="Times New Roman" panose="02020603050405020304" pitchFamily="18" charset="0"/>
+                            <a:cs typeface="Times New Roman" panose="02020603050405020304" pitchFamily="18" charset="0"/>
+                          </a:endParaRPr>
+                        </a:p>
+                      </a:txBody>
+                      <a:tcPr marL="68580" marR="68580" marT="0" marB="0" anchor="ctr">
+                        <a:noFill/>
+                      </a:tcPr>
+                    </a:tc>
+                    <a:tc rowSpan="2">
+                      <a:txBody>
+                        <a:bodyPr/>
+                        <a:lstStyle/>
+                        <a:p>
+                          <a:pPr algn="ctr"/>
+                          <a:r>
+                            <a:rPr lang="en-US" sz="1000">
+                              <a:solidFill>
+                                <a:schemeClr val="bg1"/>
+                              </a:solidFill>
+                              <a:effectLst/>
+                            </a:rPr>
+                            <a:t>DDM</a:t>
+                          </a:r>
+                          <a:r>
+                            <a:rPr lang="zh-CN" sz="1000">
+                              <a:solidFill>
+                                <a:schemeClr val="bg1"/>
+                              </a:solidFill>
+                              <a:effectLst/>
+                            </a:rPr>
+                            <a:t>：</a:t>
+                          </a:r>
+                          <a:r>
+                            <a:rPr lang="en-US" sz="1000">
+                              <a:solidFill>
+                                <a:schemeClr val="bg1"/>
+                              </a:solidFill>
+                              <a:effectLst/>
+                            </a:rPr>
+                            <a:t>parameters will be identified through model selection</a:t>
+                          </a:r>
+                          <a:endParaRPr lang="zh-CN" sz="1200">
+                            <a:solidFill>
+                              <a:schemeClr val="bg1"/>
+                            </a:solidFill>
+                            <a:effectLst/>
+                            <a:latin typeface="Times New Roman" panose="02020603050405020304" pitchFamily="18" charset="0"/>
+                            <a:ea typeface="Times New Roman" panose="02020603050405020304" pitchFamily="18" charset="0"/>
+                            <a:cs typeface="Times New Roman" panose="02020603050405020304" pitchFamily="18" charset="0"/>
+                          </a:endParaRPr>
+                        </a:p>
+                      </a:txBody>
+                      <a:tcPr marL="68580" marR="68580" marT="0" marB="0" anchor="ctr">
+                        <a:noFill/>
+                      </a:tcPr>
+                    </a:tc>
+                    <a:tc>
+                      <a:txBody>
+                        <a:bodyPr/>
+                        <a:lstStyle/>
+                        <a:p>
+                          <a:pPr algn="ctr"/>
+                          <a14:m>
+                            <m:oMathPara xmlns:m="http://schemas.openxmlformats.org/officeDocument/2006/math">
+                              <m:oMathParaPr>
+                                <m:jc m:val="centerGroup"/>
+                              </m:oMathParaPr>
+                              <m:oMath xmlns:m="http://schemas.openxmlformats.org/officeDocument/2006/math">
+                                <m:sSub>
+                                  <m:sSubPr>
+                                    <m:ctrlPr>
+                                      <a:rPr lang="zh-CN" sz="1000" i="1" smtClean="0">
+                                        <a:solidFill>
+                                          <a:schemeClr val="bg1"/>
+                                        </a:solidFill>
+                                        <a:effectLst/>
+                                        <a:latin typeface="Cambria Math" panose="02040503050406030204" pitchFamily="18" charset="0"/>
+                                      </a:rPr>
+                                    </m:ctrlPr>
+                                  </m:sSubPr>
+                                  <m:e>
+                                    <m:r>
+                                      <m:rPr>
+                                        <m:sty m:val="p"/>
+                                      </m:rPr>
+                                      <a:rPr lang="en-US" sz="1000">
+                                        <a:solidFill>
+                                          <a:schemeClr val="bg1"/>
+                                        </a:solidFill>
+                                        <a:effectLst/>
+                                        <a:latin typeface="Cambria Math" panose="02040503050406030204" pitchFamily="18" charset="0"/>
+                                      </a:rPr>
+                                      <m:t>Self</m:t>
+                                    </m:r>
+                                  </m:e>
+                                  <m:sub>
+                                    <m:r>
+                                      <a:rPr lang="en-US" sz="1000">
+                                        <a:solidFill>
+                                          <a:schemeClr val="bg1"/>
+                                        </a:solidFill>
+                                        <a:effectLst/>
+                                        <a:latin typeface="Cambria Math" panose="02040503050406030204" pitchFamily="18" charset="0"/>
+                                      </a:rPr>
+                                      <m:t>(</m:t>
+                                    </m:r>
+                                    <m:r>
+                                      <m:rPr>
+                                        <m:sty m:val="p"/>
+                                      </m:rPr>
+                                      <a:rPr lang="en-US" sz="1000">
+                                        <a:solidFill>
+                                          <a:schemeClr val="bg1"/>
+                                        </a:solidFill>
+                                        <a:effectLst/>
+                                        <a:latin typeface="Cambria Math" panose="02040503050406030204" pitchFamily="18" charset="0"/>
+                                      </a:rPr>
+                                      <m:t>match</m:t>
+                                    </m:r>
+                                    <m:r>
+                                      <m:rPr>
+                                        <m:sty m:val="p"/>
+                                      </m:rPr>
+                                      <a:rPr lang="en-US" sz="1200">
+                                        <a:solidFill>
+                                          <a:schemeClr val="bg1"/>
+                                        </a:solidFill>
+                                        <a:effectLst/>
+                                        <a:latin typeface="Cambria Math" panose="02040503050406030204" pitchFamily="18" charset="0"/>
+                                      </a:rPr>
+                                      <m:t>ing</m:t>
+                                    </m:r>
+                                    <m:r>
+                                      <a:rPr lang="en-US" sz="1000">
+                                        <a:solidFill>
+                                          <a:schemeClr val="bg1"/>
+                                        </a:solidFill>
+                                        <a:effectLst/>
+                                        <a:latin typeface="Cambria Math" panose="02040503050406030204" pitchFamily="18" charset="0"/>
+                                      </a:rPr>
+                                      <m:t>)</m:t>
+                                    </m:r>
+                                  </m:sub>
+                                </m:sSub>
+                                <m:r>
+                                  <a:rPr lang="en-US" sz="1000">
+                                    <a:solidFill>
+                                      <a:schemeClr val="bg1"/>
+                                    </a:solidFill>
+                                    <a:effectLst/>
+                                    <a:latin typeface="Cambria Math" panose="02040503050406030204" pitchFamily="18" charset="0"/>
+                                  </a:rPr>
+                                  <m:t>−</m:t>
+                                </m:r>
+                                <m:sSub>
+                                  <m:sSubPr>
+                                    <m:ctrlPr>
+                                      <a:rPr lang="zh-CN" sz="1000" i="1">
+                                        <a:solidFill>
+                                          <a:schemeClr val="bg1"/>
+                                        </a:solidFill>
+                                        <a:effectLst/>
+                                        <a:latin typeface="Cambria Math" panose="02040503050406030204" pitchFamily="18" charset="0"/>
+                                      </a:rPr>
+                                    </m:ctrlPr>
+                                  </m:sSubPr>
+                                  <m:e>
+                                    <m:r>
+                                      <m:rPr>
+                                        <m:sty m:val="p"/>
+                                      </m:rPr>
+                                      <a:rPr lang="en-US" sz="1000">
+                                        <a:solidFill>
+                                          <a:schemeClr val="bg1"/>
+                                        </a:solidFill>
+                                        <a:effectLst/>
+                                        <a:latin typeface="Cambria Math" panose="02040503050406030204" pitchFamily="18" charset="0"/>
+                                      </a:rPr>
+                                      <m:t>Other</m:t>
+                                    </m:r>
+                                  </m:e>
+                                  <m:sub>
+                                    <m:r>
+                                      <a:rPr lang="en-US" sz="1000">
+                                        <a:solidFill>
+                                          <a:schemeClr val="bg1"/>
+                                        </a:solidFill>
+                                        <a:effectLst/>
+                                        <a:latin typeface="Cambria Math" panose="02040503050406030204" pitchFamily="18" charset="0"/>
+                                      </a:rPr>
+                                      <m:t>(</m:t>
+                                    </m:r>
+                                    <m:r>
+                                      <m:rPr>
+                                        <m:sty m:val="p"/>
+                                      </m:rPr>
+                                      <a:rPr lang="en-US" sz="1000">
+                                        <a:solidFill>
+                                          <a:schemeClr val="bg1"/>
+                                        </a:solidFill>
+                                        <a:effectLst/>
+                                        <a:latin typeface="Cambria Math" panose="02040503050406030204" pitchFamily="18" charset="0"/>
+                                      </a:rPr>
+                                      <m:t>match</m:t>
+                                    </m:r>
+                                    <m:r>
+                                      <m:rPr>
+                                        <m:sty m:val="p"/>
+                                      </m:rPr>
+                                      <a:rPr lang="en-US" sz="1200">
+                                        <a:solidFill>
+                                          <a:schemeClr val="bg1"/>
+                                        </a:solidFill>
+                                        <a:effectLst/>
+                                        <a:latin typeface="Cambria Math" panose="02040503050406030204" pitchFamily="18" charset="0"/>
+                                      </a:rPr>
+                                      <m:t>ing</m:t>
+                                    </m:r>
+                                    <m:r>
+                                      <a:rPr lang="en-US" sz="1000">
+                                        <a:solidFill>
+                                          <a:schemeClr val="bg1"/>
+                                        </a:solidFill>
+                                        <a:effectLst/>
+                                        <a:latin typeface="Cambria Math" panose="02040503050406030204" pitchFamily="18" charset="0"/>
+                                      </a:rPr>
+                                      <m:t>)</m:t>
+                                    </m:r>
+                                  </m:sub>
+                                </m:sSub>
+                              </m:oMath>
+                            </m:oMathPara>
+                          </a14:m>
+                          <a:endParaRPr lang="zh-CN" sz="1200">
+                            <a:solidFill>
+                              <a:schemeClr val="bg1"/>
+                            </a:solidFill>
+                            <a:effectLst/>
+                            <a:latin typeface="Times New Roman" panose="02020603050405020304" pitchFamily="18" charset="0"/>
+                            <a:ea typeface="Times New Roman" panose="02020603050405020304" pitchFamily="18" charset="0"/>
+                            <a:cs typeface="Times New Roman" panose="02020603050405020304" pitchFamily="18" charset="0"/>
+                          </a:endParaRPr>
+                        </a:p>
+                      </a:txBody>
+                      <a:tcPr marL="68580" marR="68580" marT="0" marB="0" anchor="ctr">
+                        <a:noFill/>
+                      </a:tcPr>
+                    </a:tc>
+                    <a:tc>
+                      <a:txBody>
+                        <a:bodyPr/>
+                        <a:lstStyle/>
+                        <a:p>
+                          <a:pPr algn="ctr"/>
+                          <a:r>
+                            <a:rPr lang="en-US" sz="1000">
+                              <a:solidFill>
+                                <a:schemeClr val="bg1"/>
+                              </a:solidFill>
+                              <a:effectLst/>
+                            </a:rPr>
+                            <a:t>Golubickis et al. (2017)</a:t>
+                          </a:r>
+                          <a:endParaRPr lang="zh-CN" sz="1200">
+                            <a:solidFill>
+                              <a:schemeClr val="bg1"/>
+                            </a:solidFill>
+                            <a:effectLst/>
+                            <a:latin typeface="Times New Roman" panose="02020603050405020304" pitchFamily="18" charset="0"/>
+                            <a:ea typeface="Times New Roman" panose="02020603050405020304" pitchFamily="18" charset="0"/>
+                            <a:cs typeface="Times New Roman" panose="02020603050405020304" pitchFamily="18" charset="0"/>
+                          </a:endParaRPr>
+                        </a:p>
+                      </a:txBody>
+                      <a:tcPr marL="68580" marR="68580" marT="0" marB="0" anchor="ctr">
+                        <a:noFill/>
+                      </a:tcPr>
+                    </a:tc>
+                    <a:extLst>
+                      <a:ext uri="{0D108BD9-81ED-4DB2-BD59-A6C34878D82A}">
+                        <a16:rowId xmlns:a16="http://schemas.microsoft.com/office/drawing/2014/main" val="2772081923"/>
+                      </a:ext>
+                    </a:extLst>
+                  </a:tr>
+                  <a:tr h="320897">
+                    <a:tc>
+                      <a:txBody>
+                        <a:bodyPr/>
+                        <a:lstStyle/>
+                        <a:p>
+                          <a:pPr algn="ctr"/>
+                          <a:r>
+                            <a:rPr lang="en-US" sz="1000" dirty="0">
+                              <a:solidFill>
+                                <a:schemeClr val="bg1"/>
+                              </a:solidFill>
+                              <a:effectLst/>
+                            </a:rPr>
+                            <a:t>Starting Point (z)</a:t>
+                          </a:r>
+                          <a:endParaRPr lang="zh-CN" sz="1200" dirty="0">
+                            <a:solidFill>
+                              <a:schemeClr val="bg1"/>
+                            </a:solidFill>
+                            <a:effectLst/>
+                            <a:latin typeface="Times New Roman" panose="02020603050405020304" pitchFamily="18" charset="0"/>
+                            <a:ea typeface="Times New Roman" panose="02020603050405020304" pitchFamily="18" charset="0"/>
+                            <a:cs typeface="Times New Roman" panose="02020603050405020304" pitchFamily="18" charset="0"/>
+                          </a:endParaRPr>
+                        </a:p>
+                      </a:txBody>
+                      <a:tcPr marL="68580" marR="68580" marT="0" marB="0" anchor="ctr">
+                        <a:noFill/>
+                      </a:tcPr>
+                    </a:tc>
+                    <a:tc vMerge="1">
+                      <a:txBody>
+                        <a:bodyPr/>
+                        <a:lstStyle/>
+                        <a:p>
+                          <a:endParaRPr lang="zh-CN" altLang="en-US"/>
+                        </a:p>
+                      </a:txBody>
+                      <a:tcPr/>
+                    </a:tc>
+                    <a:tc>
+                      <a:txBody>
+                        <a:bodyPr/>
+                        <a:lstStyle/>
+                        <a:p>
+                          <a:pPr algn="ctr"/>
+                          <a14:m>
+                            <m:oMathPara xmlns:m="http://schemas.openxmlformats.org/officeDocument/2006/math">
+                              <m:oMathParaPr>
+                                <m:jc m:val="centerGroup"/>
+                              </m:oMathParaPr>
+                              <m:oMath xmlns:m="http://schemas.openxmlformats.org/officeDocument/2006/math">
+                                <m:sSub>
+                                  <m:sSubPr>
+                                    <m:ctrlPr>
+                                      <a:rPr lang="zh-CN" sz="1000" i="1" smtClean="0">
+                                        <a:solidFill>
+                                          <a:schemeClr val="bg1"/>
+                                        </a:solidFill>
+                                        <a:effectLst/>
+                                        <a:latin typeface="Cambria Math" panose="02040503050406030204" pitchFamily="18" charset="0"/>
+                                      </a:rPr>
+                                    </m:ctrlPr>
+                                  </m:sSubPr>
+                                  <m:e>
+                                    <m:r>
+                                      <m:rPr>
+                                        <m:sty m:val="p"/>
+                                      </m:rPr>
+                                      <a:rPr lang="en-US" sz="1000">
+                                        <a:solidFill>
+                                          <a:schemeClr val="bg1"/>
+                                        </a:solidFill>
+                                        <a:effectLst/>
+                                        <a:latin typeface="Cambria Math" panose="02040503050406030204" pitchFamily="18" charset="0"/>
+                                      </a:rPr>
+                                      <m:t>Self</m:t>
+                                    </m:r>
+                                  </m:e>
+                                  <m:sub>
+                                    <m:r>
+                                      <a:rPr lang="en-US" sz="1000">
+                                        <a:solidFill>
+                                          <a:schemeClr val="bg1"/>
+                                        </a:solidFill>
+                                        <a:effectLst/>
+                                        <a:latin typeface="Cambria Math" panose="02040503050406030204" pitchFamily="18" charset="0"/>
+                                      </a:rPr>
+                                      <m:t>(</m:t>
+                                    </m:r>
+                                    <m:r>
+                                      <m:rPr>
+                                        <m:sty m:val="p"/>
+                                      </m:rPr>
+                                      <a:rPr lang="en-US" sz="1000">
+                                        <a:solidFill>
+                                          <a:schemeClr val="bg1"/>
+                                        </a:solidFill>
+                                        <a:effectLst/>
+                                        <a:latin typeface="Cambria Math" panose="02040503050406030204" pitchFamily="18" charset="0"/>
+                                      </a:rPr>
+                                      <m:t>match</m:t>
+                                    </m:r>
+                                    <m:r>
+                                      <m:rPr>
+                                        <m:sty m:val="p"/>
+                                      </m:rPr>
+                                      <a:rPr lang="en-US" sz="1200">
+                                        <a:solidFill>
+                                          <a:schemeClr val="bg1"/>
+                                        </a:solidFill>
+                                        <a:effectLst/>
+                                        <a:latin typeface="Cambria Math" panose="02040503050406030204" pitchFamily="18" charset="0"/>
+                                      </a:rPr>
+                                      <m:t>ing</m:t>
+                                    </m:r>
+                                    <m:r>
+                                      <a:rPr lang="en-US" sz="1000">
+                                        <a:solidFill>
+                                          <a:schemeClr val="bg1"/>
+                                        </a:solidFill>
+                                        <a:effectLst/>
+                                        <a:latin typeface="Cambria Math" panose="02040503050406030204" pitchFamily="18" charset="0"/>
+                                      </a:rPr>
+                                      <m:t>)</m:t>
+                                    </m:r>
+                                  </m:sub>
+                                </m:sSub>
+                                <m:r>
+                                  <a:rPr lang="en-US" sz="1000">
+                                    <a:solidFill>
+                                      <a:schemeClr val="bg1"/>
+                                    </a:solidFill>
+                                    <a:effectLst/>
+                                    <a:latin typeface="Cambria Math" panose="02040503050406030204" pitchFamily="18" charset="0"/>
+                                  </a:rPr>
+                                  <m:t>−</m:t>
+                                </m:r>
+                                <m:sSub>
+                                  <m:sSubPr>
+                                    <m:ctrlPr>
+                                      <a:rPr lang="zh-CN" sz="1000" i="1">
+                                        <a:solidFill>
+                                          <a:schemeClr val="bg1"/>
+                                        </a:solidFill>
+                                        <a:effectLst/>
+                                        <a:latin typeface="Cambria Math" panose="02040503050406030204" pitchFamily="18" charset="0"/>
+                                      </a:rPr>
+                                    </m:ctrlPr>
+                                  </m:sSubPr>
+                                  <m:e>
+                                    <m:r>
+                                      <m:rPr>
+                                        <m:sty m:val="p"/>
+                                      </m:rPr>
+                                      <a:rPr lang="en-US" sz="1000">
+                                        <a:solidFill>
+                                          <a:schemeClr val="bg1"/>
+                                        </a:solidFill>
+                                        <a:effectLst/>
+                                        <a:latin typeface="Cambria Math" panose="02040503050406030204" pitchFamily="18" charset="0"/>
+                                      </a:rPr>
+                                      <m:t>Other</m:t>
+                                    </m:r>
+                                  </m:e>
+                                  <m:sub>
+                                    <m:r>
+                                      <a:rPr lang="en-US" sz="1000">
+                                        <a:solidFill>
+                                          <a:schemeClr val="bg1"/>
+                                        </a:solidFill>
+                                        <a:effectLst/>
+                                        <a:latin typeface="Cambria Math" panose="02040503050406030204" pitchFamily="18" charset="0"/>
+                                      </a:rPr>
+                                      <m:t>(</m:t>
+                                    </m:r>
+                                    <m:r>
+                                      <m:rPr>
+                                        <m:sty m:val="p"/>
+                                      </m:rPr>
+                                      <a:rPr lang="en-US" sz="1000">
+                                        <a:solidFill>
+                                          <a:schemeClr val="bg1"/>
+                                        </a:solidFill>
+                                        <a:effectLst/>
+                                        <a:latin typeface="Cambria Math" panose="02040503050406030204" pitchFamily="18" charset="0"/>
+                                      </a:rPr>
+                                      <m:t>match</m:t>
+                                    </m:r>
+                                    <m:r>
+                                      <m:rPr>
+                                        <m:sty m:val="p"/>
+                                      </m:rPr>
+                                      <a:rPr lang="en-US" sz="1200">
+                                        <a:solidFill>
+                                          <a:schemeClr val="bg1"/>
+                                        </a:solidFill>
+                                        <a:effectLst/>
+                                        <a:latin typeface="Cambria Math" panose="02040503050406030204" pitchFamily="18" charset="0"/>
+                                      </a:rPr>
+                                      <m:t>ing</m:t>
+                                    </m:r>
+                                    <m:r>
+                                      <a:rPr lang="en-US" sz="1000">
+                                        <a:solidFill>
+                                          <a:schemeClr val="bg1"/>
+                                        </a:solidFill>
+                                        <a:effectLst/>
+                                        <a:latin typeface="Cambria Math" panose="02040503050406030204" pitchFamily="18" charset="0"/>
+                                      </a:rPr>
+                                      <m:t>)</m:t>
+                                    </m:r>
+                                  </m:sub>
+                                </m:sSub>
+                              </m:oMath>
+                            </m:oMathPara>
+                          </a14:m>
+                          <a:endParaRPr lang="zh-CN" sz="1200">
+                            <a:solidFill>
+                              <a:schemeClr val="bg1"/>
+                            </a:solidFill>
+                            <a:effectLst/>
+                            <a:latin typeface="Times New Roman" panose="02020603050405020304" pitchFamily="18" charset="0"/>
+                            <a:ea typeface="Times New Roman" panose="02020603050405020304" pitchFamily="18" charset="0"/>
+                            <a:cs typeface="Times New Roman" panose="02020603050405020304" pitchFamily="18" charset="0"/>
+                          </a:endParaRPr>
+                        </a:p>
+                      </a:txBody>
+                      <a:tcPr marL="68580" marR="68580" marT="0" marB="0" anchor="ctr">
+                        <a:noFill/>
+                      </a:tcPr>
+                    </a:tc>
+                    <a:tc>
+                      <a:txBody>
+                        <a:bodyPr/>
+                        <a:lstStyle/>
+                        <a:p>
+                          <a:pPr algn="ctr"/>
+                          <a:r>
+                            <a:rPr lang="en-US" sz="1000" dirty="0" err="1">
+                              <a:solidFill>
+                                <a:schemeClr val="bg1"/>
+                              </a:solidFill>
+                              <a:effectLst/>
+                            </a:rPr>
+                            <a:t>Golubickis</a:t>
+                          </a:r>
+                          <a:r>
+                            <a:rPr lang="en-US" sz="1000" dirty="0">
+                              <a:solidFill>
+                                <a:schemeClr val="bg1"/>
+                              </a:solidFill>
+                              <a:effectLst/>
+                            </a:rPr>
+                            <a:t> et al. (2017)</a:t>
+                          </a:r>
+                          <a:endParaRPr lang="zh-CN" sz="1200" dirty="0">
+                            <a:solidFill>
+                              <a:schemeClr val="bg1"/>
+                            </a:solidFill>
+                            <a:effectLst/>
+                            <a:latin typeface="Times New Roman" panose="02020603050405020304" pitchFamily="18" charset="0"/>
+                            <a:ea typeface="Times New Roman" panose="02020603050405020304" pitchFamily="18" charset="0"/>
+                            <a:cs typeface="Times New Roman" panose="02020603050405020304" pitchFamily="18" charset="0"/>
+                          </a:endParaRPr>
+                        </a:p>
+                      </a:txBody>
+                      <a:tcPr marL="68580" marR="68580" marT="0" marB="0" anchor="ctr">
+                        <a:noFill/>
+                      </a:tcPr>
+                    </a:tc>
+                    <a:extLst>
+                      <a:ext uri="{0D108BD9-81ED-4DB2-BD59-A6C34878D82A}">
+                        <a16:rowId xmlns:a16="http://schemas.microsoft.com/office/drawing/2014/main" val="1209944234"/>
+                      </a:ext>
+                    </a:extLst>
+                  </a:tr>
+                </a:tbl>
+              </a:graphicData>
+            </a:graphic>
+          </p:graphicFrame>
+        </mc:Choice>
+        <mc:Fallback>
+          <p:graphicFrame>
+            <p:nvGraphicFramePr>
+              <p:cNvPr id="2" name="表格 1">
+                <a:extLst>
+                  <a:ext uri="{FF2B5EF4-FFF2-40B4-BE49-F238E27FC236}">
+                    <a16:creationId xmlns:a16="http://schemas.microsoft.com/office/drawing/2014/main" id="{8A2F6EB0-270C-C477-ED2F-CC7028E99353}"/>
+                  </a:ext>
+                </a:extLst>
+              </p:cNvPr>
+              <p:cNvGraphicFramePr>
+                <a:graphicFrameLocks noGrp="1"/>
+              </p:cNvGraphicFramePr>
+              <p:nvPr>
+                <p:extLst>
+                  <p:ext uri="{D42A27DB-BD31-4B8C-83A1-F6EECF244321}">
+                    <p14:modId xmlns:p14="http://schemas.microsoft.com/office/powerpoint/2010/main" val="582659989"/>
+                  </p:ext>
+                </p:extLst>
+              </p:nvPr>
+            </p:nvGraphicFramePr>
+            <p:xfrm>
+              <a:off x="196331" y="1350337"/>
+              <a:ext cx="6160538" cy="3135404"/>
+            </p:xfrm>
+            <a:graphic>
+              <a:graphicData uri="http://schemas.openxmlformats.org/drawingml/2006/table">
+                <a:tbl>
+                  <a:tblPr firstRow="1" firstCol="1" bandRow="1">
+                    <a:tableStyleId>{073A0DAA-6AF3-43AB-8588-CEC1D06C72B9}</a:tableStyleId>
+                  </a:tblPr>
+                  <a:tblGrid>
+                    <a:gridCol w="1133475">
+                      <a:extLst>
+                        <a:ext uri="{9D8B030D-6E8A-4147-A177-3AD203B41FA5}">
+                          <a16:colId xmlns:a16="http://schemas.microsoft.com/office/drawing/2014/main" val="1305533542"/>
+                        </a:ext>
+                      </a:extLst>
+                    </a:gridCol>
+                    <a:gridCol w="2090366">
+                      <a:extLst>
+                        <a:ext uri="{9D8B030D-6E8A-4147-A177-3AD203B41FA5}">
+                          <a16:colId xmlns:a16="http://schemas.microsoft.com/office/drawing/2014/main" val="1598237062"/>
+                        </a:ext>
+                      </a:extLst>
+                    </a:gridCol>
+                    <a:gridCol w="2104304">
+                      <a:extLst>
+                        <a:ext uri="{9D8B030D-6E8A-4147-A177-3AD203B41FA5}">
+                          <a16:colId xmlns:a16="http://schemas.microsoft.com/office/drawing/2014/main" val="844030469"/>
+                        </a:ext>
+                      </a:extLst>
+                    </a:gridCol>
+                    <a:gridCol w="832393">
+                      <a:extLst>
+                        <a:ext uri="{9D8B030D-6E8A-4147-A177-3AD203B41FA5}">
+                          <a16:colId xmlns:a16="http://schemas.microsoft.com/office/drawing/2014/main" val="2992902287"/>
+                        </a:ext>
+                      </a:extLst>
+                    </a:gridCol>
+                  </a:tblGrid>
+                  <a:tr h="406399">
+                    <a:tc>
+                      <a:txBody>
+                        <a:bodyPr/>
+                        <a:lstStyle/>
+                        <a:p>
+                          <a:pPr algn="ctr"/>
+                          <a:r>
+                            <a:rPr lang="en-US" sz="1000" dirty="0">
+                              <a:solidFill>
+                                <a:schemeClr val="bg1"/>
+                              </a:solidFill>
+                              <a:effectLst/>
+                            </a:rPr>
+                            <a:t>Indices</a:t>
+                          </a:r>
+                        </a:p>
+                      </a:txBody>
+                      <a:tcPr marL="68580" marR="68580" marT="0" marB="0" anchor="ctr">
+                        <a:noFill/>
+                      </a:tcPr>
+                    </a:tc>
+                    <a:tc>
+                      <a:txBody>
+                        <a:bodyPr/>
+                        <a:lstStyle/>
+                        <a:p>
+                          <a:pPr algn="ctr"/>
+                          <a:r>
+                            <a:rPr lang="en-US" sz="1000" dirty="0">
+                              <a:solidFill>
+                                <a:schemeClr val="bg1"/>
+                              </a:solidFill>
+                              <a:effectLst/>
+                            </a:rPr>
+                            <a:t>Indices Calculation</a:t>
+                          </a:r>
+                        </a:p>
+                      </a:txBody>
+                      <a:tcPr marL="68580" marR="68580" marT="0" marB="0" anchor="ctr">
+                        <a:noFill/>
+                      </a:tcPr>
+                    </a:tc>
+                    <a:tc>
+                      <a:txBody>
+                        <a:bodyPr/>
+                        <a:lstStyle/>
+                        <a:p>
+                          <a:pPr algn="ctr"/>
+                          <a:r>
+                            <a:rPr lang="en-US" sz="1000" dirty="0">
+                              <a:solidFill>
+                                <a:schemeClr val="bg1"/>
+                              </a:solidFill>
+                              <a:effectLst/>
+                            </a:rPr>
+                            <a:t>SPE Calculation Based on Indices</a:t>
+                          </a:r>
+                        </a:p>
+                      </a:txBody>
+                      <a:tcPr marL="68580" marR="68580" marT="0" marB="0" anchor="ctr">
+                        <a:noFill/>
+                      </a:tcPr>
+                    </a:tc>
+                    <a:tc>
+                      <a:txBody>
+                        <a:bodyPr/>
+                        <a:lstStyle/>
+                        <a:p>
+                          <a:pPr algn="ctr"/>
+                          <a:r>
+                            <a:rPr lang="en-US" sz="1000" dirty="0">
+                              <a:solidFill>
+                                <a:schemeClr val="bg1"/>
+                              </a:solidFill>
+                              <a:effectLst/>
+                            </a:rPr>
+                            <a:t>Source</a:t>
+                          </a:r>
+                        </a:p>
+                      </a:txBody>
+                      <a:tcPr marL="68580" marR="68580" marT="0" marB="0" anchor="ctr">
+                        <a:noFill/>
+                      </a:tcPr>
+                    </a:tc>
+                    <a:extLst>
+                      <a:ext uri="{0D108BD9-81ED-4DB2-BD59-A6C34878D82A}">
+                        <a16:rowId xmlns:a16="http://schemas.microsoft.com/office/drawing/2014/main" val="1011229830"/>
+                      </a:ext>
+                    </a:extLst>
+                  </a:tr>
+                  <a:tr h="520120">
+                    <a:tc>
+                      <a:txBody>
+                        <a:bodyPr/>
+                        <a:lstStyle/>
+                        <a:p>
+                          <a:pPr algn="ctr"/>
+                          <a:r>
+                            <a:rPr lang="en-US" sz="1000">
+                              <a:solidFill>
+                                <a:schemeClr val="bg1"/>
+                              </a:solidFill>
+                              <a:effectLst/>
+                            </a:rPr>
+                            <a:t>Mean</a:t>
+                          </a:r>
+                          <a:endParaRPr lang="zh-CN" sz="1200">
+                            <a:solidFill>
+                              <a:schemeClr val="bg1"/>
+                            </a:solidFill>
+                            <a:effectLst/>
+                          </a:endParaRPr>
+                        </a:p>
+                        <a:p>
+                          <a:pPr algn="ctr"/>
+                          <a:r>
+                            <a:rPr lang="en-US" sz="1000">
+                              <a:solidFill>
+                                <a:schemeClr val="bg1"/>
+                              </a:solidFill>
+                              <a:effectLst/>
+                            </a:rPr>
+                            <a:t>Reaction Times</a:t>
+                          </a:r>
+                          <a:endParaRPr lang="zh-CN" sz="1200">
+                            <a:solidFill>
+                              <a:schemeClr val="bg1"/>
+                            </a:solidFill>
+                            <a:effectLst/>
+                          </a:endParaRPr>
+                        </a:p>
+                        <a:p>
+                          <a:pPr algn="ctr"/>
+                          <a:r>
+                            <a:rPr lang="en-US" sz="1000">
+                              <a:solidFill>
+                                <a:schemeClr val="bg1"/>
+                              </a:solidFill>
+                              <a:effectLst/>
+                            </a:rPr>
+                            <a:t>(RT)</a:t>
+                          </a:r>
+                          <a:endParaRPr lang="zh-CN" sz="1200">
+                            <a:solidFill>
+                              <a:schemeClr val="bg1"/>
+                            </a:solidFill>
+                            <a:effectLst/>
+                            <a:latin typeface="Times New Roman" panose="02020603050405020304" pitchFamily="18" charset="0"/>
+                            <a:ea typeface="Times New Roman" panose="02020603050405020304" pitchFamily="18" charset="0"/>
+                            <a:cs typeface="Times New Roman" panose="02020603050405020304" pitchFamily="18" charset="0"/>
+                          </a:endParaRPr>
+                        </a:p>
+                      </a:txBody>
+                      <a:tcPr marL="68580" marR="68580" marT="0" marB="0" anchor="ctr">
+                        <a:noFill/>
+                      </a:tcPr>
+                    </a:tc>
+                    <a:tc>
+                      <a:txBody>
+                        <a:bodyPr/>
+                        <a:lstStyle/>
+                        <a:p>
+                          <a:endParaRPr lang="zh-CN"/>
+                        </a:p>
+                      </a:txBody>
+                      <a:tcPr marL="68580" marR="68580" marT="0" marB="0" anchor="ctr">
+                        <a:blipFill>
+                          <a:blip r:embed="rId4"/>
+                          <a:stretch>
+                            <a:fillRect l="-54519" t="-80000" r="-141691" b="-442353"/>
+                          </a:stretch>
+                        </a:blipFill>
+                      </a:tcPr>
+                    </a:tc>
+                    <a:tc>
+                      <a:txBody>
+                        <a:bodyPr/>
+                        <a:lstStyle/>
+                        <a:p>
+                          <a:endParaRPr lang="zh-CN"/>
+                        </a:p>
+                      </a:txBody>
+                      <a:tcPr marL="68580" marR="68580" marT="0" marB="0" anchor="ctr">
+                        <a:blipFill>
+                          <a:blip r:embed="rId4"/>
+                          <a:stretch>
+                            <a:fillRect l="-153623" t="-80000" r="-40870" b="-442353"/>
+                          </a:stretch>
+                        </a:blipFill>
+                      </a:tcPr>
+                    </a:tc>
+                    <a:tc>
+                      <a:txBody>
+                        <a:bodyPr/>
+                        <a:lstStyle/>
+                        <a:p>
+                          <a:pPr algn="ctr"/>
+                          <a:r>
+                            <a:rPr lang="en-US" sz="1000">
+                              <a:solidFill>
+                                <a:schemeClr val="bg1"/>
+                              </a:solidFill>
+                              <a:effectLst/>
+                            </a:rPr>
+                            <a:t>Sui et al. (2012)</a:t>
+                          </a:r>
+                          <a:endParaRPr lang="zh-CN" sz="1200">
+                            <a:solidFill>
+                              <a:schemeClr val="bg1"/>
+                            </a:solidFill>
+                            <a:effectLst/>
+                            <a:latin typeface="Times New Roman" panose="02020603050405020304" pitchFamily="18" charset="0"/>
+                            <a:ea typeface="Times New Roman" panose="02020603050405020304" pitchFamily="18" charset="0"/>
+                            <a:cs typeface="Times New Roman" panose="02020603050405020304" pitchFamily="18" charset="0"/>
+                          </a:endParaRPr>
+                        </a:p>
+                      </a:txBody>
+                      <a:tcPr marL="68580" marR="68580" marT="0" marB="0" anchor="ctr">
+                        <a:noFill/>
+                      </a:tcPr>
+                    </a:tc>
+                    <a:extLst>
+                      <a:ext uri="{0D108BD9-81ED-4DB2-BD59-A6C34878D82A}">
+                        <a16:rowId xmlns:a16="http://schemas.microsoft.com/office/drawing/2014/main" val="1044009325"/>
+                      </a:ext>
+                    </a:extLst>
+                  </a:tr>
+                  <a:tr h="328452">
+                    <a:tc>
+                      <a:txBody>
+                        <a:bodyPr/>
+                        <a:lstStyle/>
+                        <a:p>
+                          <a:pPr algn="ctr"/>
+                          <a:r>
+                            <a:rPr lang="en-US" sz="1000">
+                              <a:solidFill>
+                                <a:schemeClr val="bg1"/>
+                              </a:solidFill>
+                              <a:effectLst/>
+                            </a:rPr>
+                            <a:t>Accuracy (ACC)</a:t>
+                          </a:r>
+                          <a:endParaRPr lang="zh-CN" sz="1200">
+                            <a:solidFill>
+                              <a:schemeClr val="bg1"/>
+                            </a:solidFill>
+                            <a:effectLst/>
+                            <a:latin typeface="Times New Roman" panose="02020603050405020304" pitchFamily="18" charset="0"/>
+                            <a:ea typeface="Times New Roman" panose="02020603050405020304" pitchFamily="18" charset="0"/>
+                            <a:cs typeface="Times New Roman" panose="02020603050405020304" pitchFamily="18" charset="0"/>
+                          </a:endParaRPr>
+                        </a:p>
+                      </a:txBody>
+                      <a:tcPr marL="68580" marR="68580" marT="0" marB="0" anchor="ctr">
+                        <a:noFill/>
+                      </a:tcPr>
+                    </a:tc>
+                    <a:tc>
+                      <a:txBody>
+                        <a:bodyPr/>
+                        <a:lstStyle/>
+                        <a:p>
+                          <a:endParaRPr lang="zh-CN"/>
+                        </a:p>
+                      </a:txBody>
+                      <a:tcPr marL="68580" marR="68580" marT="0" marB="0" anchor="ctr">
+                        <a:blipFill>
+                          <a:blip r:embed="rId4"/>
+                          <a:stretch>
+                            <a:fillRect l="-54519" t="-283333" r="-141691" b="-596296"/>
+                          </a:stretch>
+                        </a:blipFill>
+                      </a:tcPr>
+                    </a:tc>
+                    <a:tc>
+                      <a:txBody>
+                        <a:bodyPr/>
+                        <a:lstStyle/>
+                        <a:p>
+                          <a:endParaRPr lang="zh-CN"/>
+                        </a:p>
+                      </a:txBody>
+                      <a:tcPr marL="68580" marR="68580" marT="0" marB="0" anchor="ctr">
+                        <a:blipFill>
+                          <a:blip r:embed="rId4"/>
+                          <a:stretch>
+                            <a:fillRect l="-153623" t="-283333" r="-40870" b="-596296"/>
+                          </a:stretch>
+                        </a:blipFill>
+                      </a:tcPr>
+                    </a:tc>
+                    <a:tc>
+                      <a:txBody>
+                        <a:bodyPr/>
+                        <a:lstStyle/>
+                        <a:p>
+                          <a:pPr algn="ctr"/>
+                          <a:r>
+                            <a:rPr lang="en-US" sz="1000" dirty="0">
+                              <a:solidFill>
+                                <a:schemeClr val="bg1"/>
+                              </a:solidFill>
+                              <a:effectLst/>
+                            </a:rPr>
+                            <a:t>Sui et al. (2012)</a:t>
+                          </a:r>
+                          <a:endParaRPr lang="zh-CN" sz="1200" dirty="0">
+                            <a:solidFill>
+                              <a:schemeClr val="bg1"/>
+                            </a:solidFill>
+                            <a:effectLst/>
+                            <a:latin typeface="Times New Roman" panose="02020603050405020304" pitchFamily="18" charset="0"/>
+                            <a:ea typeface="Times New Roman" panose="02020603050405020304" pitchFamily="18" charset="0"/>
+                            <a:cs typeface="Times New Roman" panose="02020603050405020304" pitchFamily="18" charset="0"/>
+                          </a:endParaRPr>
+                        </a:p>
+                      </a:txBody>
+                      <a:tcPr marL="68580" marR="68580" marT="0" marB="0" anchor="ctr">
+                        <a:noFill/>
+                      </a:tcPr>
+                    </a:tc>
+                    <a:extLst>
+                      <a:ext uri="{0D108BD9-81ED-4DB2-BD59-A6C34878D82A}">
+                        <a16:rowId xmlns:a16="http://schemas.microsoft.com/office/drawing/2014/main" val="81513701"/>
+                      </a:ext>
+                    </a:extLst>
+                  </a:tr>
+                  <a:tr h="324239">
+                    <a:tc>
+                      <a:txBody>
+                        <a:bodyPr/>
+                        <a:lstStyle/>
+                        <a:p>
+                          <a:pPr algn="ctr"/>
+                          <a:r>
+                            <a:rPr lang="en-US" sz="1000" dirty="0">
+                              <a:solidFill>
+                                <a:schemeClr val="bg1"/>
+                              </a:solidFill>
+                              <a:effectLst/>
+                            </a:rPr>
+                            <a:t>d prime</a:t>
+                          </a:r>
+                          <a:endParaRPr lang="zh-CN" sz="1200" dirty="0">
+                            <a:solidFill>
+                              <a:schemeClr val="bg1"/>
+                            </a:solidFill>
+                            <a:effectLst/>
+                            <a:latin typeface="Times New Roman" panose="02020603050405020304" pitchFamily="18" charset="0"/>
+                            <a:ea typeface="Times New Roman" panose="02020603050405020304" pitchFamily="18" charset="0"/>
+                            <a:cs typeface="Times New Roman" panose="02020603050405020304" pitchFamily="18" charset="0"/>
+                          </a:endParaRPr>
+                        </a:p>
+                      </a:txBody>
+                      <a:tcPr marL="68580" marR="68580" marT="0" marB="0" anchor="ctr">
+                        <a:noFill/>
+                      </a:tcPr>
+                    </a:tc>
+                    <a:tc>
+                      <a:txBody>
+                        <a:bodyPr/>
+                        <a:lstStyle/>
+                        <a:p>
+                          <a:endParaRPr lang="zh-CN"/>
+                        </a:p>
+                      </a:txBody>
+                      <a:tcPr marL="68580" marR="68580" marT="0" marB="0" anchor="ctr">
+                        <a:blipFill>
+                          <a:blip r:embed="rId4"/>
+                          <a:stretch>
+                            <a:fillRect l="-54519" t="-390566" r="-141691" b="-507547"/>
+                          </a:stretch>
+                        </a:blipFill>
+                      </a:tcPr>
+                    </a:tc>
+                    <a:tc>
+                      <a:txBody>
+                        <a:bodyPr/>
+                        <a:lstStyle/>
+                        <a:p>
+                          <a:endParaRPr lang="zh-CN"/>
+                        </a:p>
+                      </a:txBody>
+                      <a:tcPr marL="68580" marR="68580" marT="0" marB="0" anchor="ctr">
+                        <a:blipFill>
+                          <a:blip r:embed="rId4"/>
+                          <a:stretch>
+                            <a:fillRect l="-153623" t="-390566" r="-40870" b="-507547"/>
+                          </a:stretch>
+                        </a:blipFill>
+                      </a:tcPr>
+                    </a:tc>
+                    <a:tc>
+                      <a:txBody>
+                        <a:bodyPr/>
+                        <a:lstStyle/>
+                        <a:p>
+                          <a:pPr algn="ctr"/>
+                          <a:r>
+                            <a:rPr lang="en-US" sz="1000">
+                              <a:solidFill>
+                                <a:schemeClr val="bg1"/>
+                              </a:solidFill>
+                              <a:effectLst/>
+                            </a:rPr>
+                            <a:t>Sui et al. (2012)</a:t>
+                          </a:r>
+                          <a:endParaRPr lang="zh-CN" sz="1200">
+                            <a:solidFill>
+                              <a:schemeClr val="bg1"/>
+                            </a:solidFill>
+                            <a:effectLst/>
+                            <a:latin typeface="Times New Roman" panose="02020603050405020304" pitchFamily="18" charset="0"/>
+                            <a:ea typeface="Times New Roman" panose="02020603050405020304" pitchFamily="18" charset="0"/>
+                            <a:cs typeface="Times New Roman" panose="02020603050405020304" pitchFamily="18" charset="0"/>
+                          </a:endParaRPr>
+                        </a:p>
+                      </a:txBody>
+                      <a:tcPr marL="68580" marR="68580" marT="0" marB="0" anchor="ctr">
+                        <a:noFill/>
+                      </a:tcPr>
+                    </a:tc>
+                    <a:extLst>
+                      <a:ext uri="{0D108BD9-81ED-4DB2-BD59-A6C34878D82A}">
+                        <a16:rowId xmlns:a16="http://schemas.microsoft.com/office/drawing/2014/main" val="2957122795"/>
+                      </a:ext>
+                    </a:extLst>
+                  </a:tr>
+                  <a:tr h="914400">
+                    <a:tc>
+                      <a:txBody>
+                        <a:bodyPr/>
+                        <a:lstStyle/>
+                        <a:p>
+                          <a:pPr algn="ctr"/>
+                          <a:r>
+                            <a:rPr lang="en-US" sz="1000">
+                              <a:solidFill>
+                                <a:schemeClr val="bg1"/>
+                              </a:solidFill>
+                              <a:effectLst/>
+                            </a:rPr>
+                            <a:t>Efficiency</a:t>
+                          </a:r>
+                          <a:endParaRPr lang="zh-CN" sz="1200">
+                            <a:solidFill>
+                              <a:schemeClr val="bg1"/>
+                            </a:solidFill>
+                            <a:effectLst/>
+                            <a:latin typeface="Times New Roman" panose="02020603050405020304" pitchFamily="18" charset="0"/>
+                            <a:ea typeface="Times New Roman" panose="02020603050405020304" pitchFamily="18" charset="0"/>
+                            <a:cs typeface="Times New Roman" panose="02020603050405020304" pitchFamily="18" charset="0"/>
+                          </a:endParaRPr>
+                        </a:p>
+                      </a:txBody>
+                      <a:tcPr marL="68580" marR="68580" marT="0" marB="0" anchor="ctr">
+                        <a:noFill/>
+                      </a:tcPr>
+                    </a:tc>
+                    <a:tc>
+                      <a:txBody>
+                        <a:bodyPr/>
+                        <a:lstStyle/>
+                        <a:p>
+                          <a:endParaRPr lang="zh-CN"/>
+                        </a:p>
+                      </a:txBody>
+                      <a:tcPr marL="68580" marR="68580" marT="0" marB="0" anchor="ctr">
+                        <a:blipFill>
+                          <a:blip r:embed="rId4"/>
+                          <a:stretch>
+                            <a:fillRect l="-54519" t="-172185" r="-141691" b="-78146"/>
+                          </a:stretch>
+                        </a:blipFill>
+                      </a:tcPr>
+                    </a:tc>
+                    <a:tc>
+                      <a:txBody>
+                        <a:bodyPr/>
+                        <a:lstStyle/>
+                        <a:p>
+                          <a:endParaRPr lang="zh-CN"/>
+                        </a:p>
+                      </a:txBody>
+                      <a:tcPr marL="68580" marR="68580" marT="0" marB="0" anchor="ctr">
+                        <a:blipFill>
+                          <a:blip r:embed="rId4"/>
+                          <a:stretch>
+                            <a:fillRect l="-153623" t="-172185" r="-40870" b="-78146"/>
+                          </a:stretch>
+                        </a:blipFill>
+                      </a:tcPr>
+                    </a:tc>
+                    <a:tc>
+                      <a:txBody>
+                        <a:bodyPr/>
+                        <a:lstStyle/>
+                        <a:p>
+                          <a:pPr algn="ctr"/>
+                          <a:r>
+                            <a:rPr lang="en-US" sz="1000">
+                              <a:solidFill>
+                                <a:schemeClr val="bg1"/>
+                              </a:solidFill>
+                              <a:effectLst/>
+                            </a:rPr>
+                            <a:t>Humphreys and Sui (2015); Stoeber and Eysenck (2008)</a:t>
+                          </a:r>
+                          <a:endParaRPr lang="zh-CN" sz="1200">
+                            <a:solidFill>
+                              <a:schemeClr val="bg1"/>
+                            </a:solidFill>
+                            <a:effectLst/>
+                            <a:latin typeface="Times New Roman" panose="02020603050405020304" pitchFamily="18" charset="0"/>
+                            <a:ea typeface="Times New Roman" panose="02020603050405020304" pitchFamily="18" charset="0"/>
+                            <a:cs typeface="Times New Roman" panose="02020603050405020304" pitchFamily="18" charset="0"/>
+                          </a:endParaRPr>
+                        </a:p>
+                      </a:txBody>
+                      <a:tcPr marL="68580" marR="68580" marT="0" marB="0" anchor="ctr">
+                        <a:noFill/>
+                      </a:tcPr>
+                    </a:tc>
+                    <a:extLst>
+                      <a:ext uri="{0D108BD9-81ED-4DB2-BD59-A6C34878D82A}">
+                        <a16:rowId xmlns:a16="http://schemas.microsoft.com/office/drawing/2014/main" val="99562001"/>
+                      </a:ext>
+                    </a:extLst>
+                  </a:tr>
+                  <a:tr h="320897">
+                    <a:tc>
+                      <a:txBody>
+                        <a:bodyPr/>
+                        <a:lstStyle/>
+                        <a:p>
+                          <a:pPr algn="ctr"/>
+                          <a:r>
+                            <a:rPr lang="en-US" sz="1000">
+                              <a:solidFill>
+                                <a:schemeClr val="bg1"/>
+                              </a:solidFill>
+                              <a:effectLst/>
+                            </a:rPr>
+                            <a:t>Drift rate (v)</a:t>
+                          </a:r>
+                          <a:endParaRPr lang="zh-CN" sz="1200">
+                            <a:solidFill>
+                              <a:schemeClr val="bg1"/>
+                            </a:solidFill>
+                            <a:effectLst/>
+                            <a:latin typeface="Times New Roman" panose="02020603050405020304" pitchFamily="18" charset="0"/>
+                            <a:ea typeface="Times New Roman" panose="02020603050405020304" pitchFamily="18" charset="0"/>
+                            <a:cs typeface="Times New Roman" panose="02020603050405020304" pitchFamily="18" charset="0"/>
+                          </a:endParaRPr>
+                        </a:p>
+                      </a:txBody>
+                      <a:tcPr marL="68580" marR="68580" marT="0" marB="0" anchor="ctr">
+                        <a:noFill/>
+                      </a:tcPr>
+                    </a:tc>
+                    <a:tc rowSpan="2">
+                      <a:txBody>
+                        <a:bodyPr/>
+                        <a:lstStyle/>
+                        <a:p>
+                          <a:pPr algn="ctr"/>
+                          <a:r>
+                            <a:rPr lang="en-US" sz="1000">
+                              <a:solidFill>
+                                <a:schemeClr val="bg1"/>
+                              </a:solidFill>
+                              <a:effectLst/>
+                            </a:rPr>
+                            <a:t>DDM</a:t>
+                          </a:r>
+                          <a:r>
+                            <a:rPr lang="zh-CN" sz="1000">
+                              <a:solidFill>
+                                <a:schemeClr val="bg1"/>
+                              </a:solidFill>
+                              <a:effectLst/>
+                            </a:rPr>
+                            <a:t>：</a:t>
+                          </a:r>
+                          <a:r>
+                            <a:rPr lang="en-US" sz="1000">
+                              <a:solidFill>
+                                <a:schemeClr val="bg1"/>
+                              </a:solidFill>
+                              <a:effectLst/>
+                            </a:rPr>
+                            <a:t>parameters will be identified through model selection</a:t>
+                          </a:r>
+                          <a:endParaRPr lang="zh-CN" sz="1200">
+                            <a:solidFill>
+                              <a:schemeClr val="bg1"/>
+                            </a:solidFill>
+                            <a:effectLst/>
+                            <a:latin typeface="Times New Roman" panose="02020603050405020304" pitchFamily="18" charset="0"/>
+                            <a:ea typeface="Times New Roman" panose="02020603050405020304" pitchFamily="18" charset="0"/>
+                            <a:cs typeface="Times New Roman" panose="02020603050405020304" pitchFamily="18" charset="0"/>
+                          </a:endParaRPr>
+                        </a:p>
+                      </a:txBody>
+                      <a:tcPr marL="68580" marR="68580" marT="0" marB="0" anchor="ctr">
+                        <a:noFill/>
+                      </a:tcPr>
+                    </a:tc>
+                    <a:tc>
+                      <a:txBody>
+                        <a:bodyPr/>
+                        <a:lstStyle/>
+                        <a:p>
+                          <a:endParaRPr lang="zh-CN"/>
+                        </a:p>
+                      </a:txBody>
+                      <a:tcPr marL="68580" marR="68580" marT="0" marB="0" anchor="ctr">
+                        <a:blipFill>
+                          <a:blip r:embed="rId4"/>
+                          <a:stretch>
+                            <a:fillRect l="-153623" t="-790385" r="-40870" b="-126923"/>
+                          </a:stretch>
+                        </a:blipFill>
+                      </a:tcPr>
+                    </a:tc>
+                    <a:tc>
+                      <a:txBody>
+                        <a:bodyPr/>
+                        <a:lstStyle/>
+                        <a:p>
+                          <a:pPr algn="ctr"/>
+                          <a:r>
+                            <a:rPr lang="en-US" sz="1000">
+                              <a:solidFill>
+                                <a:schemeClr val="bg1"/>
+                              </a:solidFill>
+                              <a:effectLst/>
+                            </a:rPr>
+                            <a:t>Golubickis et al. (2017)</a:t>
+                          </a:r>
+                          <a:endParaRPr lang="zh-CN" sz="1200">
+                            <a:solidFill>
+                              <a:schemeClr val="bg1"/>
+                            </a:solidFill>
+                            <a:effectLst/>
+                            <a:latin typeface="Times New Roman" panose="02020603050405020304" pitchFamily="18" charset="0"/>
+                            <a:ea typeface="Times New Roman" panose="02020603050405020304" pitchFamily="18" charset="0"/>
+                            <a:cs typeface="Times New Roman" panose="02020603050405020304" pitchFamily="18" charset="0"/>
+                          </a:endParaRPr>
+                        </a:p>
+                      </a:txBody>
+                      <a:tcPr marL="68580" marR="68580" marT="0" marB="0" anchor="ctr">
+                        <a:noFill/>
+                      </a:tcPr>
+                    </a:tc>
+                    <a:extLst>
+                      <a:ext uri="{0D108BD9-81ED-4DB2-BD59-A6C34878D82A}">
+                        <a16:rowId xmlns:a16="http://schemas.microsoft.com/office/drawing/2014/main" val="2772081923"/>
+                      </a:ext>
+                    </a:extLst>
+                  </a:tr>
+                  <a:tr h="320897">
+                    <a:tc>
+                      <a:txBody>
+                        <a:bodyPr/>
+                        <a:lstStyle/>
+                        <a:p>
+                          <a:pPr algn="ctr"/>
+                          <a:r>
+                            <a:rPr lang="en-US" sz="1000" dirty="0">
+                              <a:solidFill>
+                                <a:schemeClr val="bg1"/>
+                              </a:solidFill>
+                              <a:effectLst/>
+                            </a:rPr>
+                            <a:t>Starting Point (z)</a:t>
+                          </a:r>
+                          <a:endParaRPr lang="zh-CN" sz="1200" dirty="0">
+                            <a:solidFill>
+                              <a:schemeClr val="bg1"/>
+                            </a:solidFill>
+                            <a:effectLst/>
+                            <a:latin typeface="Times New Roman" panose="02020603050405020304" pitchFamily="18" charset="0"/>
+                            <a:ea typeface="Times New Roman" panose="02020603050405020304" pitchFamily="18" charset="0"/>
+                            <a:cs typeface="Times New Roman" panose="02020603050405020304" pitchFamily="18" charset="0"/>
+                          </a:endParaRPr>
+                        </a:p>
+                      </a:txBody>
+                      <a:tcPr marL="68580" marR="68580" marT="0" marB="0" anchor="ctr">
+                        <a:noFill/>
+                      </a:tcPr>
+                    </a:tc>
+                    <a:tc vMerge="1">
+                      <a:txBody>
+                        <a:bodyPr/>
+                        <a:lstStyle/>
+                        <a:p>
+                          <a:endParaRPr lang="zh-CN" altLang="en-US"/>
+                        </a:p>
+                      </a:txBody>
+                      <a:tcPr/>
+                    </a:tc>
+                    <a:tc>
+                      <a:txBody>
+                        <a:bodyPr/>
+                        <a:lstStyle/>
+                        <a:p>
+                          <a:endParaRPr lang="zh-CN"/>
+                        </a:p>
+                      </a:txBody>
+                      <a:tcPr marL="68580" marR="68580" marT="0" marB="0" anchor="ctr">
+                        <a:blipFill>
+                          <a:blip r:embed="rId4"/>
+                          <a:stretch>
+                            <a:fillRect l="-153623" t="-873585" r="-40870" b="-24528"/>
+                          </a:stretch>
+                        </a:blipFill>
+                      </a:tcPr>
+                    </a:tc>
+                    <a:tc>
+                      <a:txBody>
+                        <a:bodyPr/>
+                        <a:lstStyle/>
+                        <a:p>
+                          <a:pPr algn="ctr"/>
+                          <a:r>
+                            <a:rPr lang="en-US" sz="1000" dirty="0" err="1">
+                              <a:solidFill>
+                                <a:schemeClr val="bg1"/>
+                              </a:solidFill>
+                              <a:effectLst/>
+                            </a:rPr>
+                            <a:t>Golubickis</a:t>
+                          </a:r>
+                          <a:r>
+                            <a:rPr lang="en-US" sz="1000" dirty="0">
+                              <a:solidFill>
+                                <a:schemeClr val="bg1"/>
+                              </a:solidFill>
+                              <a:effectLst/>
+                            </a:rPr>
+                            <a:t> et al. (2017)</a:t>
+                          </a:r>
+                          <a:endParaRPr lang="zh-CN" sz="1200" dirty="0">
+                            <a:solidFill>
+                              <a:schemeClr val="bg1"/>
+                            </a:solidFill>
+                            <a:effectLst/>
+                            <a:latin typeface="Times New Roman" panose="02020603050405020304" pitchFamily="18" charset="0"/>
+                            <a:ea typeface="Times New Roman" panose="02020603050405020304" pitchFamily="18" charset="0"/>
+                            <a:cs typeface="Times New Roman" panose="02020603050405020304" pitchFamily="18" charset="0"/>
+                          </a:endParaRPr>
+                        </a:p>
+                      </a:txBody>
+                      <a:tcPr marL="68580" marR="68580" marT="0" marB="0" anchor="ctr">
+                        <a:noFill/>
+                      </a:tcPr>
+                    </a:tc>
+                    <a:extLst>
+                      <a:ext uri="{0D108BD9-81ED-4DB2-BD59-A6C34878D82A}">
+                        <a16:rowId xmlns:a16="http://schemas.microsoft.com/office/drawing/2014/main" val="1209944234"/>
+                      </a:ext>
+                    </a:extLst>
+                  </a:tr>
+                </a:tbl>
+              </a:graphicData>
+            </a:graphic>
+          </p:graphicFrame>
+        </mc:Fallback>
+      </mc:AlternateContent>
+    </p:spTree>
+    <p:extLst>
+      <p:ext uri="{BB962C8B-B14F-4D97-AF65-F5344CB8AC3E}">
+        <p14:creationId xmlns:p14="http://schemas.microsoft.com/office/powerpoint/2010/main" val="2103850756"/>
       </p:ext>
     </p:extLst>
   </p:cSld>
@@ -5615,4 +13672,299 @@
     </a:ext>
   </a:extLst>
 </a:theme>
+</file>
+
+<file path=ppt/theme/theme2.xml><?xml version="1.0" encoding="utf-8"?>
+<a:theme xmlns:a="http://schemas.openxmlformats.org/drawingml/2006/main" name="Office 主题​​">
+  <a:themeElements>
+    <a:clrScheme name="Office">
+      <a:dk1>
+        <a:sysClr val="windowText" lastClr="000000"/>
+      </a:dk1>
+      <a:lt1>
+        <a:sysClr val="window" lastClr="FFFFFF"/>
+      </a:lt1>
+      <a:dk2>
+        <a:srgbClr val="44546A"/>
+      </a:dk2>
+      <a:lt2>
+        <a:srgbClr val="E7E6E6"/>
+      </a:lt2>
+      <a:accent1>
+        <a:srgbClr val="4472C4"/>
+      </a:accent1>
+      <a:accent2>
+        <a:srgbClr val="ED7D31"/>
+      </a:accent2>
+      <a:accent3>
+        <a:srgbClr val="A5A5A5"/>
+      </a:accent3>
+      <a:accent4>
+        <a:srgbClr val="FFC000"/>
+      </a:accent4>
+      <a:accent5>
+        <a:srgbClr val="5B9BD5"/>
+      </a:accent5>
+      <a:accent6>
+        <a:srgbClr val="70AD47"/>
+      </a:accent6>
+      <a:hlink>
+        <a:srgbClr val="0563C1"/>
+      </a:hlink>
+      <a:folHlink>
+        <a:srgbClr val="954F72"/>
+      </a:folHlink>
+    </a:clrScheme>
+    <a:fontScheme name="Office">
+      <a:majorFont>
+        <a:latin typeface="等线 Light" panose="020F0302020204030204"/>
+        <a:ea typeface=""/>
+        <a:cs typeface=""/>
+        <a:font script="Jpan" typeface="游ゴシック Light"/>
+        <a:font script="Hang" typeface="맑은 고딕"/>
+        <a:font script="Hans" typeface="等线 Light"/>
+        <a:font script="Hant" typeface="新細明體"/>
+        <a:font script="Arab" typeface="Times New Roman"/>
+        <a:font script="Hebr" typeface="Times New Roman"/>
+        <a:font script="Thai" typeface="Angsana New"/>
+        <a:font script="Ethi" typeface="Nyala"/>
+        <a:font script="Beng" typeface="Vrinda"/>
+        <a:font script="Gujr" typeface="Shruti"/>
+        <a:font script="Khmr" typeface="MoolBoran"/>
+        <a:font script="Knda" typeface="Tunga"/>
+        <a:font script="Guru" typeface="Raavi"/>
+        <a:font script="Cans" typeface="Euphemia"/>
+        <a:font script="Cher" typeface="Plantagenet Cherokee"/>
+        <a:font script="Yiii" typeface="Microsoft Yi Baiti"/>
+        <a:font script="Tibt" typeface="Microsoft Himalaya"/>
+        <a:font script="Thaa" typeface="MV Boli"/>
+        <a:font script="Deva" typeface="Mangal"/>
+        <a:font script="Telu" typeface="Gautami"/>
+        <a:font script="Taml" typeface="Latha"/>
+        <a:font script="Syrc" typeface="Estrangelo Edessa"/>
+        <a:font script="Orya" typeface="Kalinga"/>
+        <a:font script="Mlym" typeface="Kartika"/>
+        <a:font script="Laoo" typeface="DokChampa"/>
+        <a:font script="Sinh" typeface="Iskoola Pota"/>
+        <a:font script="Mong" typeface="Mongolian Baiti"/>
+        <a:font script="Viet" typeface="Times New Roman"/>
+        <a:font script="Uigh" typeface="Microsoft Uighur"/>
+        <a:font script="Geor" typeface="Sylfaen"/>
+        <a:font script="Armn" typeface="Arial"/>
+        <a:font script="Bugi" typeface="Leelawadee UI"/>
+        <a:font script="Bopo" typeface="Microsoft JhengHei"/>
+        <a:font script="Java" typeface="Javanese Text"/>
+        <a:font script="Lisu" typeface="Segoe UI"/>
+        <a:font script="Mymr" typeface="Myanmar Text"/>
+        <a:font script="Nkoo" typeface="Ebrima"/>
+        <a:font script="Olck" typeface="Nirmala UI"/>
+        <a:font script="Osma" typeface="Ebrima"/>
+        <a:font script="Phag" typeface="Phagspa"/>
+        <a:font script="Syrn" typeface="Estrangelo Edessa"/>
+        <a:font script="Syrj" typeface="Estrangelo Edessa"/>
+        <a:font script="Syre" typeface="Estrangelo Edessa"/>
+        <a:font script="Sora" typeface="Nirmala UI"/>
+        <a:font script="Tale" typeface="Microsoft Tai Le"/>
+        <a:font script="Talu" typeface="Microsoft New Tai Lue"/>
+        <a:font script="Tfng" typeface="Ebrima"/>
+      </a:majorFont>
+      <a:minorFont>
+        <a:latin typeface="等线" panose="020F0502020204030204"/>
+        <a:ea typeface=""/>
+        <a:cs typeface=""/>
+        <a:font script="Jpan" typeface="游ゴシック"/>
+        <a:font script="Hang" typeface="맑은 고딕"/>
+        <a:font script="Hans" typeface="等线"/>
+        <a:font script="Hant" typeface="新細明體"/>
+        <a:font script="Arab" typeface="Arial"/>
+        <a:font script="Hebr" typeface="Arial"/>
+        <a:font script="Thai" typeface="Cordia New"/>
+        <a:font script="Ethi" typeface="Nyala"/>
+        <a:font script="Beng" typeface="Vrinda"/>
+        <a:font script="Gujr" typeface="Shruti"/>
+        <a:font script="Khmr" typeface="DaunPenh"/>
+        <a:font script="Knda" typeface="Tunga"/>
+        <a:font script="Guru" typeface="Raavi"/>
+        <a:font script="Cans" typeface="Euphemia"/>
+        <a:font script="Cher" typeface="Plantagenet Cherokee"/>
+        <a:font script="Yiii" typeface="Microsoft Yi Baiti"/>
+        <a:font script="Tibt" typeface="Microsoft Himalaya"/>
+        <a:font script="Thaa" typeface="MV Boli"/>
+        <a:font script="Deva" typeface="Mangal"/>
+        <a:font script="Telu" typeface="Gautami"/>
+        <a:font script="Taml" typeface="Latha"/>
+        <a:font script="Syrc" typeface="Estrangelo Edessa"/>
+        <a:font script="Orya" typeface="Kalinga"/>
+        <a:font script="Mlym" typeface="Kartika"/>
+        <a:font script="Laoo" typeface="DokChampa"/>
+        <a:font script="Sinh" typeface="Iskoola Pota"/>
+        <a:font script="Mong" typeface="Mongolian Baiti"/>
+        <a:font script="Viet" typeface="Arial"/>
+        <a:font script="Uigh" typeface="Microsoft Uighur"/>
+        <a:font script="Geor" typeface="Sylfaen"/>
+        <a:font script="Armn" typeface="Arial"/>
+        <a:font script="Bugi" typeface="Leelawadee UI"/>
+        <a:font script="Bopo" typeface="Microsoft JhengHei"/>
+        <a:font script="Java" typeface="Javanese Text"/>
+        <a:font script="Lisu" typeface="Segoe UI"/>
+        <a:font script="Mymr" typeface="Myanmar Text"/>
+        <a:font script="Nkoo" typeface="Ebrima"/>
+        <a:font script="Olck" typeface="Nirmala UI"/>
+        <a:font script="Osma" typeface="Ebrima"/>
+        <a:font script="Phag" typeface="Phagspa"/>
+        <a:font script="Syrn" typeface="Estrangelo Edessa"/>
+        <a:font script="Syrj" typeface="Estrangelo Edessa"/>
+        <a:font script="Syre" typeface="Estrangelo Edessa"/>
+        <a:font script="Sora" typeface="Nirmala UI"/>
+        <a:font script="Tale" typeface="Microsoft Tai Le"/>
+        <a:font script="Talu" typeface="Microsoft New Tai Lue"/>
+        <a:font script="Tfng" typeface="Ebrima"/>
+      </a:minorFont>
+    </a:fontScheme>
+    <a:fmtScheme name="Office">
+      <a:fillStyleLst>
+        <a:solidFill>
+          <a:schemeClr val="phClr"/>
+        </a:solidFill>
+        <a:gradFill rotWithShape="1">
+          <a:gsLst>
+            <a:gs pos="0">
+              <a:schemeClr val="phClr">
+                <a:lumMod val="110000"/>
+                <a:satMod val="105000"/>
+                <a:tint val="67000"/>
+              </a:schemeClr>
+            </a:gs>
+            <a:gs pos="50000">
+              <a:schemeClr val="phClr">
+                <a:lumMod val="105000"/>
+                <a:satMod val="103000"/>
+                <a:tint val="73000"/>
+              </a:schemeClr>
+            </a:gs>
+            <a:gs pos="100000">
+              <a:schemeClr val="phClr">
+                <a:lumMod val="105000"/>
+                <a:satMod val="109000"/>
+                <a:tint val="81000"/>
+              </a:schemeClr>
+            </a:gs>
+          </a:gsLst>
+          <a:lin ang="5400000" scaled="0"/>
+        </a:gradFill>
+        <a:gradFill rotWithShape="1">
+          <a:gsLst>
+            <a:gs pos="0">
+              <a:schemeClr val="phClr">
+                <a:satMod val="103000"/>
+                <a:lumMod val="102000"/>
+                <a:tint val="94000"/>
+              </a:schemeClr>
+            </a:gs>
+            <a:gs pos="50000">
+              <a:schemeClr val="phClr">
+                <a:satMod val="110000"/>
+                <a:lumMod val="100000"/>
+                <a:shade val="100000"/>
+              </a:schemeClr>
+            </a:gs>
+            <a:gs pos="100000">
+              <a:schemeClr val="phClr">
+                <a:lumMod val="99000"/>
+                <a:satMod val="120000"/>
+                <a:shade val="78000"/>
+              </a:schemeClr>
+            </a:gs>
+          </a:gsLst>
+          <a:lin ang="5400000" scaled="0"/>
+        </a:gradFill>
+      </a:fillStyleLst>
+      <a:lnStyleLst>
+        <a:ln w="6350" cap="flat" cmpd="sng" algn="ctr">
+          <a:solidFill>
+            <a:schemeClr val="phClr"/>
+          </a:solidFill>
+          <a:prstDash val="solid"/>
+          <a:miter lim="800000"/>
+        </a:ln>
+        <a:ln w="12700" cap="flat" cmpd="sng" algn="ctr">
+          <a:solidFill>
+            <a:schemeClr val="phClr"/>
+          </a:solidFill>
+          <a:prstDash val="solid"/>
+          <a:miter lim="800000"/>
+        </a:ln>
+        <a:ln w="19050" cap="flat" cmpd="sng" algn="ctr">
+          <a:solidFill>
+            <a:schemeClr val="phClr"/>
+          </a:solidFill>
+          <a:prstDash val="solid"/>
+          <a:miter lim="800000"/>
+        </a:ln>
+      </a:lnStyleLst>
+      <a:effectStyleLst>
+        <a:effectStyle>
+          <a:effectLst/>
+        </a:effectStyle>
+        <a:effectStyle>
+          <a:effectLst/>
+        </a:effectStyle>
+        <a:effectStyle>
+          <a:effectLst>
+            <a:outerShdw blurRad="57150" dist="19050" dir="5400000" algn="ctr" rotWithShape="0">
+              <a:srgbClr val="000000">
+                <a:alpha val="63000"/>
+              </a:srgbClr>
+            </a:outerShdw>
+          </a:effectLst>
+        </a:effectStyle>
+      </a:effectStyleLst>
+      <a:bgFillStyleLst>
+        <a:solidFill>
+          <a:schemeClr val="phClr"/>
+        </a:solidFill>
+        <a:solidFill>
+          <a:schemeClr val="phClr">
+            <a:tint val="95000"/>
+            <a:satMod val="170000"/>
+          </a:schemeClr>
+        </a:solidFill>
+        <a:gradFill rotWithShape="1">
+          <a:gsLst>
+            <a:gs pos="0">
+              <a:schemeClr val="phClr">
+                <a:tint val="93000"/>
+                <a:satMod val="150000"/>
+                <a:shade val="98000"/>
+                <a:lumMod val="102000"/>
+              </a:schemeClr>
+            </a:gs>
+            <a:gs pos="50000">
+              <a:schemeClr val="phClr">
+                <a:tint val="98000"/>
+                <a:satMod val="130000"/>
+                <a:shade val="90000"/>
+                <a:lumMod val="103000"/>
+              </a:schemeClr>
+            </a:gs>
+            <a:gs pos="100000">
+              <a:schemeClr val="phClr">
+                <a:shade val="63000"/>
+                <a:satMod val="120000"/>
+              </a:schemeClr>
+            </a:gs>
+          </a:gsLst>
+          <a:lin ang="5400000" scaled="0"/>
+        </a:gradFill>
+      </a:bgFillStyleLst>
+    </a:fmtScheme>
+  </a:themeElements>
+  <a:objectDefaults/>
+  <a:extraClrSchemeLst/>
+  <a:extLst>
+    <a:ext uri="{05A4C25C-085E-4340-85A3-A5531E510DB2}">
+      <thm15:themeFamily xmlns:thm15="http://schemas.microsoft.com/office/thememl/2012/main" name="Office Theme" id="{62F939B6-93AF-4DB8-9C6B-D6C7DFDC589F}" vid="{4A3C46E8-61CC-4603-A589-7422A47A8E4A}"/>
+    </a:ext>
+  </a:extLst>
+</a:theme>
 </file>
--- a/6_Reports/6_2_Phase_2/End_Semester_Report.pptx
+++ b/6_Reports/6_2_Phase_2/End_Semester_Report.pptx
@@ -5,7 +5,7 @@
     <p:sldMasterId id="2147483700" r:id="rId1"/>
   </p:sldMasterIdLst>
   <p:notesMasterIdLst>
-    <p:notesMasterId r:id="rId38"/>
+    <p:notesMasterId r:id="rId40"/>
   </p:notesMasterIdLst>
   <p:sldIdLst>
     <p:sldId id="262" r:id="rId2"/>
@@ -18,32 +18,34 @@
     <p:sldId id="272" r:id="rId9"/>
     <p:sldId id="267" r:id="rId10"/>
     <p:sldId id="264" r:id="rId11"/>
-    <p:sldId id="263" r:id="rId12"/>
-    <p:sldId id="270" r:id="rId13"/>
-    <p:sldId id="265" r:id="rId14"/>
-    <p:sldId id="266" r:id="rId15"/>
-    <p:sldId id="268" r:id="rId16"/>
-    <p:sldId id="291" r:id="rId17"/>
-    <p:sldId id="269" r:id="rId18"/>
-    <p:sldId id="292" r:id="rId19"/>
-    <p:sldId id="275" r:id="rId20"/>
-    <p:sldId id="277" r:id="rId21"/>
-    <p:sldId id="293" r:id="rId22"/>
-    <p:sldId id="271" r:id="rId23"/>
-    <p:sldId id="273" r:id="rId24"/>
-    <p:sldId id="274" r:id="rId25"/>
-    <p:sldId id="276" r:id="rId26"/>
-    <p:sldId id="278" r:id="rId27"/>
-    <p:sldId id="279" r:id="rId28"/>
-    <p:sldId id="280" r:id="rId29"/>
-    <p:sldId id="281" r:id="rId30"/>
-    <p:sldId id="287" r:id="rId31"/>
-    <p:sldId id="282" r:id="rId32"/>
-    <p:sldId id="283" r:id="rId33"/>
-    <p:sldId id="284" r:id="rId34"/>
-    <p:sldId id="285" r:id="rId35"/>
-    <p:sldId id="286" r:id="rId36"/>
-    <p:sldId id="290" r:id="rId37"/>
+    <p:sldId id="306" r:id="rId12"/>
+    <p:sldId id="263" r:id="rId13"/>
+    <p:sldId id="270" r:id="rId14"/>
+    <p:sldId id="265" r:id="rId15"/>
+    <p:sldId id="266" r:id="rId16"/>
+    <p:sldId id="268" r:id="rId17"/>
+    <p:sldId id="291" r:id="rId18"/>
+    <p:sldId id="269" r:id="rId19"/>
+    <p:sldId id="292" r:id="rId20"/>
+    <p:sldId id="275" r:id="rId21"/>
+    <p:sldId id="277" r:id="rId22"/>
+    <p:sldId id="293" r:id="rId23"/>
+    <p:sldId id="271" r:id="rId24"/>
+    <p:sldId id="273" r:id="rId25"/>
+    <p:sldId id="274" r:id="rId26"/>
+    <p:sldId id="276" r:id="rId27"/>
+    <p:sldId id="278" r:id="rId28"/>
+    <p:sldId id="279" r:id="rId29"/>
+    <p:sldId id="280" r:id="rId30"/>
+    <p:sldId id="281" r:id="rId31"/>
+    <p:sldId id="287" r:id="rId32"/>
+    <p:sldId id="282" r:id="rId33"/>
+    <p:sldId id="283" r:id="rId34"/>
+    <p:sldId id="284" r:id="rId35"/>
+    <p:sldId id="285" r:id="rId36"/>
+    <p:sldId id="286" r:id="rId37"/>
+    <p:sldId id="290" r:id="rId38"/>
+    <p:sldId id="307" r:id="rId39"/>
   </p:sldIdLst>
   <p:sldSz cx="9144000" cy="5715000" type="screen16x10"/>
   <p:notesSz cx="6858000" cy="9144000"/>
@@ -243,7 +245,7 @@
           <a:p>
             <a:fld id="{345BFD96-1C7E-4895-B002-8AA86726AA6F}" type="datetimeFigureOut">
               <a:rPr lang="zh-CN" altLang="en-US" smtClean="0"/>
-              <a:t>2023/6/25</a:t>
+              <a:t>2023/6/26</a:t>
             </a:fld>
             <a:endParaRPr lang="zh-CN" altLang="en-US"/>
           </a:p>
@@ -690,7 +692,7 @@
           <a:p>
             <a:fld id="{6697E87D-5A90-4B20-A821-667C0F792DA9}" type="slidenum">
               <a:rPr lang="zh-CN" altLang="en-US" smtClean="0"/>
-              <a:t>15</a:t>
+              <a:t>16</a:t>
             </a:fld>
             <a:endParaRPr lang="zh-CN" altLang="en-US"/>
           </a:p>
@@ -808,7 +810,7 @@
           <a:p>
             <a:fld id="{6697E87D-5A90-4B20-A821-667C0F792DA9}" type="slidenum">
               <a:rPr lang="zh-CN" altLang="en-US" smtClean="0"/>
-              <a:t>17</a:t>
+              <a:t>18</a:t>
             </a:fld>
             <a:endParaRPr lang="zh-CN" altLang="en-US"/>
           </a:p>
@@ -892,7 +894,7 @@
           <a:p>
             <a:fld id="{6697E87D-5A90-4B20-A821-667C0F792DA9}" type="slidenum">
               <a:rPr lang="zh-CN" altLang="en-US" smtClean="0"/>
-              <a:t>22</a:t>
+              <a:t>23</a:t>
             </a:fld>
             <a:endParaRPr lang="zh-CN" altLang="en-US"/>
           </a:p>
@@ -1050,7 +1052,7 @@
           <a:p>
             <a:fld id="{6697E87D-5A90-4B20-A821-667C0F792DA9}" type="slidenum">
               <a:rPr lang="zh-CN" altLang="en-US" smtClean="0"/>
-              <a:t>23</a:t>
+              <a:t>24</a:t>
             </a:fld>
             <a:endParaRPr lang="zh-CN" altLang="en-US"/>
           </a:p>
@@ -1176,7 +1178,7 @@
           <a:p>
             <a:fld id="{6697E87D-5A90-4B20-A821-667C0F792DA9}" type="slidenum">
               <a:rPr lang="zh-CN" altLang="en-US" smtClean="0"/>
-              <a:t>24</a:t>
+              <a:t>25</a:t>
             </a:fld>
             <a:endParaRPr lang="zh-CN" altLang="en-US"/>
           </a:p>
@@ -1305,7 +1307,7 @@
           <a:p>
             <a:fld id="{6697E87D-5A90-4B20-A821-667C0F792DA9}" type="slidenum">
               <a:rPr lang="zh-CN" altLang="en-US" smtClean="0"/>
-              <a:t>25</a:t>
+              <a:t>26</a:t>
             </a:fld>
             <a:endParaRPr lang="zh-CN" altLang="en-US"/>
           </a:p>
@@ -1389,7 +1391,7 @@
           <a:p>
             <a:fld id="{6697E87D-5A90-4B20-A821-667C0F792DA9}" type="slidenum">
               <a:rPr lang="zh-CN" altLang="en-US" smtClean="0"/>
-              <a:t>26</a:t>
+              <a:t>27</a:t>
             </a:fld>
             <a:endParaRPr lang="zh-CN" altLang="en-US"/>
           </a:p>
@@ -1537,7 +1539,7 @@
           <a:p>
             <a:fld id="{6697E87D-5A90-4B20-A821-667C0F792DA9}" type="slidenum">
               <a:rPr lang="zh-CN" altLang="en-US" smtClean="0"/>
-              <a:t>27</a:t>
+              <a:t>28</a:t>
             </a:fld>
             <a:endParaRPr lang="zh-CN" altLang="en-US"/>
           </a:p>
@@ -1783,7 +1785,7 @@
           <a:p>
             <a:fld id="{6697E87D-5A90-4B20-A821-667C0F792DA9}" type="slidenum">
               <a:rPr lang="zh-CN" altLang="en-US" smtClean="0"/>
-              <a:t>28</a:t>
+              <a:t>29</a:t>
             </a:fld>
             <a:endParaRPr lang="zh-CN" altLang="en-US"/>
           </a:p>
@@ -2104,7 +2106,7 @@
           <a:p>
             <a:fld id="{6697E87D-5A90-4B20-A821-667C0F792DA9}" type="slidenum">
               <a:rPr lang="zh-CN" altLang="en-US" smtClean="0"/>
-              <a:t>29</a:t>
+              <a:t>30</a:t>
             </a:fld>
             <a:endParaRPr lang="zh-CN" altLang="en-US"/>
           </a:p>
@@ -2279,7 +2281,7 @@
           <a:p>
             <a:fld id="{6697E87D-5A90-4B20-A821-667C0F792DA9}" type="slidenum">
               <a:rPr lang="zh-CN" altLang="en-US" smtClean="0"/>
-              <a:t>30</a:t>
+              <a:t>31</a:t>
             </a:fld>
             <a:endParaRPr lang="zh-CN" altLang="en-US"/>
           </a:p>
@@ -2363,7 +2365,7 @@
           <a:p>
             <a:fld id="{6697E87D-5A90-4B20-A821-667C0F792DA9}" type="slidenum">
               <a:rPr lang="zh-CN" altLang="en-US" smtClean="0"/>
-              <a:t>31</a:t>
+              <a:t>32</a:t>
             </a:fld>
             <a:endParaRPr lang="zh-CN" altLang="en-US"/>
           </a:p>
@@ -2447,7 +2449,7 @@
           <a:p>
             <a:fld id="{6697E87D-5A90-4B20-A821-667C0F792DA9}" type="slidenum">
               <a:rPr lang="zh-CN" altLang="en-US" smtClean="0"/>
-              <a:t>32</a:t>
+              <a:t>33</a:t>
             </a:fld>
             <a:endParaRPr lang="zh-CN" altLang="en-US"/>
           </a:p>
@@ -2531,7 +2533,7 @@
           <a:p>
             <a:fld id="{6697E87D-5A90-4B20-A821-667C0F792DA9}" type="slidenum">
               <a:rPr lang="zh-CN" altLang="en-US" smtClean="0"/>
-              <a:t>33</a:t>
+              <a:t>34</a:t>
             </a:fld>
             <a:endParaRPr lang="zh-CN" altLang="en-US"/>
           </a:p>
@@ -2615,7 +2617,7 @@
           <a:p>
             <a:fld id="{6697E87D-5A90-4B20-A821-667C0F792DA9}" type="slidenum">
               <a:rPr lang="zh-CN" altLang="en-US" smtClean="0"/>
-              <a:t>34</a:t>
+              <a:t>35</a:t>
             </a:fld>
             <a:endParaRPr lang="zh-CN" altLang="en-US"/>
           </a:p>
@@ -2699,7 +2701,7 @@
           <a:p>
             <a:fld id="{6697E87D-5A90-4B20-A821-667C0F792DA9}" type="slidenum">
               <a:rPr lang="zh-CN" altLang="en-US" smtClean="0"/>
-              <a:t>35</a:t>
+              <a:t>36</a:t>
             </a:fld>
             <a:endParaRPr lang="zh-CN" altLang="en-US"/>
           </a:p>
@@ -2783,7 +2785,7 @@
           <a:p>
             <a:fld id="{6697E87D-5A90-4B20-A821-667C0F792DA9}" type="slidenum">
               <a:rPr lang="zh-CN" altLang="en-US" smtClean="0"/>
-              <a:t>36</a:t>
+              <a:t>37</a:t>
             </a:fld>
             <a:endParaRPr lang="zh-CN" altLang="en-US"/>
           </a:p>
@@ -2793,6 +2795,90 @@
     <p:extLst>
       <p:ext uri="{BB962C8B-B14F-4D97-AF65-F5344CB8AC3E}">
         <p14:creationId xmlns:p14="http://schemas.microsoft.com/office/powerpoint/2010/main" val="196585163"/>
+      </p:ext>
+    </p:extLst>
+  </p:cSld>
+  <p:clrMapOvr>
+    <a:masterClrMapping/>
+  </p:clrMapOvr>
+</p:notes>
+</file>
+
+<file path=ppt/notesSlides/notesSlide27.xml><?xml version="1.0" encoding="utf-8"?>
+<p:notes xmlns:a="http://schemas.openxmlformats.org/drawingml/2006/main" xmlns:r="http://schemas.openxmlformats.org/officeDocument/2006/relationships" xmlns:p="http://schemas.openxmlformats.org/presentationml/2006/main">
+  <p:cSld>
+    <p:spTree>
+      <p:nvGrpSpPr>
+        <p:cNvPr id="1" name=""/>
+        <p:cNvGrpSpPr/>
+        <p:nvPr/>
+      </p:nvGrpSpPr>
+      <p:grpSpPr>
+        <a:xfrm>
+          <a:off x="0" y="0"/>
+          <a:ext cx="0" cy="0"/>
+          <a:chOff x="0" y="0"/>
+          <a:chExt cx="0" cy="0"/>
+        </a:xfrm>
+      </p:grpSpPr>
+      <p:sp>
+        <p:nvSpPr>
+          <p:cNvPr id="2" name="幻灯片图像占位符 1"/>
+          <p:cNvSpPr>
+            <a:spLocks noGrp="1" noRot="1" noChangeAspect="1"/>
+          </p:cNvSpPr>
+          <p:nvPr>
+            <p:ph type="sldImg"/>
+          </p:nvPr>
+        </p:nvSpPr>
+        <p:spPr/>
+      </p:sp>
+      <p:sp>
+        <p:nvSpPr>
+          <p:cNvPr id="3" name="备注占位符 2"/>
+          <p:cNvSpPr>
+            <a:spLocks noGrp="1"/>
+          </p:cNvSpPr>
+          <p:nvPr>
+            <p:ph type="body" idx="1"/>
+          </p:nvPr>
+        </p:nvSpPr>
+        <p:spPr/>
+        <p:txBody>
+          <a:bodyPr/>
+          <a:lstStyle/>
+          <a:p>
+            <a:endParaRPr lang="zh-CN" altLang="en-US" dirty="0"/>
+          </a:p>
+        </p:txBody>
+      </p:sp>
+      <p:sp>
+        <p:nvSpPr>
+          <p:cNvPr id="4" name="灯片编号占位符 3"/>
+          <p:cNvSpPr>
+            <a:spLocks noGrp="1"/>
+          </p:cNvSpPr>
+          <p:nvPr>
+            <p:ph type="sldNum" sz="quarter" idx="5"/>
+          </p:nvPr>
+        </p:nvSpPr>
+        <p:spPr/>
+        <p:txBody>
+          <a:bodyPr/>
+          <a:lstStyle/>
+          <a:p>
+            <a:fld id="{6697E87D-5A90-4B20-A821-667C0F792DA9}" type="slidenum">
+              <a:rPr lang="zh-CN" altLang="en-US" smtClean="0"/>
+              <a:t>38</a:t>
+            </a:fld>
+            <a:endParaRPr lang="zh-CN" altLang="en-US"/>
+          </a:p>
+        </p:txBody>
+      </p:sp>
+    </p:spTree>
+    <p:extLst>
+      <p:ext uri="{BB962C8B-B14F-4D97-AF65-F5344CB8AC3E}">
+        <p14:creationId xmlns:p14="http://schemas.microsoft.com/office/powerpoint/2010/main" val="937814969"/>
       </p:ext>
     </p:extLst>
   </p:cSld>
@@ -3420,7 +3506,7 @@
           <a:p>
             <a:fld id="{6697E87D-5A90-4B20-A821-667C0F792DA9}" type="slidenum">
               <a:rPr lang="zh-CN" altLang="en-US" smtClean="0"/>
-              <a:t>11</a:t>
+              <a:t>12</a:t>
             </a:fld>
             <a:endParaRPr lang="zh-CN" altLang="en-US"/>
           </a:p>
@@ -3512,7 +3598,7 @@
           <a:p>
             <a:fld id="{6697E87D-5A90-4B20-A821-667C0F792DA9}" type="slidenum">
               <a:rPr lang="zh-CN" altLang="en-US" smtClean="0"/>
-              <a:t>13</a:t>
+              <a:t>14</a:t>
             </a:fld>
             <a:endParaRPr lang="zh-CN" altLang="en-US"/>
           </a:p>
@@ -3628,7 +3714,7 @@
           <a:p>
             <a:fld id="{6697E87D-5A90-4B20-A821-667C0F792DA9}" type="slidenum">
               <a:rPr lang="zh-CN" altLang="en-US" smtClean="0"/>
-              <a:t>14</a:t>
+              <a:t>15</a:t>
             </a:fld>
             <a:endParaRPr lang="zh-CN" altLang="en-US"/>
           </a:p>
@@ -3795,7 +3881,7 @@
             <a:fld id="{81B8F32D-D8B6-4B9E-9CBF-DCAC30B7B93D}" type="datetimeFigureOut">
               <a:rPr lang="en-US" smtClean="0"/>
               <a:pPr/>
-              <a:t>6/25/2023</a:t>
+              <a:t>6/26/2023</a:t>
             </a:fld>
             <a:endParaRPr lang="en-US" dirty="0"/>
           </a:p>
@@ -3995,7 +4081,7 @@
             <a:fld id="{81B8F32D-D8B6-4B9E-9CBF-DCAC30B7B93D}" type="datetimeFigureOut">
               <a:rPr lang="en-US" smtClean="0"/>
               <a:pPr/>
-              <a:t>6/25/2023</a:t>
+              <a:t>6/26/2023</a:t>
             </a:fld>
             <a:endParaRPr lang="en-US" dirty="0"/>
           </a:p>
@@ -4205,7 +4291,7 @@
             <a:fld id="{81B8F32D-D8B6-4B9E-9CBF-DCAC30B7B93D}" type="datetimeFigureOut">
               <a:rPr lang="en-US" smtClean="0"/>
               <a:pPr/>
-              <a:t>6/25/2023</a:t>
+              <a:t>6/26/2023</a:t>
             </a:fld>
             <a:endParaRPr lang="en-US" dirty="0"/>
           </a:p>
@@ -4405,7 +4491,7 @@
             <a:fld id="{81B8F32D-D8B6-4B9E-9CBF-DCAC30B7B93D}" type="datetimeFigureOut">
               <a:rPr lang="en-US" smtClean="0"/>
               <a:pPr/>
-              <a:t>6/25/2023</a:t>
+              <a:t>6/26/2023</a:t>
             </a:fld>
             <a:endParaRPr lang="en-US" dirty="0"/>
           </a:p>
@@ -4682,7 +4768,7 @@
             <a:fld id="{81B8F32D-D8B6-4B9E-9CBF-DCAC30B7B93D}" type="datetimeFigureOut">
               <a:rPr lang="en-US" smtClean="0"/>
               <a:pPr/>
-              <a:t>6/25/2023</a:t>
+              <a:t>6/26/2023</a:t>
             </a:fld>
             <a:endParaRPr lang="en-US" dirty="0"/>
           </a:p>
@@ -4949,7 +5035,7 @@
             <a:fld id="{81B8F32D-D8B6-4B9E-9CBF-DCAC30B7B93D}" type="datetimeFigureOut">
               <a:rPr lang="en-US" smtClean="0"/>
               <a:pPr/>
-              <a:t>6/25/2023</a:t>
+              <a:t>6/26/2023</a:t>
             </a:fld>
             <a:endParaRPr lang="en-US" dirty="0"/>
           </a:p>
@@ -5363,7 +5449,7 @@
             <a:fld id="{81B8F32D-D8B6-4B9E-9CBF-DCAC30B7B93D}" type="datetimeFigureOut">
               <a:rPr lang="en-US" smtClean="0"/>
               <a:pPr/>
-              <a:t>6/25/2023</a:t>
+              <a:t>6/26/2023</a:t>
             </a:fld>
             <a:endParaRPr lang="en-US" dirty="0"/>
           </a:p>
@@ -5506,7 +5592,7 @@
             <a:fld id="{81B8F32D-D8B6-4B9E-9CBF-DCAC30B7B93D}" type="datetimeFigureOut">
               <a:rPr lang="en-US" smtClean="0"/>
               <a:pPr/>
-              <a:t>6/25/2023</a:t>
+              <a:t>6/26/2023</a:t>
             </a:fld>
             <a:endParaRPr lang="en-US" dirty="0"/>
           </a:p>
@@ -5621,7 +5707,7 @@
             <a:fld id="{81B8F32D-D8B6-4B9E-9CBF-DCAC30B7B93D}" type="datetimeFigureOut">
               <a:rPr lang="en-US" smtClean="0"/>
               <a:pPr/>
-              <a:t>6/25/2023</a:t>
+              <a:t>6/26/2023</a:t>
             </a:fld>
             <a:endParaRPr lang="en-US" dirty="0"/>
           </a:p>
@@ -5934,7 +6020,7 @@
             <a:fld id="{81B8F32D-D8B6-4B9E-9CBF-DCAC30B7B93D}" type="datetimeFigureOut">
               <a:rPr lang="en-US" smtClean="0"/>
               <a:pPr/>
-              <a:t>6/25/2023</a:t>
+              <a:t>6/26/2023</a:t>
             </a:fld>
             <a:endParaRPr lang="en-US" dirty="0"/>
           </a:p>
@@ -6224,7 +6310,7 @@
             <a:fld id="{81B8F32D-D8B6-4B9E-9CBF-DCAC30B7B93D}" type="datetimeFigureOut">
               <a:rPr lang="en-US" smtClean="0"/>
               <a:pPr/>
-              <a:t>6/25/2023</a:t>
+              <a:t>6/26/2023</a:t>
             </a:fld>
             <a:endParaRPr lang="en-US" dirty="0"/>
           </a:p>
@@ -6470,7 +6556,7 @@
             <a:fld id="{81B8F32D-D8B6-4B9E-9CBF-DCAC30B7B93D}" type="datetimeFigureOut">
               <a:rPr lang="en-US" smtClean="0"/>
               <a:pPr/>
-              <a:t>6/25/2023</a:t>
+              <a:t>6/26/2023</a:t>
             </a:fld>
             <a:endParaRPr lang="en-US" dirty="0"/>
           </a:p>
@@ -7217,7 +7303,7 @@
                 <a:latin typeface="Times New Roman" panose="02020603050405020304" pitchFamily="18" charset="0"/>
                 <a:cs typeface="Times New Roman" panose="02020603050405020304" pitchFamily="18" charset="0"/>
               </a:rPr>
-              <a:t>99 / 99</a:t>
+              <a:t>01 / 38</a:t>
             </a:r>
             <a:endParaRPr lang="zh-CN" altLang="en-US" sz="1800" b="1" dirty="0">
               <a:latin typeface="Times New Roman" panose="02020603050405020304" pitchFamily="18" charset="0"/>
@@ -7305,7 +7391,7 @@
             <a:r>
               <a:rPr lang="en-US" altLang="zh-CN" sz="3200" b="1" dirty="0">
                 <a:solidFill>
-                  <a:schemeClr val="bg1"/>
+                  <a:srgbClr val="FAF1B4"/>
                 </a:solidFill>
                 <a:latin typeface="Times New Roman" panose="02020603050405020304" pitchFamily="18" charset="0"/>
                 <a:cs typeface="Times New Roman" panose="02020603050405020304" pitchFamily="18" charset="0"/>
@@ -7318,7 +7404,7 @@
             <a:r>
               <a:rPr lang="en-US" altLang="zh-CN" sz="3200" b="1" dirty="0">
                 <a:solidFill>
-                  <a:schemeClr val="bg1"/>
+                  <a:srgbClr val="FAF1B4"/>
                 </a:solidFill>
                 <a:latin typeface="Times New Roman" panose="02020603050405020304" pitchFamily="18" charset="0"/>
                 <a:cs typeface="Times New Roman" panose="02020603050405020304" pitchFamily="18" charset="0"/>
@@ -7327,7 +7413,7 @@
             </a:r>
             <a:endParaRPr lang="zh-CN" altLang="en-US" sz="3200" b="1" dirty="0">
               <a:solidFill>
-                <a:schemeClr val="bg1"/>
+                <a:srgbClr val="FAF1B4"/>
               </a:solidFill>
               <a:latin typeface="Times New Roman" panose="02020603050405020304" pitchFamily="18" charset="0"/>
               <a:cs typeface="Times New Roman" panose="02020603050405020304" pitchFamily="18" charset="0"/>
@@ -7367,7 +7453,7 @@
             <a:r>
               <a:rPr lang="en-US" altLang="zh-CN" dirty="0">
                 <a:solidFill>
-                  <a:schemeClr val="bg1"/>
+                  <a:srgbClr val="FAF1B4"/>
                 </a:solidFill>
                 <a:latin typeface="Times New Roman" panose="02020603050405020304" pitchFamily="18" charset="0"/>
                 <a:cs typeface="Times New Roman" panose="02020603050405020304" pitchFamily="18" charset="0"/>
@@ -7376,7 +7462,7 @@
             </a:r>
             <a:endParaRPr lang="zh-CN" altLang="en-US" dirty="0">
               <a:solidFill>
-                <a:schemeClr val="bg1"/>
+                <a:srgbClr val="FAF1B4"/>
               </a:solidFill>
               <a:latin typeface="Times New Roman" panose="02020603050405020304" pitchFamily="18" charset="0"/>
               <a:cs typeface="Times New Roman" panose="02020603050405020304" pitchFamily="18" charset="0"/>
@@ -7783,7 +7869,7 @@
                 <a:latin typeface="Times New Roman" panose="02020603050405020304" pitchFamily="18" charset="0"/>
                 <a:cs typeface="Times New Roman" panose="02020603050405020304" pitchFamily="18" charset="0"/>
               </a:rPr>
-              <a:t>99 / 99</a:t>
+              <a:t>10 / 38</a:t>
             </a:r>
             <a:endParaRPr lang="zh-CN" altLang="en-US" sz="1800" b="1" dirty="0">
               <a:latin typeface="Times New Roman" panose="02020603050405020304" pitchFamily="18" charset="0"/>
@@ -8201,6 +8287,526 @@
 </file>
 
 <file path=ppt/slides/slide11.xml><?xml version="1.0" encoding="utf-8"?>
+<p:sld xmlns:a="http://schemas.openxmlformats.org/drawingml/2006/main" xmlns:r="http://schemas.openxmlformats.org/officeDocument/2006/relationships" xmlns:p="http://schemas.openxmlformats.org/presentationml/2006/main">
+  <p:cSld>
+    <p:spTree>
+      <p:nvGrpSpPr>
+        <p:cNvPr id="1" name=""/>
+        <p:cNvGrpSpPr/>
+        <p:nvPr/>
+      </p:nvGrpSpPr>
+      <p:grpSpPr>
+        <a:xfrm>
+          <a:off x="0" y="0"/>
+          <a:ext cx="0" cy="0"/>
+          <a:chOff x="0" y="0"/>
+          <a:chExt cx="0" cy="0"/>
+        </a:xfrm>
+      </p:grpSpPr>
+      <p:grpSp>
+        <p:nvGrpSpPr>
+          <p:cNvPr id="14" name="组合 13">
+            <a:extLst>
+              <a:ext uri="{FF2B5EF4-FFF2-40B4-BE49-F238E27FC236}">
+                <a16:creationId xmlns:a16="http://schemas.microsoft.com/office/drawing/2014/main" id="{6D4E0B2C-81C9-47C4-DAF1-06B6F690286B}"/>
+              </a:ext>
+            </a:extLst>
+          </p:cNvPr>
+          <p:cNvGrpSpPr/>
+          <p:nvPr/>
+        </p:nvGrpSpPr>
+        <p:grpSpPr>
+          <a:xfrm>
+            <a:off x="0" y="5"/>
+            <a:ext cx="2620318" cy="5714995"/>
+            <a:chOff x="6523682" y="0"/>
+            <a:chExt cx="2620318" cy="5714995"/>
+          </a:xfrm>
+        </p:grpSpPr>
+        <p:sp>
+          <p:nvSpPr>
+            <p:cNvPr id="6" name="矩形 5">
+              <a:extLst>
+                <a:ext uri="{FF2B5EF4-FFF2-40B4-BE49-F238E27FC236}">
+                  <a16:creationId xmlns:a16="http://schemas.microsoft.com/office/drawing/2014/main" id="{D89A1788-3DCA-5E59-1C6D-272D6AB1F2D3}"/>
+                </a:ext>
+              </a:extLst>
+            </p:cNvPr>
+            <p:cNvSpPr/>
+            <p:nvPr/>
+          </p:nvSpPr>
+          <p:spPr>
+            <a:xfrm>
+              <a:off x="6523682" y="0"/>
+              <a:ext cx="2620318" cy="5714995"/>
+            </a:xfrm>
+            <a:prstGeom prst="rect">
+              <a:avLst/>
+            </a:prstGeom>
+            <a:solidFill>
+              <a:srgbClr val="FEBA69"/>
+            </a:solidFill>
+            <a:ln w="38100">
+              <a:noFill/>
+            </a:ln>
+          </p:spPr>
+          <p:style>
+            <a:lnRef idx="2">
+              <a:schemeClr val="accent1">
+                <a:shade val="50000"/>
+              </a:schemeClr>
+            </a:lnRef>
+            <a:fillRef idx="1">
+              <a:schemeClr val="accent1"/>
+            </a:fillRef>
+            <a:effectRef idx="0">
+              <a:schemeClr val="accent1"/>
+            </a:effectRef>
+            <a:fontRef idx="minor">
+              <a:schemeClr val="lt1"/>
+            </a:fontRef>
+          </p:style>
+          <p:txBody>
+            <a:bodyPr rtlCol="0" anchor="t"/>
+            <a:lstStyle/>
+            <a:p>
+              <a:pPr algn="ctr"/>
+              <a:endParaRPr lang="en-US" altLang="zh-CN" sz="4050" i="1" dirty="0">
+                <a:latin typeface="Times New Roman" panose="02020603050405020304" pitchFamily="18" charset="0"/>
+                <a:cs typeface="Times New Roman" panose="02020603050405020304" pitchFamily="18" charset="0"/>
+              </a:endParaRPr>
+            </a:p>
+            <a:p>
+              <a:pPr algn="ctr"/>
+              <a:r>
+                <a:rPr lang="en-US" altLang="zh-CN" sz="3200" b="1" cap="none" spc="0" dirty="0">
+                  <a:ln>
+                    <a:solidFill>
+                      <a:srgbClr val="FAF1B4"/>
+                    </a:solidFill>
+                  </a:ln>
+                  <a:solidFill>
+                    <a:srgbClr val="CF60C2"/>
+                  </a:solidFill>
+                  <a:effectLst>
+                    <a:reflection blurRad="6350" stA="55000" endA="300" endPos="45500" dir="5400000" sy="-100000" algn="bl" rotWithShape="0"/>
+                  </a:effectLst>
+                  <a:latin typeface="Times New Roman" panose="02020603050405020304" pitchFamily="18" charset="0"/>
+                  <a:cs typeface="Times New Roman" panose="02020603050405020304" pitchFamily="18" charset="0"/>
+                </a:rPr>
+                <a:t>Meta</a:t>
+              </a:r>
+              <a:r>
+                <a:rPr lang="en-US" altLang="zh-CN" sz="3200" dirty="0">
+                  <a:latin typeface="Times New Roman" panose="02020603050405020304" pitchFamily="18" charset="0"/>
+                  <a:cs typeface="Times New Roman" panose="02020603050405020304" pitchFamily="18" charset="0"/>
+                </a:rPr>
+                <a:t> </a:t>
+              </a:r>
+              <a:r>
+                <a:rPr lang="en-US" altLang="zh-CN" sz="2000" dirty="0">
+                  <a:latin typeface="Times New Roman" panose="02020603050405020304" pitchFamily="18" charset="0"/>
+                  <a:cs typeface="Times New Roman" panose="02020603050405020304" pitchFamily="18" charset="0"/>
+                </a:rPr>
+                <a:t>of</a:t>
+              </a:r>
+              <a:r>
+                <a:rPr lang="en-US" altLang="zh-CN" sz="3200" dirty="0">
+                  <a:latin typeface="Times New Roman" panose="02020603050405020304" pitchFamily="18" charset="0"/>
+                  <a:cs typeface="Times New Roman" panose="02020603050405020304" pitchFamily="18" charset="0"/>
+                </a:rPr>
+                <a:t> </a:t>
+              </a:r>
+              <a:r>
+                <a:rPr lang="en-US" altLang="zh-TW" sz="3200" dirty="0">
+                  <a:latin typeface="Times New Roman" panose="02020603050405020304" pitchFamily="18" charset="0"/>
+                  <a:cs typeface="Times New Roman" panose="02020603050405020304" pitchFamily="18" charset="0"/>
+                </a:rPr>
+                <a:t>SPMT</a:t>
+              </a:r>
+            </a:p>
+          </p:txBody>
+        </p:sp>
+        <p:grpSp>
+          <p:nvGrpSpPr>
+            <p:cNvPr id="17" name="组合 16">
+              <a:extLst>
+                <a:ext uri="{FF2B5EF4-FFF2-40B4-BE49-F238E27FC236}">
+                  <a16:creationId xmlns:a16="http://schemas.microsoft.com/office/drawing/2014/main" id="{B0C039CE-E35B-FB20-4F6F-73AF29F5EC82}"/>
+                </a:ext>
+              </a:extLst>
+            </p:cNvPr>
+            <p:cNvGrpSpPr/>
+            <p:nvPr/>
+          </p:nvGrpSpPr>
+          <p:grpSpPr>
+            <a:xfrm>
+              <a:off x="8023252" y="5229633"/>
+              <a:ext cx="1057142" cy="414474"/>
+              <a:chOff x="10502095" y="6069536"/>
+              <a:chExt cx="1409523" cy="552632"/>
+            </a:xfrm>
+          </p:grpSpPr>
+          <p:pic>
+            <p:nvPicPr>
+              <p:cNvPr id="10" name="图片 9" descr="图片包含 背景图案&#10;&#10;描述已自动生成">
+                <a:extLst>
+                  <a:ext uri="{FF2B5EF4-FFF2-40B4-BE49-F238E27FC236}">
+                    <a16:creationId xmlns:a16="http://schemas.microsoft.com/office/drawing/2014/main" id="{630E8096-9BAE-771C-F26B-5E769FE2760E}"/>
+                  </a:ext>
+                </a:extLst>
+              </p:cNvPr>
+              <p:cNvPicPr>
+                <a:picLocks noChangeAspect="1"/>
+              </p:cNvPicPr>
+              <p:nvPr/>
+            </p:nvPicPr>
+            <p:blipFill>
+              <a:blip r:embed="rId2">
+                <a:extLst>
+                  <a:ext uri="{28A0092B-C50C-407E-A947-70E740481C1C}">
+                    <a14:useLocalDpi xmlns:a14="http://schemas.microsoft.com/office/drawing/2010/main" val="0"/>
+                  </a:ext>
+                </a:extLst>
+              </a:blip>
+              <a:stretch>
+                <a:fillRect/>
+              </a:stretch>
+            </p:blipFill>
+            <p:spPr>
+              <a:xfrm>
+                <a:off x="11427454" y="6069536"/>
+                <a:ext cx="484164" cy="552632"/>
+              </a:xfrm>
+              <a:prstGeom prst="rect">
+                <a:avLst/>
+              </a:prstGeom>
+            </p:spPr>
+          </p:pic>
+          <p:sp>
+            <p:nvSpPr>
+              <p:cNvPr id="16" name="文本框 15">
+                <a:extLst>
+                  <a:ext uri="{FF2B5EF4-FFF2-40B4-BE49-F238E27FC236}">
+                    <a16:creationId xmlns:a16="http://schemas.microsoft.com/office/drawing/2014/main" id="{790C7AEC-1C60-148D-F56E-026682E2E6F2}"/>
+                  </a:ext>
+                </a:extLst>
+              </p:cNvPr>
+              <p:cNvSpPr txBox="1"/>
+              <p:nvPr/>
+            </p:nvSpPr>
+            <p:spPr>
+              <a:xfrm>
+                <a:off x="10502095" y="6183287"/>
+                <a:ext cx="925359" cy="339153"/>
+              </a:xfrm>
+              <a:prstGeom prst="rect">
+                <a:avLst/>
+              </a:prstGeom>
+              <a:noFill/>
+            </p:spPr>
+            <p:txBody>
+              <a:bodyPr wrap="square" rtlCol="0">
+                <a:spAutoFit/>
+              </a:bodyPr>
+              <a:lstStyle/>
+              <a:p>
+                <a:r>
+                  <a:rPr lang="en-US" altLang="zh-CN" sz="1053" dirty="0">
+                    <a:solidFill>
+                      <a:schemeClr val="bg1"/>
+                    </a:solidFill>
+                    <a:latin typeface="Times New Roman" panose="02020603050405020304" pitchFamily="18" charset="0"/>
+                    <a:cs typeface="Times New Roman" panose="02020603050405020304" pitchFamily="18" charset="0"/>
+                  </a:rPr>
+                  <a:t>by YuKi</a:t>
+                </a:r>
+                <a:endParaRPr lang="zh-CN" altLang="en-US" sz="1053" dirty="0">
+                  <a:solidFill>
+                    <a:schemeClr val="bg1"/>
+                  </a:solidFill>
+                  <a:latin typeface="Times New Roman" panose="02020603050405020304" pitchFamily="18" charset="0"/>
+                  <a:cs typeface="Times New Roman" panose="02020603050405020304" pitchFamily="18" charset="0"/>
+                </a:endParaRPr>
+              </a:p>
+            </p:txBody>
+          </p:sp>
+        </p:grpSp>
+      </p:grpSp>
+      <p:grpSp>
+        <p:nvGrpSpPr>
+          <p:cNvPr id="13" name="组合 12">
+            <a:extLst>
+              <a:ext uri="{FF2B5EF4-FFF2-40B4-BE49-F238E27FC236}">
+                <a16:creationId xmlns:a16="http://schemas.microsoft.com/office/drawing/2014/main" id="{525E3557-4C61-5814-7FED-F286172CF2C0}"/>
+              </a:ext>
+            </a:extLst>
+          </p:cNvPr>
+          <p:cNvGrpSpPr/>
+          <p:nvPr/>
+        </p:nvGrpSpPr>
+        <p:grpSpPr>
+          <a:xfrm>
+            <a:off x="6523682" y="0"/>
+            <a:ext cx="2620318" cy="5714995"/>
+            <a:chOff x="1" y="5"/>
+            <a:chExt cx="2620318" cy="5714995"/>
+          </a:xfrm>
+        </p:grpSpPr>
+        <p:sp>
+          <p:nvSpPr>
+            <p:cNvPr id="4" name="矩形 3">
+              <a:extLst>
+                <a:ext uri="{FF2B5EF4-FFF2-40B4-BE49-F238E27FC236}">
+                  <a16:creationId xmlns:a16="http://schemas.microsoft.com/office/drawing/2014/main" id="{177625FE-E865-2243-3604-30E307AF2E33}"/>
+                </a:ext>
+              </a:extLst>
+            </p:cNvPr>
+            <p:cNvSpPr/>
+            <p:nvPr/>
+          </p:nvSpPr>
+          <p:spPr>
+            <a:xfrm>
+              <a:off x="1" y="5"/>
+              <a:ext cx="2620318" cy="5714995"/>
+            </a:xfrm>
+            <a:prstGeom prst="rect">
+              <a:avLst/>
+            </a:prstGeom>
+            <a:solidFill>
+              <a:schemeClr val="tx1"/>
+            </a:solidFill>
+            <a:ln w="38100">
+              <a:noFill/>
+            </a:ln>
+          </p:spPr>
+          <p:style>
+            <a:lnRef idx="2">
+              <a:schemeClr val="accent1">
+                <a:shade val="50000"/>
+              </a:schemeClr>
+            </a:lnRef>
+            <a:fillRef idx="1">
+              <a:schemeClr val="accent1"/>
+            </a:fillRef>
+            <a:effectRef idx="0">
+              <a:schemeClr val="accent1"/>
+            </a:effectRef>
+            <a:fontRef idx="minor">
+              <a:schemeClr val="lt1"/>
+            </a:fontRef>
+          </p:style>
+          <p:txBody>
+            <a:bodyPr rtlCol="0" anchor="t"/>
+            <a:lstStyle/>
+            <a:p>
+              <a:pPr algn="ctr"/>
+              <a:endParaRPr lang="en-US" altLang="zh-CN" sz="4050" i="1" dirty="0">
+                <a:latin typeface="Times New Roman" panose="02020603050405020304" pitchFamily="18" charset="0"/>
+                <a:cs typeface="Times New Roman" panose="02020603050405020304" pitchFamily="18" charset="0"/>
+              </a:endParaRPr>
+            </a:p>
+            <a:p>
+              <a:pPr algn="ctr"/>
+              <a:r>
+                <a:rPr lang="en-US" altLang="zh-CN" sz="4400" b="1" cap="none" spc="0" dirty="0">
+                  <a:ln>
+                    <a:solidFill>
+                      <a:srgbClr val="FAF1B4"/>
+                    </a:solidFill>
+                  </a:ln>
+                  <a:solidFill>
+                    <a:srgbClr val="FAF1B4"/>
+                  </a:solidFill>
+                  <a:effectLst>
+                    <a:reflection blurRad="6350" stA="55000" endA="300" endPos="45500" dir="5400000" sy="-100000" algn="bl" rotWithShape="0"/>
+                  </a:effectLst>
+                  <a:latin typeface="Times New Roman" panose="02020603050405020304" pitchFamily="18" charset="0"/>
+                  <a:cs typeface="Times New Roman" panose="02020603050405020304" pitchFamily="18" charset="0"/>
+                </a:rPr>
+                <a:t>R</a:t>
+              </a:r>
+              <a:r>
+                <a:rPr lang="en-US" altLang="zh-CN" sz="4050" dirty="0">
+                  <a:latin typeface="Times New Roman" panose="02020603050405020304" pitchFamily="18" charset="0"/>
+                  <a:cs typeface="Times New Roman" panose="02020603050405020304" pitchFamily="18" charset="0"/>
+                </a:rPr>
+                <a:t> </a:t>
+              </a:r>
+              <a:r>
+                <a:rPr lang="en-US" altLang="zh-CN" sz="3000" dirty="0">
+                  <a:latin typeface="Times New Roman" panose="02020603050405020304" pitchFamily="18" charset="0"/>
+                  <a:cs typeface="Times New Roman" panose="02020603050405020304" pitchFamily="18" charset="0"/>
+                </a:rPr>
+                <a:t>of</a:t>
+              </a:r>
+              <a:r>
+                <a:rPr lang="en-US" altLang="zh-CN" sz="4050" dirty="0">
+                  <a:latin typeface="Times New Roman" panose="02020603050405020304" pitchFamily="18" charset="0"/>
+                  <a:cs typeface="Times New Roman" panose="02020603050405020304" pitchFamily="18" charset="0"/>
+                </a:rPr>
+                <a:t> </a:t>
+              </a:r>
+              <a:r>
+                <a:rPr lang="en-US" altLang="zh-TW" sz="4050" dirty="0">
+                  <a:latin typeface="Times New Roman" panose="02020603050405020304" pitchFamily="18" charset="0"/>
+                  <a:cs typeface="Times New Roman" panose="02020603050405020304" pitchFamily="18" charset="0"/>
+                </a:rPr>
+                <a:t>SPMT</a:t>
+              </a:r>
+            </a:p>
+          </p:txBody>
+        </p:sp>
+        <p:grpSp>
+          <p:nvGrpSpPr>
+            <p:cNvPr id="8" name="组合 7">
+              <a:extLst>
+                <a:ext uri="{FF2B5EF4-FFF2-40B4-BE49-F238E27FC236}">
+                  <a16:creationId xmlns:a16="http://schemas.microsoft.com/office/drawing/2014/main" id="{98FB73AE-7DD9-880C-D750-A47F7E269A6B}"/>
+                </a:ext>
+              </a:extLst>
+            </p:cNvPr>
+            <p:cNvGrpSpPr/>
+            <p:nvPr/>
+          </p:nvGrpSpPr>
+          <p:grpSpPr>
+            <a:xfrm>
+              <a:off x="1499571" y="5229638"/>
+              <a:ext cx="1057142" cy="414474"/>
+              <a:chOff x="10502095" y="6069536"/>
+              <a:chExt cx="1409523" cy="552632"/>
+            </a:xfrm>
+          </p:grpSpPr>
+          <p:pic>
+            <p:nvPicPr>
+              <p:cNvPr id="9" name="图片 8" descr="图片包含 背景图案&#10;&#10;描述已自动生成">
+                <a:extLst>
+                  <a:ext uri="{FF2B5EF4-FFF2-40B4-BE49-F238E27FC236}">
+                    <a16:creationId xmlns:a16="http://schemas.microsoft.com/office/drawing/2014/main" id="{C5FE0CC8-1E5C-1D16-61ED-8BB683BCCB50}"/>
+                  </a:ext>
+                </a:extLst>
+              </p:cNvPr>
+              <p:cNvPicPr>
+                <a:picLocks noChangeAspect="1"/>
+              </p:cNvPicPr>
+              <p:nvPr/>
+            </p:nvPicPr>
+            <p:blipFill>
+              <a:blip r:embed="rId2">
+                <a:extLst>
+                  <a:ext uri="{28A0092B-C50C-407E-A947-70E740481C1C}">
+                    <a14:useLocalDpi xmlns:a14="http://schemas.microsoft.com/office/drawing/2010/main" val="0"/>
+                  </a:ext>
+                </a:extLst>
+              </a:blip>
+              <a:stretch>
+                <a:fillRect/>
+              </a:stretch>
+            </p:blipFill>
+            <p:spPr>
+              <a:xfrm>
+                <a:off x="11427454" y="6069536"/>
+                <a:ext cx="484164" cy="552632"/>
+              </a:xfrm>
+              <a:prstGeom prst="rect">
+                <a:avLst/>
+              </a:prstGeom>
+            </p:spPr>
+          </p:pic>
+          <p:sp>
+            <p:nvSpPr>
+              <p:cNvPr id="11" name="文本框 10">
+                <a:extLst>
+                  <a:ext uri="{FF2B5EF4-FFF2-40B4-BE49-F238E27FC236}">
+                    <a16:creationId xmlns:a16="http://schemas.microsoft.com/office/drawing/2014/main" id="{AA7E4CD4-6E73-2B5C-3DF8-00D008783247}"/>
+                  </a:ext>
+                </a:extLst>
+              </p:cNvPr>
+              <p:cNvSpPr txBox="1"/>
+              <p:nvPr/>
+            </p:nvSpPr>
+            <p:spPr>
+              <a:xfrm>
+                <a:off x="10502095" y="6183287"/>
+                <a:ext cx="925359" cy="339153"/>
+              </a:xfrm>
+              <a:prstGeom prst="rect">
+                <a:avLst/>
+              </a:prstGeom>
+              <a:noFill/>
+            </p:spPr>
+            <p:txBody>
+              <a:bodyPr wrap="square" rtlCol="0">
+                <a:spAutoFit/>
+              </a:bodyPr>
+              <a:lstStyle/>
+              <a:p>
+                <a:r>
+                  <a:rPr lang="en-US" altLang="zh-CN" sz="1053" dirty="0">
+                    <a:solidFill>
+                      <a:schemeClr val="bg1"/>
+                    </a:solidFill>
+                    <a:latin typeface="Times New Roman" panose="02020603050405020304" pitchFamily="18" charset="0"/>
+                    <a:cs typeface="Times New Roman" panose="02020603050405020304" pitchFamily="18" charset="0"/>
+                  </a:rPr>
+                  <a:t>by YuKi</a:t>
+                </a:r>
+                <a:endParaRPr lang="zh-CN" altLang="en-US" sz="1053" dirty="0">
+                  <a:solidFill>
+                    <a:schemeClr val="bg1"/>
+                  </a:solidFill>
+                  <a:latin typeface="Times New Roman" panose="02020603050405020304" pitchFamily="18" charset="0"/>
+                  <a:cs typeface="Times New Roman" panose="02020603050405020304" pitchFamily="18" charset="0"/>
+                </a:endParaRPr>
+              </a:p>
+            </p:txBody>
+          </p:sp>
+        </p:grpSp>
+      </p:grpSp>
+      <p:pic>
+        <p:nvPicPr>
+          <p:cNvPr id="18" name="图片 17">
+            <a:extLst>
+              <a:ext uri="{FF2B5EF4-FFF2-40B4-BE49-F238E27FC236}">
+                <a16:creationId xmlns:a16="http://schemas.microsoft.com/office/drawing/2014/main" id="{9A8E2544-418C-6E08-6A4D-D5161151013F}"/>
+              </a:ext>
+            </a:extLst>
+          </p:cNvPr>
+          <p:cNvPicPr>
+            <a:picLocks noChangeAspect="1"/>
+          </p:cNvPicPr>
+          <p:nvPr/>
+        </p:nvPicPr>
+        <p:blipFill>
+          <a:blip r:embed="rId3"/>
+          <a:stretch>
+            <a:fillRect/>
+          </a:stretch>
+        </p:blipFill>
+        <p:spPr>
+          <a:xfrm>
+            <a:off x="3276600" y="242058"/>
+            <a:ext cx="2272943" cy="5230883"/>
+          </a:xfrm>
+          <a:prstGeom prst="rect">
+            <a:avLst/>
+          </a:prstGeom>
+        </p:spPr>
+      </p:pic>
+    </p:spTree>
+    <p:extLst>
+      <p:ext uri="{BB962C8B-B14F-4D97-AF65-F5344CB8AC3E}">
+        <p14:creationId xmlns:p14="http://schemas.microsoft.com/office/powerpoint/2010/main" val="341813716"/>
+      </p:ext>
+    </p:extLst>
+  </p:cSld>
+  <p:clrMapOvr>
+    <a:masterClrMapping/>
+  </p:clrMapOvr>
+</p:sld>
+</file>
+
+<file path=ppt/slides/slide12.xml><?xml version="1.0" encoding="utf-8"?>
 <p:sld xmlns:a="http://schemas.openxmlformats.org/drawingml/2006/main" xmlns:r="http://schemas.openxmlformats.org/officeDocument/2006/relationships" xmlns:p="http://schemas.openxmlformats.org/presentationml/2006/main">
   <p:cSld>
     <p:spTree>
@@ -8546,7 +9152,7 @@
                 <a:latin typeface="Times New Roman" panose="02020603050405020304" pitchFamily="18" charset="0"/>
                 <a:cs typeface="Times New Roman" panose="02020603050405020304" pitchFamily="18" charset="0"/>
               </a:rPr>
-              <a:t>99 / 99</a:t>
+              <a:t>12 / 38</a:t>
             </a:r>
             <a:endParaRPr lang="zh-CN" altLang="en-US" sz="1800" b="1" dirty="0">
               <a:latin typeface="Times New Roman" panose="02020603050405020304" pitchFamily="18" charset="0"/>
@@ -9516,7 +10122,7 @@
 </p:sld>
 </file>
 
-<file path=ppt/slides/slide12.xml><?xml version="1.0" encoding="utf-8"?>
+<file path=ppt/slides/slide13.xml><?xml version="1.0" encoding="utf-8"?>
 <p:sld xmlns:a="http://schemas.openxmlformats.org/drawingml/2006/main" xmlns:r="http://schemas.openxmlformats.org/officeDocument/2006/relationships" xmlns:p="http://schemas.openxmlformats.org/presentationml/2006/main">
   <p:cSld>
     <p:spTree>
@@ -9862,7 +10468,7 @@
                 <a:latin typeface="Times New Roman" panose="02020603050405020304" pitchFamily="18" charset="0"/>
                 <a:cs typeface="Times New Roman" panose="02020603050405020304" pitchFamily="18" charset="0"/>
               </a:rPr>
-              <a:t>99 / 99</a:t>
+              <a:t>13 / 38</a:t>
             </a:r>
             <a:endParaRPr lang="zh-CN" altLang="en-US" sz="1800" b="1" dirty="0">
               <a:latin typeface="Times New Roman" panose="02020603050405020304" pitchFamily="18" charset="0"/>
@@ -10507,7 +11113,7 @@
 </p:sld>
 </file>
 
-<file path=ppt/slides/slide13.xml><?xml version="1.0" encoding="utf-8"?>
+<file path=ppt/slides/slide14.xml><?xml version="1.0" encoding="utf-8"?>
 <p:sld xmlns:a="http://schemas.openxmlformats.org/drawingml/2006/main" xmlns:r="http://schemas.openxmlformats.org/officeDocument/2006/relationships" xmlns:p="http://schemas.openxmlformats.org/presentationml/2006/main">
   <p:cSld>
     <p:spTree>
@@ -10853,7 +11459,7 @@
                 <a:latin typeface="Times New Roman" panose="02020603050405020304" pitchFamily="18" charset="0"/>
                 <a:cs typeface="Times New Roman" panose="02020603050405020304" pitchFamily="18" charset="0"/>
               </a:rPr>
-              <a:t>99 / 99</a:t>
+              <a:t>14 / 38</a:t>
             </a:r>
             <a:endParaRPr lang="zh-CN" altLang="en-US" sz="1800" b="1" dirty="0">
               <a:latin typeface="Times New Roman" panose="02020603050405020304" pitchFamily="18" charset="0"/>
@@ -14207,7 +14813,7 @@
 </p:sld>
 </file>
 
-<file path=ppt/slides/slide14.xml><?xml version="1.0" encoding="utf-8"?>
+<file path=ppt/slides/slide15.xml><?xml version="1.0" encoding="utf-8"?>
 <p:sld xmlns:a="http://schemas.openxmlformats.org/drawingml/2006/main" xmlns:r="http://schemas.openxmlformats.org/officeDocument/2006/relationships" xmlns:p="http://schemas.openxmlformats.org/presentationml/2006/main">
   <p:cSld>
     <p:spTree>
@@ -14553,7 +15159,7 @@
                 <a:latin typeface="Times New Roman" panose="02020603050405020304" pitchFamily="18" charset="0"/>
                 <a:cs typeface="Times New Roman" panose="02020603050405020304" pitchFamily="18" charset="0"/>
               </a:rPr>
-              <a:t>99 / 99</a:t>
+              <a:t>15 / 38</a:t>
             </a:r>
             <a:endParaRPr lang="zh-CN" altLang="en-US" sz="1800" b="1" dirty="0">
               <a:latin typeface="Times New Roman" panose="02020603050405020304" pitchFamily="18" charset="0"/>
@@ -15411,7 +16017,7 @@
 </p:sld>
 </file>
 
-<file path=ppt/slides/slide15.xml><?xml version="1.0" encoding="utf-8"?>
+<file path=ppt/slides/slide16.xml><?xml version="1.0" encoding="utf-8"?>
 <p:sld xmlns:a="http://schemas.openxmlformats.org/drawingml/2006/main" xmlns:r="http://schemas.openxmlformats.org/officeDocument/2006/relationships" xmlns:p="http://schemas.openxmlformats.org/presentationml/2006/main">
   <p:cSld>
     <p:spTree>
@@ -15757,7 +16363,7 @@
                 <a:latin typeface="Times New Roman" panose="02020603050405020304" pitchFamily="18" charset="0"/>
                 <a:cs typeface="Times New Roman" panose="02020603050405020304" pitchFamily="18" charset="0"/>
               </a:rPr>
-              <a:t>99 / 99</a:t>
+              <a:t>16 / 38</a:t>
             </a:r>
             <a:endParaRPr lang="zh-CN" altLang="en-US" sz="1800" b="1" dirty="0">
               <a:latin typeface="Times New Roman" panose="02020603050405020304" pitchFamily="18" charset="0"/>
@@ -15956,7 +16562,7 @@
 </p:sld>
 </file>
 
-<file path=ppt/slides/slide16.xml><?xml version="1.0" encoding="utf-8"?>
+<file path=ppt/slides/slide17.xml><?xml version="1.0" encoding="utf-8"?>
 <p:sld xmlns:a="http://schemas.openxmlformats.org/drawingml/2006/main" xmlns:r="http://schemas.openxmlformats.org/officeDocument/2006/relationships" xmlns:p="http://schemas.openxmlformats.org/presentationml/2006/main">
   <p:cSld>
     <p:spTree>
@@ -16302,7 +16908,7 @@
                 <a:latin typeface="Times New Roman" panose="02020603050405020304" pitchFamily="18" charset="0"/>
                 <a:cs typeface="Times New Roman" panose="02020603050405020304" pitchFamily="18" charset="0"/>
               </a:rPr>
-              <a:t>99 / 99</a:t>
+              <a:t>17 / 38</a:t>
             </a:r>
             <a:endParaRPr lang="zh-CN" altLang="en-US" sz="1800" b="1" dirty="0">
               <a:latin typeface="Times New Roman" panose="02020603050405020304" pitchFamily="18" charset="0"/>
@@ -16354,7 +16960,7 @@
 </p:sld>
 </file>
 
-<file path=ppt/slides/slide17.xml><?xml version="1.0" encoding="utf-8"?>
+<file path=ppt/slides/slide18.xml><?xml version="1.0" encoding="utf-8"?>
 <p:sld xmlns:a="http://schemas.openxmlformats.org/drawingml/2006/main" xmlns:r="http://schemas.openxmlformats.org/officeDocument/2006/relationships" xmlns:p="http://schemas.openxmlformats.org/presentationml/2006/main">
   <p:cSld>
     <p:spTree>
@@ -16700,7 +17306,7 @@
                 <a:latin typeface="Times New Roman" panose="02020603050405020304" pitchFamily="18" charset="0"/>
                 <a:cs typeface="Times New Roman" panose="02020603050405020304" pitchFamily="18" charset="0"/>
               </a:rPr>
-              <a:t>99 / 99</a:t>
+              <a:t>18 / 38</a:t>
             </a:r>
             <a:endParaRPr lang="zh-CN" altLang="en-US" sz="1800" b="1" dirty="0">
               <a:latin typeface="Times New Roman" panose="02020603050405020304" pitchFamily="18" charset="0"/>
@@ -16949,7 +17555,7 @@
 </p:sld>
 </file>
 
-<file path=ppt/slides/slide18.xml><?xml version="1.0" encoding="utf-8"?>
+<file path=ppt/slides/slide19.xml><?xml version="1.0" encoding="utf-8"?>
 <p:sld xmlns:a="http://schemas.openxmlformats.org/drawingml/2006/main" xmlns:r="http://schemas.openxmlformats.org/officeDocument/2006/relationships" xmlns:p="http://schemas.openxmlformats.org/presentationml/2006/main">
   <p:cSld>
     <p:spTree>
@@ -17295,7 +17901,7 @@
                 <a:latin typeface="Times New Roman" panose="02020603050405020304" pitchFamily="18" charset="0"/>
                 <a:cs typeface="Times New Roman" panose="02020603050405020304" pitchFamily="18" charset="0"/>
               </a:rPr>
-              <a:t>99 / 99</a:t>
+              <a:t>19 / 38</a:t>
             </a:r>
             <a:endParaRPr lang="zh-CN" altLang="en-US" sz="1800" b="1" dirty="0">
               <a:latin typeface="Times New Roman" panose="02020603050405020304" pitchFamily="18" charset="0"/>
@@ -17394,7 +18000,7 @@
 </p:sld>
 </file>
 
-<file path=ppt/slides/slide19.xml><?xml version="1.0" encoding="utf-8"?>
+<file path=ppt/slides/slide2.xml><?xml version="1.0" encoding="utf-8"?>
 <p:sld xmlns:a="http://schemas.openxmlformats.org/drawingml/2006/main" xmlns:r="http://schemas.openxmlformats.org/officeDocument/2006/relationships" xmlns:p="http://schemas.openxmlformats.org/presentationml/2006/main">
   <p:cSld>
     <p:spTree>
@@ -17675,7 +18281,7 @@
                 <a:latin typeface="Times New Roman" panose="02020603050405020304" pitchFamily="18" charset="0"/>
                 <a:cs typeface="Times New Roman" panose="02020603050405020304" pitchFamily="18" charset="0"/>
               </a:rPr>
-              <a:t>Method</a:t>
+              <a:t>Parts</a:t>
             </a:r>
             <a:endParaRPr lang="zh-CN" altLang="en-US" sz="4000" dirty="0">
               <a:solidFill>
@@ -17740,7 +18346,7 @@
                 <a:latin typeface="Times New Roman" panose="02020603050405020304" pitchFamily="18" charset="0"/>
                 <a:cs typeface="Times New Roman" panose="02020603050405020304" pitchFamily="18" charset="0"/>
               </a:rPr>
-              <a:t>99 / 99</a:t>
+              <a:t>02 / 38</a:t>
             </a:r>
             <a:endParaRPr lang="zh-CN" altLang="en-US" sz="1800" b="1" dirty="0">
               <a:latin typeface="Times New Roman" panose="02020603050405020304" pitchFamily="18" charset="0"/>
@@ -17801,7 +18407,7 @@
           <p:cNvPr id="4" name="文本框 3">
             <a:extLst>
               <a:ext uri="{FF2B5EF4-FFF2-40B4-BE49-F238E27FC236}">
-                <a16:creationId xmlns:a16="http://schemas.microsoft.com/office/drawing/2014/main" id="{52683510-BC21-D98F-BD36-7FC97700AEFE}"/>
+                <a16:creationId xmlns:a16="http://schemas.microsoft.com/office/drawing/2014/main" id="{79382212-40B2-FA6B-EF2C-8ECD56A7873F}"/>
               </a:ext>
             </a:extLst>
           </p:cNvPr>
@@ -17810,8 +18416,8 @@
         </p:nvSpPr>
         <p:spPr>
           <a:xfrm>
-            <a:off x="7629" y="671791"/>
-            <a:ext cx="5405909" cy="461665"/>
+            <a:off x="1231541" y="1580227"/>
+            <a:ext cx="4090118" cy="2554545"/>
           </a:xfrm>
           <a:prstGeom prst="rect">
             <a:avLst/>
@@ -17824,482 +18430,91 @@
           </a:bodyPr>
           <a:lstStyle/>
           <a:p>
-            <a:r>
-              <a:rPr lang="fr-FR" altLang="zh-CN" sz="2400" b="1" dirty="0">
+            <a:pPr marL="285750" indent="-285750">
+              <a:buFont typeface="Wingdings" panose="05000000000000000000" pitchFamily="2" charset="2"/>
+              <a:buChar char="l"/>
+            </a:pPr>
+            <a:r>
+              <a:rPr lang="en-US" altLang="zh-CN" sz="3200" dirty="0">
                 <a:solidFill>
-                  <a:schemeClr val="bg1"/>
+                  <a:srgbClr val="FAF1B4"/>
                 </a:solidFill>
                 <a:latin typeface="Times New Roman" panose="02020603050405020304" pitchFamily="18" charset="0"/>
                 <a:cs typeface="Times New Roman" panose="02020603050405020304" pitchFamily="18" charset="0"/>
               </a:rPr>
-              <a:t>Intraclass Correlation Coefficient (ICC)</a:t>
-            </a:r>
-            <a:endParaRPr lang="zh-CN" altLang="en-US" sz="2400" b="1" dirty="0">
-              <a:solidFill>
-                <a:schemeClr val="bg1"/>
-              </a:solidFill>
-              <a:latin typeface="Times New Roman" panose="02020603050405020304" pitchFamily="18" charset="0"/>
-              <a:cs typeface="Times New Roman" panose="02020603050405020304" pitchFamily="18" charset="0"/>
-            </a:endParaRPr>
-          </a:p>
-        </p:txBody>
-      </p:sp>
-      <p:grpSp>
-        <p:nvGrpSpPr>
-          <p:cNvPr id="9" name="组合 8">
-            <a:extLst>
-              <a:ext uri="{FF2B5EF4-FFF2-40B4-BE49-F238E27FC236}">
-                <a16:creationId xmlns:a16="http://schemas.microsoft.com/office/drawing/2014/main" id="{3A1A110D-C2C5-0E4B-E9D0-E3041BDB2592}"/>
-              </a:ext>
-            </a:extLst>
-          </p:cNvPr>
-          <p:cNvGrpSpPr/>
-          <p:nvPr/>
-        </p:nvGrpSpPr>
-        <p:grpSpPr>
-          <a:xfrm>
-            <a:off x="412474" y="1550897"/>
-            <a:ext cx="1225825" cy="1517547"/>
-            <a:chOff x="360979" y="1901417"/>
-            <a:chExt cx="1225825" cy="1517547"/>
-          </a:xfrm>
-        </p:grpSpPr>
-        <p:pic>
-          <p:nvPicPr>
-            <p:cNvPr id="7" name="图片 6">
-              <a:extLst>
-                <a:ext uri="{FF2B5EF4-FFF2-40B4-BE49-F238E27FC236}">
-                  <a16:creationId xmlns:a16="http://schemas.microsoft.com/office/drawing/2014/main" id="{BDA4A552-3105-AF17-0C3B-F681629229EA}"/>
-                </a:ext>
-              </a:extLst>
-            </p:cNvPr>
-            <p:cNvPicPr>
-              <a:picLocks noChangeAspect="1"/>
-            </p:cNvPicPr>
-            <p:nvPr/>
-          </p:nvPicPr>
-          <p:blipFill>
-            <a:blip r:embed="rId3"/>
-            <a:stretch>
-              <a:fillRect/>
-            </a:stretch>
-          </p:blipFill>
-          <p:spPr>
-            <a:xfrm>
-              <a:off x="360979" y="2301527"/>
-              <a:ext cx="1225825" cy="1117437"/>
-            </a:xfrm>
-            <a:prstGeom prst="rect">
-              <a:avLst/>
-            </a:prstGeom>
-          </p:spPr>
-        </p:pic>
-        <p:sp>
-          <p:nvSpPr>
-            <p:cNvPr id="8" name="文本框 7">
-              <a:extLst>
-                <a:ext uri="{FF2B5EF4-FFF2-40B4-BE49-F238E27FC236}">
-                  <a16:creationId xmlns:a16="http://schemas.microsoft.com/office/drawing/2014/main" id="{4CFA097A-B5D0-683A-5703-FD959837CE27}"/>
-                </a:ext>
-              </a:extLst>
-            </p:cNvPr>
-            <p:cNvSpPr txBox="1"/>
-            <p:nvPr/>
-          </p:nvSpPr>
-          <p:spPr>
-            <a:xfrm>
-              <a:off x="360979" y="1901417"/>
-              <a:ext cx="1225825" cy="400110"/>
-            </a:xfrm>
-            <a:prstGeom prst="rect">
-              <a:avLst/>
-            </a:prstGeom>
-            <a:noFill/>
-          </p:spPr>
-          <p:txBody>
-            <a:bodyPr wrap="square" rtlCol="0">
-              <a:spAutoFit/>
-            </a:bodyPr>
-            <a:lstStyle/>
-            <a:p>
-              <a:pPr algn="ctr"/>
-              <a:r>
-                <a:rPr lang="en-US" altLang="zh-CN" sz="2000" b="1" dirty="0">
-                  <a:solidFill>
-                    <a:schemeClr val="bg1"/>
-                  </a:solidFill>
-                  <a:latin typeface="Times New Roman" panose="02020603050405020304" pitchFamily="18" charset="0"/>
-                  <a:cs typeface="Times New Roman" panose="02020603050405020304" pitchFamily="18" charset="0"/>
-                </a:rPr>
-                <a:t>SPMT</a:t>
-              </a:r>
-              <a:endParaRPr lang="zh-CN" altLang="en-US" sz="2000" b="1" dirty="0">
+              <a:t> Introduction </a:t>
+            </a:r>
+          </a:p>
+          <a:p>
+            <a:pPr marL="285750" indent="-285750">
+              <a:buFont typeface="Wingdings" panose="05000000000000000000" pitchFamily="2" charset="2"/>
+              <a:buChar char="l"/>
+            </a:pPr>
+            <a:r>
+              <a:rPr lang="en-US" altLang="zh-CN" sz="3200" dirty="0">
                 <a:solidFill>
-                  <a:schemeClr val="bg1"/>
+                  <a:srgbClr val="FAF1B4"/>
                 </a:solidFill>
                 <a:latin typeface="Times New Roman" panose="02020603050405020304" pitchFamily="18" charset="0"/>
                 <a:cs typeface="Times New Roman" panose="02020603050405020304" pitchFamily="18" charset="0"/>
-              </a:endParaRPr>
-            </a:p>
-          </p:txBody>
-        </p:sp>
-      </p:grpSp>
-      <p:grpSp>
-        <p:nvGrpSpPr>
-          <p:cNvPr id="11" name="组合 10">
-            <a:extLst>
-              <a:ext uri="{FF2B5EF4-FFF2-40B4-BE49-F238E27FC236}">
-                <a16:creationId xmlns:a16="http://schemas.microsoft.com/office/drawing/2014/main" id="{C777183D-B219-ABD9-3F33-4FFBD3B8E92A}"/>
-              </a:ext>
-            </a:extLst>
-          </p:cNvPr>
-          <p:cNvGrpSpPr/>
-          <p:nvPr/>
-        </p:nvGrpSpPr>
-        <p:grpSpPr>
-          <a:xfrm>
-            <a:off x="2663687" y="1550897"/>
-            <a:ext cx="1225825" cy="1517547"/>
-            <a:chOff x="360979" y="1901417"/>
-            <a:chExt cx="1225825" cy="1517547"/>
-          </a:xfrm>
-        </p:grpSpPr>
-        <p:pic>
-          <p:nvPicPr>
-            <p:cNvPr id="13" name="图片 12">
-              <a:extLst>
-                <a:ext uri="{FF2B5EF4-FFF2-40B4-BE49-F238E27FC236}">
-                  <a16:creationId xmlns:a16="http://schemas.microsoft.com/office/drawing/2014/main" id="{B54D78E0-4F43-8897-EA39-410CE4973643}"/>
-                </a:ext>
-              </a:extLst>
-            </p:cNvPr>
-            <p:cNvPicPr>
-              <a:picLocks noChangeAspect="1"/>
-            </p:cNvPicPr>
-            <p:nvPr/>
-          </p:nvPicPr>
-          <p:blipFill>
-            <a:blip r:embed="rId3"/>
-            <a:stretch>
-              <a:fillRect/>
-            </a:stretch>
-          </p:blipFill>
-          <p:spPr>
-            <a:xfrm>
-              <a:off x="360979" y="2301527"/>
-              <a:ext cx="1225825" cy="1117437"/>
-            </a:xfrm>
-            <a:prstGeom prst="rect">
-              <a:avLst/>
-            </a:prstGeom>
-          </p:spPr>
-        </p:pic>
-        <p:sp>
-          <p:nvSpPr>
-            <p:cNvPr id="14" name="文本框 13">
-              <a:extLst>
-                <a:ext uri="{FF2B5EF4-FFF2-40B4-BE49-F238E27FC236}">
-                  <a16:creationId xmlns:a16="http://schemas.microsoft.com/office/drawing/2014/main" id="{88EC7CDA-447F-B305-5EAC-A8329372CC8B}"/>
-                </a:ext>
-              </a:extLst>
-            </p:cNvPr>
-            <p:cNvSpPr txBox="1"/>
-            <p:nvPr/>
-          </p:nvSpPr>
-          <p:spPr>
-            <a:xfrm>
-              <a:off x="360979" y="1901417"/>
-              <a:ext cx="1225825" cy="400110"/>
-            </a:xfrm>
-            <a:prstGeom prst="rect">
-              <a:avLst/>
-            </a:prstGeom>
-            <a:noFill/>
-          </p:spPr>
-          <p:txBody>
-            <a:bodyPr wrap="square" rtlCol="0">
-              <a:spAutoFit/>
-            </a:bodyPr>
-            <a:lstStyle/>
-            <a:p>
-              <a:pPr algn="ctr"/>
-              <a:r>
-                <a:rPr lang="en-US" altLang="zh-CN" sz="2000" b="1" dirty="0">
-                  <a:solidFill>
-                    <a:schemeClr val="bg1"/>
-                  </a:solidFill>
-                  <a:latin typeface="Times New Roman" panose="02020603050405020304" pitchFamily="18" charset="0"/>
-                  <a:cs typeface="Times New Roman" panose="02020603050405020304" pitchFamily="18" charset="0"/>
-                </a:rPr>
-                <a:t>SPMT</a:t>
-              </a:r>
-              <a:endParaRPr lang="zh-CN" altLang="en-US" sz="2000" b="1" dirty="0">
+              </a:rPr>
+              <a:t> Method</a:t>
+            </a:r>
+          </a:p>
+          <a:p>
+            <a:pPr marL="285750" indent="-285750">
+              <a:buFont typeface="Wingdings" panose="05000000000000000000" pitchFamily="2" charset="2"/>
+              <a:buChar char="l"/>
+            </a:pPr>
+            <a:r>
+              <a:rPr lang="en-US" altLang="zh-CN" sz="3200" dirty="0">
                 <a:solidFill>
-                  <a:schemeClr val="bg1"/>
+                  <a:srgbClr val="FAF1B4"/>
                 </a:solidFill>
                 <a:latin typeface="Times New Roman" panose="02020603050405020304" pitchFamily="18" charset="0"/>
                 <a:cs typeface="Times New Roman" panose="02020603050405020304" pitchFamily="18" charset="0"/>
-              </a:endParaRPr>
-            </a:p>
-          </p:txBody>
-        </p:sp>
-      </p:grpSp>
-      <p:grpSp>
-        <p:nvGrpSpPr>
-          <p:cNvPr id="15" name="组合 14">
-            <a:extLst>
-              <a:ext uri="{FF2B5EF4-FFF2-40B4-BE49-F238E27FC236}">
-                <a16:creationId xmlns:a16="http://schemas.microsoft.com/office/drawing/2014/main" id="{05F40771-5CAF-2E4F-D8A6-CA24D10306A5}"/>
-              </a:ext>
-            </a:extLst>
-          </p:cNvPr>
-          <p:cNvGrpSpPr/>
-          <p:nvPr/>
-        </p:nvGrpSpPr>
-        <p:grpSpPr>
-          <a:xfrm>
-            <a:off x="4800625" y="1550897"/>
-            <a:ext cx="1225825" cy="1517547"/>
-            <a:chOff x="360979" y="1901417"/>
-            <a:chExt cx="1225825" cy="1517547"/>
-          </a:xfrm>
-        </p:grpSpPr>
-        <p:pic>
-          <p:nvPicPr>
-            <p:cNvPr id="18" name="图片 17">
-              <a:extLst>
-                <a:ext uri="{FF2B5EF4-FFF2-40B4-BE49-F238E27FC236}">
-                  <a16:creationId xmlns:a16="http://schemas.microsoft.com/office/drawing/2014/main" id="{F3CCDC7A-EE64-5052-42B1-300A56698B36}"/>
-                </a:ext>
-              </a:extLst>
-            </p:cNvPr>
-            <p:cNvPicPr>
-              <a:picLocks noChangeAspect="1"/>
-            </p:cNvPicPr>
-            <p:nvPr/>
-          </p:nvPicPr>
-          <p:blipFill>
-            <a:blip r:embed="rId3"/>
-            <a:stretch>
-              <a:fillRect/>
-            </a:stretch>
-          </p:blipFill>
-          <p:spPr>
-            <a:xfrm>
-              <a:off x="360979" y="2301527"/>
-              <a:ext cx="1225825" cy="1117437"/>
-            </a:xfrm>
-            <a:prstGeom prst="rect">
-              <a:avLst/>
-            </a:prstGeom>
-          </p:spPr>
-        </p:pic>
-        <p:sp>
-          <p:nvSpPr>
-            <p:cNvPr id="19" name="文本框 18">
-              <a:extLst>
-                <a:ext uri="{FF2B5EF4-FFF2-40B4-BE49-F238E27FC236}">
-                  <a16:creationId xmlns:a16="http://schemas.microsoft.com/office/drawing/2014/main" id="{8298DA1A-D2E2-E5E3-9FB2-29B0E650764B}"/>
-                </a:ext>
-              </a:extLst>
-            </p:cNvPr>
-            <p:cNvSpPr txBox="1"/>
-            <p:nvPr/>
-          </p:nvSpPr>
-          <p:spPr>
-            <a:xfrm>
-              <a:off x="360979" y="1901417"/>
-              <a:ext cx="1225825" cy="400110"/>
-            </a:xfrm>
-            <a:prstGeom prst="rect">
-              <a:avLst/>
-            </a:prstGeom>
-            <a:noFill/>
-          </p:spPr>
-          <p:txBody>
-            <a:bodyPr wrap="square" rtlCol="0">
-              <a:spAutoFit/>
-            </a:bodyPr>
-            <a:lstStyle/>
-            <a:p>
-              <a:pPr algn="ctr"/>
-              <a:r>
-                <a:rPr lang="en-US" altLang="zh-CN" sz="2000" b="1" dirty="0">
-                  <a:solidFill>
-                    <a:schemeClr val="bg1"/>
-                  </a:solidFill>
-                  <a:latin typeface="Times New Roman" panose="02020603050405020304" pitchFamily="18" charset="0"/>
-                  <a:cs typeface="Times New Roman" panose="02020603050405020304" pitchFamily="18" charset="0"/>
-                </a:rPr>
-                <a:t>SPMT</a:t>
-              </a:r>
-              <a:endParaRPr lang="zh-CN" altLang="en-US" sz="2000" b="1" dirty="0">
+              </a:rPr>
+              <a:t> Result</a:t>
+            </a:r>
+          </a:p>
+          <a:p>
+            <a:pPr marL="285750" indent="-285750">
+              <a:buFont typeface="Wingdings" panose="05000000000000000000" pitchFamily="2" charset="2"/>
+              <a:buChar char="l"/>
+            </a:pPr>
+            <a:r>
+              <a:rPr lang="en-US" altLang="zh-CN" sz="3200" dirty="0">
                 <a:solidFill>
-                  <a:schemeClr val="bg1"/>
+                  <a:srgbClr val="FAF1B4"/>
                 </a:solidFill>
                 <a:latin typeface="Times New Roman" panose="02020603050405020304" pitchFamily="18" charset="0"/>
                 <a:cs typeface="Times New Roman" panose="02020603050405020304" pitchFamily="18" charset="0"/>
-              </a:endParaRPr>
-            </a:p>
-          </p:txBody>
-        </p:sp>
-      </p:grpSp>
-      <p:sp>
-        <p:nvSpPr>
-          <p:cNvPr id="20" name="文本框 19">
-            <a:extLst>
-              <a:ext uri="{FF2B5EF4-FFF2-40B4-BE49-F238E27FC236}">
-                <a16:creationId xmlns:a16="http://schemas.microsoft.com/office/drawing/2014/main" id="{8FF8BD17-20BF-AADE-2209-64B9DC598776}"/>
-              </a:ext>
-            </a:extLst>
-          </p:cNvPr>
-          <p:cNvSpPr txBox="1"/>
-          <p:nvPr/>
-        </p:nvSpPr>
-        <p:spPr>
-          <a:xfrm>
-            <a:off x="1899949" y="2161871"/>
-            <a:ext cx="417333" cy="646331"/>
-          </a:xfrm>
-          <a:prstGeom prst="rect">
-            <a:avLst/>
-          </a:prstGeom>
-          <a:noFill/>
-        </p:spPr>
-        <p:txBody>
-          <a:bodyPr wrap="square" rtlCol="0">
-            <a:spAutoFit/>
-          </a:bodyPr>
-          <a:lstStyle/>
-          <a:p>
-            <a:pPr algn="ctr"/>
-            <a:r>
-              <a:rPr lang="en-US" altLang="zh-CN" sz="3600" dirty="0">
+              </a:rPr>
+              <a:t> Discussion</a:t>
+            </a:r>
+          </a:p>
+          <a:p>
+            <a:pPr marL="285750" indent="-285750">
+              <a:buFont typeface="Wingdings" panose="05000000000000000000" pitchFamily="2" charset="2"/>
+              <a:buChar char="l"/>
+            </a:pPr>
+            <a:r>
+              <a:rPr lang="en-US" altLang="zh-CN" sz="3200" dirty="0">
                 <a:solidFill>
-                  <a:schemeClr val="bg1"/>
+                  <a:srgbClr val="FAF1B4"/>
                 </a:solidFill>
-              </a:rPr>
-              <a:t>…</a:t>
-            </a:r>
-            <a:endParaRPr lang="zh-CN" altLang="en-US" sz="3600" dirty="0">
-              <a:solidFill>
-                <a:schemeClr val="bg1"/>
-              </a:solidFill>
-            </a:endParaRPr>
-          </a:p>
-        </p:txBody>
-      </p:sp>
-      <p:sp>
-        <p:nvSpPr>
-          <p:cNvPr id="21" name="文本框 20">
-            <a:extLst>
-              <a:ext uri="{FF2B5EF4-FFF2-40B4-BE49-F238E27FC236}">
-                <a16:creationId xmlns:a16="http://schemas.microsoft.com/office/drawing/2014/main" id="{2A64325B-B66C-1788-47EB-F77F365E23D7}"/>
-              </a:ext>
-            </a:extLst>
-          </p:cNvPr>
-          <p:cNvSpPr txBox="1"/>
-          <p:nvPr/>
-        </p:nvSpPr>
-        <p:spPr>
-          <a:xfrm>
-            <a:off x="4095278" y="2161871"/>
-            <a:ext cx="417333" cy="646331"/>
-          </a:xfrm>
-          <a:prstGeom prst="rect">
-            <a:avLst/>
-          </a:prstGeom>
-          <a:noFill/>
-        </p:spPr>
-        <p:txBody>
-          <a:bodyPr wrap="square" rtlCol="0">
-            <a:spAutoFit/>
-          </a:bodyPr>
-          <a:lstStyle/>
-          <a:p>
-            <a:pPr algn="ctr"/>
-            <a:r>
-              <a:rPr lang="en-US" altLang="zh-CN" sz="3600" dirty="0">
-                <a:solidFill>
-                  <a:schemeClr val="bg1"/>
-                </a:solidFill>
-              </a:rPr>
-              <a:t>…</a:t>
-            </a:r>
-            <a:endParaRPr lang="zh-CN" altLang="en-US" sz="3600" dirty="0">
-              <a:solidFill>
-                <a:schemeClr val="bg1"/>
-              </a:solidFill>
-            </a:endParaRPr>
-          </a:p>
-        </p:txBody>
-      </p:sp>
-      <p:sp>
-        <p:nvSpPr>
-          <p:cNvPr id="23" name="文本框 22">
-            <a:extLst>
-              <a:ext uri="{FF2B5EF4-FFF2-40B4-BE49-F238E27FC236}">
-                <a16:creationId xmlns:a16="http://schemas.microsoft.com/office/drawing/2014/main" id="{0B6A4D46-7B0A-6631-C85D-EC98034C9893}"/>
-              </a:ext>
-            </a:extLst>
-          </p:cNvPr>
-          <p:cNvSpPr txBox="1"/>
-          <p:nvPr/>
-        </p:nvSpPr>
-        <p:spPr>
-          <a:xfrm>
-            <a:off x="412474" y="3514504"/>
-            <a:ext cx="5613976" cy="1477328"/>
-          </a:xfrm>
-          <a:prstGeom prst="rect">
-            <a:avLst/>
-          </a:prstGeom>
-          <a:noFill/>
-        </p:spPr>
-        <p:txBody>
-          <a:bodyPr wrap="square">
-            <a:spAutoFit/>
-          </a:bodyPr>
-          <a:lstStyle/>
-          <a:p>
-            <a:pPr marL="285750" indent="-285750">
-              <a:buFont typeface="Arial" panose="020B0604020202020204" pitchFamily="34" charset="0"/>
-              <a:buChar char="•"/>
-            </a:pPr>
-            <a:r>
-              <a:rPr lang="en-US" altLang="zh-CN" dirty="0">
-                <a:solidFill>
-                  <a:schemeClr val="bg1"/>
-                </a:solidFill>
-              </a:rPr>
-              <a:t>How much of the variation in the data can be attributed to differences between raters or repeated measurements.</a:t>
-            </a:r>
-          </a:p>
-          <a:p>
-            <a:pPr marL="285750" indent="-285750">
-              <a:buFont typeface="Arial" panose="020B0604020202020204" pitchFamily="34" charset="0"/>
-              <a:buChar char="•"/>
-            </a:pPr>
-            <a:r>
-              <a:rPr lang="en-US" altLang="zh-CN" dirty="0">
-                <a:solidFill>
-                  <a:schemeClr val="bg1"/>
-                </a:solidFill>
-              </a:rPr>
-              <a:t>How much can be attributed to differences within the subjects being measured. </a:t>
-            </a:r>
-            <a:endParaRPr lang="zh-CN" altLang="en-US" dirty="0">
-              <a:solidFill>
-                <a:schemeClr val="bg1"/>
-              </a:solidFill>
-            </a:endParaRPr>
+                <a:latin typeface="Times New Roman" panose="02020603050405020304" pitchFamily="18" charset="0"/>
+                <a:cs typeface="Times New Roman" panose="02020603050405020304" pitchFamily="18" charset="0"/>
+              </a:rPr>
+              <a:t> Folder System</a:t>
+            </a:r>
           </a:p>
         </p:txBody>
       </p:sp>
     </p:spTree>
     <p:extLst>
       <p:ext uri="{BB962C8B-B14F-4D97-AF65-F5344CB8AC3E}">
-        <p14:creationId xmlns:p14="http://schemas.microsoft.com/office/powerpoint/2010/main" val="441544337"/>
+        <p14:creationId xmlns:p14="http://schemas.microsoft.com/office/powerpoint/2010/main" val="4168884240"/>
       </p:ext>
     </p:extLst>
   </p:cSld>
@@ -18309,7 +18524,7 @@
 </p:sld>
 </file>
 
-<file path=ppt/slides/slide2.xml><?xml version="1.0" encoding="utf-8"?>
+<file path=ppt/slides/slide20.xml><?xml version="1.0" encoding="utf-8"?>
 <p:sld xmlns:a="http://schemas.openxmlformats.org/drawingml/2006/main" xmlns:r="http://schemas.openxmlformats.org/officeDocument/2006/relationships" xmlns:p="http://schemas.openxmlformats.org/presentationml/2006/main">
   <p:cSld>
     <p:spTree>
@@ -18590,7 +18805,7 @@
                 <a:latin typeface="Times New Roman" panose="02020603050405020304" pitchFamily="18" charset="0"/>
                 <a:cs typeface="Times New Roman" panose="02020603050405020304" pitchFamily="18" charset="0"/>
               </a:rPr>
-              <a:t>Parts</a:t>
+              <a:t>Method</a:t>
             </a:r>
             <a:endParaRPr lang="zh-CN" altLang="en-US" sz="4000" dirty="0">
               <a:solidFill>
@@ -18655,7 +18870,7 @@
                 <a:latin typeface="Times New Roman" panose="02020603050405020304" pitchFamily="18" charset="0"/>
                 <a:cs typeface="Times New Roman" panose="02020603050405020304" pitchFamily="18" charset="0"/>
               </a:rPr>
-              <a:t>99 / 99</a:t>
+              <a:t>20 / 38</a:t>
             </a:r>
             <a:endParaRPr lang="zh-CN" altLang="en-US" sz="1800" b="1" dirty="0">
               <a:latin typeface="Times New Roman" panose="02020603050405020304" pitchFamily="18" charset="0"/>
@@ -18716,7 +18931,7 @@
           <p:cNvPr id="4" name="文本框 3">
             <a:extLst>
               <a:ext uri="{FF2B5EF4-FFF2-40B4-BE49-F238E27FC236}">
-                <a16:creationId xmlns:a16="http://schemas.microsoft.com/office/drawing/2014/main" id="{79382212-40B2-FA6B-EF2C-8ECD56A7873F}"/>
+                <a16:creationId xmlns:a16="http://schemas.microsoft.com/office/drawing/2014/main" id="{52683510-BC21-D98F-BD36-7FC97700AEFE}"/>
               </a:ext>
             </a:extLst>
           </p:cNvPr>
@@ -18725,8 +18940,8 @@
         </p:nvSpPr>
         <p:spPr>
           <a:xfrm>
-            <a:off x="1231541" y="1580227"/>
-            <a:ext cx="4090118" cy="2554545"/>
+            <a:off x="7629" y="671791"/>
+            <a:ext cx="5405909" cy="461665"/>
           </a:xfrm>
           <a:prstGeom prst="rect">
             <a:avLst/>
@@ -18739,91 +18954,482 @@
           </a:bodyPr>
           <a:lstStyle/>
           <a:p>
-            <a:pPr marL="285750" indent="-285750">
-              <a:buFont typeface="Wingdings" panose="05000000000000000000" pitchFamily="2" charset="2"/>
-              <a:buChar char="l"/>
-            </a:pPr>
-            <a:r>
-              <a:rPr lang="en-US" altLang="zh-CN" sz="3200" dirty="0">
+            <a:r>
+              <a:rPr lang="fr-FR" altLang="zh-CN" sz="2400" b="1" dirty="0">
                 <a:solidFill>
                   <a:schemeClr val="bg1"/>
                 </a:solidFill>
                 <a:latin typeface="Times New Roman" panose="02020603050405020304" pitchFamily="18" charset="0"/>
                 <a:cs typeface="Times New Roman" panose="02020603050405020304" pitchFamily="18" charset="0"/>
               </a:rPr>
-              <a:t> Introduction </a:t>
-            </a:r>
-          </a:p>
-          <a:p>
-            <a:pPr marL="285750" indent="-285750">
-              <a:buFont typeface="Wingdings" panose="05000000000000000000" pitchFamily="2" charset="2"/>
-              <a:buChar char="l"/>
-            </a:pPr>
-            <a:r>
-              <a:rPr lang="en-US" altLang="zh-CN" sz="3200" dirty="0">
+              <a:t>Intraclass Correlation Coefficient (ICC)</a:t>
+            </a:r>
+            <a:endParaRPr lang="zh-CN" altLang="en-US" sz="2400" b="1" dirty="0">
+              <a:solidFill>
+                <a:schemeClr val="bg1"/>
+              </a:solidFill>
+              <a:latin typeface="Times New Roman" panose="02020603050405020304" pitchFamily="18" charset="0"/>
+              <a:cs typeface="Times New Roman" panose="02020603050405020304" pitchFamily="18" charset="0"/>
+            </a:endParaRPr>
+          </a:p>
+        </p:txBody>
+      </p:sp>
+      <p:grpSp>
+        <p:nvGrpSpPr>
+          <p:cNvPr id="9" name="组合 8">
+            <a:extLst>
+              <a:ext uri="{FF2B5EF4-FFF2-40B4-BE49-F238E27FC236}">
+                <a16:creationId xmlns:a16="http://schemas.microsoft.com/office/drawing/2014/main" id="{3A1A110D-C2C5-0E4B-E9D0-E3041BDB2592}"/>
+              </a:ext>
+            </a:extLst>
+          </p:cNvPr>
+          <p:cNvGrpSpPr/>
+          <p:nvPr/>
+        </p:nvGrpSpPr>
+        <p:grpSpPr>
+          <a:xfrm>
+            <a:off x="412474" y="1550897"/>
+            <a:ext cx="1225825" cy="1517547"/>
+            <a:chOff x="360979" y="1901417"/>
+            <a:chExt cx="1225825" cy="1517547"/>
+          </a:xfrm>
+        </p:grpSpPr>
+        <p:pic>
+          <p:nvPicPr>
+            <p:cNvPr id="7" name="图片 6">
+              <a:extLst>
+                <a:ext uri="{FF2B5EF4-FFF2-40B4-BE49-F238E27FC236}">
+                  <a16:creationId xmlns:a16="http://schemas.microsoft.com/office/drawing/2014/main" id="{BDA4A552-3105-AF17-0C3B-F681629229EA}"/>
+                </a:ext>
+              </a:extLst>
+            </p:cNvPr>
+            <p:cNvPicPr>
+              <a:picLocks noChangeAspect="1"/>
+            </p:cNvPicPr>
+            <p:nvPr/>
+          </p:nvPicPr>
+          <p:blipFill>
+            <a:blip r:embed="rId3"/>
+            <a:stretch>
+              <a:fillRect/>
+            </a:stretch>
+          </p:blipFill>
+          <p:spPr>
+            <a:xfrm>
+              <a:off x="360979" y="2301527"/>
+              <a:ext cx="1225825" cy="1117437"/>
+            </a:xfrm>
+            <a:prstGeom prst="rect">
+              <a:avLst/>
+            </a:prstGeom>
+          </p:spPr>
+        </p:pic>
+        <p:sp>
+          <p:nvSpPr>
+            <p:cNvPr id="8" name="文本框 7">
+              <a:extLst>
+                <a:ext uri="{FF2B5EF4-FFF2-40B4-BE49-F238E27FC236}">
+                  <a16:creationId xmlns:a16="http://schemas.microsoft.com/office/drawing/2014/main" id="{4CFA097A-B5D0-683A-5703-FD959837CE27}"/>
+                </a:ext>
+              </a:extLst>
+            </p:cNvPr>
+            <p:cNvSpPr txBox="1"/>
+            <p:nvPr/>
+          </p:nvSpPr>
+          <p:spPr>
+            <a:xfrm>
+              <a:off x="360979" y="1901417"/>
+              <a:ext cx="1225825" cy="400110"/>
+            </a:xfrm>
+            <a:prstGeom prst="rect">
+              <a:avLst/>
+            </a:prstGeom>
+            <a:noFill/>
+          </p:spPr>
+          <p:txBody>
+            <a:bodyPr wrap="square" rtlCol="0">
+              <a:spAutoFit/>
+            </a:bodyPr>
+            <a:lstStyle/>
+            <a:p>
+              <a:pPr algn="ctr"/>
+              <a:r>
+                <a:rPr lang="en-US" altLang="zh-CN" sz="2000" b="1" dirty="0">
+                  <a:solidFill>
+                    <a:schemeClr val="bg1"/>
+                  </a:solidFill>
+                  <a:latin typeface="Times New Roman" panose="02020603050405020304" pitchFamily="18" charset="0"/>
+                  <a:cs typeface="Times New Roman" panose="02020603050405020304" pitchFamily="18" charset="0"/>
+                </a:rPr>
+                <a:t>SPMT</a:t>
+              </a:r>
+              <a:endParaRPr lang="zh-CN" altLang="en-US" sz="2000" b="1" dirty="0">
                 <a:solidFill>
                   <a:schemeClr val="bg1"/>
                 </a:solidFill>
                 <a:latin typeface="Times New Roman" panose="02020603050405020304" pitchFamily="18" charset="0"/>
                 <a:cs typeface="Times New Roman" panose="02020603050405020304" pitchFamily="18" charset="0"/>
-              </a:rPr>
-              <a:t> Method</a:t>
-            </a:r>
-          </a:p>
-          <a:p>
-            <a:pPr marL="285750" indent="-285750">
-              <a:buFont typeface="Wingdings" panose="05000000000000000000" pitchFamily="2" charset="2"/>
-              <a:buChar char="l"/>
-            </a:pPr>
-            <a:r>
-              <a:rPr lang="en-US" altLang="zh-CN" sz="3200" dirty="0">
+              </a:endParaRPr>
+            </a:p>
+          </p:txBody>
+        </p:sp>
+      </p:grpSp>
+      <p:grpSp>
+        <p:nvGrpSpPr>
+          <p:cNvPr id="11" name="组合 10">
+            <a:extLst>
+              <a:ext uri="{FF2B5EF4-FFF2-40B4-BE49-F238E27FC236}">
+                <a16:creationId xmlns:a16="http://schemas.microsoft.com/office/drawing/2014/main" id="{C777183D-B219-ABD9-3F33-4FFBD3B8E92A}"/>
+              </a:ext>
+            </a:extLst>
+          </p:cNvPr>
+          <p:cNvGrpSpPr/>
+          <p:nvPr/>
+        </p:nvGrpSpPr>
+        <p:grpSpPr>
+          <a:xfrm>
+            <a:off x="2663687" y="1550897"/>
+            <a:ext cx="1225825" cy="1517547"/>
+            <a:chOff x="360979" y="1901417"/>
+            <a:chExt cx="1225825" cy="1517547"/>
+          </a:xfrm>
+        </p:grpSpPr>
+        <p:pic>
+          <p:nvPicPr>
+            <p:cNvPr id="13" name="图片 12">
+              <a:extLst>
+                <a:ext uri="{FF2B5EF4-FFF2-40B4-BE49-F238E27FC236}">
+                  <a16:creationId xmlns:a16="http://schemas.microsoft.com/office/drawing/2014/main" id="{B54D78E0-4F43-8897-EA39-410CE4973643}"/>
+                </a:ext>
+              </a:extLst>
+            </p:cNvPr>
+            <p:cNvPicPr>
+              <a:picLocks noChangeAspect="1"/>
+            </p:cNvPicPr>
+            <p:nvPr/>
+          </p:nvPicPr>
+          <p:blipFill>
+            <a:blip r:embed="rId3"/>
+            <a:stretch>
+              <a:fillRect/>
+            </a:stretch>
+          </p:blipFill>
+          <p:spPr>
+            <a:xfrm>
+              <a:off x="360979" y="2301527"/>
+              <a:ext cx="1225825" cy="1117437"/>
+            </a:xfrm>
+            <a:prstGeom prst="rect">
+              <a:avLst/>
+            </a:prstGeom>
+          </p:spPr>
+        </p:pic>
+        <p:sp>
+          <p:nvSpPr>
+            <p:cNvPr id="14" name="文本框 13">
+              <a:extLst>
+                <a:ext uri="{FF2B5EF4-FFF2-40B4-BE49-F238E27FC236}">
+                  <a16:creationId xmlns:a16="http://schemas.microsoft.com/office/drawing/2014/main" id="{88EC7CDA-447F-B305-5EAC-A8329372CC8B}"/>
+                </a:ext>
+              </a:extLst>
+            </p:cNvPr>
+            <p:cNvSpPr txBox="1"/>
+            <p:nvPr/>
+          </p:nvSpPr>
+          <p:spPr>
+            <a:xfrm>
+              <a:off x="360979" y="1901417"/>
+              <a:ext cx="1225825" cy="400110"/>
+            </a:xfrm>
+            <a:prstGeom prst="rect">
+              <a:avLst/>
+            </a:prstGeom>
+            <a:noFill/>
+          </p:spPr>
+          <p:txBody>
+            <a:bodyPr wrap="square" rtlCol="0">
+              <a:spAutoFit/>
+            </a:bodyPr>
+            <a:lstStyle/>
+            <a:p>
+              <a:pPr algn="ctr"/>
+              <a:r>
+                <a:rPr lang="en-US" altLang="zh-CN" sz="2000" b="1" dirty="0">
+                  <a:solidFill>
+                    <a:schemeClr val="bg1"/>
+                  </a:solidFill>
+                  <a:latin typeface="Times New Roman" panose="02020603050405020304" pitchFamily="18" charset="0"/>
+                  <a:cs typeface="Times New Roman" panose="02020603050405020304" pitchFamily="18" charset="0"/>
+                </a:rPr>
+                <a:t>SPMT</a:t>
+              </a:r>
+              <a:endParaRPr lang="zh-CN" altLang="en-US" sz="2000" b="1" dirty="0">
                 <a:solidFill>
                   <a:schemeClr val="bg1"/>
                 </a:solidFill>
                 <a:latin typeface="Times New Roman" panose="02020603050405020304" pitchFamily="18" charset="0"/>
                 <a:cs typeface="Times New Roman" panose="02020603050405020304" pitchFamily="18" charset="0"/>
-              </a:rPr>
-              <a:t> Result</a:t>
-            </a:r>
-          </a:p>
-          <a:p>
-            <a:pPr marL="285750" indent="-285750">
-              <a:buFont typeface="Wingdings" panose="05000000000000000000" pitchFamily="2" charset="2"/>
-              <a:buChar char="l"/>
-            </a:pPr>
-            <a:r>
-              <a:rPr lang="en-US" altLang="zh-CN" sz="3200" dirty="0">
+              </a:endParaRPr>
+            </a:p>
+          </p:txBody>
+        </p:sp>
+      </p:grpSp>
+      <p:grpSp>
+        <p:nvGrpSpPr>
+          <p:cNvPr id="15" name="组合 14">
+            <a:extLst>
+              <a:ext uri="{FF2B5EF4-FFF2-40B4-BE49-F238E27FC236}">
+                <a16:creationId xmlns:a16="http://schemas.microsoft.com/office/drawing/2014/main" id="{05F40771-5CAF-2E4F-D8A6-CA24D10306A5}"/>
+              </a:ext>
+            </a:extLst>
+          </p:cNvPr>
+          <p:cNvGrpSpPr/>
+          <p:nvPr/>
+        </p:nvGrpSpPr>
+        <p:grpSpPr>
+          <a:xfrm>
+            <a:off x="4800625" y="1550897"/>
+            <a:ext cx="1225825" cy="1517547"/>
+            <a:chOff x="360979" y="1901417"/>
+            <a:chExt cx="1225825" cy="1517547"/>
+          </a:xfrm>
+        </p:grpSpPr>
+        <p:pic>
+          <p:nvPicPr>
+            <p:cNvPr id="18" name="图片 17">
+              <a:extLst>
+                <a:ext uri="{FF2B5EF4-FFF2-40B4-BE49-F238E27FC236}">
+                  <a16:creationId xmlns:a16="http://schemas.microsoft.com/office/drawing/2014/main" id="{F3CCDC7A-EE64-5052-42B1-300A56698B36}"/>
+                </a:ext>
+              </a:extLst>
+            </p:cNvPr>
+            <p:cNvPicPr>
+              <a:picLocks noChangeAspect="1"/>
+            </p:cNvPicPr>
+            <p:nvPr/>
+          </p:nvPicPr>
+          <p:blipFill>
+            <a:blip r:embed="rId3"/>
+            <a:stretch>
+              <a:fillRect/>
+            </a:stretch>
+          </p:blipFill>
+          <p:spPr>
+            <a:xfrm>
+              <a:off x="360979" y="2301527"/>
+              <a:ext cx="1225825" cy="1117437"/>
+            </a:xfrm>
+            <a:prstGeom prst="rect">
+              <a:avLst/>
+            </a:prstGeom>
+          </p:spPr>
+        </p:pic>
+        <p:sp>
+          <p:nvSpPr>
+            <p:cNvPr id="19" name="文本框 18">
+              <a:extLst>
+                <a:ext uri="{FF2B5EF4-FFF2-40B4-BE49-F238E27FC236}">
+                  <a16:creationId xmlns:a16="http://schemas.microsoft.com/office/drawing/2014/main" id="{8298DA1A-D2E2-E5E3-9FB2-29B0E650764B}"/>
+                </a:ext>
+              </a:extLst>
+            </p:cNvPr>
+            <p:cNvSpPr txBox="1"/>
+            <p:nvPr/>
+          </p:nvSpPr>
+          <p:spPr>
+            <a:xfrm>
+              <a:off x="360979" y="1901417"/>
+              <a:ext cx="1225825" cy="400110"/>
+            </a:xfrm>
+            <a:prstGeom prst="rect">
+              <a:avLst/>
+            </a:prstGeom>
+            <a:noFill/>
+          </p:spPr>
+          <p:txBody>
+            <a:bodyPr wrap="square" rtlCol="0">
+              <a:spAutoFit/>
+            </a:bodyPr>
+            <a:lstStyle/>
+            <a:p>
+              <a:pPr algn="ctr"/>
+              <a:r>
+                <a:rPr lang="en-US" altLang="zh-CN" sz="2000" b="1" dirty="0">
+                  <a:solidFill>
+                    <a:schemeClr val="bg1"/>
+                  </a:solidFill>
+                  <a:latin typeface="Times New Roman" panose="02020603050405020304" pitchFamily="18" charset="0"/>
+                  <a:cs typeface="Times New Roman" panose="02020603050405020304" pitchFamily="18" charset="0"/>
+                </a:rPr>
+                <a:t>SPMT</a:t>
+              </a:r>
+              <a:endParaRPr lang="zh-CN" altLang="en-US" sz="2000" b="1" dirty="0">
                 <a:solidFill>
                   <a:schemeClr val="bg1"/>
                 </a:solidFill>
                 <a:latin typeface="Times New Roman" panose="02020603050405020304" pitchFamily="18" charset="0"/>
                 <a:cs typeface="Times New Roman" panose="02020603050405020304" pitchFamily="18" charset="0"/>
-              </a:rPr>
-              <a:t> Discussion</a:t>
-            </a:r>
-          </a:p>
-          <a:p>
-            <a:pPr marL="285750" indent="-285750">
-              <a:buFont typeface="Wingdings" panose="05000000000000000000" pitchFamily="2" charset="2"/>
-              <a:buChar char="l"/>
-            </a:pPr>
-            <a:r>
-              <a:rPr lang="en-US" altLang="zh-CN" sz="3200" dirty="0">
+              </a:endParaRPr>
+            </a:p>
+          </p:txBody>
+        </p:sp>
+      </p:grpSp>
+      <p:sp>
+        <p:nvSpPr>
+          <p:cNvPr id="20" name="文本框 19">
+            <a:extLst>
+              <a:ext uri="{FF2B5EF4-FFF2-40B4-BE49-F238E27FC236}">
+                <a16:creationId xmlns:a16="http://schemas.microsoft.com/office/drawing/2014/main" id="{8FF8BD17-20BF-AADE-2209-64B9DC598776}"/>
+              </a:ext>
+            </a:extLst>
+          </p:cNvPr>
+          <p:cNvSpPr txBox="1"/>
+          <p:nvPr/>
+        </p:nvSpPr>
+        <p:spPr>
+          <a:xfrm>
+            <a:off x="1899949" y="2161871"/>
+            <a:ext cx="417333" cy="646331"/>
+          </a:xfrm>
+          <a:prstGeom prst="rect">
+            <a:avLst/>
+          </a:prstGeom>
+          <a:noFill/>
+        </p:spPr>
+        <p:txBody>
+          <a:bodyPr wrap="square" rtlCol="0">
+            <a:spAutoFit/>
+          </a:bodyPr>
+          <a:lstStyle/>
+          <a:p>
+            <a:pPr algn="ctr"/>
+            <a:r>
+              <a:rPr lang="en-US" altLang="zh-CN" sz="3600" dirty="0">
                 <a:solidFill>
                   <a:schemeClr val="bg1"/>
                 </a:solidFill>
-                <a:latin typeface="Times New Roman" panose="02020603050405020304" pitchFamily="18" charset="0"/>
-                <a:cs typeface="Times New Roman" panose="02020603050405020304" pitchFamily="18" charset="0"/>
-              </a:rPr>
-              <a:t> Folder System</a:t>
-            </a:r>
+              </a:rPr>
+              <a:t>…</a:t>
+            </a:r>
+            <a:endParaRPr lang="zh-CN" altLang="en-US" sz="3600" dirty="0">
+              <a:solidFill>
+                <a:schemeClr val="bg1"/>
+              </a:solidFill>
+            </a:endParaRPr>
+          </a:p>
+        </p:txBody>
+      </p:sp>
+      <p:sp>
+        <p:nvSpPr>
+          <p:cNvPr id="21" name="文本框 20">
+            <a:extLst>
+              <a:ext uri="{FF2B5EF4-FFF2-40B4-BE49-F238E27FC236}">
+                <a16:creationId xmlns:a16="http://schemas.microsoft.com/office/drawing/2014/main" id="{2A64325B-B66C-1788-47EB-F77F365E23D7}"/>
+              </a:ext>
+            </a:extLst>
+          </p:cNvPr>
+          <p:cNvSpPr txBox="1"/>
+          <p:nvPr/>
+        </p:nvSpPr>
+        <p:spPr>
+          <a:xfrm>
+            <a:off x="4095278" y="2161871"/>
+            <a:ext cx="417333" cy="646331"/>
+          </a:xfrm>
+          <a:prstGeom prst="rect">
+            <a:avLst/>
+          </a:prstGeom>
+          <a:noFill/>
+        </p:spPr>
+        <p:txBody>
+          <a:bodyPr wrap="square" rtlCol="0">
+            <a:spAutoFit/>
+          </a:bodyPr>
+          <a:lstStyle/>
+          <a:p>
+            <a:pPr algn="ctr"/>
+            <a:r>
+              <a:rPr lang="en-US" altLang="zh-CN" sz="3600" dirty="0">
+                <a:solidFill>
+                  <a:schemeClr val="bg1"/>
+                </a:solidFill>
+              </a:rPr>
+              <a:t>…</a:t>
+            </a:r>
+            <a:endParaRPr lang="zh-CN" altLang="en-US" sz="3600" dirty="0">
+              <a:solidFill>
+                <a:schemeClr val="bg1"/>
+              </a:solidFill>
+            </a:endParaRPr>
+          </a:p>
+        </p:txBody>
+      </p:sp>
+      <p:sp>
+        <p:nvSpPr>
+          <p:cNvPr id="23" name="文本框 22">
+            <a:extLst>
+              <a:ext uri="{FF2B5EF4-FFF2-40B4-BE49-F238E27FC236}">
+                <a16:creationId xmlns:a16="http://schemas.microsoft.com/office/drawing/2014/main" id="{0B6A4D46-7B0A-6631-C85D-EC98034C9893}"/>
+              </a:ext>
+            </a:extLst>
+          </p:cNvPr>
+          <p:cNvSpPr txBox="1"/>
+          <p:nvPr/>
+        </p:nvSpPr>
+        <p:spPr>
+          <a:xfrm>
+            <a:off x="412474" y="3514504"/>
+            <a:ext cx="5613976" cy="1477328"/>
+          </a:xfrm>
+          <a:prstGeom prst="rect">
+            <a:avLst/>
+          </a:prstGeom>
+          <a:noFill/>
+        </p:spPr>
+        <p:txBody>
+          <a:bodyPr wrap="square">
+            <a:spAutoFit/>
+          </a:bodyPr>
+          <a:lstStyle/>
+          <a:p>
+            <a:pPr marL="285750" indent="-285750">
+              <a:buFont typeface="Arial" panose="020B0604020202020204" pitchFamily="34" charset="0"/>
+              <a:buChar char="•"/>
+            </a:pPr>
+            <a:r>
+              <a:rPr lang="en-US" altLang="zh-CN" dirty="0">
+                <a:solidFill>
+                  <a:schemeClr val="bg1"/>
+                </a:solidFill>
+              </a:rPr>
+              <a:t>How much of the variation in the data can be attributed to differences between raters or repeated measurements.</a:t>
+            </a:r>
+          </a:p>
+          <a:p>
+            <a:pPr marL="285750" indent="-285750">
+              <a:buFont typeface="Arial" panose="020B0604020202020204" pitchFamily="34" charset="0"/>
+              <a:buChar char="•"/>
+            </a:pPr>
+            <a:r>
+              <a:rPr lang="en-US" altLang="zh-CN" dirty="0">
+                <a:solidFill>
+                  <a:schemeClr val="bg1"/>
+                </a:solidFill>
+              </a:rPr>
+              <a:t>How much can be attributed to differences within the subjects being measured. </a:t>
+            </a:r>
+            <a:endParaRPr lang="zh-CN" altLang="en-US" dirty="0">
+              <a:solidFill>
+                <a:schemeClr val="bg1"/>
+              </a:solidFill>
+            </a:endParaRPr>
           </a:p>
         </p:txBody>
       </p:sp>
     </p:spTree>
     <p:extLst>
       <p:ext uri="{BB962C8B-B14F-4D97-AF65-F5344CB8AC3E}">
-        <p14:creationId xmlns:p14="http://schemas.microsoft.com/office/powerpoint/2010/main" val="4168884240"/>
+        <p14:creationId xmlns:p14="http://schemas.microsoft.com/office/powerpoint/2010/main" val="441544337"/>
       </p:ext>
     </p:extLst>
   </p:cSld>
@@ -18833,7 +19439,7 @@
 </p:sld>
 </file>
 
-<file path=ppt/slides/slide20.xml><?xml version="1.0" encoding="utf-8"?>
+<file path=ppt/slides/slide21.xml><?xml version="1.0" encoding="utf-8"?>
 <p:sld xmlns:a="http://schemas.openxmlformats.org/drawingml/2006/main" xmlns:r="http://schemas.openxmlformats.org/officeDocument/2006/relationships" xmlns:p="http://schemas.openxmlformats.org/presentationml/2006/main">
   <p:cSld>
     <p:spTree>
@@ -19179,7 +19785,7 @@
                 <a:latin typeface="Times New Roman" panose="02020603050405020304" pitchFamily="18" charset="0"/>
                 <a:cs typeface="Times New Roman" panose="02020603050405020304" pitchFamily="18" charset="0"/>
               </a:rPr>
-              <a:t>99 / 99</a:t>
+              <a:t>21 / 38</a:t>
             </a:r>
             <a:endParaRPr lang="zh-CN" altLang="en-US" sz="1800" b="1" dirty="0">
               <a:latin typeface="Times New Roman" panose="02020603050405020304" pitchFamily="18" charset="0"/>
@@ -19430,7 +20036,7 @@
 </p:sld>
 </file>
 
-<file path=ppt/slides/slide21.xml><?xml version="1.0" encoding="utf-8"?>
+<file path=ppt/slides/slide22.xml><?xml version="1.0" encoding="utf-8"?>
 <p:sld xmlns:a="http://schemas.openxmlformats.org/drawingml/2006/main" xmlns:r="http://schemas.openxmlformats.org/officeDocument/2006/relationships" xmlns:p="http://schemas.openxmlformats.org/presentationml/2006/main">
   <p:cSld>
     <p:spTree>
@@ -19776,7 +20382,7 @@
                 <a:latin typeface="Times New Roman" panose="02020603050405020304" pitchFamily="18" charset="0"/>
                 <a:cs typeface="Times New Roman" panose="02020603050405020304" pitchFamily="18" charset="0"/>
               </a:rPr>
-              <a:t>99 / 99</a:t>
+              <a:t>22 / 38</a:t>
             </a:r>
             <a:endParaRPr lang="zh-CN" altLang="en-US" sz="1800" b="1" dirty="0">
               <a:latin typeface="Times New Roman" panose="02020603050405020304" pitchFamily="18" charset="0"/>
@@ -19875,7 +20481,7 @@
 </p:sld>
 </file>
 
-<file path=ppt/slides/slide22.xml><?xml version="1.0" encoding="utf-8"?>
+<file path=ppt/slides/slide23.xml><?xml version="1.0" encoding="utf-8"?>
 <p:sld xmlns:a="http://schemas.openxmlformats.org/drawingml/2006/main" xmlns:r="http://schemas.openxmlformats.org/officeDocument/2006/relationships" xmlns:p="http://schemas.openxmlformats.org/presentationml/2006/main">
   <p:cSld>
     <p:spTree>
@@ -20221,7 +20827,7 @@
                 <a:latin typeface="Times New Roman" panose="02020603050405020304" pitchFamily="18" charset="0"/>
                 <a:cs typeface="Times New Roman" panose="02020603050405020304" pitchFamily="18" charset="0"/>
               </a:rPr>
-              <a:t>99 / 99</a:t>
+              <a:t>23 / 38</a:t>
             </a:r>
             <a:endParaRPr lang="zh-CN" altLang="en-US" sz="1800" b="1" dirty="0">
               <a:latin typeface="Times New Roman" panose="02020603050405020304" pitchFamily="18" charset="0"/>
@@ -20312,7 +20918,7 @@
             <a:r>
               <a:rPr lang="en-US" altLang="zh-CN" sz="3200" dirty="0">
                 <a:solidFill>
-                  <a:schemeClr val="bg1"/>
+                  <a:srgbClr val="FAF1B4"/>
                 </a:solidFill>
                 <a:latin typeface="Times New Roman" panose="02020603050405020304" pitchFamily="18" charset="0"/>
                 <a:cs typeface="Times New Roman" panose="02020603050405020304" pitchFamily="18" charset="0"/>
@@ -20335,7 +20941,7 @@
 </p:sld>
 </file>
 
-<file path=ppt/slides/slide23.xml><?xml version="1.0" encoding="utf-8"?>
+<file path=ppt/slides/slide24.xml><?xml version="1.0" encoding="utf-8"?>
 <p:sld xmlns:a="http://schemas.openxmlformats.org/drawingml/2006/main" xmlns:r="http://schemas.openxmlformats.org/officeDocument/2006/relationships" xmlns:p="http://schemas.openxmlformats.org/presentationml/2006/main">
   <p:cSld>
     <p:spTree>
@@ -20681,7 +21287,7 @@
                 <a:latin typeface="Times New Roman" panose="02020603050405020304" pitchFamily="18" charset="0"/>
                 <a:cs typeface="Times New Roman" panose="02020603050405020304" pitchFamily="18" charset="0"/>
               </a:rPr>
-              <a:t>99 / 99</a:t>
+              <a:t>24 / 38</a:t>
             </a:r>
             <a:endParaRPr lang="zh-CN" altLang="en-US" sz="1800" b="1" dirty="0">
               <a:latin typeface="Times New Roman" panose="02020603050405020304" pitchFamily="18" charset="0"/>
@@ -20880,7 +21486,7 @@
 </p:sld>
 </file>
 
-<file path=ppt/slides/slide24.xml><?xml version="1.0" encoding="utf-8"?>
+<file path=ppt/slides/slide25.xml><?xml version="1.0" encoding="utf-8"?>
 <p:sld xmlns:a="http://schemas.openxmlformats.org/drawingml/2006/main" xmlns:r="http://schemas.openxmlformats.org/officeDocument/2006/relationships" xmlns:p="http://schemas.openxmlformats.org/presentationml/2006/main">
   <p:cSld>
     <p:spTree>
@@ -21226,7 +21832,7 @@
                 <a:latin typeface="Times New Roman" panose="02020603050405020304" pitchFamily="18" charset="0"/>
                 <a:cs typeface="Times New Roman" panose="02020603050405020304" pitchFamily="18" charset="0"/>
               </a:rPr>
-              <a:t>99 / 99</a:t>
+              <a:t>25 / 38</a:t>
             </a:r>
             <a:endParaRPr lang="zh-CN" altLang="en-US" sz="1800" b="1" dirty="0">
               <a:latin typeface="Times New Roman" panose="02020603050405020304" pitchFamily="18" charset="0"/>
@@ -21766,7 +22372,7 @@
 </p:sld>
 </file>
 
-<file path=ppt/slides/slide25.xml><?xml version="1.0" encoding="utf-8"?>
+<file path=ppt/slides/slide26.xml><?xml version="1.0" encoding="utf-8"?>
 <p:sld xmlns:a="http://schemas.openxmlformats.org/drawingml/2006/main" xmlns:r="http://schemas.openxmlformats.org/officeDocument/2006/relationships" xmlns:p="http://schemas.openxmlformats.org/presentationml/2006/main">
   <p:cSld>
     <p:spTree>
@@ -22112,7 +22718,7 @@
                 <a:latin typeface="Times New Roman" panose="02020603050405020304" pitchFamily="18" charset="0"/>
                 <a:cs typeface="Times New Roman" panose="02020603050405020304" pitchFamily="18" charset="0"/>
               </a:rPr>
-              <a:t>99 / 99</a:t>
+              <a:t>26 / 38</a:t>
             </a:r>
             <a:endParaRPr lang="zh-CN" altLang="en-US" sz="1800" b="1" dirty="0">
               <a:latin typeface="Times New Roman" panose="02020603050405020304" pitchFamily="18" charset="0"/>
@@ -22417,7 +23023,7 @@
         </p:nvSpPr>
         <p:spPr>
           <a:xfrm>
-            <a:off x="5343524" y="3088482"/>
+            <a:off x="5343524" y="3149066"/>
             <a:ext cx="556343" cy="707999"/>
           </a:xfrm>
           <a:prstGeom prst="rect">
@@ -22681,33 +23287,15 @@
                                   </p:childTnLst>
                                 </p:cTn>
                               </p:par>
-                            </p:childTnLst>
-                          </p:cTn>
-                        </p:par>
-                      </p:childTnLst>
-                    </p:cTn>
-                  </p:par>
-                  <p:par>
-                    <p:cTn id="7" fill="hold">
-                      <p:stCondLst>
-                        <p:cond delay="indefinite"/>
-                      </p:stCondLst>
-                      <p:childTnLst>
-                        <p:par>
-                          <p:cTn id="8" fill="hold">
-                            <p:stCondLst>
-                              <p:cond delay="0"/>
-                            </p:stCondLst>
-                            <p:childTnLst>
                               <p:par>
-                                <p:cTn id="9" presetID="1" presetClass="entr" presetSubtype="0" fill="hold" grpId="0" nodeType="clickEffect">
+                                <p:cTn id="7" presetID="1" presetClass="entr" presetSubtype="0" fill="hold" grpId="0" nodeType="withEffect">
                                   <p:stCondLst>
                                     <p:cond delay="0"/>
                                   </p:stCondLst>
                                   <p:childTnLst>
                                     <p:set>
                                       <p:cBhvr>
-                                        <p:cTn id="10" dur="1" fill="hold">
+                                        <p:cTn id="8" dur="1" fill="hold">
                                           <p:stCondLst>
                                             <p:cond delay="0"/>
                                           </p:stCondLst>
@@ -22726,39 +23314,21 @@
                                   </p:childTnLst>
                                 </p:cTn>
                               </p:par>
-                            </p:childTnLst>
-                          </p:cTn>
-                        </p:par>
-                      </p:childTnLst>
-                    </p:cTn>
-                  </p:par>
-                  <p:par>
-                    <p:cTn id="11" fill="hold">
-                      <p:stCondLst>
-                        <p:cond delay="indefinite"/>
-                      </p:stCondLst>
-                      <p:childTnLst>
-                        <p:par>
-                          <p:cTn id="12" fill="hold">
-                            <p:stCondLst>
-                              <p:cond delay="0"/>
-                            </p:stCondLst>
-                            <p:childTnLst>
                               <p:par>
-                                <p:cTn id="13" presetID="1" presetClass="entr" presetSubtype="0" fill="hold" grpId="0" nodeType="clickEffect">
+                                <p:cTn id="9" presetID="1" presetClass="entr" presetSubtype="0" fill="hold" grpId="0" nodeType="withEffect">
                                   <p:stCondLst>
                                     <p:cond delay="0"/>
                                   </p:stCondLst>
                                   <p:childTnLst>
                                     <p:set>
                                       <p:cBhvr>
-                                        <p:cTn id="14" dur="1" fill="hold">
+                                        <p:cTn id="10" dur="1" fill="hold">
                                           <p:stCondLst>
                                             <p:cond delay="0"/>
                                           </p:stCondLst>
                                         </p:cTn>
                                         <p:tgtEl>
-                                          <p:spTgt spid="20"/>
+                                          <p:spTgt spid="21"/>
                                         </p:tgtEl>
                                         <p:attrNameLst>
                                           <p:attrName>style.visibility</p:attrName>
@@ -22771,39 +23341,21 @@
                                   </p:childTnLst>
                                 </p:cTn>
                               </p:par>
-                            </p:childTnLst>
-                          </p:cTn>
-                        </p:par>
-                      </p:childTnLst>
-                    </p:cTn>
-                  </p:par>
-                  <p:par>
-                    <p:cTn id="15" fill="hold">
-                      <p:stCondLst>
-                        <p:cond delay="indefinite"/>
-                      </p:stCondLst>
-                      <p:childTnLst>
-                        <p:par>
-                          <p:cTn id="16" fill="hold">
-                            <p:stCondLst>
-                              <p:cond delay="0"/>
-                            </p:stCondLst>
-                            <p:childTnLst>
                               <p:par>
-                                <p:cTn id="17" presetID="1" presetClass="entr" presetSubtype="0" fill="hold" grpId="0" nodeType="clickEffect">
+                                <p:cTn id="11" presetID="1" presetClass="entr" presetSubtype="0" fill="hold" grpId="0" nodeType="withEffect">
                                   <p:stCondLst>
                                     <p:cond delay="0"/>
                                   </p:stCondLst>
                                   <p:childTnLst>
                                     <p:set>
                                       <p:cBhvr>
-                                        <p:cTn id="18" dur="1" fill="hold">
+                                        <p:cTn id="12" dur="1" fill="hold">
                                           <p:stCondLst>
                                             <p:cond delay="0"/>
                                           </p:stCondLst>
                                         </p:cTn>
                                         <p:tgtEl>
-                                          <p:spTgt spid="21"/>
+                                          <p:spTgt spid="20"/>
                                         </p:tgtEl>
                                         <p:attrNameLst>
                                           <p:attrName>style.visibility</p:attrName>
@@ -22853,7 +23405,7 @@
 </p:sld>
 </file>
 
-<file path=ppt/slides/slide26.xml><?xml version="1.0" encoding="utf-8"?>
+<file path=ppt/slides/slide27.xml><?xml version="1.0" encoding="utf-8"?>
 <p:sld xmlns:a="http://schemas.openxmlformats.org/drawingml/2006/main" xmlns:r="http://schemas.openxmlformats.org/officeDocument/2006/relationships" xmlns:p="http://schemas.openxmlformats.org/presentationml/2006/main">
   <p:cSld>
     <p:spTree>
@@ -23199,7 +23751,7 @@
                 <a:latin typeface="Times New Roman" panose="02020603050405020304" pitchFamily="18" charset="0"/>
                 <a:cs typeface="Times New Roman" panose="02020603050405020304" pitchFamily="18" charset="0"/>
               </a:rPr>
-              <a:t>99 / 99</a:t>
+              <a:t>27 / 38</a:t>
             </a:r>
             <a:endParaRPr lang="zh-CN" altLang="en-US" sz="1800" b="1" dirty="0">
               <a:latin typeface="Times New Roman" panose="02020603050405020304" pitchFamily="18" charset="0"/>
@@ -23290,7 +23842,7 @@
             <a:r>
               <a:rPr lang="en-US" altLang="zh-CN" sz="3200" dirty="0">
                 <a:solidFill>
-                  <a:schemeClr val="bg1"/>
+                  <a:srgbClr val="FAF1B4"/>
                 </a:solidFill>
                 <a:latin typeface="Times New Roman" panose="02020603050405020304" pitchFamily="18" charset="0"/>
                 <a:cs typeface="Times New Roman" panose="02020603050405020304" pitchFamily="18" charset="0"/>
@@ -23299,7 +23851,7 @@
             </a:r>
             <a:endParaRPr lang="zh-CN" altLang="en-US" sz="3200" dirty="0">
               <a:solidFill>
-                <a:schemeClr val="bg1"/>
+                <a:srgbClr val="FAF1B4"/>
               </a:solidFill>
               <a:latin typeface="Times New Roman" panose="02020603050405020304" pitchFamily="18" charset="0"/>
               <a:cs typeface="Times New Roman" panose="02020603050405020304" pitchFamily="18" charset="0"/>
@@ -23320,7 +23872,7 @@
 </p:sld>
 </file>
 
-<file path=ppt/slides/slide27.xml><?xml version="1.0" encoding="utf-8"?>
+<file path=ppt/slides/slide28.xml><?xml version="1.0" encoding="utf-8"?>
 <p:sld xmlns:a="http://schemas.openxmlformats.org/drawingml/2006/main" xmlns:r="http://schemas.openxmlformats.org/officeDocument/2006/relationships" xmlns:p="http://schemas.openxmlformats.org/presentationml/2006/main">
   <p:cSld>
     <p:spTree>
@@ -23666,7 +24218,7 @@
                 <a:latin typeface="Times New Roman" panose="02020603050405020304" pitchFamily="18" charset="0"/>
                 <a:cs typeface="Times New Roman" panose="02020603050405020304" pitchFamily="18" charset="0"/>
               </a:rPr>
-              <a:t>99 / 99</a:t>
+              <a:t>28 / 38</a:t>
             </a:r>
             <a:endParaRPr lang="zh-CN" altLang="en-US" sz="1800" b="1" dirty="0">
               <a:latin typeface="Times New Roman" panose="02020603050405020304" pitchFamily="18" charset="0"/>
@@ -23894,7 +24446,7 @@
 </p:sld>
 </file>
 
-<file path=ppt/slides/slide28.xml><?xml version="1.0" encoding="utf-8"?>
+<file path=ppt/slides/slide29.xml><?xml version="1.0" encoding="utf-8"?>
 <p:sld xmlns:a="http://schemas.openxmlformats.org/drawingml/2006/main" xmlns:r="http://schemas.openxmlformats.org/officeDocument/2006/relationships" xmlns:p="http://schemas.openxmlformats.org/presentationml/2006/main">
   <p:cSld>
     <p:spTree>
@@ -24240,7 +24792,7 @@
                 <a:latin typeface="Times New Roman" panose="02020603050405020304" pitchFamily="18" charset="0"/>
                 <a:cs typeface="Times New Roman" panose="02020603050405020304" pitchFamily="18" charset="0"/>
               </a:rPr>
-              <a:t>99 / 99</a:t>
+              <a:t>29 / 38</a:t>
             </a:r>
             <a:endParaRPr lang="zh-CN" altLang="en-US" sz="1800" b="1" dirty="0">
               <a:latin typeface="Times New Roman" panose="02020603050405020304" pitchFamily="18" charset="0"/>
@@ -24390,7 +24942,467 @@
 </p:sld>
 </file>
 
-<file path=ppt/slides/slide29.xml><?xml version="1.0" encoding="utf-8"?>
+<file path=ppt/slides/slide3.xml><?xml version="1.0" encoding="utf-8"?>
+<p:sld xmlns:a="http://schemas.openxmlformats.org/drawingml/2006/main" xmlns:r="http://schemas.openxmlformats.org/officeDocument/2006/relationships" xmlns:p="http://schemas.openxmlformats.org/presentationml/2006/main">
+  <p:cSld>
+    <p:spTree>
+      <p:nvGrpSpPr>
+        <p:cNvPr id="1" name=""/>
+        <p:cNvGrpSpPr/>
+        <p:nvPr/>
+      </p:nvGrpSpPr>
+      <p:grpSpPr>
+        <a:xfrm>
+          <a:off x="0" y="0"/>
+          <a:ext cx="0" cy="0"/>
+          <a:chOff x="0" y="0"/>
+          <a:chExt cx="0" cy="0"/>
+        </a:xfrm>
+      </p:grpSpPr>
+      <p:sp>
+        <p:nvSpPr>
+          <p:cNvPr id="6" name="矩形 5">
+            <a:extLst>
+              <a:ext uri="{FF2B5EF4-FFF2-40B4-BE49-F238E27FC236}">
+                <a16:creationId xmlns:a16="http://schemas.microsoft.com/office/drawing/2014/main" id="{D89A1788-3DCA-5E59-1C6D-272D6AB1F2D3}"/>
+              </a:ext>
+            </a:extLst>
+          </p:cNvPr>
+          <p:cNvSpPr/>
+          <p:nvPr/>
+        </p:nvSpPr>
+        <p:spPr>
+          <a:xfrm>
+            <a:off x="6523682" y="0"/>
+            <a:ext cx="2620318" cy="5714995"/>
+          </a:xfrm>
+          <a:prstGeom prst="rect">
+            <a:avLst/>
+          </a:prstGeom>
+          <a:solidFill>
+            <a:schemeClr val="tx1"/>
+          </a:solidFill>
+          <a:ln w="38100">
+            <a:noFill/>
+          </a:ln>
+        </p:spPr>
+        <p:style>
+          <a:lnRef idx="2">
+            <a:schemeClr val="accent1">
+              <a:shade val="50000"/>
+            </a:schemeClr>
+          </a:lnRef>
+          <a:fillRef idx="1">
+            <a:schemeClr val="accent1"/>
+          </a:fillRef>
+          <a:effectRef idx="0">
+            <a:schemeClr val="accent1"/>
+          </a:effectRef>
+          <a:fontRef idx="minor">
+            <a:schemeClr val="lt1"/>
+          </a:fontRef>
+        </p:style>
+        <p:txBody>
+          <a:bodyPr rtlCol="0" anchor="t"/>
+          <a:lstStyle/>
+          <a:p>
+            <a:pPr algn="ctr"/>
+            <a:endParaRPr lang="en-US" altLang="zh-CN" sz="4050" i="1" dirty="0">
+              <a:latin typeface="Times New Roman" panose="02020603050405020304" pitchFamily="18" charset="0"/>
+              <a:cs typeface="Times New Roman" panose="02020603050405020304" pitchFamily="18" charset="0"/>
+            </a:endParaRPr>
+          </a:p>
+          <a:p>
+            <a:pPr algn="ctr"/>
+            <a:r>
+              <a:rPr lang="en-US" altLang="zh-CN" sz="4400" b="1" cap="none" spc="0" dirty="0">
+                <a:ln>
+                  <a:solidFill>
+                    <a:srgbClr val="FAF1B4"/>
+                  </a:solidFill>
+                </a:ln>
+                <a:solidFill>
+                  <a:srgbClr val="FAF1B4"/>
+                </a:solidFill>
+                <a:effectLst>
+                  <a:reflection blurRad="6350" stA="55000" endA="300" endPos="45500" dir="5400000" sy="-100000" algn="bl" rotWithShape="0"/>
+                </a:effectLst>
+                <a:latin typeface="Times New Roman" panose="02020603050405020304" pitchFamily="18" charset="0"/>
+                <a:cs typeface="Times New Roman" panose="02020603050405020304" pitchFamily="18" charset="0"/>
+              </a:rPr>
+              <a:t>R</a:t>
+            </a:r>
+            <a:r>
+              <a:rPr lang="en-US" altLang="zh-CN" sz="4050" dirty="0">
+                <a:latin typeface="Times New Roman" panose="02020603050405020304" pitchFamily="18" charset="0"/>
+                <a:cs typeface="Times New Roman" panose="02020603050405020304" pitchFamily="18" charset="0"/>
+              </a:rPr>
+              <a:t> </a:t>
+            </a:r>
+            <a:r>
+              <a:rPr lang="en-US" altLang="zh-CN" sz="3000" dirty="0">
+                <a:latin typeface="Times New Roman" panose="02020603050405020304" pitchFamily="18" charset="0"/>
+                <a:cs typeface="Times New Roman" panose="02020603050405020304" pitchFamily="18" charset="0"/>
+              </a:rPr>
+              <a:t>of</a:t>
+            </a:r>
+            <a:r>
+              <a:rPr lang="en-US" altLang="zh-CN" sz="4050" dirty="0">
+                <a:latin typeface="Times New Roman" panose="02020603050405020304" pitchFamily="18" charset="0"/>
+                <a:cs typeface="Times New Roman" panose="02020603050405020304" pitchFamily="18" charset="0"/>
+              </a:rPr>
+              <a:t> </a:t>
+            </a:r>
+            <a:r>
+              <a:rPr lang="en-US" altLang="zh-TW" sz="4050" dirty="0">
+                <a:latin typeface="Times New Roman" panose="02020603050405020304" pitchFamily="18" charset="0"/>
+                <a:cs typeface="Times New Roman" panose="02020603050405020304" pitchFamily="18" charset="0"/>
+              </a:rPr>
+              <a:t>SPMT</a:t>
+            </a:r>
+          </a:p>
+        </p:txBody>
+      </p:sp>
+      <p:grpSp>
+        <p:nvGrpSpPr>
+          <p:cNvPr id="17" name="组合 16">
+            <a:extLst>
+              <a:ext uri="{FF2B5EF4-FFF2-40B4-BE49-F238E27FC236}">
+                <a16:creationId xmlns:a16="http://schemas.microsoft.com/office/drawing/2014/main" id="{B0C039CE-E35B-FB20-4F6F-73AF29F5EC82}"/>
+              </a:ext>
+            </a:extLst>
+          </p:cNvPr>
+          <p:cNvGrpSpPr/>
+          <p:nvPr/>
+        </p:nvGrpSpPr>
+        <p:grpSpPr>
+          <a:xfrm>
+            <a:off x="8023252" y="5229633"/>
+            <a:ext cx="1057142" cy="414474"/>
+            <a:chOff x="10502095" y="6069536"/>
+            <a:chExt cx="1409523" cy="552632"/>
+          </a:xfrm>
+        </p:grpSpPr>
+        <p:pic>
+          <p:nvPicPr>
+            <p:cNvPr id="10" name="图片 9" descr="图片包含 背景图案&#10;&#10;描述已自动生成">
+              <a:extLst>
+                <a:ext uri="{FF2B5EF4-FFF2-40B4-BE49-F238E27FC236}">
+                  <a16:creationId xmlns:a16="http://schemas.microsoft.com/office/drawing/2014/main" id="{630E8096-9BAE-771C-F26B-5E769FE2760E}"/>
+                </a:ext>
+              </a:extLst>
+            </p:cNvPr>
+            <p:cNvPicPr>
+              <a:picLocks noChangeAspect="1"/>
+            </p:cNvPicPr>
+            <p:nvPr/>
+          </p:nvPicPr>
+          <p:blipFill>
+            <a:blip r:embed="rId2">
+              <a:extLst>
+                <a:ext uri="{28A0092B-C50C-407E-A947-70E740481C1C}">
+                  <a14:useLocalDpi xmlns:a14="http://schemas.microsoft.com/office/drawing/2010/main" val="0"/>
+                </a:ext>
+              </a:extLst>
+            </a:blip>
+            <a:stretch>
+              <a:fillRect/>
+            </a:stretch>
+          </p:blipFill>
+          <p:spPr>
+            <a:xfrm>
+              <a:off x="11427454" y="6069536"/>
+              <a:ext cx="484164" cy="552632"/>
+            </a:xfrm>
+            <a:prstGeom prst="rect">
+              <a:avLst/>
+            </a:prstGeom>
+          </p:spPr>
+        </p:pic>
+        <p:sp>
+          <p:nvSpPr>
+            <p:cNvPr id="16" name="文本框 15">
+              <a:extLst>
+                <a:ext uri="{FF2B5EF4-FFF2-40B4-BE49-F238E27FC236}">
+                  <a16:creationId xmlns:a16="http://schemas.microsoft.com/office/drawing/2014/main" id="{790C7AEC-1C60-148D-F56E-026682E2E6F2}"/>
+                </a:ext>
+              </a:extLst>
+            </p:cNvPr>
+            <p:cNvSpPr txBox="1"/>
+            <p:nvPr/>
+          </p:nvSpPr>
+          <p:spPr>
+            <a:xfrm>
+              <a:off x="10502095" y="6183287"/>
+              <a:ext cx="925359" cy="339153"/>
+            </a:xfrm>
+            <a:prstGeom prst="rect">
+              <a:avLst/>
+            </a:prstGeom>
+            <a:noFill/>
+          </p:spPr>
+          <p:txBody>
+            <a:bodyPr wrap="square" rtlCol="0">
+              <a:spAutoFit/>
+            </a:bodyPr>
+            <a:lstStyle/>
+            <a:p>
+              <a:r>
+                <a:rPr lang="en-US" altLang="zh-CN" sz="1053" dirty="0">
+                  <a:solidFill>
+                    <a:schemeClr val="bg1"/>
+                  </a:solidFill>
+                  <a:latin typeface="Times New Roman" panose="02020603050405020304" pitchFamily="18" charset="0"/>
+                  <a:cs typeface="Times New Roman" panose="02020603050405020304" pitchFamily="18" charset="0"/>
+                </a:rPr>
+                <a:t>by YuKi</a:t>
+              </a:r>
+              <a:endParaRPr lang="zh-CN" altLang="en-US" sz="1053" dirty="0">
+                <a:solidFill>
+                  <a:schemeClr val="bg1"/>
+                </a:solidFill>
+                <a:latin typeface="Times New Roman" panose="02020603050405020304" pitchFamily="18" charset="0"/>
+                <a:cs typeface="Times New Roman" panose="02020603050405020304" pitchFamily="18" charset="0"/>
+              </a:endParaRPr>
+            </a:p>
+          </p:txBody>
+        </p:sp>
+      </p:grpSp>
+      <p:sp>
+        <p:nvSpPr>
+          <p:cNvPr id="3" name="矩形 2">
+            <a:extLst>
+              <a:ext uri="{FF2B5EF4-FFF2-40B4-BE49-F238E27FC236}">
+                <a16:creationId xmlns:a16="http://schemas.microsoft.com/office/drawing/2014/main" id="{C6B03883-6ED4-84CA-8282-B8EC86CE999A}"/>
+              </a:ext>
+            </a:extLst>
+          </p:cNvPr>
+          <p:cNvSpPr/>
+          <p:nvPr/>
+        </p:nvSpPr>
+        <p:spPr>
+          <a:xfrm>
+            <a:off x="-2" y="0"/>
+            <a:ext cx="3276602" cy="653131"/>
+          </a:xfrm>
+          <a:prstGeom prst="rect">
+            <a:avLst/>
+          </a:prstGeom>
+          <a:solidFill>
+            <a:schemeClr val="tx1"/>
+          </a:solidFill>
+          <a:ln>
+            <a:noFill/>
+          </a:ln>
+        </p:spPr>
+        <p:style>
+          <a:lnRef idx="2">
+            <a:schemeClr val="accent1">
+              <a:shade val="50000"/>
+            </a:schemeClr>
+          </a:lnRef>
+          <a:fillRef idx="1">
+            <a:schemeClr val="accent1"/>
+          </a:fillRef>
+          <a:effectRef idx="0">
+            <a:schemeClr val="accent1"/>
+          </a:effectRef>
+          <a:fontRef idx="minor">
+            <a:schemeClr val="lt1"/>
+          </a:fontRef>
+        </p:style>
+        <p:txBody>
+          <a:bodyPr rtlCol="0" anchor="ctr"/>
+          <a:lstStyle/>
+          <a:p>
+            <a:r>
+              <a:rPr lang="en-US" altLang="zh-CN" sz="4000" dirty="0">
+                <a:solidFill>
+                  <a:schemeClr val="bg1"/>
+                </a:solidFill>
+                <a:latin typeface="Times New Roman" panose="02020603050405020304" pitchFamily="18" charset="0"/>
+                <a:cs typeface="Times New Roman" panose="02020603050405020304" pitchFamily="18" charset="0"/>
+              </a:rPr>
+              <a:t>Introduction</a:t>
+            </a:r>
+            <a:endParaRPr lang="zh-CN" altLang="en-US" sz="4000" dirty="0">
+              <a:solidFill>
+                <a:schemeClr val="bg1"/>
+              </a:solidFill>
+              <a:latin typeface="Times New Roman" panose="02020603050405020304" pitchFamily="18" charset="0"/>
+              <a:cs typeface="Times New Roman" panose="02020603050405020304" pitchFamily="18" charset="0"/>
+            </a:endParaRPr>
+          </a:p>
+        </p:txBody>
+      </p:sp>
+      <p:sp>
+        <p:nvSpPr>
+          <p:cNvPr id="5" name="矩形 4">
+            <a:extLst>
+              <a:ext uri="{FF2B5EF4-FFF2-40B4-BE49-F238E27FC236}">
+                <a16:creationId xmlns:a16="http://schemas.microsoft.com/office/drawing/2014/main" id="{FE461C21-1DA5-1EEF-40F5-6F8AD5899BAF}"/>
+              </a:ext>
+            </a:extLst>
+          </p:cNvPr>
+          <p:cNvSpPr/>
+          <p:nvPr/>
+        </p:nvSpPr>
+        <p:spPr>
+          <a:xfrm>
+            <a:off x="7629" y="5175000"/>
+            <a:ext cx="864000" cy="540000"/>
+          </a:xfrm>
+          <a:prstGeom prst="rect">
+            <a:avLst/>
+          </a:prstGeom>
+          <a:solidFill>
+            <a:schemeClr val="tx1"/>
+          </a:solidFill>
+          <a:ln>
+            <a:noFill/>
+          </a:ln>
+        </p:spPr>
+        <p:style>
+          <a:lnRef idx="2">
+            <a:schemeClr val="accent1">
+              <a:shade val="50000"/>
+            </a:schemeClr>
+          </a:lnRef>
+          <a:fillRef idx="1">
+            <a:schemeClr val="accent1"/>
+          </a:fillRef>
+          <a:effectRef idx="0">
+            <a:schemeClr val="accent1"/>
+          </a:effectRef>
+          <a:fontRef idx="minor">
+            <a:schemeClr val="lt1"/>
+          </a:fontRef>
+        </p:style>
+        <p:txBody>
+          <a:bodyPr rtlCol="0" anchor="ctr"/>
+          <a:lstStyle/>
+          <a:p>
+            <a:pPr algn="ctr"/>
+            <a:r>
+              <a:rPr lang="en-US" altLang="zh-CN" sz="1800" b="1" dirty="0">
+                <a:latin typeface="Times New Roman" panose="02020603050405020304" pitchFamily="18" charset="0"/>
+                <a:cs typeface="Times New Roman" panose="02020603050405020304" pitchFamily="18" charset="0"/>
+              </a:rPr>
+              <a:t>03 / 38</a:t>
+            </a:r>
+            <a:endParaRPr lang="zh-CN" altLang="en-US" sz="1800" b="1" dirty="0">
+              <a:latin typeface="Times New Roman" panose="02020603050405020304" pitchFamily="18" charset="0"/>
+              <a:cs typeface="Times New Roman" panose="02020603050405020304" pitchFamily="18" charset="0"/>
+            </a:endParaRPr>
+          </a:p>
+        </p:txBody>
+      </p:sp>
+      <p:sp>
+        <p:nvSpPr>
+          <p:cNvPr id="12" name="Rectangle 11">
+            <a:extLst>
+              <a:ext uri="{FF2B5EF4-FFF2-40B4-BE49-F238E27FC236}">
+                <a16:creationId xmlns:a16="http://schemas.microsoft.com/office/drawing/2014/main" id="{2AE5AF11-C8FC-4A4C-64DC-86B1D312BD72}"/>
+              </a:ext>
+            </a:extLst>
+          </p:cNvPr>
+          <p:cNvSpPr/>
+          <p:nvPr/>
+        </p:nvSpPr>
+        <p:spPr>
+          <a:xfrm>
+            <a:off x="288015" y="1715811"/>
+            <a:ext cx="5947653" cy="2080670"/>
+          </a:xfrm>
+          <a:prstGeom prst="rect">
+            <a:avLst/>
+          </a:prstGeom>
+        </p:spPr>
+        <p:txBody>
+          <a:bodyPr vert="horz" lIns="91440" tIns="45720" rIns="91440" bIns="45720" rtlCol="0" anchor="t">
+            <a:normAutofit/>
+          </a:bodyPr>
+          <a:lstStyle/>
+          <a:p>
+            <a:pPr indent="-228600">
+              <a:lnSpc>
+                <a:spcPct val="90000"/>
+              </a:lnSpc>
+              <a:spcAft>
+                <a:spcPts val="600"/>
+              </a:spcAft>
+              <a:buFont typeface="Arial" panose="020B0604020202020204" pitchFamily="34" charset="0"/>
+              <a:buChar char="•"/>
+            </a:pPr>
+            <a:endParaRPr lang="en-US" sz="2200" b="1" dirty="0">
+              <a:solidFill>
+                <a:schemeClr val="bg1"/>
+              </a:solidFill>
+              <a:latin typeface="Times New Roman" panose="02020603050405020304" pitchFamily="18" charset="0"/>
+              <a:cs typeface="Times New Roman" panose="02020603050405020304" pitchFamily="18" charset="0"/>
+            </a:endParaRPr>
+          </a:p>
+        </p:txBody>
+      </p:sp>
+      <p:sp>
+        <p:nvSpPr>
+          <p:cNvPr id="4" name="文本框 3">
+            <a:extLst>
+              <a:ext uri="{FF2B5EF4-FFF2-40B4-BE49-F238E27FC236}">
+                <a16:creationId xmlns:a16="http://schemas.microsoft.com/office/drawing/2014/main" id="{79382212-40B2-FA6B-EF2C-8ECD56A7873F}"/>
+              </a:ext>
+            </a:extLst>
+          </p:cNvPr>
+          <p:cNvSpPr txBox="1"/>
+          <p:nvPr/>
+        </p:nvSpPr>
+        <p:spPr>
+          <a:xfrm>
+            <a:off x="1231541" y="2565112"/>
+            <a:ext cx="4090118" cy="584775"/>
+          </a:xfrm>
+          <a:prstGeom prst="rect">
+            <a:avLst/>
+          </a:prstGeom>
+          <a:noFill/>
+        </p:spPr>
+        <p:txBody>
+          <a:bodyPr wrap="square">
+            <a:spAutoFit/>
+          </a:bodyPr>
+          <a:lstStyle/>
+          <a:p>
+            <a:pPr marL="285750" indent="-285750">
+              <a:buFont typeface="Wingdings" panose="05000000000000000000" pitchFamily="2" charset="2"/>
+              <a:buChar char="l"/>
+            </a:pPr>
+            <a:r>
+              <a:rPr lang="en-US" altLang="zh-CN" sz="3200" dirty="0">
+                <a:solidFill>
+                  <a:srgbClr val="FAF1B4"/>
+                </a:solidFill>
+                <a:latin typeface="Times New Roman" panose="02020603050405020304" pitchFamily="18" charset="0"/>
+                <a:cs typeface="Times New Roman" panose="02020603050405020304" pitchFamily="18" charset="0"/>
+              </a:rPr>
+              <a:t> Introduction </a:t>
+            </a:r>
+          </a:p>
+        </p:txBody>
+      </p:sp>
+    </p:spTree>
+    <p:extLst>
+      <p:ext uri="{BB962C8B-B14F-4D97-AF65-F5344CB8AC3E}">
+        <p14:creationId xmlns:p14="http://schemas.microsoft.com/office/powerpoint/2010/main" val="1930206957"/>
+      </p:ext>
+    </p:extLst>
+  </p:cSld>
+  <p:clrMapOvr>
+    <a:masterClrMapping/>
+  </p:clrMapOvr>
+</p:sld>
+</file>
+
+<file path=ppt/slides/slide30.xml><?xml version="1.0" encoding="utf-8"?>
 <p:sld xmlns:a="http://schemas.openxmlformats.org/drawingml/2006/main" xmlns:r="http://schemas.openxmlformats.org/officeDocument/2006/relationships" xmlns:p="http://schemas.openxmlformats.org/presentationml/2006/main">
   <p:cSld>
     <p:spTree>
@@ -24736,7 +25748,7 @@
                 <a:latin typeface="Times New Roman" panose="02020603050405020304" pitchFamily="18" charset="0"/>
                 <a:cs typeface="Times New Roman" panose="02020603050405020304" pitchFamily="18" charset="0"/>
               </a:rPr>
-              <a:t>99 / 99</a:t>
+              <a:t>30 / 38</a:t>
             </a:r>
             <a:endParaRPr lang="zh-CN" altLang="en-US" sz="1800" b="1" dirty="0">
               <a:latin typeface="Times New Roman" panose="02020603050405020304" pitchFamily="18" charset="0"/>
@@ -24970,467 +25982,7 @@
 </p:sld>
 </file>
 
-<file path=ppt/slides/slide3.xml><?xml version="1.0" encoding="utf-8"?>
-<p:sld xmlns:a="http://schemas.openxmlformats.org/drawingml/2006/main" xmlns:r="http://schemas.openxmlformats.org/officeDocument/2006/relationships" xmlns:p="http://schemas.openxmlformats.org/presentationml/2006/main">
-  <p:cSld>
-    <p:spTree>
-      <p:nvGrpSpPr>
-        <p:cNvPr id="1" name=""/>
-        <p:cNvGrpSpPr/>
-        <p:nvPr/>
-      </p:nvGrpSpPr>
-      <p:grpSpPr>
-        <a:xfrm>
-          <a:off x="0" y="0"/>
-          <a:ext cx="0" cy="0"/>
-          <a:chOff x="0" y="0"/>
-          <a:chExt cx="0" cy="0"/>
-        </a:xfrm>
-      </p:grpSpPr>
-      <p:sp>
-        <p:nvSpPr>
-          <p:cNvPr id="6" name="矩形 5">
-            <a:extLst>
-              <a:ext uri="{FF2B5EF4-FFF2-40B4-BE49-F238E27FC236}">
-                <a16:creationId xmlns:a16="http://schemas.microsoft.com/office/drawing/2014/main" id="{D89A1788-3DCA-5E59-1C6D-272D6AB1F2D3}"/>
-              </a:ext>
-            </a:extLst>
-          </p:cNvPr>
-          <p:cNvSpPr/>
-          <p:nvPr/>
-        </p:nvSpPr>
-        <p:spPr>
-          <a:xfrm>
-            <a:off x="6523682" y="0"/>
-            <a:ext cx="2620318" cy="5714995"/>
-          </a:xfrm>
-          <a:prstGeom prst="rect">
-            <a:avLst/>
-          </a:prstGeom>
-          <a:solidFill>
-            <a:schemeClr val="tx1"/>
-          </a:solidFill>
-          <a:ln w="38100">
-            <a:noFill/>
-          </a:ln>
-        </p:spPr>
-        <p:style>
-          <a:lnRef idx="2">
-            <a:schemeClr val="accent1">
-              <a:shade val="50000"/>
-            </a:schemeClr>
-          </a:lnRef>
-          <a:fillRef idx="1">
-            <a:schemeClr val="accent1"/>
-          </a:fillRef>
-          <a:effectRef idx="0">
-            <a:schemeClr val="accent1"/>
-          </a:effectRef>
-          <a:fontRef idx="minor">
-            <a:schemeClr val="lt1"/>
-          </a:fontRef>
-        </p:style>
-        <p:txBody>
-          <a:bodyPr rtlCol="0" anchor="t"/>
-          <a:lstStyle/>
-          <a:p>
-            <a:pPr algn="ctr"/>
-            <a:endParaRPr lang="en-US" altLang="zh-CN" sz="4050" i="1" dirty="0">
-              <a:latin typeface="Times New Roman" panose="02020603050405020304" pitchFamily="18" charset="0"/>
-              <a:cs typeface="Times New Roman" panose="02020603050405020304" pitchFamily="18" charset="0"/>
-            </a:endParaRPr>
-          </a:p>
-          <a:p>
-            <a:pPr algn="ctr"/>
-            <a:r>
-              <a:rPr lang="en-US" altLang="zh-CN" sz="4400" b="1" cap="none" spc="0" dirty="0">
-                <a:ln>
-                  <a:solidFill>
-                    <a:srgbClr val="FAF1B4"/>
-                  </a:solidFill>
-                </a:ln>
-                <a:solidFill>
-                  <a:srgbClr val="FAF1B4"/>
-                </a:solidFill>
-                <a:effectLst>
-                  <a:reflection blurRad="6350" stA="55000" endA="300" endPos="45500" dir="5400000" sy="-100000" algn="bl" rotWithShape="0"/>
-                </a:effectLst>
-                <a:latin typeface="Times New Roman" panose="02020603050405020304" pitchFamily="18" charset="0"/>
-                <a:cs typeface="Times New Roman" panose="02020603050405020304" pitchFamily="18" charset="0"/>
-              </a:rPr>
-              <a:t>R</a:t>
-            </a:r>
-            <a:r>
-              <a:rPr lang="en-US" altLang="zh-CN" sz="4050" dirty="0">
-                <a:latin typeface="Times New Roman" panose="02020603050405020304" pitchFamily="18" charset="0"/>
-                <a:cs typeface="Times New Roman" panose="02020603050405020304" pitchFamily="18" charset="0"/>
-              </a:rPr>
-              <a:t> </a:t>
-            </a:r>
-            <a:r>
-              <a:rPr lang="en-US" altLang="zh-CN" sz="3000" dirty="0">
-                <a:latin typeface="Times New Roman" panose="02020603050405020304" pitchFamily="18" charset="0"/>
-                <a:cs typeface="Times New Roman" panose="02020603050405020304" pitchFamily="18" charset="0"/>
-              </a:rPr>
-              <a:t>of</a:t>
-            </a:r>
-            <a:r>
-              <a:rPr lang="en-US" altLang="zh-CN" sz="4050" dirty="0">
-                <a:latin typeface="Times New Roman" panose="02020603050405020304" pitchFamily="18" charset="0"/>
-                <a:cs typeface="Times New Roman" panose="02020603050405020304" pitchFamily="18" charset="0"/>
-              </a:rPr>
-              <a:t> </a:t>
-            </a:r>
-            <a:r>
-              <a:rPr lang="en-US" altLang="zh-TW" sz="4050" dirty="0">
-                <a:latin typeface="Times New Roman" panose="02020603050405020304" pitchFamily="18" charset="0"/>
-                <a:cs typeface="Times New Roman" panose="02020603050405020304" pitchFamily="18" charset="0"/>
-              </a:rPr>
-              <a:t>SPMT</a:t>
-            </a:r>
-          </a:p>
-        </p:txBody>
-      </p:sp>
-      <p:grpSp>
-        <p:nvGrpSpPr>
-          <p:cNvPr id="17" name="组合 16">
-            <a:extLst>
-              <a:ext uri="{FF2B5EF4-FFF2-40B4-BE49-F238E27FC236}">
-                <a16:creationId xmlns:a16="http://schemas.microsoft.com/office/drawing/2014/main" id="{B0C039CE-E35B-FB20-4F6F-73AF29F5EC82}"/>
-              </a:ext>
-            </a:extLst>
-          </p:cNvPr>
-          <p:cNvGrpSpPr/>
-          <p:nvPr/>
-        </p:nvGrpSpPr>
-        <p:grpSpPr>
-          <a:xfrm>
-            <a:off x="8023252" y="5229633"/>
-            <a:ext cx="1057142" cy="414474"/>
-            <a:chOff x="10502095" y="6069536"/>
-            <a:chExt cx="1409523" cy="552632"/>
-          </a:xfrm>
-        </p:grpSpPr>
-        <p:pic>
-          <p:nvPicPr>
-            <p:cNvPr id="10" name="图片 9" descr="图片包含 背景图案&#10;&#10;描述已自动生成">
-              <a:extLst>
-                <a:ext uri="{FF2B5EF4-FFF2-40B4-BE49-F238E27FC236}">
-                  <a16:creationId xmlns:a16="http://schemas.microsoft.com/office/drawing/2014/main" id="{630E8096-9BAE-771C-F26B-5E769FE2760E}"/>
-                </a:ext>
-              </a:extLst>
-            </p:cNvPr>
-            <p:cNvPicPr>
-              <a:picLocks noChangeAspect="1"/>
-            </p:cNvPicPr>
-            <p:nvPr/>
-          </p:nvPicPr>
-          <p:blipFill>
-            <a:blip r:embed="rId2">
-              <a:extLst>
-                <a:ext uri="{28A0092B-C50C-407E-A947-70E740481C1C}">
-                  <a14:useLocalDpi xmlns:a14="http://schemas.microsoft.com/office/drawing/2010/main" val="0"/>
-                </a:ext>
-              </a:extLst>
-            </a:blip>
-            <a:stretch>
-              <a:fillRect/>
-            </a:stretch>
-          </p:blipFill>
-          <p:spPr>
-            <a:xfrm>
-              <a:off x="11427454" y="6069536"/>
-              <a:ext cx="484164" cy="552632"/>
-            </a:xfrm>
-            <a:prstGeom prst="rect">
-              <a:avLst/>
-            </a:prstGeom>
-          </p:spPr>
-        </p:pic>
-        <p:sp>
-          <p:nvSpPr>
-            <p:cNvPr id="16" name="文本框 15">
-              <a:extLst>
-                <a:ext uri="{FF2B5EF4-FFF2-40B4-BE49-F238E27FC236}">
-                  <a16:creationId xmlns:a16="http://schemas.microsoft.com/office/drawing/2014/main" id="{790C7AEC-1C60-148D-F56E-026682E2E6F2}"/>
-                </a:ext>
-              </a:extLst>
-            </p:cNvPr>
-            <p:cNvSpPr txBox="1"/>
-            <p:nvPr/>
-          </p:nvSpPr>
-          <p:spPr>
-            <a:xfrm>
-              <a:off x="10502095" y="6183287"/>
-              <a:ext cx="925359" cy="339153"/>
-            </a:xfrm>
-            <a:prstGeom prst="rect">
-              <a:avLst/>
-            </a:prstGeom>
-            <a:noFill/>
-          </p:spPr>
-          <p:txBody>
-            <a:bodyPr wrap="square" rtlCol="0">
-              <a:spAutoFit/>
-            </a:bodyPr>
-            <a:lstStyle/>
-            <a:p>
-              <a:r>
-                <a:rPr lang="en-US" altLang="zh-CN" sz="1053" dirty="0">
-                  <a:solidFill>
-                    <a:schemeClr val="bg1"/>
-                  </a:solidFill>
-                  <a:latin typeface="Times New Roman" panose="02020603050405020304" pitchFamily="18" charset="0"/>
-                  <a:cs typeface="Times New Roman" panose="02020603050405020304" pitchFamily="18" charset="0"/>
-                </a:rPr>
-                <a:t>by YuKi</a:t>
-              </a:r>
-              <a:endParaRPr lang="zh-CN" altLang="en-US" sz="1053" dirty="0">
-                <a:solidFill>
-                  <a:schemeClr val="bg1"/>
-                </a:solidFill>
-                <a:latin typeface="Times New Roman" panose="02020603050405020304" pitchFamily="18" charset="0"/>
-                <a:cs typeface="Times New Roman" panose="02020603050405020304" pitchFamily="18" charset="0"/>
-              </a:endParaRPr>
-            </a:p>
-          </p:txBody>
-        </p:sp>
-      </p:grpSp>
-      <p:sp>
-        <p:nvSpPr>
-          <p:cNvPr id="3" name="矩形 2">
-            <a:extLst>
-              <a:ext uri="{FF2B5EF4-FFF2-40B4-BE49-F238E27FC236}">
-                <a16:creationId xmlns:a16="http://schemas.microsoft.com/office/drawing/2014/main" id="{C6B03883-6ED4-84CA-8282-B8EC86CE999A}"/>
-              </a:ext>
-            </a:extLst>
-          </p:cNvPr>
-          <p:cNvSpPr/>
-          <p:nvPr/>
-        </p:nvSpPr>
-        <p:spPr>
-          <a:xfrm>
-            <a:off x="-2" y="0"/>
-            <a:ext cx="3276602" cy="653131"/>
-          </a:xfrm>
-          <a:prstGeom prst="rect">
-            <a:avLst/>
-          </a:prstGeom>
-          <a:solidFill>
-            <a:schemeClr val="tx1"/>
-          </a:solidFill>
-          <a:ln>
-            <a:noFill/>
-          </a:ln>
-        </p:spPr>
-        <p:style>
-          <a:lnRef idx="2">
-            <a:schemeClr val="accent1">
-              <a:shade val="50000"/>
-            </a:schemeClr>
-          </a:lnRef>
-          <a:fillRef idx="1">
-            <a:schemeClr val="accent1"/>
-          </a:fillRef>
-          <a:effectRef idx="0">
-            <a:schemeClr val="accent1"/>
-          </a:effectRef>
-          <a:fontRef idx="minor">
-            <a:schemeClr val="lt1"/>
-          </a:fontRef>
-        </p:style>
-        <p:txBody>
-          <a:bodyPr rtlCol="0" anchor="ctr"/>
-          <a:lstStyle/>
-          <a:p>
-            <a:r>
-              <a:rPr lang="en-US" altLang="zh-CN" sz="4000" dirty="0">
-                <a:solidFill>
-                  <a:schemeClr val="bg1"/>
-                </a:solidFill>
-                <a:latin typeface="Times New Roman" panose="02020603050405020304" pitchFamily="18" charset="0"/>
-                <a:cs typeface="Times New Roman" panose="02020603050405020304" pitchFamily="18" charset="0"/>
-              </a:rPr>
-              <a:t>Introduction</a:t>
-            </a:r>
-            <a:endParaRPr lang="zh-CN" altLang="en-US" sz="4000" dirty="0">
-              <a:solidFill>
-                <a:schemeClr val="bg1"/>
-              </a:solidFill>
-              <a:latin typeface="Times New Roman" panose="02020603050405020304" pitchFamily="18" charset="0"/>
-              <a:cs typeface="Times New Roman" panose="02020603050405020304" pitchFamily="18" charset="0"/>
-            </a:endParaRPr>
-          </a:p>
-        </p:txBody>
-      </p:sp>
-      <p:sp>
-        <p:nvSpPr>
-          <p:cNvPr id="5" name="矩形 4">
-            <a:extLst>
-              <a:ext uri="{FF2B5EF4-FFF2-40B4-BE49-F238E27FC236}">
-                <a16:creationId xmlns:a16="http://schemas.microsoft.com/office/drawing/2014/main" id="{FE461C21-1DA5-1EEF-40F5-6F8AD5899BAF}"/>
-              </a:ext>
-            </a:extLst>
-          </p:cNvPr>
-          <p:cNvSpPr/>
-          <p:nvPr/>
-        </p:nvSpPr>
-        <p:spPr>
-          <a:xfrm>
-            <a:off x="7629" y="5175000"/>
-            <a:ext cx="864000" cy="540000"/>
-          </a:xfrm>
-          <a:prstGeom prst="rect">
-            <a:avLst/>
-          </a:prstGeom>
-          <a:solidFill>
-            <a:schemeClr val="tx1"/>
-          </a:solidFill>
-          <a:ln>
-            <a:noFill/>
-          </a:ln>
-        </p:spPr>
-        <p:style>
-          <a:lnRef idx="2">
-            <a:schemeClr val="accent1">
-              <a:shade val="50000"/>
-            </a:schemeClr>
-          </a:lnRef>
-          <a:fillRef idx="1">
-            <a:schemeClr val="accent1"/>
-          </a:fillRef>
-          <a:effectRef idx="0">
-            <a:schemeClr val="accent1"/>
-          </a:effectRef>
-          <a:fontRef idx="minor">
-            <a:schemeClr val="lt1"/>
-          </a:fontRef>
-        </p:style>
-        <p:txBody>
-          <a:bodyPr rtlCol="0" anchor="ctr"/>
-          <a:lstStyle/>
-          <a:p>
-            <a:pPr algn="ctr"/>
-            <a:r>
-              <a:rPr lang="en-US" altLang="zh-CN" sz="1800" b="1" dirty="0">
-                <a:latin typeface="Times New Roman" panose="02020603050405020304" pitchFamily="18" charset="0"/>
-                <a:cs typeface="Times New Roman" panose="02020603050405020304" pitchFamily="18" charset="0"/>
-              </a:rPr>
-              <a:t>99 / 99</a:t>
-            </a:r>
-            <a:endParaRPr lang="zh-CN" altLang="en-US" sz="1800" b="1" dirty="0">
-              <a:latin typeface="Times New Roman" panose="02020603050405020304" pitchFamily="18" charset="0"/>
-              <a:cs typeface="Times New Roman" panose="02020603050405020304" pitchFamily="18" charset="0"/>
-            </a:endParaRPr>
-          </a:p>
-        </p:txBody>
-      </p:sp>
-      <p:sp>
-        <p:nvSpPr>
-          <p:cNvPr id="12" name="Rectangle 11">
-            <a:extLst>
-              <a:ext uri="{FF2B5EF4-FFF2-40B4-BE49-F238E27FC236}">
-                <a16:creationId xmlns:a16="http://schemas.microsoft.com/office/drawing/2014/main" id="{2AE5AF11-C8FC-4A4C-64DC-86B1D312BD72}"/>
-              </a:ext>
-            </a:extLst>
-          </p:cNvPr>
-          <p:cNvSpPr/>
-          <p:nvPr/>
-        </p:nvSpPr>
-        <p:spPr>
-          <a:xfrm>
-            <a:off x="288015" y="1715811"/>
-            <a:ext cx="5947653" cy="2080670"/>
-          </a:xfrm>
-          <a:prstGeom prst="rect">
-            <a:avLst/>
-          </a:prstGeom>
-        </p:spPr>
-        <p:txBody>
-          <a:bodyPr vert="horz" lIns="91440" tIns="45720" rIns="91440" bIns="45720" rtlCol="0" anchor="t">
-            <a:normAutofit/>
-          </a:bodyPr>
-          <a:lstStyle/>
-          <a:p>
-            <a:pPr indent="-228600">
-              <a:lnSpc>
-                <a:spcPct val="90000"/>
-              </a:lnSpc>
-              <a:spcAft>
-                <a:spcPts val="600"/>
-              </a:spcAft>
-              <a:buFont typeface="Arial" panose="020B0604020202020204" pitchFamily="34" charset="0"/>
-              <a:buChar char="•"/>
-            </a:pPr>
-            <a:endParaRPr lang="en-US" sz="2200" b="1" dirty="0">
-              <a:solidFill>
-                <a:schemeClr val="bg1"/>
-              </a:solidFill>
-              <a:latin typeface="Times New Roman" panose="02020603050405020304" pitchFamily="18" charset="0"/>
-              <a:cs typeface="Times New Roman" panose="02020603050405020304" pitchFamily="18" charset="0"/>
-            </a:endParaRPr>
-          </a:p>
-        </p:txBody>
-      </p:sp>
-      <p:sp>
-        <p:nvSpPr>
-          <p:cNvPr id="4" name="文本框 3">
-            <a:extLst>
-              <a:ext uri="{FF2B5EF4-FFF2-40B4-BE49-F238E27FC236}">
-                <a16:creationId xmlns:a16="http://schemas.microsoft.com/office/drawing/2014/main" id="{79382212-40B2-FA6B-EF2C-8ECD56A7873F}"/>
-              </a:ext>
-            </a:extLst>
-          </p:cNvPr>
-          <p:cNvSpPr txBox="1"/>
-          <p:nvPr/>
-        </p:nvSpPr>
-        <p:spPr>
-          <a:xfrm>
-            <a:off x="1231541" y="2565112"/>
-            <a:ext cx="4090118" cy="584775"/>
-          </a:xfrm>
-          <a:prstGeom prst="rect">
-            <a:avLst/>
-          </a:prstGeom>
-          <a:noFill/>
-        </p:spPr>
-        <p:txBody>
-          <a:bodyPr wrap="square">
-            <a:spAutoFit/>
-          </a:bodyPr>
-          <a:lstStyle/>
-          <a:p>
-            <a:pPr marL="285750" indent="-285750">
-              <a:buFont typeface="Wingdings" panose="05000000000000000000" pitchFamily="2" charset="2"/>
-              <a:buChar char="l"/>
-            </a:pPr>
-            <a:r>
-              <a:rPr lang="en-US" altLang="zh-CN" sz="3200" dirty="0">
-                <a:solidFill>
-                  <a:schemeClr val="bg1"/>
-                </a:solidFill>
-                <a:latin typeface="Times New Roman" panose="02020603050405020304" pitchFamily="18" charset="0"/>
-                <a:cs typeface="Times New Roman" panose="02020603050405020304" pitchFamily="18" charset="0"/>
-              </a:rPr>
-              <a:t> Introduction </a:t>
-            </a:r>
-          </a:p>
-        </p:txBody>
-      </p:sp>
-    </p:spTree>
-    <p:extLst>
-      <p:ext uri="{BB962C8B-B14F-4D97-AF65-F5344CB8AC3E}">
-        <p14:creationId xmlns:p14="http://schemas.microsoft.com/office/powerpoint/2010/main" val="1930206957"/>
-      </p:ext>
-    </p:extLst>
-  </p:cSld>
-  <p:clrMapOvr>
-    <a:masterClrMapping/>
-  </p:clrMapOvr>
-</p:sld>
-</file>
-
-<file path=ppt/slides/slide30.xml><?xml version="1.0" encoding="utf-8"?>
+<file path=ppt/slides/slide31.xml><?xml version="1.0" encoding="utf-8"?>
 <p:sld xmlns:a="http://schemas.openxmlformats.org/drawingml/2006/main" xmlns:r="http://schemas.openxmlformats.org/officeDocument/2006/relationships" xmlns:p="http://schemas.openxmlformats.org/presentationml/2006/main">
   <p:cSld>
     <p:spTree>
@@ -25711,7 +26263,7 @@
                 <a:latin typeface="Times New Roman" panose="02020603050405020304" pitchFamily="18" charset="0"/>
                 <a:cs typeface="Times New Roman" panose="02020603050405020304" pitchFamily="18" charset="0"/>
               </a:rPr>
-              <a:t>Folder System</a:t>
+              <a:t>Folders</a:t>
             </a:r>
             <a:endParaRPr lang="zh-CN" altLang="en-US" sz="4000" dirty="0">
               <a:solidFill>
@@ -25776,7 +26328,7 @@
                 <a:latin typeface="Times New Roman" panose="02020603050405020304" pitchFamily="18" charset="0"/>
                 <a:cs typeface="Times New Roman" panose="02020603050405020304" pitchFamily="18" charset="0"/>
               </a:rPr>
-              <a:t>99 / 99</a:t>
+              <a:t>31 / 38</a:t>
             </a:r>
             <a:endParaRPr lang="zh-CN" altLang="en-US" sz="1800" b="1" dirty="0">
               <a:latin typeface="Times New Roman" panose="02020603050405020304" pitchFamily="18" charset="0"/>
@@ -25867,7 +26419,7 @@
             <a:r>
               <a:rPr lang="en-US" altLang="zh-CN" sz="3200" dirty="0">
                 <a:solidFill>
-                  <a:schemeClr val="bg1"/>
+                  <a:srgbClr val="FAF1B4"/>
                 </a:solidFill>
                 <a:latin typeface="Times New Roman" panose="02020603050405020304" pitchFamily="18" charset="0"/>
                 <a:cs typeface="Times New Roman" panose="02020603050405020304" pitchFamily="18" charset="0"/>
@@ -25876,7 +26428,7 @@
             </a:r>
             <a:endParaRPr lang="zh-CN" altLang="en-US" sz="3200" dirty="0">
               <a:solidFill>
-                <a:schemeClr val="bg1"/>
+                <a:srgbClr val="FAF1B4"/>
               </a:solidFill>
               <a:latin typeface="Times New Roman" panose="02020603050405020304" pitchFamily="18" charset="0"/>
               <a:cs typeface="Times New Roman" panose="02020603050405020304" pitchFamily="18" charset="0"/>
@@ -25897,7 +26449,7 @@
 </p:sld>
 </file>
 
-<file path=ppt/slides/slide31.xml><?xml version="1.0" encoding="utf-8"?>
+<file path=ppt/slides/slide32.xml><?xml version="1.0" encoding="utf-8"?>
 <p:sld xmlns:a="http://schemas.openxmlformats.org/drawingml/2006/main" xmlns:r="http://schemas.openxmlformats.org/officeDocument/2006/relationships" xmlns:p="http://schemas.openxmlformats.org/presentationml/2006/main">
   <p:cSld>
     <p:spTree>
@@ -26243,7 +26795,7 @@
                 <a:latin typeface="Times New Roman" panose="02020603050405020304" pitchFamily="18" charset="0"/>
                 <a:cs typeface="Times New Roman" panose="02020603050405020304" pitchFamily="18" charset="0"/>
               </a:rPr>
-              <a:t>99 / 99</a:t>
+              <a:t>32 / 38</a:t>
             </a:r>
             <a:endParaRPr lang="zh-CN" altLang="en-US" sz="1800" b="1" dirty="0">
               <a:latin typeface="Times New Roman" panose="02020603050405020304" pitchFamily="18" charset="0"/>
@@ -26390,7 +26942,7 @@
 </p:sld>
 </file>
 
-<file path=ppt/slides/slide32.xml><?xml version="1.0" encoding="utf-8"?>
+<file path=ppt/slides/slide33.xml><?xml version="1.0" encoding="utf-8"?>
 <p:sld xmlns:a="http://schemas.openxmlformats.org/drawingml/2006/main" xmlns:r="http://schemas.openxmlformats.org/officeDocument/2006/relationships" xmlns:p="http://schemas.openxmlformats.org/presentationml/2006/main">
   <p:cSld>
     <p:spTree>
@@ -26736,7 +27288,7 @@
                 <a:latin typeface="Times New Roman" panose="02020603050405020304" pitchFamily="18" charset="0"/>
                 <a:cs typeface="Times New Roman" panose="02020603050405020304" pitchFamily="18" charset="0"/>
               </a:rPr>
-              <a:t>99 / 99</a:t>
+              <a:t>33 / 38</a:t>
             </a:r>
             <a:endParaRPr lang="zh-CN" altLang="en-US" sz="1800" b="1" dirty="0">
               <a:latin typeface="Times New Roman" panose="02020603050405020304" pitchFamily="18" charset="0"/>
@@ -26942,7 +27494,7 @@
 </p:sld>
 </file>
 
-<file path=ppt/slides/slide33.xml><?xml version="1.0" encoding="utf-8"?>
+<file path=ppt/slides/slide34.xml><?xml version="1.0" encoding="utf-8"?>
 <p:sld xmlns:a="http://schemas.openxmlformats.org/drawingml/2006/main" xmlns:r="http://schemas.openxmlformats.org/officeDocument/2006/relationships" xmlns:p="http://schemas.openxmlformats.org/presentationml/2006/main">
   <p:cSld>
     <p:spTree>
@@ -27288,7 +27840,7 @@
                 <a:latin typeface="Times New Roman" panose="02020603050405020304" pitchFamily="18" charset="0"/>
                 <a:cs typeface="Times New Roman" panose="02020603050405020304" pitchFamily="18" charset="0"/>
               </a:rPr>
-              <a:t>99 / 99</a:t>
+              <a:t>34 / 38</a:t>
             </a:r>
             <a:endParaRPr lang="zh-CN" altLang="en-US" sz="1800" b="1" dirty="0">
               <a:latin typeface="Times New Roman" panose="02020603050405020304" pitchFamily="18" charset="0"/>
@@ -27513,7 +28065,7 @@
 </p:sld>
 </file>
 
-<file path=ppt/slides/slide34.xml><?xml version="1.0" encoding="utf-8"?>
+<file path=ppt/slides/slide35.xml><?xml version="1.0" encoding="utf-8"?>
 <p:sld xmlns:a="http://schemas.openxmlformats.org/drawingml/2006/main" xmlns:r="http://schemas.openxmlformats.org/officeDocument/2006/relationships" xmlns:p="http://schemas.openxmlformats.org/presentationml/2006/main">
   <p:cSld>
     <p:spTree>
@@ -27859,7 +28411,7 @@
                 <a:latin typeface="Times New Roman" panose="02020603050405020304" pitchFamily="18" charset="0"/>
                 <a:cs typeface="Times New Roman" panose="02020603050405020304" pitchFamily="18" charset="0"/>
               </a:rPr>
-              <a:t>99 / 99</a:t>
+              <a:t>35 / 38</a:t>
             </a:r>
             <a:endParaRPr lang="zh-CN" altLang="en-US" sz="1800" b="1" dirty="0">
               <a:latin typeface="Times New Roman" panose="02020603050405020304" pitchFamily="18" charset="0"/>
@@ -28036,7 +28588,7 @@
 </p:sld>
 </file>
 
-<file path=ppt/slides/slide35.xml><?xml version="1.0" encoding="utf-8"?>
+<file path=ppt/slides/slide36.xml><?xml version="1.0" encoding="utf-8"?>
 <p:sld xmlns:a="http://schemas.openxmlformats.org/drawingml/2006/main" xmlns:r="http://schemas.openxmlformats.org/officeDocument/2006/relationships" xmlns:p="http://schemas.openxmlformats.org/presentationml/2006/main">
   <p:cSld>
     <p:spTree>
@@ -28382,7 +28934,7 @@
                 <a:latin typeface="Times New Roman" panose="02020603050405020304" pitchFamily="18" charset="0"/>
                 <a:cs typeface="Times New Roman" panose="02020603050405020304" pitchFamily="18" charset="0"/>
               </a:rPr>
-              <a:t>99 / 99</a:t>
+              <a:t>36 / 38</a:t>
             </a:r>
             <a:endParaRPr lang="zh-CN" altLang="en-US" sz="1800" b="1" dirty="0">
               <a:latin typeface="Times New Roman" panose="02020603050405020304" pitchFamily="18" charset="0"/>
@@ -28541,7 +29093,7 @@
 </p:sld>
 </file>
 
-<file path=ppt/slides/slide36.xml><?xml version="1.0" encoding="utf-8"?>
+<file path=ppt/slides/slide37.xml><?xml version="1.0" encoding="utf-8"?>
 <p:sld xmlns:a="http://schemas.openxmlformats.org/drawingml/2006/main" xmlns:r="http://schemas.openxmlformats.org/officeDocument/2006/relationships" xmlns:p="http://schemas.openxmlformats.org/presentationml/2006/main">
   <p:cSld>
     <p:spTree>
@@ -28887,7 +29439,7 @@
                 <a:latin typeface="Times New Roman" panose="02020603050405020304" pitchFamily="18" charset="0"/>
                 <a:cs typeface="Times New Roman" panose="02020603050405020304" pitchFamily="18" charset="0"/>
               </a:rPr>
-              <a:t>99 / 99</a:t>
+              <a:t>37 / 38</a:t>
             </a:r>
             <a:endParaRPr lang="zh-CN" altLang="en-US" sz="1800" b="1" dirty="0">
               <a:latin typeface="Times New Roman" panose="02020603050405020304" pitchFamily="18" charset="0"/>
@@ -29075,7 +29627,7 @@
 </p:sld>
 </file>
 
-<file path=ppt/slides/slide4.xml><?xml version="1.0" encoding="utf-8"?>
+<file path=ppt/slides/slide38.xml><?xml version="1.0" encoding="utf-8"?>
 <p:sld xmlns:a="http://schemas.openxmlformats.org/drawingml/2006/main" xmlns:r="http://schemas.openxmlformats.org/officeDocument/2006/relationships" xmlns:p="http://schemas.openxmlformats.org/presentationml/2006/main">
   <p:cSld>
     <p:spTree>
@@ -29094,10 +29646,10 @@
       </p:grpSpPr>
       <p:sp>
         <p:nvSpPr>
-          <p:cNvPr id="20" name="矩形 19">
-            <a:extLst>
-              <a:ext uri="{FF2B5EF4-FFF2-40B4-BE49-F238E27FC236}">
-                <a16:creationId xmlns:a16="http://schemas.microsoft.com/office/drawing/2014/main" id="{C959A457-74E2-627A-0FAC-5E3072829554}"/>
+          <p:cNvPr id="6" name="矩形 5">
+            <a:extLst>
+              <a:ext uri="{FF2B5EF4-FFF2-40B4-BE49-F238E27FC236}">
+                <a16:creationId xmlns:a16="http://schemas.microsoft.com/office/drawing/2014/main" id="{D89A1788-3DCA-5E59-1C6D-272D6AB1F2D3}"/>
               </a:ext>
             </a:extLst>
           </p:cNvPr>
@@ -29356,15 +29908,8 @@
                 <a:latin typeface="Times New Roman" panose="02020603050405020304" pitchFamily="18" charset="0"/>
                 <a:cs typeface="Times New Roman" panose="02020603050405020304" pitchFamily="18" charset="0"/>
               </a:rPr>
-              <a:t>Introduction</a:t>
-            </a:r>
-            <a:endParaRPr lang="zh-CN" altLang="en-US" sz="4000" dirty="0">
-              <a:solidFill>
-                <a:schemeClr val="bg1"/>
-              </a:solidFill>
-              <a:latin typeface="Times New Roman" panose="02020603050405020304" pitchFamily="18" charset="0"/>
-              <a:cs typeface="Times New Roman" panose="02020603050405020304" pitchFamily="18" charset="0"/>
-            </a:endParaRPr>
+              <a:t>Thanks</a:t>
+            </a:r>
           </a:p>
         </p:txBody>
       </p:sp>
@@ -29421,7 +29966,7 @@
                 <a:latin typeface="Times New Roman" panose="02020603050405020304" pitchFamily="18" charset="0"/>
                 <a:cs typeface="Times New Roman" panose="02020603050405020304" pitchFamily="18" charset="0"/>
               </a:rPr>
-              <a:t>99 / 99</a:t>
+              <a:t>38 / 38</a:t>
             </a:r>
             <a:endParaRPr lang="zh-CN" altLang="en-US" sz="1800" b="1" dirty="0">
               <a:latin typeface="Times New Roman" panose="02020603050405020304" pitchFamily="18" charset="0"/>
@@ -29479,10 +30024,10 @@
       </p:sp>
       <p:sp>
         <p:nvSpPr>
-          <p:cNvPr id="18" name="文本框 17">
-            <a:extLst>
-              <a:ext uri="{FF2B5EF4-FFF2-40B4-BE49-F238E27FC236}">
-                <a16:creationId xmlns:a16="http://schemas.microsoft.com/office/drawing/2014/main" id="{9BAE6EC3-71D9-5488-3692-782DD8C30047}"/>
+          <p:cNvPr id="2" name="文本框 1">
+            <a:extLst>
+              <a:ext uri="{FF2B5EF4-FFF2-40B4-BE49-F238E27FC236}">
+                <a16:creationId xmlns:a16="http://schemas.microsoft.com/office/drawing/2014/main" id="{24259C88-C0D9-3FC7-7113-220C3BBD3A69}"/>
               </a:ext>
             </a:extLst>
           </p:cNvPr>
@@ -29491,8 +30036,8 @@
         </p:nvSpPr>
         <p:spPr>
           <a:xfrm>
-            <a:off x="302773" y="2989624"/>
-            <a:ext cx="5947653" cy="2185214"/>
+            <a:off x="1216782" y="2349665"/>
+            <a:ext cx="4090118" cy="1015663"/>
           </a:xfrm>
           <a:prstGeom prst="rect">
             <a:avLst/>
@@ -29505,125 +30050,31 @@
           </a:bodyPr>
           <a:lstStyle/>
           <a:p>
-            <a:r>
-              <a:rPr lang="en-US" altLang="zh-CN" sz="2400" dirty="0">
+            <a:pPr algn="ctr"/>
+            <a:r>
+              <a:rPr lang="en-US" altLang="zh-CN" sz="6000" b="1" dirty="0">
                 <a:solidFill>
-                  <a:schemeClr val="bg1"/>
+                  <a:srgbClr val="FAF1B4"/>
                 </a:solidFill>
                 <a:latin typeface="Times New Roman" panose="02020603050405020304" pitchFamily="18" charset="0"/>
                 <a:cs typeface="Times New Roman" panose="02020603050405020304" pitchFamily="18" charset="0"/>
               </a:rPr>
-              <a:t>Self-Prioritization Effect (SPE)</a:t>
-            </a:r>
-          </a:p>
-          <a:p>
-            <a:endParaRPr lang="en-US" altLang="zh-CN" sz="2000" dirty="0">
+              <a:t>Thanks</a:t>
+            </a:r>
+            <a:endParaRPr lang="zh-CN" altLang="en-US" sz="6000" b="1" dirty="0">
               <a:solidFill>
-                <a:schemeClr val="bg1"/>
+                <a:srgbClr val="FAF1B4"/>
               </a:solidFill>
               <a:latin typeface="Times New Roman" panose="02020603050405020304" pitchFamily="18" charset="0"/>
               <a:cs typeface="Times New Roman" panose="02020603050405020304" pitchFamily="18" charset="0"/>
             </a:endParaRPr>
           </a:p>
-          <a:p>
-            <a:pPr lvl="1"/>
-            <a:r>
-              <a:rPr lang="en-US" altLang="zh-CN" sz="2000" dirty="0">
-                <a:solidFill>
-                  <a:schemeClr val="bg1"/>
-                </a:solidFill>
-                <a:latin typeface="Times New Roman" panose="02020603050405020304" pitchFamily="18" charset="0"/>
-                <a:cs typeface="Times New Roman" panose="02020603050405020304" pitchFamily="18" charset="0"/>
-              </a:rPr>
-              <a:t>The cocktail effect</a:t>
-            </a:r>
-          </a:p>
-          <a:p>
-            <a:pPr lvl="1"/>
-            <a:endParaRPr lang="en-US" altLang="zh-CN" sz="1800" dirty="0">
-              <a:solidFill>
-                <a:schemeClr val="bg1"/>
-              </a:solidFill>
-              <a:latin typeface="Times New Roman" panose="02020603050405020304" pitchFamily="18" charset="0"/>
-              <a:cs typeface="Times New Roman" panose="02020603050405020304" pitchFamily="18" charset="0"/>
-            </a:endParaRPr>
-          </a:p>
-          <a:p>
-            <a:pPr lvl="1"/>
-            <a:r>
-              <a:rPr lang="en-US" altLang="zh-CN" sz="1800" dirty="0">
-                <a:solidFill>
-                  <a:schemeClr val="bg1"/>
-                </a:solidFill>
-                <a:latin typeface="Times New Roman" panose="02020603050405020304" pitchFamily="18" charset="0"/>
-                <a:cs typeface="Times New Roman" panose="02020603050405020304" pitchFamily="18" charset="0"/>
-              </a:rPr>
-              <a:t>A memory advantage in recalling information encoded with self-relevance compared with those encoded with non-self relevance. </a:t>
-            </a:r>
-            <a:r>
-              <a:rPr lang="en-US" altLang="zh-CN" sz="1800" dirty="0">
-                <a:solidFill>
-                  <a:srgbClr val="FAF1B4"/>
-                </a:solidFill>
-                <a:latin typeface="Times New Roman" panose="02020603050405020304" pitchFamily="18" charset="0"/>
-                <a:cs typeface="Times New Roman" panose="02020603050405020304" pitchFamily="18" charset="0"/>
-              </a:rPr>
-              <a:t>(Rogers et al., 1977) </a:t>
-            </a:r>
-          </a:p>
         </p:txBody>
       </p:sp>
-      <p:pic>
-        <p:nvPicPr>
-          <p:cNvPr id="1028" name="Picture 4" descr="DSRP and the Cocktail Party Effect">
-            <a:extLst>
-              <a:ext uri="{FF2B5EF4-FFF2-40B4-BE49-F238E27FC236}">
-                <a16:creationId xmlns:a16="http://schemas.microsoft.com/office/drawing/2014/main" id="{E4DF4C19-359B-C982-D5FF-0563B104D079}"/>
-              </a:ext>
-            </a:extLst>
-          </p:cNvPr>
-          <p:cNvPicPr>
-            <a:picLocks noChangeAspect="1" noChangeArrowheads="1"/>
-          </p:cNvPicPr>
-          <p:nvPr/>
-        </p:nvPicPr>
-        <p:blipFill>
-          <a:blip r:embed="rId4">
-            <a:extLst>
-              <a:ext uri="{28A0092B-C50C-407E-A947-70E740481C1C}">
-                <a14:useLocalDpi xmlns:a14="http://schemas.microsoft.com/office/drawing/2010/main" val="0"/>
-              </a:ext>
-            </a:extLst>
-          </a:blip>
-          <a:srcRect/>
-          <a:stretch>
-            <a:fillRect/>
-          </a:stretch>
-        </p:blipFill>
-        <p:spPr bwMode="auto">
-          <a:xfrm>
-            <a:off x="1308922" y="819103"/>
-            <a:ext cx="3935356" cy="2094962"/>
-          </a:xfrm>
-          <a:prstGeom prst="rect">
-            <a:avLst/>
-          </a:prstGeom>
-          <a:noFill/>
-          <a:extLst>
-            <a:ext uri="{909E8E84-426E-40DD-AFC4-6F175D3DCCD1}">
-              <a14:hiddenFill xmlns:a14="http://schemas.microsoft.com/office/drawing/2010/main">
-                <a:solidFill>
-                  <a:srgbClr val="FFFFFF"/>
-                </a:solidFill>
-              </a14:hiddenFill>
-            </a:ext>
-          </a:extLst>
-        </p:spPr>
-      </p:pic>
     </p:spTree>
     <p:extLst>
       <p:ext uri="{BB962C8B-B14F-4D97-AF65-F5344CB8AC3E}">
-        <p14:creationId xmlns:p14="http://schemas.microsoft.com/office/powerpoint/2010/main" val="1507722445"/>
+        <p14:creationId xmlns:p14="http://schemas.microsoft.com/office/powerpoint/2010/main" val="261869288"/>
       </p:ext>
     </p:extLst>
   </p:cSld>
@@ -29633,7 +30084,7 @@
 </p:sld>
 </file>
 
-<file path=ppt/slides/slide5.xml><?xml version="1.0" encoding="utf-8"?>
+<file path=ppt/slides/slide4.xml><?xml version="1.0" encoding="utf-8"?>
 <p:sld xmlns:a="http://schemas.openxmlformats.org/drawingml/2006/main" xmlns:r="http://schemas.openxmlformats.org/officeDocument/2006/relationships" xmlns:p="http://schemas.openxmlformats.org/presentationml/2006/main">
   <p:cSld>
     <p:spTree>
@@ -29652,10 +30103,10 @@
       </p:grpSpPr>
       <p:sp>
         <p:nvSpPr>
-          <p:cNvPr id="102" name="矩形 101">
-            <a:extLst>
-              <a:ext uri="{FF2B5EF4-FFF2-40B4-BE49-F238E27FC236}">
-                <a16:creationId xmlns:a16="http://schemas.microsoft.com/office/drawing/2014/main" id="{09091A9B-6F68-3473-08EE-53C2A540E7E8}"/>
+          <p:cNvPr id="20" name="矩形 19">
+            <a:extLst>
+              <a:ext uri="{FF2B5EF4-FFF2-40B4-BE49-F238E27FC236}">
+                <a16:creationId xmlns:a16="http://schemas.microsoft.com/office/drawing/2014/main" id="{C959A457-74E2-627A-0FAC-5E3072829554}"/>
               </a:ext>
             </a:extLst>
           </p:cNvPr>
@@ -29979,7 +30430,565 @@
                 <a:latin typeface="Times New Roman" panose="02020603050405020304" pitchFamily="18" charset="0"/>
                 <a:cs typeface="Times New Roman" panose="02020603050405020304" pitchFamily="18" charset="0"/>
               </a:rPr>
-              <a:t>99 / 99</a:t>
+              <a:t>04 / 38</a:t>
+            </a:r>
+            <a:endParaRPr lang="zh-CN" altLang="en-US" sz="1800" b="1" dirty="0">
+              <a:latin typeface="Times New Roman" panose="02020603050405020304" pitchFamily="18" charset="0"/>
+              <a:cs typeface="Times New Roman" panose="02020603050405020304" pitchFamily="18" charset="0"/>
+            </a:endParaRPr>
+          </a:p>
+        </p:txBody>
+      </p:sp>
+      <p:sp>
+        <p:nvSpPr>
+          <p:cNvPr id="12" name="Rectangle 11">
+            <a:extLst>
+              <a:ext uri="{FF2B5EF4-FFF2-40B4-BE49-F238E27FC236}">
+                <a16:creationId xmlns:a16="http://schemas.microsoft.com/office/drawing/2014/main" id="{2AE5AF11-C8FC-4A4C-64DC-86B1D312BD72}"/>
+              </a:ext>
+            </a:extLst>
+          </p:cNvPr>
+          <p:cNvSpPr/>
+          <p:nvPr/>
+        </p:nvSpPr>
+        <p:spPr>
+          <a:xfrm>
+            <a:off x="288015" y="1715811"/>
+            <a:ext cx="5947653" cy="2080670"/>
+          </a:xfrm>
+          <a:prstGeom prst="rect">
+            <a:avLst/>
+          </a:prstGeom>
+        </p:spPr>
+        <p:txBody>
+          <a:bodyPr vert="horz" lIns="91440" tIns="45720" rIns="91440" bIns="45720" rtlCol="0" anchor="t">
+            <a:normAutofit/>
+          </a:bodyPr>
+          <a:lstStyle/>
+          <a:p>
+            <a:pPr indent="-228600">
+              <a:lnSpc>
+                <a:spcPct val="90000"/>
+              </a:lnSpc>
+              <a:spcAft>
+                <a:spcPts val="600"/>
+              </a:spcAft>
+              <a:buFont typeface="Arial" panose="020B0604020202020204" pitchFamily="34" charset="0"/>
+              <a:buChar char="•"/>
+            </a:pPr>
+            <a:endParaRPr lang="en-US" sz="2200" b="1" dirty="0">
+              <a:solidFill>
+                <a:schemeClr val="bg1"/>
+              </a:solidFill>
+              <a:latin typeface="Times New Roman" panose="02020603050405020304" pitchFamily="18" charset="0"/>
+              <a:cs typeface="Times New Roman" panose="02020603050405020304" pitchFamily="18" charset="0"/>
+            </a:endParaRPr>
+          </a:p>
+        </p:txBody>
+      </p:sp>
+      <p:sp>
+        <p:nvSpPr>
+          <p:cNvPr id="18" name="文本框 17">
+            <a:extLst>
+              <a:ext uri="{FF2B5EF4-FFF2-40B4-BE49-F238E27FC236}">
+                <a16:creationId xmlns:a16="http://schemas.microsoft.com/office/drawing/2014/main" id="{9BAE6EC3-71D9-5488-3692-782DD8C30047}"/>
+              </a:ext>
+            </a:extLst>
+          </p:cNvPr>
+          <p:cNvSpPr txBox="1"/>
+          <p:nvPr/>
+        </p:nvSpPr>
+        <p:spPr>
+          <a:xfrm>
+            <a:off x="302773" y="2989624"/>
+            <a:ext cx="5947653" cy="2185214"/>
+          </a:xfrm>
+          <a:prstGeom prst="rect">
+            <a:avLst/>
+          </a:prstGeom>
+          <a:noFill/>
+        </p:spPr>
+        <p:txBody>
+          <a:bodyPr wrap="square">
+            <a:spAutoFit/>
+          </a:bodyPr>
+          <a:lstStyle/>
+          <a:p>
+            <a:r>
+              <a:rPr lang="en-US" altLang="zh-CN" sz="2400" dirty="0">
+                <a:solidFill>
+                  <a:schemeClr val="bg1"/>
+                </a:solidFill>
+                <a:latin typeface="Times New Roman" panose="02020603050405020304" pitchFamily="18" charset="0"/>
+                <a:cs typeface="Times New Roman" panose="02020603050405020304" pitchFamily="18" charset="0"/>
+              </a:rPr>
+              <a:t>Self-Prioritization Effect (SPE)</a:t>
+            </a:r>
+          </a:p>
+          <a:p>
+            <a:endParaRPr lang="en-US" altLang="zh-CN" sz="2000" dirty="0">
+              <a:solidFill>
+                <a:schemeClr val="bg1"/>
+              </a:solidFill>
+              <a:latin typeface="Times New Roman" panose="02020603050405020304" pitchFamily="18" charset="0"/>
+              <a:cs typeface="Times New Roman" panose="02020603050405020304" pitchFamily="18" charset="0"/>
+            </a:endParaRPr>
+          </a:p>
+          <a:p>
+            <a:pPr lvl="1"/>
+            <a:r>
+              <a:rPr lang="en-US" altLang="zh-CN" sz="2000" dirty="0">
+                <a:solidFill>
+                  <a:schemeClr val="bg1"/>
+                </a:solidFill>
+                <a:latin typeface="Times New Roman" panose="02020603050405020304" pitchFamily="18" charset="0"/>
+                <a:cs typeface="Times New Roman" panose="02020603050405020304" pitchFamily="18" charset="0"/>
+              </a:rPr>
+              <a:t>The cocktail effect</a:t>
+            </a:r>
+          </a:p>
+          <a:p>
+            <a:pPr lvl="1"/>
+            <a:endParaRPr lang="en-US" altLang="zh-CN" sz="1800" dirty="0">
+              <a:solidFill>
+                <a:schemeClr val="bg1"/>
+              </a:solidFill>
+              <a:latin typeface="Times New Roman" panose="02020603050405020304" pitchFamily="18" charset="0"/>
+              <a:cs typeface="Times New Roman" panose="02020603050405020304" pitchFamily="18" charset="0"/>
+            </a:endParaRPr>
+          </a:p>
+          <a:p>
+            <a:pPr lvl="1"/>
+            <a:r>
+              <a:rPr lang="en-US" altLang="zh-CN" sz="1800" dirty="0">
+                <a:solidFill>
+                  <a:schemeClr val="bg1"/>
+                </a:solidFill>
+                <a:latin typeface="Times New Roman" panose="02020603050405020304" pitchFamily="18" charset="0"/>
+                <a:cs typeface="Times New Roman" panose="02020603050405020304" pitchFamily="18" charset="0"/>
+              </a:rPr>
+              <a:t>A memory advantage in recalling information encoded with self-relevance compared with those encoded with non-self relevance. </a:t>
+            </a:r>
+            <a:r>
+              <a:rPr lang="en-US" altLang="zh-CN" sz="1800" dirty="0">
+                <a:solidFill>
+                  <a:srgbClr val="FAF1B4"/>
+                </a:solidFill>
+                <a:latin typeface="Times New Roman" panose="02020603050405020304" pitchFamily="18" charset="0"/>
+                <a:cs typeface="Times New Roman" panose="02020603050405020304" pitchFamily="18" charset="0"/>
+              </a:rPr>
+              <a:t>(Rogers et al., 1977) </a:t>
+            </a:r>
+          </a:p>
+        </p:txBody>
+      </p:sp>
+      <p:pic>
+        <p:nvPicPr>
+          <p:cNvPr id="1028" name="Picture 4" descr="DSRP and the Cocktail Party Effect">
+            <a:extLst>
+              <a:ext uri="{FF2B5EF4-FFF2-40B4-BE49-F238E27FC236}">
+                <a16:creationId xmlns:a16="http://schemas.microsoft.com/office/drawing/2014/main" id="{E4DF4C19-359B-C982-D5FF-0563B104D079}"/>
+              </a:ext>
+            </a:extLst>
+          </p:cNvPr>
+          <p:cNvPicPr>
+            <a:picLocks noChangeAspect="1" noChangeArrowheads="1"/>
+          </p:cNvPicPr>
+          <p:nvPr/>
+        </p:nvPicPr>
+        <p:blipFill>
+          <a:blip r:embed="rId4">
+            <a:extLst>
+              <a:ext uri="{28A0092B-C50C-407E-A947-70E740481C1C}">
+                <a14:useLocalDpi xmlns:a14="http://schemas.microsoft.com/office/drawing/2010/main" val="0"/>
+              </a:ext>
+            </a:extLst>
+          </a:blip>
+          <a:srcRect/>
+          <a:stretch>
+            <a:fillRect/>
+          </a:stretch>
+        </p:blipFill>
+        <p:spPr bwMode="auto">
+          <a:xfrm>
+            <a:off x="1308922" y="819103"/>
+            <a:ext cx="3935356" cy="2094962"/>
+          </a:xfrm>
+          <a:prstGeom prst="rect">
+            <a:avLst/>
+          </a:prstGeom>
+          <a:noFill/>
+          <a:extLst>
+            <a:ext uri="{909E8E84-426E-40DD-AFC4-6F175D3DCCD1}">
+              <a14:hiddenFill xmlns:a14="http://schemas.microsoft.com/office/drawing/2010/main">
+                <a:solidFill>
+                  <a:srgbClr val="FFFFFF"/>
+                </a:solidFill>
+              </a14:hiddenFill>
+            </a:ext>
+          </a:extLst>
+        </p:spPr>
+      </p:pic>
+    </p:spTree>
+    <p:extLst>
+      <p:ext uri="{BB962C8B-B14F-4D97-AF65-F5344CB8AC3E}">
+        <p14:creationId xmlns:p14="http://schemas.microsoft.com/office/powerpoint/2010/main" val="1507722445"/>
+      </p:ext>
+    </p:extLst>
+  </p:cSld>
+  <p:clrMapOvr>
+    <a:masterClrMapping/>
+  </p:clrMapOvr>
+</p:sld>
+</file>
+
+<file path=ppt/slides/slide5.xml><?xml version="1.0" encoding="utf-8"?>
+<p:sld xmlns:a="http://schemas.openxmlformats.org/drawingml/2006/main" xmlns:r="http://schemas.openxmlformats.org/officeDocument/2006/relationships" xmlns:p="http://schemas.openxmlformats.org/presentationml/2006/main">
+  <p:cSld>
+    <p:spTree>
+      <p:nvGrpSpPr>
+        <p:cNvPr id="1" name=""/>
+        <p:cNvGrpSpPr/>
+        <p:nvPr/>
+      </p:nvGrpSpPr>
+      <p:grpSpPr>
+        <a:xfrm>
+          <a:off x="0" y="0"/>
+          <a:ext cx="0" cy="0"/>
+          <a:chOff x="0" y="0"/>
+          <a:chExt cx="0" cy="0"/>
+        </a:xfrm>
+      </p:grpSpPr>
+      <p:sp>
+        <p:nvSpPr>
+          <p:cNvPr id="102" name="矩形 101">
+            <a:extLst>
+              <a:ext uri="{FF2B5EF4-FFF2-40B4-BE49-F238E27FC236}">
+                <a16:creationId xmlns:a16="http://schemas.microsoft.com/office/drawing/2014/main" id="{09091A9B-6F68-3473-08EE-53C2A540E7E8}"/>
+              </a:ext>
+            </a:extLst>
+          </p:cNvPr>
+          <p:cNvSpPr/>
+          <p:nvPr/>
+        </p:nvSpPr>
+        <p:spPr>
+          <a:xfrm>
+            <a:off x="6523682" y="0"/>
+            <a:ext cx="2620318" cy="5714995"/>
+          </a:xfrm>
+          <a:prstGeom prst="rect">
+            <a:avLst/>
+          </a:prstGeom>
+          <a:solidFill>
+            <a:schemeClr val="tx1"/>
+          </a:solidFill>
+          <a:ln w="38100">
+            <a:noFill/>
+          </a:ln>
+        </p:spPr>
+        <p:style>
+          <a:lnRef idx="2">
+            <a:schemeClr val="accent1">
+              <a:shade val="50000"/>
+            </a:schemeClr>
+          </a:lnRef>
+          <a:fillRef idx="1">
+            <a:schemeClr val="accent1"/>
+          </a:fillRef>
+          <a:effectRef idx="0">
+            <a:schemeClr val="accent1"/>
+          </a:effectRef>
+          <a:fontRef idx="minor">
+            <a:schemeClr val="lt1"/>
+          </a:fontRef>
+        </p:style>
+        <p:txBody>
+          <a:bodyPr rtlCol="0" anchor="t"/>
+          <a:lstStyle/>
+          <a:p>
+            <a:pPr algn="ctr"/>
+            <a:endParaRPr lang="en-US" altLang="zh-CN" sz="4050" i="1" dirty="0">
+              <a:latin typeface="Times New Roman" panose="02020603050405020304" pitchFamily="18" charset="0"/>
+              <a:cs typeface="Times New Roman" panose="02020603050405020304" pitchFamily="18" charset="0"/>
+            </a:endParaRPr>
+          </a:p>
+          <a:p>
+            <a:pPr algn="ctr"/>
+            <a:r>
+              <a:rPr lang="en-US" altLang="zh-CN" sz="4400" b="1" cap="none" spc="0" dirty="0">
+                <a:ln>
+                  <a:solidFill>
+                    <a:srgbClr val="FAF1B4"/>
+                  </a:solidFill>
+                </a:ln>
+                <a:solidFill>
+                  <a:srgbClr val="FAF1B4"/>
+                </a:solidFill>
+                <a:effectLst>
+                  <a:reflection blurRad="6350" stA="55000" endA="300" endPos="45500" dir="5400000" sy="-100000" algn="bl" rotWithShape="0"/>
+                </a:effectLst>
+                <a:latin typeface="Times New Roman" panose="02020603050405020304" pitchFamily="18" charset="0"/>
+                <a:cs typeface="Times New Roman" panose="02020603050405020304" pitchFamily="18" charset="0"/>
+              </a:rPr>
+              <a:t>R</a:t>
+            </a:r>
+            <a:r>
+              <a:rPr lang="en-US" altLang="zh-CN" sz="4050" dirty="0">
+                <a:latin typeface="Times New Roman" panose="02020603050405020304" pitchFamily="18" charset="0"/>
+                <a:cs typeface="Times New Roman" panose="02020603050405020304" pitchFamily="18" charset="0"/>
+              </a:rPr>
+              <a:t> </a:t>
+            </a:r>
+            <a:r>
+              <a:rPr lang="en-US" altLang="zh-CN" sz="3000" dirty="0">
+                <a:latin typeface="Times New Roman" panose="02020603050405020304" pitchFamily="18" charset="0"/>
+                <a:cs typeface="Times New Roman" panose="02020603050405020304" pitchFamily="18" charset="0"/>
+              </a:rPr>
+              <a:t>of</a:t>
+            </a:r>
+            <a:r>
+              <a:rPr lang="en-US" altLang="zh-CN" sz="4050" dirty="0">
+                <a:latin typeface="Times New Roman" panose="02020603050405020304" pitchFamily="18" charset="0"/>
+                <a:cs typeface="Times New Roman" panose="02020603050405020304" pitchFamily="18" charset="0"/>
+              </a:rPr>
+              <a:t> </a:t>
+            </a:r>
+            <a:r>
+              <a:rPr lang="en-US" altLang="zh-TW" sz="4050" dirty="0">
+                <a:latin typeface="Times New Roman" panose="02020603050405020304" pitchFamily="18" charset="0"/>
+                <a:cs typeface="Times New Roman" panose="02020603050405020304" pitchFamily="18" charset="0"/>
+              </a:rPr>
+              <a:t>SPMT</a:t>
+            </a:r>
+          </a:p>
+        </p:txBody>
+      </p:sp>
+      <p:grpSp>
+        <p:nvGrpSpPr>
+          <p:cNvPr id="17" name="组合 16">
+            <a:extLst>
+              <a:ext uri="{FF2B5EF4-FFF2-40B4-BE49-F238E27FC236}">
+                <a16:creationId xmlns:a16="http://schemas.microsoft.com/office/drawing/2014/main" id="{B0C039CE-E35B-FB20-4F6F-73AF29F5EC82}"/>
+              </a:ext>
+            </a:extLst>
+          </p:cNvPr>
+          <p:cNvGrpSpPr/>
+          <p:nvPr/>
+        </p:nvGrpSpPr>
+        <p:grpSpPr>
+          <a:xfrm>
+            <a:off x="8023252" y="5229633"/>
+            <a:ext cx="1057142" cy="414474"/>
+            <a:chOff x="10502095" y="6069536"/>
+            <a:chExt cx="1409523" cy="552632"/>
+          </a:xfrm>
+        </p:grpSpPr>
+        <p:pic>
+          <p:nvPicPr>
+            <p:cNvPr id="10" name="图片 9" descr="图片包含 背景图案&#10;&#10;描述已自动生成">
+              <a:extLst>
+                <a:ext uri="{FF2B5EF4-FFF2-40B4-BE49-F238E27FC236}">
+                  <a16:creationId xmlns:a16="http://schemas.microsoft.com/office/drawing/2014/main" id="{630E8096-9BAE-771C-F26B-5E769FE2760E}"/>
+                </a:ext>
+              </a:extLst>
+            </p:cNvPr>
+            <p:cNvPicPr>
+              <a:picLocks noChangeAspect="1"/>
+            </p:cNvPicPr>
+            <p:nvPr/>
+          </p:nvPicPr>
+          <p:blipFill>
+            <a:blip r:embed="rId3">
+              <a:extLst>
+                <a:ext uri="{28A0092B-C50C-407E-A947-70E740481C1C}">
+                  <a14:useLocalDpi xmlns:a14="http://schemas.microsoft.com/office/drawing/2010/main" val="0"/>
+                </a:ext>
+              </a:extLst>
+            </a:blip>
+            <a:stretch>
+              <a:fillRect/>
+            </a:stretch>
+          </p:blipFill>
+          <p:spPr>
+            <a:xfrm>
+              <a:off x="11427454" y="6069536"/>
+              <a:ext cx="484164" cy="552632"/>
+            </a:xfrm>
+            <a:prstGeom prst="rect">
+              <a:avLst/>
+            </a:prstGeom>
+          </p:spPr>
+        </p:pic>
+        <p:sp>
+          <p:nvSpPr>
+            <p:cNvPr id="16" name="文本框 15">
+              <a:extLst>
+                <a:ext uri="{FF2B5EF4-FFF2-40B4-BE49-F238E27FC236}">
+                  <a16:creationId xmlns:a16="http://schemas.microsoft.com/office/drawing/2014/main" id="{790C7AEC-1C60-148D-F56E-026682E2E6F2}"/>
+                </a:ext>
+              </a:extLst>
+            </p:cNvPr>
+            <p:cNvSpPr txBox="1"/>
+            <p:nvPr/>
+          </p:nvSpPr>
+          <p:spPr>
+            <a:xfrm>
+              <a:off x="10502095" y="6183287"/>
+              <a:ext cx="925359" cy="339153"/>
+            </a:xfrm>
+            <a:prstGeom prst="rect">
+              <a:avLst/>
+            </a:prstGeom>
+            <a:noFill/>
+          </p:spPr>
+          <p:txBody>
+            <a:bodyPr wrap="square" rtlCol="0">
+              <a:spAutoFit/>
+            </a:bodyPr>
+            <a:lstStyle/>
+            <a:p>
+              <a:r>
+                <a:rPr lang="en-US" altLang="zh-CN" sz="1053" dirty="0">
+                  <a:solidFill>
+                    <a:schemeClr val="bg1"/>
+                  </a:solidFill>
+                  <a:latin typeface="Times New Roman" panose="02020603050405020304" pitchFamily="18" charset="0"/>
+                  <a:cs typeface="Times New Roman" panose="02020603050405020304" pitchFamily="18" charset="0"/>
+                </a:rPr>
+                <a:t>by YuKi</a:t>
+              </a:r>
+              <a:endParaRPr lang="zh-CN" altLang="en-US" sz="1053" dirty="0">
+                <a:solidFill>
+                  <a:schemeClr val="bg1"/>
+                </a:solidFill>
+                <a:latin typeface="Times New Roman" panose="02020603050405020304" pitchFamily="18" charset="0"/>
+                <a:cs typeface="Times New Roman" panose="02020603050405020304" pitchFamily="18" charset="0"/>
+              </a:endParaRPr>
+            </a:p>
+          </p:txBody>
+        </p:sp>
+      </p:grpSp>
+      <p:sp>
+        <p:nvSpPr>
+          <p:cNvPr id="3" name="矩形 2">
+            <a:extLst>
+              <a:ext uri="{FF2B5EF4-FFF2-40B4-BE49-F238E27FC236}">
+                <a16:creationId xmlns:a16="http://schemas.microsoft.com/office/drawing/2014/main" id="{C6B03883-6ED4-84CA-8282-B8EC86CE999A}"/>
+              </a:ext>
+            </a:extLst>
+          </p:cNvPr>
+          <p:cNvSpPr/>
+          <p:nvPr/>
+        </p:nvSpPr>
+        <p:spPr>
+          <a:xfrm>
+            <a:off x="-2" y="0"/>
+            <a:ext cx="3276602" cy="653131"/>
+          </a:xfrm>
+          <a:prstGeom prst="rect">
+            <a:avLst/>
+          </a:prstGeom>
+          <a:solidFill>
+            <a:schemeClr val="tx1"/>
+          </a:solidFill>
+          <a:ln>
+            <a:noFill/>
+          </a:ln>
+        </p:spPr>
+        <p:style>
+          <a:lnRef idx="2">
+            <a:schemeClr val="accent1">
+              <a:shade val="50000"/>
+            </a:schemeClr>
+          </a:lnRef>
+          <a:fillRef idx="1">
+            <a:schemeClr val="accent1"/>
+          </a:fillRef>
+          <a:effectRef idx="0">
+            <a:schemeClr val="accent1"/>
+          </a:effectRef>
+          <a:fontRef idx="minor">
+            <a:schemeClr val="lt1"/>
+          </a:fontRef>
+        </p:style>
+        <p:txBody>
+          <a:bodyPr rtlCol="0" anchor="ctr"/>
+          <a:lstStyle/>
+          <a:p>
+            <a:r>
+              <a:rPr lang="en-US" altLang="zh-CN" sz="4000" dirty="0">
+                <a:solidFill>
+                  <a:schemeClr val="bg1"/>
+                </a:solidFill>
+                <a:latin typeface="Times New Roman" panose="02020603050405020304" pitchFamily="18" charset="0"/>
+                <a:cs typeface="Times New Roman" panose="02020603050405020304" pitchFamily="18" charset="0"/>
+              </a:rPr>
+              <a:t>Introduction</a:t>
+            </a:r>
+            <a:endParaRPr lang="zh-CN" altLang="en-US" sz="4000" dirty="0">
+              <a:solidFill>
+                <a:schemeClr val="bg1"/>
+              </a:solidFill>
+              <a:latin typeface="Times New Roman" panose="02020603050405020304" pitchFamily="18" charset="0"/>
+              <a:cs typeface="Times New Roman" panose="02020603050405020304" pitchFamily="18" charset="0"/>
+            </a:endParaRPr>
+          </a:p>
+        </p:txBody>
+      </p:sp>
+      <p:sp>
+        <p:nvSpPr>
+          <p:cNvPr id="5" name="矩形 4">
+            <a:extLst>
+              <a:ext uri="{FF2B5EF4-FFF2-40B4-BE49-F238E27FC236}">
+                <a16:creationId xmlns:a16="http://schemas.microsoft.com/office/drawing/2014/main" id="{FE461C21-1DA5-1EEF-40F5-6F8AD5899BAF}"/>
+              </a:ext>
+            </a:extLst>
+          </p:cNvPr>
+          <p:cNvSpPr/>
+          <p:nvPr/>
+        </p:nvSpPr>
+        <p:spPr>
+          <a:xfrm>
+            <a:off x="7629" y="5175000"/>
+            <a:ext cx="864000" cy="540000"/>
+          </a:xfrm>
+          <a:prstGeom prst="rect">
+            <a:avLst/>
+          </a:prstGeom>
+          <a:solidFill>
+            <a:schemeClr val="tx1"/>
+          </a:solidFill>
+          <a:ln>
+            <a:noFill/>
+          </a:ln>
+        </p:spPr>
+        <p:style>
+          <a:lnRef idx="2">
+            <a:schemeClr val="accent1">
+              <a:shade val="50000"/>
+            </a:schemeClr>
+          </a:lnRef>
+          <a:fillRef idx="1">
+            <a:schemeClr val="accent1"/>
+          </a:fillRef>
+          <a:effectRef idx="0">
+            <a:schemeClr val="accent1"/>
+          </a:effectRef>
+          <a:fontRef idx="minor">
+            <a:schemeClr val="lt1"/>
+          </a:fontRef>
+        </p:style>
+        <p:txBody>
+          <a:bodyPr rtlCol="0" anchor="ctr"/>
+          <a:lstStyle/>
+          <a:p>
+            <a:pPr algn="ctr"/>
+            <a:r>
+              <a:rPr lang="en-US" altLang="zh-CN" sz="1800" b="1" dirty="0">
+                <a:latin typeface="Times New Roman" panose="02020603050405020304" pitchFamily="18" charset="0"/>
+                <a:cs typeface="Times New Roman" panose="02020603050405020304" pitchFamily="18" charset="0"/>
+              </a:rPr>
+              <a:t>05 / 38</a:t>
             </a:r>
             <a:endParaRPr lang="zh-CN" altLang="en-US" sz="1800" b="1" dirty="0">
               <a:latin typeface="Times New Roman" panose="02020603050405020304" pitchFamily="18" charset="0"/>
@@ -30666,7 +31675,7 @@
                 <a:latin typeface="Times New Roman" panose="02020603050405020304" pitchFamily="18" charset="0"/>
                 <a:cs typeface="Times New Roman" panose="02020603050405020304" pitchFamily="18" charset="0"/>
               </a:rPr>
-              <a:t>99 / 99</a:t>
+              <a:t>06 / 38</a:t>
             </a:r>
             <a:endParaRPr lang="zh-CN" altLang="en-US" sz="1800" b="1" dirty="0">
               <a:latin typeface="Times New Roman" panose="02020603050405020304" pitchFamily="18" charset="0"/>
@@ -31163,7 +32172,7 @@
                 <a:latin typeface="Times New Roman" panose="02020603050405020304" pitchFamily="18" charset="0"/>
                 <a:cs typeface="Times New Roman" panose="02020603050405020304" pitchFamily="18" charset="0"/>
               </a:rPr>
-              <a:t>99 / 99</a:t>
+              <a:t>07 / 38</a:t>
             </a:r>
             <a:endParaRPr lang="zh-CN" altLang="en-US" sz="1800" b="1" dirty="0">
               <a:latin typeface="Times New Roman" panose="02020603050405020304" pitchFamily="18" charset="0"/>
@@ -31701,7 +32710,7 @@
                 <a:latin typeface="Times New Roman" panose="02020603050405020304" pitchFamily="18" charset="0"/>
                 <a:cs typeface="Times New Roman" panose="02020603050405020304" pitchFamily="18" charset="0"/>
               </a:rPr>
-              <a:t>99 / 99</a:t>
+              <a:t>08 / 38</a:t>
             </a:r>
             <a:endParaRPr lang="zh-CN" altLang="en-US" sz="1800" b="1" dirty="0">
               <a:latin typeface="Times New Roman" panose="02020603050405020304" pitchFamily="18" charset="0"/>
@@ -32226,7 +33235,7 @@
                 <a:latin typeface="Times New Roman" panose="02020603050405020304" pitchFamily="18" charset="0"/>
                 <a:cs typeface="Times New Roman" panose="02020603050405020304" pitchFamily="18" charset="0"/>
               </a:rPr>
-              <a:t>99 / 99</a:t>
+              <a:t>09 / 38</a:t>
             </a:r>
             <a:endParaRPr lang="zh-CN" altLang="en-US" sz="1800" b="1" dirty="0">
               <a:latin typeface="Times New Roman" panose="02020603050405020304" pitchFamily="18" charset="0"/>
@@ -32317,7 +33326,7 @@
             <a:r>
               <a:rPr lang="en-US" altLang="zh-CN" sz="3200" dirty="0">
                 <a:solidFill>
-                  <a:schemeClr val="bg1"/>
+                  <a:srgbClr val="FAF1B4"/>
                 </a:solidFill>
                 <a:latin typeface="Times New Roman" panose="02020603050405020304" pitchFamily="18" charset="0"/>
                 <a:cs typeface="Times New Roman" panose="02020603050405020304" pitchFamily="18" charset="0"/>
@@ -32326,7 +33335,7 @@
             </a:r>
             <a:endParaRPr lang="zh-CN" altLang="en-US" sz="3200" dirty="0">
               <a:solidFill>
-                <a:schemeClr val="bg1"/>
+                <a:srgbClr val="FAF1B4"/>
               </a:solidFill>
               <a:latin typeface="Times New Roman" panose="02020603050405020304" pitchFamily="18" charset="0"/>
               <a:cs typeface="Times New Roman" panose="02020603050405020304" pitchFamily="18" charset="0"/>

--- a/6_Reports/6_2_Phase_2/End_Semester_Report.pptx
+++ b/6_Reports/6_2_Phase_2/End_Semester_Report.pptx
@@ -5,7 +5,7 @@
     <p:sldMasterId id="2147483700" r:id="rId1"/>
   </p:sldMasterIdLst>
   <p:notesMasterIdLst>
-    <p:notesMasterId r:id="rId40"/>
+    <p:notesMasterId r:id="rId43"/>
   </p:notesMasterIdLst>
   <p:sldIdLst>
     <p:sldId id="262" r:id="rId2"/>
@@ -45,7 +45,10 @@
     <p:sldId id="285" r:id="rId36"/>
     <p:sldId id="286" r:id="rId37"/>
     <p:sldId id="290" r:id="rId38"/>
-    <p:sldId id="307" r:id="rId39"/>
+    <p:sldId id="308" r:id="rId39"/>
+    <p:sldId id="310" r:id="rId40"/>
+    <p:sldId id="309" r:id="rId41"/>
+    <p:sldId id="307" r:id="rId42"/>
   </p:sldIdLst>
   <p:sldSz cx="9144000" cy="5715000" type="screen16x10"/>
   <p:notesSz cx="6858000" cy="9144000"/>
@@ -245,7 +248,7 @@
           <a:p>
             <a:fld id="{345BFD96-1C7E-4895-B002-8AA86726AA6F}" type="datetimeFigureOut">
               <a:rPr lang="zh-CN" altLang="en-US" smtClean="0"/>
-              <a:t>2023/6/26</a:t>
+              <a:t>2023/6/30</a:t>
             </a:fld>
             <a:endParaRPr lang="zh-CN" altLang="en-US"/>
           </a:p>
@@ -2878,7 +2881,175 @@
     </p:spTree>
     <p:extLst>
       <p:ext uri="{BB962C8B-B14F-4D97-AF65-F5344CB8AC3E}">
-        <p14:creationId xmlns:p14="http://schemas.microsoft.com/office/powerpoint/2010/main" val="937814969"/>
+        <p14:creationId xmlns:p14="http://schemas.microsoft.com/office/powerpoint/2010/main" val="2193257469"/>
+      </p:ext>
+    </p:extLst>
+  </p:cSld>
+  <p:clrMapOvr>
+    <a:masterClrMapping/>
+  </p:clrMapOvr>
+</p:notes>
+</file>
+
+<file path=ppt/notesSlides/notesSlide28.xml><?xml version="1.0" encoding="utf-8"?>
+<p:notes xmlns:a="http://schemas.openxmlformats.org/drawingml/2006/main" xmlns:r="http://schemas.openxmlformats.org/officeDocument/2006/relationships" xmlns:p="http://schemas.openxmlformats.org/presentationml/2006/main">
+  <p:cSld>
+    <p:spTree>
+      <p:nvGrpSpPr>
+        <p:cNvPr id="1" name=""/>
+        <p:cNvGrpSpPr/>
+        <p:nvPr/>
+      </p:nvGrpSpPr>
+      <p:grpSpPr>
+        <a:xfrm>
+          <a:off x="0" y="0"/>
+          <a:ext cx="0" cy="0"/>
+          <a:chOff x="0" y="0"/>
+          <a:chExt cx="0" cy="0"/>
+        </a:xfrm>
+      </p:grpSpPr>
+      <p:sp>
+        <p:nvSpPr>
+          <p:cNvPr id="2" name="幻灯片图像占位符 1"/>
+          <p:cNvSpPr>
+            <a:spLocks noGrp="1" noRot="1" noChangeAspect="1"/>
+          </p:cNvSpPr>
+          <p:nvPr>
+            <p:ph type="sldImg"/>
+          </p:nvPr>
+        </p:nvSpPr>
+        <p:spPr/>
+      </p:sp>
+      <p:sp>
+        <p:nvSpPr>
+          <p:cNvPr id="3" name="备注占位符 2"/>
+          <p:cNvSpPr>
+            <a:spLocks noGrp="1"/>
+          </p:cNvSpPr>
+          <p:nvPr>
+            <p:ph type="body" idx="1"/>
+          </p:nvPr>
+        </p:nvSpPr>
+        <p:spPr/>
+        <p:txBody>
+          <a:bodyPr/>
+          <a:lstStyle/>
+          <a:p>
+            <a:endParaRPr lang="zh-CN" altLang="en-US" dirty="0"/>
+          </a:p>
+        </p:txBody>
+      </p:sp>
+      <p:sp>
+        <p:nvSpPr>
+          <p:cNvPr id="4" name="灯片编号占位符 3"/>
+          <p:cNvSpPr>
+            <a:spLocks noGrp="1"/>
+          </p:cNvSpPr>
+          <p:nvPr>
+            <p:ph type="sldNum" sz="quarter" idx="5"/>
+          </p:nvPr>
+        </p:nvSpPr>
+        <p:spPr/>
+        <p:txBody>
+          <a:bodyPr/>
+          <a:lstStyle/>
+          <a:p>
+            <a:fld id="{6697E87D-5A90-4B20-A821-667C0F792DA9}" type="slidenum">
+              <a:rPr lang="zh-CN" altLang="en-US" smtClean="0"/>
+              <a:t>39</a:t>
+            </a:fld>
+            <a:endParaRPr lang="zh-CN" altLang="en-US"/>
+          </a:p>
+        </p:txBody>
+      </p:sp>
+    </p:spTree>
+    <p:extLst>
+      <p:ext uri="{BB962C8B-B14F-4D97-AF65-F5344CB8AC3E}">
+        <p14:creationId xmlns:p14="http://schemas.microsoft.com/office/powerpoint/2010/main" val="3472030473"/>
+      </p:ext>
+    </p:extLst>
+  </p:cSld>
+  <p:clrMapOvr>
+    <a:masterClrMapping/>
+  </p:clrMapOvr>
+</p:notes>
+</file>
+
+<file path=ppt/notesSlides/notesSlide29.xml><?xml version="1.0" encoding="utf-8"?>
+<p:notes xmlns:a="http://schemas.openxmlformats.org/drawingml/2006/main" xmlns:r="http://schemas.openxmlformats.org/officeDocument/2006/relationships" xmlns:p="http://schemas.openxmlformats.org/presentationml/2006/main">
+  <p:cSld>
+    <p:spTree>
+      <p:nvGrpSpPr>
+        <p:cNvPr id="1" name=""/>
+        <p:cNvGrpSpPr/>
+        <p:nvPr/>
+      </p:nvGrpSpPr>
+      <p:grpSpPr>
+        <a:xfrm>
+          <a:off x="0" y="0"/>
+          <a:ext cx="0" cy="0"/>
+          <a:chOff x="0" y="0"/>
+          <a:chExt cx="0" cy="0"/>
+        </a:xfrm>
+      </p:grpSpPr>
+      <p:sp>
+        <p:nvSpPr>
+          <p:cNvPr id="2" name="幻灯片图像占位符 1"/>
+          <p:cNvSpPr>
+            <a:spLocks noGrp="1" noRot="1" noChangeAspect="1"/>
+          </p:cNvSpPr>
+          <p:nvPr>
+            <p:ph type="sldImg"/>
+          </p:nvPr>
+        </p:nvSpPr>
+        <p:spPr/>
+      </p:sp>
+      <p:sp>
+        <p:nvSpPr>
+          <p:cNvPr id="3" name="备注占位符 2"/>
+          <p:cNvSpPr>
+            <a:spLocks noGrp="1"/>
+          </p:cNvSpPr>
+          <p:nvPr>
+            <p:ph type="body" idx="1"/>
+          </p:nvPr>
+        </p:nvSpPr>
+        <p:spPr/>
+        <p:txBody>
+          <a:bodyPr/>
+          <a:lstStyle/>
+          <a:p>
+            <a:endParaRPr lang="zh-CN" altLang="en-US" dirty="0"/>
+          </a:p>
+        </p:txBody>
+      </p:sp>
+      <p:sp>
+        <p:nvSpPr>
+          <p:cNvPr id="4" name="灯片编号占位符 3"/>
+          <p:cNvSpPr>
+            <a:spLocks noGrp="1"/>
+          </p:cNvSpPr>
+          <p:nvPr>
+            <p:ph type="sldNum" sz="quarter" idx="5"/>
+          </p:nvPr>
+        </p:nvSpPr>
+        <p:spPr/>
+        <p:txBody>
+          <a:bodyPr/>
+          <a:lstStyle/>
+          <a:p>
+            <a:fld id="{6697E87D-5A90-4B20-A821-667C0F792DA9}" type="slidenum">
+              <a:rPr lang="zh-CN" altLang="en-US" smtClean="0"/>
+              <a:t>40</a:t>
+            </a:fld>
+            <a:endParaRPr lang="zh-CN" altLang="en-US"/>
+          </a:p>
+        </p:txBody>
+      </p:sp>
+    </p:spTree>
+    <p:extLst>
+      <p:ext uri="{BB962C8B-B14F-4D97-AF65-F5344CB8AC3E}">
+        <p14:creationId xmlns:p14="http://schemas.microsoft.com/office/powerpoint/2010/main" val="1793417570"/>
       </p:ext>
     </p:extLst>
   </p:cSld>
@@ -2977,6 +3148,90 @@
     <p:extLst>
       <p:ext uri="{BB962C8B-B14F-4D97-AF65-F5344CB8AC3E}">
         <p14:creationId xmlns:p14="http://schemas.microsoft.com/office/powerpoint/2010/main" val="2369253547"/>
+      </p:ext>
+    </p:extLst>
+  </p:cSld>
+  <p:clrMapOvr>
+    <a:masterClrMapping/>
+  </p:clrMapOvr>
+</p:notes>
+</file>
+
+<file path=ppt/notesSlides/notesSlide30.xml><?xml version="1.0" encoding="utf-8"?>
+<p:notes xmlns:a="http://schemas.openxmlformats.org/drawingml/2006/main" xmlns:r="http://schemas.openxmlformats.org/officeDocument/2006/relationships" xmlns:p="http://schemas.openxmlformats.org/presentationml/2006/main">
+  <p:cSld>
+    <p:spTree>
+      <p:nvGrpSpPr>
+        <p:cNvPr id="1" name=""/>
+        <p:cNvGrpSpPr/>
+        <p:nvPr/>
+      </p:nvGrpSpPr>
+      <p:grpSpPr>
+        <a:xfrm>
+          <a:off x="0" y="0"/>
+          <a:ext cx="0" cy="0"/>
+          <a:chOff x="0" y="0"/>
+          <a:chExt cx="0" cy="0"/>
+        </a:xfrm>
+      </p:grpSpPr>
+      <p:sp>
+        <p:nvSpPr>
+          <p:cNvPr id="2" name="幻灯片图像占位符 1"/>
+          <p:cNvSpPr>
+            <a:spLocks noGrp="1" noRot="1" noChangeAspect="1"/>
+          </p:cNvSpPr>
+          <p:nvPr>
+            <p:ph type="sldImg"/>
+          </p:nvPr>
+        </p:nvSpPr>
+        <p:spPr/>
+      </p:sp>
+      <p:sp>
+        <p:nvSpPr>
+          <p:cNvPr id="3" name="备注占位符 2"/>
+          <p:cNvSpPr>
+            <a:spLocks noGrp="1"/>
+          </p:cNvSpPr>
+          <p:nvPr>
+            <p:ph type="body" idx="1"/>
+          </p:nvPr>
+        </p:nvSpPr>
+        <p:spPr/>
+        <p:txBody>
+          <a:bodyPr/>
+          <a:lstStyle/>
+          <a:p>
+            <a:endParaRPr lang="zh-CN" altLang="en-US" dirty="0"/>
+          </a:p>
+        </p:txBody>
+      </p:sp>
+      <p:sp>
+        <p:nvSpPr>
+          <p:cNvPr id="4" name="灯片编号占位符 3"/>
+          <p:cNvSpPr>
+            <a:spLocks noGrp="1"/>
+          </p:cNvSpPr>
+          <p:nvPr>
+            <p:ph type="sldNum" sz="quarter" idx="5"/>
+          </p:nvPr>
+        </p:nvSpPr>
+        <p:spPr/>
+        <p:txBody>
+          <a:bodyPr/>
+          <a:lstStyle/>
+          <a:p>
+            <a:fld id="{6697E87D-5A90-4B20-A821-667C0F792DA9}" type="slidenum">
+              <a:rPr lang="zh-CN" altLang="en-US" smtClean="0"/>
+              <a:t>41</a:t>
+            </a:fld>
+            <a:endParaRPr lang="zh-CN" altLang="en-US"/>
+          </a:p>
+        </p:txBody>
+      </p:sp>
+    </p:spTree>
+    <p:extLst>
+      <p:ext uri="{BB962C8B-B14F-4D97-AF65-F5344CB8AC3E}">
+        <p14:creationId xmlns:p14="http://schemas.microsoft.com/office/powerpoint/2010/main" val="937814969"/>
       </p:ext>
     </p:extLst>
   </p:cSld>
@@ -3881,7 +4136,7 @@
             <a:fld id="{81B8F32D-D8B6-4B9E-9CBF-DCAC30B7B93D}" type="datetimeFigureOut">
               <a:rPr lang="en-US" smtClean="0"/>
               <a:pPr/>
-              <a:t>6/26/2023</a:t>
+              <a:t>6/30/2023</a:t>
             </a:fld>
             <a:endParaRPr lang="en-US" dirty="0"/>
           </a:p>
@@ -4081,7 +4336,7 @@
             <a:fld id="{81B8F32D-D8B6-4B9E-9CBF-DCAC30B7B93D}" type="datetimeFigureOut">
               <a:rPr lang="en-US" smtClean="0"/>
               <a:pPr/>
-              <a:t>6/26/2023</a:t>
+              <a:t>6/30/2023</a:t>
             </a:fld>
             <a:endParaRPr lang="en-US" dirty="0"/>
           </a:p>
@@ -4291,7 +4546,7 @@
             <a:fld id="{81B8F32D-D8B6-4B9E-9CBF-DCAC30B7B93D}" type="datetimeFigureOut">
               <a:rPr lang="en-US" smtClean="0"/>
               <a:pPr/>
-              <a:t>6/26/2023</a:t>
+              <a:t>6/30/2023</a:t>
             </a:fld>
             <a:endParaRPr lang="en-US" dirty="0"/>
           </a:p>
@@ -4491,7 +4746,7 @@
             <a:fld id="{81B8F32D-D8B6-4B9E-9CBF-DCAC30B7B93D}" type="datetimeFigureOut">
               <a:rPr lang="en-US" smtClean="0"/>
               <a:pPr/>
-              <a:t>6/26/2023</a:t>
+              <a:t>6/30/2023</a:t>
             </a:fld>
             <a:endParaRPr lang="en-US" dirty="0"/>
           </a:p>
@@ -4768,7 +5023,7 @@
             <a:fld id="{81B8F32D-D8B6-4B9E-9CBF-DCAC30B7B93D}" type="datetimeFigureOut">
               <a:rPr lang="en-US" smtClean="0"/>
               <a:pPr/>
-              <a:t>6/26/2023</a:t>
+              <a:t>6/30/2023</a:t>
             </a:fld>
             <a:endParaRPr lang="en-US" dirty="0"/>
           </a:p>
@@ -5035,7 +5290,7 @@
             <a:fld id="{81B8F32D-D8B6-4B9E-9CBF-DCAC30B7B93D}" type="datetimeFigureOut">
               <a:rPr lang="en-US" smtClean="0"/>
               <a:pPr/>
-              <a:t>6/26/2023</a:t>
+              <a:t>6/30/2023</a:t>
             </a:fld>
             <a:endParaRPr lang="en-US" dirty="0"/>
           </a:p>
@@ -5449,7 +5704,7 @@
             <a:fld id="{81B8F32D-D8B6-4B9E-9CBF-DCAC30B7B93D}" type="datetimeFigureOut">
               <a:rPr lang="en-US" smtClean="0"/>
               <a:pPr/>
-              <a:t>6/26/2023</a:t>
+              <a:t>6/30/2023</a:t>
             </a:fld>
             <a:endParaRPr lang="en-US" dirty="0"/>
           </a:p>
@@ -5592,7 +5847,7 @@
             <a:fld id="{81B8F32D-D8B6-4B9E-9CBF-DCAC30B7B93D}" type="datetimeFigureOut">
               <a:rPr lang="en-US" smtClean="0"/>
               <a:pPr/>
-              <a:t>6/26/2023</a:t>
+              <a:t>6/30/2023</a:t>
             </a:fld>
             <a:endParaRPr lang="en-US" dirty="0"/>
           </a:p>
@@ -5707,7 +5962,7 @@
             <a:fld id="{81B8F32D-D8B6-4B9E-9CBF-DCAC30B7B93D}" type="datetimeFigureOut">
               <a:rPr lang="en-US" smtClean="0"/>
               <a:pPr/>
-              <a:t>6/26/2023</a:t>
+              <a:t>6/30/2023</a:t>
             </a:fld>
             <a:endParaRPr lang="en-US" dirty="0"/>
           </a:p>
@@ -6020,7 +6275,7 @@
             <a:fld id="{81B8F32D-D8B6-4B9E-9CBF-DCAC30B7B93D}" type="datetimeFigureOut">
               <a:rPr lang="en-US" smtClean="0"/>
               <a:pPr/>
-              <a:t>6/26/2023</a:t>
+              <a:t>6/30/2023</a:t>
             </a:fld>
             <a:endParaRPr lang="en-US" dirty="0"/>
           </a:p>
@@ -6310,7 +6565,7 @@
             <a:fld id="{81B8F32D-D8B6-4B9E-9CBF-DCAC30B7B93D}" type="datetimeFigureOut">
               <a:rPr lang="en-US" smtClean="0"/>
               <a:pPr/>
-              <a:t>6/26/2023</a:t>
+              <a:t>6/30/2023</a:t>
             </a:fld>
             <a:endParaRPr lang="en-US" dirty="0"/>
           </a:p>
@@ -6556,7 +6811,7 @@
             <a:fld id="{81B8F32D-D8B6-4B9E-9CBF-DCAC30B7B93D}" type="datetimeFigureOut">
               <a:rPr lang="en-US" smtClean="0"/>
               <a:pPr/>
-              <a:t>6/26/2023</a:t>
+              <a:t>6/30/2023</a:t>
             </a:fld>
             <a:endParaRPr lang="en-US" dirty="0"/>
           </a:p>
@@ -7303,7 +7558,7 @@
                 <a:latin typeface="Times New Roman" panose="02020603050405020304" pitchFamily="18" charset="0"/>
                 <a:cs typeface="Times New Roman" panose="02020603050405020304" pitchFamily="18" charset="0"/>
               </a:rPr>
-              <a:t>01 / 38</a:t>
+              <a:t>01 / 41</a:t>
             </a:r>
             <a:endParaRPr lang="zh-CN" altLang="en-US" sz="1800" b="1" dirty="0">
               <a:latin typeface="Times New Roman" panose="02020603050405020304" pitchFamily="18" charset="0"/>
@@ -7869,7 +8124,7 @@
                 <a:latin typeface="Times New Roman" panose="02020603050405020304" pitchFamily="18" charset="0"/>
                 <a:cs typeface="Times New Roman" panose="02020603050405020304" pitchFamily="18" charset="0"/>
               </a:rPr>
-              <a:t>10 / 38</a:t>
+              <a:t>10 / 41</a:t>
             </a:r>
             <a:endParaRPr lang="zh-CN" altLang="en-US" sz="1800" b="1" dirty="0">
               <a:latin typeface="Times New Roman" panose="02020603050405020304" pitchFamily="18" charset="0"/>
@@ -9152,7 +9407,7 @@
                 <a:latin typeface="Times New Roman" panose="02020603050405020304" pitchFamily="18" charset="0"/>
                 <a:cs typeface="Times New Roman" panose="02020603050405020304" pitchFamily="18" charset="0"/>
               </a:rPr>
-              <a:t>12 / 38</a:t>
+              <a:t>12 / 41</a:t>
             </a:r>
             <a:endParaRPr lang="zh-CN" altLang="en-US" sz="1800" b="1" dirty="0">
               <a:latin typeface="Times New Roman" panose="02020603050405020304" pitchFamily="18" charset="0"/>
@@ -10468,7 +10723,7 @@
                 <a:latin typeface="Times New Roman" panose="02020603050405020304" pitchFamily="18" charset="0"/>
                 <a:cs typeface="Times New Roman" panose="02020603050405020304" pitchFamily="18" charset="0"/>
               </a:rPr>
-              <a:t>13 / 38</a:t>
+              <a:t>13 / 41</a:t>
             </a:r>
             <a:endParaRPr lang="zh-CN" altLang="en-US" sz="1800" b="1" dirty="0">
               <a:latin typeface="Times New Roman" panose="02020603050405020304" pitchFamily="18" charset="0"/>
@@ -11459,7 +11714,7 @@
                 <a:latin typeface="Times New Roman" panose="02020603050405020304" pitchFamily="18" charset="0"/>
                 <a:cs typeface="Times New Roman" panose="02020603050405020304" pitchFamily="18" charset="0"/>
               </a:rPr>
-              <a:t>14 / 38</a:t>
+              <a:t>14 / 41</a:t>
             </a:r>
             <a:endParaRPr lang="zh-CN" altLang="en-US" sz="1800" b="1" dirty="0">
               <a:latin typeface="Times New Roman" panose="02020603050405020304" pitchFamily="18" charset="0"/>
@@ -15159,7 +15414,7 @@
                 <a:latin typeface="Times New Roman" panose="02020603050405020304" pitchFamily="18" charset="0"/>
                 <a:cs typeface="Times New Roman" panose="02020603050405020304" pitchFamily="18" charset="0"/>
               </a:rPr>
-              <a:t>15 / 38</a:t>
+              <a:t>15 / 41</a:t>
             </a:r>
             <a:endParaRPr lang="zh-CN" altLang="en-US" sz="1800" b="1" dirty="0">
               <a:latin typeface="Times New Roman" panose="02020603050405020304" pitchFamily="18" charset="0"/>
@@ -16363,7 +16618,7 @@
                 <a:latin typeface="Times New Roman" panose="02020603050405020304" pitchFamily="18" charset="0"/>
                 <a:cs typeface="Times New Roman" panose="02020603050405020304" pitchFamily="18" charset="0"/>
               </a:rPr>
-              <a:t>16 / 38</a:t>
+              <a:t>16 / 41</a:t>
             </a:r>
             <a:endParaRPr lang="zh-CN" altLang="en-US" sz="1800" b="1" dirty="0">
               <a:latin typeface="Times New Roman" panose="02020603050405020304" pitchFamily="18" charset="0"/>
@@ -16510,7 +16765,7 @@
         </p:nvSpPr>
         <p:spPr>
           <a:xfrm>
-            <a:off x="3276600" y="5436870"/>
+            <a:off x="3276600" y="5462037"/>
             <a:ext cx="3240818" cy="246221"/>
           </a:xfrm>
           <a:prstGeom prst="rect">
@@ -16528,7 +16783,7 @@
             <a:r>
               <a:rPr lang="zh-CN" altLang="en-US" sz="1000" dirty="0">
                 <a:solidFill>
-                  <a:schemeClr val="bg1"/>
+                  <a:srgbClr val="FAF1B4"/>
                 </a:solidFill>
               </a:rPr>
               <a:t>https://github.com/yuki-961004/</a:t>
@@ -16536,14 +16791,14 @@
             <a:r>
               <a:rPr lang="en-US" altLang="zh-CN" sz="1000" dirty="0">
                 <a:solidFill>
-                  <a:schemeClr val="bg1"/>
+                  <a:srgbClr val="FAF1B4"/>
                 </a:solidFill>
               </a:rPr>
               <a:t>yukiSH</a:t>
             </a:r>
             <a:endParaRPr lang="zh-CN" altLang="en-US" sz="1000" dirty="0">
               <a:solidFill>
-                <a:schemeClr val="bg1"/>
+                <a:srgbClr val="FAF1B4"/>
               </a:solidFill>
             </a:endParaRPr>
           </a:p>
@@ -16908,7 +17163,7 @@
                 <a:latin typeface="Times New Roman" panose="02020603050405020304" pitchFamily="18" charset="0"/>
                 <a:cs typeface="Times New Roman" panose="02020603050405020304" pitchFamily="18" charset="0"/>
               </a:rPr>
-              <a:t>17 / 38</a:t>
+              <a:t>17 / 41</a:t>
             </a:r>
             <a:endParaRPr lang="zh-CN" altLang="en-US" sz="1800" b="1" dirty="0">
               <a:latin typeface="Times New Roman" panose="02020603050405020304" pitchFamily="18" charset="0"/>
@@ -17306,7 +17561,7 @@
                 <a:latin typeface="Times New Roman" panose="02020603050405020304" pitchFamily="18" charset="0"/>
                 <a:cs typeface="Times New Roman" panose="02020603050405020304" pitchFamily="18" charset="0"/>
               </a:rPr>
-              <a:t>18 / 38</a:t>
+              <a:t>18 / 41</a:t>
             </a:r>
             <a:endParaRPr lang="zh-CN" altLang="en-US" sz="1800" b="1" dirty="0">
               <a:latin typeface="Times New Roman" panose="02020603050405020304" pitchFamily="18" charset="0"/>
@@ -17503,7 +17758,7 @@
         </p:nvSpPr>
         <p:spPr>
           <a:xfrm>
-            <a:off x="3276600" y="5436870"/>
+            <a:off x="3276600" y="5462037"/>
             <a:ext cx="3240818" cy="246221"/>
           </a:xfrm>
           <a:prstGeom prst="rect">
@@ -17521,7 +17776,7 @@
             <a:r>
               <a:rPr lang="zh-CN" altLang="en-US" sz="1000" dirty="0">
                 <a:solidFill>
-                  <a:schemeClr val="bg1"/>
+                  <a:srgbClr val="FAF1B4"/>
                 </a:solidFill>
               </a:rPr>
               <a:t>https://github.com/yuki-961004/</a:t>
@@ -17529,14 +17784,14 @@
             <a:r>
               <a:rPr lang="en-US" altLang="zh-CN" sz="1000" dirty="0">
                 <a:solidFill>
-                  <a:schemeClr val="bg1"/>
+                  <a:srgbClr val="FAF1B4"/>
                 </a:solidFill>
               </a:rPr>
               <a:t>yukiBP</a:t>
             </a:r>
             <a:endParaRPr lang="zh-CN" altLang="en-US" sz="1000" dirty="0">
               <a:solidFill>
-                <a:schemeClr val="bg1"/>
+                <a:srgbClr val="FAF1B4"/>
               </a:solidFill>
             </a:endParaRPr>
           </a:p>
@@ -17901,7 +18156,7 @@
                 <a:latin typeface="Times New Roman" panose="02020603050405020304" pitchFamily="18" charset="0"/>
                 <a:cs typeface="Times New Roman" panose="02020603050405020304" pitchFamily="18" charset="0"/>
               </a:rPr>
-              <a:t>19 / 38</a:t>
+              <a:t>19 / 41</a:t>
             </a:r>
             <a:endParaRPr lang="zh-CN" altLang="en-US" sz="1800" b="1" dirty="0">
               <a:latin typeface="Times New Roman" panose="02020603050405020304" pitchFamily="18" charset="0"/>
@@ -18346,7 +18601,7 @@
                 <a:latin typeface="Times New Roman" panose="02020603050405020304" pitchFamily="18" charset="0"/>
                 <a:cs typeface="Times New Roman" panose="02020603050405020304" pitchFamily="18" charset="0"/>
               </a:rPr>
-              <a:t>02 / 38</a:t>
+              <a:t>02 / 41</a:t>
             </a:r>
             <a:endParaRPr lang="zh-CN" altLang="en-US" sz="1800" b="1" dirty="0">
               <a:latin typeface="Times New Roman" panose="02020603050405020304" pitchFamily="18" charset="0"/>
@@ -18870,7 +19125,7 @@
                 <a:latin typeface="Times New Roman" panose="02020603050405020304" pitchFamily="18" charset="0"/>
                 <a:cs typeface="Times New Roman" panose="02020603050405020304" pitchFamily="18" charset="0"/>
               </a:rPr>
-              <a:t>20 / 38</a:t>
+              <a:t>20 / 41</a:t>
             </a:r>
             <a:endParaRPr lang="zh-CN" altLang="en-US" sz="1800" b="1" dirty="0">
               <a:latin typeface="Times New Roman" panose="02020603050405020304" pitchFamily="18" charset="0"/>
@@ -19785,7 +20040,7 @@
                 <a:latin typeface="Times New Roman" panose="02020603050405020304" pitchFamily="18" charset="0"/>
                 <a:cs typeface="Times New Roman" panose="02020603050405020304" pitchFamily="18" charset="0"/>
               </a:rPr>
-              <a:t>21 / 38</a:t>
+              <a:t>21 / 41</a:t>
             </a:r>
             <a:endParaRPr lang="zh-CN" altLang="en-US" sz="1800" b="1" dirty="0">
               <a:latin typeface="Times New Roman" panose="02020603050405020304" pitchFamily="18" charset="0"/>
@@ -19984,7 +20239,7 @@
         </p:nvSpPr>
         <p:spPr>
           <a:xfrm>
-            <a:off x="3276600" y="5436870"/>
+            <a:off x="3276600" y="5462037"/>
             <a:ext cx="3240818" cy="246221"/>
           </a:xfrm>
           <a:prstGeom prst="rect">
@@ -20002,7 +20257,7 @@
             <a:r>
               <a:rPr lang="zh-CN" altLang="en-US" sz="1000" dirty="0">
                 <a:solidFill>
-                  <a:schemeClr val="bg1"/>
+                  <a:srgbClr val="FAF1B4"/>
                 </a:solidFill>
               </a:rPr>
               <a:t>https://github.com/yuki-961004/</a:t>
@@ -20010,14 +20265,14 @@
             <a:r>
               <a:rPr lang="en-US" altLang="zh-CN" sz="1000" dirty="0">
                 <a:solidFill>
-                  <a:schemeClr val="bg1"/>
+                  <a:srgbClr val="FAF1B4"/>
                 </a:solidFill>
               </a:rPr>
               <a:t>yukiBP</a:t>
             </a:r>
             <a:endParaRPr lang="zh-CN" altLang="en-US" sz="1000" dirty="0">
               <a:solidFill>
-                <a:schemeClr val="bg1"/>
+                <a:srgbClr val="FAF1B4"/>
               </a:solidFill>
             </a:endParaRPr>
           </a:p>
@@ -20382,7 +20637,7 @@
                 <a:latin typeface="Times New Roman" panose="02020603050405020304" pitchFamily="18" charset="0"/>
                 <a:cs typeface="Times New Roman" panose="02020603050405020304" pitchFamily="18" charset="0"/>
               </a:rPr>
-              <a:t>22 / 38</a:t>
+              <a:t>22 / 41</a:t>
             </a:r>
             <a:endParaRPr lang="zh-CN" altLang="en-US" sz="1800" b="1" dirty="0">
               <a:latin typeface="Times New Roman" panose="02020603050405020304" pitchFamily="18" charset="0"/>
@@ -20827,7 +21082,7 @@
                 <a:latin typeface="Times New Roman" panose="02020603050405020304" pitchFamily="18" charset="0"/>
                 <a:cs typeface="Times New Roman" panose="02020603050405020304" pitchFamily="18" charset="0"/>
               </a:rPr>
-              <a:t>23 / 38</a:t>
+              <a:t>23 / 41</a:t>
             </a:r>
             <a:endParaRPr lang="zh-CN" altLang="en-US" sz="1800" b="1" dirty="0">
               <a:latin typeface="Times New Roman" panose="02020603050405020304" pitchFamily="18" charset="0"/>
@@ -21287,7 +21542,7 @@
                 <a:latin typeface="Times New Roman" panose="02020603050405020304" pitchFamily="18" charset="0"/>
                 <a:cs typeface="Times New Roman" panose="02020603050405020304" pitchFamily="18" charset="0"/>
               </a:rPr>
-              <a:t>24 / 38</a:t>
+              <a:t>24 / 41</a:t>
             </a:r>
             <a:endParaRPr lang="zh-CN" altLang="en-US" sz="1800" b="1" dirty="0">
               <a:latin typeface="Times New Roman" panose="02020603050405020304" pitchFamily="18" charset="0"/>
@@ -21832,7 +22087,7 @@
                 <a:latin typeface="Times New Roman" panose="02020603050405020304" pitchFamily="18" charset="0"/>
                 <a:cs typeface="Times New Roman" panose="02020603050405020304" pitchFamily="18" charset="0"/>
               </a:rPr>
-              <a:t>25 / 38</a:t>
+              <a:t>25 / 41</a:t>
             </a:r>
             <a:endParaRPr lang="zh-CN" altLang="en-US" sz="1800" b="1" dirty="0">
               <a:latin typeface="Times New Roman" panose="02020603050405020304" pitchFamily="18" charset="0"/>
@@ -22718,7 +22973,7 @@
                 <a:latin typeface="Times New Roman" panose="02020603050405020304" pitchFamily="18" charset="0"/>
                 <a:cs typeface="Times New Roman" panose="02020603050405020304" pitchFamily="18" charset="0"/>
               </a:rPr>
-              <a:t>26 / 38</a:t>
+              <a:t>26 / 41</a:t>
             </a:r>
             <a:endParaRPr lang="zh-CN" altLang="en-US" sz="1800" b="1" dirty="0">
               <a:latin typeface="Times New Roman" panose="02020603050405020304" pitchFamily="18" charset="0"/>
@@ -23751,7 +24006,7 @@
                 <a:latin typeface="Times New Roman" panose="02020603050405020304" pitchFamily="18" charset="0"/>
                 <a:cs typeface="Times New Roman" panose="02020603050405020304" pitchFamily="18" charset="0"/>
               </a:rPr>
-              <a:t>27 / 38</a:t>
+              <a:t>27 / 41</a:t>
             </a:r>
             <a:endParaRPr lang="zh-CN" altLang="en-US" sz="1800" b="1" dirty="0">
               <a:latin typeface="Times New Roman" panose="02020603050405020304" pitchFamily="18" charset="0"/>
@@ -24218,7 +24473,7 @@
                 <a:latin typeface="Times New Roman" panose="02020603050405020304" pitchFamily="18" charset="0"/>
                 <a:cs typeface="Times New Roman" panose="02020603050405020304" pitchFamily="18" charset="0"/>
               </a:rPr>
-              <a:t>28 / 38</a:t>
+              <a:t>28 / 41</a:t>
             </a:r>
             <a:endParaRPr lang="zh-CN" altLang="en-US" sz="1800" b="1" dirty="0">
               <a:latin typeface="Times New Roman" panose="02020603050405020304" pitchFamily="18" charset="0"/>
@@ -24792,7 +25047,7 @@
                 <a:latin typeface="Times New Roman" panose="02020603050405020304" pitchFamily="18" charset="0"/>
                 <a:cs typeface="Times New Roman" panose="02020603050405020304" pitchFamily="18" charset="0"/>
               </a:rPr>
-              <a:t>29 / 38</a:t>
+              <a:t>29 / 41</a:t>
             </a:r>
             <a:endParaRPr lang="zh-CN" altLang="en-US" sz="1800" b="1" dirty="0">
               <a:latin typeface="Times New Roman" panose="02020603050405020304" pitchFamily="18" charset="0"/>
@@ -25288,7 +25543,7 @@
                 <a:latin typeface="Times New Roman" panose="02020603050405020304" pitchFamily="18" charset="0"/>
                 <a:cs typeface="Times New Roman" panose="02020603050405020304" pitchFamily="18" charset="0"/>
               </a:rPr>
-              <a:t>03 / 38</a:t>
+              <a:t>03 / 41</a:t>
             </a:r>
             <a:endParaRPr lang="zh-CN" altLang="en-US" sz="1800" b="1" dirty="0">
               <a:latin typeface="Times New Roman" panose="02020603050405020304" pitchFamily="18" charset="0"/>
@@ -25748,7 +26003,7 @@
                 <a:latin typeface="Times New Roman" panose="02020603050405020304" pitchFamily="18" charset="0"/>
                 <a:cs typeface="Times New Roman" panose="02020603050405020304" pitchFamily="18" charset="0"/>
               </a:rPr>
-              <a:t>30 / 38</a:t>
+              <a:t>30 / 41</a:t>
             </a:r>
             <a:endParaRPr lang="zh-CN" altLang="en-US" sz="1800" b="1" dirty="0">
               <a:latin typeface="Times New Roman" panose="02020603050405020304" pitchFamily="18" charset="0"/>
@@ -26328,7 +26583,7 @@
                 <a:latin typeface="Times New Roman" panose="02020603050405020304" pitchFamily="18" charset="0"/>
                 <a:cs typeface="Times New Roman" panose="02020603050405020304" pitchFamily="18" charset="0"/>
               </a:rPr>
-              <a:t>31 / 38</a:t>
+              <a:t>31 / 41</a:t>
             </a:r>
             <a:endParaRPr lang="zh-CN" altLang="en-US" sz="1800" b="1" dirty="0">
               <a:latin typeface="Times New Roman" panose="02020603050405020304" pitchFamily="18" charset="0"/>
@@ -26795,7 +27050,7 @@
                 <a:latin typeface="Times New Roman" panose="02020603050405020304" pitchFamily="18" charset="0"/>
                 <a:cs typeface="Times New Roman" panose="02020603050405020304" pitchFamily="18" charset="0"/>
               </a:rPr>
-              <a:t>32 / 38</a:t>
+              <a:t>32 / 41</a:t>
             </a:r>
             <a:endParaRPr lang="zh-CN" altLang="en-US" sz="1800" b="1" dirty="0">
               <a:latin typeface="Times New Roman" panose="02020603050405020304" pitchFamily="18" charset="0"/>
@@ -27288,7 +27543,7 @@
                 <a:latin typeface="Times New Roman" panose="02020603050405020304" pitchFamily="18" charset="0"/>
                 <a:cs typeface="Times New Roman" panose="02020603050405020304" pitchFamily="18" charset="0"/>
               </a:rPr>
-              <a:t>33 / 38</a:t>
+              <a:t>33 / 41</a:t>
             </a:r>
             <a:endParaRPr lang="zh-CN" altLang="en-US" sz="1800" b="1" dirty="0">
               <a:latin typeface="Times New Roman" panose="02020603050405020304" pitchFamily="18" charset="0"/>
@@ -27840,7 +28095,7 @@
                 <a:latin typeface="Times New Roman" panose="02020603050405020304" pitchFamily="18" charset="0"/>
                 <a:cs typeface="Times New Roman" panose="02020603050405020304" pitchFamily="18" charset="0"/>
               </a:rPr>
-              <a:t>34 / 38</a:t>
+              <a:t>34 / 41</a:t>
             </a:r>
             <a:endParaRPr lang="zh-CN" altLang="en-US" sz="1800" b="1" dirty="0">
               <a:latin typeface="Times New Roman" panose="02020603050405020304" pitchFamily="18" charset="0"/>
@@ -28411,7 +28666,7 @@
                 <a:latin typeface="Times New Roman" panose="02020603050405020304" pitchFamily="18" charset="0"/>
                 <a:cs typeface="Times New Roman" panose="02020603050405020304" pitchFamily="18" charset="0"/>
               </a:rPr>
-              <a:t>35 / 38</a:t>
+              <a:t>35 / 41</a:t>
             </a:r>
             <a:endParaRPr lang="zh-CN" altLang="en-US" sz="1800" b="1" dirty="0">
               <a:latin typeface="Times New Roman" panose="02020603050405020304" pitchFamily="18" charset="0"/>
@@ -28934,7 +29189,7 @@
                 <a:latin typeface="Times New Roman" panose="02020603050405020304" pitchFamily="18" charset="0"/>
                 <a:cs typeface="Times New Roman" panose="02020603050405020304" pitchFamily="18" charset="0"/>
               </a:rPr>
-              <a:t>36 / 38</a:t>
+              <a:t>36 / 41</a:t>
             </a:r>
             <a:endParaRPr lang="zh-CN" altLang="en-US" sz="1800" b="1" dirty="0">
               <a:latin typeface="Times New Roman" panose="02020603050405020304" pitchFamily="18" charset="0"/>
@@ -29439,7 +29694,7 @@
                 <a:latin typeface="Times New Roman" panose="02020603050405020304" pitchFamily="18" charset="0"/>
                 <a:cs typeface="Times New Roman" panose="02020603050405020304" pitchFamily="18" charset="0"/>
               </a:rPr>
-              <a:t>37 / 38</a:t>
+              <a:t>37 / 41</a:t>
             </a:r>
             <a:endParaRPr lang="zh-CN" altLang="en-US" sz="1800" b="1" dirty="0">
               <a:latin typeface="Times New Roman" panose="02020603050405020304" pitchFamily="18" charset="0"/>
@@ -29908,8 +30163,15 @@
                 <a:latin typeface="Times New Roman" panose="02020603050405020304" pitchFamily="18" charset="0"/>
                 <a:cs typeface="Times New Roman" panose="02020603050405020304" pitchFamily="18" charset="0"/>
               </a:rPr>
-              <a:t>Thanks</a:t>
-            </a:r>
+              <a:t>Website</a:t>
+            </a:r>
+            <a:endParaRPr lang="zh-CN" altLang="en-US" sz="4000" dirty="0">
+              <a:solidFill>
+                <a:schemeClr val="bg1"/>
+              </a:solidFill>
+              <a:latin typeface="Times New Roman" panose="02020603050405020304" pitchFamily="18" charset="0"/>
+              <a:cs typeface="Times New Roman" panose="02020603050405020304" pitchFamily="18" charset="0"/>
+            </a:endParaRPr>
           </a:p>
         </p:txBody>
       </p:sp>
@@ -29966,7 +30228,7 @@
                 <a:latin typeface="Times New Roman" panose="02020603050405020304" pitchFamily="18" charset="0"/>
                 <a:cs typeface="Times New Roman" panose="02020603050405020304" pitchFamily="18" charset="0"/>
               </a:rPr>
-              <a:t>38 / 38</a:t>
+              <a:t>38 / 41</a:t>
             </a:r>
             <a:endParaRPr lang="zh-CN" altLang="en-US" sz="1800" b="1" dirty="0">
               <a:latin typeface="Times New Roman" panose="02020603050405020304" pitchFamily="18" charset="0"/>
@@ -29977,67 +30239,20 @@
       </p:sp>
       <p:sp>
         <p:nvSpPr>
-          <p:cNvPr id="12" name="Rectangle 11">
-            <a:extLst>
-              <a:ext uri="{FF2B5EF4-FFF2-40B4-BE49-F238E27FC236}">
-                <a16:creationId xmlns:a16="http://schemas.microsoft.com/office/drawing/2014/main" id="{2AE5AF11-C8FC-4A4C-64DC-86B1D312BD72}"/>
-              </a:ext>
-            </a:extLst>
-          </p:cNvPr>
-          <p:cNvSpPr/>
+          <p:cNvPr id="9" name="文本框 8">
+            <a:extLst>
+              <a:ext uri="{FF2B5EF4-FFF2-40B4-BE49-F238E27FC236}">
+                <a16:creationId xmlns:a16="http://schemas.microsoft.com/office/drawing/2014/main" id="{F366FD86-1B4A-A063-9DEA-B0860E76B5DD}"/>
+              </a:ext>
+            </a:extLst>
+          </p:cNvPr>
+          <p:cNvSpPr txBox="1"/>
           <p:nvPr/>
         </p:nvSpPr>
         <p:spPr>
           <a:xfrm>
-            <a:off x="288015" y="1715811"/>
-            <a:ext cx="5947653" cy="2080670"/>
-          </a:xfrm>
-          <a:prstGeom prst="rect">
-            <a:avLst/>
-          </a:prstGeom>
-        </p:spPr>
-        <p:txBody>
-          <a:bodyPr vert="horz" lIns="91440" tIns="45720" rIns="91440" bIns="45720" rtlCol="0" anchor="t">
-            <a:normAutofit/>
-          </a:bodyPr>
-          <a:lstStyle/>
-          <a:p>
-            <a:pPr indent="-228600">
-              <a:lnSpc>
-                <a:spcPct val="90000"/>
-              </a:lnSpc>
-              <a:spcAft>
-                <a:spcPts val="600"/>
-              </a:spcAft>
-              <a:buFont typeface="Arial" panose="020B0604020202020204" pitchFamily="34" charset="0"/>
-              <a:buChar char="•"/>
-            </a:pPr>
-            <a:endParaRPr lang="en-US" sz="2200" b="1" dirty="0">
-              <a:solidFill>
-                <a:schemeClr val="bg1"/>
-              </a:solidFill>
-              <a:latin typeface="Times New Roman" panose="02020603050405020304" pitchFamily="18" charset="0"/>
-              <a:cs typeface="Times New Roman" panose="02020603050405020304" pitchFamily="18" charset="0"/>
-            </a:endParaRPr>
-          </a:p>
-        </p:txBody>
-      </p:sp>
-      <p:sp>
-        <p:nvSpPr>
-          <p:cNvPr id="2" name="文本框 1">
-            <a:extLst>
-              <a:ext uri="{FF2B5EF4-FFF2-40B4-BE49-F238E27FC236}">
-                <a16:creationId xmlns:a16="http://schemas.microsoft.com/office/drawing/2014/main" id="{24259C88-C0D9-3FC7-7113-220C3BBD3A69}"/>
-              </a:ext>
-            </a:extLst>
-          </p:cNvPr>
-          <p:cNvSpPr txBox="1"/>
-          <p:nvPr/>
-        </p:nvSpPr>
-        <p:spPr>
-          <a:xfrm>
-            <a:off x="1216782" y="2349665"/>
-            <a:ext cx="4090118" cy="1015663"/>
+            <a:off x="3117752" y="5462273"/>
+            <a:ext cx="3405930" cy="246221"/>
           </a:xfrm>
           <a:prstGeom prst="rect">
             <a:avLst/>
@@ -30050,31 +30265,52 @@
           </a:bodyPr>
           <a:lstStyle/>
           <a:p>
-            <a:pPr algn="ctr"/>
-            <a:r>
-              <a:rPr lang="en-US" altLang="zh-CN" sz="6000" b="1" dirty="0">
+            <a:pPr algn="r"/>
+            <a:r>
+              <a:rPr lang="zh-CN" altLang="en-US" sz="1000" dirty="0">
                 <a:solidFill>
                   <a:srgbClr val="FAF1B4"/>
                 </a:solidFill>
-                <a:latin typeface="Times New Roman" panose="02020603050405020304" pitchFamily="18" charset="0"/>
-                <a:cs typeface="Times New Roman" panose="02020603050405020304" pitchFamily="18" charset="0"/>
-              </a:rPr>
-              <a:t>Thanks</a:t>
-            </a:r>
-            <a:endParaRPr lang="zh-CN" altLang="en-US" sz="6000" b="1" dirty="0">
-              <a:solidFill>
-                <a:srgbClr val="FAF1B4"/>
-              </a:solidFill>
-              <a:latin typeface="Times New Roman" panose="02020603050405020304" pitchFamily="18" charset="0"/>
-              <a:cs typeface="Times New Roman" panose="02020603050405020304" pitchFamily="18" charset="0"/>
-            </a:endParaRPr>
+              </a:rPr>
+              <a:t>https://github.com/yuki-961004</a:t>
+            </a:r>
           </a:p>
         </p:txBody>
       </p:sp>
+      <p:pic>
+        <p:nvPicPr>
+          <p:cNvPr id="20" name="图片 19">
+            <a:extLst>
+              <a:ext uri="{FF2B5EF4-FFF2-40B4-BE49-F238E27FC236}">
+                <a16:creationId xmlns:a16="http://schemas.microsoft.com/office/drawing/2014/main" id="{5EF5533A-4DEC-2206-B2A2-F99C27F689CB}"/>
+              </a:ext>
+            </a:extLst>
+          </p:cNvPr>
+          <p:cNvPicPr>
+            <a:picLocks noChangeAspect="1"/>
+          </p:cNvPicPr>
+          <p:nvPr/>
+        </p:nvPicPr>
+        <p:blipFill>
+          <a:blip r:embed="rId4"/>
+          <a:stretch>
+            <a:fillRect/>
+          </a:stretch>
+        </p:blipFill>
+        <p:spPr>
+          <a:xfrm>
+            <a:off x="378844" y="785055"/>
+            <a:ext cx="5795511" cy="4258021"/>
+          </a:xfrm>
+          <a:prstGeom prst="rect">
+            <a:avLst/>
+          </a:prstGeom>
+        </p:spPr>
+      </p:pic>
     </p:spTree>
     <p:extLst>
       <p:ext uri="{BB962C8B-B14F-4D97-AF65-F5344CB8AC3E}">
-        <p14:creationId xmlns:p14="http://schemas.microsoft.com/office/powerpoint/2010/main" val="261869288"/>
+        <p14:creationId xmlns:p14="http://schemas.microsoft.com/office/powerpoint/2010/main" val="3611692371"/>
       </p:ext>
     </p:extLst>
   </p:cSld>
@@ -30084,7 +30320,7 @@
 </p:sld>
 </file>
 
-<file path=ppt/slides/slide4.xml><?xml version="1.0" encoding="utf-8"?>
+<file path=ppt/slides/slide39.xml><?xml version="1.0" encoding="utf-8"?>
 <p:sld xmlns:a="http://schemas.openxmlformats.org/drawingml/2006/main" xmlns:r="http://schemas.openxmlformats.org/officeDocument/2006/relationships" xmlns:p="http://schemas.openxmlformats.org/presentationml/2006/main">
   <p:cSld>
     <p:spTree>
@@ -30103,10 +30339,10 @@
       </p:grpSpPr>
       <p:sp>
         <p:nvSpPr>
-          <p:cNvPr id="20" name="矩形 19">
-            <a:extLst>
-              <a:ext uri="{FF2B5EF4-FFF2-40B4-BE49-F238E27FC236}">
-                <a16:creationId xmlns:a16="http://schemas.microsoft.com/office/drawing/2014/main" id="{C959A457-74E2-627A-0FAC-5E3072829554}"/>
+          <p:cNvPr id="6" name="矩形 5">
+            <a:extLst>
+              <a:ext uri="{FF2B5EF4-FFF2-40B4-BE49-F238E27FC236}">
+                <a16:creationId xmlns:a16="http://schemas.microsoft.com/office/drawing/2014/main" id="{D89A1788-3DCA-5E59-1C6D-272D6AB1F2D3}"/>
               </a:ext>
             </a:extLst>
           </p:cNvPr>
@@ -30365,7 +30601,7 @@
                 <a:latin typeface="Times New Roman" panose="02020603050405020304" pitchFamily="18" charset="0"/>
                 <a:cs typeface="Times New Roman" panose="02020603050405020304" pitchFamily="18" charset="0"/>
               </a:rPr>
-              <a:t>Introduction</a:t>
+              <a:t>Website</a:t>
             </a:r>
             <a:endParaRPr lang="zh-CN" altLang="en-US" sz="4000" dirty="0">
               <a:solidFill>
@@ -30430,7 +30666,7 @@
                 <a:latin typeface="Times New Roman" panose="02020603050405020304" pitchFamily="18" charset="0"/>
                 <a:cs typeface="Times New Roman" panose="02020603050405020304" pitchFamily="18" charset="0"/>
               </a:rPr>
-              <a:t>04 / 38</a:t>
+              <a:t>39 / 41</a:t>
             </a:r>
             <a:endParaRPr lang="zh-CN" altLang="en-US" sz="1800" b="1" dirty="0">
               <a:latin typeface="Times New Roman" panose="02020603050405020304" pitchFamily="18" charset="0"/>
@@ -30488,10 +30724,10 @@
       </p:sp>
       <p:sp>
         <p:nvSpPr>
-          <p:cNvPr id="18" name="文本框 17">
-            <a:extLst>
-              <a:ext uri="{FF2B5EF4-FFF2-40B4-BE49-F238E27FC236}">
-                <a16:creationId xmlns:a16="http://schemas.microsoft.com/office/drawing/2014/main" id="{9BAE6EC3-71D9-5488-3692-782DD8C30047}"/>
+          <p:cNvPr id="9" name="文本框 8">
+            <a:extLst>
+              <a:ext uri="{FF2B5EF4-FFF2-40B4-BE49-F238E27FC236}">
+                <a16:creationId xmlns:a16="http://schemas.microsoft.com/office/drawing/2014/main" id="{F366FD86-1B4A-A063-9DEA-B0860E76B5DD}"/>
               </a:ext>
             </a:extLst>
           </p:cNvPr>
@@ -30500,8 +30736,8 @@
         </p:nvSpPr>
         <p:spPr>
           <a:xfrm>
-            <a:off x="302773" y="2989624"/>
-            <a:ext cx="5947653" cy="2185214"/>
+            <a:off x="3117752" y="5462273"/>
+            <a:ext cx="3405930" cy="246221"/>
           </a:xfrm>
           <a:prstGeom prst="rect">
             <a:avLst/>
@@ -30514,125 +30750,57 @@
           </a:bodyPr>
           <a:lstStyle/>
           <a:p>
-            <a:r>
-              <a:rPr lang="en-US" altLang="zh-CN" sz="2400" dirty="0">
-                <a:solidFill>
-                  <a:schemeClr val="bg1"/>
-                </a:solidFill>
-                <a:latin typeface="Times New Roman" panose="02020603050405020304" pitchFamily="18" charset="0"/>
-                <a:cs typeface="Times New Roman" panose="02020603050405020304" pitchFamily="18" charset="0"/>
-              </a:rPr>
-              <a:t>Self-Prioritization Effect (SPE)</a:t>
-            </a:r>
-          </a:p>
-          <a:p>
-            <a:endParaRPr lang="en-US" altLang="zh-CN" sz="2000" dirty="0">
-              <a:solidFill>
-                <a:schemeClr val="bg1"/>
-              </a:solidFill>
-              <a:latin typeface="Times New Roman" panose="02020603050405020304" pitchFamily="18" charset="0"/>
-              <a:cs typeface="Times New Roman" panose="02020603050405020304" pitchFamily="18" charset="0"/>
-            </a:endParaRPr>
-          </a:p>
-          <a:p>
-            <a:pPr lvl="1"/>
-            <a:r>
-              <a:rPr lang="en-US" altLang="zh-CN" sz="2000" dirty="0">
-                <a:solidFill>
-                  <a:schemeClr val="bg1"/>
-                </a:solidFill>
-                <a:latin typeface="Times New Roman" panose="02020603050405020304" pitchFamily="18" charset="0"/>
-                <a:cs typeface="Times New Roman" panose="02020603050405020304" pitchFamily="18" charset="0"/>
-              </a:rPr>
-              <a:t>The cocktail effect</a:t>
-            </a:r>
-          </a:p>
-          <a:p>
-            <a:pPr lvl="1"/>
-            <a:endParaRPr lang="en-US" altLang="zh-CN" sz="1800" dirty="0">
-              <a:solidFill>
-                <a:schemeClr val="bg1"/>
-              </a:solidFill>
-              <a:latin typeface="Times New Roman" panose="02020603050405020304" pitchFamily="18" charset="0"/>
-              <a:cs typeface="Times New Roman" panose="02020603050405020304" pitchFamily="18" charset="0"/>
-            </a:endParaRPr>
-          </a:p>
-          <a:p>
-            <a:pPr lvl="1"/>
-            <a:r>
-              <a:rPr lang="en-US" altLang="zh-CN" sz="1800" dirty="0">
-                <a:solidFill>
-                  <a:schemeClr val="bg1"/>
-                </a:solidFill>
-                <a:latin typeface="Times New Roman" panose="02020603050405020304" pitchFamily="18" charset="0"/>
-                <a:cs typeface="Times New Roman" panose="02020603050405020304" pitchFamily="18" charset="0"/>
-              </a:rPr>
-              <a:t>A memory advantage in recalling information encoded with self-relevance compared with those encoded with non-self relevance. </a:t>
-            </a:r>
-            <a:r>
-              <a:rPr lang="en-US" altLang="zh-CN" sz="1800" dirty="0">
+            <a:pPr algn="r"/>
+            <a:r>
+              <a:rPr lang="en-US" altLang="zh-CN" sz="1000" dirty="0">
                 <a:solidFill>
                   <a:srgbClr val="FAF1B4"/>
                 </a:solidFill>
-                <a:latin typeface="Times New Roman" panose="02020603050405020304" pitchFamily="18" charset="0"/>
-                <a:cs typeface="Times New Roman" panose="02020603050405020304" pitchFamily="18" charset="0"/>
-              </a:rPr>
-              <a:t>(Rogers et al., 1977) </a:t>
-            </a:r>
+              </a:rPr>
+              <a:t>https://github.com/yuki-961004/Reliability_SPMT</a:t>
+            </a:r>
+            <a:endParaRPr lang="zh-CN" altLang="en-US" sz="1000" dirty="0">
+              <a:solidFill>
+                <a:srgbClr val="FAF1B4"/>
+              </a:solidFill>
+            </a:endParaRPr>
           </a:p>
         </p:txBody>
       </p:sp>
       <p:pic>
         <p:nvPicPr>
-          <p:cNvPr id="1028" name="Picture 4" descr="DSRP and the Cocktail Party Effect">
-            <a:extLst>
-              <a:ext uri="{FF2B5EF4-FFF2-40B4-BE49-F238E27FC236}">
-                <a16:creationId xmlns:a16="http://schemas.microsoft.com/office/drawing/2014/main" id="{E4DF4C19-359B-C982-D5FF-0563B104D079}"/>
+          <p:cNvPr id="15" name="图片 14">
+            <a:extLst>
+              <a:ext uri="{FF2B5EF4-FFF2-40B4-BE49-F238E27FC236}">
+                <a16:creationId xmlns:a16="http://schemas.microsoft.com/office/drawing/2014/main" id="{5FAB7DF9-EF6D-0970-64BE-DE363C5B42F0}"/>
               </a:ext>
             </a:extLst>
           </p:cNvPr>
           <p:cNvPicPr>
-            <a:picLocks noChangeAspect="1" noChangeArrowheads="1"/>
+            <a:picLocks noChangeAspect="1"/>
           </p:cNvPicPr>
           <p:nvPr/>
         </p:nvPicPr>
         <p:blipFill>
-          <a:blip r:embed="rId4">
-            <a:extLst>
-              <a:ext uri="{28A0092B-C50C-407E-A947-70E740481C1C}">
-                <a14:useLocalDpi xmlns:a14="http://schemas.microsoft.com/office/drawing/2010/main" val="0"/>
-              </a:ext>
-            </a:extLst>
-          </a:blip>
-          <a:srcRect/>
+          <a:blip r:embed="rId4"/>
           <a:stretch>
             <a:fillRect/>
           </a:stretch>
         </p:blipFill>
-        <p:spPr bwMode="auto">
+        <p:spPr>
           <a:xfrm>
-            <a:off x="1308922" y="819103"/>
-            <a:ext cx="3935356" cy="2094962"/>
+            <a:off x="375076" y="778765"/>
+            <a:ext cx="5803047" cy="4270601"/>
           </a:xfrm>
           <a:prstGeom prst="rect">
             <a:avLst/>
           </a:prstGeom>
-          <a:noFill/>
-          <a:extLst>
-            <a:ext uri="{909E8E84-426E-40DD-AFC4-6F175D3DCCD1}">
-              <a14:hiddenFill xmlns:a14="http://schemas.microsoft.com/office/drawing/2010/main">
-                <a:solidFill>
-                  <a:srgbClr val="FFFFFF"/>
-                </a:solidFill>
-              </a14:hiddenFill>
-            </a:ext>
-          </a:extLst>
         </p:spPr>
       </p:pic>
     </p:spTree>
     <p:extLst>
       <p:ext uri="{BB962C8B-B14F-4D97-AF65-F5344CB8AC3E}">
-        <p14:creationId xmlns:p14="http://schemas.microsoft.com/office/powerpoint/2010/main" val="1507722445"/>
+        <p14:creationId xmlns:p14="http://schemas.microsoft.com/office/powerpoint/2010/main" val="1981327083"/>
       </p:ext>
     </p:extLst>
   </p:cSld>
@@ -30642,7 +30810,7 @@
 </p:sld>
 </file>
 
-<file path=ppt/slides/slide5.xml><?xml version="1.0" encoding="utf-8"?>
+<file path=ppt/slides/slide4.xml><?xml version="1.0" encoding="utf-8"?>
 <p:sld xmlns:a="http://schemas.openxmlformats.org/drawingml/2006/main" xmlns:r="http://schemas.openxmlformats.org/officeDocument/2006/relationships" xmlns:p="http://schemas.openxmlformats.org/presentationml/2006/main">
   <p:cSld>
     <p:spTree>
@@ -30661,10 +30829,10 @@
       </p:grpSpPr>
       <p:sp>
         <p:nvSpPr>
-          <p:cNvPr id="102" name="矩形 101">
-            <a:extLst>
-              <a:ext uri="{FF2B5EF4-FFF2-40B4-BE49-F238E27FC236}">
-                <a16:creationId xmlns:a16="http://schemas.microsoft.com/office/drawing/2014/main" id="{09091A9B-6F68-3473-08EE-53C2A540E7E8}"/>
+          <p:cNvPr id="20" name="矩形 19">
+            <a:extLst>
+              <a:ext uri="{FF2B5EF4-FFF2-40B4-BE49-F238E27FC236}">
+                <a16:creationId xmlns:a16="http://schemas.microsoft.com/office/drawing/2014/main" id="{C959A457-74E2-627A-0FAC-5E3072829554}"/>
               </a:ext>
             </a:extLst>
           </p:cNvPr>
@@ -30988,7 +31156,1512 @@
                 <a:latin typeface="Times New Roman" panose="02020603050405020304" pitchFamily="18" charset="0"/>
                 <a:cs typeface="Times New Roman" panose="02020603050405020304" pitchFamily="18" charset="0"/>
               </a:rPr>
-              <a:t>05 / 38</a:t>
+              <a:t>04 / 41</a:t>
+            </a:r>
+            <a:endParaRPr lang="zh-CN" altLang="en-US" sz="1800" b="1" dirty="0">
+              <a:latin typeface="Times New Roman" panose="02020603050405020304" pitchFamily="18" charset="0"/>
+              <a:cs typeface="Times New Roman" panose="02020603050405020304" pitchFamily="18" charset="0"/>
+            </a:endParaRPr>
+          </a:p>
+        </p:txBody>
+      </p:sp>
+      <p:sp>
+        <p:nvSpPr>
+          <p:cNvPr id="12" name="Rectangle 11">
+            <a:extLst>
+              <a:ext uri="{FF2B5EF4-FFF2-40B4-BE49-F238E27FC236}">
+                <a16:creationId xmlns:a16="http://schemas.microsoft.com/office/drawing/2014/main" id="{2AE5AF11-C8FC-4A4C-64DC-86B1D312BD72}"/>
+              </a:ext>
+            </a:extLst>
+          </p:cNvPr>
+          <p:cNvSpPr/>
+          <p:nvPr/>
+        </p:nvSpPr>
+        <p:spPr>
+          <a:xfrm>
+            <a:off x="288015" y="1715811"/>
+            <a:ext cx="5947653" cy="2080670"/>
+          </a:xfrm>
+          <a:prstGeom prst="rect">
+            <a:avLst/>
+          </a:prstGeom>
+        </p:spPr>
+        <p:txBody>
+          <a:bodyPr vert="horz" lIns="91440" tIns="45720" rIns="91440" bIns="45720" rtlCol="0" anchor="t">
+            <a:normAutofit/>
+          </a:bodyPr>
+          <a:lstStyle/>
+          <a:p>
+            <a:pPr indent="-228600">
+              <a:lnSpc>
+                <a:spcPct val="90000"/>
+              </a:lnSpc>
+              <a:spcAft>
+                <a:spcPts val="600"/>
+              </a:spcAft>
+              <a:buFont typeface="Arial" panose="020B0604020202020204" pitchFamily="34" charset="0"/>
+              <a:buChar char="•"/>
+            </a:pPr>
+            <a:endParaRPr lang="en-US" sz="2200" b="1" dirty="0">
+              <a:solidFill>
+                <a:schemeClr val="bg1"/>
+              </a:solidFill>
+              <a:latin typeface="Times New Roman" panose="02020603050405020304" pitchFamily="18" charset="0"/>
+              <a:cs typeface="Times New Roman" panose="02020603050405020304" pitchFamily="18" charset="0"/>
+            </a:endParaRPr>
+          </a:p>
+        </p:txBody>
+      </p:sp>
+      <p:sp>
+        <p:nvSpPr>
+          <p:cNvPr id="18" name="文本框 17">
+            <a:extLst>
+              <a:ext uri="{FF2B5EF4-FFF2-40B4-BE49-F238E27FC236}">
+                <a16:creationId xmlns:a16="http://schemas.microsoft.com/office/drawing/2014/main" id="{9BAE6EC3-71D9-5488-3692-782DD8C30047}"/>
+              </a:ext>
+            </a:extLst>
+          </p:cNvPr>
+          <p:cNvSpPr txBox="1"/>
+          <p:nvPr/>
+        </p:nvSpPr>
+        <p:spPr>
+          <a:xfrm>
+            <a:off x="302773" y="2989624"/>
+            <a:ext cx="5947653" cy="2185214"/>
+          </a:xfrm>
+          <a:prstGeom prst="rect">
+            <a:avLst/>
+          </a:prstGeom>
+          <a:noFill/>
+        </p:spPr>
+        <p:txBody>
+          <a:bodyPr wrap="square">
+            <a:spAutoFit/>
+          </a:bodyPr>
+          <a:lstStyle/>
+          <a:p>
+            <a:r>
+              <a:rPr lang="en-US" altLang="zh-CN" sz="2400" dirty="0">
+                <a:solidFill>
+                  <a:schemeClr val="bg1"/>
+                </a:solidFill>
+                <a:latin typeface="Times New Roman" panose="02020603050405020304" pitchFamily="18" charset="0"/>
+                <a:cs typeface="Times New Roman" panose="02020603050405020304" pitchFamily="18" charset="0"/>
+              </a:rPr>
+              <a:t>Self-Prioritization Effect (SPE)</a:t>
+            </a:r>
+          </a:p>
+          <a:p>
+            <a:endParaRPr lang="en-US" altLang="zh-CN" sz="2000" dirty="0">
+              <a:solidFill>
+                <a:schemeClr val="bg1"/>
+              </a:solidFill>
+              <a:latin typeface="Times New Roman" panose="02020603050405020304" pitchFamily="18" charset="0"/>
+              <a:cs typeface="Times New Roman" panose="02020603050405020304" pitchFamily="18" charset="0"/>
+            </a:endParaRPr>
+          </a:p>
+          <a:p>
+            <a:pPr lvl="1"/>
+            <a:r>
+              <a:rPr lang="en-US" altLang="zh-CN" sz="2000" dirty="0">
+                <a:solidFill>
+                  <a:schemeClr val="bg1"/>
+                </a:solidFill>
+                <a:latin typeface="Times New Roman" panose="02020603050405020304" pitchFamily="18" charset="0"/>
+                <a:cs typeface="Times New Roman" panose="02020603050405020304" pitchFamily="18" charset="0"/>
+              </a:rPr>
+              <a:t>The cocktail effect</a:t>
+            </a:r>
+          </a:p>
+          <a:p>
+            <a:pPr lvl="1"/>
+            <a:endParaRPr lang="en-US" altLang="zh-CN" sz="1800" dirty="0">
+              <a:solidFill>
+                <a:schemeClr val="bg1"/>
+              </a:solidFill>
+              <a:latin typeface="Times New Roman" panose="02020603050405020304" pitchFamily="18" charset="0"/>
+              <a:cs typeface="Times New Roman" panose="02020603050405020304" pitchFamily="18" charset="0"/>
+            </a:endParaRPr>
+          </a:p>
+          <a:p>
+            <a:pPr lvl="1"/>
+            <a:r>
+              <a:rPr lang="en-US" altLang="zh-CN" sz="1800" dirty="0">
+                <a:solidFill>
+                  <a:schemeClr val="bg1"/>
+                </a:solidFill>
+                <a:latin typeface="Times New Roman" panose="02020603050405020304" pitchFamily="18" charset="0"/>
+                <a:cs typeface="Times New Roman" panose="02020603050405020304" pitchFamily="18" charset="0"/>
+              </a:rPr>
+              <a:t>A memory advantage in recalling information encoded with self-relevance compared with those encoded with non-self relevance. </a:t>
+            </a:r>
+            <a:r>
+              <a:rPr lang="en-US" altLang="zh-CN" sz="1800" dirty="0">
+                <a:solidFill>
+                  <a:srgbClr val="FAF1B4"/>
+                </a:solidFill>
+                <a:latin typeface="Times New Roman" panose="02020603050405020304" pitchFamily="18" charset="0"/>
+                <a:cs typeface="Times New Roman" panose="02020603050405020304" pitchFamily="18" charset="0"/>
+              </a:rPr>
+              <a:t>(Rogers et al., 1977) </a:t>
+            </a:r>
+          </a:p>
+        </p:txBody>
+      </p:sp>
+      <p:pic>
+        <p:nvPicPr>
+          <p:cNvPr id="1028" name="Picture 4" descr="DSRP and the Cocktail Party Effect">
+            <a:extLst>
+              <a:ext uri="{FF2B5EF4-FFF2-40B4-BE49-F238E27FC236}">
+                <a16:creationId xmlns:a16="http://schemas.microsoft.com/office/drawing/2014/main" id="{E4DF4C19-359B-C982-D5FF-0563B104D079}"/>
+              </a:ext>
+            </a:extLst>
+          </p:cNvPr>
+          <p:cNvPicPr>
+            <a:picLocks noChangeAspect="1" noChangeArrowheads="1"/>
+          </p:cNvPicPr>
+          <p:nvPr/>
+        </p:nvPicPr>
+        <p:blipFill>
+          <a:blip r:embed="rId4">
+            <a:extLst>
+              <a:ext uri="{28A0092B-C50C-407E-A947-70E740481C1C}">
+                <a14:useLocalDpi xmlns:a14="http://schemas.microsoft.com/office/drawing/2010/main" val="0"/>
+              </a:ext>
+            </a:extLst>
+          </a:blip>
+          <a:srcRect/>
+          <a:stretch>
+            <a:fillRect/>
+          </a:stretch>
+        </p:blipFill>
+        <p:spPr bwMode="auto">
+          <a:xfrm>
+            <a:off x="1308922" y="819103"/>
+            <a:ext cx="3935356" cy="2094962"/>
+          </a:xfrm>
+          <a:prstGeom prst="rect">
+            <a:avLst/>
+          </a:prstGeom>
+          <a:noFill/>
+          <a:extLst>
+            <a:ext uri="{909E8E84-426E-40DD-AFC4-6F175D3DCCD1}">
+              <a14:hiddenFill xmlns:a14="http://schemas.microsoft.com/office/drawing/2010/main">
+                <a:solidFill>
+                  <a:srgbClr val="FFFFFF"/>
+                </a:solidFill>
+              </a14:hiddenFill>
+            </a:ext>
+          </a:extLst>
+        </p:spPr>
+      </p:pic>
+    </p:spTree>
+    <p:extLst>
+      <p:ext uri="{BB962C8B-B14F-4D97-AF65-F5344CB8AC3E}">
+        <p14:creationId xmlns:p14="http://schemas.microsoft.com/office/powerpoint/2010/main" val="1507722445"/>
+      </p:ext>
+    </p:extLst>
+  </p:cSld>
+  <p:clrMapOvr>
+    <a:masterClrMapping/>
+  </p:clrMapOvr>
+</p:sld>
+</file>
+
+<file path=ppt/slides/slide40.xml><?xml version="1.0" encoding="utf-8"?>
+<p:sld xmlns:a="http://schemas.openxmlformats.org/drawingml/2006/main" xmlns:r="http://schemas.openxmlformats.org/officeDocument/2006/relationships" xmlns:p="http://schemas.openxmlformats.org/presentationml/2006/main">
+  <p:cSld>
+    <p:spTree>
+      <p:nvGrpSpPr>
+        <p:cNvPr id="1" name=""/>
+        <p:cNvGrpSpPr/>
+        <p:nvPr/>
+      </p:nvGrpSpPr>
+      <p:grpSpPr>
+        <a:xfrm>
+          <a:off x="0" y="0"/>
+          <a:ext cx="0" cy="0"/>
+          <a:chOff x="0" y="0"/>
+          <a:chExt cx="0" cy="0"/>
+        </a:xfrm>
+      </p:grpSpPr>
+      <p:sp>
+        <p:nvSpPr>
+          <p:cNvPr id="6" name="矩形 5">
+            <a:extLst>
+              <a:ext uri="{FF2B5EF4-FFF2-40B4-BE49-F238E27FC236}">
+                <a16:creationId xmlns:a16="http://schemas.microsoft.com/office/drawing/2014/main" id="{D89A1788-3DCA-5E59-1C6D-272D6AB1F2D3}"/>
+              </a:ext>
+            </a:extLst>
+          </p:cNvPr>
+          <p:cNvSpPr/>
+          <p:nvPr/>
+        </p:nvSpPr>
+        <p:spPr>
+          <a:xfrm>
+            <a:off x="6523682" y="0"/>
+            <a:ext cx="2620318" cy="5714995"/>
+          </a:xfrm>
+          <a:prstGeom prst="rect">
+            <a:avLst/>
+          </a:prstGeom>
+          <a:solidFill>
+            <a:schemeClr val="tx1"/>
+          </a:solidFill>
+          <a:ln w="38100">
+            <a:noFill/>
+          </a:ln>
+        </p:spPr>
+        <p:style>
+          <a:lnRef idx="2">
+            <a:schemeClr val="accent1">
+              <a:shade val="50000"/>
+            </a:schemeClr>
+          </a:lnRef>
+          <a:fillRef idx="1">
+            <a:schemeClr val="accent1"/>
+          </a:fillRef>
+          <a:effectRef idx="0">
+            <a:schemeClr val="accent1"/>
+          </a:effectRef>
+          <a:fontRef idx="minor">
+            <a:schemeClr val="lt1"/>
+          </a:fontRef>
+        </p:style>
+        <p:txBody>
+          <a:bodyPr rtlCol="0" anchor="t"/>
+          <a:lstStyle/>
+          <a:p>
+            <a:pPr algn="ctr"/>
+            <a:endParaRPr lang="en-US" altLang="zh-CN" sz="4050" i="1" dirty="0">
+              <a:latin typeface="Times New Roman" panose="02020603050405020304" pitchFamily="18" charset="0"/>
+              <a:cs typeface="Times New Roman" panose="02020603050405020304" pitchFamily="18" charset="0"/>
+            </a:endParaRPr>
+          </a:p>
+          <a:p>
+            <a:pPr algn="ctr"/>
+            <a:r>
+              <a:rPr lang="en-US" altLang="zh-CN" sz="4400" b="1" cap="none" spc="0" dirty="0">
+                <a:ln>
+                  <a:solidFill>
+                    <a:srgbClr val="FAF1B4"/>
+                  </a:solidFill>
+                </a:ln>
+                <a:solidFill>
+                  <a:srgbClr val="FAF1B4"/>
+                </a:solidFill>
+                <a:effectLst>
+                  <a:reflection blurRad="6350" stA="55000" endA="300" endPos="45500" dir="5400000" sy="-100000" algn="bl" rotWithShape="0"/>
+                </a:effectLst>
+                <a:latin typeface="Times New Roman" panose="02020603050405020304" pitchFamily="18" charset="0"/>
+                <a:cs typeface="Times New Roman" panose="02020603050405020304" pitchFamily="18" charset="0"/>
+              </a:rPr>
+              <a:t>R</a:t>
+            </a:r>
+            <a:r>
+              <a:rPr lang="en-US" altLang="zh-CN" sz="4050" dirty="0">
+                <a:latin typeface="Times New Roman" panose="02020603050405020304" pitchFamily="18" charset="0"/>
+                <a:cs typeface="Times New Roman" panose="02020603050405020304" pitchFamily="18" charset="0"/>
+              </a:rPr>
+              <a:t> </a:t>
+            </a:r>
+            <a:r>
+              <a:rPr lang="en-US" altLang="zh-CN" sz="3000" dirty="0">
+                <a:latin typeface="Times New Roman" panose="02020603050405020304" pitchFamily="18" charset="0"/>
+                <a:cs typeface="Times New Roman" panose="02020603050405020304" pitchFamily="18" charset="0"/>
+              </a:rPr>
+              <a:t>of</a:t>
+            </a:r>
+            <a:r>
+              <a:rPr lang="en-US" altLang="zh-CN" sz="4050" dirty="0">
+                <a:latin typeface="Times New Roman" panose="02020603050405020304" pitchFamily="18" charset="0"/>
+                <a:cs typeface="Times New Roman" panose="02020603050405020304" pitchFamily="18" charset="0"/>
+              </a:rPr>
+              <a:t> </a:t>
+            </a:r>
+            <a:r>
+              <a:rPr lang="en-US" altLang="zh-TW" sz="4050" dirty="0">
+                <a:latin typeface="Times New Roman" panose="02020603050405020304" pitchFamily="18" charset="0"/>
+                <a:cs typeface="Times New Roman" panose="02020603050405020304" pitchFamily="18" charset="0"/>
+              </a:rPr>
+              <a:t>SPMT</a:t>
+            </a:r>
+          </a:p>
+        </p:txBody>
+      </p:sp>
+      <p:grpSp>
+        <p:nvGrpSpPr>
+          <p:cNvPr id="17" name="组合 16">
+            <a:extLst>
+              <a:ext uri="{FF2B5EF4-FFF2-40B4-BE49-F238E27FC236}">
+                <a16:creationId xmlns:a16="http://schemas.microsoft.com/office/drawing/2014/main" id="{B0C039CE-E35B-FB20-4F6F-73AF29F5EC82}"/>
+              </a:ext>
+            </a:extLst>
+          </p:cNvPr>
+          <p:cNvGrpSpPr/>
+          <p:nvPr/>
+        </p:nvGrpSpPr>
+        <p:grpSpPr>
+          <a:xfrm>
+            <a:off x="8023252" y="5229633"/>
+            <a:ext cx="1057142" cy="414474"/>
+            <a:chOff x="10502095" y="6069536"/>
+            <a:chExt cx="1409523" cy="552632"/>
+          </a:xfrm>
+        </p:grpSpPr>
+        <p:pic>
+          <p:nvPicPr>
+            <p:cNvPr id="10" name="图片 9" descr="图片包含 背景图案&#10;&#10;描述已自动生成">
+              <a:extLst>
+                <a:ext uri="{FF2B5EF4-FFF2-40B4-BE49-F238E27FC236}">
+                  <a16:creationId xmlns:a16="http://schemas.microsoft.com/office/drawing/2014/main" id="{630E8096-9BAE-771C-F26B-5E769FE2760E}"/>
+                </a:ext>
+              </a:extLst>
+            </p:cNvPr>
+            <p:cNvPicPr>
+              <a:picLocks noChangeAspect="1"/>
+            </p:cNvPicPr>
+            <p:nvPr/>
+          </p:nvPicPr>
+          <p:blipFill>
+            <a:blip r:embed="rId3">
+              <a:extLst>
+                <a:ext uri="{28A0092B-C50C-407E-A947-70E740481C1C}">
+                  <a14:useLocalDpi xmlns:a14="http://schemas.microsoft.com/office/drawing/2010/main" val="0"/>
+                </a:ext>
+              </a:extLst>
+            </a:blip>
+            <a:stretch>
+              <a:fillRect/>
+            </a:stretch>
+          </p:blipFill>
+          <p:spPr>
+            <a:xfrm>
+              <a:off x="11427454" y="6069536"/>
+              <a:ext cx="484164" cy="552632"/>
+            </a:xfrm>
+            <a:prstGeom prst="rect">
+              <a:avLst/>
+            </a:prstGeom>
+          </p:spPr>
+        </p:pic>
+        <p:sp>
+          <p:nvSpPr>
+            <p:cNvPr id="16" name="文本框 15">
+              <a:extLst>
+                <a:ext uri="{FF2B5EF4-FFF2-40B4-BE49-F238E27FC236}">
+                  <a16:creationId xmlns:a16="http://schemas.microsoft.com/office/drawing/2014/main" id="{790C7AEC-1C60-148D-F56E-026682E2E6F2}"/>
+                </a:ext>
+              </a:extLst>
+            </p:cNvPr>
+            <p:cNvSpPr txBox="1"/>
+            <p:nvPr/>
+          </p:nvSpPr>
+          <p:spPr>
+            <a:xfrm>
+              <a:off x="10502095" y="6183287"/>
+              <a:ext cx="925359" cy="339153"/>
+            </a:xfrm>
+            <a:prstGeom prst="rect">
+              <a:avLst/>
+            </a:prstGeom>
+            <a:noFill/>
+          </p:spPr>
+          <p:txBody>
+            <a:bodyPr wrap="square" rtlCol="0">
+              <a:spAutoFit/>
+            </a:bodyPr>
+            <a:lstStyle/>
+            <a:p>
+              <a:r>
+                <a:rPr lang="en-US" altLang="zh-CN" sz="1053" dirty="0">
+                  <a:solidFill>
+                    <a:schemeClr val="bg1"/>
+                  </a:solidFill>
+                  <a:latin typeface="Times New Roman" panose="02020603050405020304" pitchFamily="18" charset="0"/>
+                  <a:cs typeface="Times New Roman" panose="02020603050405020304" pitchFamily="18" charset="0"/>
+                </a:rPr>
+                <a:t>by YuKi</a:t>
+              </a:r>
+              <a:endParaRPr lang="zh-CN" altLang="en-US" sz="1053" dirty="0">
+                <a:solidFill>
+                  <a:schemeClr val="bg1"/>
+                </a:solidFill>
+                <a:latin typeface="Times New Roman" panose="02020603050405020304" pitchFamily="18" charset="0"/>
+                <a:cs typeface="Times New Roman" panose="02020603050405020304" pitchFamily="18" charset="0"/>
+              </a:endParaRPr>
+            </a:p>
+          </p:txBody>
+        </p:sp>
+      </p:grpSp>
+      <p:sp>
+        <p:nvSpPr>
+          <p:cNvPr id="3" name="矩形 2">
+            <a:extLst>
+              <a:ext uri="{FF2B5EF4-FFF2-40B4-BE49-F238E27FC236}">
+                <a16:creationId xmlns:a16="http://schemas.microsoft.com/office/drawing/2014/main" id="{C6B03883-6ED4-84CA-8282-B8EC86CE999A}"/>
+              </a:ext>
+            </a:extLst>
+          </p:cNvPr>
+          <p:cNvSpPr/>
+          <p:nvPr/>
+        </p:nvSpPr>
+        <p:spPr>
+          <a:xfrm>
+            <a:off x="-2" y="0"/>
+            <a:ext cx="3276602" cy="653131"/>
+          </a:xfrm>
+          <a:prstGeom prst="rect">
+            <a:avLst/>
+          </a:prstGeom>
+          <a:solidFill>
+            <a:schemeClr val="tx1"/>
+          </a:solidFill>
+          <a:ln>
+            <a:noFill/>
+          </a:ln>
+        </p:spPr>
+        <p:style>
+          <a:lnRef idx="2">
+            <a:schemeClr val="accent1">
+              <a:shade val="50000"/>
+            </a:schemeClr>
+          </a:lnRef>
+          <a:fillRef idx="1">
+            <a:schemeClr val="accent1"/>
+          </a:fillRef>
+          <a:effectRef idx="0">
+            <a:schemeClr val="accent1"/>
+          </a:effectRef>
+          <a:fontRef idx="minor">
+            <a:schemeClr val="lt1"/>
+          </a:fontRef>
+        </p:style>
+        <p:txBody>
+          <a:bodyPr rtlCol="0" anchor="ctr"/>
+          <a:lstStyle/>
+          <a:p>
+            <a:r>
+              <a:rPr lang="en-US" altLang="zh-CN" sz="4000" dirty="0">
+                <a:solidFill>
+                  <a:schemeClr val="bg1"/>
+                </a:solidFill>
+                <a:latin typeface="Times New Roman" panose="02020603050405020304" pitchFamily="18" charset="0"/>
+                <a:cs typeface="Times New Roman" panose="02020603050405020304" pitchFamily="18" charset="0"/>
+              </a:rPr>
+              <a:t>Website</a:t>
+            </a:r>
+            <a:endParaRPr lang="zh-CN" altLang="en-US" sz="4000" dirty="0">
+              <a:solidFill>
+                <a:schemeClr val="bg1"/>
+              </a:solidFill>
+              <a:latin typeface="Times New Roman" panose="02020603050405020304" pitchFamily="18" charset="0"/>
+              <a:cs typeface="Times New Roman" panose="02020603050405020304" pitchFamily="18" charset="0"/>
+            </a:endParaRPr>
+          </a:p>
+        </p:txBody>
+      </p:sp>
+      <p:sp>
+        <p:nvSpPr>
+          <p:cNvPr id="5" name="矩形 4">
+            <a:extLst>
+              <a:ext uri="{FF2B5EF4-FFF2-40B4-BE49-F238E27FC236}">
+                <a16:creationId xmlns:a16="http://schemas.microsoft.com/office/drawing/2014/main" id="{FE461C21-1DA5-1EEF-40F5-6F8AD5899BAF}"/>
+              </a:ext>
+            </a:extLst>
+          </p:cNvPr>
+          <p:cNvSpPr/>
+          <p:nvPr/>
+        </p:nvSpPr>
+        <p:spPr>
+          <a:xfrm>
+            <a:off x="7629" y="5175000"/>
+            <a:ext cx="864000" cy="540000"/>
+          </a:xfrm>
+          <a:prstGeom prst="rect">
+            <a:avLst/>
+          </a:prstGeom>
+          <a:solidFill>
+            <a:schemeClr val="tx1"/>
+          </a:solidFill>
+          <a:ln>
+            <a:noFill/>
+          </a:ln>
+        </p:spPr>
+        <p:style>
+          <a:lnRef idx="2">
+            <a:schemeClr val="accent1">
+              <a:shade val="50000"/>
+            </a:schemeClr>
+          </a:lnRef>
+          <a:fillRef idx="1">
+            <a:schemeClr val="accent1"/>
+          </a:fillRef>
+          <a:effectRef idx="0">
+            <a:schemeClr val="accent1"/>
+          </a:effectRef>
+          <a:fontRef idx="minor">
+            <a:schemeClr val="lt1"/>
+          </a:fontRef>
+        </p:style>
+        <p:txBody>
+          <a:bodyPr rtlCol="0" anchor="ctr"/>
+          <a:lstStyle/>
+          <a:p>
+            <a:pPr algn="ctr"/>
+            <a:r>
+              <a:rPr lang="en-US" altLang="zh-CN" sz="1800" b="1" dirty="0">
+                <a:latin typeface="Times New Roman" panose="02020603050405020304" pitchFamily="18" charset="0"/>
+                <a:cs typeface="Times New Roman" panose="02020603050405020304" pitchFamily="18" charset="0"/>
+              </a:rPr>
+              <a:t>40 / 41</a:t>
+            </a:r>
+            <a:endParaRPr lang="zh-CN" altLang="en-US" sz="1800" b="1" dirty="0">
+              <a:latin typeface="Times New Roman" panose="02020603050405020304" pitchFamily="18" charset="0"/>
+              <a:cs typeface="Times New Roman" panose="02020603050405020304" pitchFamily="18" charset="0"/>
+            </a:endParaRPr>
+          </a:p>
+        </p:txBody>
+      </p:sp>
+      <p:sp>
+        <p:nvSpPr>
+          <p:cNvPr id="12" name="Rectangle 11">
+            <a:extLst>
+              <a:ext uri="{FF2B5EF4-FFF2-40B4-BE49-F238E27FC236}">
+                <a16:creationId xmlns:a16="http://schemas.microsoft.com/office/drawing/2014/main" id="{2AE5AF11-C8FC-4A4C-64DC-86B1D312BD72}"/>
+              </a:ext>
+            </a:extLst>
+          </p:cNvPr>
+          <p:cNvSpPr/>
+          <p:nvPr/>
+        </p:nvSpPr>
+        <p:spPr>
+          <a:xfrm>
+            <a:off x="288015" y="1715811"/>
+            <a:ext cx="5947653" cy="2080670"/>
+          </a:xfrm>
+          <a:prstGeom prst="rect">
+            <a:avLst/>
+          </a:prstGeom>
+        </p:spPr>
+        <p:txBody>
+          <a:bodyPr vert="horz" lIns="91440" tIns="45720" rIns="91440" bIns="45720" rtlCol="0" anchor="t">
+            <a:normAutofit/>
+          </a:bodyPr>
+          <a:lstStyle/>
+          <a:p>
+            <a:pPr indent="-228600">
+              <a:lnSpc>
+                <a:spcPct val="90000"/>
+              </a:lnSpc>
+              <a:spcAft>
+                <a:spcPts val="600"/>
+              </a:spcAft>
+              <a:buFont typeface="Arial" panose="020B0604020202020204" pitchFamily="34" charset="0"/>
+              <a:buChar char="•"/>
+            </a:pPr>
+            <a:endParaRPr lang="en-US" sz="2200" b="1" dirty="0">
+              <a:solidFill>
+                <a:schemeClr val="bg1"/>
+              </a:solidFill>
+              <a:latin typeface="Times New Roman" panose="02020603050405020304" pitchFamily="18" charset="0"/>
+              <a:cs typeface="Times New Roman" panose="02020603050405020304" pitchFamily="18" charset="0"/>
+            </a:endParaRPr>
+          </a:p>
+        </p:txBody>
+      </p:sp>
+      <p:sp>
+        <p:nvSpPr>
+          <p:cNvPr id="9" name="文本框 8">
+            <a:extLst>
+              <a:ext uri="{FF2B5EF4-FFF2-40B4-BE49-F238E27FC236}">
+                <a16:creationId xmlns:a16="http://schemas.microsoft.com/office/drawing/2014/main" id="{F366FD86-1B4A-A063-9DEA-B0860E76B5DD}"/>
+              </a:ext>
+            </a:extLst>
+          </p:cNvPr>
+          <p:cNvSpPr txBox="1"/>
+          <p:nvPr/>
+        </p:nvSpPr>
+        <p:spPr>
+          <a:xfrm>
+            <a:off x="3117752" y="5462273"/>
+            <a:ext cx="3405930" cy="246221"/>
+          </a:xfrm>
+          <a:prstGeom prst="rect">
+            <a:avLst/>
+          </a:prstGeom>
+          <a:noFill/>
+        </p:spPr>
+        <p:txBody>
+          <a:bodyPr wrap="square">
+            <a:spAutoFit/>
+          </a:bodyPr>
+          <a:lstStyle/>
+          <a:p>
+            <a:pPr algn="r"/>
+            <a:r>
+              <a:rPr lang="en-US" altLang="zh-CN" sz="1000" dirty="0">
+                <a:solidFill>
+                  <a:srgbClr val="FAF1B4"/>
+                </a:solidFill>
+              </a:rPr>
+              <a:t>https://osf.io/6dghm/</a:t>
+            </a:r>
+            <a:endParaRPr lang="zh-CN" altLang="en-US" sz="1000" dirty="0">
+              <a:solidFill>
+                <a:srgbClr val="FAF1B4"/>
+              </a:solidFill>
+            </a:endParaRPr>
+          </a:p>
+        </p:txBody>
+      </p:sp>
+      <p:pic>
+        <p:nvPicPr>
+          <p:cNvPr id="13" name="图片 12">
+            <a:extLst>
+              <a:ext uri="{FF2B5EF4-FFF2-40B4-BE49-F238E27FC236}">
+                <a16:creationId xmlns:a16="http://schemas.microsoft.com/office/drawing/2014/main" id="{3ED80142-A999-9504-AB5E-437A22D0FF89}"/>
+              </a:ext>
+            </a:extLst>
+          </p:cNvPr>
+          <p:cNvPicPr>
+            <a:picLocks noChangeAspect="1"/>
+          </p:cNvPicPr>
+          <p:nvPr/>
+        </p:nvPicPr>
+        <p:blipFill>
+          <a:blip r:embed="rId4"/>
+          <a:stretch>
+            <a:fillRect/>
+          </a:stretch>
+        </p:blipFill>
+        <p:spPr>
+          <a:xfrm>
+            <a:off x="376553" y="778765"/>
+            <a:ext cx="5800094" cy="4270601"/>
+          </a:xfrm>
+          <a:prstGeom prst="rect">
+            <a:avLst/>
+          </a:prstGeom>
+        </p:spPr>
+      </p:pic>
+    </p:spTree>
+    <p:extLst>
+      <p:ext uri="{BB962C8B-B14F-4D97-AF65-F5344CB8AC3E}">
+        <p14:creationId xmlns:p14="http://schemas.microsoft.com/office/powerpoint/2010/main" val="2552816948"/>
+      </p:ext>
+    </p:extLst>
+  </p:cSld>
+  <p:clrMapOvr>
+    <a:masterClrMapping/>
+  </p:clrMapOvr>
+</p:sld>
+</file>
+
+<file path=ppt/slides/slide41.xml><?xml version="1.0" encoding="utf-8"?>
+<p:sld xmlns:a="http://schemas.openxmlformats.org/drawingml/2006/main" xmlns:r="http://schemas.openxmlformats.org/officeDocument/2006/relationships" xmlns:p="http://schemas.openxmlformats.org/presentationml/2006/main">
+  <p:cSld>
+    <p:spTree>
+      <p:nvGrpSpPr>
+        <p:cNvPr id="1" name=""/>
+        <p:cNvGrpSpPr/>
+        <p:nvPr/>
+      </p:nvGrpSpPr>
+      <p:grpSpPr>
+        <a:xfrm>
+          <a:off x="0" y="0"/>
+          <a:ext cx="0" cy="0"/>
+          <a:chOff x="0" y="0"/>
+          <a:chExt cx="0" cy="0"/>
+        </a:xfrm>
+      </p:grpSpPr>
+      <p:sp>
+        <p:nvSpPr>
+          <p:cNvPr id="6" name="矩形 5">
+            <a:extLst>
+              <a:ext uri="{FF2B5EF4-FFF2-40B4-BE49-F238E27FC236}">
+                <a16:creationId xmlns:a16="http://schemas.microsoft.com/office/drawing/2014/main" id="{D89A1788-3DCA-5E59-1C6D-272D6AB1F2D3}"/>
+              </a:ext>
+            </a:extLst>
+          </p:cNvPr>
+          <p:cNvSpPr/>
+          <p:nvPr/>
+        </p:nvSpPr>
+        <p:spPr>
+          <a:xfrm>
+            <a:off x="6523682" y="0"/>
+            <a:ext cx="2620318" cy="5714995"/>
+          </a:xfrm>
+          <a:prstGeom prst="rect">
+            <a:avLst/>
+          </a:prstGeom>
+          <a:solidFill>
+            <a:schemeClr val="tx1"/>
+          </a:solidFill>
+          <a:ln w="38100">
+            <a:noFill/>
+          </a:ln>
+        </p:spPr>
+        <p:style>
+          <a:lnRef idx="2">
+            <a:schemeClr val="accent1">
+              <a:shade val="50000"/>
+            </a:schemeClr>
+          </a:lnRef>
+          <a:fillRef idx="1">
+            <a:schemeClr val="accent1"/>
+          </a:fillRef>
+          <a:effectRef idx="0">
+            <a:schemeClr val="accent1"/>
+          </a:effectRef>
+          <a:fontRef idx="minor">
+            <a:schemeClr val="lt1"/>
+          </a:fontRef>
+        </p:style>
+        <p:txBody>
+          <a:bodyPr rtlCol="0" anchor="t"/>
+          <a:lstStyle/>
+          <a:p>
+            <a:pPr algn="ctr"/>
+            <a:endParaRPr lang="en-US" altLang="zh-CN" sz="4050" i="1" dirty="0">
+              <a:latin typeface="Times New Roman" panose="02020603050405020304" pitchFamily="18" charset="0"/>
+              <a:cs typeface="Times New Roman" panose="02020603050405020304" pitchFamily="18" charset="0"/>
+            </a:endParaRPr>
+          </a:p>
+          <a:p>
+            <a:pPr algn="ctr"/>
+            <a:r>
+              <a:rPr lang="en-US" altLang="zh-CN" sz="4400" b="1" cap="none" spc="0" dirty="0">
+                <a:ln>
+                  <a:solidFill>
+                    <a:srgbClr val="FAF1B4"/>
+                  </a:solidFill>
+                </a:ln>
+                <a:solidFill>
+                  <a:srgbClr val="FAF1B4"/>
+                </a:solidFill>
+                <a:effectLst>
+                  <a:reflection blurRad="6350" stA="55000" endA="300" endPos="45500" dir="5400000" sy="-100000" algn="bl" rotWithShape="0"/>
+                </a:effectLst>
+                <a:latin typeface="Times New Roman" panose="02020603050405020304" pitchFamily="18" charset="0"/>
+                <a:cs typeface="Times New Roman" panose="02020603050405020304" pitchFamily="18" charset="0"/>
+              </a:rPr>
+              <a:t>R</a:t>
+            </a:r>
+            <a:r>
+              <a:rPr lang="en-US" altLang="zh-CN" sz="4050" dirty="0">
+                <a:latin typeface="Times New Roman" panose="02020603050405020304" pitchFamily="18" charset="0"/>
+                <a:cs typeface="Times New Roman" panose="02020603050405020304" pitchFamily="18" charset="0"/>
+              </a:rPr>
+              <a:t> </a:t>
+            </a:r>
+            <a:r>
+              <a:rPr lang="en-US" altLang="zh-CN" sz="3000" dirty="0">
+                <a:latin typeface="Times New Roman" panose="02020603050405020304" pitchFamily="18" charset="0"/>
+                <a:cs typeface="Times New Roman" panose="02020603050405020304" pitchFamily="18" charset="0"/>
+              </a:rPr>
+              <a:t>of</a:t>
+            </a:r>
+            <a:r>
+              <a:rPr lang="en-US" altLang="zh-CN" sz="4050" dirty="0">
+                <a:latin typeface="Times New Roman" panose="02020603050405020304" pitchFamily="18" charset="0"/>
+                <a:cs typeface="Times New Roman" panose="02020603050405020304" pitchFamily="18" charset="0"/>
+              </a:rPr>
+              <a:t> </a:t>
+            </a:r>
+            <a:r>
+              <a:rPr lang="en-US" altLang="zh-TW" sz="4050" dirty="0">
+                <a:latin typeface="Times New Roman" panose="02020603050405020304" pitchFamily="18" charset="0"/>
+                <a:cs typeface="Times New Roman" panose="02020603050405020304" pitchFamily="18" charset="0"/>
+              </a:rPr>
+              <a:t>SPMT</a:t>
+            </a:r>
+          </a:p>
+        </p:txBody>
+      </p:sp>
+      <p:grpSp>
+        <p:nvGrpSpPr>
+          <p:cNvPr id="17" name="组合 16">
+            <a:extLst>
+              <a:ext uri="{FF2B5EF4-FFF2-40B4-BE49-F238E27FC236}">
+                <a16:creationId xmlns:a16="http://schemas.microsoft.com/office/drawing/2014/main" id="{B0C039CE-E35B-FB20-4F6F-73AF29F5EC82}"/>
+              </a:ext>
+            </a:extLst>
+          </p:cNvPr>
+          <p:cNvGrpSpPr/>
+          <p:nvPr/>
+        </p:nvGrpSpPr>
+        <p:grpSpPr>
+          <a:xfrm>
+            <a:off x="8023252" y="5229633"/>
+            <a:ext cx="1057142" cy="414474"/>
+            <a:chOff x="10502095" y="6069536"/>
+            <a:chExt cx="1409523" cy="552632"/>
+          </a:xfrm>
+        </p:grpSpPr>
+        <p:pic>
+          <p:nvPicPr>
+            <p:cNvPr id="10" name="图片 9" descr="图片包含 背景图案&#10;&#10;描述已自动生成">
+              <a:extLst>
+                <a:ext uri="{FF2B5EF4-FFF2-40B4-BE49-F238E27FC236}">
+                  <a16:creationId xmlns:a16="http://schemas.microsoft.com/office/drawing/2014/main" id="{630E8096-9BAE-771C-F26B-5E769FE2760E}"/>
+                </a:ext>
+              </a:extLst>
+            </p:cNvPr>
+            <p:cNvPicPr>
+              <a:picLocks noChangeAspect="1"/>
+            </p:cNvPicPr>
+            <p:nvPr/>
+          </p:nvPicPr>
+          <p:blipFill>
+            <a:blip r:embed="rId3">
+              <a:extLst>
+                <a:ext uri="{28A0092B-C50C-407E-A947-70E740481C1C}">
+                  <a14:useLocalDpi xmlns:a14="http://schemas.microsoft.com/office/drawing/2010/main" val="0"/>
+                </a:ext>
+              </a:extLst>
+            </a:blip>
+            <a:stretch>
+              <a:fillRect/>
+            </a:stretch>
+          </p:blipFill>
+          <p:spPr>
+            <a:xfrm>
+              <a:off x="11427454" y="6069536"/>
+              <a:ext cx="484164" cy="552632"/>
+            </a:xfrm>
+            <a:prstGeom prst="rect">
+              <a:avLst/>
+            </a:prstGeom>
+          </p:spPr>
+        </p:pic>
+        <p:sp>
+          <p:nvSpPr>
+            <p:cNvPr id="16" name="文本框 15">
+              <a:extLst>
+                <a:ext uri="{FF2B5EF4-FFF2-40B4-BE49-F238E27FC236}">
+                  <a16:creationId xmlns:a16="http://schemas.microsoft.com/office/drawing/2014/main" id="{790C7AEC-1C60-148D-F56E-026682E2E6F2}"/>
+                </a:ext>
+              </a:extLst>
+            </p:cNvPr>
+            <p:cNvSpPr txBox="1"/>
+            <p:nvPr/>
+          </p:nvSpPr>
+          <p:spPr>
+            <a:xfrm>
+              <a:off x="10502095" y="6183287"/>
+              <a:ext cx="925359" cy="339153"/>
+            </a:xfrm>
+            <a:prstGeom prst="rect">
+              <a:avLst/>
+            </a:prstGeom>
+            <a:noFill/>
+          </p:spPr>
+          <p:txBody>
+            <a:bodyPr wrap="square" rtlCol="0">
+              <a:spAutoFit/>
+            </a:bodyPr>
+            <a:lstStyle/>
+            <a:p>
+              <a:r>
+                <a:rPr lang="en-US" altLang="zh-CN" sz="1053" dirty="0">
+                  <a:solidFill>
+                    <a:schemeClr val="bg1"/>
+                  </a:solidFill>
+                  <a:latin typeface="Times New Roman" panose="02020603050405020304" pitchFamily="18" charset="0"/>
+                  <a:cs typeface="Times New Roman" panose="02020603050405020304" pitchFamily="18" charset="0"/>
+                </a:rPr>
+                <a:t>by YuKi</a:t>
+              </a:r>
+              <a:endParaRPr lang="zh-CN" altLang="en-US" sz="1053" dirty="0">
+                <a:solidFill>
+                  <a:schemeClr val="bg1"/>
+                </a:solidFill>
+                <a:latin typeface="Times New Roman" panose="02020603050405020304" pitchFamily="18" charset="0"/>
+                <a:cs typeface="Times New Roman" panose="02020603050405020304" pitchFamily="18" charset="0"/>
+              </a:endParaRPr>
+            </a:p>
+          </p:txBody>
+        </p:sp>
+      </p:grpSp>
+      <p:sp>
+        <p:nvSpPr>
+          <p:cNvPr id="3" name="矩形 2">
+            <a:extLst>
+              <a:ext uri="{FF2B5EF4-FFF2-40B4-BE49-F238E27FC236}">
+                <a16:creationId xmlns:a16="http://schemas.microsoft.com/office/drawing/2014/main" id="{C6B03883-6ED4-84CA-8282-B8EC86CE999A}"/>
+              </a:ext>
+            </a:extLst>
+          </p:cNvPr>
+          <p:cNvSpPr/>
+          <p:nvPr/>
+        </p:nvSpPr>
+        <p:spPr>
+          <a:xfrm>
+            <a:off x="-2" y="0"/>
+            <a:ext cx="3276602" cy="653131"/>
+          </a:xfrm>
+          <a:prstGeom prst="rect">
+            <a:avLst/>
+          </a:prstGeom>
+          <a:solidFill>
+            <a:schemeClr val="tx1"/>
+          </a:solidFill>
+          <a:ln>
+            <a:noFill/>
+          </a:ln>
+        </p:spPr>
+        <p:style>
+          <a:lnRef idx="2">
+            <a:schemeClr val="accent1">
+              <a:shade val="50000"/>
+            </a:schemeClr>
+          </a:lnRef>
+          <a:fillRef idx="1">
+            <a:schemeClr val="accent1"/>
+          </a:fillRef>
+          <a:effectRef idx="0">
+            <a:schemeClr val="accent1"/>
+          </a:effectRef>
+          <a:fontRef idx="minor">
+            <a:schemeClr val="lt1"/>
+          </a:fontRef>
+        </p:style>
+        <p:txBody>
+          <a:bodyPr rtlCol="0" anchor="ctr"/>
+          <a:lstStyle/>
+          <a:p>
+            <a:r>
+              <a:rPr lang="en-US" altLang="zh-CN" sz="4000" dirty="0">
+                <a:solidFill>
+                  <a:schemeClr val="bg1"/>
+                </a:solidFill>
+                <a:latin typeface="Times New Roman" panose="02020603050405020304" pitchFamily="18" charset="0"/>
+                <a:cs typeface="Times New Roman" panose="02020603050405020304" pitchFamily="18" charset="0"/>
+              </a:rPr>
+              <a:t>Thanks</a:t>
+            </a:r>
+          </a:p>
+        </p:txBody>
+      </p:sp>
+      <p:sp>
+        <p:nvSpPr>
+          <p:cNvPr id="5" name="矩形 4">
+            <a:extLst>
+              <a:ext uri="{FF2B5EF4-FFF2-40B4-BE49-F238E27FC236}">
+                <a16:creationId xmlns:a16="http://schemas.microsoft.com/office/drawing/2014/main" id="{FE461C21-1DA5-1EEF-40F5-6F8AD5899BAF}"/>
+              </a:ext>
+            </a:extLst>
+          </p:cNvPr>
+          <p:cNvSpPr/>
+          <p:nvPr/>
+        </p:nvSpPr>
+        <p:spPr>
+          <a:xfrm>
+            <a:off x="7629" y="5175000"/>
+            <a:ext cx="864000" cy="540000"/>
+          </a:xfrm>
+          <a:prstGeom prst="rect">
+            <a:avLst/>
+          </a:prstGeom>
+          <a:solidFill>
+            <a:schemeClr val="tx1"/>
+          </a:solidFill>
+          <a:ln>
+            <a:noFill/>
+          </a:ln>
+        </p:spPr>
+        <p:style>
+          <a:lnRef idx="2">
+            <a:schemeClr val="accent1">
+              <a:shade val="50000"/>
+            </a:schemeClr>
+          </a:lnRef>
+          <a:fillRef idx="1">
+            <a:schemeClr val="accent1"/>
+          </a:fillRef>
+          <a:effectRef idx="0">
+            <a:schemeClr val="accent1"/>
+          </a:effectRef>
+          <a:fontRef idx="minor">
+            <a:schemeClr val="lt1"/>
+          </a:fontRef>
+        </p:style>
+        <p:txBody>
+          <a:bodyPr rtlCol="0" anchor="ctr"/>
+          <a:lstStyle/>
+          <a:p>
+            <a:pPr algn="ctr"/>
+            <a:r>
+              <a:rPr lang="en-US" altLang="zh-CN" sz="1800" b="1" dirty="0">
+                <a:latin typeface="Times New Roman" panose="02020603050405020304" pitchFamily="18" charset="0"/>
+                <a:cs typeface="Times New Roman" panose="02020603050405020304" pitchFamily="18" charset="0"/>
+              </a:rPr>
+              <a:t>41 / 41</a:t>
+            </a:r>
+            <a:endParaRPr lang="zh-CN" altLang="en-US" sz="1800" b="1" dirty="0">
+              <a:latin typeface="Times New Roman" panose="02020603050405020304" pitchFamily="18" charset="0"/>
+              <a:cs typeface="Times New Roman" panose="02020603050405020304" pitchFamily="18" charset="0"/>
+            </a:endParaRPr>
+          </a:p>
+        </p:txBody>
+      </p:sp>
+      <p:sp>
+        <p:nvSpPr>
+          <p:cNvPr id="12" name="Rectangle 11">
+            <a:extLst>
+              <a:ext uri="{FF2B5EF4-FFF2-40B4-BE49-F238E27FC236}">
+                <a16:creationId xmlns:a16="http://schemas.microsoft.com/office/drawing/2014/main" id="{2AE5AF11-C8FC-4A4C-64DC-86B1D312BD72}"/>
+              </a:ext>
+            </a:extLst>
+          </p:cNvPr>
+          <p:cNvSpPr/>
+          <p:nvPr/>
+        </p:nvSpPr>
+        <p:spPr>
+          <a:xfrm>
+            <a:off x="288015" y="1715811"/>
+            <a:ext cx="5947653" cy="2080670"/>
+          </a:xfrm>
+          <a:prstGeom prst="rect">
+            <a:avLst/>
+          </a:prstGeom>
+        </p:spPr>
+        <p:txBody>
+          <a:bodyPr vert="horz" lIns="91440" tIns="45720" rIns="91440" bIns="45720" rtlCol="0" anchor="t">
+            <a:normAutofit/>
+          </a:bodyPr>
+          <a:lstStyle/>
+          <a:p>
+            <a:pPr indent="-228600">
+              <a:lnSpc>
+                <a:spcPct val="90000"/>
+              </a:lnSpc>
+              <a:spcAft>
+                <a:spcPts val="600"/>
+              </a:spcAft>
+              <a:buFont typeface="Arial" panose="020B0604020202020204" pitchFamily="34" charset="0"/>
+              <a:buChar char="•"/>
+            </a:pPr>
+            <a:endParaRPr lang="en-US" sz="2200" b="1" dirty="0">
+              <a:solidFill>
+                <a:schemeClr val="bg1"/>
+              </a:solidFill>
+              <a:latin typeface="Times New Roman" panose="02020603050405020304" pitchFamily="18" charset="0"/>
+              <a:cs typeface="Times New Roman" panose="02020603050405020304" pitchFamily="18" charset="0"/>
+            </a:endParaRPr>
+          </a:p>
+        </p:txBody>
+      </p:sp>
+      <p:sp>
+        <p:nvSpPr>
+          <p:cNvPr id="2" name="文本框 1">
+            <a:extLst>
+              <a:ext uri="{FF2B5EF4-FFF2-40B4-BE49-F238E27FC236}">
+                <a16:creationId xmlns:a16="http://schemas.microsoft.com/office/drawing/2014/main" id="{24259C88-C0D9-3FC7-7113-220C3BBD3A69}"/>
+              </a:ext>
+            </a:extLst>
+          </p:cNvPr>
+          <p:cNvSpPr txBox="1"/>
+          <p:nvPr/>
+        </p:nvSpPr>
+        <p:spPr>
+          <a:xfrm>
+            <a:off x="1216782" y="2349665"/>
+            <a:ext cx="4090118" cy="1015663"/>
+          </a:xfrm>
+          <a:prstGeom prst="rect">
+            <a:avLst/>
+          </a:prstGeom>
+          <a:noFill/>
+        </p:spPr>
+        <p:txBody>
+          <a:bodyPr wrap="square">
+            <a:spAutoFit/>
+          </a:bodyPr>
+          <a:lstStyle/>
+          <a:p>
+            <a:pPr algn="ctr"/>
+            <a:r>
+              <a:rPr lang="en-US" altLang="zh-CN" sz="6000" b="1" dirty="0">
+                <a:solidFill>
+                  <a:srgbClr val="FAF1B4"/>
+                </a:solidFill>
+                <a:latin typeface="Times New Roman" panose="02020603050405020304" pitchFamily="18" charset="0"/>
+                <a:cs typeface="Times New Roman" panose="02020603050405020304" pitchFamily="18" charset="0"/>
+              </a:rPr>
+              <a:t>Thanks</a:t>
+            </a:r>
+            <a:endParaRPr lang="zh-CN" altLang="en-US" sz="6000" b="1" dirty="0">
+              <a:solidFill>
+                <a:srgbClr val="FAF1B4"/>
+              </a:solidFill>
+              <a:latin typeface="Times New Roman" panose="02020603050405020304" pitchFamily="18" charset="0"/>
+              <a:cs typeface="Times New Roman" panose="02020603050405020304" pitchFamily="18" charset="0"/>
+            </a:endParaRPr>
+          </a:p>
+        </p:txBody>
+      </p:sp>
+    </p:spTree>
+    <p:extLst>
+      <p:ext uri="{BB962C8B-B14F-4D97-AF65-F5344CB8AC3E}">
+        <p14:creationId xmlns:p14="http://schemas.microsoft.com/office/powerpoint/2010/main" val="261869288"/>
+      </p:ext>
+    </p:extLst>
+  </p:cSld>
+  <p:clrMapOvr>
+    <a:masterClrMapping/>
+  </p:clrMapOvr>
+</p:sld>
+</file>
+
+<file path=ppt/slides/slide5.xml><?xml version="1.0" encoding="utf-8"?>
+<p:sld xmlns:a="http://schemas.openxmlformats.org/drawingml/2006/main" xmlns:r="http://schemas.openxmlformats.org/officeDocument/2006/relationships" xmlns:p="http://schemas.openxmlformats.org/presentationml/2006/main">
+  <p:cSld>
+    <p:spTree>
+      <p:nvGrpSpPr>
+        <p:cNvPr id="1" name=""/>
+        <p:cNvGrpSpPr/>
+        <p:nvPr/>
+      </p:nvGrpSpPr>
+      <p:grpSpPr>
+        <a:xfrm>
+          <a:off x="0" y="0"/>
+          <a:ext cx="0" cy="0"/>
+          <a:chOff x="0" y="0"/>
+          <a:chExt cx="0" cy="0"/>
+        </a:xfrm>
+      </p:grpSpPr>
+      <p:sp>
+        <p:nvSpPr>
+          <p:cNvPr id="102" name="矩形 101">
+            <a:extLst>
+              <a:ext uri="{FF2B5EF4-FFF2-40B4-BE49-F238E27FC236}">
+                <a16:creationId xmlns:a16="http://schemas.microsoft.com/office/drawing/2014/main" id="{09091A9B-6F68-3473-08EE-53C2A540E7E8}"/>
+              </a:ext>
+            </a:extLst>
+          </p:cNvPr>
+          <p:cNvSpPr/>
+          <p:nvPr/>
+        </p:nvSpPr>
+        <p:spPr>
+          <a:xfrm>
+            <a:off x="6523682" y="0"/>
+            <a:ext cx="2620318" cy="5714995"/>
+          </a:xfrm>
+          <a:prstGeom prst="rect">
+            <a:avLst/>
+          </a:prstGeom>
+          <a:solidFill>
+            <a:schemeClr val="tx1"/>
+          </a:solidFill>
+          <a:ln w="38100">
+            <a:noFill/>
+          </a:ln>
+        </p:spPr>
+        <p:style>
+          <a:lnRef idx="2">
+            <a:schemeClr val="accent1">
+              <a:shade val="50000"/>
+            </a:schemeClr>
+          </a:lnRef>
+          <a:fillRef idx="1">
+            <a:schemeClr val="accent1"/>
+          </a:fillRef>
+          <a:effectRef idx="0">
+            <a:schemeClr val="accent1"/>
+          </a:effectRef>
+          <a:fontRef idx="minor">
+            <a:schemeClr val="lt1"/>
+          </a:fontRef>
+        </p:style>
+        <p:txBody>
+          <a:bodyPr rtlCol="0" anchor="t"/>
+          <a:lstStyle/>
+          <a:p>
+            <a:pPr algn="ctr"/>
+            <a:endParaRPr lang="en-US" altLang="zh-CN" sz="4050" i="1" dirty="0">
+              <a:latin typeface="Times New Roman" panose="02020603050405020304" pitchFamily="18" charset="0"/>
+              <a:cs typeface="Times New Roman" panose="02020603050405020304" pitchFamily="18" charset="0"/>
+            </a:endParaRPr>
+          </a:p>
+          <a:p>
+            <a:pPr algn="ctr"/>
+            <a:r>
+              <a:rPr lang="en-US" altLang="zh-CN" sz="4400" b="1" cap="none" spc="0" dirty="0">
+                <a:ln>
+                  <a:solidFill>
+                    <a:srgbClr val="FAF1B4"/>
+                  </a:solidFill>
+                </a:ln>
+                <a:solidFill>
+                  <a:srgbClr val="FAF1B4"/>
+                </a:solidFill>
+                <a:effectLst>
+                  <a:reflection blurRad="6350" stA="55000" endA="300" endPos="45500" dir="5400000" sy="-100000" algn="bl" rotWithShape="0"/>
+                </a:effectLst>
+                <a:latin typeface="Times New Roman" panose="02020603050405020304" pitchFamily="18" charset="0"/>
+                <a:cs typeface="Times New Roman" panose="02020603050405020304" pitchFamily="18" charset="0"/>
+              </a:rPr>
+              <a:t>R</a:t>
+            </a:r>
+            <a:r>
+              <a:rPr lang="en-US" altLang="zh-CN" sz="4050" dirty="0">
+                <a:latin typeface="Times New Roman" panose="02020603050405020304" pitchFamily="18" charset="0"/>
+                <a:cs typeface="Times New Roman" panose="02020603050405020304" pitchFamily="18" charset="0"/>
+              </a:rPr>
+              <a:t> </a:t>
+            </a:r>
+            <a:r>
+              <a:rPr lang="en-US" altLang="zh-CN" sz="3000" dirty="0">
+                <a:latin typeface="Times New Roman" panose="02020603050405020304" pitchFamily="18" charset="0"/>
+                <a:cs typeface="Times New Roman" panose="02020603050405020304" pitchFamily="18" charset="0"/>
+              </a:rPr>
+              <a:t>of</a:t>
+            </a:r>
+            <a:r>
+              <a:rPr lang="en-US" altLang="zh-CN" sz="4050" dirty="0">
+                <a:latin typeface="Times New Roman" panose="02020603050405020304" pitchFamily="18" charset="0"/>
+                <a:cs typeface="Times New Roman" panose="02020603050405020304" pitchFamily="18" charset="0"/>
+              </a:rPr>
+              <a:t> </a:t>
+            </a:r>
+            <a:r>
+              <a:rPr lang="en-US" altLang="zh-TW" sz="4050" dirty="0">
+                <a:latin typeface="Times New Roman" panose="02020603050405020304" pitchFamily="18" charset="0"/>
+                <a:cs typeface="Times New Roman" panose="02020603050405020304" pitchFamily="18" charset="0"/>
+              </a:rPr>
+              <a:t>SPMT</a:t>
+            </a:r>
+          </a:p>
+        </p:txBody>
+      </p:sp>
+      <p:grpSp>
+        <p:nvGrpSpPr>
+          <p:cNvPr id="17" name="组合 16">
+            <a:extLst>
+              <a:ext uri="{FF2B5EF4-FFF2-40B4-BE49-F238E27FC236}">
+                <a16:creationId xmlns:a16="http://schemas.microsoft.com/office/drawing/2014/main" id="{B0C039CE-E35B-FB20-4F6F-73AF29F5EC82}"/>
+              </a:ext>
+            </a:extLst>
+          </p:cNvPr>
+          <p:cNvGrpSpPr/>
+          <p:nvPr/>
+        </p:nvGrpSpPr>
+        <p:grpSpPr>
+          <a:xfrm>
+            <a:off x="8023252" y="5229633"/>
+            <a:ext cx="1057142" cy="414474"/>
+            <a:chOff x="10502095" y="6069536"/>
+            <a:chExt cx="1409523" cy="552632"/>
+          </a:xfrm>
+        </p:grpSpPr>
+        <p:pic>
+          <p:nvPicPr>
+            <p:cNvPr id="10" name="图片 9" descr="图片包含 背景图案&#10;&#10;描述已自动生成">
+              <a:extLst>
+                <a:ext uri="{FF2B5EF4-FFF2-40B4-BE49-F238E27FC236}">
+                  <a16:creationId xmlns:a16="http://schemas.microsoft.com/office/drawing/2014/main" id="{630E8096-9BAE-771C-F26B-5E769FE2760E}"/>
+                </a:ext>
+              </a:extLst>
+            </p:cNvPr>
+            <p:cNvPicPr>
+              <a:picLocks noChangeAspect="1"/>
+            </p:cNvPicPr>
+            <p:nvPr/>
+          </p:nvPicPr>
+          <p:blipFill>
+            <a:blip r:embed="rId3">
+              <a:extLst>
+                <a:ext uri="{28A0092B-C50C-407E-A947-70E740481C1C}">
+                  <a14:useLocalDpi xmlns:a14="http://schemas.microsoft.com/office/drawing/2010/main" val="0"/>
+                </a:ext>
+              </a:extLst>
+            </a:blip>
+            <a:stretch>
+              <a:fillRect/>
+            </a:stretch>
+          </p:blipFill>
+          <p:spPr>
+            <a:xfrm>
+              <a:off x="11427454" y="6069536"/>
+              <a:ext cx="484164" cy="552632"/>
+            </a:xfrm>
+            <a:prstGeom prst="rect">
+              <a:avLst/>
+            </a:prstGeom>
+          </p:spPr>
+        </p:pic>
+        <p:sp>
+          <p:nvSpPr>
+            <p:cNvPr id="16" name="文本框 15">
+              <a:extLst>
+                <a:ext uri="{FF2B5EF4-FFF2-40B4-BE49-F238E27FC236}">
+                  <a16:creationId xmlns:a16="http://schemas.microsoft.com/office/drawing/2014/main" id="{790C7AEC-1C60-148D-F56E-026682E2E6F2}"/>
+                </a:ext>
+              </a:extLst>
+            </p:cNvPr>
+            <p:cNvSpPr txBox="1"/>
+            <p:nvPr/>
+          </p:nvSpPr>
+          <p:spPr>
+            <a:xfrm>
+              <a:off x="10502095" y="6183287"/>
+              <a:ext cx="925359" cy="339153"/>
+            </a:xfrm>
+            <a:prstGeom prst="rect">
+              <a:avLst/>
+            </a:prstGeom>
+            <a:noFill/>
+          </p:spPr>
+          <p:txBody>
+            <a:bodyPr wrap="square" rtlCol="0">
+              <a:spAutoFit/>
+            </a:bodyPr>
+            <a:lstStyle/>
+            <a:p>
+              <a:r>
+                <a:rPr lang="en-US" altLang="zh-CN" sz="1053" dirty="0">
+                  <a:solidFill>
+                    <a:schemeClr val="bg1"/>
+                  </a:solidFill>
+                  <a:latin typeface="Times New Roman" panose="02020603050405020304" pitchFamily="18" charset="0"/>
+                  <a:cs typeface="Times New Roman" panose="02020603050405020304" pitchFamily="18" charset="0"/>
+                </a:rPr>
+                <a:t>by YuKi</a:t>
+              </a:r>
+              <a:endParaRPr lang="zh-CN" altLang="en-US" sz="1053" dirty="0">
+                <a:solidFill>
+                  <a:schemeClr val="bg1"/>
+                </a:solidFill>
+                <a:latin typeface="Times New Roman" panose="02020603050405020304" pitchFamily="18" charset="0"/>
+                <a:cs typeface="Times New Roman" panose="02020603050405020304" pitchFamily="18" charset="0"/>
+              </a:endParaRPr>
+            </a:p>
+          </p:txBody>
+        </p:sp>
+      </p:grpSp>
+      <p:sp>
+        <p:nvSpPr>
+          <p:cNvPr id="3" name="矩形 2">
+            <a:extLst>
+              <a:ext uri="{FF2B5EF4-FFF2-40B4-BE49-F238E27FC236}">
+                <a16:creationId xmlns:a16="http://schemas.microsoft.com/office/drawing/2014/main" id="{C6B03883-6ED4-84CA-8282-B8EC86CE999A}"/>
+              </a:ext>
+            </a:extLst>
+          </p:cNvPr>
+          <p:cNvSpPr/>
+          <p:nvPr/>
+        </p:nvSpPr>
+        <p:spPr>
+          <a:xfrm>
+            <a:off x="-2" y="0"/>
+            <a:ext cx="3276602" cy="653131"/>
+          </a:xfrm>
+          <a:prstGeom prst="rect">
+            <a:avLst/>
+          </a:prstGeom>
+          <a:solidFill>
+            <a:schemeClr val="tx1"/>
+          </a:solidFill>
+          <a:ln>
+            <a:noFill/>
+          </a:ln>
+        </p:spPr>
+        <p:style>
+          <a:lnRef idx="2">
+            <a:schemeClr val="accent1">
+              <a:shade val="50000"/>
+            </a:schemeClr>
+          </a:lnRef>
+          <a:fillRef idx="1">
+            <a:schemeClr val="accent1"/>
+          </a:fillRef>
+          <a:effectRef idx="0">
+            <a:schemeClr val="accent1"/>
+          </a:effectRef>
+          <a:fontRef idx="minor">
+            <a:schemeClr val="lt1"/>
+          </a:fontRef>
+        </p:style>
+        <p:txBody>
+          <a:bodyPr rtlCol="0" anchor="ctr"/>
+          <a:lstStyle/>
+          <a:p>
+            <a:r>
+              <a:rPr lang="en-US" altLang="zh-CN" sz="4000" dirty="0">
+                <a:solidFill>
+                  <a:schemeClr val="bg1"/>
+                </a:solidFill>
+                <a:latin typeface="Times New Roman" panose="02020603050405020304" pitchFamily="18" charset="0"/>
+                <a:cs typeface="Times New Roman" panose="02020603050405020304" pitchFamily="18" charset="0"/>
+              </a:rPr>
+              <a:t>Introduction</a:t>
+            </a:r>
+            <a:endParaRPr lang="zh-CN" altLang="en-US" sz="4000" dirty="0">
+              <a:solidFill>
+                <a:schemeClr val="bg1"/>
+              </a:solidFill>
+              <a:latin typeface="Times New Roman" panose="02020603050405020304" pitchFamily="18" charset="0"/>
+              <a:cs typeface="Times New Roman" panose="02020603050405020304" pitchFamily="18" charset="0"/>
+            </a:endParaRPr>
+          </a:p>
+        </p:txBody>
+      </p:sp>
+      <p:sp>
+        <p:nvSpPr>
+          <p:cNvPr id="5" name="矩形 4">
+            <a:extLst>
+              <a:ext uri="{FF2B5EF4-FFF2-40B4-BE49-F238E27FC236}">
+                <a16:creationId xmlns:a16="http://schemas.microsoft.com/office/drawing/2014/main" id="{FE461C21-1DA5-1EEF-40F5-6F8AD5899BAF}"/>
+              </a:ext>
+            </a:extLst>
+          </p:cNvPr>
+          <p:cNvSpPr/>
+          <p:nvPr/>
+        </p:nvSpPr>
+        <p:spPr>
+          <a:xfrm>
+            <a:off x="7629" y="5175000"/>
+            <a:ext cx="864000" cy="540000"/>
+          </a:xfrm>
+          <a:prstGeom prst="rect">
+            <a:avLst/>
+          </a:prstGeom>
+          <a:solidFill>
+            <a:schemeClr val="tx1"/>
+          </a:solidFill>
+          <a:ln>
+            <a:noFill/>
+          </a:ln>
+        </p:spPr>
+        <p:style>
+          <a:lnRef idx="2">
+            <a:schemeClr val="accent1">
+              <a:shade val="50000"/>
+            </a:schemeClr>
+          </a:lnRef>
+          <a:fillRef idx="1">
+            <a:schemeClr val="accent1"/>
+          </a:fillRef>
+          <a:effectRef idx="0">
+            <a:schemeClr val="accent1"/>
+          </a:effectRef>
+          <a:fontRef idx="minor">
+            <a:schemeClr val="lt1"/>
+          </a:fontRef>
+        </p:style>
+        <p:txBody>
+          <a:bodyPr rtlCol="0" anchor="ctr"/>
+          <a:lstStyle/>
+          <a:p>
+            <a:pPr algn="ctr"/>
+            <a:r>
+              <a:rPr lang="en-US" altLang="zh-CN" sz="1800" b="1" dirty="0">
+                <a:latin typeface="Times New Roman" panose="02020603050405020304" pitchFamily="18" charset="0"/>
+                <a:cs typeface="Times New Roman" panose="02020603050405020304" pitchFamily="18" charset="0"/>
+              </a:rPr>
+              <a:t>05 / 41</a:t>
             </a:r>
             <a:endParaRPr lang="zh-CN" altLang="en-US" sz="1800" b="1" dirty="0">
               <a:latin typeface="Times New Roman" panose="02020603050405020304" pitchFamily="18" charset="0"/>
@@ -31675,7 +33348,7 @@
                 <a:latin typeface="Times New Roman" panose="02020603050405020304" pitchFamily="18" charset="0"/>
                 <a:cs typeface="Times New Roman" panose="02020603050405020304" pitchFamily="18" charset="0"/>
               </a:rPr>
-              <a:t>06 / 38</a:t>
+              <a:t>06 / 41</a:t>
             </a:r>
             <a:endParaRPr lang="zh-CN" altLang="en-US" sz="1800" b="1" dirty="0">
               <a:latin typeface="Times New Roman" panose="02020603050405020304" pitchFamily="18" charset="0"/>
@@ -32172,7 +33845,7 @@
                 <a:latin typeface="Times New Roman" panose="02020603050405020304" pitchFamily="18" charset="0"/>
                 <a:cs typeface="Times New Roman" panose="02020603050405020304" pitchFamily="18" charset="0"/>
               </a:rPr>
-              <a:t>07 / 38</a:t>
+              <a:t>07 / 41</a:t>
             </a:r>
             <a:endParaRPr lang="zh-CN" altLang="en-US" sz="1800" b="1" dirty="0">
               <a:latin typeface="Times New Roman" panose="02020603050405020304" pitchFamily="18" charset="0"/>
@@ -32710,7 +34383,7 @@
                 <a:latin typeface="Times New Roman" panose="02020603050405020304" pitchFamily="18" charset="0"/>
                 <a:cs typeface="Times New Roman" panose="02020603050405020304" pitchFamily="18" charset="0"/>
               </a:rPr>
-              <a:t>08 / 38</a:t>
+              <a:t>08 / 41</a:t>
             </a:r>
             <a:endParaRPr lang="zh-CN" altLang="en-US" sz="1800" b="1" dirty="0">
               <a:latin typeface="Times New Roman" panose="02020603050405020304" pitchFamily="18" charset="0"/>
@@ -33235,7 +34908,7 @@
                 <a:latin typeface="Times New Roman" panose="02020603050405020304" pitchFamily="18" charset="0"/>
                 <a:cs typeface="Times New Roman" panose="02020603050405020304" pitchFamily="18" charset="0"/>
               </a:rPr>
-              <a:t>09 / 38</a:t>
+              <a:t>09 / 41</a:t>
             </a:r>
             <a:endParaRPr lang="zh-CN" altLang="en-US" sz="1800" b="1" dirty="0">
               <a:latin typeface="Times New Roman" panose="02020603050405020304" pitchFamily="18" charset="0"/>

--- a/6_Reports/6_2_Phase_2/End_Semester_Report.pptx
+++ b/6_Reports/6_2_Phase_2/End_Semester_Report.pptx
@@ -248,7 +248,7 @@
           <a:p>
             <a:fld id="{345BFD96-1C7E-4895-B002-8AA86726AA6F}" type="datetimeFigureOut">
               <a:rPr lang="zh-CN" altLang="en-US" smtClean="0"/>
-              <a:t>2023/6/30</a:t>
+              <a:t>2023/7/6</a:t>
             </a:fld>
             <a:endParaRPr lang="zh-CN" altLang="en-US"/>
           </a:p>
@@ -4136,7 +4136,7 @@
             <a:fld id="{81B8F32D-D8B6-4B9E-9CBF-DCAC30B7B93D}" type="datetimeFigureOut">
               <a:rPr lang="en-US" smtClean="0"/>
               <a:pPr/>
-              <a:t>6/30/2023</a:t>
+              <a:t>7/6/2023</a:t>
             </a:fld>
             <a:endParaRPr lang="en-US" dirty="0"/>
           </a:p>
@@ -4336,7 +4336,7 @@
             <a:fld id="{81B8F32D-D8B6-4B9E-9CBF-DCAC30B7B93D}" type="datetimeFigureOut">
               <a:rPr lang="en-US" smtClean="0"/>
               <a:pPr/>
-              <a:t>6/30/2023</a:t>
+              <a:t>7/6/2023</a:t>
             </a:fld>
             <a:endParaRPr lang="en-US" dirty="0"/>
           </a:p>
@@ -4546,7 +4546,7 @@
             <a:fld id="{81B8F32D-D8B6-4B9E-9CBF-DCAC30B7B93D}" type="datetimeFigureOut">
               <a:rPr lang="en-US" smtClean="0"/>
               <a:pPr/>
-              <a:t>6/30/2023</a:t>
+              <a:t>7/6/2023</a:t>
             </a:fld>
             <a:endParaRPr lang="en-US" dirty="0"/>
           </a:p>
@@ -4746,7 +4746,7 @@
             <a:fld id="{81B8F32D-D8B6-4B9E-9CBF-DCAC30B7B93D}" type="datetimeFigureOut">
               <a:rPr lang="en-US" smtClean="0"/>
               <a:pPr/>
-              <a:t>6/30/2023</a:t>
+              <a:t>7/6/2023</a:t>
             </a:fld>
             <a:endParaRPr lang="en-US" dirty="0"/>
           </a:p>
@@ -5023,7 +5023,7 @@
             <a:fld id="{81B8F32D-D8B6-4B9E-9CBF-DCAC30B7B93D}" type="datetimeFigureOut">
               <a:rPr lang="en-US" smtClean="0"/>
               <a:pPr/>
-              <a:t>6/30/2023</a:t>
+              <a:t>7/6/2023</a:t>
             </a:fld>
             <a:endParaRPr lang="en-US" dirty="0"/>
           </a:p>
@@ -5290,7 +5290,7 @@
             <a:fld id="{81B8F32D-D8B6-4B9E-9CBF-DCAC30B7B93D}" type="datetimeFigureOut">
               <a:rPr lang="en-US" smtClean="0"/>
               <a:pPr/>
-              <a:t>6/30/2023</a:t>
+              <a:t>7/6/2023</a:t>
             </a:fld>
             <a:endParaRPr lang="en-US" dirty="0"/>
           </a:p>
@@ -5704,7 +5704,7 @@
             <a:fld id="{81B8F32D-D8B6-4B9E-9CBF-DCAC30B7B93D}" type="datetimeFigureOut">
               <a:rPr lang="en-US" smtClean="0"/>
               <a:pPr/>
-              <a:t>6/30/2023</a:t>
+              <a:t>7/6/2023</a:t>
             </a:fld>
             <a:endParaRPr lang="en-US" dirty="0"/>
           </a:p>
@@ -5847,7 +5847,7 @@
             <a:fld id="{81B8F32D-D8B6-4B9E-9CBF-DCAC30B7B93D}" type="datetimeFigureOut">
               <a:rPr lang="en-US" smtClean="0"/>
               <a:pPr/>
-              <a:t>6/30/2023</a:t>
+              <a:t>7/6/2023</a:t>
             </a:fld>
             <a:endParaRPr lang="en-US" dirty="0"/>
           </a:p>
@@ -5962,7 +5962,7 @@
             <a:fld id="{81B8F32D-D8B6-4B9E-9CBF-DCAC30B7B93D}" type="datetimeFigureOut">
               <a:rPr lang="en-US" smtClean="0"/>
               <a:pPr/>
-              <a:t>6/30/2023</a:t>
+              <a:t>7/6/2023</a:t>
             </a:fld>
             <a:endParaRPr lang="en-US" dirty="0"/>
           </a:p>
@@ -6275,7 +6275,7 @@
             <a:fld id="{81B8F32D-D8B6-4B9E-9CBF-DCAC30B7B93D}" type="datetimeFigureOut">
               <a:rPr lang="en-US" smtClean="0"/>
               <a:pPr/>
-              <a:t>6/30/2023</a:t>
+              <a:t>7/6/2023</a:t>
             </a:fld>
             <a:endParaRPr lang="en-US" dirty="0"/>
           </a:p>
@@ -6565,7 +6565,7 @@
             <a:fld id="{81B8F32D-D8B6-4B9E-9CBF-DCAC30B7B93D}" type="datetimeFigureOut">
               <a:rPr lang="en-US" smtClean="0"/>
               <a:pPr/>
-              <a:t>6/30/2023</a:t>
+              <a:t>7/6/2023</a:t>
             </a:fld>
             <a:endParaRPr lang="en-US" dirty="0"/>
           </a:p>
@@ -6811,7 +6811,7 @@
             <a:fld id="{81B8F32D-D8B6-4B9E-9CBF-DCAC30B7B93D}" type="datetimeFigureOut">
               <a:rPr lang="en-US" smtClean="0"/>
               <a:pPr/>
-              <a:t>6/30/2023</a:t>
+              <a:t>7/6/2023</a:t>
             </a:fld>
             <a:endParaRPr lang="en-US" dirty="0"/>
           </a:p>
@@ -22171,7 +22171,7 @@
         <p:spPr>
           <a:xfrm>
             <a:off x="1502046" y="793075"/>
-            <a:ext cx="3582176" cy="4776235"/>
+            <a:ext cx="3582176" cy="4776234"/>
           </a:xfrm>
           <a:prstGeom prst="rect">
             <a:avLst/>

--- a/6_Reports/6_2_Phase_2/End_Semester_Report.pptx
+++ b/6_Reports/6_2_Phase_2/End_Semester_Report.pptx
@@ -5,7 +5,7 @@
     <p:sldMasterId id="2147483700" r:id="rId1"/>
   </p:sldMasterIdLst>
   <p:notesMasterIdLst>
-    <p:notesMasterId r:id="rId43"/>
+    <p:notesMasterId r:id="rId45"/>
   </p:notesMasterIdLst>
   <p:sldIdLst>
     <p:sldId id="262" r:id="rId2"/>
@@ -32,23 +32,25 @@
     <p:sldId id="293" r:id="rId23"/>
     <p:sldId id="271" r:id="rId24"/>
     <p:sldId id="273" r:id="rId25"/>
-    <p:sldId id="274" r:id="rId26"/>
-    <p:sldId id="276" r:id="rId27"/>
-    <p:sldId id="278" r:id="rId28"/>
-    <p:sldId id="279" r:id="rId29"/>
-    <p:sldId id="280" r:id="rId30"/>
-    <p:sldId id="281" r:id="rId31"/>
-    <p:sldId id="287" r:id="rId32"/>
-    <p:sldId id="282" r:id="rId33"/>
-    <p:sldId id="283" r:id="rId34"/>
-    <p:sldId id="284" r:id="rId35"/>
-    <p:sldId id="285" r:id="rId36"/>
-    <p:sldId id="286" r:id="rId37"/>
-    <p:sldId id="290" r:id="rId38"/>
-    <p:sldId id="308" r:id="rId39"/>
-    <p:sldId id="310" r:id="rId40"/>
-    <p:sldId id="309" r:id="rId41"/>
-    <p:sldId id="307" r:id="rId42"/>
+    <p:sldId id="311" r:id="rId26"/>
+    <p:sldId id="274" r:id="rId27"/>
+    <p:sldId id="312" r:id="rId28"/>
+    <p:sldId id="276" r:id="rId29"/>
+    <p:sldId id="278" r:id="rId30"/>
+    <p:sldId id="279" r:id="rId31"/>
+    <p:sldId id="280" r:id="rId32"/>
+    <p:sldId id="281" r:id="rId33"/>
+    <p:sldId id="287" r:id="rId34"/>
+    <p:sldId id="282" r:id="rId35"/>
+    <p:sldId id="283" r:id="rId36"/>
+    <p:sldId id="284" r:id="rId37"/>
+    <p:sldId id="285" r:id="rId38"/>
+    <p:sldId id="286" r:id="rId39"/>
+    <p:sldId id="290" r:id="rId40"/>
+    <p:sldId id="308" r:id="rId41"/>
+    <p:sldId id="310" r:id="rId42"/>
+    <p:sldId id="309" r:id="rId43"/>
+    <p:sldId id="307" r:id="rId44"/>
   </p:sldIdLst>
   <p:sldSz cx="9144000" cy="5715000" type="screen16x10"/>
   <p:notesSz cx="6858000" cy="9144000"/>
@@ -248,7 +250,7 @@
           <a:p>
             <a:fld id="{345BFD96-1C7E-4895-B002-8AA86726AA6F}" type="datetimeFigureOut">
               <a:rPr lang="zh-CN" altLang="en-US" smtClean="0"/>
-              <a:t>2023/7/6</a:t>
+              <a:t>2023/7/7</a:t>
             </a:fld>
             <a:endParaRPr lang="zh-CN" altLang="en-US"/>
           </a:p>
@@ -1120,46 +1122,78 @@
           <a:p>
             <a:r>
               <a:rPr lang="zh-CN" altLang="en-US" dirty="0"/>
-              <a:t>这是蒙特卡洛分半十次的结果</a:t>
+              <a:t>可以看到，其实大多数分半信度都在</a:t>
+            </a:r>
+            <a:r>
+              <a:rPr lang="en-US" altLang="zh-CN" dirty="0"/>
+              <a:t>0-0.5</a:t>
+            </a:r>
+            <a:r>
+              <a:rPr lang="zh-CN" altLang="en-US" dirty="0"/>
+              <a:t>之间</a:t>
             </a:r>
             <a:endParaRPr lang="en-US" altLang="zh-CN" dirty="0"/>
           </a:p>
           <a:p>
             <a:r>
               <a:rPr lang="zh-CN" altLang="en-US" dirty="0"/>
-              <a:t>每个点代表一个实验的蒙特卡洛分半信度的</a:t>
+              <a:t>相较于与</a:t>
             </a:r>
             <a:r>
               <a:rPr lang="en-US" altLang="zh-CN" dirty="0"/>
-              <a:t>95%</a:t>
+              <a:t>friend</a:t>
             </a:r>
             <a:r>
               <a:rPr lang="zh-CN" altLang="en-US" dirty="0"/>
-              <a:t>置信区间</a:t>
+              <a:t>的</a:t>
+            </a:r>
+            <a:r>
+              <a:rPr lang="en-US" altLang="zh-CN" dirty="0"/>
+              <a:t>SPE</a:t>
+            </a:r>
+          </a:p>
+          <a:p>
+            <a:r>
+              <a:rPr lang="zh-CN" altLang="en-US" dirty="0"/>
+              <a:t>与</a:t>
+            </a:r>
+            <a:r>
+              <a:rPr lang="en-US" altLang="zh-CN" dirty="0"/>
+              <a:t>stranger</a:t>
+            </a:r>
+            <a:r>
+              <a:rPr lang="zh-CN" altLang="en-US" dirty="0"/>
+              <a:t>的</a:t>
+            </a:r>
+            <a:r>
+              <a:rPr lang="en-US" altLang="zh-CN" dirty="0"/>
+              <a:t>SPE</a:t>
+            </a:r>
+            <a:r>
+              <a:rPr lang="zh-CN" altLang="en-US" dirty="0"/>
+              <a:t>更稳定</a:t>
             </a:r>
             <a:endParaRPr lang="en-US" altLang="zh-CN" dirty="0"/>
           </a:p>
           <a:p>
             <a:r>
+              <a:rPr lang="zh-CN" altLang="en-US" dirty="0"/>
+              <a:t>其中最稳定的两个指标是</a:t>
+            </a:r>
+            <a:r>
               <a:rPr lang="en-US" altLang="zh-CN" dirty="0"/>
-              <a:t>RT </a:t>
+              <a:t>RT</a:t>
             </a:r>
             <a:r>
               <a:rPr lang="zh-CN" altLang="en-US" dirty="0"/>
-              <a:t>和 </a:t>
+              <a:t>和</a:t>
             </a:r>
             <a:r>
               <a:rPr lang="en-US" altLang="zh-CN" dirty="0"/>
               <a:t>efficiency</a:t>
             </a:r>
-            <a:r>
-              <a:rPr lang="zh-CN" altLang="en-US" dirty="0"/>
-              <a:t>的蒙特卡洛分半信度能达到</a:t>
-            </a:r>
-            <a:r>
-              <a:rPr lang="en-US" altLang="zh-CN" dirty="0"/>
-              <a:t>0.5-0.7</a:t>
-            </a:r>
+          </a:p>
+          <a:p>
             <a:endParaRPr lang="zh-CN" altLang="en-US" dirty="0"/>
           </a:p>
         </p:txBody>
@@ -1190,7 +1224,7 @@
     </p:spTree>
     <p:extLst>
       <p:ext uri="{BB962C8B-B14F-4D97-AF65-F5344CB8AC3E}">
-        <p14:creationId xmlns:p14="http://schemas.microsoft.com/office/powerpoint/2010/main" val="732107130"/>
+        <p14:creationId xmlns:p14="http://schemas.microsoft.com/office/powerpoint/2010/main" val="1291128996"/>
       </p:ext>
     </p:extLst>
   </p:cSld>
@@ -1245,34 +1279,34 @@
           <a:lstStyle/>
           <a:p>
             <a:r>
+              <a:rPr lang="zh-CN" altLang="en-US" dirty="0"/>
+              <a:t>这是蒙特卡洛分半十次的结果</a:t>
+            </a:r>
+            <a:endParaRPr lang="en-US" altLang="zh-CN" dirty="0"/>
+          </a:p>
+          <a:p>
+            <a:r>
+              <a:rPr lang="zh-CN" altLang="en-US" dirty="0"/>
+              <a:t>每个点代表一个实验的蒙特卡洛分半信度的</a:t>
+            </a:r>
+            <a:r>
               <a:rPr lang="en-US" altLang="zh-CN" dirty="0"/>
-              <a:t>ICC2</a:t>
+              <a:t>95%</a:t>
             </a:r>
             <a:r>
               <a:rPr lang="zh-CN" altLang="en-US" dirty="0"/>
-              <a:t>和</a:t>
-            </a:r>
+              <a:t>置信区间</a:t>
+            </a:r>
+            <a:endParaRPr lang="en-US" altLang="zh-CN" dirty="0"/>
+          </a:p>
+          <a:p>
             <a:r>
               <a:rPr lang="en-US" altLang="zh-CN" dirty="0"/>
-              <a:t>ICC2k</a:t>
+              <a:t>RT </a:t>
             </a:r>
             <a:r>
               <a:rPr lang="zh-CN" altLang="en-US" dirty="0"/>
-              <a:t>越大说明重复度量的稳定性越高</a:t>
-            </a:r>
-            <a:endParaRPr lang="en-US" altLang="zh-CN" dirty="0"/>
-          </a:p>
-          <a:p>
-            <a:endParaRPr lang="en-US" altLang="zh-CN" dirty="0"/>
-          </a:p>
-          <a:p>
-            <a:r>
-              <a:rPr lang="en-US" altLang="zh-CN" dirty="0"/>
-              <a:t>RT</a:t>
-            </a:r>
-            <a:r>
-              <a:rPr lang="zh-CN" altLang="en-US" dirty="0"/>
-              <a:t>和</a:t>
+              <a:t>和 </a:t>
             </a:r>
             <a:r>
               <a:rPr lang="en-US" altLang="zh-CN" dirty="0"/>
@@ -1280,16 +1314,13 @@
             </a:r>
             <a:r>
               <a:rPr lang="zh-CN" altLang="en-US" dirty="0"/>
-              <a:t>的</a:t>
+              <a:t>的蒙特卡洛分半信度能达到</a:t>
             </a:r>
             <a:r>
               <a:rPr lang="en-US" altLang="zh-CN" dirty="0"/>
-              <a:t>ICC2k</a:t>
-            </a:r>
-            <a:r>
-              <a:rPr lang="zh-CN" altLang="en-US" dirty="0"/>
-              <a:t>较大，说明这两个指标具有较好的重测信度</a:t>
-            </a:r>
+              <a:t>0.5-0.7</a:t>
+            </a:r>
+            <a:endParaRPr lang="zh-CN" altLang="en-US" dirty="0"/>
           </a:p>
         </p:txBody>
       </p:sp>
@@ -1319,7 +1350,7 @@
     </p:spTree>
     <p:extLst>
       <p:ext uri="{BB962C8B-B14F-4D97-AF65-F5344CB8AC3E}">
-        <p14:creationId xmlns:p14="http://schemas.microsoft.com/office/powerpoint/2010/main" val="3010840473"/>
+        <p14:creationId xmlns:p14="http://schemas.microsoft.com/office/powerpoint/2010/main" val="732107130"/>
       </p:ext>
     </p:extLst>
   </p:cSld>
@@ -1373,6 +1404,48 @@
           <a:bodyPr/>
           <a:lstStyle/>
           <a:p>
+            <a:r>
+              <a:rPr lang="zh-CN" altLang="en-US" dirty="0"/>
+              <a:t>这是蒙特卡洛分半十次的结果</a:t>
+            </a:r>
+            <a:endParaRPr lang="en-US" altLang="zh-CN" dirty="0"/>
+          </a:p>
+          <a:p>
+            <a:r>
+              <a:rPr lang="zh-CN" altLang="en-US" dirty="0"/>
+              <a:t>每个点代表一个实验的蒙特卡洛分半信度的</a:t>
+            </a:r>
+            <a:r>
+              <a:rPr lang="en-US" altLang="zh-CN" dirty="0"/>
+              <a:t>95%</a:t>
+            </a:r>
+            <a:r>
+              <a:rPr lang="zh-CN" altLang="en-US" dirty="0"/>
+              <a:t>置信区间</a:t>
+            </a:r>
+            <a:endParaRPr lang="en-US" altLang="zh-CN" dirty="0"/>
+          </a:p>
+          <a:p>
+            <a:r>
+              <a:rPr lang="en-US" altLang="zh-CN" dirty="0"/>
+              <a:t>RT </a:t>
+            </a:r>
+            <a:r>
+              <a:rPr lang="zh-CN" altLang="en-US" dirty="0"/>
+              <a:t>和 </a:t>
+            </a:r>
+            <a:r>
+              <a:rPr lang="en-US" altLang="zh-CN" dirty="0"/>
+              <a:t>efficiency</a:t>
+            </a:r>
+            <a:r>
+              <a:rPr lang="zh-CN" altLang="en-US" dirty="0"/>
+              <a:t>的蒙特卡洛分半信度能达到</a:t>
+            </a:r>
+            <a:r>
+              <a:rPr lang="en-US" altLang="zh-CN" dirty="0"/>
+              <a:t>0.5-0.7</a:t>
+            </a:r>
             <a:endParaRPr lang="zh-CN" altLang="en-US" dirty="0"/>
           </a:p>
         </p:txBody>
@@ -1403,7 +1476,7 @@
     </p:spTree>
     <p:extLst>
       <p:ext uri="{BB962C8B-B14F-4D97-AF65-F5344CB8AC3E}">
-        <p14:creationId xmlns:p14="http://schemas.microsoft.com/office/powerpoint/2010/main" val="289754849"/>
+        <p14:creationId xmlns:p14="http://schemas.microsoft.com/office/powerpoint/2010/main" val="2805109945"/>
       </p:ext>
     </p:extLst>
   </p:cSld>
@@ -1458,70 +1531,51 @@
           <a:lstStyle/>
           <a:p>
             <a:r>
-              <a:rPr lang="en-US" altLang="zh-CN" dirty="0" err="1"/>
-              <a:t>Ezddm</a:t>
+              <a:rPr lang="en-US" altLang="zh-CN" dirty="0"/>
+              <a:t>ICC2</a:t>
             </a:r>
             <a:r>
               <a:rPr lang="zh-CN" altLang="en-US" dirty="0"/>
-              <a:t>不会对</a:t>
+              <a:t>和</a:t>
             </a:r>
             <a:r>
               <a:rPr lang="en-US" altLang="zh-CN" dirty="0"/>
-              <a:t>z</a:t>
+              <a:t>ICC2k</a:t>
             </a:r>
             <a:r>
               <a:rPr lang="zh-CN" altLang="en-US" dirty="0"/>
-              <a:t>进行估计，而是假定</a:t>
-            </a:r>
+              <a:t>越大说明重复度量的稳定性越高</a:t>
+            </a:r>
+            <a:endParaRPr lang="en-US" altLang="zh-CN" dirty="0"/>
+          </a:p>
+          <a:p>
+            <a:endParaRPr lang="en-US" altLang="zh-CN" dirty="0"/>
+          </a:p>
+          <a:p>
             <a:r>
               <a:rPr lang="en-US" altLang="zh-CN" dirty="0"/>
-              <a:t>z</a:t>
+              <a:t>RT</a:t>
             </a:r>
             <a:r>
               <a:rPr lang="zh-CN" altLang="en-US" dirty="0"/>
-              <a:t>为</a:t>
+              <a:t>和</a:t>
             </a:r>
             <a:r>
               <a:rPr lang="en-US" altLang="zh-CN" dirty="0"/>
-              <a:t>a/2</a:t>
-            </a:r>
-          </a:p>
-          <a:p>
+              <a:t>efficiency</a:t>
+            </a:r>
             <a:r>
               <a:rPr lang="zh-CN" altLang="en-US" dirty="0"/>
-              <a:t>为了得到对</a:t>
+              <a:t>的</a:t>
             </a:r>
             <a:r>
               <a:rPr lang="en-US" altLang="zh-CN" dirty="0"/>
-              <a:t>z</a:t>
+              <a:t>ICC2k</a:t>
             </a:r>
             <a:r>
               <a:rPr lang="zh-CN" altLang="en-US" dirty="0"/>
-              <a:t>的准确估计，我们对比了</a:t>
-            </a:r>
-            <a:r>
-              <a:rPr lang="en-US" altLang="zh-CN" dirty="0"/>
-              <a:t>R</a:t>
-            </a:r>
-            <a:r>
-              <a:rPr lang="zh-CN" altLang="en-US" dirty="0"/>
-              <a:t>里各种可以计算</a:t>
-            </a:r>
-            <a:r>
-              <a:rPr lang="en-US" altLang="zh-CN" dirty="0" err="1"/>
-              <a:t>ddm</a:t>
-            </a:r>
-            <a:r>
-              <a:rPr lang="zh-CN" altLang="en-US" dirty="0"/>
-              <a:t>参数的包</a:t>
-            </a:r>
-            <a:endParaRPr lang="en-US" altLang="zh-CN" dirty="0"/>
-          </a:p>
-          <a:p>
-            <a:endParaRPr lang="en-US" altLang="zh-CN" dirty="0"/>
-          </a:p>
-          <a:p>
-            <a:endParaRPr lang="zh-CN" altLang="en-US" dirty="0"/>
+              <a:t>较大，说明这两个指标具有较好的重测信度</a:t>
+            </a:r>
           </a:p>
         </p:txBody>
       </p:sp>
@@ -1551,7 +1605,7 @@
     </p:spTree>
     <p:extLst>
       <p:ext uri="{BB962C8B-B14F-4D97-AF65-F5344CB8AC3E}">
-        <p14:creationId xmlns:p14="http://schemas.microsoft.com/office/powerpoint/2010/main" val="4157747766"/>
+        <p14:creationId xmlns:p14="http://schemas.microsoft.com/office/powerpoint/2010/main" val="3010840473"/>
       </p:ext>
     </p:extLst>
   </p:cSld>
@@ -1605,169 +1659,7 @@
           <a:bodyPr/>
           <a:lstStyle/>
           <a:p>
-            <a:r>
-              <a:rPr lang="zh-CN" altLang="en-US" dirty="0"/>
-              <a:t>我们设定了</a:t>
-            </a:r>
-            <a:r>
-              <a:rPr lang="en-US" altLang="zh-CN" dirty="0"/>
-              <a:t>a = 2, t = 0.3, v = 1, z = 0.7</a:t>
-            </a:r>
-          </a:p>
-          <a:p>
-            <a:r>
-              <a:rPr lang="zh-CN" altLang="en-US" dirty="0"/>
-              <a:t>由</a:t>
-            </a:r>
-            <a:r>
-              <a:rPr lang="en-US" altLang="zh-CN" dirty="0" err="1"/>
-              <a:t>hddm</a:t>
-            </a:r>
-            <a:r>
-              <a:rPr lang="zh-CN" altLang="en-US" dirty="0"/>
-              <a:t>这个包生成了符合这四个参数的一百个，含有</a:t>
-            </a:r>
-            <a:r>
-              <a:rPr lang="en-US" altLang="zh-CN" dirty="0"/>
-              <a:t>60</a:t>
-            </a:r>
-            <a:r>
-              <a:rPr lang="zh-CN" altLang="en-US" dirty="0"/>
-              <a:t>试次的数据集</a:t>
-            </a:r>
-            <a:endParaRPr lang="en-US" altLang="zh-CN" dirty="0"/>
-          </a:p>
-          <a:p>
-            <a:r>
-              <a:rPr lang="zh-CN" altLang="en-US" dirty="0"/>
-              <a:t>然后让</a:t>
-            </a:r>
-            <a:r>
-              <a:rPr lang="en-US" altLang="zh-CN" dirty="0" err="1"/>
-              <a:t>Rwiener</a:t>
-            </a:r>
-            <a:r>
-              <a:rPr lang="zh-CN" altLang="en-US" dirty="0"/>
-              <a:t>，</a:t>
-            </a:r>
-            <a:r>
-              <a:rPr lang="en-US" altLang="zh-CN" dirty="0"/>
-              <a:t>hausekeep</a:t>
-            </a:r>
-            <a:r>
-              <a:rPr lang="zh-CN" altLang="en-US" dirty="0"/>
-              <a:t>，</a:t>
-            </a:r>
-            <a:r>
-              <a:rPr lang="en-US" altLang="zh-CN" dirty="0" err="1"/>
-              <a:t>fastDMinR</a:t>
-            </a:r>
-            <a:r>
-              <a:rPr lang="zh-CN" altLang="en-US" dirty="0"/>
-              <a:t>，这三个包，一共五种估计方法估计这四个参数</a:t>
-            </a:r>
-            <a:endParaRPr lang="en-US" altLang="zh-CN" dirty="0"/>
-          </a:p>
-          <a:p>
-            <a:r>
-              <a:rPr lang="zh-CN" altLang="en-US" dirty="0"/>
-              <a:t>从而筛选出估计最准确，耗时最低的那个包</a:t>
-            </a:r>
-            <a:endParaRPr lang="en-US" altLang="zh-CN" dirty="0"/>
-          </a:p>
-          <a:p>
-            <a:endParaRPr lang="en-US" altLang="zh-CN" dirty="0"/>
-          </a:p>
-          <a:p>
-            <a:r>
-              <a:rPr lang="zh-CN" altLang="en-US" dirty="0"/>
-              <a:t>结果是，对于</a:t>
-            </a:r>
-            <a:r>
-              <a:rPr lang="en-US" altLang="zh-CN" dirty="0"/>
-              <a:t>a</a:t>
-            </a:r>
-            <a:r>
-              <a:rPr lang="zh-CN" altLang="en-US" dirty="0"/>
-              <a:t>的估计，三个包都不太准确</a:t>
-            </a:r>
-            <a:endParaRPr lang="en-US" altLang="zh-CN" dirty="0"/>
-          </a:p>
-          <a:p>
-            <a:r>
-              <a:rPr lang="zh-CN" altLang="en-US" dirty="0"/>
-              <a:t>对于</a:t>
-            </a:r>
-            <a:r>
-              <a:rPr lang="en-US" altLang="zh-CN" dirty="0"/>
-              <a:t>t</a:t>
-            </a:r>
-            <a:r>
-              <a:rPr lang="zh-CN" altLang="en-US" dirty="0"/>
-              <a:t>的估计，</a:t>
-            </a:r>
-            <a:r>
-              <a:rPr lang="en-US" altLang="zh-CN" dirty="0"/>
-              <a:t>RW</a:t>
-            </a:r>
-            <a:r>
-              <a:rPr lang="zh-CN" altLang="en-US" dirty="0"/>
-              <a:t>最准确</a:t>
-            </a:r>
-            <a:endParaRPr lang="en-US" altLang="zh-CN" dirty="0"/>
-          </a:p>
-          <a:p>
-            <a:r>
-              <a:rPr lang="zh-CN" altLang="en-US" dirty="0"/>
-              <a:t>对于</a:t>
-            </a:r>
-            <a:r>
-              <a:rPr lang="en-US" altLang="zh-CN" dirty="0"/>
-              <a:t>v</a:t>
-            </a:r>
-            <a:r>
-              <a:rPr lang="zh-CN" altLang="en-US" dirty="0"/>
-              <a:t>的估计，</a:t>
-            </a:r>
-            <a:r>
-              <a:rPr lang="en-US" altLang="zh-CN" dirty="0"/>
-              <a:t>RW</a:t>
-            </a:r>
-            <a:r>
-              <a:rPr lang="zh-CN" altLang="en-US" dirty="0"/>
-              <a:t>最准确，</a:t>
-            </a:r>
-            <a:r>
-              <a:rPr lang="en-US" altLang="zh-CN" dirty="0"/>
-              <a:t>hausekeep</a:t>
-            </a:r>
-            <a:r>
-              <a:rPr lang="zh-CN" altLang="en-US" dirty="0"/>
-              <a:t>也不错</a:t>
-            </a:r>
-            <a:endParaRPr lang="en-US" altLang="zh-CN" dirty="0"/>
-          </a:p>
-          <a:p>
-            <a:r>
-              <a:rPr lang="zh-CN" altLang="en-US" dirty="0"/>
-              <a:t>对于</a:t>
-            </a:r>
-            <a:r>
-              <a:rPr lang="en-US" altLang="zh-CN" dirty="0"/>
-              <a:t>z</a:t>
-            </a:r>
-            <a:r>
-              <a:rPr lang="zh-CN" altLang="en-US" dirty="0"/>
-              <a:t>的估计，</a:t>
-            </a:r>
-            <a:r>
-              <a:rPr lang="en-US" altLang="zh-CN" dirty="0"/>
-              <a:t>RW</a:t>
-            </a:r>
-            <a:r>
-              <a:rPr lang="zh-CN" altLang="en-US" dirty="0"/>
-              <a:t>最准确</a:t>
-            </a:r>
+            <a:endParaRPr lang="zh-CN" altLang="en-US" dirty="0"/>
           </a:p>
         </p:txBody>
       </p:sp>
@@ -1797,7 +1689,7 @@
     </p:spTree>
     <p:extLst>
       <p:ext uri="{BB962C8B-B14F-4D97-AF65-F5344CB8AC3E}">
-        <p14:creationId xmlns:p14="http://schemas.microsoft.com/office/powerpoint/2010/main" val="3747296558"/>
+        <p14:creationId xmlns:p14="http://schemas.microsoft.com/office/powerpoint/2010/main" val="289754849"/>
       </p:ext>
     </p:extLst>
   </p:cSld>
@@ -1851,243 +1743,70 @@
           <a:bodyPr/>
           <a:lstStyle/>
           <a:p>
-            <a:pPr marL="342900" indent="-342900">
-              <a:buAutoNum type="arabicPeriod"/>
-            </a:pPr>
-            <a:r>
-              <a:rPr lang="en-US" altLang="zh-CN" dirty="0">
-                <a:solidFill>
-                  <a:schemeClr val="bg1"/>
-                </a:solidFill>
-                <a:latin typeface="Times New Roman" panose="02020603050405020304" pitchFamily="18" charset="0"/>
-                <a:cs typeface="Times New Roman" panose="02020603050405020304" pitchFamily="18" charset="0"/>
-              </a:rPr>
-              <a:t>RT</a:t>
-            </a:r>
-            <a:r>
-              <a:rPr lang="zh-CN" altLang="en-US" dirty="0">
-                <a:solidFill>
-                  <a:schemeClr val="bg1"/>
-                </a:solidFill>
-                <a:latin typeface="Times New Roman" panose="02020603050405020304" pitchFamily="18" charset="0"/>
-                <a:cs typeface="Times New Roman" panose="02020603050405020304" pitchFamily="18" charset="0"/>
-              </a:rPr>
-              <a:t>和</a:t>
-            </a:r>
-            <a:r>
-              <a:rPr lang="en-US" altLang="zh-CN" dirty="0">
-                <a:solidFill>
-                  <a:schemeClr val="bg1"/>
-                </a:solidFill>
-                <a:latin typeface="Times New Roman" panose="02020603050405020304" pitchFamily="18" charset="0"/>
-                <a:cs typeface="Times New Roman" panose="02020603050405020304" pitchFamily="18" charset="0"/>
-              </a:rPr>
-              <a:t>Eff</a:t>
-            </a:r>
-            <a:r>
-              <a:rPr lang="zh-CN" altLang="en-US" dirty="0">
-                <a:solidFill>
-                  <a:schemeClr val="bg1"/>
-                </a:solidFill>
-                <a:latin typeface="Times New Roman" panose="02020603050405020304" pitchFamily="18" charset="0"/>
-                <a:cs typeface="Times New Roman" panose="02020603050405020304" pitchFamily="18" charset="0"/>
-              </a:rPr>
-              <a:t>是所有指标里最稳定的，不论是分半信度还是重测信度</a:t>
-            </a:r>
-            <a:endParaRPr lang="en-US" altLang="zh-CN" dirty="0">
-              <a:solidFill>
-                <a:schemeClr val="bg1"/>
-              </a:solidFill>
-              <a:latin typeface="Times New Roman" panose="02020603050405020304" pitchFamily="18" charset="0"/>
-              <a:cs typeface="Times New Roman" panose="02020603050405020304" pitchFamily="18" charset="0"/>
-            </a:endParaRPr>
-          </a:p>
-          <a:p>
-            <a:pPr marL="342900" indent="-342900">
-              <a:buAutoNum type="arabicPeriod"/>
-            </a:pPr>
-            <a:r>
-              <a:rPr lang="zh-CN" altLang="en-US" dirty="0">
-                <a:solidFill>
-                  <a:schemeClr val="bg1"/>
-                </a:solidFill>
-                <a:latin typeface="Times New Roman" panose="02020603050405020304" pitchFamily="18" charset="0"/>
-                <a:cs typeface="Times New Roman" panose="02020603050405020304" pitchFamily="18" charset="0"/>
-              </a:rPr>
-              <a:t>总体而言，</a:t>
-            </a:r>
-            <a:r>
-              <a:rPr lang="en-US" altLang="zh-CN" dirty="0">
-                <a:solidFill>
-                  <a:schemeClr val="bg1"/>
-                </a:solidFill>
-                <a:latin typeface="Times New Roman" panose="02020603050405020304" pitchFamily="18" charset="0"/>
-                <a:cs typeface="Times New Roman" panose="02020603050405020304" pitchFamily="18" charset="0"/>
-              </a:rPr>
-              <a:t>SPMT</a:t>
-            </a:r>
-            <a:r>
-              <a:rPr lang="zh-CN" altLang="en-US" dirty="0">
-                <a:solidFill>
-                  <a:schemeClr val="bg1"/>
-                </a:solidFill>
-                <a:latin typeface="Times New Roman" panose="02020603050405020304" pitchFamily="18" charset="0"/>
-                <a:cs typeface="Times New Roman" panose="02020603050405020304" pitchFamily="18" charset="0"/>
-              </a:rPr>
-              <a:t>范式的信度并不高，只有</a:t>
-            </a:r>
-            <a:r>
-              <a:rPr lang="en-US" altLang="zh-CN" dirty="0">
-                <a:solidFill>
-                  <a:schemeClr val="bg1"/>
-                </a:solidFill>
-                <a:latin typeface="Times New Roman" panose="02020603050405020304" pitchFamily="18" charset="0"/>
-                <a:cs typeface="Times New Roman" panose="02020603050405020304" pitchFamily="18" charset="0"/>
-              </a:rPr>
-              <a:t>RT</a:t>
-            </a:r>
-            <a:r>
-              <a:rPr lang="zh-CN" altLang="en-US" dirty="0">
-                <a:solidFill>
-                  <a:schemeClr val="bg1"/>
-                </a:solidFill>
-                <a:latin typeface="Times New Roman" panose="02020603050405020304" pitchFamily="18" charset="0"/>
-                <a:cs typeface="Times New Roman" panose="02020603050405020304" pitchFamily="18" charset="0"/>
-              </a:rPr>
-              <a:t>的分半信度超过了</a:t>
-            </a:r>
-            <a:r>
-              <a:rPr lang="en-US" altLang="zh-CN" dirty="0">
-                <a:solidFill>
-                  <a:schemeClr val="bg1"/>
-                </a:solidFill>
-                <a:latin typeface="Times New Roman" panose="02020603050405020304" pitchFamily="18" charset="0"/>
-                <a:cs typeface="Times New Roman" panose="02020603050405020304" pitchFamily="18" charset="0"/>
-              </a:rPr>
-              <a:t>0.5</a:t>
-            </a:r>
-            <a:r>
-              <a:rPr lang="zh-CN" altLang="en-US" dirty="0">
-                <a:solidFill>
-                  <a:schemeClr val="bg1"/>
-                </a:solidFill>
-                <a:latin typeface="Times New Roman" panose="02020603050405020304" pitchFamily="18" charset="0"/>
-                <a:cs typeface="Times New Roman" panose="02020603050405020304" pitchFamily="18" charset="0"/>
-              </a:rPr>
-              <a:t>。并没有达到</a:t>
-            </a:r>
-            <a:r>
-              <a:rPr lang="en-US" altLang="zh-CN" dirty="0">
-                <a:solidFill>
-                  <a:schemeClr val="bg1"/>
-                </a:solidFill>
-                <a:latin typeface="Times New Roman" panose="02020603050405020304" pitchFamily="18" charset="0"/>
-                <a:cs typeface="Times New Roman" panose="02020603050405020304" pitchFamily="18" charset="0"/>
-              </a:rPr>
-              <a:t>0.8-0.9</a:t>
-            </a:r>
-            <a:r>
-              <a:rPr lang="zh-CN" altLang="en-US" dirty="0">
-                <a:solidFill>
-                  <a:schemeClr val="bg1"/>
-                </a:solidFill>
-                <a:latin typeface="Times New Roman" panose="02020603050405020304" pitchFamily="18" charset="0"/>
-                <a:cs typeface="Times New Roman" panose="02020603050405020304" pitchFamily="18" charset="0"/>
-              </a:rPr>
-              <a:t>的信度</a:t>
-            </a:r>
-            <a:endParaRPr lang="en-US" altLang="zh-CN" dirty="0">
-              <a:solidFill>
-                <a:schemeClr val="bg1"/>
-              </a:solidFill>
-              <a:latin typeface="Times New Roman" panose="02020603050405020304" pitchFamily="18" charset="0"/>
-              <a:cs typeface="Times New Roman" panose="02020603050405020304" pitchFamily="18" charset="0"/>
-            </a:endParaRPr>
-          </a:p>
-          <a:p>
-            <a:pPr marL="342900" indent="-342900">
-              <a:buAutoNum type="arabicPeriod"/>
-            </a:pPr>
-            <a:r>
-              <a:rPr lang="en-US" altLang="zh-CN" dirty="0">
-                <a:solidFill>
-                  <a:schemeClr val="bg1"/>
-                </a:solidFill>
-                <a:latin typeface="Times New Roman" panose="02020603050405020304" pitchFamily="18" charset="0"/>
-                <a:cs typeface="Times New Roman" panose="02020603050405020304" pitchFamily="18" charset="0"/>
-              </a:rPr>
-              <a:t>DDM </a:t>
-            </a:r>
-            <a:r>
-              <a:rPr lang="en-US" altLang="zh-CN" i="1" dirty="0">
-                <a:solidFill>
-                  <a:schemeClr val="bg1"/>
-                </a:solidFill>
-                <a:latin typeface="Times New Roman" panose="02020603050405020304" pitchFamily="18" charset="0"/>
-                <a:cs typeface="Times New Roman" panose="02020603050405020304" pitchFamily="18" charset="0"/>
-              </a:rPr>
-              <a:t>v &amp; z</a:t>
-            </a:r>
-            <a:r>
-              <a:rPr lang="en-US" altLang="zh-CN" dirty="0">
-                <a:solidFill>
-                  <a:schemeClr val="bg1"/>
-                </a:solidFill>
-                <a:latin typeface="Times New Roman" panose="02020603050405020304" pitchFamily="18" charset="0"/>
-                <a:cs typeface="Times New Roman" panose="02020603050405020304" pitchFamily="18" charset="0"/>
-              </a:rPr>
-              <a:t>, </a:t>
-            </a:r>
-            <a:r>
-              <a:rPr lang="en-US" altLang="zh-CN" i="1" dirty="0">
-                <a:solidFill>
-                  <a:schemeClr val="bg1"/>
-                </a:solidFill>
-                <a:latin typeface="Times New Roman" panose="02020603050405020304" pitchFamily="18" charset="0"/>
-                <a:cs typeface="Times New Roman" panose="02020603050405020304" pitchFamily="18" charset="0"/>
-              </a:rPr>
-              <a:t>d</a:t>
-            </a:r>
-            <a:r>
-              <a:rPr lang="en-US" altLang="zh-CN" dirty="0">
-                <a:solidFill>
-                  <a:schemeClr val="bg1"/>
-                </a:solidFill>
-                <a:latin typeface="Times New Roman" panose="02020603050405020304" pitchFamily="18" charset="0"/>
-                <a:cs typeface="Times New Roman" panose="02020603050405020304" pitchFamily="18" charset="0"/>
-              </a:rPr>
-              <a:t> prime</a:t>
-            </a:r>
-            <a:r>
-              <a:rPr lang="zh-CN" altLang="en-US" dirty="0">
-                <a:solidFill>
-                  <a:schemeClr val="bg1"/>
-                </a:solidFill>
-                <a:latin typeface="Times New Roman" panose="02020603050405020304" pitchFamily="18" charset="0"/>
-                <a:cs typeface="Times New Roman" panose="02020603050405020304" pitchFamily="18" charset="0"/>
-              </a:rPr>
-              <a:t>和</a:t>
-            </a:r>
-            <a:r>
-              <a:rPr lang="en-US" altLang="zh-CN" dirty="0">
-                <a:solidFill>
-                  <a:schemeClr val="bg1"/>
-                </a:solidFill>
-                <a:latin typeface="Times New Roman" panose="02020603050405020304" pitchFamily="18" charset="0"/>
-                <a:cs typeface="Times New Roman" panose="02020603050405020304" pitchFamily="18" charset="0"/>
-              </a:rPr>
-              <a:t>acc</a:t>
-            </a:r>
-            <a:r>
-              <a:rPr lang="zh-CN" altLang="en-US" dirty="0">
-                <a:solidFill>
-                  <a:schemeClr val="bg1"/>
-                </a:solidFill>
-                <a:latin typeface="Times New Roman" panose="02020603050405020304" pitchFamily="18" charset="0"/>
-                <a:cs typeface="Times New Roman" panose="02020603050405020304" pitchFamily="18" charset="0"/>
-              </a:rPr>
-              <a:t>的信度较低</a:t>
-            </a:r>
+            <a:r>
+              <a:rPr lang="en-US" altLang="zh-CN" dirty="0" err="1"/>
+              <a:t>Ezddm</a:t>
+            </a:r>
+            <a:r>
+              <a:rPr lang="zh-CN" altLang="en-US" dirty="0"/>
+              <a:t>不会对</a:t>
+            </a:r>
+            <a:r>
+              <a:rPr lang="en-US" altLang="zh-CN" dirty="0"/>
+              <a:t>z</a:t>
+            </a:r>
+            <a:r>
+              <a:rPr lang="zh-CN" altLang="en-US" dirty="0"/>
+              <a:t>进行估计，而是假定</a:t>
+            </a:r>
+            <a:r>
+              <a:rPr lang="en-US" altLang="zh-CN" dirty="0"/>
+              <a:t>z</a:t>
+            </a:r>
+            <a:r>
+              <a:rPr lang="zh-CN" altLang="en-US" dirty="0"/>
+              <a:t>为</a:t>
+            </a:r>
+            <a:r>
+              <a:rPr lang="en-US" altLang="zh-CN" dirty="0"/>
+              <a:t>a/2</a:t>
+            </a:r>
+          </a:p>
+          <a:p>
+            <a:r>
+              <a:rPr lang="zh-CN" altLang="en-US" dirty="0"/>
+              <a:t>为了得到对</a:t>
+            </a:r>
+            <a:r>
+              <a:rPr lang="en-US" altLang="zh-CN" dirty="0"/>
+              <a:t>z</a:t>
+            </a:r>
+            <a:r>
+              <a:rPr lang="zh-CN" altLang="en-US" dirty="0"/>
+              <a:t>的准确估计，我们对比了</a:t>
+            </a:r>
+            <a:r>
+              <a:rPr lang="en-US" altLang="zh-CN" dirty="0"/>
+              <a:t>R</a:t>
+            </a:r>
+            <a:r>
+              <a:rPr lang="zh-CN" altLang="en-US" dirty="0"/>
+              <a:t>里各种可以计算</a:t>
+            </a:r>
+            <a:r>
+              <a:rPr lang="en-US" altLang="zh-CN" dirty="0" err="1"/>
+              <a:t>ddm</a:t>
+            </a:r>
+            <a:r>
+              <a:rPr lang="zh-CN" altLang="en-US" dirty="0"/>
+              <a:t>参数的包</a:t>
+            </a:r>
+            <a:endParaRPr lang="en-US" altLang="zh-CN" dirty="0"/>
+          </a:p>
+          <a:p>
+            <a:endParaRPr lang="en-US" altLang="zh-CN" dirty="0"/>
+          </a:p>
+          <a:p>
             <a:endParaRPr lang="zh-CN" altLang="en-US" dirty="0"/>
           </a:p>
         </p:txBody>
@@ -2118,7 +1837,7 @@
     </p:spTree>
     <p:extLst>
       <p:ext uri="{BB962C8B-B14F-4D97-AF65-F5344CB8AC3E}">
-        <p14:creationId xmlns:p14="http://schemas.microsoft.com/office/powerpoint/2010/main" val="893549417"/>
+        <p14:creationId xmlns:p14="http://schemas.microsoft.com/office/powerpoint/2010/main" val="4157747766"/>
       </p:ext>
     </p:extLst>
   </p:cSld>
@@ -2263,7 +1982,169 @@
           <a:bodyPr/>
           <a:lstStyle/>
           <a:p>
-            <a:endParaRPr lang="zh-CN" altLang="en-US" dirty="0"/>
+            <a:r>
+              <a:rPr lang="zh-CN" altLang="en-US" dirty="0"/>
+              <a:t>我们设定了</a:t>
+            </a:r>
+            <a:r>
+              <a:rPr lang="en-US" altLang="zh-CN" dirty="0"/>
+              <a:t>a = 2, t = 0.3, v = 1, z = 0.7</a:t>
+            </a:r>
+          </a:p>
+          <a:p>
+            <a:r>
+              <a:rPr lang="zh-CN" altLang="en-US" dirty="0"/>
+              <a:t>由</a:t>
+            </a:r>
+            <a:r>
+              <a:rPr lang="en-US" altLang="zh-CN" dirty="0" err="1"/>
+              <a:t>hddm</a:t>
+            </a:r>
+            <a:r>
+              <a:rPr lang="zh-CN" altLang="en-US" dirty="0"/>
+              <a:t>这个包生成了符合这四个参数的一百个，含有</a:t>
+            </a:r>
+            <a:r>
+              <a:rPr lang="en-US" altLang="zh-CN" dirty="0"/>
+              <a:t>60</a:t>
+            </a:r>
+            <a:r>
+              <a:rPr lang="zh-CN" altLang="en-US" dirty="0"/>
+              <a:t>试次的数据集</a:t>
+            </a:r>
+            <a:endParaRPr lang="en-US" altLang="zh-CN" dirty="0"/>
+          </a:p>
+          <a:p>
+            <a:r>
+              <a:rPr lang="zh-CN" altLang="en-US" dirty="0"/>
+              <a:t>然后让</a:t>
+            </a:r>
+            <a:r>
+              <a:rPr lang="en-US" altLang="zh-CN" dirty="0" err="1"/>
+              <a:t>Rwiener</a:t>
+            </a:r>
+            <a:r>
+              <a:rPr lang="zh-CN" altLang="en-US" dirty="0"/>
+              <a:t>，</a:t>
+            </a:r>
+            <a:r>
+              <a:rPr lang="en-US" altLang="zh-CN" dirty="0"/>
+              <a:t>hausekeep</a:t>
+            </a:r>
+            <a:r>
+              <a:rPr lang="zh-CN" altLang="en-US" dirty="0"/>
+              <a:t>，</a:t>
+            </a:r>
+            <a:r>
+              <a:rPr lang="en-US" altLang="zh-CN" dirty="0" err="1"/>
+              <a:t>fastDMinR</a:t>
+            </a:r>
+            <a:r>
+              <a:rPr lang="zh-CN" altLang="en-US" dirty="0"/>
+              <a:t>，这三个包，一共五种估计方法估计这四个参数</a:t>
+            </a:r>
+            <a:endParaRPr lang="en-US" altLang="zh-CN" dirty="0"/>
+          </a:p>
+          <a:p>
+            <a:r>
+              <a:rPr lang="zh-CN" altLang="en-US" dirty="0"/>
+              <a:t>从而筛选出估计最准确，耗时最低的那个包</a:t>
+            </a:r>
+            <a:endParaRPr lang="en-US" altLang="zh-CN" dirty="0"/>
+          </a:p>
+          <a:p>
+            <a:endParaRPr lang="en-US" altLang="zh-CN" dirty="0"/>
+          </a:p>
+          <a:p>
+            <a:r>
+              <a:rPr lang="zh-CN" altLang="en-US" dirty="0"/>
+              <a:t>结果是，对于</a:t>
+            </a:r>
+            <a:r>
+              <a:rPr lang="en-US" altLang="zh-CN" dirty="0"/>
+              <a:t>a</a:t>
+            </a:r>
+            <a:r>
+              <a:rPr lang="zh-CN" altLang="en-US" dirty="0"/>
+              <a:t>的估计，三个包都不太准确</a:t>
+            </a:r>
+            <a:endParaRPr lang="en-US" altLang="zh-CN" dirty="0"/>
+          </a:p>
+          <a:p>
+            <a:r>
+              <a:rPr lang="zh-CN" altLang="en-US" dirty="0"/>
+              <a:t>对于</a:t>
+            </a:r>
+            <a:r>
+              <a:rPr lang="en-US" altLang="zh-CN" dirty="0"/>
+              <a:t>t</a:t>
+            </a:r>
+            <a:r>
+              <a:rPr lang="zh-CN" altLang="en-US" dirty="0"/>
+              <a:t>的估计，</a:t>
+            </a:r>
+            <a:r>
+              <a:rPr lang="en-US" altLang="zh-CN" dirty="0"/>
+              <a:t>RW</a:t>
+            </a:r>
+            <a:r>
+              <a:rPr lang="zh-CN" altLang="en-US" dirty="0"/>
+              <a:t>最准确</a:t>
+            </a:r>
+            <a:endParaRPr lang="en-US" altLang="zh-CN" dirty="0"/>
+          </a:p>
+          <a:p>
+            <a:r>
+              <a:rPr lang="zh-CN" altLang="en-US" dirty="0"/>
+              <a:t>对于</a:t>
+            </a:r>
+            <a:r>
+              <a:rPr lang="en-US" altLang="zh-CN" dirty="0"/>
+              <a:t>v</a:t>
+            </a:r>
+            <a:r>
+              <a:rPr lang="zh-CN" altLang="en-US" dirty="0"/>
+              <a:t>的估计，</a:t>
+            </a:r>
+            <a:r>
+              <a:rPr lang="en-US" altLang="zh-CN" dirty="0"/>
+              <a:t>RW</a:t>
+            </a:r>
+            <a:r>
+              <a:rPr lang="zh-CN" altLang="en-US" dirty="0"/>
+              <a:t>最准确，</a:t>
+            </a:r>
+            <a:r>
+              <a:rPr lang="en-US" altLang="zh-CN" dirty="0"/>
+              <a:t>hausekeep</a:t>
+            </a:r>
+            <a:r>
+              <a:rPr lang="zh-CN" altLang="en-US" dirty="0"/>
+              <a:t>也不错</a:t>
+            </a:r>
+            <a:endParaRPr lang="en-US" altLang="zh-CN" dirty="0"/>
+          </a:p>
+          <a:p>
+            <a:r>
+              <a:rPr lang="zh-CN" altLang="en-US" dirty="0"/>
+              <a:t>对于</a:t>
+            </a:r>
+            <a:r>
+              <a:rPr lang="en-US" altLang="zh-CN" dirty="0"/>
+              <a:t>z</a:t>
+            </a:r>
+            <a:r>
+              <a:rPr lang="zh-CN" altLang="en-US" dirty="0"/>
+              <a:t>的估计，</a:t>
+            </a:r>
+            <a:r>
+              <a:rPr lang="en-US" altLang="zh-CN" dirty="0"/>
+              <a:t>RW</a:t>
+            </a:r>
+            <a:r>
+              <a:rPr lang="zh-CN" altLang="en-US" dirty="0"/>
+              <a:t>最准确</a:t>
+            </a:r>
           </a:p>
         </p:txBody>
       </p:sp>
@@ -2293,7 +2174,7 @@
     </p:spTree>
     <p:extLst>
       <p:ext uri="{BB962C8B-B14F-4D97-AF65-F5344CB8AC3E}">
-        <p14:creationId xmlns:p14="http://schemas.microsoft.com/office/powerpoint/2010/main" val="3456059196"/>
+        <p14:creationId xmlns:p14="http://schemas.microsoft.com/office/powerpoint/2010/main" val="3747296558"/>
       </p:ext>
     </p:extLst>
   </p:cSld>
@@ -2347,6 +2228,243 @@
           <a:bodyPr/>
           <a:lstStyle/>
           <a:p>
+            <a:pPr marL="342900" indent="-342900">
+              <a:buAutoNum type="arabicPeriod"/>
+            </a:pPr>
+            <a:r>
+              <a:rPr lang="en-US" altLang="zh-CN" dirty="0">
+                <a:solidFill>
+                  <a:schemeClr val="bg1"/>
+                </a:solidFill>
+                <a:latin typeface="Times New Roman" panose="02020603050405020304" pitchFamily="18" charset="0"/>
+                <a:cs typeface="Times New Roman" panose="02020603050405020304" pitchFamily="18" charset="0"/>
+              </a:rPr>
+              <a:t>RT</a:t>
+            </a:r>
+            <a:r>
+              <a:rPr lang="zh-CN" altLang="en-US" dirty="0">
+                <a:solidFill>
+                  <a:schemeClr val="bg1"/>
+                </a:solidFill>
+                <a:latin typeface="Times New Roman" panose="02020603050405020304" pitchFamily="18" charset="0"/>
+                <a:cs typeface="Times New Roman" panose="02020603050405020304" pitchFamily="18" charset="0"/>
+              </a:rPr>
+              <a:t>和</a:t>
+            </a:r>
+            <a:r>
+              <a:rPr lang="en-US" altLang="zh-CN" dirty="0">
+                <a:solidFill>
+                  <a:schemeClr val="bg1"/>
+                </a:solidFill>
+                <a:latin typeface="Times New Roman" panose="02020603050405020304" pitchFamily="18" charset="0"/>
+                <a:cs typeface="Times New Roman" panose="02020603050405020304" pitchFamily="18" charset="0"/>
+              </a:rPr>
+              <a:t>Eff</a:t>
+            </a:r>
+            <a:r>
+              <a:rPr lang="zh-CN" altLang="en-US" dirty="0">
+                <a:solidFill>
+                  <a:schemeClr val="bg1"/>
+                </a:solidFill>
+                <a:latin typeface="Times New Roman" panose="02020603050405020304" pitchFamily="18" charset="0"/>
+                <a:cs typeface="Times New Roman" panose="02020603050405020304" pitchFamily="18" charset="0"/>
+              </a:rPr>
+              <a:t>是所有指标里最稳定的，不论是分半信度还是重测信度</a:t>
+            </a:r>
+            <a:endParaRPr lang="en-US" altLang="zh-CN" dirty="0">
+              <a:solidFill>
+                <a:schemeClr val="bg1"/>
+              </a:solidFill>
+              <a:latin typeface="Times New Roman" panose="02020603050405020304" pitchFamily="18" charset="0"/>
+              <a:cs typeface="Times New Roman" panose="02020603050405020304" pitchFamily="18" charset="0"/>
+            </a:endParaRPr>
+          </a:p>
+          <a:p>
+            <a:pPr marL="342900" indent="-342900">
+              <a:buAutoNum type="arabicPeriod"/>
+            </a:pPr>
+            <a:r>
+              <a:rPr lang="zh-CN" altLang="en-US" dirty="0">
+                <a:solidFill>
+                  <a:schemeClr val="bg1"/>
+                </a:solidFill>
+                <a:latin typeface="Times New Roman" panose="02020603050405020304" pitchFamily="18" charset="0"/>
+                <a:cs typeface="Times New Roman" panose="02020603050405020304" pitchFamily="18" charset="0"/>
+              </a:rPr>
+              <a:t>总体而言，</a:t>
+            </a:r>
+            <a:r>
+              <a:rPr lang="en-US" altLang="zh-CN" dirty="0">
+                <a:solidFill>
+                  <a:schemeClr val="bg1"/>
+                </a:solidFill>
+                <a:latin typeface="Times New Roman" panose="02020603050405020304" pitchFamily="18" charset="0"/>
+                <a:cs typeface="Times New Roman" panose="02020603050405020304" pitchFamily="18" charset="0"/>
+              </a:rPr>
+              <a:t>SPMT</a:t>
+            </a:r>
+            <a:r>
+              <a:rPr lang="zh-CN" altLang="en-US" dirty="0">
+                <a:solidFill>
+                  <a:schemeClr val="bg1"/>
+                </a:solidFill>
+                <a:latin typeface="Times New Roman" panose="02020603050405020304" pitchFamily="18" charset="0"/>
+                <a:cs typeface="Times New Roman" panose="02020603050405020304" pitchFamily="18" charset="0"/>
+              </a:rPr>
+              <a:t>范式的信度并不高，只有</a:t>
+            </a:r>
+            <a:r>
+              <a:rPr lang="en-US" altLang="zh-CN" dirty="0">
+                <a:solidFill>
+                  <a:schemeClr val="bg1"/>
+                </a:solidFill>
+                <a:latin typeface="Times New Roman" panose="02020603050405020304" pitchFamily="18" charset="0"/>
+                <a:cs typeface="Times New Roman" panose="02020603050405020304" pitchFamily="18" charset="0"/>
+              </a:rPr>
+              <a:t>RT</a:t>
+            </a:r>
+            <a:r>
+              <a:rPr lang="zh-CN" altLang="en-US" dirty="0">
+                <a:solidFill>
+                  <a:schemeClr val="bg1"/>
+                </a:solidFill>
+                <a:latin typeface="Times New Roman" panose="02020603050405020304" pitchFamily="18" charset="0"/>
+                <a:cs typeface="Times New Roman" panose="02020603050405020304" pitchFamily="18" charset="0"/>
+              </a:rPr>
+              <a:t>的分半信度超过了</a:t>
+            </a:r>
+            <a:r>
+              <a:rPr lang="en-US" altLang="zh-CN" dirty="0">
+                <a:solidFill>
+                  <a:schemeClr val="bg1"/>
+                </a:solidFill>
+                <a:latin typeface="Times New Roman" panose="02020603050405020304" pitchFamily="18" charset="0"/>
+                <a:cs typeface="Times New Roman" panose="02020603050405020304" pitchFamily="18" charset="0"/>
+              </a:rPr>
+              <a:t>0.5</a:t>
+            </a:r>
+            <a:r>
+              <a:rPr lang="zh-CN" altLang="en-US" dirty="0">
+                <a:solidFill>
+                  <a:schemeClr val="bg1"/>
+                </a:solidFill>
+                <a:latin typeface="Times New Roman" panose="02020603050405020304" pitchFamily="18" charset="0"/>
+                <a:cs typeface="Times New Roman" panose="02020603050405020304" pitchFamily="18" charset="0"/>
+              </a:rPr>
+              <a:t>。并没有达到</a:t>
+            </a:r>
+            <a:r>
+              <a:rPr lang="en-US" altLang="zh-CN" dirty="0">
+                <a:solidFill>
+                  <a:schemeClr val="bg1"/>
+                </a:solidFill>
+                <a:latin typeface="Times New Roman" panose="02020603050405020304" pitchFamily="18" charset="0"/>
+                <a:cs typeface="Times New Roman" panose="02020603050405020304" pitchFamily="18" charset="0"/>
+              </a:rPr>
+              <a:t>0.8-0.9</a:t>
+            </a:r>
+            <a:r>
+              <a:rPr lang="zh-CN" altLang="en-US" dirty="0">
+                <a:solidFill>
+                  <a:schemeClr val="bg1"/>
+                </a:solidFill>
+                <a:latin typeface="Times New Roman" panose="02020603050405020304" pitchFamily="18" charset="0"/>
+                <a:cs typeface="Times New Roman" panose="02020603050405020304" pitchFamily="18" charset="0"/>
+              </a:rPr>
+              <a:t>的信度</a:t>
+            </a:r>
+            <a:endParaRPr lang="en-US" altLang="zh-CN" dirty="0">
+              <a:solidFill>
+                <a:schemeClr val="bg1"/>
+              </a:solidFill>
+              <a:latin typeface="Times New Roman" panose="02020603050405020304" pitchFamily="18" charset="0"/>
+              <a:cs typeface="Times New Roman" panose="02020603050405020304" pitchFamily="18" charset="0"/>
+            </a:endParaRPr>
+          </a:p>
+          <a:p>
+            <a:pPr marL="342900" indent="-342900">
+              <a:buAutoNum type="arabicPeriod"/>
+            </a:pPr>
+            <a:r>
+              <a:rPr lang="en-US" altLang="zh-CN" dirty="0">
+                <a:solidFill>
+                  <a:schemeClr val="bg1"/>
+                </a:solidFill>
+                <a:latin typeface="Times New Roman" panose="02020603050405020304" pitchFamily="18" charset="0"/>
+                <a:cs typeface="Times New Roman" panose="02020603050405020304" pitchFamily="18" charset="0"/>
+              </a:rPr>
+              <a:t>DDM </a:t>
+            </a:r>
+            <a:r>
+              <a:rPr lang="en-US" altLang="zh-CN" i="1" dirty="0">
+                <a:solidFill>
+                  <a:schemeClr val="bg1"/>
+                </a:solidFill>
+                <a:latin typeface="Times New Roman" panose="02020603050405020304" pitchFamily="18" charset="0"/>
+                <a:cs typeface="Times New Roman" panose="02020603050405020304" pitchFamily="18" charset="0"/>
+              </a:rPr>
+              <a:t>v &amp; z</a:t>
+            </a:r>
+            <a:r>
+              <a:rPr lang="en-US" altLang="zh-CN" dirty="0">
+                <a:solidFill>
+                  <a:schemeClr val="bg1"/>
+                </a:solidFill>
+                <a:latin typeface="Times New Roman" panose="02020603050405020304" pitchFamily="18" charset="0"/>
+                <a:cs typeface="Times New Roman" panose="02020603050405020304" pitchFamily="18" charset="0"/>
+              </a:rPr>
+              <a:t>, </a:t>
+            </a:r>
+            <a:r>
+              <a:rPr lang="en-US" altLang="zh-CN" i="1" dirty="0">
+                <a:solidFill>
+                  <a:schemeClr val="bg1"/>
+                </a:solidFill>
+                <a:latin typeface="Times New Roman" panose="02020603050405020304" pitchFamily="18" charset="0"/>
+                <a:cs typeface="Times New Roman" panose="02020603050405020304" pitchFamily="18" charset="0"/>
+              </a:rPr>
+              <a:t>d</a:t>
+            </a:r>
+            <a:r>
+              <a:rPr lang="en-US" altLang="zh-CN" dirty="0">
+                <a:solidFill>
+                  <a:schemeClr val="bg1"/>
+                </a:solidFill>
+                <a:latin typeface="Times New Roman" panose="02020603050405020304" pitchFamily="18" charset="0"/>
+                <a:cs typeface="Times New Roman" panose="02020603050405020304" pitchFamily="18" charset="0"/>
+              </a:rPr>
+              <a:t> prime</a:t>
+            </a:r>
+            <a:r>
+              <a:rPr lang="zh-CN" altLang="en-US" dirty="0">
+                <a:solidFill>
+                  <a:schemeClr val="bg1"/>
+                </a:solidFill>
+                <a:latin typeface="Times New Roman" panose="02020603050405020304" pitchFamily="18" charset="0"/>
+                <a:cs typeface="Times New Roman" panose="02020603050405020304" pitchFamily="18" charset="0"/>
+              </a:rPr>
+              <a:t>和</a:t>
+            </a:r>
+            <a:r>
+              <a:rPr lang="en-US" altLang="zh-CN" dirty="0">
+                <a:solidFill>
+                  <a:schemeClr val="bg1"/>
+                </a:solidFill>
+                <a:latin typeface="Times New Roman" panose="02020603050405020304" pitchFamily="18" charset="0"/>
+                <a:cs typeface="Times New Roman" panose="02020603050405020304" pitchFamily="18" charset="0"/>
+              </a:rPr>
+              <a:t>acc</a:t>
+            </a:r>
+            <a:r>
+              <a:rPr lang="zh-CN" altLang="en-US" dirty="0">
+                <a:solidFill>
+                  <a:schemeClr val="bg1"/>
+                </a:solidFill>
+                <a:latin typeface="Times New Roman" panose="02020603050405020304" pitchFamily="18" charset="0"/>
+                <a:cs typeface="Times New Roman" panose="02020603050405020304" pitchFamily="18" charset="0"/>
+              </a:rPr>
+              <a:t>的信度较低</a:t>
+            </a:r>
             <a:endParaRPr lang="zh-CN" altLang="en-US" dirty="0"/>
           </a:p>
         </p:txBody>
@@ -2377,7 +2495,7 @@
     </p:spTree>
     <p:extLst>
       <p:ext uri="{BB962C8B-B14F-4D97-AF65-F5344CB8AC3E}">
-        <p14:creationId xmlns:p14="http://schemas.microsoft.com/office/powerpoint/2010/main" val="2593473214"/>
+        <p14:creationId xmlns:p14="http://schemas.microsoft.com/office/powerpoint/2010/main" val="893549417"/>
       </p:ext>
     </p:extLst>
   </p:cSld>
@@ -2461,7 +2579,7 @@
     </p:spTree>
     <p:extLst>
       <p:ext uri="{BB962C8B-B14F-4D97-AF65-F5344CB8AC3E}">
-        <p14:creationId xmlns:p14="http://schemas.microsoft.com/office/powerpoint/2010/main" val="4105319493"/>
+        <p14:creationId xmlns:p14="http://schemas.microsoft.com/office/powerpoint/2010/main" val="3456059196"/>
       </p:ext>
     </p:extLst>
   </p:cSld>
@@ -2545,7 +2663,7 @@
     </p:spTree>
     <p:extLst>
       <p:ext uri="{BB962C8B-B14F-4D97-AF65-F5344CB8AC3E}">
-        <p14:creationId xmlns:p14="http://schemas.microsoft.com/office/powerpoint/2010/main" val="2443528291"/>
+        <p14:creationId xmlns:p14="http://schemas.microsoft.com/office/powerpoint/2010/main" val="2593473214"/>
       </p:ext>
     </p:extLst>
   </p:cSld>
@@ -2629,7 +2747,7 @@
     </p:spTree>
     <p:extLst>
       <p:ext uri="{BB962C8B-B14F-4D97-AF65-F5344CB8AC3E}">
-        <p14:creationId xmlns:p14="http://schemas.microsoft.com/office/powerpoint/2010/main" val="1233858719"/>
+        <p14:creationId xmlns:p14="http://schemas.microsoft.com/office/powerpoint/2010/main" val="4105319493"/>
       </p:ext>
     </p:extLst>
   </p:cSld>
@@ -2683,6 +2801,106 @@
           <a:bodyPr/>
           <a:lstStyle/>
           <a:p>
+            <a:r>
+              <a:rPr lang="en-US" altLang="zh-CN" dirty="0"/>
+              <a:t>Papers </a:t>
+            </a:r>
+            <a:r>
+              <a:rPr lang="zh-CN" altLang="en-US" dirty="0"/>
+              <a:t>最开始文章中的引用文献的</a:t>
+            </a:r>
+            <a:r>
+              <a:rPr lang="en-US" altLang="zh-CN" dirty="0"/>
+              <a:t>pdf</a:t>
+            </a:r>
+            <a:r>
+              <a:rPr lang="zh-CN" altLang="en-US" dirty="0"/>
+              <a:t>。当时还不知道</a:t>
+            </a:r>
+            <a:r>
+              <a:rPr lang="en-US" altLang="zh-CN" dirty="0"/>
+              <a:t>endnote</a:t>
+            </a:r>
+            <a:r>
+              <a:rPr lang="zh-CN" altLang="en-US" dirty="0"/>
+              <a:t>文件，每次都把</a:t>
+            </a:r>
+            <a:r>
+              <a:rPr lang="en-US" altLang="zh-CN" dirty="0"/>
+              <a:t>pdf</a:t>
+            </a:r>
+            <a:r>
+              <a:rPr lang="zh-CN" altLang="en-US" dirty="0"/>
+              <a:t>下载下来了</a:t>
+            </a:r>
+            <a:endParaRPr lang="en-US" altLang="zh-CN" dirty="0"/>
+          </a:p>
+          <a:p>
+            <a:r>
+              <a:rPr lang="en-US" altLang="zh-CN" dirty="0" err="1"/>
+              <a:t>Opendata</a:t>
+            </a:r>
+            <a:r>
+              <a:rPr lang="en-US" altLang="zh-CN" dirty="0"/>
+              <a:t> paper</a:t>
+            </a:r>
+            <a:r>
+              <a:rPr lang="zh-CN" altLang="en-US" dirty="0"/>
+              <a:t>，有公开数据的文章</a:t>
+            </a:r>
+            <a:endParaRPr lang="en-US" altLang="zh-CN" dirty="0"/>
+          </a:p>
+          <a:p>
+            <a:r>
+              <a:rPr lang="en-US" altLang="zh-CN" dirty="0"/>
+              <a:t>New added</a:t>
+            </a:r>
+            <a:r>
+              <a:rPr lang="zh-CN" altLang="en-US" dirty="0"/>
+              <a:t>，</a:t>
+            </a:r>
+            <a:r>
+              <a:rPr lang="en-US" altLang="zh-CN" dirty="0"/>
+              <a:t>cp</a:t>
+            </a:r>
+            <a:r>
+              <a:rPr lang="zh-CN" altLang="en-US" dirty="0"/>
+              <a:t>让我读的文章</a:t>
+            </a:r>
+            <a:endParaRPr lang="en-US" altLang="zh-CN" dirty="0"/>
+          </a:p>
+          <a:p>
+            <a:endParaRPr lang="en-US" altLang="zh-CN" dirty="0"/>
+          </a:p>
+          <a:p>
+            <a:r>
+              <a:rPr lang="en-US" altLang="zh-CN" dirty="0" err="1"/>
+              <a:t>Enl</a:t>
+            </a:r>
+            <a:r>
+              <a:rPr lang="zh-CN" altLang="en-US" dirty="0"/>
+              <a:t>文章，用于</a:t>
+            </a:r>
+            <a:r>
+              <a:rPr lang="en-US" altLang="zh-CN" dirty="0"/>
+              <a:t>endnote</a:t>
+            </a:r>
+            <a:r>
+              <a:rPr lang="zh-CN" altLang="en-US" dirty="0"/>
+              <a:t>插入</a:t>
+            </a:r>
+            <a:r>
+              <a:rPr lang="en-US" altLang="zh-CN" dirty="0"/>
+              <a:t>word</a:t>
+            </a:r>
+            <a:r>
+              <a:rPr lang="zh-CN" altLang="en-US" dirty="0"/>
+              <a:t>。一般没有</a:t>
+            </a:r>
+            <a:r>
+              <a:rPr lang="en-US" altLang="zh-CN" dirty="0"/>
+              <a:t>pdf</a:t>
+            </a:r>
             <a:endParaRPr lang="zh-CN" altLang="en-US" dirty="0"/>
           </a:p>
         </p:txBody>
@@ -2713,7 +2931,7 @@
     </p:spTree>
     <p:extLst>
       <p:ext uri="{BB962C8B-B14F-4D97-AF65-F5344CB8AC3E}">
-        <p14:creationId xmlns:p14="http://schemas.microsoft.com/office/powerpoint/2010/main" val="3532278380"/>
+        <p14:creationId xmlns:p14="http://schemas.microsoft.com/office/powerpoint/2010/main" val="2443528291"/>
       </p:ext>
     </p:extLst>
   </p:cSld>
@@ -2797,7 +3015,7 @@
     </p:spTree>
     <p:extLst>
       <p:ext uri="{BB962C8B-B14F-4D97-AF65-F5344CB8AC3E}">
-        <p14:creationId xmlns:p14="http://schemas.microsoft.com/office/powerpoint/2010/main" val="196585163"/>
+        <p14:creationId xmlns:p14="http://schemas.microsoft.com/office/powerpoint/2010/main" val="1233858719"/>
       </p:ext>
     </p:extLst>
   </p:cSld>
@@ -2881,7 +3099,7 @@
     </p:spTree>
     <p:extLst>
       <p:ext uri="{BB962C8B-B14F-4D97-AF65-F5344CB8AC3E}">
-        <p14:creationId xmlns:p14="http://schemas.microsoft.com/office/powerpoint/2010/main" val="2193257469"/>
+        <p14:creationId xmlns:p14="http://schemas.microsoft.com/office/powerpoint/2010/main" val="3532278380"/>
       </p:ext>
     </p:extLst>
   </p:cSld>
@@ -2965,7 +3183,7 @@
     </p:spTree>
     <p:extLst>
       <p:ext uri="{BB962C8B-B14F-4D97-AF65-F5344CB8AC3E}">
-        <p14:creationId xmlns:p14="http://schemas.microsoft.com/office/powerpoint/2010/main" val="3472030473"/>
+        <p14:creationId xmlns:p14="http://schemas.microsoft.com/office/powerpoint/2010/main" val="196585163"/>
       </p:ext>
     </p:extLst>
   </p:cSld>
@@ -3049,7 +3267,7 @@
     </p:spTree>
     <p:extLst>
       <p:ext uri="{BB962C8B-B14F-4D97-AF65-F5344CB8AC3E}">
-        <p14:creationId xmlns:p14="http://schemas.microsoft.com/office/powerpoint/2010/main" val="1793417570"/>
+        <p14:creationId xmlns:p14="http://schemas.microsoft.com/office/powerpoint/2010/main" val="2193257469"/>
       </p:ext>
     </p:extLst>
   </p:cSld>
@@ -3223,6 +3441,174 @@
             <a:fld id="{6697E87D-5A90-4B20-A821-667C0F792DA9}" type="slidenum">
               <a:rPr lang="zh-CN" altLang="en-US" smtClean="0"/>
               <a:t>41</a:t>
+            </a:fld>
+            <a:endParaRPr lang="zh-CN" altLang="en-US"/>
+          </a:p>
+        </p:txBody>
+      </p:sp>
+    </p:spTree>
+    <p:extLst>
+      <p:ext uri="{BB962C8B-B14F-4D97-AF65-F5344CB8AC3E}">
+        <p14:creationId xmlns:p14="http://schemas.microsoft.com/office/powerpoint/2010/main" val="3472030473"/>
+      </p:ext>
+    </p:extLst>
+  </p:cSld>
+  <p:clrMapOvr>
+    <a:masterClrMapping/>
+  </p:clrMapOvr>
+</p:notes>
+</file>
+
+<file path=ppt/notesSlides/notesSlide31.xml><?xml version="1.0" encoding="utf-8"?>
+<p:notes xmlns:a="http://schemas.openxmlformats.org/drawingml/2006/main" xmlns:r="http://schemas.openxmlformats.org/officeDocument/2006/relationships" xmlns:p="http://schemas.openxmlformats.org/presentationml/2006/main">
+  <p:cSld>
+    <p:spTree>
+      <p:nvGrpSpPr>
+        <p:cNvPr id="1" name=""/>
+        <p:cNvGrpSpPr/>
+        <p:nvPr/>
+      </p:nvGrpSpPr>
+      <p:grpSpPr>
+        <a:xfrm>
+          <a:off x="0" y="0"/>
+          <a:ext cx="0" cy="0"/>
+          <a:chOff x="0" y="0"/>
+          <a:chExt cx="0" cy="0"/>
+        </a:xfrm>
+      </p:grpSpPr>
+      <p:sp>
+        <p:nvSpPr>
+          <p:cNvPr id="2" name="幻灯片图像占位符 1"/>
+          <p:cNvSpPr>
+            <a:spLocks noGrp="1" noRot="1" noChangeAspect="1"/>
+          </p:cNvSpPr>
+          <p:nvPr>
+            <p:ph type="sldImg"/>
+          </p:nvPr>
+        </p:nvSpPr>
+        <p:spPr/>
+      </p:sp>
+      <p:sp>
+        <p:nvSpPr>
+          <p:cNvPr id="3" name="备注占位符 2"/>
+          <p:cNvSpPr>
+            <a:spLocks noGrp="1"/>
+          </p:cNvSpPr>
+          <p:nvPr>
+            <p:ph type="body" idx="1"/>
+          </p:nvPr>
+        </p:nvSpPr>
+        <p:spPr/>
+        <p:txBody>
+          <a:bodyPr/>
+          <a:lstStyle/>
+          <a:p>
+            <a:endParaRPr lang="zh-CN" altLang="en-US" dirty="0"/>
+          </a:p>
+        </p:txBody>
+      </p:sp>
+      <p:sp>
+        <p:nvSpPr>
+          <p:cNvPr id="4" name="灯片编号占位符 3"/>
+          <p:cNvSpPr>
+            <a:spLocks noGrp="1"/>
+          </p:cNvSpPr>
+          <p:nvPr>
+            <p:ph type="sldNum" sz="quarter" idx="5"/>
+          </p:nvPr>
+        </p:nvSpPr>
+        <p:spPr/>
+        <p:txBody>
+          <a:bodyPr/>
+          <a:lstStyle/>
+          <a:p>
+            <a:fld id="{6697E87D-5A90-4B20-A821-667C0F792DA9}" type="slidenum">
+              <a:rPr lang="zh-CN" altLang="en-US" smtClean="0"/>
+              <a:t>42</a:t>
+            </a:fld>
+            <a:endParaRPr lang="zh-CN" altLang="en-US"/>
+          </a:p>
+        </p:txBody>
+      </p:sp>
+    </p:spTree>
+    <p:extLst>
+      <p:ext uri="{BB962C8B-B14F-4D97-AF65-F5344CB8AC3E}">
+        <p14:creationId xmlns:p14="http://schemas.microsoft.com/office/powerpoint/2010/main" val="1793417570"/>
+      </p:ext>
+    </p:extLst>
+  </p:cSld>
+  <p:clrMapOvr>
+    <a:masterClrMapping/>
+  </p:clrMapOvr>
+</p:notes>
+</file>
+
+<file path=ppt/notesSlides/notesSlide32.xml><?xml version="1.0" encoding="utf-8"?>
+<p:notes xmlns:a="http://schemas.openxmlformats.org/drawingml/2006/main" xmlns:r="http://schemas.openxmlformats.org/officeDocument/2006/relationships" xmlns:p="http://schemas.openxmlformats.org/presentationml/2006/main">
+  <p:cSld>
+    <p:spTree>
+      <p:nvGrpSpPr>
+        <p:cNvPr id="1" name=""/>
+        <p:cNvGrpSpPr/>
+        <p:nvPr/>
+      </p:nvGrpSpPr>
+      <p:grpSpPr>
+        <a:xfrm>
+          <a:off x="0" y="0"/>
+          <a:ext cx="0" cy="0"/>
+          <a:chOff x="0" y="0"/>
+          <a:chExt cx="0" cy="0"/>
+        </a:xfrm>
+      </p:grpSpPr>
+      <p:sp>
+        <p:nvSpPr>
+          <p:cNvPr id="2" name="幻灯片图像占位符 1"/>
+          <p:cNvSpPr>
+            <a:spLocks noGrp="1" noRot="1" noChangeAspect="1"/>
+          </p:cNvSpPr>
+          <p:nvPr>
+            <p:ph type="sldImg"/>
+          </p:nvPr>
+        </p:nvSpPr>
+        <p:spPr/>
+      </p:sp>
+      <p:sp>
+        <p:nvSpPr>
+          <p:cNvPr id="3" name="备注占位符 2"/>
+          <p:cNvSpPr>
+            <a:spLocks noGrp="1"/>
+          </p:cNvSpPr>
+          <p:nvPr>
+            <p:ph type="body" idx="1"/>
+          </p:nvPr>
+        </p:nvSpPr>
+        <p:spPr/>
+        <p:txBody>
+          <a:bodyPr/>
+          <a:lstStyle/>
+          <a:p>
+            <a:endParaRPr lang="zh-CN" altLang="en-US" dirty="0"/>
+          </a:p>
+        </p:txBody>
+      </p:sp>
+      <p:sp>
+        <p:nvSpPr>
+          <p:cNvPr id="4" name="灯片编号占位符 3"/>
+          <p:cNvSpPr>
+            <a:spLocks noGrp="1"/>
+          </p:cNvSpPr>
+          <p:nvPr>
+            <p:ph type="sldNum" sz="quarter" idx="5"/>
+          </p:nvPr>
+        </p:nvSpPr>
+        <p:spPr/>
+        <p:txBody>
+          <a:bodyPr/>
+          <a:lstStyle/>
+          <a:p>
+            <a:fld id="{6697E87D-5A90-4B20-A821-667C0F792DA9}" type="slidenum">
+              <a:rPr lang="zh-CN" altLang="en-US" smtClean="0"/>
+              <a:t>43</a:t>
             </a:fld>
             <a:endParaRPr lang="zh-CN" altLang="en-US"/>
           </a:p>
@@ -4136,7 +4522,7 @@
             <a:fld id="{81B8F32D-D8B6-4B9E-9CBF-DCAC30B7B93D}" type="datetimeFigureOut">
               <a:rPr lang="en-US" smtClean="0"/>
               <a:pPr/>
-              <a:t>7/6/2023</a:t>
+              <a:t>7/7/2023</a:t>
             </a:fld>
             <a:endParaRPr lang="en-US" dirty="0"/>
           </a:p>
@@ -4336,7 +4722,7 @@
             <a:fld id="{81B8F32D-D8B6-4B9E-9CBF-DCAC30B7B93D}" type="datetimeFigureOut">
               <a:rPr lang="en-US" smtClean="0"/>
               <a:pPr/>
-              <a:t>7/6/2023</a:t>
+              <a:t>7/7/2023</a:t>
             </a:fld>
             <a:endParaRPr lang="en-US" dirty="0"/>
           </a:p>
@@ -4546,7 +4932,7 @@
             <a:fld id="{81B8F32D-D8B6-4B9E-9CBF-DCAC30B7B93D}" type="datetimeFigureOut">
               <a:rPr lang="en-US" smtClean="0"/>
               <a:pPr/>
-              <a:t>7/6/2023</a:t>
+              <a:t>7/7/2023</a:t>
             </a:fld>
             <a:endParaRPr lang="en-US" dirty="0"/>
           </a:p>
@@ -4746,7 +5132,7 @@
             <a:fld id="{81B8F32D-D8B6-4B9E-9CBF-DCAC30B7B93D}" type="datetimeFigureOut">
               <a:rPr lang="en-US" smtClean="0"/>
               <a:pPr/>
-              <a:t>7/6/2023</a:t>
+              <a:t>7/7/2023</a:t>
             </a:fld>
             <a:endParaRPr lang="en-US" dirty="0"/>
           </a:p>
@@ -5023,7 +5409,7 @@
             <a:fld id="{81B8F32D-D8B6-4B9E-9CBF-DCAC30B7B93D}" type="datetimeFigureOut">
               <a:rPr lang="en-US" smtClean="0"/>
               <a:pPr/>
-              <a:t>7/6/2023</a:t>
+              <a:t>7/7/2023</a:t>
             </a:fld>
             <a:endParaRPr lang="en-US" dirty="0"/>
           </a:p>
@@ -5290,7 +5676,7 @@
             <a:fld id="{81B8F32D-D8B6-4B9E-9CBF-DCAC30B7B93D}" type="datetimeFigureOut">
               <a:rPr lang="en-US" smtClean="0"/>
               <a:pPr/>
-              <a:t>7/6/2023</a:t>
+              <a:t>7/7/2023</a:t>
             </a:fld>
             <a:endParaRPr lang="en-US" dirty="0"/>
           </a:p>
@@ -5704,7 +6090,7 @@
             <a:fld id="{81B8F32D-D8B6-4B9E-9CBF-DCAC30B7B93D}" type="datetimeFigureOut">
               <a:rPr lang="en-US" smtClean="0"/>
               <a:pPr/>
-              <a:t>7/6/2023</a:t>
+              <a:t>7/7/2023</a:t>
             </a:fld>
             <a:endParaRPr lang="en-US" dirty="0"/>
           </a:p>
@@ -5847,7 +6233,7 @@
             <a:fld id="{81B8F32D-D8B6-4B9E-9CBF-DCAC30B7B93D}" type="datetimeFigureOut">
               <a:rPr lang="en-US" smtClean="0"/>
               <a:pPr/>
-              <a:t>7/6/2023</a:t>
+              <a:t>7/7/2023</a:t>
             </a:fld>
             <a:endParaRPr lang="en-US" dirty="0"/>
           </a:p>
@@ -5962,7 +6348,7 @@
             <a:fld id="{81B8F32D-D8B6-4B9E-9CBF-DCAC30B7B93D}" type="datetimeFigureOut">
               <a:rPr lang="en-US" smtClean="0"/>
               <a:pPr/>
-              <a:t>7/6/2023</a:t>
+              <a:t>7/7/2023</a:t>
             </a:fld>
             <a:endParaRPr lang="en-US" dirty="0"/>
           </a:p>
@@ -6275,7 +6661,7 @@
             <a:fld id="{81B8F32D-D8B6-4B9E-9CBF-DCAC30B7B93D}" type="datetimeFigureOut">
               <a:rPr lang="en-US" smtClean="0"/>
               <a:pPr/>
-              <a:t>7/6/2023</a:t>
+              <a:t>7/7/2023</a:t>
             </a:fld>
             <a:endParaRPr lang="en-US" dirty="0"/>
           </a:p>
@@ -6565,7 +6951,7 @@
             <a:fld id="{81B8F32D-D8B6-4B9E-9CBF-DCAC30B7B93D}" type="datetimeFigureOut">
               <a:rPr lang="en-US" smtClean="0"/>
               <a:pPr/>
-              <a:t>7/6/2023</a:t>
+              <a:t>7/7/2023</a:t>
             </a:fld>
             <a:endParaRPr lang="en-US" dirty="0"/>
           </a:p>
@@ -6811,7 +7197,7 @@
             <a:fld id="{81B8F32D-D8B6-4B9E-9CBF-DCAC30B7B93D}" type="datetimeFigureOut">
               <a:rPr lang="en-US" smtClean="0"/>
               <a:pPr/>
-              <a:t>7/6/2023</a:t>
+              <a:t>7/7/2023</a:t>
             </a:fld>
             <a:endParaRPr lang="en-US" dirty="0"/>
           </a:p>
@@ -21213,6 +21599,551 @@
           <a:chExt cx="0" cy="0"/>
         </a:xfrm>
       </p:grpSpPr>
+      <p:pic>
+        <p:nvPicPr>
+          <p:cNvPr id="4" name="图片 3">
+            <a:extLst>
+              <a:ext uri="{FF2B5EF4-FFF2-40B4-BE49-F238E27FC236}">
+                <a16:creationId xmlns:a16="http://schemas.microsoft.com/office/drawing/2014/main" id="{A47A6E53-F1B1-9D07-B93A-1A86D948C377}"/>
+              </a:ext>
+            </a:extLst>
+          </p:cNvPr>
+          <p:cNvPicPr>
+            <a:picLocks noChangeAspect="1"/>
+          </p:cNvPicPr>
+          <p:nvPr/>
+        </p:nvPicPr>
+        <p:blipFill>
+          <a:blip r:embed="rId3">
+            <a:extLst>
+              <a:ext uri="{28A0092B-C50C-407E-A947-70E740481C1C}">
+                <a14:useLocalDpi xmlns:a14="http://schemas.microsoft.com/office/drawing/2010/main" val="0"/>
+              </a:ext>
+            </a:extLst>
+          </a:blip>
+          <a:srcRect/>
+          <a:stretch/>
+        </p:blipFill>
+        <p:spPr>
+          <a:xfrm>
+            <a:off x="1482480" y="726268"/>
+            <a:ext cx="3588240" cy="4784320"/>
+          </a:xfrm>
+          <a:prstGeom prst="rect">
+            <a:avLst/>
+          </a:prstGeom>
+        </p:spPr>
+      </p:pic>
+      <p:sp>
+        <p:nvSpPr>
+          <p:cNvPr id="6" name="矩形 5">
+            <a:extLst>
+              <a:ext uri="{FF2B5EF4-FFF2-40B4-BE49-F238E27FC236}">
+                <a16:creationId xmlns:a16="http://schemas.microsoft.com/office/drawing/2014/main" id="{D89A1788-3DCA-5E59-1C6D-272D6AB1F2D3}"/>
+              </a:ext>
+            </a:extLst>
+          </p:cNvPr>
+          <p:cNvSpPr/>
+          <p:nvPr/>
+        </p:nvSpPr>
+        <p:spPr>
+          <a:xfrm>
+            <a:off x="6523682" y="0"/>
+            <a:ext cx="2620318" cy="5714995"/>
+          </a:xfrm>
+          <a:prstGeom prst="rect">
+            <a:avLst/>
+          </a:prstGeom>
+          <a:solidFill>
+            <a:schemeClr val="tx1"/>
+          </a:solidFill>
+          <a:ln w="38100">
+            <a:noFill/>
+          </a:ln>
+        </p:spPr>
+        <p:style>
+          <a:lnRef idx="2">
+            <a:schemeClr val="accent1">
+              <a:shade val="50000"/>
+            </a:schemeClr>
+          </a:lnRef>
+          <a:fillRef idx="1">
+            <a:schemeClr val="accent1"/>
+          </a:fillRef>
+          <a:effectRef idx="0">
+            <a:schemeClr val="accent1"/>
+          </a:effectRef>
+          <a:fontRef idx="minor">
+            <a:schemeClr val="lt1"/>
+          </a:fontRef>
+        </p:style>
+        <p:txBody>
+          <a:bodyPr rtlCol="0" anchor="t"/>
+          <a:lstStyle/>
+          <a:p>
+            <a:pPr algn="ctr"/>
+            <a:endParaRPr lang="en-US" altLang="zh-CN" sz="4050" i="1" dirty="0">
+              <a:latin typeface="Times New Roman" panose="02020603050405020304" pitchFamily="18" charset="0"/>
+              <a:cs typeface="Times New Roman" panose="02020603050405020304" pitchFamily="18" charset="0"/>
+            </a:endParaRPr>
+          </a:p>
+          <a:p>
+            <a:pPr algn="ctr"/>
+            <a:r>
+              <a:rPr lang="en-US" altLang="zh-CN" sz="4400" b="1" cap="none" spc="0" dirty="0">
+                <a:ln>
+                  <a:solidFill>
+                    <a:srgbClr val="FAF1B4"/>
+                  </a:solidFill>
+                </a:ln>
+                <a:solidFill>
+                  <a:srgbClr val="FAF1B4"/>
+                </a:solidFill>
+                <a:effectLst>
+                  <a:reflection blurRad="6350" stA="55000" endA="300" endPos="45500" dir="5400000" sy="-100000" algn="bl" rotWithShape="0"/>
+                </a:effectLst>
+                <a:latin typeface="Times New Roman" panose="02020603050405020304" pitchFamily="18" charset="0"/>
+                <a:cs typeface="Times New Roman" panose="02020603050405020304" pitchFamily="18" charset="0"/>
+              </a:rPr>
+              <a:t>R</a:t>
+            </a:r>
+            <a:r>
+              <a:rPr lang="en-US" altLang="zh-CN" sz="4050" dirty="0">
+                <a:latin typeface="Times New Roman" panose="02020603050405020304" pitchFamily="18" charset="0"/>
+                <a:cs typeface="Times New Roman" panose="02020603050405020304" pitchFamily="18" charset="0"/>
+              </a:rPr>
+              <a:t> </a:t>
+            </a:r>
+            <a:r>
+              <a:rPr lang="en-US" altLang="zh-CN" sz="3000" dirty="0">
+                <a:latin typeface="Times New Roman" panose="02020603050405020304" pitchFamily="18" charset="0"/>
+                <a:cs typeface="Times New Roman" panose="02020603050405020304" pitchFamily="18" charset="0"/>
+              </a:rPr>
+              <a:t>of</a:t>
+            </a:r>
+            <a:r>
+              <a:rPr lang="en-US" altLang="zh-CN" sz="4050" dirty="0">
+                <a:latin typeface="Times New Roman" panose="02020603050405020304" pitchFamily="18" charset="0"/>
+                <a:cs typeface="Times New Roman" panose="02020603050405020304" pitchFamily="18" charset="0"/>
+              </a:rPr>
+              <a:t> </a:t>
+            </a:r>
+            <a:r>
+              <a:rPr lang="en-US" altLang="zh-TW" sz="4050" dirty="0">
+                <a:latin typeface="Times New Roman" panose="02020603050405020304" pitchFamily="18" charset="0"/>
+                <a:cs typeface="Times New Roman" panose="02020603050405020304" pitchFamily="18" charset="0"/>
+              </a:rPr>
+              <a:t>SPMT</a:t>
+            </a:r>
+          </a:p>
+        </p:txBody>
+      </p:sp>
+      <p:grpSp>
+        <p:nvGrpSpPr>
+          <p:cNvPr id="17" name="组合 16">
+            <a:extLst>
+              <a:ext uri="{FF2B5EF4-FFF2-40B4-BE49-F238E27FC236}">
+                <a16:creationId xmlns:a16="http://schemas.microsoft.com/office/drawing/2014/main" id="{B0C039CE-E35B-FB20-4F6F-73AF29F5EC82}"/>
+              </a:ext>
+            </a:extLst>
+          </p:cNvPr>
+          <p:cNvGrpSpPr/>
+          <p:nvPr/>
+        </p:nvGrpSpPr>
+        <p:grpSpPr>
+          <a:xfrm>
+            <a:off x="8023252" y="5229633"/>
+            <a:ext cx="1057142" cy="414474"/>
+            <a:chOff x="10502095" y="6069536"/>
+            <a:chExt cx="1409523" cy="552632"/>
+          </a:xfrm>
+        </p:grpSpPr>
+        <p:pic>
+          <p:nvPicPr>
+            <p:cNvPr id="10" name="图片 9" descr="图片包含 背景图案&#10;&#10;描述已自动生成">
+              <a:extLst>
+                <a:ext uri="{FF2B5EF4-FFF2-40B4-BE49-F238E27FC236}">
+                  <a16:creationId xmlns:a16="http://schemas.microsoft.com/office/drawing/2014/main" id="{630E8096-9BAE-771C-F26B-5E769FE2760E}"/>
+                </a:ext>
+              </a:extLst>
+            </p:cNvPr>
+            <p:cNvPicPr>
+              <a:picLocks noChangeAspect="1"/>
+            </p:cNvPicPr>
+            <p:nvPr/>
+          </p:nvPicPr>
+          <p:blipFill>
+            <a:blip r:embed="rId4">
+              <a:extLst>
+                <a:ext uri="{28A0092B-C50C-407E-A947-70E740481C1C}">
+                  <a14:useLocalDpi xmlns:a14="http://schemas.microsoft.com/office/drawing/2010/main" val="0"/>
+                </a:ext>
+              </a:extLst>
+            </a:blip>
+            <a:stretch>
+              <a:fillRect/>
+            </a:stretch>
+          </p:blipFill>
+          <p:spPr>
+            <a:xfrm>
+              <a:off x="11427454" y="6069536"/>
+              <a:ext cx="484164" cy="552632"/>
+            </a:xfrm>
+            <a:prstGeom prst="rect">
+              <a:avLst/>
+            </a:prstGeom>
+          </p:spPr>
+        </p:pic>
+        <p:sp>
+          <p:nvSpPr>
+            <p:cNvPr id="16" name="文本框 15">
+              <a:extLst>
+                <a:ext uri="{FF2B5EF4-FFF2-40B4-BE49-F238E27FC236}">
+                  <a16:creationId xmlns:a16="http://schemas.microsoft.com/office/drawing/2014/main" id="{790C7AEC-1C60-148D-F56E-026682E2E6F2}"/>
+                </a:ext>
+              </a:extLst>
+            </p:cNvPr>
+            <p:cNvSpPr txBox="1"/>
+            <p:nvPr/>
+          </p:nvSpPr>
+          <p:spPr>
+            <a:xfrm>
+              <a:off x="10502095" y="6183287"/>
+              <a:ext cx="925359" cy="339153"/>
+            </a:xfrm>
+            <a:prstGeom prst="rect">
+              <a:avLst/>
+            </a:prstGeom>
+            <a:noFill/>
+          </p:spPr>
+          <p:txBody>
+            <a:bodyPr wrap="square" rtlCol="0">
+              <a:spAutoFit/>
+            </a:bodyPr>
+            <a:lstStyle/>
+            <a:p>
+              <a:r>
+                <a:rPr lang="en-US" altLang="zh-CN" sz="1053" dirty="0">
+                  <a:solidFill>
+                    <a:schemeClr val="bg1"/>
+                  </a:solidFill>
+                  <a:latin typeface="Times New Roman" panose="02020603050405020304" pitchFamily="18" charset="0"/>
+                  <a:cs typeface="Times New Roman" panose="02020603050405020304" pitchFamily="18" charset="0"/>
+                </a:rPr>
+                <a:t>by YuKi</a:t>
+              </a:r>
+              <a:endParaRPr lang="zh-CN" altLang="en-US" sz="1053" dirty="0">
+                <a:solidFill>
+                  <a:schemeClr val="bg1"/>
+                </a:solidFill>
+                <a:latin typeface="Times New Roman" panose="02020603050405020304" pitchFamily="18" charset="0"/>
+                <a:cs typeface="Times New Roman" panose="02020603050405020304" pitchFamily="18" charset="0"/>
+              </a:endParaRPr>
+            </a:p>
+          </p:txBody>
+        </p:sp>
+      </p:grpSp>
+      <p:sp>
+        <p:nvSpPr>
+          <p:cNvPr id="3" name="矩形 2">
+            <a:extLst>
+              <a:ext uri="{FF2B5EF4-FFF2-40B4-BE49-F238E27FC236}">
+                <a16:creationId xmlns:a16="http://schemas.microsoft.com/office/drawing/2014/main" id="{C6B03883-6ED4-84CA-8282-B8EC86CE999A}"/>
+              </a:ext>
+            </a:extLst>
+          </p:cNvPr>
+          <p:cNvSpPr/>
+          <p:nvPr/>
+        </p:nvSpPr>
+        <p:spPr>
+          <a:xfrm>
+            <a:off x="-2" y="0"/>
+            <a:ext cx="3276602" cy="653131"/>
+          </a:xfrm>
+          <a:prstGeom prst="rect">
+            <a:avLst/>
+          </a:prstGeom>
+          <a:solidFill>
+            <a:schemeClr val="tx1"/>
+          </a:solidFill>
+          <a:ln>
+            <a:noFill/>
+          </a:ln>
+        </p:spPr>
+        <p:style>
+          <a:lnRef idx="2">
+            <a:schemeClr val="accent1">
+              <a:shade val="50000"/>
+            </a:schemeClr>
+          </a:lnRef>
+          <a:fillRef idx="1">
+            <a:schemeClr val="accent1"/>
+          </a:fillRef>
+          <a:effectRef idx="0">
+            <a:schemeClr val="accent1"/>
+          </a:effectRef>
+          <a:fontRef idx="minor">
+            <a:schemeClr val="lt1"/>
+          </a:fontRef>
+        </p:style>
+        <p:txBody>
+          <a:bodyPr rtlCol="0" anchor="ctr"/>
+          <a:lstStyle/>
+          <a:p>
+            <a:r>
+              <a:rPr lang="en-US" altLang="zh-CN" sz="4000" dirty="0">
+                <a:solidFill>
+                  <a:schemeClr val="bg1"/>
+                </a:solidFill>
+                <a:latin typeface="Times New Roman" panose="02020603050405020304" pitchFamily="18" charset="0"/>
+                <a:cs typeface="Times New Roman" panose="02020603050405020304" pitchFamily="18" charset="0"/>
+              </a:rPr>
+              <a:t>Result</a:t>
+            </a:r>
+            <a:endParaRPr lang="zh-CN" altLang="en-US" sz="4000" dirty="0">
+              <a:solidFill>
+                <a:schemeClr val="bg1"/>
+              </a:solidFill>
+              <a:latin typeface="Times New Roman" panose="02020603050405020304" pitchFamily="18" charset="0"/>
+              <a:cs typeface="Times New Roman" panose="02020603050405020304" pitchFamily="18" charset="0"/>
+            </a:endParaRPr>
+          </a:p>
+        </p:txBody>
+      </p:sp>
+      <p:sp>
+        <p:nvSpPr>
+          <p:cNvPr id="5" name="矩形 4">
+            <a:extLst>
+              <a:ext uri="{FF2B5EF4-FFF2-40B4-BE49-F238E27FC236}">
+                <a16:creationId xmlns:a16="http://schemas.microsoft.com/office/drawing/2014/main" id="{FE461C21-1DA5-1EEF-40F5-6F8AD5899BAF}"/>
+              </a:ext>
+            </a:extLst>
+          </p:cNvPr>
+          <p:cNvSpPr/>
+          <p:nvPr/>
+        </p:nvSpPr>
+        <p:spPr>
+          <a:xfrm>
+            <a:off x="7629" y="5175000"/>
+            <a:ext cx="864000" cy="540000"/>
+          </a:xfrm>
+          <a:prstGeom prst="rect">
+            <a:avLst/>
+          </a:prstGeom>
+          <a:solidFill>
+            <a:schemeClr val="tx1"/>
+          </a:solidFill>
+          <a:ln>
+            <a:noFill/>
+          </a:ln>
+        </p:spPr>
+        <p:style>
+          <a:lnRef idx="2">
+            <a:schemeClr val="accent1">
+              <a:shade val="50000"/>
+            </a:schemeClr>
+          </a:lnRef>
+          <a:fillRef idx="1">
+            <a:schemeClr val="accent1"/>
+          </a:fillRef>
+          <a:effectRef idx="0">
+            <a:schemeClr val="accent1"/>
+          </a:effectRef>
+          <a:fontRef idx="minor">
+            <a:schemeClr val="lt1"/>
+          </a:fontRef>
+        </p:style>
+        <p:txBody>
+          <a:bodyPr rtlCol="0" anchor="ctr"/>
+          <a:lstStyle/>
+          <a:p>
+            <a:pPr algn="ctr"/>
+            <a:r>
+              <a:rPr lang="en-US" altLang="zh-CN" sz="1800" b="1" dirty="0">
+                <a:latin typeface="Times New Roman" panose="02020603050405020304" pitchFamily="18" charset="0"/>
+                <a:cs typeface="Times New Roman" panose="02020603050405020304" pitchFamily="18" charset="0"/>
+              </a:rPr>
+              <a:t>24 / 41</a:t>
+            </a:r>
+            <a:endParaRPr lang="zh-CN" altLang="en-US" sz="1800" b="1" dirty="0">
+              <a:latin typeface="Times New Roman" panose="02020603050405020304" pitchFamily="18" charset="0"/>
+              <a:cs typeface="Times New Roman" panose="02020603050405020304" pitchFamily="18" charset="0"/>
+            </a:endParaRPr>
+          </a:p>
+        </p:txBody>
+      </p:sp>
+      <p:sp>
+        <p:nvSpPr>
+          <p:cNvPr id="12" name="Rectangle 11">
+            <a:extLst>
+              <a:ext uri="{FF2B5EF4-FFF2-40B4-BE49-F238E27FC236}">
+                <a16:creationId xmlns:a16="http://schemas.microsoft.com/office/drawing/2014/main" id="{2AE5AF11-C8FC-4A4C-64DC-86B1D312BD72}"/>
+              </a:ext>
+            </a:extLst>
+          </p:cNvPr>
+          <p:cNvSpPr/>
+          <p:nvPr/>
+        </p:nvSpPr>
+        <p:spPr>
+          <a:xfrm>
+            <a:off x="288015" y="1715811"/>
+            <a:ext cx="5947653" cy="2080670"/>
+          </a:xfrm>
+          <a:prstGeom prst="rect">
+            <a:avLst/>
+          </a:prstGeom>
+        </p:spPr>
+        <p:txBody>
+          <a:bodyPr vert="horz" lIns="91440" tIns="45720" rIns="91440" bIns="45720" rtlCol="0" anchor="t">
+            <a:normAutofit/>
+          </a:bodyPr>
+          <a:lstStyle/>
+          <a:p>
+            <a:pPr indent="-228600">
+              <a:lnSpc>
+                <a:spcPct val="90000"/>
+              </a:lnSpc>
+              <a:spcAft>
+                <a:spcPts val="600"/>
+              </a:spcAft>
+              <a:buFont typeface="Arial" panose="020B0604020202020204" pitchFamily="34" charset="0"/>
+              <a:buChar char="•"/>
+            </a:pPr>
+            <a:endParaRPr lang="en-US" sz="2200" b="1" dirty="0">
+              <a:solidFill>
+                <a:schemeClr val="bg1"/>
+              </a:solidFill>
+              <a:latin typeface="Times New Roman" panose="02020603050405020304" pitchFamily="18" charset="0"/>
+              <a:cs typeface="Times New Roman" panose="02020603050405020304" pitchFamily="18" charset="0"/>
+            </a:endParaRPr>
+          </a:p>
+        </p:txBody>
+      </p:sp>
+      <p:sp>
+        <p:nvSpPr>
+          <p:cNvPr id="2" name="文本框 1">
+            <a:extLst>
+              <a:ext uri="{FF2B5EF4-FFF2-40B4-BE49-F238E27FC236}">
+                <a16:creationId xmlns:a16="http://schemas.microsoft.com/office/drawing/2014/main" id="{0216AC2C-5184-15C4-D3FB-C0EEA7F54988}"/>
+              </a:ext>
+            </a:extLst>
+          </p:cNvPr>
+          <p:cNvSpPr txBox="1"/>
+          <p:nvPr/>
+        </p:nvSpPr>
+        <p:spPr>
+          <a:xfrm>
+            <a:off x="3351135" y="44904"/>
+            <a:ext cx="3098011" cy="584775"/>
+          </a:xfrm>
+          <a:prstGeom prst="rect">
+            <a:avLst/>
+          </a:prstGeom>
+          <a:noFill/>
+        </p:spPr>
+        <p:txBody>
+          <a:bodyPr wrap="square" rtlCol="0">
+            <a:spAutoFit/>
+          </a:bodyPr>
+          <a:lstStyle/>
+          <a:p>
+            <a:pPr algn="ctr"/>
+            <a:r>
+              <a:rPr lang="en-US" altLang="zh-CN" sz="1600" dirty="0">
+                <a:solidFill>
+                  <a:schemeClr val="bg1"/>
+                </a:solidFill>
+                <a:latin typeface="Times New Roman" panose="02020603050405020304" pitchFamily="18" charset="0"/>
+                <a:cs typeface="Times New Roman" panose="02020603050405020304" pitchFamily="18" charset="0"/>
+              </a:rPr>
+              <a:t>Split Half Reliability</a:t>
+            </a:r>
+          </a:p>
+          <a:p>
+            <a:pPr algn="ctr"/>
+            <a:r>
+              <a:rPr lang="en-US" altLang="zh-CN" sz="1600" dirty="0">
+                <a:solidFill>
+                  <a:schemeClr val="bg1"/>
+                </a:solidFill>
+                <a:latin typeface="Times New Roman" panose="02020603050405020304" pitchFamily="18" charset="0"/>
+                <a:cs typeface="Times New Roman" panose="02020603050405020304" pitchFamily="18" charset="0"/>
+              </a:rPr>
+              <a:t>First-Second,</a:t>
+            </a:r>
+            <a:r>
+              <a:rPr lang="zh-CN" altLang="en-US" sz="1600" dirty="0">
+                <a:solidFill>
+                  <a:schemeClr val="bg1"/>
+                </a:solidFill>
+                <a:latin typeface="Times New Roman" panose="02020603050405020304" pitchFamily="18" charset="0"/>
+                <a:cs typeface="Times New Roman" panose="02020603050405020304" pitchFamily="18" charset="0"/>
+              </a:rPr>
+              <a:t> </a:t>
+            </a:r>
+            <a:r>
+              <a:rPr lang="en-US" altLang="zh-CN" sz="1600" dirty="0">
+                <a:solidFill>
+                  <a:schemeClr val="bg1"/>
+                </a:solidFill>
+                <a:latin typeface="Times New Roman" panose="02020603050405020304" pitchFamily="18" charset="0"/>
+                <a:cs typeface="Times New Roman" panose="02020603050405020304" pitchFamily="18" charset="0"/>
+              </a:rPr>
+              <a:t>Odd-Even,</a:t>
+            </a:r>
+            <a:r>
+              <a:rPr lang="zh-CN" altLang="en-US" sz="1600" dirty="0">
+                <a:solidFill>
+                  <a:schemeClr val="bg1"/>
+                </a:solidFill>
+                <a:latin typeface="Times New Roman" panose="02020603050405020304" pitchFamily="18" charset="0"/>
+                <a:cs typeface="Times New Roman" panose="02020603050405020304" pitchFamily="18" charset="0"/>
+              </a:rPr>
+              <a:t> </a:t>
+            </a:r>
+            <a:r>
+              <a:rPr lang="en-US" altLang="zh-CN" sz="1600" dirty="0">
+                <a:solidFill>
+                  <a:schemeClr val="bg1"/>
+                </a:solidFill>
+                <a:latin typeface="Times New Roman" panose="02020603050405020304" pitchFamily="18" charset="0"/>
+                <a:cs typeface="Times New Roman" panose="02020603050405020304" pitchFamily="18" charset="0"/>
+              </a:rPr>
+              <a:t>Permuted</a:t>
+            </a:r>
+          </a:p>
+        </p:txBody>
+      </p:sp>
+    </p:spTree>
+    <p:extLst>
+      <p:ext uri="{BB962C8B-B14F-4D97-AF65-F5344CB8AC3E}">
+        <p14:creationId xmlns:p14="http://schemas.microsoft.com/office/powerpoint/2010/main" val="2667270204"/>
+      </p:ext>
+    </p:extLst>
+  </p:cSld>
+  <p:clrMapOvr>
+    <a:masterClrMapping/>
+  </p:clrMapOvr>
+</p:sld>
+</file>
+
+<file path=ppt/slides/slide25.xml><?xml version="1.0" encoding="utf-8"?>
+<p:sld xmlns:a="http://schemas.openxmlformats.org/drawingml/2006/main" xmlns:r="http://schemas.openxmlformats.org/officeDocument/2006/relationships" xmlns:p="http://schemas.openxmlformats.org/presentationml/2006/main">
+  <p:cSld>
+    <p:spTree>
+      <p:nvGrpSpPr>
+        <p:cNvPr id="1" name=""/>
+        <p:cNvGrpSpPr/>
+        <p:nvPr/>
+      </p:nvGrpSpPr>
+      <p:grpSpPr>
+        <a:xfrm>
+          <a:off x="0" y="0"/>
+          <a:ext cx="0" cy="0"/>
+          <a:chOff x="0" y="0"/>
+          <a:chExt cx="0" cy="0"/>
+        </a:xfrm>
+      </p:grpSpPr>
       <p:sp>
         <p:nvSpPr>
           <p:cNvPr id="6" name="矩形 5">
@@ -21598,41 +22529,6 @@
           </a:p>
         </p:txBody>
       </p:sp>
-      <p:pic>
-        <p:nvPicPr>
-          <p:cNvPr id="4" name="图片 3">
-            <a:extLst>
-              <a:ext uri="{FF2B5EF4-FFF2-40B4-BE49-F238E27FC236}">
-                <a16:creationId xmlns:a16="http://schemas.microsoft.com/office/drawing/2014/main" id="{A47A6E53-F1B1-9D07-B93A-1A86D948C377}"/>
-              </a:ext>
-            </a:extLst>
-          </p:cNvPr>
-          <p:cNvPicPr>
-            <a:picLocks noChangeAspect="1"/>
-          </p:cNvPicPr>
-          <p:nvPr/>
-        </p:nvPicPr>
-        <p:blipFill>
-          <a:blip r:embed="rId4">
-            <a:extLst>
-              <a:ext uri="{28A0092B-C50C-407E-A947-70E740481C1C}">
-                <a14:useLocalDpi xmlns:a14="http://schemas.microsoft.com/office/drawing/2010/main" val="0"/>
-              </a:ext>
-            </a:extLst>
-          </a:blip>
-          <a:srcRect/>
-          <a:stretch/>
-        </p:blipFill>
-        <p:spPr>
-          <a:xfrm>
-            <a:off x="1557015" y="784991"/>
-            <a:ext cx="3588240" cy="4784320"/>
-          </a:xfrm>
-          <a:prstGeom prst="rect">
-            <a:avLst/>
-          </a:prstGeom>
-        </p:spPr>
-      </p:pic>
       <p:sp>
         <p:nvSpPr>
           <p:cNvPr id="2" name="文本框 1">
@@ -21728,20 +22624,843 @@
           </a:p>
         </p:txBody>
       </p:sp>
+      <p:grpSp>
+        <p:nvGrpSpPr>
+          <p:cNvPr id="13" name="组合 12">
+            <a:extLst>
+              <a:ext uri="{FF2B5EF4-FFF2-40B4-BE49-F238E27FC236}">
+                <a16:creationId xmlns:a16="http://schemas.microsoft.com/office/drawing/2014/main" id="{1E0CC1AB-866C-822F-5262-A40C2860ED7A}"/>
+              </a:ext>
+            </a:extLst>
+          </p:cNvPr>
+          <p:cNvGrpSpPr/>
+          <p:nvPr/>
+        </p:nvGrpSpPr>
+        <p:grpSpPr>
+          <a:xfrm>
+            <a:off x="871629" y="4533511"/>
+            <a:ext cx="5652053" cy="1086605"/>
+            <a:chOff x="871629" y="4389993"/>
+            <a:chExt cx="5652053" cy="1086605"/>
+          </a:xfrm>
+        </p:grpSpPr>
+        <p:sp>
+          <p:nvSpPr>
+            <p:cNvPr id="8" name="文本框 7">
+              <a:extLst>
+                <a:ext uri="{FF2B5EF4-FFF2-40B4-BE49-F238E27FC236}">
+                  <a16:creationId xmlns:a16="http://schemas.microsoft.com/office/drawing/2014/main" id="{5F71ACF8-8828-2519-100B-F9F9FF4A3B90}"/>
+                </a:ext>
+              </a:extLst>
+            </p:cNvPr>
+            <p:cNvSpPr txBox="1"/>
+            <p:nvPr/>
+          </p:nvSpPr>
+          <p:spPr>
+            <a:xfrm>
+              <a:off x="871629" y="4389993"/>
+              <a:ext cx="2657456" cy="1077218"/>
+            </a:xfrm>
+            <a:prstGeom prst="rect">
+              <a:avLst/>
+            </a:prstGeom>
+            <a:noFill/>
+          </p:spPr>
+          <p:txBody>
+            <a:bodyPr wrap="square">
+              <a:spAutoFit/>
+            </a:bodyPr>
+            <a:lstStyle/>
+            <a:p>
+              <a:pPr marL="285750" indent="-285750">
+                <a:buFont typeface="Wingdings" panose="05000000000000000000" pitchFamily="2" charset="2"/>
+                <a:buChar char="n"/>
+              </a:pPr>
+              <a:r>
+                <a:rPr lang="en-US" altLang="zh-CN" sz="1600" dirty="0">
+                  <a:solidFill>
+                    <a:srgbClr val="FAF1B4"/>
+                  </a:solidFill>
+                  <a:effectLst/>
+                  <a:latin typeface="Times New Roman" panose="02020603050405020304" pitchFamily="18" charset="0"/>
+                  <a:ea typeface="宋体" panose="02010600030101010101" pitchFamily="2" charset="-122"/>
+                </a:rPr>
+                <a:t>RT: </a:t>
+              </a:r>
+            </a:p>
+            <a:p>
+              <a:pPr marL="285750" indent="-285750">
+                <a:buFont typeface="Arial" panose="020B0604020202020204" pitchFamily="34" charset="0"/>
+                <a:buChar char="•"/>
+              </a:pPr>
+              <a:r>
+                <a:rPr lang="en-US" altLang="zh-CN" sz="1600" dirty="0" err="1">
+                  <a:solidFill>
+                    <a:srgbClr val="FAF1B4"/>
+                  </a:solidFill>
+                  <a:effectLst/>
+                  <a:latin typeface="Times New Roman" panose="02020603050405020304" pitchFamily="18" charset="0"/>
+                  <a:ea typeface="宋体" panose="02010600030101010101" pitchFamily="2" charset="-122"/>
+                </a:rPr>
+                <a:t>M</a:t>
+              </a:r>
+              <a:r>
+                <a:rPr lang="en-US" altLang="zh-CN" sz="1600" baseline="-25000" dirty="0" err="1">
+                  <a:solidFill>
+                    <a:srgbClr val="FAF1B4"/>
+                  </a:solidFill>
+                  <a:effectLst/>
+                  <a:latin typeface="Times New Roman" panose="02020603050405020304" pitchFamily="18" charset="0"/>
+                  <a:ea typeface="宋体" panose="02010600030101010101" pitchFamily="2" charset="-122"/>
+                </a:rPr>
+                <a:t>Close</a:t>
+              </a:r>
+              <a:r>
+                <a:rPr lang="en-US" altLang="zh-CN" sz="1600" dirty="0">
+                  <a:solidFill>
+                    <a:srgbClr val="FAF1B4"/>
+                  </a:solidFill>
+                  <a:effectLst/>
+                  <a:latin typeface="Times New Roman" panose="02020603050405020304" pitchFamily="18" charset="0"/>
+                  <a:ea typeface="宋体" panose="02010600030101010101" pitchFamily="2" charset="-122"/>
+                </a:rPr>
+                <a:t> = .38, </a:t>
+              </a:r>
+              <a:r>
+                <a:rPr lang="en-US" altLang="zh-CN" sz="1600" dirty="0" err="1">
+                  <a:solidFill>
+                    <a:srgbClr val="FAF1B4"/>
+                  </a:solidFill>
+                  <a:effectLst/>
+                  <a:latin typeface="Times New Roman" panose="02020603050405020304" pitchFamily="18" charset="0"/>
+                  <a:ea typeface="宋体" panose="02010600030101010101" pitchFamily="2" charset="-122"/>
+                </a:rPr>
+                <a:t>M</a:t>
+              </a:r>
+              <a:r>
+                <a:rPr lang="en-US" altLang="zh-CN" sz="1600" baseline="-25000" dirty="0" err="1">
+                  <a:solidFill>
+                    <a:srgbClr val="FAF1B4"/>
+                  </a:solidFill>
+                  <a:effectLst/>
+                  <a:latin typeface="Times New Roman" panose="02020603050405020304" pitchFamily="18" charset="0"/>
+                  <a:ea typeface="宋体" panose="02010600030101010101" pitchFamily="2" charset="-122"/>
+                </a:rPr>
+                <a:t>Stranger</a:t>
+              </a:r>
+              <a:r>
+                <a:rPr lang="en-US" altLang="zh-CN" sz="1600" dirty="0">
+                  <a:solidFill>
+                    <a:srgbClr val="FAF1B4"/>
+                  </a:solidFill>
+                  <a:effectLst/>
+                  <a:latin typeface="Times New Roman" panose="02020603050405020304" pitchFamily="18" charset="0"/>
+                  <a:ea typeface="宋体" panose="02010600030101010101" pitchFamily="2" charset="-122"/>
+                </a:rPr>
+                <a:t> = .48, </a:t>
+              </a:r>
+            </a:p>
+            <a:p>
+              <a:pPr marL="285750" indent="-285750">
+                <a:buFont typeface="Arial" panose="020B0604020202020204" pitchFamily="34" charset="0"/>
+                <a:buChar char="•"/>
+              </a:pPr>
+              <a:r>
+                <a:rPr lang="en-US" altLang="zh-CN" sz="1600" dirty="0">
+                  <a:solidFill>
+                    <a:srgbClr val="FAF1B4"/>
+                  </a:solidFill>
+                  <a:effectLst/>
+                  <a:latin typeface="Times New Roman" panose="02020603050405020304" pitchFamily="18" charset="0"/>
+                  <a:ea typeface="宋体" panose="02010600030101010101" pitchFamily="2" charset="-122"/>
+                </a:rPr>
+                <a:t>t = 1.67, df = 82, p = .10, </a:t>
+              </a:r>
+            </a:p>
+            <a:p>
+              <a:pPr marL="285750" indent="-285750">
+                <a:buFont typeface="Arial" panose="020B0604020202020204" pitchFamily="34" charset="0"/>
+                <a:buChar char="•"/>
+              </a:pPr>
+              <a:r>
+                <a:rPr lang="en-US" altLang="zh-CN" sz="1600" dirty="0">
+                  <a:solidFill>
+                    <a:srgbClr val="FAF1B4"/>
+                  </a:solidFill>
+                  <a:effectLst/>
+                  <a:latin typeface="Times New Roman" panose="02020603050405020304" pitchFamily="18" charset="0"/>
+                  <a:ea typeface="宋体" panose="02010600030101010101" pitchFamily="2" charset="-122"/>
+                </a:rPr>
+                <a:t>Cohen’s d = .36</a:t>
+              </a:r>
+              <a:endParaRPr lang="en-US" altLang="zh-CN" sz="1600" dirty="0">
+                <a:solidFill>
+                  <a:srgbClr val="FAF1B4"/>
+                </a:solidFill>
+                <a:latin typeface="Times New Roman" panose="02020603050405020304" pitchFamily="18" charset="0"/>
+                <a:ea typeface="宋体" panose="02010600030101010101" pitchFamily="2" charset="-122"/>
+              </a:endParaRPr>
+            </a:p>
+          </p:txBody>
+        </p:sp>
+        <p:sp>
+          <p:nvSpPr>
+            <p:cNvPr id="11" name="文本框 10">
+              <a:extLst>
+                <a:ext uri="{FF2B5EF4-FFF2-40B4-BE49-F238E27FC236}">
+                  <a16:creationId xmlns:a16="http://schemas.microsoft.com/office/drawing/2014/main" id="{9D6644B3-C234-7076-8DA5-EF170FC6ADD8}"/>
+                </a:ext>
+              </a:extLst>
+            </p:cNvPr>
+            <p:cNvSpPr txBox="1"/>
+            <p:nvPr/>
+          </p:nvSpPr>
+          <p:spPr>
+            <a:xfrm>
+              <a:off x="3529085" y="4399380"/>
+              <a:ext cx="2994597" cy="1077218"/>
+            </a:xfrm>
+            <a:prstGeom prst="rect">
+              <a:avLst/>
+            </a:prstGeom>
+            <a:noFill/>
+          </p:spPr>
+          <p:txBody>
+            <a:bodyPr wrap="square">
+              <a:spAutoFit/>
+            </a:bodyPr>
+            <a:lstStyle/>
+            <a:p>
+              <a:pPr marL="285750" indent="-285750">
+                <a:buFont typeface="Wingdings" panose="05000000000000000000" pitchFamily="2" charset="2"/>
+                <a:buChar char="n"/>
+              </a:pPr>
+              <a:r>
+                <a:rPr lang="en-US" altLang="zh-CN" sz="1600" dirty="0">
+                  <a:solidFill>
+                    <a:srgbClr val="FAF1B4"/>
+                  </a:solidFill>
+                  <a:effectLst/>
+                  <a:latin typeface="Times New Roman" panose="02020603050405020304" pitchFamily="18" charset="0"/>
+                  <a:ea typeface="宋体" panose="02010600030101010101" pitchFamily="2" charset="-122"/>
+                </a:rPr>
+                <a:t>Efficiency: </a:t>
+              </a:r>
+            </a:p>
+            <a:p>
+              <a:pPr marL="285750" indent="-285750">
+                <a:buFont typeface="Arial" panose="020B0604020202020204" pitchFamily="34" charset="0"/>
+                <a:buChar char="•"/>
+              </a:pPr>
+              <a:r>
+                <a:rPr lang="en-US" altLang="zh-CN" sz="1600" dirty="0" err="1">
+                  <a:solidFill>
+                    <a:srgbClr val="FAF1B4"/>
+                  </a:solidFill>
+                  <a:effectLst/>
+                  <a:latin typeface="Times New Roman" panose="02020603050405020304" pitchFamily="18" charset="0"/>
+                  <a:ea typeface="宋体" panose="02010600030101010101" pitchFamily="2" charset="-122"/>
+                </a:rPr>
+                <a:t>M</a:t>
+              </a:r>
+              <a:r>
+                <a:rPr lang="en-US" altLang="zh-CN" sz="1600" baseline="-25000" dirty="0" err="1">
+                  <a:solidFill>
+                    <a:srgbClr val="FAF1B4"/>
+                  </a:solidFill>
+                  <a:effectLst/>
+                  <a:latin typeface="Times New Roman" panose="02020603050405020304" pitchFamily="18" charset="0"/>
+                  <a:ea typeface="宋体" panose="02010600030101010101" pitchFamily="2" charset="-122"/>
+                </a:rPr>
+                <a:t>Close</a:t>
+              </a:r>
+              <a:r>
+                <a:rPr lang="en-US" altLang="zh-CN" sz="1600" dirty="0">
+                  <a:solidFill>
+                    <a:srgbClr val="FAF1B4"/>
+                  </a:solidFill>
+                  <a:effectLst/>
+                  <a:latin typeface="Times New Roman" panose="02020603050405020304" pitchFamily="18" charset="0"/>
+                  <a:ea typeface="宋体" panose="02010600030101010101" pitchFamily="2" charset="-122"/>
+                </a:rPr>
+                <a:t> = .34, </a:t>
+              </a:r>
+              <a:r>
+                <a:rPr lang="en-US" altLang="zh-CN" sz="1600" dirty="0" err="1">
+                  <a:solidFill>
+                    <a:srgbClr val="FAF1B4"/>
+                  </a:solidFill>
+                  <a:effectLst/>
+                  <a:latin typeface="Times New Roman" panose="02020603050405020304" pitchFamily="18" charset="0"/>
+                  <a:ea typeface="宋体" panose="02010600030101010101" pitchFamily="2" charset="-122"/>
+                </a:rPr>
+                <a:t>M</a:t>
+              </a:r>
+              <a:r>
+                <a:rPr lang="en-US" altLang="zh-CN" sz="1600" baseline="-25000" dirty="0" err="1">
+                  <a:solidFill>
+                    <a:srgbClr val="FAF1B4"/>
+                  </a:solidFill>
+                  <a:effectLst/>
+                  <a:latin typeface="Times New Roman" panose="02020603050405020304" pitchFamily="18" charset="0"/>
+                  <a:ea typeface="宋体" panose="02010600030101010101" pitchFamily="2" charset="-122"/>
+                </a:rPr>
+                <a:t>Stranger</a:t>
+              </a:r>
+              <a:r>
+                <a:rPr lang="en-US" altLang="zh-CN" sz="1600" dirty="0">
+                  <a:solidFill>
+                    <a:srgbClr val="FAF1B4"/>
+                  </a:solidFill>
+                  <a:effectLst/>
+                  <a:latin typeface="Times New Roman" panose="02020603050405020304" pitchFamily="18" charset="0"/>
+                  <a:ea typeface="宋体" panose="02010600030101010101" pitchFamily="2" charset="-122"/>
+                </a:rPr>
+                <a:t> = .48,</a:t>
+              </a:r>
+            </a:p>
+            <a:p>
+              <a:pPr marL="285750" indent="-285750">
+                <a:buFont typeface="Arial" panose="020B0604020202020204" pitchFamily="34" charset="0"/>
+                <a:buChar char="•"/>
+              </a:pPr>
+              <a:r>
+                <a:rPr lang="en-US" altLang="zh-CN" sz="1600" dirty="0">
+                  <a:solidFill>
+                    <a:srgbClr val="FAF1B4"/>
+                  </a:solidFill>
+                  <a:effectLst/>
+                  <a:latin typeface="Times New Roman" panose="02020603050405020304" pitchFamily="18" charset="0"/>
+                  <a:ea typeface="宋体" panose="02010600030101010101" pitchFamily="2" charset="-122"/>
+                </a:rPr>
+                <a:t>t = 2.18, df = 82, p = .03, </a:t>
+              </a:r>
+            </a:p>
+            <a:p>
+              <a:pPr marL="285750" indent="-285750">
+                <a:buFont typeface="Arial" panose="020B0604020202020204" pitchFamily="34" charset="0"/>
+                <a:buChar char="•"/>
+              </a:pPr>
+              <a:r>
+                <a:rPr lang="en-US" altLang="zh-CN" sz="1600" dirty="0">
+                  <a:solidFill>
+                    <a:srgbClr val="FAF1B4"/>
+                  </a:solidFill>
+                  <a:effectLst/>
+                  <a:latin typeface="Times New Roman" panose="02020603050405020304" pitchFamily="18" charset="0"/>
+                  <a:ea typeface="宋体" panose="02010600030101010101" pitchFamily="2" charset="-122"/>
+                </a:rPr>
+                <a:t>Cohen’s d = .48</a:t>
+              </a:r>
+              <a:r>
+                <a:rPr lang="en-US" altLang="zh-CN" sz="1600" dirty="0">
+                  <a:solidFill>
+                    <a:srgbClr val="FAF1B4"/>
+                  </a:solidFill>
+                  <a:latin typeface="Times New Roman" panose="02020603050405020304" pitchFamily="18" charset="0"/>
+                  <a:ea typeface="宋体" panose="02010600030101010101" pitchFamily="2" charset="-122"/>
+                </a:rPr>
+                <a:t>,</a:t>
+              </a:r>
+              <a:r>
+                <a:rPr lang="en-US" altLang="zh-CN" sz="1600" dirty="0">
+                  <a:solidFill>
+                    <a:srgbClr val="FAF1B4"/>
+                  </a:solidFill>
+                  <a:effectLst/>
+                  <a:latin typeface="Times New Roman" panose="02020603050405020304" pitchFamily="18" charset="0"/>
+                  <a:ea typeface="宋体" panose="02010600030101010101" pitchFamily="2" charset="-122"/>
+                </a:rPr>
+                <a:t> </a:t>
+              </a:r>
+              <a:endParaRPr lang="zh-CN" altLang="en-US" sz="1600" dirty="0">
+                <a:solidFill>
+                  <a:srgbClr val="FAF1B4"/>
+                </a:solidFill>
+              </a:endParaRPr>
+            </a:p>
+          </p:txBody>
+        </p:sp>
+      </p:grpSp>
+      <p:grpSp>
+        <p:nvGrpSpPr>
+          <p:cNvPr id="15" name="组合 14">
+            <a:extLst>
+              <a:ext uri="{FF2B5EF4-FFF2-40B4-BE49-F238E27FC236}">
+                <a16:creationId xmlns:a16="http://schemas.microsoft.com/office/drawing/2014/main" id="{591B808A-88D1-72D8-1806-703FD57EE223}"/>
+              </a:ext>
+            </a:extLst>
+          </p:cNvPr>
+          <p:cNvGrpSpPr/>
+          <p:nvPr/>
+        </p:nvGrpSpPr>
+        <p:grpSpPr>
+          <a:xfrm>
+            <a:off x="585753" y="795753"/>
+            <a:ext cx="5381694" cy="3737758"/>
+            <a:chOff x="319818" y="753442"/>
+            <a:chExt cx="5716256" cy="3970122"/>
+          </a:xfrm>
+        </p:grpSpPr>
+        <p:pic>
+          <p:nvPicPr>
+            <p:cNvPr id="9" name="图片 8">
+              <a:extLst>
+                <a:ext uri="{FF2B5EF4-FFF2-40B4-BE49-F238E27FC236}">
+                  <a16:creationId xmlns:a16="http://schemas.microsoft.com/office/drawing/2014/main" id="{0C8591B2-1E3A-C977-ADD2-D123BC5517F3}"/>
+                </a:ext>
+              </a:extLst>
+            </p:cNvPr>
+            <p:cNvPicPr>
+              <a:picLocks noChangeAspect="1"/>
+            </p:cNvPicPr>
+            <p:nvPr/>
+          </p:nvPicPr>
+          <p:blipFill rotWithShape="1">
+            <a:blip r:embed="rId4">
+              <a:extLst>
+                <a:ext uri="{28A0092B-C50C-407E-A947-70E740481C1C}">
+                  <a14:useLocalDpi xmlns:a14="http://schemas.microsoft.com/office/drawing/2010/main" val="0"/>
+                </a:ext>
+              </a:extLst>
+            </a:blip>
+            <a:srcRect b="51525"/>
+            <a:stretch/>
+          </p:blipFill>
+          <p:spPr>
+            <a:xfrm>
+              <a:off x="319818" y="753442"/>
+              <a:ext cx="5716256" cy="3694577"/>
+            </a:xfrm>
+            <a:prstGeom prst="rect">
+              <a:avLst/>
+            </a:prstGeom>
+          </p:spPr>
+        </p:pic>
+        <p:pic>
+          <p:nvPicPr>
+            <p:cNvPr id="14" name="图片 13">
+              <a:extLst>
+                <a:ext uri="{FF2B5EF4-FFF2-40B4-BE49-F238E27FC236}">
+                  <a16:creationId xmlns:a16="http://schemas.microsoft.com/office/drawing/2014/main" id="{C981A9F1-85C7-7535-11E3-012D0888D6F3}"/>
+                </a:ext>
+              </a:extLst>
+            </p:cNvPr>
+            <p:cNvPicPr>
+              <a:picLocks noChangeAspect="1"/>
+            </p:cNvPicPr>
+            <p:nvPr/>
+          </p:nvPicPr>
+          <p:blipFill rotWithShape="1">
+            <a:blip r:embed="rId4">
+              <a:extLst>
+                <a:ext uri="{28A0092B-C50C-407E-A947-70E740481C1C}">
+                  <a14:useLocalDpi xmlns:a14="http://schemas.microsoft.com/office/drawing/2010/main" val="0"/>
+                </a:ext>
+              </a:extLst>
+            </a:blip>
+            <a:srcRect t="96067" b="318"/>
+            <a:stretch/>
+          </p:blipFill>
+          <p:spPr>
+            <a:xfrm>
+              <a:off x="319818" y="4448019"/>
+              <a:ext cx="5716256" cy="275545"/>
+            </a:xfrm>
+            <a:prstGeom prst="rect">
+              <a:avLst/>
+            </a:prstGeom>
+          </p:spPr>
+        </p:pic>
+      </p:grpSp>
+      <p:sp>
+        <p:nvSpPr>
+          <p:cNvPr id="18" name="矩形 17">
+            <a:extLst>
+              <a:ext uri="{FF2B5EF4-FFF2-40B4-BE49-F238E27FC236}">
+                <a16:creationId xmlns:a16="http://schemas.microsoft.com/office/drawing/2014/main" id="{5EFF68EC-666D-C73A-69F4-07166D3527DF}"/>
+              </a:ext>
+            </a:extLst>
+          </p:cNvPr>
+          <p:cNvSpPr/>
+          <p:nvPr/>
+        </p:nvSpPr>
+        <p:spPr>
+          <a:xfrm>
+            <a:off x="695325" y="2838448"/>
+            <a:ext cx="4829175" cy="176214"/>
+          </a:xfrm>
+          <a:prstGeom prst="rect">
+            <a:avLst/>
+          </a:prstGeom>
+          <a:noFill/>
+          <a:ln>
+            <a:solidFill>
+              <a:srgbClr val="780000"/>
+            </a:solidFill>
+            <a:prstDash val="sysDash"/>
+          </a:ln>
+        </p:spPr>
+        <p:style>
+          <a:lnRef idx="2">
+            <a:schemeClr val="accent1">
+              <a:shade val="50000"/>
+            </a:schemeClr>
+          </a:lnRef>
+          <a:fillRef idx="1">
+            <a:schemeClr val="accent1"/>
+          </a:fillRef>
+          <a:effectRef idx="0">
+            <a:schemeClr val="accent1"/>
+          </a:effectRef>
+          <a:fontRef idx="minor">
+            <a:schemeClr val="lt1"/>
+          </a:fontRef>
+        </p:style>
+        <p:txBody>
+          <a:bodyPr rtlCol="0" anchor="ctr"/>
+          <a:lstStyle/>
+          <a:p>
+            <a:pPr algn="ctr"/>
+            <a:endParaRPr lang="zh-CN" altLang="en-US"/>
+          </a:p>
+        </p:txBody>
+      </p:sp>
+      <p:sp>
+        <p:nvSpPr>
+          <p:cNvPr id="19" name="矩形 18">
+            <a:extLst>
+              <a:ext uri="{FF2B5EF4-FFF2-40B4-BE49-F238E27FC236}">
+                <a16:creationId xmlns:a16="http://schemas.microsoft.com/office/drawing/2014/main" id="{0C30FB7F-40CE-A7D6-CBF1-61867444B60F}"/>
+              </a:ext>
+            </a:extLst>
+          </p:cNvPr>
+          <p:cNvSpPr/>
+          <p:nvPr/>
+        </p:nvSpPr>
+        <p:spPr>
+          <a:xfrm>
+            <a:off x="695325" y="3322226"/>
+            <a:ext cx="4829175" cy="176214"/>
+          </a:xfrm>
+          <a:prstGeom prst="rect">
+            <a:avLst/>
+          </a:prstGeom>
+          <a:noFill/>
+          <a:ln>
+            <a:solidFill>
+              <a:srgbClr val="780000"/>
+            </a:solidFill>
+            <a:prstDash val="sysDash"/>
+          </a:ln>
+        </p:spPr>
+        <p:style>
+          <a:lnRef idx="2">
+            <a:schemeClr val="accent1">
+              <a:shade val="50000"/>
+            </a:schemeClr>
+          </a:lnRef>
+          <a:fillRef idx="1">
+            <a:schemeClr val="accent1"/>
+          </a:fillRef>
+          <a:effectRef idx="0">
+            <a:schemeClr val="accent1"/>
+          </a:effectRef>
+          <a:fontRef idx="minor">
+            <a:schemeClr val="lt1"/>
+          </a:fontRef>
+        </p:style>
+        <p:txBody>
+          <a:bodyPr rtlCol="0" anchor="ctr"/>
+          <a:lstStyle/>
+          <a:p>
+            <a:pPr algn="ctr"/>
+            <a:endParaRPr lang="zh-CN" altLang="en-US"/>
+          </a:p>
+        </p:txBody>
+      </p:sp>
+      <p:sp>
+        <p:nvSpPr>
+          <p:cNvPr id="20" name="矩形 19">
+            <a:extLst>
+              <a:ext uri="{FF2B5EF4-FFF2-40B4-BE49-F238E27FC236}">
+                <a16:creationId xmlns:a16="http://schemas.microsoft.com/office/drawing/2014/main" id="{074E8B98-C5A4-8B14-8882-DB815D5313B4}"/>
+              </a:ext>
+            </a:extLst>
+          </p:cNvPr>
+          <p:cNvSpPr/>
+          <p:nvPr/>
+        </p:nvSpPr>
+        <p:spPr>
+          <a:xfrm>
+            <a:off x="695325" y="1620932"/>
+            <a:ext cx="4829175" cy="176214"/>
+          </a:xfrm>
+          <a:prstGeom prst="rect">
+            <a:avLst/>
+          </a:prstGeom>
+          <a:noFill/>
+          <a:ln>
+            <a:solidFill>
+              <a:srgbClr val="780000"/>
+            </a:solidFill>
+            <a:prstDash val="sysDash"/>
+          </a:ln>
+        </p:spPr>
+        <p:style>
+          <a:lnRef idx="2">
+            <a:schemeClr val="accent1">
+              <a:shade val="50000"/>
+            </a:schemeClr>
+          </a:lnRef>
+          <a:fillRef idx="1">
+            <a:schemeClr val="accent1"/>
+          </a:fillRef>
+          <a:effectRef idx="0">
+            <a:schemeClr val="accent1"/>
+          </a:effectRef>
+          <a:fontRef idx="minor">
+            <a:schemeClr val="lt1"/>
+          </a:fontRef>
+        </p:style>
+        <p:txBody>
+          <a:bodyPr rtlCol="0" anchor="ctr"/>
+          <a:lstStyle/>
+          <a:p>
+            <a:pPr algn="ctr"/>
+            <a:endParaRPr lang="zh-CN" altLang="en-US"/>
+          </a:p>
+        </p:txBody>
+      </p:sp>
+      <p:sp>
+        <p:nvSpPr>
+          <p:cNvPr id="21" name="矩形 20">
+            <a:extLst>
+              <a:ext uri="{FF2B5EF4-FFF2-40B4-BE49-F238E27FC236}">
+                <a16:creationId xmlns:a16="http://schemas.microsoft.com/office/drawing/2014/main" id="{FA7006B1-8344-5B90-DEC3-12B6126367E9}"/>
+              </a:ext>
+            </a:extLst>
+          </p:cNvPr>
+          <p:cNvSpPr/>
+          <p:nvPr/>
+        </p:nvSpPr>
+        <p:spPr>
+          <a:xfrm>
+            <a:off x="695324" y="1138584"/>
+            <a:ext cx="4829175" cy="176214"/>
+          </a:xfrm>
+          <a:prstGeom prst="rect">
+            <a:avLst/>
+          </a:prstGeom>
+          <a:noFill/>
+          <a:ln>
+            <a:solidFill>
+              <a:srgbClr val="780000"/>
+            </a:solidFill>
+            <a:prstDash val="sysDash"/>
+          </a:ln>
+        </p:spPr>
+        <p:style>
+          <a:lnRef idx="2">
+            <a:schemeClr val="accent1">
+              <a:shade val="50000"/>
+            </a:schemeClr>
+          </a:lnRef>
+          <a:fillRef idx="1">
+            <a:schemeClr val="accent1"/>
+          </a:fillRef>
+          <a:effectRef idx="0">
+            <a:schemeClr val="accent1"/>
+          </a:effectRef>
+          <a:fontRef idx="minor">
+            <a:schemeClr val="lt1"/>
+          </a:fontRef>
+        </p:style>
+        <p:txBody>
+          <a:bodyPr rtlCol="0" anchor="ctr"/>
+          <a:lstStyle/>
+          <a:p>
+            <a:pPr algn="ctr"/>
+            <a:endParaRPr lang="zh-CN" altLang="en-US"/>
+          </a:p>
+        </p:txBody>
+      </p:sp>
     </p:spTree>
     <p:extLst>
       <p:ext uri="{BB962C8B-B14F-4D97-AF65-F5344CB8AC3E}">
-        <p14:creationId xmlns:p14="http://schemas.microsoft.com/office/powerpoint/2010/main" val="2667270204"/>
+        <p14:creationId xmlns:p14="http://schemas.microsoft.com/office/powerpoint/2010/main" val="2665477462"/>
       </p:ext>
     </p:extLst>
   </p:cSld>
   <p:clrMapOvr>
     <a:masterClrMapping/>
   </p:clrMapOvr>
+  <p:timing>
+    <p:tnLst>
+      <p:par>
+        <p:cTn id="1" dur="indefinite" restart="never" nodeType="tmRoot">
+          <p:childTnLst>
+            <p:seq concurrent="1" nextAc="seek">
+              <p:cTn id="2" dur="indefinite" nodeType="mainSeq">
+                <p:childTnLst>
+                  <p:par>
+                    <p:cTn id="3" fill="hold">
+                      <p:stCondLst>
+                        <p:cond delay="indefinite"/>
+                      </p:stCondLst>
+                      <p:childTnLst>
+                        <p:par>
+                          <p:cTn id="4" fill="hold">
+                            <p:stCondLst>
+                              <p:cond delay="0"/>
+                            </p:stCondLst>
+                            <p:childTnLst>
+                              <p:par>
+                                <p:cTn id="5" presetID="1" presetClass="entr" presetSubtype="0" fill="hold" grpId="0" nodeType="clickEffect">
+                                  <p:stCondLst>
+                                    <p:cond delay="0"/>
+                                  </p:stCondLst>
+                                  <p:childTnLst>
+                                    <p:set>
+                                      <p:cBhvr>
+                                        <p:cTn id="6" dur="1" fill="hold">
+                                          <p:stCondLst>
+                                            <p:cond delay="0"/>
+                                          </p:stCondLst>
+                                        </p:cTn>
+                                        <p:tgtEl>
+                                          <p:spTgt spid="21"/>
+                                        </p:tgtEl>
+                                        <p:attrNameLst>
+                                          <p:attrName>style.visibility</p:attrName>
+                                        </p:attrNameLst>
+                                      </p:cBhvr>
+                                      <p:to>
+                                        <p:strVal val="visible"/>
+                                      </p:to>
+                                    </p:set>
+                                  </p:childTnLst>
+                                </p:cTn>
+                              </p:par>
+                              <p:par>
+                                <p:cTn id="7" presetID="1" presetClass="entr" presetSubtype="0" fill="hold" grpId="0" nodeType="withEffect">
+                                  <p:stCondLst>
+                                    <p:cond delay="0"/>
+                                  </p:stCondLst>
+                                  <p:childTnLst>
+                                    <p:set>
+                                      <p:cBhvr>
+                                        <p:cTn id="8" dur="1" fill="hold">
+                                          <p:stCondLst>
+                                            <p:cond delay="0"/>
+                                          </p:stCondLst>
+                                        </p:cTn>
+                                        <p:tgtEl>
+                                          <p:spTgt spid="20"/>
+                                        </p:tgtEl>
+                                        <p:attrNameLst>
+                                          <p:attrName>style.visibility</p:attrName>
+                                        </p:attrNameLst>
+                                      </p:cBhvr>
+                                      <p:to>
+                                        <p:strVal val="visible"/>
+                                      </p:to>
+                                    </p:set>
+                                  </p:childTnLst>
+                                </p:cTn>
+                              </p:par>
+                              <p:par>
+                                <p:cTn id="9" presetID="1" presetClass="entr" presetSubtype="0" fill="hold" grpId="0" nodeType="withEffect">
+                                  <p:stCondLst>
+                                    <p:cond delay="0"/>
+                                  </p:stCondLst>
+                                  <p:childTnLst>
+                                    <p:set>
+                                      <p:cBhvr>
+                                        <p:cTn id="10" dur="1" fill="hold">
+                                          <p:stCondLst>
+                                            <p:cond delay="0"/>
+                                          </p:stCondLst>
+                                        </p:cTn>
+                                        <p:tgtEl>
+                                          <p:spTgt spid="18"/>
+                                        </p:tgtEl>
+                                        <p:attrNameLst>
+                                          <p:attrName>style.visibility</p:attrName>
+                                        </p:attrNameLst>
+                                      </p:cBhvr>
+                                      <p:to>
+                                        <p:strVal val="visible"/>
+                                      </p:to>
+                                    </p:set>
+                                  </p:childTnLst>
+                                </p:cTn>
+                              </p:par>
+                              <p:par>
+                                <p:cTn id="11" presetID="1" presetClass="entr" presetSubtype="0" fill="hold" grpId="0" nodeType="withEffect">
+                                  <p:stCondLst>
+                                    <p:cond delay="0"/>
+                                  </p:stCondLst>
+                                  <p:childTnLst>
+                                    <p:set>
+                                      <p:cBhvr>
+                                        <p:cTn id="12" dur="1" fill="hold">
+                                          <p:stCondLst>
+                                            <p:cond delay="0"/>
+                                          </p:stCondLst>
+                                        </p:cTn>
+                                        <p:tgtEl>
+                                          <p:spTgt spid="19"/>
+                                        </p:tgtEl>
+                                        <p:attrNameLst>
+                                          <p:attrName>style.visibility</p:attrName>
+                                        </p:attrNameLst>
+                                      </p:cBhvr>
+                                      <p:to>
+                                        <p:strVal val="visible"/>
+                                      </p:to>
+                                    </p:set>
+                                  </p:childTnLst>
+                                </p:cTn>
+                              </p:par>
+                            </p:childTnLst>
+                          </p:cTn>
+                        </p:par>
+                      </p:childTnLst>
+                    </p:cTn>
+                  </p:par>
+                </p:childTnLst>
+              </p:cTn>
+              <p:prevCondLst>
+                <p:cond evt="onPrev" delay="0">
+                  <p:tgtEl>
+                    <p:sldTgt/>
+                  </p:tgtEl>
+                </p:cond>
+              </p:prevCondLst>
+              <p:nextCondLst>
+                <p:cond evt="onNext" delay="0">
+                  <p:tgtEl>
+                    <p:sldTgt/>
+                  </p:tgtEl>
+                </p:cond>
+              </p:nextCondLst>
+            </p:seq>
+          </p:childTnLst>
+        </p:cTn>
+      </p:par>
+    </p:tnLst>
+    <p:bldLst>
+      <p:bldP spid="18" grpId="0" animBg="1"/>
+      <p:bldP spid="19" grpId="0" animBg="1"/>
+      <p:bldP spid="20" grpId="0" animBg="1"/>
+      <p:bldP spid="21" grpId="0" animBg="1"/>
+    </p:bldLst>
+  </p:timing>
 </p:sld>
 </file>
 
-<file path=ppt/slides/slide25.xml><?xml version="1.0" encoding="utf-8"?>
+<file path=ppt/slides/slide26.xml><?xml version="1.0" encoding="utf-8"?>
 <p:sld xmlns:a="http://schemas.openxmlformats.org/drawingml/2006/main" xmlns:r="http://schemas.openxmlformats.org/officeDocument/2006/relationships" xmlns:p="http://schemas.openxmlformats.org/presentationml/2006/main">
   <p:cSld>
     <p:spTree>
@@ -22627,7 +24346,756 @@
 </p:sld>
 </file>
 
-<file path=ppt/slides/slide26.xml><?xml version="1.0" encoding="utf-8"?>
+<file path=ppt/slides/slide27.xml><?xml version="1.0" encoding="utf-8"?>
+<p:sld xmlns:a="http://schemas.openxmlformats.org/drawingml/2006/main" xmlns:r="http://schemas.openxmlformats.org/officeDocument/2006/relationships" xmlns:p="http://schemas.openxmlformats.org/presentationml/2006/main">
+  <p:cSld>
+    <p:spTree>
+      <p:nvGrpSpPr>
+        <p:cNvPr id="1" name=""/>
+        <p:cNvGrpSpPr/>
+        <p:nvPr/>
+      </p:nvGrpSpPr>
+      <p:grpSpPr>
+        <a:xfrm>
+          <a:off x="0" y="0"/>
+          <a:ext cx="0" cy="0"/>
+          <a:chOff x="0" y="0"/>
+          <a:chExt cx="0" cy="0"/>
+        </a:xfrm>
+      </p:grpSpPr>
+      <p:sp>
+        <p:nvSpPr>
+          <p:cNvPr id="6" name="矩形 5">
+            <a:extLst>
+              <a:ext uri="{FF2B5EF4-FFF2-40B4-BE49-F238E27FC236}">
+                <a16:creationId xmlns:a16="http://schemas.microsoft.com/office/drawing/2014/main" id="{D89A1788-3DCA-5E59-1C6D-272D6AB1F2D3}"/>
+              </a:ext>
+            </a:extLst>
+          </p:cNvPr>
+          <p:cNvSpPr/>
+          <p:nvPr/>
+        </p:nvSpPr>
+        <p:spPr>
+          <a:xfrm>
+            <a:off x="6523682" y="0"/>
+            <a:ext cx="2620318" cy="5714995"/>
+          </a:xfrm>
+          <a:prstGeom prst="rect">
+            <a:avLst/>
+          </a:prstGeom>
+          <a:solidFill>
+            <a:schemeClr val="tx1"/>
+          </a:solidFill>
+          <a:ln w="38100">
+            <a:noFill/>
+          </a:ln>
+        </p:spPr>
+        <p:style>
+          <a:lnRef idx="2">
+            <a:schemeClr val="accent1">
+              <a:shade val="50000"/>
+            </a:schemeClr>
+          </a:lnRef>
+          <a:fillRef idx="1">
+            <a:schemeClr val="accent1"/>
+          </a:fillRef>
+          <a:effectRef idx="0">
+            <a:schemeClr val="accent1"/>
+          </a:effectRef>
+          <a:fontRef idx="minor">
+            <a:schemeClr val="lt1"/>
+          </a:fontRef>
+        </p:style>
+        <p:txBody>
+          <a:bodyPr rtlCol="0" anchor="t"/>
+          <a:lstStyle/>
+          <a:p>
+            <a:pPr algn="ctr"/>
+            <a:endParaRPr lang="en-US" altLang="zh-CN" sz="4050" i="1" dirty="0">
+              <a:latin typeface="Times New Roman" panose="02020603050405020304" pitchFamily="18" charset="0"/>
+              <a:cs typeface="Times New Roman" panose="02020603050405020304" pitchFamily="18" charset="0"/>
+            </a:endParaRPr>
+          </a:p>
+          <a:p>
+            <a:pPr algn="ctr"/>
+            <a:r>
+              <a:rPr lang="en-US" altLang="zh-CN" sz="4400" b="1" cap="none" spc="0" dirty="0">
+                <a:ln>
+                  <a:solidFill>
+                    <a:srgbClr val="FAF1B4"/>
+                  </a:solidFill>
+                </a:ln>
+                <a:solidFill>
+                  <a:srgbClr val="FAF1B4"/>
+                </a:solidFill>
+                <a:effectLst>
+                  <a:reflection blurRad="6350" stA="55000" endA="300" endPos="45500" dir="5400000" sy="-100000" algn="bl" rotWithShape="0"/>
+                </a:effectLst>
+                <a:latin typeface="Times New Roman" panose="02020603050405020304" pitchFamily="18" charset="0"/>
+                <a:cs typeface="Times New Roman" panose="02020603050405020304" pitchFamily="18" charset="0"/>
+              </a:rPr>
+              <a:t>R</a:t>
+            </a:r>
+            <a:r>
+              <a:rPr lang="en-US" altLang="zh-CN" sz="4050" dirty="0">
+                <a:latin typeface="Times New Roman" panose="02020603050405020304" pitchFamily="18" charset="0"/>
+                <a:cs typeface="Times New Roman" panose="02020603050405020304" pitchFamily="18" charset="0"/>
+              </a:rPr>
+              <a:t> </a:t>
+            </a:r>
+            <a:r>
+              <a:rPr lang="en-US" altLang="zh-CN" sz="3000" dirty="0">
+                <a:latin typeface="Times New Roman" panose="02020603050405020304" pitchFamily="18" charset="0"/>
+                <a:cs typeface="Times New Roman" panose="02020603050405020304" pitchFamily="18" charset="0"/>
+              </a:rPr>
+              <a:t>of</a:t>
+            </a:r>
+            <a:r>
+              <a:rPr lang="en-US" altLang="zh-CN" sz="4050" dirty="0">
+                <a:latin typeface="Times New Roman" panose="02020603050405020304" pitchFamily="18" charset="0"/>
+                <a:cs typeface="Times New Roman" panose="02020603050405020304" pitchFamily="18" charset="0"/>
+              </a:rPr>
+              <a:t> </a:t>
+            </a:r>
+            <a:r>
+              <a:rPr lang="en-US" altLang="zh-TW" sz="4050" dirty="0">
+                <a:latin typeface="Times New Roman" panose="02020603050405020304" pitchFamily="18" charset="0"/>
+                <a:cs typeface="Times New Roman" panose="02020603050405020304" pitchFamily="18" charset="0"/>
+              </a:rPr>
+              <a:t>SPMT</a:t>
+            </a:r>
+          </a:p>
+        </p:txBody>
+      </p:sp>
+      <p:grpSp>
+        <p:nvGrpSpPr>
+          <p:cNvPr id="17" name="组合 16">
+            <a:extLst>
+              <a:ext uri="{FF2B5EF4-FFF2-40B4-BE49-F238E27FC236}">
+                <a16:creationId xmlns:a16="http://schemas.microsoft.com/office/drawing/2014/main" id="{B0C039CE-E35B-FB20-4F6F-73AF29F5EC82}"/>
+              </a:ext>
+            </a:extLst>
+          </p:cNvPr>
+          <p:cNvGrpSpPr/>
+          <p:nvPr/>
+        </p:nvGrpSpPr>
+        <p:grpSpPr>
+          <a:xfrm>
+            <a:off x="8023252" y="5229633"/>
+            <a:ext cx="1057142" cy="414474"/>
+            <a:chOff x="10502095" y="6069536"/>
+            <a:chExt cx="1409523" cy="552632"/>
+          </a:xfrm>
+        </p:grpSpPr>
+        <p:pic>
+          <p:nvPicPr>
+            <p:cNvPr id="10" name="图片 9" descr="图片包含 背景图案&#10;&#10;描述已自动生成">
+              <a:extLst>
+                <a:ext uri="{FF2B5EF4-FFF2-40B4-BE49-F238E27FC236}">
+                  <a16:creationId xmlns:a16="http://schemas.microsoft.com/office/drawing/2014/main" id="{630E8096-9BAE-771C-F26B-5E769FE2760E}"/>
+                </a:ext>
+              </a:extLst>
+            </p:cNvPr>
+            <p:cNvPicPr>
+              <a:picLocks noChangeAspect="1"/>
+            </p:cNvPicPr>
+            <p:nvPr/>
+          </p:nvPicPr>
+          <p:blipFill>
+            <a:blip r:embed="rId3">
+              <a:extLst>
+                <a:ext uri="{28A0092B-C50C-407E-A947-70E740481C1C}">
+                  <a14:useLocalDpi xmlns:a14="http://schemas.microsoft.com/office/drawing/2010/main" val="0"/>
+                </a:ext>
+              </a:extLst>
+            </a:blip>
+            <a:stretch>
+              <a:fillRect/>
+            </a:stretch>
+          </p:blipFill>
+          <p:spPr>
+            <a:xfrm>
+              <a:off x="11427454" y="6069536"/>
+              <a:ext cx="484164" cy="552632"/>
+            </a:xfrm>
+            <a:prstGeom prst="rect">
+              <a:avLst/>
+            </a:prstGeom>
+          </p:spPr>
+        </p:pic>
+        <p:sp>
+          <p:nvSpPr>
+            <p:cNvPr id="16" name="文本框 15">
+              <a:extLst>
+                <a:ext uri="{FF2B5EF4-FFF2-40B4-BE49-F238E27FC236}">
+                  <a16:creationId xmlns:a16="http://schemas.microsoft.com/office/drawing/2014/main" id="{790C7AEC-1C60-148D-F56E-026682E2E6F2}"/>
+                </a:ext>
+              </a:extLst>
+            </p:cNvPr>
+            <p:cNvSpPr txBox="1"/>
+            <p:nvPr/>
+          </p:nvSpPr>
+          <p:spPr>
+            <a:xfrm>
+              <a:off x="10502095" y="6183287"/>
+              <a:ext cx="925359" cy="339153"/>
+            </a:xfrm>
+            <a:prstGeom prst="rect">
+              <a:avLst/>
+            </a:prstGeom>
+            <a:noFill/>
+          </p:spPr>
+          <p:txBody>
+            <a:bodyPr wrap="square" rtlCol="0">
+              <a:spAutoFit/>
+            </a:bodyPr>
+            <a:lstStyle/>
+            <a:p>
+              <a:r>
+                <a:rPr lang="en-US" altLang="zh-CN" sz="1053" dirty="0">
+                  <a:solidFill>
+                    <a:schemeClr val="bg1"/>
+                  </a:solidFill>
+                  <a:latin typeface="Times New Roman" panose="02020603050405020304" pitchFamily="18" charset="0"/>
+                  <a:cs typeface="Times New Roman" panose="02020603050405020304" pitchFamily="18" charset="0"/>
+                </a:rPr>
+                <a:t>by YuKi</a:t>
+              </a:r>
+              <a:endParaRPr lang="zh-CN" altLang="en-US" sz="1053" dirty="0">
+                <a:solidFill>
+                  <a:schemeClr val="bg1"/>
+                </a:solidFill>
+                <a:latin typeface="Times New Roman" panose="02020603050405020304" pitchFamily="18" charset="0"/>
+                <a:cs typeface="Times New Roman" panose="02020603050405020304" pitchFamily="18" charset="0"/>
+              </a:endParaRPr>
+            </a:p>
+          </p:txBody>
+        </p:sp>
+      </p:grpSp>
+      <p:sp>
+        <p:nvSpPr>
+          <p:cNvPr id="3" name="矩形 2">
+            <a:extLst>
+              <a:ext uri="{FF2B5EF4-FFF2-40B4-BE49-F238E27FC236}">
+                <a16:creationId xmlns:a16="http://schemas.microsoft.com/office/drawing/2014/main" id="{C6B03883-6ED4-84CA-8282-B8EC86CE999A}"/>
+              </a:ext>
+            </a:extLst>
+          </p:cNvPr>
+          <p:cNvSpPr/>
+          <p:nvPr/>
+        </p:nvSpPr>
+        <p:spPr>
+          <a:xfrm>
+            <a:off x="-2" y="0"/>
+            <a:ext cx="3276602" cy="653131"/>
+          </a:xfrm>
+          <a:prstGeom prst="rect">
+            <a:avLst/>
+          </a:prstGeom>
+          <a:solidFill>
+            <a:schemeClr val="tx1"/>
+          </a:solidFill>
+          <a:ln>
+            <a:noFill/>
+          </a:ln>
+        </p:spPr>
+        <p:style>
+          <a:lnRef idx="2">
+            <a:schemeClr val="accent1">
+              <a:shade val="50000"/>
+            </a:schemeClr>
+          </a:lnRef>
+          <a:fillRef idx="1">
+            <a:schemeClr val="accent1"/>
+          </a:fillRef>
+          <a:effectRef idx="0">
+            <a:schemeClr val="accent1"/>
+          </a:effectRef>
+          <a:fontRef idx="minor">
+            <a:schemeClr val="lt1"/>
+          </a:fontRef>
+        </p:style>
+        <p:txBody>
+          <a:bodyPr rtlCol="0" anchor="ctr"/>
+          <a:lstStyle/>
+          <a:p>
+            <a:r>
+              <a:rPr lang="en-US" altLang="zh-CN" sz="4000" dirty="0">
+                <a:solidFill>
+                  <a:schemeClr val="bg1"/>
+                </a:solidFill>
+                <a:latin typeface="Times New Roman" panose="02020603050405020304" pitchFamily="18" charset="0"/>
+                <a:cs typeface="Times New Roman" panose="02020603050405020304" pitchFamily="18" charset="0"/>
+              </a:rPr>
+              <a:t>Result</a:t>
+            </a:r>
+            <a:endParaRPr lang="zh-CN" altLang="en-US" sz="4000" dirty="0">
+              <a:solidFill>
+                <a:schemeClr val="bg1"/>
+              </a:solidFill>
+              <a:latin typeface="Times New Roman" panose="02020603050405020304" pitchFamily="18" charset="0"/>
+              <a:cs typeface="Times New Roman" panose="02020603050405020304" pitchFamily="18" charset="0"/>
+            </a:endParaRPr>
+          </a:p>
+        </p:txBody>
+      </p:sp>
+      <p:sp>
+        <p:nvSpPr>
+          <p:cNvPr id="5" name="矩形 4">
+            <a:extLst>
+              <a:ext uri="{FF2B5EF4-FFF2-40B4-BE49-F238E27FC236}">
+                <a16:creationId xmlns:a16="http://schemas.microsoft.com/office/drawing/2014/main" id="{FE461C21-1DA5-1EEF-40F5-6F8AD5899BAF}"/>
+              </a:ext>
+            </a:extLst>
+          </p:cNvPr>
+          <p:cNvSpPr/>
+          <p:nvPr/>
+        </p:nvSpPr>
+        <p:spPr>
+          <a:xfrm>
+            <a:off x="7629" y="5175000"/>
+            <a:ext cx="864000" cy="540000"/>
+          </a:xfrm>
+          <a:prstGeom prst="rect">
+            <a:avLst/>
+          </a:prstGeom>
+          <a:solidFill>
+            <a:schemeClr val="tx1"/>
+          </a:solidFill>
+          <a:ln>
+            <a:noFill/>
+          </a:ln>
+        </p:spPr>
+        <p:style>
+          <a:lnRef idx="2">
+            <a:schemeClr val="accent1">
+              <a:shade val="50000"/>
+            </a:schemeClr>
+          </a:lnRef>
+          <a:fillRef idx="1">
+            <a:schemeClr val="accent1"/>
+          </a:fillRef>
+          <a:effectRef idx="0">
+            <a:schemeClr val="accent1"/>
+          </a:effectRef>
+          <a:fontRef idx="minor">
+            <a:schemeClr val="lt1"/>
+          </a:fontRef>
+        </p:style>
+        <p:txBody>
+          <a:bodyPr rtlCol="0" anchor="ctr"/>
+          <a:lstStyle/>
+          <a:p>
+            <a:pPr algn="ctr"/>
+            <a:r>
+              <a:rPr lang="en-US" altLang="zh-CN" sz="1800" b="1" dirty="0">
+                <a:latin typeface="Times New Roman" panose="02020603050405020304" pitchFamily="18" charset="0"/>
+                <a:cs typeface="Times New Roman" panose="02020603050405020304" pitchFamily="18" charset="0"/>
+              </a:rPr>
+              <a:t>25 / 41</a:t>
+            </a:r>
+            <a:endParaRPr lang="zh-CN" altLang="en-US" sz="1800" b="1" dirty="0">
+              <a:latin typeface="Times New Roman" panose="02020603050405020304" pitchFamily="18" charset="0"/>
+              <a:cs typeface="Times New Roman" panose="02020603050405020304" pitchFamily="18" charset="0"/>
+            </a:endParaRPr>
+          </a:p>
+        </p:txBody>
+      </p:sp>
+      <p:sp>
+        <p:nvSpPr>
+          <p:cNvPr id="12" name="Rectangle 11">
+            <a:extLst>
+              <a:ext uri="{FF2B5EF4-FFF2-40B4-BE49-F238E27FC236}">
+                <a16:creationId xmlns:a16="http://schemas.microsoft.com/office/drawing/2014/main" id="{2AE5AF11-C8FC-4A4C-64DC-86B1D312BD72}"/>
+              </a:ext>
+            </a:extLst>
+          </p:cNvPr>
+          <p:cNvSpPr/>
+          <p:nvPr/>
+        </p:nvSpPr>
+        <p:spPr>
+          <a:xfrm>
+            <a:off x="288015" y="1715811"/>
+            <a:ext cx="5947653" cy="2080670"/>
+          </a:xfrm>
+          <a:prstGeom prst="rect">
+            <a:avLst/>
+          </a:prstGeom>
+        </p:spPr>
+        <p:txBody>
+          <a:bodyPr vert="horz" lIns="91440" tIns="45720" rIns="91440" bIns="45720" rtlCol="0" anchor="t">
+            <a:normAutofit/>
+          </a:bodyPr>
+          <a:lstStyle/>
+          <a:p>
+            <a:pPr indent="-228600">
+              <a:lnSpc>
+                <a:spcPct val="90000"/>
+              </a:lnSpc>
+              <a:spcAft>
+                <a:spcPts val="600"/>
+              </a:spcAft>
+              <a:buFont typeface="Arial" panose="020B0604020202020204" pitchFamily="34" charset="0"/>
+              <a:buChar char="•"/>
+            </a:pPr>
+            <a:endParaRPr lang="en-US" sz="2200" b="1" dirty="0">
+              <a:solidFill>
+                <a:schemeClr val="bg1"/>
+              </a:solidFill>
+              <a:latin typeface="Times New Roman" panose="02020603050405020304" pitchFamily="18" charset="0"/>
+              <a:cs typeface="Times New Roman" panose="02020603050405020304" pitchFamily="18" charset="0"/>
+            </a:endParaRPr>
+          </a:p>
+        </p:txBody>
+      </p:sp>
+      <p:pic>
+        <p:nvPicPr>
+          <p:cNvPr id="7" name="图片 6">
+            <a:extLst>
+              <a:ext uri="{FF2B5EF4-FFF2-40B4-BE49-F238E27FC236}">
+                <a16:creationId xmlns:a16="http://schemas.microsoft.com/office/drawing/2014/main" id="{5FE04C7C-0D1B-C9B3-D864-2AD74DF874DB}"/>
+              </a:ext>
+            </a:extLst>
+          </p:cNvPr>
+          <p:cNvPicPr>
+            <a:picLocks noChangeAspect="1"/>
+          </p:cNvPicPr>
+          <p:nvPr/>
+        </p:nvPicPr>
+        <p:blipFill rotWithShape="1">
+          <a:blip r:embed="rId4">
+            <a:extLst>
+              <a:ext uri="{28A0092B-C50C-407E-A947-70E740481C1C}">
+                <a14:useLocalDpi xmlns:a14="http://schemas.microsoft.com/office/drawing/2010/main" val="0"/>
+              </a:ext>
+            </a:extLst>
+          </a:blip>
+          <a:srcRect r="50462"/>
+          <a:stretch/>
+        </p:blipFill>
+        <p:spPr>
+          <a:xfrm>
+            <a:off x="3668590" y="700753"/>
+            <a:ext cx="2594785" cy="4881354"/>
+          </a:xfrm>
+          <a:prstGeom prst="rect">
+            <a:avLst/>
+          </a:prstGeom>
+        </p:spPr>
+      </p:pic>
+      <p:sp>
+        <p:nvSpPr>
+          <p:cNvPr id="9" name="文本框 8">
+            <a:extLst>
+              <a:ext uri="{FF2B5EF4-FFF2-40B4-BE49-F238E27FC236}">
+                <a16:creationId xmlns:a16="http://schemas.microsoft.com/office/drawing/2014/main" id="{B08087C9-1DC5-72B5-00D8-92559DD89C35}"/>
+              </a:ext>
+            </a:extLst>
+          </p:cNvPr>
+          <p:cNvSpPr txBox="1"/>
+          <p:nvPr/>
+        </p:nvSpPr>
+        <p:spPr>
+          <a:xfrm>
+            <a:off x="3564614" y="6800"/>
+            <a:ext cx="2594785" cy="646331"/>
+          </a:xfrm>
+          <a:prstGeom prst="rect">
+            <a:avLst/>
+          </a:prstGeom>
+          <a:noFill/>
+        </p:spPr>
+        <p:txBody>
+          <a:bodyPr wrap="square">
+            <a:spAutoFit/>
+          </a:bodyPr>
+          <a:lstStyle/>
+          <a:p>
+            <a:pPr algn="ctr"/>
+            <a:r>
+              <a:rPr lang="en-US" altLang="zh-CN" sz="1800" dirty="0">
+                <a:solidFill>
+                  <a:schemeClr val="bg1"/>
+                </a:solidFill>
+                <a:latin typeface="Times New Roman" panose="02020603050405020304" pitchFamily="18" charset="0"/>
+                <a:cs typeface="Times New Roman" panose="02020603050405020304" pitchFamily="18" charset="0"/>
+              </a:rPr>
+              <a:t>Split Half Reliability</a:t>
+            </a:r>
+            <a:endParaRPr lang="en-US" altLang="zh-CN" dirty="0">
+              <a:solidFill>
+                <a:schemeClr val="bg1"/>
+              </a:solidFill>
+              <a:latin typeface="Times New Roman" panose="02020603050405020304" pitchFamily="18" charset="0"/>
+              <a:cs typeface="Times New Roman" panose="02020603050405020304" pitchFamily="18" charset="0"/>
+            </a:endParaRPr>
+          </a:p>
+          <a:p>
+            <a:pPr algn="ctr"/>
+            <a:r>
+              <a:rPr lang="en-US" altLang="zh-CN" dirty="0">
+                <a:solidFill>
+                  <a:schemeClr val="bg1"/>
+                </a:solidFill>
+                <a:latin typeface="Times New Roman" panose="02020603050405020304" pitchFamily="18" charset="0"/>
+                <a:cs typeface="Times New Roman" panose="02020603050405020304" pitchFamily="18" charset="0"/>
+              </a:rPr>
+              <a:t>Monte Carlo</a:t>
+            </a:r>
+          </a:p>
+        </p:txBody>
+      </p:sp>
+      <p:pic>
+        <p:nvPicPr>
+          <p:cNvPr id="14" name="图片 13" descr="表格&#10;&#10;中度可信度描述已自动生成">
+            <a:extLst>
+              <a:ext uri="{FF2B5EF4-FFF2-40B4-BE49-F238E27FC236}">
+                <a16:creationId xmlns:a16="http://schemas.microsoft.com/office/drawing/2014/main" id="{668711DD-7C22-0CC5-0AA4-EBFC08C0933A}"/>
+              </a:ext>
+            </a:extLst>
+          </p:cNvPr>
+          <p:cNvPicPr>
+            <a:picLocks noChangeAspect="1"/>
+          </p:cNvPicPr>
+          <p:nvPr/>
+        </p:nvPicPr>
+        <p:blipFill rotWithShape="1">
+          <a:blip r:embed="rId5">
+            <a:extLst>
+              <a:ext uri="{28A0092B-C50C-407E-A947-70E740481C1C}">
+                <a14:useLocalDpi xmlns:a14="http://schemas.microsoft.com/office/drawing/2010/main" val="0"/>
+              </a:ext>
+            </a:extLst>
+          </a:blip>
+          <a:srcRect r="48516"/>
+          <a:stretch/>
+        </p:blipFill>
+        <p:spPr>
+          <a:xfrm>
+            <a:off x="969830" y="700753"/>
+            <a:ext cx="2594784" cy="4881354"/>
+          </a:xfrm>
+          <a:prstGeom prst="rect">
+            <a:avLst/>
+          </a:prstGeom>
+        </p:spPr>
+      </p:pic>
+      <p:sp>
+        <p:nvSpPr>
+          <p:cNvPr id="15" name="文本框 14">
+            <a:extLst>
+              <a:ext uri="{FF2B5EF4-FFF2-40B4-BE49-F238E27FC236}">
+                <a16:creationId xmlns:a16="http://schemas.microsoft.com/office/drawing/2014/main" id="{5F09CF6B-3D6C-E73B-CD99-89CBAD02A821}"/>
+              </a:ext>
+            </a:extLst>
+          </p:cNvPr>
+          <p:cNvSpPr txBox="1"/>
+          <p:nvPr/>
+        </p:nvSpPr>
+        <p:spPr>
+          <a:xfrm>
+            <a:off x="1762397" y="2956764"/>
+            <a:ext cx="1009649" cy="369332"/>
+          </a:xfrm>
+          <a:prstGeom prst="rect">
+            <a:avLst/>
+          </a:prstGeom>
+          <a:noFill/>
+        </p:spPr>
+        <p:txBody>
+          <a:bodyPr wrap="square" rtlCol="0">
+            <a:spAutoFit/>
+          </a:bodyPr>
+          <a:lstStyle/>
+          <a:p>
+            <a:r>
+              <a:rPr lang="en-US" altLang="zh-CN" b="1" dirty="0">
+                <a:solidFill>
+                  <a:srgbClr val="780000"/>
+                </a:solidFill>
+                <a:latin typeface="Times New Roman" panose="02020603050405020304" pitchFamily="18" charset="0"/>
+                <a:cs typeface="Times New Roman" panose="02020603050405020304" pitchFamily="18" charset="0"/>
+              </a:rPr>
+              <a:t>MC= 10</a:t>
+            </a:r>
+            <a:endParaRPr lang="zh-CN" altLang="en-US" b="1" dirty="0">
+              <a:solidFill>
+                <a:srgbClr val="780000"/>
+              </a:solidFill>
+              <a:latin typeface="Times New Roman" panose="02020603050405020304" pitchFamily="18" charset="0"/>
+              <a:cs typeface="Times New Roman" panose="02020603050405020304" pitchFamily="18" charset="0"/>
+            </a:endParaRPr>
+          </a:p>
+        </p:txBody>
+      </p:sp>
+      <p:sp>
+        <p:nvSpPr>
+          <p:cNvPr id="18" name="文本框 17">
+            <a:extLst>
+              <a:ext uri="{FF2B5EF4-FFF2-40B4-BE49-F238E27FC236}">
+                <a16:creationId xmlns:a16="http://schemas.microsoft.com/office/drawing/2014/main" id="{61435763-7ED1-8562-BF32-08AD0BED06D0}"/>
+              </a:ext>
+            </a:extLst>
+          </p:cNvPr>
+          <p:cNvSpPr txBox="1"/>
+          <p:nvPr/>
+        </p:nvSpPr>
+        <p:spPr>
+          <a:xfrm>
+            <a:off x="4461157" y="2956764"/>
+            <a:ext cx="1009649" cy="369332"/>
+          </a:xfrm>
+          <a:prstGeom prst="rect">
+            <a:avLst/>
+          </a:prstGeom>
+          <a:noFill/>
+        </p:spPr>
+        <p:txBody>
+          <a:bodyPr wrap="square" rtlCol="0">
+            <a:spAutoFit/>
+          </a:bodyPr>
+          <a:lstStyle/>
+          <a:p>
+            <a:r>
+              <a:rPr lang="en-US" altLang="zh-CN" b="1" dirty="0">
+                <a:solidFill>
+                  <a:srgbClr val="780000"/>
+                </a:solidFill>
+                <a:latin typeface="Times New Roman" panose="02020603050405020304" pitchFamily="18" charset="0"/>
+                <a:cs typeface="Times New Roman" panose="02020603050405020304" pitchFamily="18" charset="0"/>
+              </a:rPr>
+              <a:t>MC= 5k</a:t>
+            </a:r>
+            <a:endParaRPr lang="zh-CN" altLang="en-US" b="1" dirty="0">
+              <a:solidFill>
+                <a:srgbClr val="780000"/>
+              </a:solidFill>
+              <a:latin typeface="Times New Roman" panose="02020603050405020304" pitchFamily="18" charset="0"/>
+              <a:cs typeface="Times New Roman" panose="02020603050405020304" pitchFamily="18" charset="0"/>
+            </a:endParaRPr>
+          </a:p>
+        </p:txBody>
+      </p:sp>
+    </p:spTree>
+    <p:extLst>
+      <p:ext uri="{BB962C8B-B14F-4D97-AF65-F5344CB8AC3E}">
+        <p14:creationId xmlns:p14="http://schemas.microsoft.com/office/powerpoint/2010/main" val="2943574523"/>
+      </p:ext>
+    </p:extLst>
+  </p:cSld>
+  <p:clrMapOvr>
+    <a:masterClrMapping/>
+  </p:clrMapOvr>
+  <p:timing>
+    <p:tnLst>
+      <p:par>
+        <p:cTn id="1" dur="indefinite" restart="never" nodeType="tmRoot">
+          <p:childTnLst>
+            <p:seq concurrent="1" nextAc="seek">
+              <p:cTn id="2" dur="indefinite" nodeType="mainSeq">
+                <p:childTnLst>
+                  <p:par>
+                    <p:cTn id="3" fill="hold">
+                      <p:stCondLst>
+                        <p:cond delay="indefinite"/>
+                      </p:stCondLst>
+                      <p:childTnLst>
+                        <p:par>
+                          <p:cTn id="4" fill="hold">
+                            <p:stCondLst>
+                              <p:cond delay="0"/>
+                            </p:stCondLst>
+                            <p:childTnLst>
+                              <p:par>
+                                <p:cTn id="5" presetID="1" presetClass="entr" presetSubtype="0" fill="hold" grpId="0" nodeType="clickEffect">
+                                  <p:stCondLst>
+                                    <p:cond delay="0"/>
+                                  </p:stCondLst>
+                                  <p:childTnLst>
+                                    <p:set>
+                                      <p:cBhvr>
+                                        <p:cTn id="6" dur="1" fill="hold">
+                                          <p:stCondLst>
+                                            <p:cond delay="0"/>
+                                          </p:stCondLst>
+                                        </p:cTn>
+                                        <p:tgtEl>
+                                          <p:spTgt spid="15"/>
+                                        </p:tgtEl>
+                                        <p:attrNameLst>
+                                          <p:attrName>style.visibility</p:attrName>
+                                        </p:attrNameLst>
+                                      </p:cBhvr>
+                                      <p:to>
+                                        <p:strVal val="visible"/>
+                                      </p:to>
+                                    </p:set>
+                                  </p:childTnLst>
+                                </p:cTn>
+                              </p:par>
+                              <p:par>
+                                <p:cTn id="7" presetID="1" presetClass="entr" presetSubtype="0" fill="hold" grpId="0" nodeType="withEffect">
+                                  <p:stCondLst>
+                                    <p:cond delay="0"/>
+                                  </p:stCondLst>
+                                  <p:childTnLst>
+                                    <p:set>
+                                      <p:cBhvr>
+                                        <p:cTn id="8" dur="1" fill="hold">
+                                          <p:stCondLst>
+                                            <p:cond delay="0"/>
+                                          </p:stCondLst>
+                                        </p:cTn>
+                                        <p:tgtEl>
+                                          <p:spTgt spid="18"/>
+                                        </p:tgtEl>
+                                        <p:attrNameLst>
+                                          <p:attrName>style.visibility</p:attrName>
+                                        </p:attrNameLst>
+                                      </p:cBhvr>
+                                      <p:to>
+                                        <p:strVal val="visible"/>
+                                      </p:to>
+                                    </p:set>
+                                  </p:childTnLst>
+                                </p:cTn>
+                              </p:par>
+                            </p:childTnLst>
+                          </p:cTn>
+                        </p:par>
+                      </p:childTnLst>
+                    </p:cTn>
+                  </p:par>
+                </p:childTnLst>
+              </p:cTn>
+              <p:prevCondLst>
+                <p:cond evt="onPrev" delay="0">
+                  <p:tgtEl>
+                    <p:sldTgt/>
+                  </p:tgtEl>
+                </p:cond>
+              </p:prevCondLst>
+              <p:nextCondLst>
+                <p:cond evt="onNext" delay="0">
+                  <p:tgtEl>
+                    <p:sldTgt/>
+                  </p:tgtEl>
+                </p:cond>
+              </p:nextCondLst>
+            </p:seq>
+          </p:childTnLst>
+        </p:cTn>
+      </p:par>
+    </p:tnLst>
+    <p:bldLst>
+      <p:bldP spid="15" grpId="0"/>
+      <p:bldP spid="18" grpId="0"/>
+    </p:bldLst>
+  </p:timing>
+</p:sld>
+</file>
+
+<file path=ppt/slides/slide28.xml><?xml version="1.0" encoding="utf-8"?>
 <p:sld xmlns:a="http://schemas.openxmlformats.org/drawingml/2006/main" xmlns:r="http://schemas.openxmlformats.org/officeDocument/2006/relationships" xmlns:p="http://schemas.openxmlformats.org/presentationml/2006/main">
   <p:cSld>
     <p:spTree>
@@ -23660,7 +26128,7 @@
 </p:sld>
 </file>
 
-<file path=ppt/slides/slide27.xml><?xml version="1.0" encoding="utf-8"?>
+<file path=ppt/slides/slide29.xml><?xml version="1.0" encoding="utf-8"?>
 <p:sld xmlns:a="http://schemas.openxmlformats.org/drawingml/2006/main" xmlns:r="http://schemas.openxmlformats.org/officeDocument/2006/relationships" xmlns:p="http://schemas.openxmlformats.org/presentationml/2006/main">
   <p:cSld>
     <p:spTree>
@@ -24127,7 +26595,467 @@
 </p:sld>
 </file>
 
-<file path=ppt/slides/slide28.xml><?xml version="1.0" encoding="utf-8"?>
+<file path=ppt/slides/slide3.xml><?xml version="1.0" encoding="utf-8"?>
+<p:sld xmlns:a="http://schemas.openxmlformats.org/drawingml/2006/main" xmlns:r="http://schemas.openxmlformats.org/officeDocument/2006/relationships" xmlns:p="http://schemas.openxmlformats.org/presentationml/2006/main">
+  <p:cSld>
+    <p:spTree>
+      <p:nvGrpSpPr>
+        <p:cNvPr id="1" name=""/>
+        <p:cNvGrpSpPr/>
+        <p:nvPr/>
+      </p:nvGrpSpPr>
+      <p:grpSpPr>
+        <a:xfrm>
+          <a:off x="0" y="0"/>
+          <a:ext cx="0" cy="0"/>
+          <a:chOff x="0" y="0"/>
+          <a:chExt cx="0" cy="0"/>
+        </a:xfrm>
+      </p:grpSpPr>
+      <p:sp>
+        <p:nvSpPr>
+          <p:cNvPr id="6" name="矩形 5">
+            <a:extLst>
+              <a:ext uri="{FF2B5EF4-FFF2-40B4-BE49-F238E27FC236}">
+                <a16:creationId xmlns:a16="http://schemas.microsoft.com/office/drawing/2014/main" id="{D89A1788-3DCA-5E59-1C6D-272D6AB1F2D3}"/>
+              </a:ext>
+            </a:extLst>
+          </p:cNvPr>
+          <p:cNvSpPr/>
+          <p:nvPr/>
+        </p:nvSpPr>
+        <p:spPr>
+          <a:xfrm>
+            <a:off x="6523682" y="0"/>
+            <a:ext cx="2620318" cy="5714995"/>
+          </a:xfrm>
+          <a:prstGeom prst="rect">
+            <a:avLst/>
+          </a:prstGeom>
+          <a:solidFill>
+            <a:schemeClr val="tx1"/>
+          </a:solidFill>
+          <a:ln w="38100">
+            <a:noFill/>
+          </a:ln>
+        </p:spPr>
+        <p:style>
+          <a:lnRef idx="2">
+            <a:schemeClr val="accent1">
+              <a:shade val="50000"/>
+            </a:schemeClr>
+          </a:lnRef>
+          <a:fillRef idx="1">
+            <a:schemeClr val="accent1"/>
+          </a:fillRef>
+          <a:effectRef idx="0">
+            <a:schemeClr val="accent1"/>
+          </a:effectRef>
+          <a:fontRef idx="minor">
+            <a:schemeClr val="lt1"/>
+          </a:fontRef>
+        </p:style>
+        <p:txBody>
+          <a:bodyPr rtlCol="0" anchor="t"/>
+          <a:lstStyle/>
+          <a:p>
+            <a:pPr algn="ctr"/>
+            <a:endParaRPr lang="en-US" altLang="zh-CN" sz="4050" i="1" dirty="0">
+              <a:latin typeface="Times New Roman" panose="02020603050405020304" pitchFamily="18" charset="0"/>
+              <a:cs typeface="Times New Roman" panose="02020603050405020304" pitchFamily="18" charset="0"/>
+            </a:endParaRPr>
+          </a:p>
+          <a:p>
+            <a:pPr algn="ctr"/>
+            <a:r>
+              <a:rPr lang="en-US" altLang="zh-CN" sz="4400" b="1" cap="none" spc="0" dirty="0">
+                <a:ln>
+                  <a:solidFill>
+                    <a:srgbClr val="FAF1B4"/>
+                  </a:solidFill>
+                </a:ln>
+                <a:solidFill>
+                  <a:srgbClr val="FAF1B4"/>
+                </a:solidFill>
+                <a:effectLst>
+                  <a:reflection blurRad="6350" stA="55000" endA="300" endPos="45500" dir="5400000" sy="-100000" algn="bl" rotWithShape="0"/>
+                </a:effectLst>
+                <a:latin typeface="Times New Roman" panose="02020603050405020304" pitchFamily="18" charset="0"/>
+                <a:cs typeface="Times New Roman" panose="02020603050405020304" pitchFamily="18" charset="0"/>
+              </a:rPr>
+              <a:t>R</a:t>
+            </a:r>
+            <a:r>
+              <a:rPr lang="en-US" altLang="zh-CN" sz="4050" dirty="0">
+                <a:latin typeface="Times New Roman" panose="02020603050405020304" pitchFamily="18" charset="0"/>
+                <a:cs typeface="Times New Roman" panose="02020603050405020304" pitchFamily="18" charset="0"/>
+              </a:rPr>
+              <a:t> </a:t>
+            </a:r>
+            <a:r>
+              <a:rPr lang="en-US" altLang="zh-CN" sz="3000" dirty="0">
+                <a:latin typeface="Times New Roman" panose="02020603050405020304" pitchFamily="18" charset="0"/>
+                <a:cs typeface="Times New Roman" panose="02020603050405020304" pitchFamily="18" charset="0"/>
+              </a:rPr>
+              <a:t>of</a:t>
+            </a:r>
+            <a:r>
+              <a:rPr lang="en-US" altLang="zh-CN" sz="4050" dirty="0">
+                <a:latin typeface="Times New Roman" panose="02020603050405020304" pitchFamily="18" charset="0"/>
+                <a:cs typeface="Times New Roman" panose="02020603050405020304" pitchFamily="18" charset="0"/>
+              </a:rPr>
+              <a:t> </a:t>
+            </a:r>
+            <a:r>
+              <a:rPr lang="en-US" altLang="zh-TW" sz="4050" dirty="0">
+                <a:latin typeface="Times New Roman" panose="02020603050405020304" pitchFamily="18" charset="0"/>
+                <a:cs typeface="Times New Roman" panose="02020603050405020304" pitchFamily="18" charset="0"/>
+              </a:rPr>
+              <a:t>SPMT</a:t>
+            </a:r>
+          </a:p>
+        </p:txBody>
+      </p:sp>
+      <p:grpSp>
+        <p:nvGrpSpPr>
+          <p:cNvPr id="17" name="组合 16">
+            <a:extLst>
+              <a:ext uri="{FF2B5EF4-FFF2-40B4-BE49-F238E27FC236}">
+                <a16:creationId xmlns:a16="http://schemas.microsoft.com/office/drawing/2014/main" id="{B0C039CE-E35B-FB20-4F6F-73AF29F5EC82}"/>
+              </a:ext>
+            </a:extLst>
+          </p:cNvPr>
+          <p:cNvGrpSpPr/>
+          <p:nvPr/>
+        </p:nvGrpSpPr>
+        <p:grpSpPr>
+          <a:xfrm>
+            <a:off x="8023252" y="5229633"/>
+            <a:ext cx="1057142" cy="414474"/>
+            <a:chOff x="10502095" y="6069536"/>
+            <a:chExt cx="1409523" cy="552632"/>
+          </a:xfrm>
+        </p:grpSpPr>
+        <p:pic>
+          <p:nvPicPr>
+            <p:cNvPr id="10" name="图片 9" descr="图片包含 背景图案&#10;&#10;描述已自动生成">
+              <a:extLst>
+                <a:ext uri="{FF2B5EF4-FFF2-40B4-BE49-F238E27FC236}">
+                  <a16:creationId xmlns:a16="http://schemas.microsoft.com/office/drawing/2014/main" id="{630E8096-9BAE-771C-F26B-5E769FE2760E}"/>
+                </a:ext>
+              </a:extLst>
+            </p:cNvPr>
+            <p:cNvPicPr>
+              <a:picLocks noChangeAspect="1"/>
+            </p:cNvPicPr>
+            <p:nvPr/>
+          </p:nvPicPr>
+          <p:blipFill>
+            <a:blip r:embed="rId2">
+              <a:extLst>
+                <a:ext uri="{28A0092B-C50C-407E-A947-70E740481C1C}">
+                  <a14:useLocalDpi xmlns:a14="http://schemas.microsoft.com/office/drawing/2010/main" val="0"/>
+                </a:ext>
+              </a:extLst>
+            </a:blip>
+            <a:stretch>
+              <a:fillRect/>
+            </a:stretch>
+          </p:blipFill>
+          <p:spPr>
+            <a:xfrm>
+              <a:off x="11427454" y="6069536"/>
+              <a:ext cx="484164" cy="552632"/>
+            </a:xfrm>
+            <a:prstGeom prst="rect">
+              <a:avLst/>
+            </a:prstGeom>
+          </p:spPr>
+        </p:pic>
+        <p:sp>
+          <p:nvSpPr>
+            <p:cNvPr id="16" name="文本框 15">
+              <a:extLst>
+                <a:ext uri="{FF2B5EF4-FFF2-40B4-BE49-F238E27FC236}">
+                  <a16:creationId xmlns:a16="http://schemas.microsoft.com/office/drawing/2014/main" id="{790C7AEC-1C60-148D-F56E-026682E2E6F2}"/>
+                </a:ext>
+              </a:extLst>
+            </p:cNvPr>
+            <p:cNvSpPr txBox="1"/>
+            <p:nvPr/>
+          </p:nvSpPr>
+          <p:spPr>
+            <a:xfrm>
+              <a:off x="10502095" y="6183287"/>
+              <a:ext cx="925359" cy="339153"/>
+            </a:xfrm>
+            <a:prstGeom prst="rect">
+              <a:avLst/>
+            </a:prstGeom>
+            <a:noFill/>
+          </p:spPr>
+          <p:txBody>
+            <a:bodyPr wrap="square" rtlCol="0">
+              <a:spAutoFit/>
+            </a:bodyPr>
+            <a:lstStyle/>
+            <a:p>
+              <a:r>
+                <a:rPr lang="en-US" altLang="zh-CN" sz="1053" dirty="0">
+                  <a:solidFill>
+                    <a:schemeClr val="bg1"/>
+                  </a:solidFill>
+                  <a:latin typeface="Times New Roman" panose="02020603050405020304" pitchFamily="18" charset="0"/>
+                  <a:cs typeface="Times New Roman" panose="02020603050405020304" pitchFamily="18" charset="0"/>
+                </a:rPr>
+                <a:t>by YuKi</a:t>
+              </a:r>
+              <a:endParaRPr lang="zh-CN" altLang="en-US" sz="1053" dirty="0">
+                <a:solidFill>
+                  <a:schemeClr val="bg1"/>
+                </a:solidFill>
+                <a:latin typeface="Times New Roman" panose="02020603050405020304" pitchFamily="18" charset="0"/>
+                <a:cs typeface="Times New Roman" panose="02020603050405020304" pitchFamily="18" charset="0"/>
+              </a:endParaRPr>
+            </a:p>
+          </p:txBody>
+        </p:sp>
+      </p:grpSp>
+      <p:sp>
+        <p:nvSpPr>
+          <p:cNvPr id="3" name="矩形 2">
+            <a:extLst>
+              <a:ext uri="{FF2B5EF4-FFF2-40B4-BE49-F238E27FC236}">
+                <a16:creationId xmlns:a16="http://schemas.microsoft.com/office/drawing/2014/main" id="{C6B03883-6ED4-84CA-8282-B8EC86CE999A}"/>
+              </a:ext>
+            </a:extLst>
+          </p:cNvPr>
+          <p:cNvSpPr/>
+          <p:nvPr/>
+        </p:nvSpPr>
+        <p:spPr>
+          <a:xfrm>
+            <a:off x="-2" y="0"/>
+            <a:ext cx="3276602" cy="653131"/>
+          </a:xfrm>
+          <a:prstGeom prst="rect">
+            <a:avLst/>
+          </a:prstGeom>
+          <a:solidFill>
+            <a:schemeClr val="tx1"/>
+          </a:solidFill>
+          <a:ln>
+            <a:noFill/>
+          </a:ln>
+        </p:spPr>
+        <p:style>
+          <a:lnRef idx="2">
+            <a:schemeClr val="accent1">
+              <a:shade val="50000"/>
+            </a:schemeClr>
+          </a:lnRef>
+          <a:fillRef idx="1">
+            <a:schemeClr val="accent1"/>
+          </a:fillRef>
+          <a:effectRef idx="0">
+            <a:schemeClr val="accent1"/>
+          </a:effectRef>
+          <a:fontRef idx="minor">
+            <a:schemeClr val="lt1"/>
+          </a:fontRef>
+        </p:style>
+        <p:txBody>
+          <a:bodyPr rtlCol="0" anchor="ctr"/>
+          <a:lstStyle/>
+          <a:p>
+            <a:r>
+              <a:rPr lang="en-US" altLang="zh-CN" sz="4000" dirty="0">
+                <a:solidFill>
+                  <a:schemeClr val="bg1"/>
+                </a:solidFill>
+                <a:latin typeface="Times New Roman" panose="02020603050405020304" pitchFamily="18" charset="0"/>
+                <a:cs typeface="Times New Roman" panose="02020603050405020304" pitchFamily="18" charset="0"/>
+              </a:rPr>
+              <a:t>Introduction</a:t>
+            </a:r>
+            <a:endParaRPr lang="zh-CN" altLang="en-US" sz="4000" dirty="0">
+              <a:solidFill>
+                <a:schemeClr val="bg1"/>
+              </a:solidFill>
+              <a:latin typeface="Times New Roman" panose="02020603050405020304" pitchFamily="18" charset="0"/>
+              <a:cs typeface="Times New Roman" panose="02020603050405020304" pitchFamily="18" charset="0"/>
+            </a:endParaRPr>
+          </a:p>
+        </p:txBody>
+      </p:sp>
+      <p:sp>
+        <p:nvSpPr>
+          <p:cNvPr id="5" name="矩形 4">
+            <a:extLst>
+              <a:ext uri="{FF2B5EF4-FFF2-40B4-BE49-F238E27FC236}">
+                <a16:creationId xmlns:a16="http://schemas.microsoft.com/office/drawing/2014/main" id="{FE461C21-1DA5-1EEF-40F5-6F8AD5899BAF}"/>
+              </a:ext>
+            </a:extLst>
+          </p:cNvPr>
+          <p:cNvSpPr/>
+          <p:nvPr/>
+        </p:nvSpPr>
+        <p:spPr>
+          <a:xfrm>
+            <a:off x="7629" y="5175000"/>
+            <a:ext cx="864000" cy="540000"/>
+          </a:xfrm>
+          <a:prstGeom prst="rect">
+            <a:avLst/>
+          </a:prstGeom>
+          <a:solidFill>
+            <a:schemeClr val="tx1"/>
+          </a:solidFill>
+          <a:ln>
+            <a:noFill/>
+          </a:ln>
+        </p:spPr>
+        <p:style>
+          <a:lnRef idx="2">
+            <a:schemeClr val="accent1">
+              <a:shade val="50000"/>
+            </a:schemeClr>
+          </a:lnRef>
+          <a:fillRef idx="1">
+            <a:schemeClr val="accent1"/>
+          </a:fillRef>
+          <a:effectRef idx="0">
+            <a:schemeClr val="accent1"/>
+          </a:effectRef>
+          <a:fontRef idx="minor">
+            <a:schemeClr val="lt1"/>
+          </a:fontRef>
+        </p:style>
+        <p:txBody>
+          <a:bodyPr rtlCol="0" anchor="ctr"/>
+          <a:lstStyle/>
+          <a:p>
+            <a:pPr algn="ctr"/>
+            <a:r>
+              <a:rPr lang="en-US" altLang="zh-CN" sz="1800" b="1" dirty="0">
+                <a:latin typeface="Times New Roman" panose="02020603050405020304" pitchFamily="18" charset="0"/>
+                <a:cs typeface="Times New Roman" panose="02020603050405020304" pitchFamily="18" charset="0"/>
+              </a:rPr>
+              <a:t>03 / 41</a:t>
+            </a:r>
+            <a:endParaRPr lang="zh-CN" altLang="en-US" sz="1800" b="1" dirty="0">
+              <a:latin typeface="Times New Roman" panose="02020603050405020304" pitchFamily="18" charset="0"/>
+              <a:cs typeface="Times New Roman" panose="02020603050405020304" pitchFamily="18" charset="0"/>
+            </a:endParaRPr>
+          </a:p>
+        </p:txBody>
+      </p:sp>
+      <p:sp>
+        <p:nvSpPr>
+          <p:cNvPr id="12" name="Rectangle 11">
+            <a:extLst>
+              <a:ext uri="{FF2B5EF4-FFF2-40B4-BE49-F238E27FC236}">
+                <a16:creationId xmlns:a16="http://schemas.microsoft.com/office/drawing/2014/main" id="{2AE5AF11-C8FC-4A4C-64DC-86B1D312BD72}"/>
+              </a:ext>
+            </a:extLst>
+          </p:cNvPr>
+          <p:cNvSpPr/>
+          <p:nvPr/>
+        </p:nvSpPr>
+        <p:spPr>
+          <a:xfrm>
+            <a:off x="288015" y="1715811"/>
+            <a:ext cx="5947653" cy="2080670"/>
+          </a:xfrm>
+          <a:prstGeom prst="rect">
+            <a:avLst/>
+          </a:prstGeom>
+        </p:spPr>
+        <p:txBody>
+          <a:bodyPr vert="horz" lIns="91440" tIns="45720" rIns="91440" bIns="45720" rtlCol="0" anchor="t">
+            <a:normAutofit/>
+          </a:bodyPr>
+          <a:lstStyle/>
+          <a:p>
+            <a:pPr indent="-228600">
+              <a:lnSpc>
+                <a:spcPct val="90000"/>
+              </a:lnSpc>
+              <a:spcAft>
+                <a:spcPts val="600"/>
+              </a:spcAft>
+              <a:buFont typeface="Arial" panose="020B0604020202020204" pitchFamily="34" charset="0"/>
+              <a:buChar char="•"/>
+            </a:pPr>
+            <a:endParaRPr lang="en-US" sz="2200" b="1" dirty="0">
+              <a:solidFill>
+                <a:schemeClr val="bg1"/>
+              </a:solidFill>
+              <a:latin typeface="Times New Roman" panose="02020603050405020304" pitchFamily="18" charset="0"/>
+              <a:cs typeface="Times New Roman" panose="02020603050405020304" pitchFamily="18" charset="0"/>
+            </a:endParaRPr>
+          </a:p>
+        </p:txBody>
+      </p:sp>
+      <p:sp>
+        <p:nvSpPr>
+          <p:cNvPr id="4" name="文本框 3">
+            <a:extLst>
+              <a:ext uri="{FF2B5EF4-FFF2-40B4-BE49-F238E27FC236}">
+                <a16:creationId xmlns:a16="http://schemas.microsoft.com/office/drawing/2014/main" id="{79382212-40B2-FA6B-EF2C-8ECD56A7873F}"/>
+              </a:ext>
+            </a:extLst>
+          </p:cNvPr>
+          <p:cNvSpPr txBox="1"/>
+          <p:nvPr/>
+        </p:nvSpPr>
+        <p:spPr>
+          <a:xfrm>
+            <a:off x="1231541" y="2565112"/>
+            <a:ext cx="4090118" cy="584775"/>
+          </a:xfrm>
+          <a:prstGeom prst="rect">
+            <a:avLst/>
+          </a:prstGeom>
+          <a:noFill/>
+        </p:spPr>
+        <p:txBody>
+          <a:bodyPr wrap="square">
+            <a:spAutoFit/>
+          </a:bodyPr>
+          <a:lstStyle/>
+          <a:p>
+            <a:pPr marL="285750" indent="-285750">
+              <a:buFont typeface="Wingdings" panose="05000000000000000000" pitchFamily="2" charset="2"/>
+              <a:buChar char="l"/>
+            </a:pPr>
+            <a:r>
+              <a:rPr lang="en-US" altLang="zh-CN" sz="3200" dirty="0">
+                <a:solidFill>
+                  <a:srgbClr val="FAF1B4"/>
+                </a:solidFill>
+                <a:latin typeface="Times New Roman" panose="02020603050405020304" pitchFamily="18" charset="0"/>
+                <a:cs typeface="Times New Roman" panose="02020603050405020304" pitchFamily="18" charset="0"/>
+              </a:rPr>
+              <a:t> Introduction </a:t>
+            </a:r>
+          </a:p>
+        </p:txBody>
+      </p:sp>
+    </p:spTree>
+    <p:extLst>
+      <p:ext uri="{BB962C8B-B14F-4D97-AF65-F5344CB8AC3E}">
+        <p14:creationId xmlns:p14="http://schemas.microsoft.com/office/powerpoint/2010/main" val="1930206957"/>
+      </p:ext>
+    </p:extLst>
+  </p:cSld>
+  <p:clrMapOvr>
+    <a:masterClrMapping/>
+  </p:clrMapOvr>
+</p:sld>
+</file>
+
+<file path=ppt/slides/slide30.xml><?xml version="1.0" encoding="utf-8"?>
 <p:sld xmlns:a="http://schemas.openxmlformats.org/drawingml/2006/main" xmlns:r="http://schemas.openxmlformats.org/officeDocument/2006/relationships" xmlns:p="http://schemas.openxmlformats.org/presentationml/2006/main">
   <p:cSld>
     <p:spTree>
@@ -24701,7 +27629,7 @@
 </p:sld>
 </file>
 
-<file path=ppt/slides/slide29.xml><?xml version="1.0" encoding="utf-8"?>
+<file path=ppt/slides/slide31.xml><?xml version="1.0" encoding="utf-8"?>
 <p:sld xmlns:a="http://schemas.openxmlformats.org/drawingml/2006/main" xmlns:r="http://schemas.openxmlformats.org/officeDocument/2006/relationships" xmlns:p="http://schemas.openxmlformats.org/presentationml/2006/main">
   <p:cSld>
     <p:spTree>
@@ -25135,14 +28063,14 @@
             <a:r>
               <a:rPr lang="en-US" altLang="zh-CN" sz="1000" dirty="0">
                 <a:solidFill>
-                  <a:schemeClr val="bg1"/>
+                  <a:srgbClr val="FAF1B4"/>
                 </a:solidFill>
               </a:rPr>
               <a:t>https://github.com/yuki-961004/Reliability_SPMT/tree/main/5_Analysis/DDM_Packages_Comparison</a:t>
             </a:r>
             <a:endParaRPr lang="zh-CN" altLang="en-US" sz="1000" dirty="0">
               <a:solidFill>
-                <a:schemeClr val="bg1"/>
+                <a:srgbClr val="FAF1B4"/>
               </a:solidFill>
             </a:endParaRPr>
           </a:p>
@@ -25197,467 +28125,7 @@
 </p:sld>
 </file>
 
-<file path=ppt/slides/slide3.xml><?xml version="1.0" encoding="utf-8"?>
-<p:sld xmlns:a="http://schemas.openxmlformats.org/drawingml/2006/main" xmlns:r="http://schemas.openxmlformats.org/officeDocument/2006/relationships" xmlns:p="http://schemas.openxmlformats.org/presentationml/2006/main">
-  <p:cSld>
-    <p:spTree>
-      <p:nvGrpSpPr>
-        <p:cNvPr id="1" name=""/>
-        <p:cNvGrpSpPr/>
-        <p:nvPr/>
-      </p:nvGrpSpPr>
-      <p:grpSpPr>
-        <a:xfrm>
-          <a:off x="0" y="0"/>
-          <a:ext cx="0" cy="0"/>
-          <a:chOff x="0" y="0"/>
-          <a:chExt cx="0" cy="0"/>
-        </a:xfrm>
-      </p:grpSpPr>
-      <p:sp>
-        <p:nvSpPr>
-          <p:cNvPr id="6" name="矩形 5">
-            <a:extLst>
-              <a:ext uri="{FF2B5EF4-FFF2-40B4-BE49-F238E27FC236}">
-                <a16:creationId xmlns:a16="http://schemas.microsoft.com/office/drawing/2014/main" id="{D89A1788-3DCA-5E59-1C6D-272D6AB1F2D3}"/>
-              </a:ext>
-            </a:extLst>
-          </p:cNvPr>
-          <p:cNvSpPr/>
-          <p:nvPr/>
-        </p:nvSpPr>
-        <p:spPr>
-          <a:xfrm>
-            <a:off x="6523682" y="0"/>
-            <a:ext cx="2620318" cy="5714995"/>
-          </a:xfrm>
-          <a:prstGeom prst="rect">
-            <a:avLst/>
-          </a:prstGeom>
-          <a:solidFill>
-            <a:schemeClr val="tx1"/>
-          </a:solidFill>
-          <a:ln w="38100">
-            <a:noFill/>
-          </a:ln>
-        </p:spPr>
-        <p:style>
-          <a:lnRef idx="2">
-            <a:schemeClr val="accent1">
-              <a:shade val="50000"/>
-            </a:schemeClr>
-          </a:lnRef>
-          <a:fillRef idx="1">
-            <a:schemeClr val="accent1"/>
-          </a:fillRef>
-          <a:effectRef idx="0">
-            <a:schemeClr val="accent1"/>
-          </a:effectRef>
-          <a:fontRef idx="minor">
-            <a:schemeClr val="lt1"/>
-          </a:fontRef>
-        </p:style>
-        <p:txBody>
-          <a:bodyPr rtlCol="0" anchor="t"/>
-          <a:lstStyle/>
-          <a:p>
-            <a:pPr algn="ctr"/>
-            <a:endParaRPr lang="en-US" altLang="zh-CN" sz="4050" i="1" dirty="0">
-              <a:latin typeface="Times New Roman" panose="02020603050405020304" pitchFamily="18" charset="0"/>
-              <a:cs typeface="Times New Roman" panose="02020603050405020304" pitchFamily="18" charset="0"/>
-            </a:endParaRPr>
-          </a:p>
-          <a:p>
-            <a:pPr algn="ctr"/>
-            <a:r>
-              <a:rPr lang="en-US" altLang="zh-CN" sz="4400" b="1" cap="none" spc="0" dirty="0">
-                <a:ln>
-                  <a:solidFill>
-                    <a:srgbClr val="FAF1B4"/>
-                  </a:solidFill>
-                </a:ln>
-                <a:solidFill>
-                  <a:srgbClr val="FAF1B4"/>
-                </a:solidFill>
-                <a:effectLst>
-                  <a:reflection blurRad="6350" stA="55000" endA="300" endPos="45500" dir="5400000" sy="-100000" algn="bl" rotWithShape="0"/>
-                </a:effectLst>
-                <a:latin typeface="Times New Roman" panose="02020603050405020304" pitchFamily="18" charset="0"/>
-                <a:cs typeface="Times New Roman" panose="02020603050405020304" pitchFamily="18" charset="0"/>
-              </a:rPr>
-              <a:t>R</a:t>
-            </a:r>
-            <a:r>
-              <a:rPr lang="en-US" altLang="zh-CN" sz="4050" dirty="0">
-                <a:latin typeface="Times New Roman" panose="02020603050405020304" pitchFamily="18" charset="0"/>
-                <a:cs typeface="Times New Roman" panose="02020603050405020304" pitchFamily="18" charset="0"/>
-              </a:rPr>
-              <a:t> </a:t>
-            </a:r>
-            <a:r>
-              <a:rPr lang="en-US" altLang="zh-CN" sz="3000" dirty="0">
-                <a:latin typeface="Times New Roman" panose="02020603050405020304" pitchFamily="18" charset="0"/>
-                <a:cs typeface="Times New Roman" panose="02020603050405020304" pitchFamily="18" charset="0"/>
-              </a:rPr>
-              <a:t>of</a:t>
-            </a:r>
-            <a:r>
-              <a:rPr lang="en-US" altLang="zh-CN" sz="4050" dirty="0">
-                <a:latin typeface="Times New Roman" panose="02020603050405020304" pitchFamily="18" charset="0"/>
-                <a:cs typeface="Times New Roman" panose="02020603050405020304" pitchFamily="18" charset="0"/>
-              </a:rPr>
-              <a:t> </a:t>
-            </a:r>
-            <a:r>
-              <a:rPr lang="en-US" altLang="zh-TW" sz="4050" dirty="0">
-                <a:latin typeface="Times New Roman" panose="02020603050405020304" pitchFamily="18" charset="0"/>
-                <a:cs typeface="Times New Roman" panose="02020603050405020304" pitchFamily="18" charset="0"/>
-              </a:rPr>
-              <a:t>SPMT</a:t>
-            </a:r>
-          </a:p>
-        </p:txBody>
-      </p:sp>
-      <p:grpSp>
-        <p:nvGrpSpPr>
-          <p:cNvPr id="17" name="组合 16">
-            <a:extLst>
-              <a:ext uri="{FF2B5EF4-FFF2-40B4-BE49-F238E27FC236}">
-                <a16:creationId xmlns:a16="http://schemas.microsoft.com/office/drawing/2014/main" id="{B0C039CE-E35B-FB20-4F6F-73AF29F5EC82}"/>
-              </a:ext>
-            </a:extLst>
-          </p:cNvPr>
-          <p:cNvGrpSpPr/>
-          <p:nvPr/>
-        </p:nvGrpSpPr>
-        <p:grpSpPr>
-          <a:xfrm>
-            <a:off x="8023252" y="5229633"/>
-            <a:ext cx="1057142" cy="414474"/>
-            <a:chOff x="10502095" y="6069536"/>
-            <a:chExt cx="1409523" cy="552632"/>
-          </a:xfrm>
-        </p:grpSpPr>
-        <p:pic>
-          <p:nvPicPr>
-            <p:cNvPr id="10" name="图片 9" descr="图片包含 背景图案&#10;&#10;描述已自动生成">
-              <a:extLst>
-                <a:ext uri="{FF2B5EF4-FFF2-40B4-BE49-F238E27FC236}">
-                  <a16:creationId xmlns:a16="http://schemas.microsoft.com/office/drawing/2014/main" id="{630E8096-9BAE-771C-F26B-5E769FE2760E}"/>
-                </a:ext>
-              </a:extLst>
-            </p:cNvPr>
-            <p:cNvPicPr>
-              <a:picLocks noChangeAspect="1"/>
-            </p:cNvPicPr>
-            <p:nvPr/>
-          </p:nvPicPr>
-          <p:blipFill>
-            <a:blip r:embed="rId2">
-              <a:extLst>
-                <a:ext uri="{28A0092B-C50C-407E-A947-70E740481C1C}">
-                  <a14:useLocalDpi xmlns:a14="http://schemas.microsoft.com/office/drawing/2010/main" val="0"/>
-                </a:ext>
-              </a:extLst>
-            </a:blip>
-            <a:stretch>
-              <a:fillRect/>
-            </a:stretch>
-          </p:blipFill>
-          <p:spPr>
-            <a:xfrm>
-              <a:off x="11427454" y="6069536"/>
-              <a:ext cx="484164" cy="552632"/>
-            </a:xfrm>
-            <a:prstGeom prst="rect">
-              <a:avLst/>
-            </a:prstGeom>
-          </p:spPr>
-        </p:pic>
-        <p:sp>
-          <p:nvSpPr>
-            <p:cNvPr id="16" name="文本框 15">
-              <a:extLst>
-                <a:ext uri="{FF2B5EF4-FFF2-40B4-BE49-F238E27FC236}">
-                  <a16:creationId xmlns:a16="http://schemas.microsoft.com/office/drawing/2014/main" id="{790C7AEC-1C60-148D-F56E-026682E2E6F2}"/>
-                </a:ext>
-              </a:extLst>
-            </p:cNvPr>
-            <p:cNvSpPr txBox="1"/>
-            <p:nvPr/>
-          </p:nvSpPr>
-          <p:spPr>
-            <a:xfrm>
-              <a:off x="10502095" y="6183287"/>
-              <a:ext cx="925359" cy="339153"/>
-            </a:xfrm>
-            <a:prstGeom prst="rect">
-              <a:avLst/>
-            </a:prstGeom>
-            <a:noFill/>
-          </p:spPr>
-          <p:txBody>
-            <a:bodyPr wrap="square" rtlCol="0">
-              <a:spAutoFit/>
-            </a:bodyPr>
-            <a:lstStyle/>
-            <a:p>
-              <a:r>
-                <a:rPr lang="en-US" altLang="zh-CN" sz="1053" dirty="0">
-                  <a:solidFill>
-                    <a:schemeClr val="bg1"/>
-                  </a:solidFill>
-                  <a:latin typeface="Times New Roman" panose="02020603050405020304" pitchFamily="18" charset="0"/>
-                  <a:cs typeface="Times New Roman" panose="02020603050405020304" pitchFamily="18" charset="0"/>
-                </a:rPr>
-                <a:t>by YuKi</a:t>
-              </a:r>
-              <a:endParaRPr lang="zh-CN" altLang="en-US" sz="1053" dirty="0">
-                <a:solidFill>
-                  <a:schemeClr val="bg1"/>
-                </a:solidFill>
-                <a:latin typeface="Times New Roman" panose="02020603050405020304" pitchFamily="18" charset="0"/>
-                <a:cs typeface="Times New Roman" panose="02020603050405020304" pitchFamily="18" charset="0"/>
-              </a:endParaRPr>
-            </a:p>
-          </p:txBody>
-        </p:sp>
-      </p:grpSp>
-      <p:sp>
-        <p:nvSpPr>
-          <p:cNvPr id="3" name="矩形 2">
-            <a:extLst>
-              <a:ext uri="{FF2B5EF4-FFF2-40B4-BE49-F238E27FC236}">
-                <a16:creationId xmlns:a16="http://schemas.microsoft.com/office/drawing/2014/main" id="{C6B03883-6ED4-84CA-8282-B8EC86CE999A}"/>
-              </a:ext>
-            </a:extLst>
-          </p:cNvPr>
-          <p:cNvSpPr/>
-          <p:nvPr/>
-        </p:nvSpPr>
-        <p:spPr>
-          <a:xfrm>
-            <a:off x="-2" y="0"/>
-            <a:ext cx="3276602" cy="653131"/>
-          </a:xfrm>
-          <a:prstGeom prst="rect">
-            <a:avLst/>
-          </a:prstGeom>
-          <a:solidFill>
-            <a:schemeClr val="tx1"/>
-          </a:solidFill>
-          <a:ln>
-            <a:noFill/>
-          </a:ln>
-        </p:spPr>
-        <p:style>
-          <a:lnRef idx="2">
-            <a:schemeClr val="accent1">
-              <a:shade val="50000"/>
-            </a:schemeClr>
-          </a:lnRef>
-          <a:fillRef idx="1">
-            <a:schemeClr val="accent1"/>
-          </a:fillRef>
-          <a:effectRef idx="0">
-            <a:schemeClr val="accent1"/>
-          </a:effectRef>
-          <a:fontRef idx="minor">
-            <a:schemeClr val="lt1"/>
-          </a:fontRef>
-        </p:style>
-        <p:txBody>
-          <a:bodyPr rtlCol="0" anchor="ctr"/>
-          <a:lstStyle/>
-          <a:p>
-            <a:r>
-              <a:rPr lang="en-US" altLang="zh-CN" sz="4000" dirty="0">
-                <a:solidFill>
-                  <a:schemeClr val="bg1"/>
-                </a:solidFill>
-                <a:latin typeface="Times New Roman" panose="02020603050405020304" pitchFamily="18" charset="0"/>
-                <a:cs typeface="Times New Roman" panose="02020603050405020304" pitchFamily="18" charset="0"/>
-              </a:rPr>
-              <a:t>Introduction</a:t>
-            </a:r>
-            <a:endParaRPr lang="zh-CN" altLang="en-US" sz="4000" dirty="0">
-              <a:solidFill>
-                <a:schemeClr val="bg1"/>
-              </a:solidFill>
-              <a:latin typeface="Times New Roman" panose="02020603050405020304" pitchFamily="18" charset="0"/>
-              <a:cs typeface="Times New Roman" panose="02020603050405020304" pitchFamily="18" charset="0"/>
-            </a:endParaRPr>
-          </a:p>
-        </p:txBody>
-      </p:sp>
-      <p:sp>
-        <p:nvSpPr>
-          <p:cNvPr id="5" name="矩形 4">
-            <a:extLst>
-              <a:ext uri="{FF2B5EF4-FFF2-40B4-BE49-F238E27FC236}">
-                <a16:creationId xmlns:a16="http://schemas.microsoft.com/office/drawing/2014/main" id="{FE461C21-1DA5-1EEF-40F5-6F8AD5899BAF}"/>
-              </a:ext>
-            </a:extLst>
-          </p:cNvPr>
-          <p:cNvSpPr/>
-          <p:nvPr/>
-        </p:nvSpPr>
-        <p:spPr>
-          <a:xfrm>
-            <a:off x="7629" y="5175000"/>
-            <a:ext cx="864000" cy="540000"/>
-          </a:xfrm>
-          <a:prstGeom prst="rect">
-            <a:avLst/>
-          </a:prstGeom>
-          <a:solidFill>
-            <a:schemeClr val="tx1"/>
-          </a:solidFill>
-          <a:ln>
-            <a:noFill/>
-          </a:ln>
-        </p:spPr>
-        <p:style>
-          <a:lnRef idx="2">
-            <a:schemeClr val="accent1">
-              <a:shade val="50000"/>
-            </a:schemeClr>
-          </a:lnRef>
-          <a:fillRef idx="1">
-            <a:schemeClr val="accent1"/>
-          </a:fillRef>
-          <a:effectRef idx="0">
-            <a:schemeClr val="accent1"/>
-          </a:effectRef>
-          <a:fontRef idx="minor">
-            <a:schemeClr val="lt1"/>
-          </a:fontRef>
-        </p:style>
-        <p:txBody>
-          <a:bodyPr rtlCol="0" anchor="ctr"/>
-          <a:lstStyle/>
-          <a:p>
-            <a:pPr algn="ctr"/>
-            <a:r>
-              <a:rPr lang="en-US" altLang="zh-CN" sz="1800" b="1" dirty="0">
-                <a:latin typeface="Times New Roman" panose="02020603050405020304" pitchFamily="18" charset="0"/>
-                <a:cs typeface="Times New Roman" panose="02020603050405020304" pitchFamily="18" charset="0"/>
-              </a:rPr>
-              <a:t>03 / 41</a:t>
-            </a:r>
-            <a:endParaRPr lang="zh-CN" altLang="en-US" sz="1800" b="1" dirty="0">
-              <a:latin typeface="Times New Roman" panose="02020603050405020304" pitchFamily="18" charset="0"/>
-              <a:cs typeface="Times New Roman" panose="02020603050405020304" pitchFamily="18" charset="0"/>
-            </a:endParaRPr>
-          </a:p>
-        </p:txBody>
-      </p:sp>
-      <p:sp>
-        <p:nvSpPr>
-          <p:cNvPr id="12" name="Rectangle 11">
-            <a:extLst>
-              <a:ext uri="{FF2B5EF4-FFF2-40B4-BE49-F238E27FC236}">
-                <a16:creationId xmlns:a16="http://schemas.microsoft.com/office/drawing/2014/main" id="{2AE5AF11-C8FC-4A4C-64DC-86B1D312BD72}"/>
-              </a:ext>
-            </a:extLst>
-          </p:cNvPr>
-          <p:cNvSpPr/>
-          <p:nvPr/>
-        </p:nvSpPr>
-        <p:spPr>
-          <a:xfrm>
-            <a:off x="288015" y="1715811"/>
-            <a:ext cx="5947653" cy="2080670"/>
-          </a:xfrm>
-          <a:prstGeom prst="rect">
-            <a:avLst/>
-          </a:prstGeom>
-        </p:spPr>
-        <p:txBody>
-          <a:bodyPr vert="horz" lIns="91440" tIns="45720" rIns="91440" bIns="45720" rtlCol="0" anchor="t">
-            <a:normAutofit/>
-          </a:bodyPr>
-          <a:lstStyle/>
-          <a:p>
-            <a:pPr indent="-228600">
-              <a:lnSpc>
-                <a:spcPct val="90000"/>
-              </a:lnSpc>
-              <a:spcAft>
-                <a:spcPts val="600"/>
-              </a:spcAft>
-              <a:buFont typeface="Arial" panose="020B0604020202020204" pitchFamily="34" charset="0"/>
-              <a:buChar char="•"/>
-            </a:pPr>
-            <a:endParaRPr lang="en-US" sz="2200" b="1" dirty="0">
-              <a:solidFill>
-                <a:schemeClr val="bg1"/>
-              </a:solidFill>
-              <a:latin typeface="Times New Roman" panose="02020603050405020304" pitchFamily="18" charset="0"/>
-              <a:cs typeface="Times New Roman" panose="02020603050405020304" pitchFamily="18" charset="0"/>
-            </a:endParaRPr>
-          </a:p>
-        </p:txBody>
-      </p:sp>
-      <p:sp>
-        <p:nvSpPr>
-          <p:cNvPr id="4" name="文本框 3">
-            <a:extLst>
-              <a:ext uri="{FF2B5EF4-FFF2-40B4-BE49-F238E27FC236}">
-                <a16:creationId xmlns:a16="http://schemas.microsoft.com/office/drawing/2014/main" id="{79382212-40B2-FA6B-EF2C-8ECD56A7873F}"/>
-              </a:ext>
-            </a:extLst>
-          </p:cNvPr>
-          <p:cNvSpPr txBox="1"/>
-          <p:nvPr/>
-        </p:nvSpPr>
-        <p:spPr>
-          <a:xfrm>
-            <a:off x="1231541" y="2565112"/>
-            <a:ext cx="4090118" cy="584775"/>
-          </a:xfrm>
-          <a:prstGeom prst="rect">
-            <a:avLst/>
-          </a:prstGeom>
-          <a:noFill/>
-        </p:spPr>
-        <p:txBody>
-          <a:bodyPr wrap="square">
-            <a:spAutoFit/>
-          </a:bodyPr>
-          <a:lstStyle/>
-          <a:p>
-            <a:pPr marL="285750" indent="-285750">
-              <a:buFont typeface="Wingdings" panose="05000000000000000000" pitchFamily="2" charset="2"/>
-              <a:buChar char="l"/>
-            </a:pPr>
-            <a:r>
-              <a:rPr lang="en-US" altLang="zh-CN" sz="3200" dirty="0">
-                <a:solidFill>
-                  <a:srgbClr val="FAF1B4"/>
-                </a:solidFill>
-                <a:latin typeface="Times New Roman" panose="02020603050405020304" pitchFamily="18" charset="0"/>
-                <a:cs typeface="Times New Roman" panose="02020603050405020304" pitchFamily="18" charset="0"/>
-              </a:rPr>
-              <a:t> Introduction </a:t>
-            </a:r>
-          </a:p>
-        </p:txBody>
-      </p:sp>
-    </p:spTree>
-    <p:extLst>
-      <p:ext uri="{BB962C8B-B14F-4D97-AF65-F5344CB8AC3E}">
-        <p14:creationId xmlns:p14="http://schemas.microsoft.com/office/powerpoint/2010/main" val="1930206957"/>
-      </p:ext>
-    </p:extLst>
-  </p:cSld>
-  <p:clrMapOvr>
-    <a:masterClrMapping/>
-  </p:clrMapOvr>
-</p:sld>
-</file>
-
-<file path=ppt/slides/slide30.xml><?xml version="1.0" encoding="utf-8"?>
+<file path=ppt/slides/slide32.xml><?xml version="1.0" encoding="utf-8"?>
 <p:sld xmlns:a="http://schemas.openxmlformats.org/drawingml/2006/main" xmlns:r="http://schemas.openxmlformats.org/officeDocument/2006/relationships" xmlns:p="http://schemas.openxmlformats.org/presentationml/2006/main">
   <p:cSld>
     <p:spTree>
@@ -26237,7 +28705,7 @@
 </p:sld>
 </file>
 
-<file path=ppt/slides/slide31.xml><?xml version="1.0" encoding="utf-8"?>
+<file path=ppt/slides/slide33.xml><?xml version="1.0" encoding="utf-8"?>
 <p:sld xmlns:a="http://schemas.openxmlformats.org/drawingml/2006/main" xmlns:r="http://schemas.openxmlformats.org/officeDocument/2006/relationships" xmlns:p="http://schemas.openxmlformats.org/presentationml/2006/main">
   <p:cSld>
     <p:spTree>
@@ -26704,7 +29172,7 @@
 </p:sld>
 </file>
 
-<file path=ppt/slides/slide32.xml><?xml version="1.0" encoding="utf-8"?>
+<file path=ppt/slides/slide34.xml><?xml version="1.0" encoding="utf-8"?>
 <p:sld xmlns:a="http://schemas.openxmlformats.org/drawingml/2006/main" xmlns:r="http://schemas.openxmlformats.org/officeDocument/2006/relationships" xmlns:p="http://schemas.openxmlformats.org/presentationml/2006/main">
   <p:cSld>
     <p:spTree>
@@ -27197,7 +29665,7 @@
 </p:sld>
 </file>
 
-<file path=ppt/slides/slide33.xml><?xml version="1.0" encoding="utf-8"?>
+<file path=ppt/slides/slide35.xml><?xml version="1.0" encoding="utf-8"?>
 <p:sld xmlns:a="http://schemas.openxmlformats.org/drawingml/2006/main" xmlns:r="http://schemas.openxmlformats.org/officeDocument/2006/relationships" xmlns:p="http://schemas.openxmlformats.org/presentationml/2006/main">
   <p:cSld>
     <p:spTree>
@@ -27749,7 +30217,7 @@
 </p:sld>
 </file>
 
-<file path=ppt/slides/slide34.xml><?xml version="1.0" encoding="utf-8"?>
+<file path=ppt/slides/slide36.xml><?xml version="1.0" encoding="utf-8"?>
 <p:sld xmlns:a="http://schemas.openxmlformats.org/drawingml/2006/main" xmlns:r="http://schemas.openxmlformats.org/officeDocument/2006/relationships" xmlns:p="http://schemas.openxmlformats.org/presentationml/2006/main">
   <p:cSld>
     <p:spTree>
@@ -28320,7 +30788,7 @@
 </p:sld>
 </file>
 
-<file path=ppt/slides/slide35.xml><?xml version="1.0" encoding="utf-8"?>
+<file path=ppt/slides/slide37.xml><?xml version="1.0" encoding="utf-8"?>
 <p:sld xmlns:a="http://schemas.openxmlformats.org/drawingml/2006/main" xmlns:r="http://schemas.openxmlformats.org/officeDocument/2006/relationships" xmlns:p="http://schemas.openxmlformats.org/presentationml/2006/main">
   <p:cSld>
     <p:spTree>
@@ -28843,7 +31311,7 @@
 </p:sld>
 </file>
 
-<file path=ppt/slides/slide36.xml><?xml version="1.0" encoding="utf-8"?>
+<file path=ppt/slides/slide38.xml><?xml version="1.0" encoding="utf-8"?>
 <p:sld xmlns:a="http://schemas.openxmlformats.org/drawingml/2006/main" xmlns:r="http://schemas.openxmlformats.org/officeDocument/2006/relationships" xmlns:p="http://schemas.openxmlformats.org/presentationml/2006/main">
   <p:cSld>
     <p:spTree>
@@ -29348,7 +31816,7 @@
 </p:sld>
 </file>
 
-<file path=ppt/slides/slide37.xml><?xml version="1.0" encoding="utf-8"?>
+<file path=ppt/slides/slide39.xml><?xml version="1.0" encoding="utf-8"?>
 <p:sld xmlns:a="http://schemas.openxmlformats.org/drawingml/2006/main" xmlns:r="http://schemas.openxmlformats.org/officeDocument/2006/relationships" xmlns:p="http://schemas.openxmlformats.org/presentationml/2006/main">
   <p:cSld>
     <p:spTree>
@@ -29882,7 +32350,7 @@
 </p:sld>
 </file>
 
-<file path=ppt/slides/slide38.xml><?xml version="1.0" encoding="utf-8"?>
+<file path=ppt/slides/slide4.xml><?xml version="1.0" encoding="utf-8"?>
 <p:sld xmlns:a="http://schemas.openxmlformats.org/drawingml/2006/main" xmlns:r="http://schemas.openxmlformats.org/officeDocument/2006/relationships" xmlns:p="http://schemas.openxmlformats.org/presentationml/2006/main">
   <p:cSld>
     <p:spTree>
@@ -29901,10 +32369,10 @@
       </p:grpSpPr>
       <p:sp>
         <p:nvSpPr>
-          <p:cNvPr id="6" name="矩形 5">
-            <a:extLst>
-              <a:ext uri="{FF2B5EF4-FFF2-40B4-BE49-F238E27FC236}">
-                <a16:creationId xmlns:a16="http://schemas.microsoft.com/office/drawing/2014/main" id="{D89A1788-3DCA-5E59-1C6D-272D6AB1F2D3}"/>
+          <p:cNvPr id="20" name="矩形 19">
+            <a:extLst>
+              <a:ext uri="{FF2B5EF4-FFF2-40B4-BE49-F238E27FC236}">
+                <a16:creationId xmlns:a16="http://schemas.microsoft.com/office/drawing/2014/main" id="{C959A457-74E2-627A-0FAC-5E3072829554}"/>
               </a:ext>
             </a:extLst>
           </p:cNvPr>
@@ -30163,7 +32631,7 @@
                 <a:latin typeface="Times New Roman" panose="02020603050405020304" pitchFamily="18" charset="0"/>
                 <a:cs typeface="Times New Roman" panose="02020603050405020304" pitchFamily="18" charset="0"/>
               </a:rPr>
-              <a:t>Website</a:t>
+              <a:t>Introduction</a:t>
             </a:r>
             <a:endParaRPr lang="zh-CN" altLang="en-US" sz="4000" dirty="0">
               <a:solidFill>
@@ -30228,7 +32696,7 @@
                 <a:latin typeface="Times New Roman" panose="02020603050405020304" pitchFamily="18" charset="0"/>
                 <a:cs typeface="Times New Roman" panose="02020603050405020304" pitchFamily="18" charset="0"/>
               </a:rPr>
-              <a:t>38 / 41</a:t>
+              <a:t>04 / 41</a:t>
             </a:r>
             <a:endParaRPr lang="zh-CN" altLang="en-US" sz="1800" b="1" dirty="0">
               <a:latin typeface="Times New Roman" panose="02020603050405020304" pitchFamily="18" charset="0"/>
@@ -30239,10 +32707,57 @@
       </p:sp>
       <p:sp>
         <p:nvSpPr>
-          <p:cNvPr id="9" name="文本框 8">
-            <a:extLst>
-              <a:ext uri="{FF2B5EF4-FFF2-40B4-BE49-F238E27FC236}">
-                <a16:creationId xmlns:a16="http://schemas.microsoft.com/office/drawing/2014/main" id="{F366FD86-1B4A-A063-9DEA-B0860E76B5DD}"/>
+          <p:cNvPr id="12" name="Rectangle 11">
+            <a:extLst>
+              <a:ext uri="{FF2B5EF4-FFF2-40B4-BE49-F238E27FC236}">
+                <a16:creationId xmlns:a16="http://schemas.microsoft.com/office/drawing/2014/main" id="{2AE5AF11-C8FC-4A4C-64DC-86B1D312BD72}"/>
+              </a:ext>
+            </a:extLst>
+          </p:cNvPr>
+          <p:cNvSpPr/>
+          <p:nvPr/>
+        </p:nvSpPr>
+        <p:spPr>
+          <a:xfrm>
+            <a:off x="288015" y="1715811"/>
+            <a:ext cx="5947653" cy="2080670"/>
+          </a:xfrm>
+          <a:prstGeom prst="rect">
+            <a:avLst/>
+          </a:prstGeom>
+        </p:spPr>
+        <p:txBody>
+          <a:bodyPr vert="horz" lIns="91440" tIns="45720" rIns="91440" bIns="45720" rtlCol="0" anchor="t">
+            <a:normAutofit/>
+          </a:bodyPr>
+          <a:lstStyle/>
+          <a:p>
+            <a:pPr indent="-228600">
+              <a:lnSpc>
+                <a:spcPct val="90000"/>
+              </a:lnSpc>
+              <a:spcAft>
+                <a:spcPts val="600"/>
+              </a:spcAft>
+              <a:buFont typeface="Arial" panose="020B0604020202020204" pitchFamily="34" charset="0"/>
+              <a:buChar char="•"/>
+            </a:pPr>
+            <a:endParaRPr lang="en-US" sz="2200" b="1" dirty="0">
+              <a:solidFill>
+                <a:schemeClr val="bg1"/>
+              </a:solidFill>
+              <a:latin typeface="Times New Roman" panose="02020603050405020304" pitchFamily="18" charset="0"/>
+              <a:cs typeface="Times New Roman" panose="02020603050405020304" pitchFamily="18" charset="0"/>
+            </a:endParaRPr>
+          </a:p>
+        </p:txBody>
+      </p:sp>
+      <p:sp>
+        <p:nvSpPr>
+          <p:cNvPr id="18" name="文本框 17">
+            <a:extLst>
+              <a:ext uri="{FF2B5EF4-FFF2-40B4-BE49-F238E27FC236}">
+                <a16:creationId xmlns:a16="http://schemas.microsoft.com/office/drawing/2014/main" id="{9BAE6EC3-71D9-5488-3692-782DD8C30047}"/>
               </a:ext>
             </a:extLst>
           </p:cNvPr>
@@ -30251,8 +32766,8 @@
         </p:nvSpPr>
         <p:spPr>
           <a:xfrm>
-            <a:off x="3117752" y="5462273"/>
-            <a:ext cx="3405930" cy="246221"/>
+            <a:off x="302773" y="2989624"/>
+            <a:ext cx="5947653" cy="2185214"/>
           </a:xfrm>
           <a:prstGeom prst="rect">
             <a:avLst/>
@@ -30265,52 +32780,125 @@
           </a:bodyPr>
           <a:lstStyle/>
           <a:p>
-            <a:pPr algn="r"/>
-            <a:r>
-              <a:rPr lang="zh-CN" altLang="en-US" sz="1000" dirty="0">
+            <a:r>
+              <a:rPr lang="en-US" altLang="zh-CN" sz="2400" dirty="0">
+                <a:solidFill>
+                  <a:schemeClr val="bg1"/>
+                </a:solidFill>
+                <a:latin typeface="Times New Roman" panose="02020603050405020304" pitchFamily="18" charset="0"/>
+                <a:cs typeface="Times New Roman" panose="02020603050405020304" pitchFamily="18" charset="0"/>
+              </a:rPr>
+              <a:t>Self-Prioritization Effect (SPE)</a:t>
+            </a:r>
+          </a:p>
+          <a:p>
+            <a:endParaRPr lang="en-US" altLang="zh-CN" sz="2000" dirty="0">
+              <a:solidFill>
+                <a:schemeClr val="bg1"/>
+              </a:solidFill>
+              <a:latin typeface="Times New Roman" panose="02020603050405020304" pitchFamily="18" charset="0"/>
+              <a:cs typeface="Times New Roman" panose="02020603050405020304" pitchFamily="18" charset="0"/>
+            </a:endParaRPr>
+          </a:p>
+          <a:p>
+            <a:pPr lvl="1"/>
+            <a:r>
+              <a:rPr lang="en-US" altLang="zh-CN" sz="2000" dirty="0">
+                <a:solidFill>
+                  <a:schemeClr val="bg1"/>
+                </a:solidFill>
+                <a:latin typeface="Times New Roman" panose="02020603050405020304" pitchFamily="18" charset="0"/>
+                <a:cs typeface="Times New Roman" panose="02020603050405020304" pitchFamily="18" charset="0"/>
+              </a:rPr>
+              <a:t>The cocktail effect</a:t>
+            </a:r>
+          </a:p>
+          <a:p>
+            <a:pPr lvl="1"/>
+            <a:endParaRPr lang="en-US" altLang="zh-CN" sz="1800" dirty="0">
+              <a:solidFill>
+                <a:schemeClr val="bg1"/>
+              </a:solidFill>
+              <a:latin typeface="Times New Roman" panose="02020603050405020304" pitchFamily="18" charset="0"/>
+              <a:cs typeface="Times New Roman" panose="02020603050405020304" pitchFamily="18" charset="0"/>
+            </a:endParaRPr>
+          </a:p>
+          <a:p>
+            <a:pPr lvl="1"/>
+            <a:r>
+              <a:rPr lang="en-US" altLang="zh-CN" sz="1800" dirty="0">
+                <a:solidFill>
+                  <a:schemeClr val="bg1"/>
+                </a:solidFill>
+                <a:latin typeface="Times New Roman" panose="02020603050405020304" pitchFamily="18" charset="0"/>
+                <a:cs typeface="Times New Roman" panose="02020603050405020304" pitchFamily="18" charset="0"/>
+              </a:rPr>
+              <a:t>A memory advantage in recalling information encoded with self-relevance compared with those encoded with non-self relevance. </a:t>
+            </a:r>
+            <a:r>
+              <a:rPr lang="en-US" altLang="zh-CN" sz="1800" dirty="0">
                 <a:solidFill>
                   <a:srgbClr val="FAF1B4"/>
                 </a:solidFill>
-              </a:rPr>
-              <a:t>https://github.com/yuki-961004</a:t>
+                <a:latin typeface="Times New Roman" panose="02020603050405020304" pitchFamily="18" charset="0"/>
+                <a:cs typeface="Times New Roman" panose="02020603050405020304" pitchFamily="18" charset="0"/>
+              </a:rPr>
+              <a:t>(Rogers et al., 1977) </a:t>
             </a:r>
           </a:p>
         </p:txBody>
       </p:sp>
       <p:pic>
         <p:nvPicPr>
-          <p:cNvPr id="20" name="图片 19">
-            <a:extLst>
-              <a:ext uri="{FF2B5EF4-FFF2-40B4-BE49-F238E27FC236}">
-                <a16:creationId xmlns:a16="http://schemas.microsoft.com/office/drawing/2014/main" id="{5EF5533A-4DEC-2206-B2A2-F99C27F689CB}"/>
+          <p:cNvPr id="1028" name="Picture 4" descr="DSRP and the Cocktail Party Effect">
+            <a:extLst>
+              <a:ext uri="{FF2B5EF4-FFF2-40B4-BE49-F238E27FC236}">
+                <a16:creationId xmlns:a16="http://schemas.microsoft.com/office/drawing/2014/main" id="{E4DF4C19-359B-C982-D5FF-0563B104D079}"/>
               </a:ext>
             </a:extLst>
           </p:cNvPr>
           <p:cNvPicPr>
-            <a:picLocks noChangeAspect="1"/>
+            <a:picLocks noChangeAspect="1" noChangeArrowheads="1"/>
           </p:cNvPicPr>
           <p:nvPr/>
         </p:nvPicPr>
         <p:blipFill>
-          <a:blip r:embed="rId4"/>
+          <a:blip r:embed="rId4">
+            <a:extLst>
+              <a:ext uri="{28A0092B-C50C-407E-A947-70E740481C1C}">
+                <a14:useLocalDpi xmlns:a14="http://schemas.microsoft.com/office/drawing/2010/main" val="0"/>
+              </a:ext>
+            </a:extLst>
+          </a:blip>
+          <a:srcRect/>
           <a:stretch>
             <a:fillRect/>
           </a:stretch>
         </p:blipFill>
-        <p:spPr>
+        <p:spPr bwMode="auto">
           <a:xfrm>
-            <a:off x="378844" y="785055"/>
-            <a:ext cx="5795511" cy="4258021"/>
+            <a:off x="1308922" y="819103"/>
+            <a:ext cx="3935356" cy="2094962"/>
           </a:xfrm>
           <a:prstGeom prst="rect">
             <a:avLst/>
           </a:prstGeom>
+          <a:noFill/>
+          <a:extLst>
+            <a:ext uri="{909E8E84-426E-40DD-AFC4-6F175D3DCCD1}">
+              <a14:hiddenFill xmlns:a14="http://schemas.microsoft.com/office/drawing/2010/main">
+                <a:solidFill>
+                  <a:srgbClr val="FFFFFF"/>
+                </a:solidFill>
+              </a14:hiddenFill>
+            </a:ext>
+          </a:extLst>
         </p:spPr>
       </p:pic>
     </p:spTree>
     <p:extLst>
       <p:ext uri="{BB962C8B-B14F-4D97-AF65-F5344CB8AC3E}">
-        <p14:creationId xmlns:p14="http://schemas.microsoft.com/office/powerpoint/2010/main" val="3611692371"/>
+        <p14:creationId xmlns:p14="http://schemas.microsoft.com/office/powerpoint/2010/main" val="1507722445"/>
       </p:ext>
     </p:extLst>
   </p:cSld>
@@ -30320,7 +32908,7 @@
 </p:sld>
 </file>
 
-<file path=ppt/slides/slide39.xml><?xml version="1.0" encoding="utf-8"?>
+<file path=ppt/slides/slide40.xml><?xml version="1.0" encoding="utf-8"?>
 <p:sld xmlns:a="http://schemas.openxmlformats.org/drawingml/2006/main" xmlns:r="http://schemas.openxmlformats.org/officeDocument/2006/relationships" xmlns:p="http://schemas.openxmlformats.org/presentationml/2006/main">
   <p:cSld>
     <p:spTree>
@@ -30666,56 +33254,9 @@
                 <a:latin typeface="Times New Roman" panose="02020603050405020304" pitchFamily="18" charset="0"/>
                 <a:cs typeface="Times New Roman" panose="02020603050405020304" pitchFamily="18" charset="0"/>
               </a:rPr>
-              <a:t>39 / 41</a:t>
+              <a:t>38 / 41</a:t>
             </a:r>
             <a:endParaRPr lang="zh-CN" altLang="en-US" sz="1800" b="1" dirty="0">
-              <a:latin typeface="Times New Roman" panose="02020603050405020304" pitchFamily="18" charset="0"/>
-              <a:cs typeface="Times New Roman" panose="02020603050405020304" pitchFamily="18" charset="0"/>
-            </a:endParaRPr>
-          </a:p>
-        </p:txBody>
-      </p:sp>
-      <p:sp>
-        <p:nvSpPr>
-          <p:cNvPr id="12" name="Rectangle 11">
-            <a:extLst>
-              <a:ext uri="{FF2B5EF4-FFF2-40B4-BE49-F238E27FC236}">
-                <a16:creationId xmlns:a16="http://schemas.microsoft.com/office/drawing/2014/main" id="{2AE5AF11-C8FC-4A4C-64DC-86B1D312BD72}"/>
-              </a:ext>
-            </a:extLst>
-          </p:cNvPr>
-          <p:cNvSpPr/>
-          <p:nvPr/>
-        </p:nvSpPr>
-        <p:spPr>
-          <a:xfrm>
-            <a:off x="288015" y="1715811"/>
-            <a:ext cx="5947653" cy="2080670"/>
-          </a:xfrm>
-          <a:prstGeom prst="rect">
-            <a:avLst/>
-          </a:prstGeom>
-        </p:spPr>
-        <p:txBody>
-          <a:bodyPr vert="horz" lIns="91440" tIns="45720" rIns="91440" bIns="45720" rtlCol="0" anchor="t">
-            <a:normAutofit/>
-          </a:bodyPr>
-          <a:lstStyle/>
-          <a:p>
-            <a:pPr indent="-228600">
-              <a:lnSpc>
-                <a:spcPct val="90000"/>
-              </a:lnSpc>
-              <a:spcAft>
-                <a:spcPts val="600"/>
-              </a:spcAft>
-              <a:buFont typeface="Arial" panose="020B0604020202020204" pitchFamily="34" charset="0"/>
-              <a:buChar char="•"/>
-            </a:pPr>
-            <a:endParaRPr lang="en-US" sz="2200" b="1" dirty="0">
-              <a:solidFill>
-                <a:schemeClr val="bg1"/>
-              </a:solidFill>
               <a:latin typeface="Times New Roman" panose="02020603050405020304" pitchFamily="18" charset="0"/>
               <a:cs typeface="Times New Roman" panose="02020603050405020304" pitchFamily="18" charset="0"/>
             </a:endParaRPr>
@@ -30752,27 +33293,22 @@
           <a:p>
             <a:pPr algn="r"/>
             <a:r>
-              <a:rPr lang="en-US" altLang="zh-CN" sz="1000" dirty="0">
+              <a:rPr lang="zh-CN" altLang="en-US" sz="1000" dirty="0">
                 <a:solidFill>
                   <a:srgbClr val="FAF1B4"/>
                 </a:solidFill>
               </a:rPr>
-              <a:t>https://github.com/yuki-961004/Reliability_SPMT</a:t>
-            </a:r>
-            <a:endParaRPr lang="zh-CN" altLang="en-US" sz="1000" dirty="0">
-              <a:solidFill>
-                <a:srgbClr val="FAF1B4"/>
-              </a:solidFill>
-            </a:endParaRPr>
+              <a:t>https://github.com/yuki-961004</a:t>
+            </a:r>
           </a:p>
         </p:txBody>
       </p:sp>
       <p:pic>
         <p:nvPicPr>
-          <p:cNvPr id="15" name="图片 14">
-            <a:extLst>
-              <a:ext uri="{FF2B5EF4-FFF2-40B4-BE49-F238E27FC236}">
-                <a16:creationId xmlns:a16="http://schemas.microsoft.com/office/drawing/2014/main" id="{5FAB7DF9-EF6D-0970-64BE-DE363C5B42F0}"/>
+          <p:cNvPr id="20" name="图片 19">
+            <a:extLst>
+              <a:ext uri="{FF2B5EF4-FFF2-40B4-BE49-F238E27FC236}">
+                <a16:creationId xmlns:a16="http://schemas.microsoft.com/office/drawing/2014/main" id="{5EF5533A-4DEC-2206-B2A2-F99C27F689CB}"/>
               </a:ext>
             </a:extLst>
           </p:cNvPr>
@@ -30789,8 +33325,8 @@
         </p:blipFill>
         <p:spPr>
           <a:xfrm>
-            <a:off x="375076" y="778765"/>
-            <a:ext cx="5803047" cy="4270601"/>
+            <a:off x="378844" y="785055"/>
+            <a:ext cx="5795511" cy="4258021"/>
           </a:xfrm>
           <a:prstGeom prst="rect">
             <a:avLst/>
@@ -30800,7 +33336,7 @@
     </p:spTree>
     <p:extLst>
       <p:ext uri="{BB962C8B-B14F-4D97-AF65-F5344CB8AC3E}">
-        <p14:creationId xmlns:p14="http://schemas.microsoft.com/office/powerpoint/2010/main" val="1981327083"/>
+        <p14:creationId xmlns:p14="http://schemas.microsoft.com/office/powerpoint/2010/main" val="3611692371"/>
       </p:ext>
     </p:extLst>
   </p:cSld>
@@ -30810,7 +33346,7 @@
 </p:sld>
 </file>
 
-<file path=ppt/slides/slide4.xml><?xml version="1.0" encoding="utf-8"?>
+<file path=ppt/slides/slide41.xml><?xml version="1.0" encoding="utf-8"?>
 <p:sld xmlns:a="http://schemas.openxmlformats.org/drawingml/2006/main" xmlns:r="http://schemas.openxmlformats.org/officeDocument/2006/relationships" xmlns:p="http://schemas.openxmlformats.org/presentationml/2006/main">
   <p:cSld>
     <p:spTree>
@@ -30829,10 +33365,10 @@
       </p:grpSpPr>
       <p:sp>
         <p:nvSpPr>
-          <p:cNvPr id="20" name="矩形 19">
-            <a:extLst>
-              <a:ext uri="{FF2B5EF4-FFF2-40B4-BE49-F238E27FC236}">
-                <a16:creationId xmlns:a16="http://schemas.microsoft.com/office/drawing/2014/main" id="{C959A457-74E2-627A-0FAC-5E3072829554}"/>
+          <p:cNvPr id="6" name="矩形 5">
+            <a:extLst>
+              <a:ext uri="{FF2B5EF4-FFF2-40B4-BE49-F238E27FC236}">
+                <a16:creationId xmlns:a16="http://schemas.microsoft.com/office/drawing/2014/main" id="{D89A1788-3DCA-5E59-1C6D-272D6AB1F2D3}"/>
               </a:ext>
             </a:extLst>
           </p:cNvPr>
@@ -31091,7 +33627,7 @@
                 <a:latin typeface="Times New Roman" panose="02020603050405020304" pitchFamily="18" charset="0"/>
                 <a:cs typeface="Times New Roman" panose="02020603050405020304" pitchFamily="18" charset="0"/>
               </a:rPr>
-              <a:t>Introduction</a:t>
+              <a:t>Website</a:t>
             </a:r>
             <a:endParaRPr lang="zh-CN" altLang="en-US" sz="4000" dirty="0">
               <a:solidFill>
@@ -31156,7 +33692,7 @@
                 <a:latin typeface="Times New Roman" panose="02020603050405020304" pitchFamily="18" charset="0"/>
                 <a:cs typeface="Times New Roman" panose="02020603050405020304" pitchFamily="18" charset="0"/>
               </a:rPr>
-              <a:t>04 / 41</a:t>
+              <a:t>39 / 41</a:t>
             </a:r>
             <a:endParaRPr lang="zh-CN" altLang="en-US" sz="1800" b="1" dirty="0">
               <a:latin typeface="Times New Roman" panose="02020603050405020304" pitchFamily="18" charset="0"/>
@@ -31214,10 +33750,10 @@
       </p:sp>
       <p:sp>
         <p:nvSpPr>
-          <p:cNvPr id="18" name="文本框 17">
-            <a:extLst>
-              <a:ext uri="{FF2B5EF4-FFF2-40B4-BE49-F238E27FC236}">
-                <a16:creationId xmlns:a16="http://schemas.microsoft.com/office/drawing/2014/main" id="{9BAE6EC3-71D9-5488-3692-782DD8C30047}"/>
+          <p:cNvPr id="9" name="文本框 8">
+            <a:extLst>
+              <a:ext uri="{FF2B5EF4-FFF2-40B4-BE49-F238E27FC236}">
+                <a16:creationId xmlns:a16="http://schemas.microsoft.com/office/drawing/2014/main" id="{F366FD86-1B4A-A063-9DEA-B0860E76B5DD}"/>
               </a:ext>
             </a:extLst>
           </p:cNvPr>
@@ -31226,8 +33762,8 @@
         </p:nvSpPr>
         <p:spPr>
           <a:xfrm>
-            <a:off x="302773" y="2989624"/>
-            <a:ext cx="5947653" cy="2185214"/>
+            <a:off x="3117752" y="5462273"/>
+            <a:ext cx="3405930" cy="246221"/>
           </a:xfrm>
           <a:prstGeom prst="rect">
             <a:avLst/>
@@ -31240,125 +33776,57 @@
           </a:bodyPr>
           <a:lstStyle/>
           <a:p>
-            <a:r>
-              <a:rPr lang="en-US" altLang="zh-CN" sz="2400" dirty="0">
-                <a:solidFill>
-                  <a:schemeClr val="bg1"/>
-                </a:solidFill>
-                <a:latin typeface="Times New Roman" panose="02020603050405020304" pitchFamily="18" charset="0"/>
-                <a:cs typeface="Times New Roman" panose="02020603050405020304" pitchFamily="18" charset="0"/>
-              </a:rPr>
-              <a:t>Self-Prioritization Effect (SPE)</a:t>
-            </a:r>
-          </a:p>
-          <a:p>
-            <a:endParaRPr lang="en-US" altLang="zh-CN" sz="2000" dirty="0">
-              <a:solidFill>
-                <a:schemeClr val="bg1"/>
-              </a:solidFill>
-              <a:latin typeface="Times New Roman" panose="02020603050405020304" pitchFamily="18" charset="0"/>
-              <a:cs typeface="Times New Roman" panose="02020603050405020304" pitchFamily="18" charset="0"/>
-            </a:endParaRPr>
-          </a:p>
-          <a:p>
-            <a:pPr lvl="1"/>
-            <a:r>
-              <a:rPr lang="en-US" altLang="zh-CN" sz="2000" dirty="0">
-                <a:solidFill>
-                  <a:schemeClr val="bg1"/>
-                </a:solidFill>
-                <a:latin typeface="Times New Roman" panose="02020603050405020304" pitchFamily="18" charset="0"/>
-                <a:cs typeface="Times New Roman" panose="02020603050405020304" pitchFamily="18" charset="0"/>
-              </a:rPr>
-              <a:t>The cocktail effect</a:t>
-            </a:r>
-          </a:p>
-          <a:p>
-            <a:pPr lvl="1"/>
-            <a:endParaRPr lang="en-US" altLang="zh-CN" sz="1800" dirty="0">
-              <a:solidFill>
-                <a:schemeClr val="bg1"/>
-              </a:solidFill>
-              <a:latin typeface="Times New Roman" panose="02020603050405020304" pitchFamily="18" charset="0"/>
-              <a:cs typeface="Times New Roman" panose="02020603050405020304" pitchFamily="18" charset="0"/>
-            </a:endParaRPr>
-          </a:p>
-          <a:p>
-            <a:pPr lvl="1"/>
-            <a:r>
-              <a:rPr lang="en-US" altLang="zh-CN" sz="1800" dirty="0">
-                <a:solidFill>
-                  <a:schemeClr val="bg1"/>
-                </a:solidFill>
-                <a:latin typeface="Times New Roman" panose="02020603050405020304" pitchFamily="18" charset="0"/>
-                <a:cs typeface="Times New Roman" panose="02020603050405020304" pitchFamily="18" charset="0"/>
-              </a:rPr>
-              <a:t>A memory advantage in recalling information encoded with self-relevance compared with those encoded with non-self relevance. </a:t>
-            </a:r>
-            <a:r>
-              <a:rPr lang="en-US" altLang="zh-CN" sz="1800" dirty="0">
+            <a:pPr algn="r"/>
+            <a:r>
+              <a:rPr lang="en-US" altLang="zh-CN" sz="1000" dirty="0">
                 <a:solidFill>
                   <a:srgbClr val="FAF1B4"/>
                 </a:solidFill>
-                <a:latin typeface="Times New Roman" panose="02020603050405020304" pitchFamily="18" charset="0"/>
-                <a:cs typeface="Times New Roman" panose="02020603050405020304" pitchFamily="18" charset="0"/>
-              </a:rPr>
-              <a:t>(Rogers et al., 1977) </a:t>
-            </a:r>
+              </a:rPr>
+              <a:t>https://github.com/yuki-961004/Reliability_SPMT</a:t>
+            </a:r>
+            <a:endParaRPr lang="zh-CN" altLang="en-US" sz="1000" dirty="0">
+              <a:solidFill>
+                <a:srgbClr val="FAF1B4"/>
+              </a:solidFill>
+            </a:endParaRPr>
           </a:p>
         </p:txBody>
       </p:sp>
       <p:pic>
         <p:nvPicPr>
-          <p:cNvPr id="1028" name="Picture 4" descr="DSRP and the Cocktail Party Effect">
-            <a:extLst>
-              <a:ext uri="{FF2B5EF4-FFF2-40B4-BE49-F238E27FC236}">
-                <a16:creationId xmlns:a16="http://schemas.microsoft.com/office/drawing/2014/main" id="{E4DF4C19-359B-C982-D5FF-0563B104D079}"/>
+          <p:cNvPr id="15" name="图片 14">
+            <a:extLst>
+              <a:ext uri="{FF2B5EF4-FFF2-40B4-BE49-F238E27FC236}">
+                <a16:creationId xmlns:a16="http://schemas.microsoft.com/office/drawing/2014/main" id="{5FAB7DF9-EF6D-0970-64BE-DE363C5B42F0}"/>
               </a:ext>
             </a:extLst>
           </p:cNvPr>
           <p:cNvPicPr>
-            <a:picLocks noChangeAspect="1" noChangeArrowheads="1"/>
+            <a:picLocks noChangeAspect="1"/>
           </p:cNvPicPr>
           <p:nvPr/>
         </p:nvPicPr>
         <p:blipFill>
-          <a:blip r:embed="rId4">
-            <a:extLst>
-              <a:ext uri="{28A0092B-C50C-407E-A947-70E740481C1C}">
-                <a14:useLocalDpi xmlns:a14="http://schemas.microsoft.com/office/drawing/2010/main" val="0"/>
-              </a:ext>
-            </a:extLst>
-          </a:blip>
-          <a:srcRect/>
+          <a:blip r:embed="rId4"/>
           <a:stretch>
             <a:fillRect/>
           </a:stretch>
         </p:blipFill>
-        <p:spPr bwMode="auto">
+        <p:spPr>
           <a:xfrm>
-            <a:off x="1308922" y="819103"/>
-            <a:ext cx="3935356" cy="2094962"/>
+            <a:off x="375076" y="778765"/>
+            <a:ext cx="5803047" cy="4270601"/>
           </a:xfrm>
           <a:prstGeom prst="rect">
             <a:avLst/>
           </a:prstGeom>
-          <a:noFill/>
-          <a:extLst>
-            <a:ext uri="{909E8E84-426E-40DD-AFC4-6F175D3DCCD1}">
-              <a14:hiddenFill xmlns:a14="http://schemas.microsoft.com/office/drawing/2010/main">
-                <a:solidFill>
-                  <a:srgbClr val="FFFFFF"/>
-                </a:solidFill>
-              </a14:hiddenFill>
-            </a:ext>
-          </a:extLst>
         </p:spPr>
       </p:pic>
     </p:spTree>
     <p:extLst>
       <p:ext uri="{BB962C8B-B14F-4D97-AF65-F5344CB8AC3E}">
-        <p14:creationId xmlns:p14="http://schemas.microsoft.com/office/powerpoint/2010/main" val="1507722445"/>
+        <p14:creationId xmlns:p14="http://schemas.microsoft.com/office/powerpoint/2010/main" val="1981327083"/>
       </p:ext>
     </p:extLst>
   </p:cSld>
@@ -31368,7 +33836,7 @@
 </p:sld>
 </file>
 
-<file path=ppt/slides/slide40.xml><?xml version="1.0" encoding="utf-8"?>
+<file path=ppt/slides/slide42.xml><?xml version="1.0" encoding="utf-8"?>
 <p:sld xmlns:a="http://schemas.openxmlformats.org/drawingml/2006/main" xmlns:r="http://schemas.openxmlformats.org/officeDocument/2006/relationships" xmlns:p="http://schemas.openxmlformats.org/presentationml/2006/main">
   <p:cSld>
     <p:spTree>
@@ -31858,7 +34326,7 @@
 </p:sld>
 </file>
 
-<file path=ppt/slides/slide41.xml><?xml version="1.0" encoding="utf-8"?>
+<file path=ppt/slides/slide43.xml><?xml version="1.0" encoding="utf-8"?>
 <p:sld xmlns:a="http://schemas.openxmlformats.org/drawingml/2006/main" xmlns:r="http://schemas.openxmlformats.org/officeDocument/2006/relationships" xmlns:p="http://schemas.openxmlformats.org/presentationml/2006/main">
   <p:cSld>
     <p:spTree>
